--- a/Slides/Slides-PPT/Exam 1 - Review A.pptx
+++ b/Slides/Slides-PPT/Exam 1 - Review A.pptx
@@ -223,7 +223,7 @@
           <a:p>
             <a:fld id="{43386AF1-EF24-4659-9089-2771856A9EA2}" type="datetimeFigureOut">
               <a:rPr lang="en-US" smtClean="0"/>
-              <a:t>2/18/2022</a:t>
+              <a:t>10/11/2022</a:t>
             </a:fld>
             <a:endParaRPr lang="en-US"/>
           </a:p>
@@ -4431,7 +4431,7 @@
           <a:p>
             <a:fld id="{F8616885-9ED8-4298-9149-C5A410E7F61A}" type="datetime1">
               <a:rPr lang="en-US" smtClean="0"/>
-              <a:t>2/18/2022</a:t>
+              <a:t>10/11/2022</a:t>
             </a:fld>
             <a:endParaRPr lang="en-US"/>
           </a:p>
@@ -4601,7 +4601,7 @@
           <a:p>
             <a:fld id="{46647952-6535-4065-B4F6-C94B3D00772F}" type="datetime1">
               <a:rPr lang="en-US" smtClean="0"/>
-              <a:t>2/18/2022</a:t>
+              <a:t>10/11/2022</a:t>
             </a:fld>
             <a:endParaRPr lang="en-US"/>
           </a:p>
@@ -4781,7 +4781,7 @@
           <a:p>
             <a:fld id="{63870D39-F97D-4ECC-909C-35255E9A37F7}" type="datetime1">
               <a:rPr lang="en-US" smtClean="0"/>
-              <a:t>2/18/2022</a:t>
+              <a:t>10/11/2022</a:t>
             </a:fld>
             <a:endParaRPr lang="en-US"/>
           </a:p>
@@ -4973,7 +4973,7 @@
           <a:p>
             <a:fld id="{38C9C2D7-406E-45EE-9F57-B83131B49240}" type="datetimeFigureOut">
               <a:rPr lang="en-US" smtClean="0"/>
-              <a:t>2/18/2022</a:t>
+              <a:t>10/11/2022</a:t>
             </a:fld>
             <a:endParaRPr lang="en-US"/>
           </a:p>
@@ -5143,7 +5143,7 @@
           <a:p>
             <a:fld id="{38C9C2D7-406E-45EE-9F57-B83131B49240}" type="datetimeFigureOut">
               <a:rPr lang="en-US" smtClean="0"/>
-              <a:t>2/18/2022</a:t>
+              <a:t>10/11/2022</a:t>
             </a:fld>
             <a:endParaRPr lang="en-US"/>
           </a:p>
@@ -5389,7 +5389,7 @@
           <a:p>
             <a:fld id="{38C9C2D7-406E-45EE-9F57-B83131B49240}" type="datetimeFigureOut">
               <a:rPr lang="en-US" smtClean="0"/>
-              <a:t>2/18/2022</a:t>
+              <a:t>10/11/2022</a:t>
             </a:fld>
             <a:endParaRPr lang="en-US"/>
           </a:p>
@@ -5621,7 +5621,7 @@
           <a:p>
             <a:fld id="{38C9C2D7-406E-45EE-9F57-B83131B49240}" type="datetimeFigureOut">
               <a:rPr lang="en-US" smtClean="0"/>
-              <a:t>2/18/2022</a:t>
+              <a:t>10/11/2022</a:t>
             </a:fld>
             <a:endParaRPr lang="en-US"/>
           </a:p>
@@ -5988,7 +5988,7 @@
           <a:p>
             <a:fld id="{38C9C2D7-406E-45EE-9F57-B83131B49240}" type="datetimeFigureOut">
               <a:rPr lang="en-US" smtClean="0"/>
-              <a:t>2/18/2022</a:t>
+              <a:t>10/11/2022</a:t>
             </a:fld>
             <a:endParaRPr lang="en-US"/>
           </a:p>
@@ -6106,7 +6106,7 @@
           <a:p>
             <a:fld id="{38C9C2D7-406E-45EE-9F57-B83131B49240}" type="datetimeFigureOut">
               <a:rPr lang="en-US" smtClean="0"/>
-              <a:t>2/18/2022</a:t>
+              <a:t>10/11/2022</a:t>
             </a:fld>
             <a:endParaRPr lang="en-US"/>
           </a:p>
@@ -6201,7 +6201,7 @@
           <a:p>
             <a:fld id="{38C9C2D7-406E-45EE-9F57-B83131B49240}" type="datetimeFigureOut">
               <a:rPr lang="en-US" smtClean="0"/>
-              <a:t>2/18/2022</a:t>
+              <a:t>10/11/2022</a:t>
             </a:fld>
             <a:endParaRPr lang="en-US"/>
           </a:p>
@@ -6478,7 +6478,7 @@
           <a:p>
             <a:fld id="{38C9C2D7-406E-45EE-9F57-B83131B49240}" type="datetimeFigureOut">
               <a:rPr lang="en-US" smtClean="0"/>
-              <a:t>2/18/2022</a:t>
+              <a:t>10/11/2022</a:t>
             </a:fld>
             <a:endParaRPr lang="en-US"/>
           </a:p>
@@ -6648,7 +6648,7 @@
           <a:p>
             <a:fld id="{7325EFF0-82F5-4880-81B9-BC73A963ECC3}" type="datetime1">
               <a:rPr lang="en-US" smtClean="0"/>
-              <a:t>2/18/2022</a:t>
+              <a:t>10/11/2022</a:t>
             </a:fld>
             <a:endParaRPr lang="en-US"/>
           </a:p>
@@ -6905,7 +6905,7 @@
           <a:p>
             <a:fld id="{38C9C2D7-406E-45EE-9F57-B83131B49240}" type="datetimeFigureOut">
               <a:rPr lang="en-US" smtClean="0"/>
-              <a:t>2/18/2022</a:t>
+              <a:t>10/11/2022</a:t>
             </a:fld>
             <a:endParaRPr lang="en-US"/>
           </a:p>
@@ -7075,7 +7075,7 @@
           <a:p>
             <a:fld id="{38C9C2D7-406E-45EE-9F57-B83131B49240}" type="datetimeFigureOut">
               <a:rPr lang="en-US" smtClean="0"/>
-              <a:t>2/18/2022</a:t>
+              <a:t>10/11/2022</a:t>
             </a:fld>
             <a:endParaRPr lang="en-US"/>
           </a:p>
@@ -7255,7 +7255,7 @@
           <a:p>
             <a:fld id="{38C9C2D7-406E-45EE-9F57-B83131B49240}" type="datetimeFigureOut">
               <a:rPr lang="en-US" smtClean="0"/>
-              <a:t>2/18/2022</a:t>
+              <a:t>10/11/2022</a:t>
             </a:fld>
             <a:endParaRPr lang="en-US"/>
           </a:p>
@@ -7501,7 +7501,7 @@
           <a:p>
             <a:fld id="{5A946811-681C-4AC5-84B7-A52FB525DDA0}" type="datetime1">
               <a:rPr lang="en-US" smtClean="0"/>
-              <a:t>2/18/2022</a:t>
+              <a:t>10/11/2022</a:t>
             </a:fld>
             <a:endParaRPr lang="en-US"/>
           </a:p>
@@ -7733,7 +7733,7 @@
           <a:p>
             <a:fld id="{B26718EC-8AAB-4CFD-80CE-1D0FB821064C}" type="datetime1">
               <a:rPr lang="en-US" smtClean="0"/>
-              <a:t>2/18/2022</a:t>
+              <a:t>10/11/2022</a:t>
             </a:fld>
             <a:endParaRPr lang="en-US"/>
           </a:p>
@@ -8100,7 +8100,7 @@
           <a:p>
             <a:fld id="{B9FC400D-05DF-4711-8592-640F86665B5F}" type="datetime1">
               <a:rPr lang="en-US" smtClean="0"/>
-              <a:t>2/18/2022</a:t>
+              <a:t>10/11/2022</a:t>
             </a:fld>
             <a:endParaRPr lang="en-US"/>
           </a:p>
@@ -8218,7 +8218,7 @@
           <a:p>
             <a:fld id="{21DCA921-A295-445C-9DF4-D32E11171EBC}" type="datetime1">
               <a:rPr lang="en-US" smtClean="0"/>
-              <a:t>2/18/2022</a:t>
+              <a:t>10/11/2022</a:t>
             </a:fld>
             <a:endParaRPr lang="en-US"/>
           </a:p>
@@ -8313,7 +8313,7 @@
           <a:p>
             <a:fld id="{410F1947-2C73-49DA-BF00-06FEB90FBFE0}" type="datetime1">
               <a:rPr lang="en-US" smtClean="0"/>
-              <a:t>2/18/2022</a:t>
+              <a:t>10/11/2022</a:t>
             </a:fld>
             <a:endParaRPr lang="en-US"/>
           </a:p>
@@ -8590,7 +8590,7 @@
           <a:p>
             <a:fld id="{7909FA88-D630-40A8-A7C1-451FFA95718D}" type="datetime1">
               <a:rPr lang="en-US" smtClean="0"/>
-              <a:t>2/18/2022</a:t>
+              <a:t>10/11/2022</a:t>
             </a:fld>
             <a:endParaRPr lang="en-US"/>
           </a:p>
@@ -8847,7 +8847,7 @@
           <a:p>
             <a:fld id="{0B22107A-0A76-4A69-98CE-85E509F6FEC6}" type="datetime1">
               <a:rPr lang="en-US" smtClean="0"/>
-              <a:t>2/18/2022</a:t>
+              <a:t>10/11/2022</a:t>
             </a:fld>
             <a:endParaRPr lang="en-US"/>
           </a:p>
@@ -9060,7 +9060,7 @@
           <a:p>
             <a:fld id="{BFC3CE7D-A49F-42F1-B54B-0205BF41E480}" type="datetime1">
               <a:rPr lang="en-US" smtClean="0"/>
-              <a:t>2/18/2022</a:t>
+              <a:t>10/11/2022</a:t>
             </a:fld>
             <a:endParaRPr lang="en-US"/>
           </a:p>
@@ -9601,7 +9601,7 @@
           <a:p>
             <a:fld id="{38C9C2D7-406E-45EE-9F57-B83131B49240}" type="datetimeFigureOut">
               <a:rPr lang="en-US" smtClean="0"/>
-              <a:t>2/18/2022</a:t>
+              <a:t>10/11/2022</a:t>
             </a:fld>
             <a:endParaRPr lang="en-US"/>
           </a:p>
@@ -13620,7 +13620,7 @@
             </a:ln>
             <a:extLst>
               <a:ext uri="{909E8E84-426E-40dd-AFC4-6F175D3DCCD1}">
-                <a14:hiddenFill xmlns="" xmlns:a14="http://schemas.microsoft.com/office/drawing/2010/main">
+                <a14:hiddenFill xmlns:a14="http://schemas.microsoft.com/office/drawing/2010/main" xmlns="">
                   <a:noFill/>
                 </a14:hiddenFill>
               </a:ext>
@@ -13662,7 +13662,7 @@
             </a:ln>
             <a:extLst>
               <a:ext uri="{909E8E84-426E-40dd-AFC4-6F175D3DCCD1}">
-                <a14:hiddenFill xmlns="" xmlns:a14="http://schemas.microsoft.com/office/drawing/2010/main">
+                <a14:hiddenFill xmlns:a14="http://schemas.microsoft.com/office/drawing/2010/main" xmlns="">
                   <a:noFill/>
                 </a14:hiddenFill>
               </a:ext>
@@ -14026,7 +14026,7 @@
             </a:ln>
             <a:extLst>
               <a:ext uri="{909E8E84-426E-40dd-AFC4-6F175D3DCCD1}">
-                <a14:hiddenFill xmlns="" xmlns:a14="http://schemas.microsoft.com/office/drawing/2010/main">
+                <a14:hiddenFill xmlns:a14="http://schemas.microsoft.com/office/drawing/2010/main" xmlns="">
                   <a:noFill/>
                 </a14:hiddenFill>
               </a:ext>
@@ -14071,7 +14071,7 @@
             </a:ln>
             <a:extLst>
               <a:ext uri="{909E8E84-426E-40dd-AFC4-6F175D3DCCD1}">
-                <a14:hiddenFill xmlns="" xmlns:a14="http://schemas.microsoft.com/office/drawing/2010/main">
+                <a14:hiddenFill xmlns:a14="http://schemas.microsoft.com/office/drawing/2010/main" xmlns="">
                   <a:noFill/>
                 </a14:hiddenFill>
               </a:ext>
@@ -14116,7 +14116,7 @@
             </a:ln>
             <a:extLst>
               <a:ext uri="{909E8E84-426E-40dd-AFC4-6F175D3DCCD1}">
-                <a14:hiddenFill xmlns="" xmlns:a14="http://schemas.microsoft.com/office/drawing/2010/main">
+                <a14:hiddenFill xmlns:a14="http://schemas.microsoft.com/office/drawing/2010/main" xmlns="">
                   <a:noFill/>
                 </a14:hiddenFill>
               </a:ext>
@@ -14160,7 +14160,7 @@
             </a:ln>
             <a:extLst>
               <a:ext uri="{909E8E84-426E-40dd-AFC4-6F175D3DCCD1}">
-                <a14:hiddenFill xmlns="" xmlns:a14="http://schemas.microsoft.com/office/drawing/2010/main">
+                <a14:hiddenFill xmlns:a14="http://schemas.microsoft.com/office/drawing/2010/main" xmlns="">
                   <a:noFill/>
                 </a14:hiddenFill>
               </a:ext>
@@ -16484,8 +16484,8 @@
         </p:nvSpPr>
         <p:spPr>
           <a:xfrm>
-            <a:off x="1008185" y="1472895"/>
-            <a:ext cx="9904324" cy="4755667"/>
+            <a:off x="1008184" y="1472895"/>
+            <a:ext cx="10828773" cy="4755667"/>
           </a:xfrm>
           <a:prstGeom prst="rect">
             <a:avLst/>
@@ -16547,7 +16547,7 @@
                 <a:ea typeface="+mn-ea"/>
                 <a:cs typeface="+mn-cs"/>
               </a:rPr>
-              <a:t>Exam 1 is on </a:t>
+              <a:t>Exam 1 is </a:t>
             </a:r>
             <a:r>
               <a:rPr kumimoji="0" lang="en-US" sz="2400" b="0" i="0" u="none" strike="noStrike" kern="1200" cap="none" spc="0" normalizeH="0" baseline="0" noProof="0" dirty="0">
@@ -16564,29 +16564,10 @@
                 <a:ea typeface="+mn-ea"/>
                 <a:cs typeface="+mn-cs"/>
               </a:rPr>
-              <a:t>Feb 21 (3-10 pm, Start by 8 pm)</a:t>
-            </a:r>
-          </a:p>
-          <a:p>
-            <a:pPr marL="1005840" marR="0" lvl="2" indent="-365760" algn="l" defTabSz="914400" rtl="0" eaLnBrk="1" fontAlgn="auto" latinLnBrk="0" hangingPunct="1">
-              <a:lnSpc>
-                <a:spcPct val="150000"/>
-              </a:lnSpc>
-              <a:spcBef>
-                <a:spcPts val="0"/>
-              </a:spcBef>
-              <a:spcAft>
-                <a:spcPts val="0"/>
-              </a:spcAft>
-              <a:buClrTx/>
-              <a:buSzTx/>
-              <a:buFont typeface="Courier New" panose="02070309020205020404" pitchFamily="49" charset="0"/>
-              <a:buChar char="o"/>
-              <a:tabLst/>
-              <a:defRPr/>
-            </a:pPr>
-            <a:r>
-              <a:rPr kumimoji="0" lang="en-US" sz="1800" b="0" i="0" u="none" strike="noStrike" kern="1200" cap="none" spc="0" normalizeH="0" baseline="0" noProof="0" dirty="0">
+              <a:t>Oct 13, 1:55 pm - 3:45 pm</a:t>
+            </a:r>
+            <a:r>
+              <a:rPr kumimoji="0" lang="en-US" sz="2400" b="0" i="0" u="none" strike="noStrike" kern="1200" cap="none" spc="0" normalizeH="0" baseline="0" noProof="0" dirty="0">
                 <a:ln>
                   <a:noFill/>
                 </a:ln>
@@ -16600,136 +16581,176 @@
                 <a:ea typeface="+mn-ea"/>
                 <a:cs typeface="+mn-cs"/>
               </a:rPr>
-              <a:t>4 blank sheet</a:t>
-            </a:r>
-            <a:r>
-              <a:rPr lang="en-US" dirty="0">
-                <a:solidFill>
-                  <a:srgbClr val="0081E2"/>
-                </a:solidFill>
-                <a:latin typeface="Gotham Bold" pitchFamily="50" charset="0"/>
-              </a:rPr>
-              <a:t>s of paper are allowed</a:t>
-            </a:r>
-            <a:endParaRPr kumimoji="0" lang="en-US" sz="1800" b="0" i="0" u="none" strike="noStrike" kern="1200" cap="none" spc="0" normalizeH="0" baseline="0" noProof="0" dirty="0">
-              <a:ln>
-                <a:noFill/>
-              </a:ln>
-              <a:solidFill>
-                <a:srgbClr val="0081E2"/>
-              </a:solidFill>
-              <a:effectLst/>
-              <a:uLnTx/>
-              <a:uFillTx/>
-              <a:latin typeface="Gotham Bold" pitchFamily="50" charset="0"/>
-              <a:ea typeface="+mn-ea"/>
-              <a:cs typeface="+mn-cs"/>
-            </a:endParaRPr>
-          </a:p>
-          <a:p>
-            <a:pPr marL="1005840" lvl="2" indent="-365760">
-              <a:lnSpc>
-                <a:spcPct val="150000"/>
-              </a:lnSpc>
-              <a:buFont typeface="Courier New" panose="02070309020205020404" pitchFamily="49" charset="0"/>
-              <a:buChar char="o"/>
-              <a:defRPr/>
-            </a:pPr>
-            <a:r>
-              <a:rPr lang="en-US" dirty="0" err="1">
-                <a:solidFill>
-                  <a:srgbClr val="0081E2"/>
-                </a:solidFill>
-                <a:latin typeface="Gotham Bold" pitchFamily="50" charset="0"/>
-              </a:rPr>
-              <a:t>Honorlock</a:t>
-            </a:r>
-            <a:endParaRPr lang="en-US" dirty="0">
-              <a:solidFill>
-                <a:srgbClr val="0081E2"/>
-              </a:solidFill>
-              <a:latin typeface="Gotham Bold" pitchFamily="50" charset="0"/>
-            </a:endParaRPr>
-          </a:p>
-          <a:p>
-            <a:pPr marL="1005840" lvl="2" indent="-365760">
-              <a:lnSpc>
-                <a:spcPct val="150000"/>
-              </a:lnSpc>
-              <a:buFont typeface="Courier New" panose="02070309020205020404" pitchFamily="49" charset="0"/>
-              <a:buChar char="o"/>
-              <a:defRPr/>
-            </a:pPr>
-            <a:r>
-              <a:rPr lang="en-US" dirty="0">
-                <a:solidFill>
-                  <a:srgbClr val="0081E2"/>
-                </a:solidFill>
-                <a:latin typeface="Gotham Bold" pitchFamily="50" charset="0"/>
-              </a:rPr>
-              <a:t>Topics: Module 1-4 (includes Balanced Trees)</a:t>
-            </a:r>
-          </a:p>
-          <a:p>
-            <a:pPr marL="1005840" lvl="2" indent="-365760">
-              <a:lnSpc>
-                <a:spcPct val="150000"/>
-              </a:lnSpc>
-              <a:buFont typeface="Courier New" panose="02070309020205020404" pitchFamily="49" charset="0"/>
-              <a:buChar char="o"/>
-              <a:defRPr/>
-            </a:pPr>
-            <a:r>
-              <a:rPr lang="en-US" dirty="0">
-                <a:solidFill>
-                  <a:srgbClr val="0081E2"/>
-                </a:solidFill>
-                <a:latin typeface="Gotham Bold" pitchFamily="50" charset="0"/>
-              </a:rPr>
-              <a:t>You can use both Iteration or Recursion to solve problems</a:t>
-            </a:r>
-          </a:p>
-          <a:p>
-            <a:pPr marL="1005840" lvl="2" indent="-365760">
-              <a:lnSpc>
-                <a:spcPct val="150000"/>
-              </a:lnSpc>
-              <a:buFont typeface="Courier New" panose="02070309020205020404" pitchFamily="49" charset="0"/>
-              <a:buChar char="o"/>
-              <a:defRPr/>
-            </a:pPr>
-            <a:endParaRPr lang="en-US" dirty="0">
-              <a:solidFill>
-                <a:srgbClr val="0081E2"/>
-              </a:solidFill>
-              <a:latin typeface="Gotham Bold" pitchFamily="50" charset="0"/>
-            </a:endParaRPr>
-          </a:p>
-          <a:p>
-            <a:pPr marL="342900" indent="-342900">
+              <a:t> in CAR 0100</a:t>
+            </a:r>
+          </a:p>
+          <a:p>
+            <a:pPr marL="742950" lvl="1" indent="-285750">
               <a:lnSpc>
                 <a:spcPct val="150000"/>
               </a:lnSpc>
               <a:buFont typeface="Wingdings" panose="05000000000000000000" pitchFamily="2" charset="2"/>
               <a:buChar char="§"/>
+              <a:defRPr/>
             </a:pPr>
             <a:r>
-              <a:rPr lang="en-US" sz="2000" dirty="0">
+              <a:rPr kumimoji="0" lang="en-US" b="0" i="0" u="none" strike="noStrike" kern="1200" cap="none" spc="0" normalizeH="0" baseline="0" noProof="0" dirty="0">
+                <a:ln>
+                  <a:noFill/>
+                </a:ln>
                 <a:solidFill>
                   <a:srgbClr val="0081E2"/>
                 </a:solidFill>
+                <a:effectLst/>
+                <a:uLnTx/>
+                <a:uFillTx/>
                 <a:latin typeface="Gotham Bold" pitchFamily="50" charset="0"/>
-              </a:rPr>
-              <a:t>Read the Topics and Expectations Guide on Canvas</a:t>
-            </a:r>
-          </a:p>
-          <a:p>
-            <a:pPr marL="800100" lvl="1" indent="-342900">
+                <a:ea typeface="+mn-ea"/>
+                <a:cs typeface="+mn-cs"/>
+              </a:rPr>
+              <a:t>Bring 4 blank sheets of paper, a pen, and a computing device with lockdown browser.</a:t>
+            </a:r>
+          </a:p>
+          <a:p>
+            <a:pPr marL="742950" lvl="1" indent="-285750">
               <a:lnSpc>
                 <a:spcPct val="150000"/>
               </a:lnSpc>
               <a:buFont typeface="Wingdings" panose="05000000000000000000" pitchFamily="2" charset="2"/>
               <a:buChar char="§"/>
+              <a:defRPr/>
+            </a:pPr>
+            <a:r>
+              <a:rPr kumimoji="0" lang="en-US" b="0" i="0" u="none" strike="noStrike" kern="1200" cap="none" spc="0" normalizeH="0" baseline="0" noProof="0" dirty="0">
+                <a:ln>
+                  <a:noFill/>
+                </a:ln>
+                <a:solidFill>
+                  <a:srgbClr val="0081E2"/>
+                </a:solidFill>
+                <a:effectLst/>
+                <a:uLnTx/>
+                <a:uFillTx/>
+                <a:latin typeface="Gotham Bold" pitchFamily="50" charset="0"/>
+                <a:ea typeface="+mn-ea"/>
+                <a:cs typeface="+mn-cs"/>
+              </a:rPr>
+              <a:t>Instructions for installing lockdown browser: Lockdown Browser</a:t>
+            </a:r>
+          </a:p>
+          <a:p>
+            <a:pPr marL="742950" lvl="1" indent="-285750">
+              <a:lnSpc>
+                <a:spcPct val="150000"/>
+              </a:lnSpc>
+              <a:buFont typeface="Wingdings" panose="05000000000000000000" pitchFamily="2" charset="2"/>
+              <a:buChar char="§"/>
+              <a:defRPr/>
+            </a:pPr>
+            <a:r>
+              <a:rPr kumimoji="0" lang="en-US" b="0" i="0" u="none" strike="noStrike" kern="1200" cap="none" spc="0" normalizeH="0" baseline="0" noProof="0" dirty="0">
+                <a:ln>
+                  <a:noFill/>
+                </a:ln>
+                <a:solidFill>
+                  <a:srgbClr val="0081E2"/>
+                </a:solidFill>
+                <a:effectLst/>
+                <a:uLnTx/>
+                <a:uFillTx/>
+                <a:latin typeface="Gotham Bold" pitchFamily="50" charset="0"/>
+                <a:ea typeface="+mn-ea"/>
+                <a:cs typeface="+mn-cs"/>
+              </a:rPr>
+              <a:t>Test quiz: Lockdown Browser Test Quiz</a:t>
+            </a:r>
+          </a:p>
+          <a:p>
+            <a:pPr marL="742950" lvl="1" indent="-285750">
+              <a:lnSpc>
+                <a:spcPct val="150000"/>
+              </a:lnSpc>
+              <a:buFont typeface="Wingdings" panose="05000000000000000000" pitchFamily="2" charset="2"/>
+              <a:buChar char="§"/>
+              <a:defRPr/>
+            </a:pPr>
+            <a:r>
+              <a:rPr kumimoji="0" lang="en-US" b="0" i="0" u="none" strike="noStrike" kern="1200" cap="none" spc="0" normalizeH="0" baseline="0" noProof="0" dirty="0">
+                <a:ln>
+                  <a:noFill/>
+                </a:ln>
+                <a:solidFill>
+                  <a:srgbClr val="0081E2"/>
+                </a:solidFill>
+                <a:effectLst/>
+                <a:uLnTx/>
+                <a:uFillTx/>
+                <a:latin typeface="Gotham Bold" pitchFamily="50" charset="0"/>
+                <a:ea typeface="+mn-ea"/>
+                <a:cs typeface="+mn-cs"/>
+              </a:rPr>
+              <a:t>Those who need accommodations must take the exam at the DRC test center.</a:t>
+            </a:r>
+          </a:p>
+          <a:p>
+            <a:pPr marL="742950" lvl="1" indent="-285750">
+              <a:lnSpc>
+                <a:spcPct val="150000"/>
+              </a:lnSpc>
+              <a:buFont typeface="Wingdings" panose="05000000000000000000" pitchFamily="2" charset="2"/>
+              <a:buChar char="§"/>
+              <a:defRPr/>
+            </a:pPr>
+            <a:r>
+              <a:rPr kumimoji="0" lang="en-US" b="0" i="0" u="none" strike="noStrike" kern="1200" cap="none" spc="0" normalizeH="0" baseline="0" noProof="0" dirty="0">
+                <a:ln>
+                  <a:noFill/>
+                </a:ln>
+                <a:solidFill>
+                  <a:srgbClr val="0081E2"/>
+                </a:solidFill>
+                <a:effectLst/>
+                <a:uLnTx/>
+                <a:uFillTx/>
+                <a:latin typeface="Gotham Bold" pitchFamily="50" charset="0"/>
+                <a:ea typeface="+mn-ea"/>
+                <a:cs typeface="+mn-cs"/>
+              </a:rPr>
+              <a:t>The exam will cover module 1-5 (up to deletion in heaps) and one double-sided letter-sized sheet of handwritten notes is allowed on the exam.</a:t>
+            </a:r>
+          </a:p>
+          <a:p>
+            <a:pPr marL="742950" lvl="1" indent="-285750">
+              <a:lnSpc>
+                <a:spcPct val="150000"/>
+              </a:lnSpc>
+              <a:buFont typeface="Wingdings" panose="05000000000000000000" pitchFamily="2" charset="2"/>
+              <a:buChar char="§"/>
+              <a:defRPr/>
+            </a:pPr>
+            <a:r>
+              <a:rPr kumimoji="0" lang="en-US" b="0" i="0" u="none" strike="noStrike" kern="1200" cap="none" spc="0" normalizeH="0" baseline="0" noProof="0" dirty="0">
+                <a:ln>
+                  <a:noFill/>
+                </a:ln>
+                <a:solidFill>
+                  <a:srgbClr val="0081E2"/>
+                </a:solidFill>
+                <a:effectLst/>
+                <a:uLnTx/>
+                <a:uFillTx/>
+                <a:latin typeface="Gotham Bold" pitchFamily="50" charset="0"/>
+                <a:ea typeface="+mn-ea"/>
+                <a:cs typeface="+mn-cs"/>
+              </a:rPr>
+              <a:t>The topics and expectations guide is up.</a:t>
+            </a:r>
+          </a:p>
+          <a:p>
+            <a:pPr lvl="1">
+              <a:lnSpc>
+                <a:spcPct val="150000"/>
+              </a:lnSpc>
             </a:pPr>
             <a:endParaRPr lang="en-US" sz="100" dirty="0">
               <a:solidFill>
@@ -16909,7 +16930,7 @@
                 </a:solidFill>
                 <a:latin typeface="Consolas" panose="020B0609020204030204" pitchFamily="49" charset="0"/>
               </a:rPr>
-              <a:t>Know or infer the runtime in terms of Big O of algorithms and scenarios covered in Weeks 2-5 for best, average, and worst case</a:t>
+              <a:t>Know or infer the runtime in terms of Big O of algorithms and scenarios covered in Weeks 2-6 for best, average, and worst case</a:t>
             </a:r>
           </a:p>
           <a:p>
@@ -16939,7 +16960,7 @@
                 </a:solidFill>
                 <a:latin typeface="Consolas" panose="020B0609020204030204" pitchFamily="49" charset="0"/>
               </a:rPr>
-              <a:t>Know the three methods of evaluating the time execution of an algorithm </a:t>
+              <a:t>Know the three methods of evaluating the time execution of an algorithm</a:t>
             </a:r>
           </a:p>
           <a:p>
@@ -17035,7 +17056,7 @@
                 </a:solidFill>
                 <a:latin typeface="Consolas" panose="020B0609020204030204" pitchFamily="49" charset="0"/>
               </a:rPr>
-              <a:t>Critically thinking when a certain type is better in terms of performance</a:t>
+              <a:t>Critically think when a certain type is better in terms of performance</a:t>
             </a:r>
           </a:p>
           <a:p>
@@ -17050,7 +17071,7 @@
                 </a:solidFill>
                 <a:latin typeface="Consolas" panose="020B0609020204030204" pitchFamily="49" charset="0"/>
               </a:rPr>
-              <a:t>Pseudocodes for common operations or for solving a problem </a:t>
+              <a:t>Pseudocodes for common operations or for solving a problem</a:t>
             </a:r>
           </a:p>
           <a:p>
@@ -17065,7 +17086,7 @@
                 </a:solidFill>
                 <a:latin typeface="Consolas" panose="020B0609020204030204" pitchFamily="49" charset="0"/>
               </a:rPr>
-              <a:t>Use cases of Stacks to evaluate expressions, call stacks, balancing parentheses, and finding palindromes.</a:t>
+              <a:t>Use cases of Stacks to evaluate expressions, call stacks, balancing parentheses, and finding palindromes</a:t>
             </a:r>
           </a:p>
           <a:p>
@@ -17080,7 +17101,7 @@
                 </a:solidFill>
                 <a:latin typeface="Consolas" panose="020B0609020204030204" pitchFamily="49" charset="0"/>
               </a:rPr>
-              <a:t>Performance </a:t>
+              <a:t>Performance (in terms of time and space)</a:t>
             </a:r>
           </a:p>
           <a:p>

--- a/Slides/Slides-PPT/Exam 1 - Review A.pptx
+++ b/Slides/Slides-PPT/Exam 1 - Review A.pptx
@@ -223,7 +223,7 @@
           <a:p>
             <a:fld id="{43386AF1-EF24-4659-9089-2771856A9EA2}" type="datetimeFigureOut">
               <a:rPr lang="en-US" smtClean="0"/>
-              <a:t>10/11/2022</a:t>
+              <a:t>2/27/2023</a:t>
             </a:fld>
             <a:endParaRPr lang="en-US"/>
           </a:p>
@@ -4431,7 +4431,7 @@
           <a:p>
             <a:fld id="{F8616885-9ED8-4298-9149-C5A410E7F61A}" type="datetime1">
               <a:rPr lang="en-US" smtClean="0"/>
-              <a:t>10/11/2022</a:t>
+              <a:t>2/27/2023</a:t>
             </a:fld>
             <a:endParaRPr lang="en-US"/>
           </a:p>
@@ -4601,7 +4601,7 @@
           <a:p>
             <a:fld id="{46647952-6535-4065-B4F6-C94B3D00772F}" type="datetime1">
               <a:rPr lang="en-US" smtClean="0"/>
-              <a:t>10/11/2022</a:t>
+              <a:t>2/27/2023</a:t>
             </a:fld>
             <a:endParaRPr lang="en-US"/>
           </a:p>
@@ -4781,7 +4781,7 @@
           <a:p>
             <a:fld id="{63870D39-F97D-4ECC-909C-35255E9A37F7}" type="datetime1">
               <a:rPr lang="en-US" smtClean="0"/>
-              <a:t>10/11/2022</a:t>
+              <a:t>2/27/2023</a:t>
             </a:fld>
             <a:endParaRPr lang="en-US"/>
           </a:p>
@@ -4973,7 +4973,7 @@
           <a:p>
             <a:fld id="{38C9C2D7-406E-45EE-9F57-B83131B49240}" type="datetimeFigureOut">
               <a:rPr lang="en-US" smtClean="0"/>
-              <a:t>10/11/2022</a:t>
+              <a:t>2/27/2023</a:t>
             </a:fld>
             <a:endParaRPr lang="en-US"/>
           </a:p>
@@ -5143,7 +5143,7 @@
           <a:p>
             <a:fld id="{38C9C2D7-406E-45EE-9F57-B83131B49240}" type="datetimeFigureOut">
               <a:rPr lang="en-US" smtClean="0"/>
-              <a:t>10/11/2022</a:t>
+              <a:t>2/27/2023</a:t>
             </a:fld>
             <a:endParaRPr lang="en-US"/>
           </a:p>
@@ -5389,7 +5389,7 @@
           <a:p>
             <a:fld id="{38C9C2D7-406E-45EE-9F57-B83131B49240}" type="datetimeFigureOut">
               <a:rPr lang="en-US" smtClean="0"/>
-              <a:t>10/11/2022</a:t>
+              <a:t>2/27/2023</a:t>
             </a:fld>
             <a:endParaRPr lang="en-US"/>
           </a:p>
@@ -5621,7 +5621,7 @@
           <a:p>
             <a:fld id="{38C9C2D7-406E-45EE-9F57-B83131B49240}" type="datetimeFigureOut">
               <a:rPr lang="en-US" smtClean="0"/>
-              <a:t>10/11/2022</a:t>
+              <a:t>2/27/2023</a:t>
             </a:fld>
             <a:endParaRPr lang="en-US"/>
           </a:p>
@@ -5988,7 +5988,7 @@
           <a:p>
             <a:fld id="{38C9C2D7-406E-45EE-9F57-B83131B49240}" type="datetimeFigureOut">
               <a:rPr lang="en-US" smtClean="0"/>
-              <a:t>10/11/2022</a:t>
+              <a:t>2/27/2023</a:t>
             </a:fld>
             <a:endParaRPr lang="en-US"/>
           </a:p>
@@ -6106,7 +6106,7 @@
           <a:p>
             <a:fld id="{38C9C2D7-406E-45EE-9F57-B83131B49240}" type="datetimeFigureOut">
               <a:rPr lang="en-US" smtClean="0"/>
-              <a:t>10/11/2022</a:t>
+              <a:t>2/27/2023</a:t>
             </a:fld>
             <a:endParaRPr lang="en-US"/>
           </a:p>
@@ -6201,7 +6201,7 @@
           <a:p>
             <a:fld id="{38C9C2D7-406E-45EE-9F57-B83131B49240}" type="datetimeFigureOut">
               <a:rPr lang="en-US" smtClean="0"/>
-              <a:t>10/11/2022</a:t>
+              <a:t>2/27/2023</a:t>
             </a:fld>
             <a:endParaRPr lang="en-US"/>
           </a:p>
@@ -6478,7 +6478,7 @@
           <a:p>
             <a:fld id="{38C9C2D7-406E-45EE-9F57-B83131B49240}" type="datetimeFigureOut">
               <a:rPr lang="en-US" smtClean="0"/>
-              <a:t>10/11/2022</a:t>
+              <a:t>2/27/2023</a:t>
             </a:fld>
             <a:endParaRPr lang="en-US"/>
           </a:p>
@@ -6648,7 +6648,7 @@
           <a:p>
             <a:fld id="{7325EFF0-82F5-4880-81B9-BC73A963ECC3}" type="datetime1">
               <a:rPr lang="en-US" smtClean="0"/>
-              <a:t>10/11/2022</a:t>
+              <a:t>2/27/2023</a:t>
             </a:fld>
             <a:endParaRPr lang="en-US"/>
           </a:p>
@@ -6905,7 +6905,7 @@
           <a:p>
             <a:fld id="{38C9C2D7-406E-45EE-9F57-B83131B49240}" type="datetimeFigureOut">
               <a:rPr lang="en-US" smtClean="0"/>
-              <a:t>10/11/2022</a:t>
+              <a:t>2/27/2023</a:t>
             </a:fld>
             <a:endParaRPr lang="en-US"/>
           </a:p>
@@ -7075,7 +7075,7 @@
           <a:p>
             <a:fld id="{38C9C2D7-406E-45EE-9F57-B83131B49240}" type="datetimeFigureOut">
               <a:rPr lang="en-US" smtClean="0"/>
-              <a:t>10/11/2022</a:t>
+              <a:t>2/27/2023</a:t>
             </a:fld>
             <a:endParaRPr lang="en-US"/>
           </a:p>
@@ -7255,7 +7255,7 @@
           <a:p>
             <a:fld id="{38C9C2D7-406E-45EE-9F57-B83131B49240}" type="datetimeFigureOut">
               <a:rPr lang="en-US" smtClean="0"/>
-              <a:t>10/11/2022</a:t>
+              <a:t>2/27/2023</a:t>
             </a:fld>
             <a:endParaRPr lang="en-US"/>
           </a:p>
@@ -7501,7 +7501,7 @@
           <a:p>
             <a:fld id="{5A946811-681C-4AC5-84B7-A52FB525DDA0}" type="datetime1">
               <a:rPr lang="en-US" smtClean="0"/>
-              <a:t>10/11/2022</a:t>
+              <a:t>2/27/2023</a:t>
             </a:fld>
             <a:endParaRPr lang="en-US"/>
           </a:p>
@@ -7733,7 +7733,7 @@
           <a:p>
             <a:fld id="{B26718EC-8AAB-4CFD-80CE-1D0FB821064C}" type="datetime1">
               <a:rPr lang="en-US" smtClean="0"/>
-              <a:t>10/11/2022</a:t>
+              <a:t>2/27/2023</a:t>
             </a:fld>
             <a:endParaRPr lang="en-US"/>
           </a:p>
@@ -8100,7 +8100,7 @@
           <a:p>
             <a:fld id="{B9FC400D-05DF-4711-8592-640F86665B5F}" type="datetime1">
               <a:rPr lang="en-US" smtClean="0"/>
-              <a:t>10/11/2022</a:t>
+              <a:t>2/27/2023</a:t>
             </a:fld>
             <a:endParaRPr lang="en-US"/>
           </a:p>
@@ -8218,7 +8218,7 @@
           <a:p>
             <a:fld id="{21DCA921-A295-445C-9DF4-D32E11171EBC}" type="datetime1">
               <a:rPr lang="en-US" smtClean="0"/>
-              <a:t>10/11/2022</a:t>
+              <a:t>2/27/2023</a:t>
             </a:fld>
             <a:endParaRPr lang="en-US"/>
           </a:p>
@@ -8313,7 +8313,7 @@
           <a:p>
             <a:fld id="{410F1947-2C73-49DA-BF00-06FEB90FBFE0}" type="datetime1">
               <a:rPr lang="en-US" smtClean="0"/>
-              <a:t>10/11/2022</a:t>
+              <a:t>2/27/2023</a:t>
             </a:fld>
             <a:endParaRPr lang="en-US"/>
           </a:p>
@@ -8590,7 +8590,7 @@
           <a:p>
             <a:fld id="{7909FA88-D630-40A8-A7C1-451FFA95718D}" type="datetime1">
               <a:rPr lang="en-US" smtClean="0"/>
-              <a:t>10/11/2022</a:t>
+              <a:t>2/27/2023</a:t>
             </a:fld>
             <a:endParaRPr lang="en-US"/>
           </a:p>
@@ -8847,7 +8847,7 @@
           <a:p>
             <a:fld id="{0B22107A-0A76-4A69-98CE-85E509F6FEC6}" type="datetime1">
               <a:rPr lang="en-US" smtClean="0"/>
-              <a:t>10/11/2022</a:t>
+              <a:t>2/27/2023</a:t>
             </a:fld>
             <a:endParaRPr lang="en-US"/>
           </a:p>
@@ -9060,7 +9060,7 @@
           <a:p>
             <a:fld id="{BFC3CE7D-A49F-42F1-B54B-0205BF41E480}" type="datetime1">
               <a:rPr lang="en-US" smtClean="0"/>
-              <a:t>10/11/2022</a:t>
+              <a:t>2/27/2023</a:t>
             </a:fld>
             <a:endParaRPr lang="en-US"/>
           </a:p>
@@ -9601,7 +9601,7 @@
           <a:p>
             <a:fld id="{38C9C2D7-406E-45EE-9F57-B83131B49240}" type="datetimeFigureOut">
               <a:rPr lang="en-US" smtClean="0"/>
-              <a:t>10/11/2022</a:t>
+              <a:t>2/27/2023</a:t>
             </a:fld>
             <a:endParaRPr lang="en-US"/>
           </a:p>
@@ -13620,7 +13620,7 @@
             </a:ln>
             <a:extLst>
               <a:ext uri="{909E8E84-426E-40dd-AFC4-6F175D3DCCD1}">
-                <a14:hiddenFill xmlns:a14="http://schemas.microsoft.com/office/drawing/2010/main" xmlns="">
+                <a14:hiddenFill xmlns="" xmlns:a14="http://schemas.microsoft.com/office/drawing/2010/main">
                   <a:noFill/>
                 </a14:hiddenFill>
               </a:ext>
@@ -13662,7 +13662,7 @@
             </a:ln>
             <a:extLst>
               <a:ext uri="{909E8E84-426E-40dd-AFC4-6F175D3DCCD1}">
-                <a14:hiddenFill xmlns:a14="http://schemas.microsoft.com/office/drawing/2010/main" xmlns="">
+                <a14:hiddenFill xmlns="" xmlns:a14="http://schemas.microsoft.com/office/drawing/2010/main">
                   <a:noFill/>
                 </a14:hiddenFill>
               </a:ext>
@@ -14026,7 +14026,7 @@
             </a:ln>
             <a:extLst>
               <a:ext uri="{909E8E84-426E-40dd-AFC4-6F175D3DCCD1}">
-                <a14:hiddenFill xmlns:a14="http://schemas.microsoft.com/office/drawing/2010/main" xmlns="">
+                <a14:hiddenFill xmlns="" xmlns:a14="http://schemas.microsoft.com/office/drawing/2010/main">
                   <a:noFill/>
                 </a14:hiddenFill>
               </a:ext>
@@ -14071,7 +14071,7 @@
             </a:ln>
             <a:extLst>
               <a:ext uri="{909E8E84-426E-40dd-AFC4-6F175D3DCCD1}">
-                <a14:hiddenFill xmlns:a14="http://schemas.microsoft.com/office/drawing/2010/main" xmlns="">
+                <a14:hiddenFill xmlns="" xmlns:a14="http://schemas.microsoft.com/office/drawing/2010/main">
                   <a:noFill/>
                 </a14:hiddenFill>
               </a:ext>
@@ -14116,7 +14116,7 @@
             </a:ln>
             <a:extLst>
               <a:ext uri="{909E8E84-426E-40dd-AFC4-6F175D3DCCD1}">
-                <a14:hiddenFill xmlns:a14="http://schemas.microsoft.com/office/drawing/2010/main" xmlns="">
+                <a14:hiddenFill xmlns="" xmlns:a14="http://schemas.microsoft.com/office/drawing/2010/main">
                   <a:noFill/>
                 </a14:hiddenFill>
               </a:ext>
@@ -14160,7 +14160,7 @@
             </a:ln>
             <a:extLst>
               <a:ext uri="{909E8E84-426E-40dd-AFC4-6F175D3DCCD1}">
-                <a14:hiddenFill xmlns:a14="http://schemas.microsoft.com/office/drawing/2010/main" xmlns="">
+                <a14:hiddenFill xmlns="" xmlns:a14="http://schemas.microsoft.com/office/drawing/2010/main">
                   <a:noFill/>
                 </a14:hiddenFill>
               </a:ext>
@@ -16564,25 +16564,22 @@
                 <a:ea typeface="+mn-ea"/>
                 <a:cs typeface="+mn-cs"/>
               </a:rPr>
-              <a:t>Oct 13, 1:55 pm - 3:45 pm</a:t>
-            </a:r>
-            <a:r>
-              <a:rPr kumimoji="0" lang="en-US" sz="2400" b="0" i="0" u="none" strike="noStrike" kern="1200" cap="none" spc="0" normalizeH="0" baseline="0" noProof="0" dirty="0">
-                <a:ln>
-                  <a:noFill/>
-                </a:ln>
-                <a:solidFill>
-                  <a:srgbClr val="0081E2"/>
-                </a:solidFill>
-                <a:effectLst/>
-                <a:uLnTx/>
-                <a:uFillTx/>
-                <a:latin typeface="Gotham Bold" pitchFamily="50" charset="0"/>
-                <a:ea typeface="+mn-ea"/>
-                <a:cs typeface="+mn-cs"/>
-              </a:rPr>
-              <a:t> in CAR 0100</a:t>
-            </a:r>
+              <a:t>Mar 1, 2 pm - 10 pm</a:t>
+            </a:r>
+            <a:endParaRPr kumimoji="0" lang="en-US" sz="2400" b="0" i="0" u="none" strike="noStrike" kern="1200" cap="none" spc="0" normalizeH="0" baseline="0" noProof="0" dirty="0">
+              <a:ln>
+                <a:noFill/>
+              </a:ln>
+              <a:solidFill>
+                <a:srgbClr val="0081E2"/>
+              </a:solidFill>
+              <a:effectLst/>
+              <a:uLnTx/>
+              <a:uFillTx/>
+              <a:latin typeface="Gotham Bold" pitchFamily="50" charset="0"/>
+              <a:ea typeface="+mn-ea"/>
+              <a:cs typeface="+mn-cs"/>
+            </a:endParaRPr>
           </a:p>
           <a:p>
             <a:pPr marL="742950" lvl="1" indent="-285750">
@@ -16608,7 +16605,7 @@
                 <a:ea typeface="+mn-ea"/>
                 <a:cs typeface="+mn-cs"/>
               </a:rPr>
-              <a:t>Bring 4 blank sheets of paper, a pen, and a computing device with lockdown browser.</a:t>
+              <a:t>The exam will be over Honorlock and you are allowed one double sided handwritten sheet of notes. The exam duration is 2 hours. </a:t>
             </a:r>
           </a:p>
           <a:p>
@@ -16635,7 +16632,41 @@
                 <a:ea typeface="+mn-ea"/>
                 <a:cs typeface="+mn-cs"/>
               </a:rPr>
-              <a:t>Instructions for installing lockdown browser: Lockdown Browser</a:t>
+              <a:t>If you are a student in campus or hybrid sections (including Section OVER), you must take the exam between 2 pm - 10 pm EST on March 1 (this Wednesday). This means you must </a:t>
+            </a:r>
+            <a:r>
+              <a:rPr kumimoji="0" lang="en-US" b="0" i="0" u="none" strike="noStrike" kern="1200" cap="none" spc="0" normalizeH="0" baseline="0" noProof="0" dirty="0">
+                <a:ln>
+                  <a:noFill/>
+                </a:ln>
+                <a:solidFill>
+                  <a:srgbClr val="EB6E19"/>
+                </a:solidFill>
+                <a:effectLst/>
+                <a:uLnTx/>
+                <a:uFillTx/>
+                <a:latin typeface="Gotham Bold" pitchFamily="50" charset="0"/>
+                <a:ea typeface="+mn-ea"/>
+                <a:cs typeface="+mn-cs"/>
+              </a:rPr>
+              <a:t>start by 8 pm EST or else you will lose time</a:t>
+            </a:r>
+            <a:r>
+              <a:rPr kumimoji="0" lang="en-US" b="0" i="0" u="none" strike="noStrike" kern="1200" cap="none" spc="0" normalizeH="0" baseline="0" noProof="0" dirty="0">
+                <a:ln>
+                  <a:noFill/>
+                </a:ln>
+                <a:solidFill>
+                  <a:srgbClr val="0081E2"/>
+                </a:solidFill>
+                <a:effectLst/>
+                <a:uLnTx/>
+                <a:uFillTx/>
+                <a:latin typeface="Gotham Bold" pitchFamily="50" charset="0"/>
+                <a:ea typeface="+mn-ea"/>
+                <a:cs typeface="+mn-cs"/>
+              </a:rPr>
+              <a:t>. </a:t>
             </a:r>
           </a:p>
           <a:p>
@@ -16662,102 +16693,8 @@
                 <a:ea typeface="+mn-ea"/>
                 <a:cs typeface="+mn-cs"/>
               </a:rPr>
-              <a:t>Test quiz: Lockdown Browser Test Quiz</a:t>
-            </a:r>
-          </a:p>
-          <a:p>
-            <a:pPr marL="742950" lvl="1" indent="-285750">
-              <a:lnSpc>
-                <a:spcPct val="150000"/>
-              </a:lnSpc>
-              <a:buFont typeface="Wingdings" panose="05000000000000000000" pitchFamily="2" charset="2"/>
-              <a:buChar char="§"/>
-              <a:defRPr/>
-            </a:pPr>
-            <a:r>
-              <a:rPr kumimoji="0" lang="en-US" b="0" i="0" u="none" strike="noStrike" kern="1200" cap="none" spc="0" normalizeH="0" baseline="0" noProof="0" dirty="0">
-                <a:ln>
-                  <a:noFill/>
-                </a:ln>
-                <a:solidFill>
-                  <a:srgbClr val="0081E2"/>
-                </a:solidFill>
-                <a:effectLst/>
-                <a:uLnTx/>
-                <a:uFillTx/>
-                <a:latin typeface="Gotham Bold" pitchFamily="50" charset="0"/>
-                <a:ea typeface="+mn-ea"/>
-                <a:cs typeface="+mn-cs"/>
-              </a:rPr>
-              <a:t>Those who need accommodations must take the exam at the DRC test center.</a:t>
-            </a:r>
-          </a:p>
-          <a:p>
-            <a:pPr marL="742950" lvl="1" indent="-285750">
-              <a:lnSpc>
-                <a:spcPct val="150000"/>
-              </a:lnSpc>
-              <a:buFont typeface="Wingdings" panose="05000000000000000000" pitchFamily="2" charset="2"/>
-              <a:buChar char="§"/>
-              <a:defRPr/>
-            </a:pPr>
-            <a:r>
-              <a:rPr kumimoji="0" lang="en-US" b="0" i="0" u="none" strike="noStrike" kern="1200" cap="none" spc="0" normalizeH="0" baseline="0" noProof="0" dirty="0">
-                <a:ln>
-                  <a:noFill/>
-                </a:ln>
-                <a:solidFill>
-                  <a:srgbClr val="0081E2"/>
-                </a:solidFill>
-                <a:effectLst/>
-                <a:uLnTx/>
-                <a:uFillTx/>
-                <a:latin typeface="Gotham Bold" pitchFamily="50" charset="0"/>
-                <a:ea typeface="+mn-ea"/>
-                <a:cs typeface="+mn-cs"/>
-              </a:rPr>
-              <a:t>The exam will cover module 1-5 (up to deletion in heaps) and one double-sided letter-sized sheet of handwritten notes is allowed on the exam.</a:t>
-            </a:r>
-          </a:p>
-          <a:p>
-            <a:pPr marL="742950" lvl="1" indent="-285750">
-              <a:lnSpc>
-                <a:spcPct val="150000"/>
-              </a:lnSpc>
-              <a:buFont typeface="Wingdings" panose="05000000000000000000" pitchFamily="2" charset="2"/>
-              <a:buChar char="§"/>
-              <a:defRPr/>
-            </a:pPr>
-            <a:r>
-              <a:rPr kumimoji="0" lang="en-US" b="0" i="0" u="none" strike="noStrike" kern="1200" cap="none" spc="0" normalizeH="0" baseline="0" noProof="0" dirty="0">
-                <a:ln>
-                  <a:noFill/>
-                </a:ln>
-                <a:solidFill>
-                  <a:srgbClr val="0081E2"/>
-                </a:solidFill>
-                <a:effectLst/>
-                <a:uLnTx/>
-                <a:uFillTx/>
-                <a:latin typeface="Gotham Bold" pitchFamily="50" charset="0"/>
-                <a:ea typeface="+mn-ea"/>
-                <a:cs typeface="+mn-cs"/>
-              </a:rPr>
-              <a:t>The topics and expectations guide is up.</a:t>
-            </a:r>
-          </a:p>
-          <a:p>
-            <a:pPr lvl="1">
-              <a:lnSpc>
-                <a:spcPct val="150000"/>
-              </a:lnSpc>
-            </a:pPr>
-            <a:endParaRPr lang="en-US" sz="100" dirty="0">
-              <a:solidFill>
-                <a:srgbClr val="0081E2"/>
-              </a:solidFill>
-              <a:latin typeface="Gotham Bold" pitchFamily="50" charset="0"/>
-            </a:endParaRPr>
+              <a:t>If you are a student in the UF Online program (UFOL/UDER section), you can take the exam between March 1 - 4 anytime.</a:t>
+            </a:r>
           </a:p>
         </p:txBody>
       </p:sp>
@@ -16969,7 +16906,7 @@
               <a:buChar char="•"/>
             </a:pPr>
             <a:r>
-              <a:rPr lang="en-US" sz="1600" dirty="0">
+              <a:rPr lang="en-US" sz="1600">
                 <a:solidFill>
                   <a:srgbClr val="0081E2"/>
                 </a:solidFill>
@@ -17071,7 +17008,7 @@
                 </a:solidFill>
                 <a:latin typeface="Consolas" panose="020B0609020204030204" pitchFamily="49" charset="0"/>
               </a:rPr>
-              <a:t>Pseudocodes for common operations or for solving a problem</a:t>
+              <a:t>Pseudocodes on Operations/ADT/Problem Solving</a:t>
             </a:r>
           </a:p>
           <a:p>

--- a/Slides/Slides-PPT/Exam 1 - Review A.pptx
+++ b/Slides/Slides-PPT/Exam 1 - Review A.pptx
@@ -223,7 +223,7 @@
           <a:p>
             <a:fld id="{43386AF1-EF24-4659-9089-2771856A9EA2}" type="datetimeFigureOut">
               <a:rPr lang="en-US" smtClean="0"/>
-              <a:t>2/27/2023</a:t>
+              <a:t>6/16/2023</a:t>
             </a:fld>
             <a:endParaRPr lang="en-US"/>
           </a:p>
@@ -4431,7 +4431,7 @@
           <a:p>
             <a:fld id="{F8616885-9ED8-4298-9149-C5A410E7F61A}" type="datetime1">
               <a:rPr lang="en-US" smtClean="0"/>
-              <a:t>2/27/2023</a:t>
+              <a:t>6/16/2023</a:t>
             </a:fld>
             <a:endParaRPr lang="en-US"/>
           </a:p>
@@ -4601,7 +4601,7 @@
           <a:p>
             <a:fld id="{46647952-6535-4065-B4F6-C94B3D00772F}" type="datetime1">
               <a:rPr lang="en-US" smtClean="0"/>
-              <a:t>2/27/2023</a:t>
+              <a:t>6/16/2023</a:t>
             </a:fld>
             <a:endParaRPr lang="en-US"/>
           </a:p>
@@ -4781,7 +4781,7 @@
           <a:p>
             <a:fld id="{63870D39-F97D-4ECC-909C-35255E9A37F7}" type="datetime1">
               <a:rPr lang="en-US" smtClean="0"/>
-              <a:t>2/27/2023</a:t>
+              <a:t>6/16/2023</a:t>
             </a:fld>
             <a:endParaRPr lang="en-US"/>
           </a:p>
@@ -4973,7 +4973,7 @@
           <a:p>
             <a:fld id="{38C9C2D7-406E-45EE-9F57-B83131B49240}" type="datetimeFigureOut">
               <a:rPr lang="en-US" smtClean="0"/>
-              <a:t>2/27/2023</a:t>
+              <a:t>6/16/2023</a:t>
             </a:fld>
             <a:endParaRPr lang="en-US"/>
           </a:p>
@@ -5143,7 +5143,7 @@
           <a:p>
             <a:fld id="{38C9C2D7-406E-45EE-9F57-B83131B49240}" type="datetimeFigureOut">
               <a:rPr lang="en-US" smtClean="0"/>
-              <a:t>2/27/2023</a:t>
+              <a:t>6/16/2023</a:t>
             </a:fld>
             <a:endParaRPr lang="en-US"/>
           </a:p>
@@ -5389,7 +5389,7 @@
           <a:p>
             <a:fld id="{38C9C2D7-406E-45EE-9F57-B83131B49240}" type="datetimeFigureOut">
               <a:rPr lang="en-US" smtClean="0"/>
-              <a:t>2/27/2023</a:t>
+              <a:t>6/16/2023</a:t>
             </a:fld>
             <a:endParaRPr lang="en-US"/>
           </a:p>
@@ -5621,7 +5621,7 @@
           <a:p>
             <a:fld id="{38C9C2D7-406E-45EE-9F57-B83131B49240}" type="datetimeFigureOut">
               <a:rPr lang="en-US" smtClean="0"/>
-              <a:t>2/27/2023</a:t>
+              <a:t>6/16/2023</a:t>
             </a:fld>
             <a:endParaRPr lang="en-US"/>
           </a:p>
@@ -5988,7 +5988,7 @@
           <a:p>
             <a:fld id="{38C9C2D7-406E-45EE-9F57-B83131B49240}" type="datetimeFigureOut">
               <a:rPr lang="en-US" smtClean="0"/>
-              <a:t>2/27/2023</a:t>
+              <a:t>6/16/2023</a:t>
             </a:fld>
             <a:endParaRPr lang="en-US"/>
           </a:p>
@@ -6106,7 +6106,7 @@
           <a:p>
             <a:fld id="{38C9C2D7-406E-45EE-9F57-B83131B49240}" type="datetimeFigureOut">
               <a:rPr lang="en-US" smtClean="0"/>
-              <a:t>2/27/2023</a:t>
+              <a:t>6/16/2023</a:t>
             </a:fld>
             <a:endParaRPr lang="en-US"/>
           </a:p>
@@ -6201,7 +6201,7 @@
           <a:p>
             <a:fld id="{38C9C2D7-406E-45EE-9F57-B83131B49240}" type="datetimeFigureOut">
               <a:rPr lang="en-US" smtClean="0"/>
-              <a:t>2/27/2023</a:t>
+              <a:t>6/16/2023</a:t>
             </a:fld>
             <a:endParaRPr lang="en-US"/>
           </a:p>
@@ -6478,7 +6478,7 @@
           <a:p>
             <a:fld id="{38C9C2D7-406E-45EE-9F57-B83131B49240}" type="datetimeFigureOut">
               <a:rPr lang="en-US" smtClean="0"/>
-              <a:t>2/27/2023</a:t>
+              <a:t>6/16/2023</a:t>
             </a:fld>
             <a:endParaRPr lang="en-US"/>
           </a:p>
@@ -6648,7 +6648,7 @@
           <a:p>
             <a:fld id="{7325EFF0-82F5-4880-81B9-BC73A963ECC3}" type="datetime1">
               <a:rPr lang="en-US" smtClean="0"/>
-              <a:t>2/27/2023</a:t>
+              <a:t>6/16/2023</a:t>
             </a:fld>
             <a:endParaRPr lang="en-US"/>
           </a:p>
@@ -6905,7 +6905,7 @@
           <a:p>
             <a:fld id="{38C9C2D7-406E-45EE-9F57-B83131B49240}" type="datetimeFigureOut">
               <a:rPr lang="en-US" smtClean="0"/>
-              <a:t>2/27/2023</a:t>
+              <a:t>6/16/2023</a:t>
             </a:fld>
             <a:endParaRPr lang="en-US"/>
           </a:p>
@@ -7075,7 +7075,7 @@
           <a:p>
             <a:fld id="{38C9C2D7-406E-45EE-9F57-B83131B49240}" type="datetimeFigureOut">
               <a:rPr lang="en-US" smtClean="0"/>
-              <a:t>2/27/2023</a:t>
+              <a:t>6/16/2023</a:t>
             </a:fld>
             <a:endParaRPr lang="en-US"/>
           </a:p>
@@ -7255,7 +7255,7 @@
           <a:p>
             <a:fld id="{38C9C2D7-406E-45EE-9F57-B83131B49240}" type="datetimeFigureOut">
               <a:rPr lang="en-US" smtClean="0"/>
-              <a:t>2/27/2023</a:t>
+              <a:t>6/16/2023</a:t>
             </a:fld>
             <a:endParaRPr lang="en-US"/>
           </a:p>
@@ -7501,7 +7501,7 @@
           <a:p>
             <a:fld id="{5A946811-681C-4AC5-84B7-A52FB525DDA0}" type="datetime1">
               <a:rPr lang="en-US" smtClean="0"/>
-              <a:t>2/27/2023</a:t>
+              <a:t>6/16/2023</a:t>
             </a:fld>
             <a:endParaRPr lang="en-US"/>
           </a:p>
@@ -7733,7 +7733,7 @@
           <a:p>
             <a:fld id="{B26718EC-8AAB-4CFD-80CE-1D0FB821064C}" type="datetime1">
               <a:rPr lang="en-US" smtClean="0"/>
-              <a:t>2/27/2023</a:t>
+              <a:t>6/16/2023</a:t>
             </a:fld>
             <a:endParaRPr lang="en-US"/>
           </a:p>
@@ -8100,7 +8100,7 @@
           <a:p>
             <a:fld id="{B9FC400D-05DF-4711-8592-640F86665B5F}" type="datetime1">
               <a:rPr lang="en-US" smtClean="0"/>
-              <a:t>2/27/2023</a:t>
+              <a:t>6/16/2023</a:t>
             </a:fld>
             <a:endParaRPr lang="en-US"/>
           </a:p>
@@ -8218,7 +8218,7 @@
           <a:p>
             <a:fld id="{21DCA921-A295-445C-9DF4-D32E11171EBC}" type="datetime1">
               <a:rPr lang="en-US" smtClean="0"/>
-              <a:t>2/27/2023</a:t>
+              <a:t>6/16/2023</a:t>
             </a:fld>
             <a:endParaRPr lang="en-US"/>
           </a:p>
@@ -8313,7 +8313,7 @@
           <a:p>
             <a:fld id="{410F1947-2C73-49DA-BF00-06FEB90FBFE0}" type="datetime1">
               <a:rPr lang="en-US" smtClean="0"/>
-              <a:t>2/27/2023</a:t>
+              <a:t>6/16/2023</a:t>
             </a:fld>
             <a:endParaRPr lang="en-US"/>
           </a:p>
@@ -8590,7 +8590,7 @@
           <a:p>
             <a:fld id="{7909FA88-D630-40A8-A7C1-451FFA95718D}" type="datetime1">
               <a:rPr lang="en-US" smtClean="0"/>
-              <a:t>2/27/2023</a:t>
+              <a:t>6/16/2023</a:t>
             </a:fld>
             <a:endParaRPr lang="en-US"/>
           </a:p>
@@ -8847,7 +8847,7 @@
           <a:p>
             <a:fld id="{0B22107A-0A76-4A69-98CE-85E509F6FEC6}" type="datetime1">
               <a:rPr lang="en-US" smtClean="0"/>
-              <a:t>2/27/2023</a:t>
+              <a:t>6/16/2023</a:t>
             </a:fld>
             <a:endParaRPr lang="en-US"/>
           </a:p>
@@ -9060,7 +9060,7 @@
           <a:p>
             <a:fld id="{BFC3CE7D-A49F-42F1-B54B-0205BF41E480}" type="datetime1">
               <a:rPr lang="en-US" smtClean="0"/>
-              <a:t>2/27/2023</a:t>
+              <a:t>6/16/2023</a:t>
             </a:fld>
             <a:endParaRPr lang="en-US"/>
           </a:p>
@@ -9601,7 +9601,7 @@
           <a:p>
             <a:fld id="{38C9C2D7-406E-45EE-9F57-B83131B49240}" type="datetimeFigureOut">
               <a:rPr lang="en-US" smtClean="0"/>
-              <a:t>2/27/2023</a:t>
+              <a:t>6/16/2023</a:t>
             </a:fld>
             <a:endParaRPr lang="en-US"/>
           </a:p>
@@ -13620,7 +13620,7 @@
             </a:ln>
             <a:extLst>
               <a:ext uri="{909E8E84-426E-40dd-AFC4-6F175D3DCCD1}">
-                <a14:hiddenFill xmlns="" xmlns:a14="http://schemas.microsoft.com/office/drawing/2010/main">
+                <a14:hiddenFill xmlns:a14="http://schemas.microsoft.com/office/drawing/2010/main" xmlns="">
                   <a:noFill/>
                 </a14:hiddenFill>
               </a:ext>
@@ -13662,7 +13662,7 @@
             </a:ln>
             <a:extLst>
               <a:ext uri="{909E8E84-426E-40dd-AFC4-6F175D3DCCD1}">
-                <a14:hiddenFill xmlns="" xmlns:a14="http://schemas.microsoft.com/office/drawing/2010/main">
+                <a14:hiddenFill xmlns:a14="http://schemas.microsoft.com/office/drawing/2010/main" xmlns="">
                   <a:noFill/>
                 </a14:hiddenFill>
               </a:ext>
@@ -14026,7 +14026,7 @@
             </a:ln>
             <a:extLst>
               <a:ext uri="{909E8E84-426E-40dd-AFC4-6F175D3DCCD1}">
-                <a14:hiddenFill xmlns="" xmlns:a14="http://schemas.microsoft.com/office/drawing/2010/main">
+                <a14:hiddenFill xmlns:a14="http://schemas.microsoft.com/office/drawing/2010/main" xmlns="">
                   <a:noFill/>
                 </a14:hiddenFill>
               </a:ext>
@@ -14071,7 +14071,7 @@
             </a:ln>
             <a:extLst>
               <a:ext uri="{909E8E84-426E-40dd-AFC4-6F175D3DCCD1}">
-                <a14:hiddenFill xmlns="" xmlns:a14="http://schemas.microsoft.com/office/drawing/2010/main">
+                <a14:hiddenFill xmlns:a14="http://schemas.microsoft.com/office/drawing/2010/main" xmlns="">
                   <a:noFill/>
                 </a14:hiddenFill>
               </a:ext>
@@ -14116,7 +14116,7 @@
             </a:ln>
             <a:extLst>
               <a:ext uri="{909E8E84-426E-40dd-AFC4-6F175D3DCCD1}">
-                <a14:hiddenFill xmlns="" xmlns:a14="http://schemas.microsoft.com/office/drawing/2010/main">
+                <a14:hiddenFill xmlns:a14="http://schemas.microsoft.com/office/drawing/2010/main" xmlns="">
                   <a:noFill/>
                 </a14:hiddenFill>
               </a:ext>
@@ -14160,7 +14160,7 @@
             </a:ln>
             <a:extLst>
               <a:ext uri="{909E8E84-426E-40dd-AFC4-6F175D3DCCD1}">
-                <a14:hiddenFill xmlns="" xmlns:a14="http://schemas.microsoft.com/office/drawing/2010/main">
+                <a14:hiddenFill xmlns:a14="http://schemas.microsoft.com/office/drawing/2010/main" xmlns="">
                   <a:noFill/>
                 </a14:hiddenFill>
               </a:ext>
@@ -16564,7 +16564,7 @@
                 <a:ea typeface="+mn-ea"/>
                 <a:cs typeface="+mn-cs"/>
               </a:rPr>
-              <a:t>Mar 1, 2 pm - 10 pm</a:t>
+              <a:t>Jun 21, 2 pm - 10 pm</a:t>
             </a:r>
             <a:endParaRPr kumimoji="0" lang="en-US" sz="2400" b="0" i="0" u="none" strike="noStrike" kern="1200" cap="none" spc="0" normalizeH="0" baseline="0" noProof="0" dirty="0">
               <a:ln>
@@ -16632,7 +16632,7 @@
                 <a:ea typeface="+mn-ea"/>
                 <a:cs typeface="+mn-cs"/>
               </a:rPr>
-              <a:t>If you are a student in campus or hybrid sections (including Section OVER), you must take the exam between 2 pm - 10 pm EST on March 1 (this Wednesday). This means you must </a:t>
+              <a:t>If you are a student in campus or hybrid sections, you must take the exam between 2 pm - 10 pm EST on March 1 (this Wednesday). This means you must </a:t>
             </a:r>
             <a:r>
               <a:rPr kumimoji="0" lang="en-US" b="0" i="0" u="none" strike="noStrike" kern="1200" cap="none" spc="0" normalizeH="0" baseline="0" noProof="0" dirty="0">
@@ -16693,7 +16693,7 @@
                 <a:ea typeface="+mn-ea"/>
                 <a:cs typeface="+mn-cs"/>
               </a:rPr>
-              <a:t>If you are a student in the UF Online program (UFOL/UDER section), you can take the exam between March 1 - 4 anytime.</a:t>
+              <a:t>If you are a student in the UF Online program (UFOL/UDER section), you can take the exam between Jun 21-Jun 25 anytime.</a:t>
             </a:r>
           </a:p>
         </p:txBody>

--- a/Slides/Slides-PPT/Exam 1 - Review A.pptx
+++ b/Slides/Slides-PPT/Exam 1 - Review A.pptx
@@ -6,7 +6,7 @@
     <p:sldMasterId id="2147483672" r:id="rId2"/>
   </p:sldMasterIdLst>
   <p:notesMasterIdLst>
-    <p:notesMasterId r:id="rId29"/>
+    <p:notesMasterId r:id="rId34"/>
   </p:notesMasterIdLst>
   <p:sldIdLst>
     <p:sldId id="268" r:id="rId3"/>
@@ -14,27 +14,32 @@
     <p:sldId id="377" r:id="rId5"/>
     <p:sldId id="493" r:id="rId6"/>
     <p:sldId id="406" r:id="rId7"/>
-    <p:sldId id="504" r:id="rId8"/>
-    <p:sldId id="505" r:id="rId9"/>
-    <p:sldId id="480" r:id="rId10"/>
-    <p:sldId id="494" r:id="rId11"/>
-    <p:sldId id="496" r:id="rId12"/>
-    <p:sldId id="497" r:id="rId13"/>
-    <p:sldId id="498" r:id="rId14"/>
-    <p:sldId id="499" r:id="rId15"/>
-    <p:sldId id="500" r:id="rId16"/>
-    <p:sldId id="501" r:id="rId17"/>
-    <p:sldId id="502" r:id="rId18"/>
-    <p:sldId id="506" r:id="rId19"/>
-    <p:sldId id="507" r:id="rId20"/>
-    <p:sldId id="508" r:id="rId21"/>
-    <p:sldId id="681" r:id="rId22"/>
-    <p:sldId id="682" r:id="rId23"/>
-    <p:sldId id="485" r:id="rId24"/>
-    <p:sldId id="487" r:id="rId25"/>
-    <p:sldId id="509" r:id="rId26"/>
-    <p:sldId id="486" r:id="rId27"/>
-    <p:sldId id="394" r:id="rId28"/>
+    <p:sldId id="683" r:id="rId8"/>
+    <p:sldId id="504" r:id="rId9"/>
+    <p:sldId id="505" r:id="rId10"/>
+    <p:sldId id="480" r:id="rId11"/>
+    <p:sldId id="494" r:id="rId12"/>
+    <p:sldId id="496" r:id="rId13"/>
+    <p:sldId id="497" r:id="rId14"/>
+    <p:sldId id="498" r:id="rId15"/>
+    <p:sldId id="499" r:id="rId16"/>
+    <p:sldId id="500" r:id="rId17"/>
+    <p:sldId id="501" r:id="rId18"/>
+    <p:sldId id="502" r:id="rId19"/>
+    <p:sldId id="506" r:id="rId20"/>
+    <p:sldId id="507" r:id="rId21"/>
+    <p:sldId id="508" r:id="rId22"/>
+    <p:sldId id="681" r:id="rId23"/>
+    <p:sldId id="682" r:id="rId24"/>
+    <p:sldId id="485" r:id="rId25"/>
+    <p:sldId id="487" r:id="rId26"/>
+    <p:sldId id="509" r:id="rId27"/>
+    <p:sldId id="684" r:id="rId28"/>
+    <p:sldId id="686" r:id="rId29"/>
+    <p:sldId id="685" r:id="rId30"/>
+    <p:sldId id="687" r:id="rId31"/>
+    <p:sldId id="486" r:id="rId32"/>
+    <p:sldId id="394" r:id="rId33"/>
   </p:sldIdLst>
   <p:sldSz cx="12192000" cy="6858000"/>
   <p:notesSz cx="6858000" cy="9144000"/>
@@ -223,7 +228,7 @@
           <a:p>
             <a:fld id="{43386AF1-EF24-4659-9089-2771856A9EA2}" type="datetimeFigureOut">
               <a:rPr lang="en-US" smtClean="0"/>
-              <a:t>6/16/2023</a:t>
+              <a:t>2/28/2024</a:t>
             </a:fld>
             <a:endParaRPr lang="en-US"/>
           </a:p>
@@ -786,7 +791,7 @@
     </p:spTree>
     <p:extLst>
       <p:ext uri="{BB962C8B-B14F-4D97-AF65-F5344CB8AC3E}">
-        <p14:creationId xmlns:p14="http://schemas.microsoft.com/office/powerpoint/2010/main" val="876250993"/>
+        <p14:creationId xmlns:p14="http://schemas.microsoft.com/office/powerpoint/2010/main" val="3728816664"/>
       </p:ext>
     </p:extLst>
   </p:cSld>
@@ -937,7 +942,7 @@
     </p:spTree>
     <p:extLst>
       <p:ext uri="{BB962C8B-B14F-4D97-AF65-F5344CB8AC3E}">
-        <p14:creationId xmlns:p14="http://schemas.microsoft.com/office/powerpoint/2010/main" val="1072344791"/>
+        <p14:creationId xmlns:p14="http://schemas.microsoft.com/office/powerpoint/2010/main" val="876250993"/>
       </p:ext>
     </p:extLst>
   </p:cSld>
@@ -1088,7 +1093,7 @@
     </p:spTree>
     <p:extLst>
       <p:ext uri="{BB962C8B-B14F-4D97-AF65-F5344CB8AC3E}">
-        <p14:creationId xmlns:p14="http://schemas.microsoft.com/office/powerpoint/2010/main" val="3614317947"/>
+        <p14:creationId xmlns:p14="http://schemas.microsoft.com/office/powerpoint/2010/main" val="1072344791"/>
       </p:ext>
     </p:extLst>
   </p:cSld>
@@ -1239,7 +1244,7 @@
     </p:spTree>
     <p:extLst>
       <p:ext uri="{BB962C8B-B14F-4D97-AF65-F5344CB8AC3E}">
-        <p14:creationId xmlns:p14="http://schemas.microsoft.com/office/powerpoint/2010/main" val="2237797566"/>
+        <p14:creationId xmlns:p14="http://schemas.microsoft.com/office/powerpoint/2010/main" val="3614317947"/>
       </p:ext>
     </p:extLst>
   </p:cSld>
@@ -1390,7 +1395,7 @@
     </p:spTree>
     <p:extLst>
       <p:ext uri="{BB962C8B-B14F-4D97-AF65-F5344CB8AC3E}">
-        <p14:creationId xmlns:p14="http://schemas.microsoft.com/office/powerpoint/2010/main" val="4111444355"/>
+        <p14:creationId xmlns:p14="http://schemas.microsoft.com/office/powerpoint/2010/main" val="2237797566"/>
       </p:ext>
     </p:extLst>
   </p:cSld>
@@ -1541,7 +1546,7 @@
     </p:spTree>
     <p:extLst>
       <p:ext uri="{BB962C8B-B14F-4D97-AF65-F5344CB8AC3E}">
-        <p14:creationId xmlns:p14="http://schemas.microsoft.com/office/powerpoint/2010/main" val="3298322181"/>
+        <p14:creationId xmlns:p14="http://schemas.microsoft.com/office/powerpoint/2010/main" val="4111444355"/>
       </p:ext>
     </p:extLst>
   </p:cSld>
@@ -1692,7 +1697,7 @@
     </p:spTree>
     <p:extLst>
       <p:ext uri="{BB962C8B-B14F-4D97-AF65-F5344CB8AC3E}">
-        <p14:creationId xmlns:p14="http://schemas.microsoft.com/office/powerpoint/2010/main" val="3067095419"/>
+        <p14:creationId xmlns:p14="http://schemas.microsoft.com/office/powerpoint/2010/main" val="3298322181"/>
       </p:ext>
     </p:extLst>
   </p:cSld>
@@ -1843,7 +1848,7 @@
     </p:spTree>
     <p:extLst>
       <p:ext uri="{BB962C8B-B14F-4D97-AF65-F5344CB8AC3E}">
-        <p14:creationId xmlns:p14="http://schemas.microsoft.com/office/powerpoint/2010/main" val="1788011804"/>
+        <p14:creationId xmlns:p14="http://schemas.microsoft.com/office/powerpoint/2010/main" val="3067095419"/>
       </p:ext>
     </p:extLst>
   </p:cSld>
@@ -1994,7 +1999,7 @@
     </p:spTree>
     <p:extLst>
       <p:ext uri="{BB962C8B-B14F-4D97-AF65-F5344CB8AC3E}">
-        <p14:creationId xmlns:p14="http://schemas.microsoft.com/office/powerpoint/2010/main" val="3426796180"/>
+        <p14:creationId xmlns:p14="http://schemas.microsoft.com/office/powerpoint/2010/main" val="1788011804"/>
       </p:ext>
     </p:extLst>
   </p:cSld>
@@ -2145,7 +2150,7 @@
     </p:spTree>
     <p:extLst>
       <p:ext uri="{BB962C8B-B14F-4D97-AF65-F5344CB8AC3E}">
-        <p14:creationId xmlns:p14="http://schemas.microsoft.com/office/powerpoint/2010/main" val="91040651"/>
+        <p14:creationId xmlns:p14="http://schemas.microsoft.com/office/powerpoint/2010/main" val="3426796180"/>
       </p:ext>
     </p:extLst>
   </p:cSld>
@@ -2447,7 +2452,7 @@
     </p:spTree>
     <p:extLst>
       <p:ext uri="{BB962C8B-B14F-4D97-AF65-F5344CB8AC3E}">
-        <p14:creationId xmlns:p14="http://schemas.microsoft.com/office/powerpoint/2010/main" val="3737278891"/>
+        <p14:creationId xmlns:p14="http://schemas.microsoft.com/office/powerpoint/2010/main" val="91040651"/>
       </p:ext>
     </p:extLst>
   </p:cSld>
@@ -2598,7 +2603,7 @@
     </p:spTree>
     <p:extLst>
       <p:ext uri="{BB962C8B-B14F-4D97-AF65-F5344CB8AC3E}">
-        <p14:creationId xmlns:p14="http://schemas.microsoft.com/office/powerpoint/2010/main" val="595954518"/>
+        <p14:creationId xmlns:p14="http://schemas.microsoft.com/office/powerpoint/2010/main" val="3737278891"/>
       </p:ext>
     </p:extLst>
   </p:cSld>
@@ -2749,7 +2754,7 @@
     </p:spTree>
     <p:extLst>
       <p:ext uri="{BB962C8B-B14F-4D97-AF65-F5344CB8AC3E}">
-        <p14:creationId xmlns:p14="http://schemas.microsoft.com/office/powerpoint/2010/main" val="3998982496"/>
+        <p14:creationId xmlns:p14="http://schemas.microsoft.com/office/powerpoint/2010/main" val="595954518"/>
       </p:ext>
     </p:extLst>
   </p:cSld>
@@ -2900,7 +2905,7 @@
     </p:spTree>
     <p:extLst>
       <p:ext uri="{BB962C8B-B14F-4D97-AF65-F5344CB8AC3E}">
-        <p14:creationId xmlns:p14="http://schemas.microsoft.com/office/powerpoint/2010/main" val="1141541792"/>
+        <p14:creationId xmlns:p14="http://schemas.microsoft.com/office/powerpoint/2010/main" val="3998982496"/>
       </p:ext>
     </p:extLst>
   </p:cSld>
@@ -3051,7 +3056,7 @@
     </p:spTree>
     <p:extLst>
       <p:ext uri="{BB962C8B-B14F-4D97-AF65-F5344CB8AC3E}">
-        <p14:creationId xmlns:p14="http://schemas.microsoft.com/office/powerpoint/2010/main" val="2441855014"/>
+        <p14:creationId xmlns:p14="http://schemas.microsoft.com/office/powerpoint/2010/main" val="1141541792"/>
       </p:ext>
     </p:extLst>
   </p:cSld>
@@ -3202,7 +3207,7 @@
     </p:spTree>
     <p:extLst>
       <p:ext uri="{BB962C8B-B14F-4D97-AF65-F5344CB8AC3E}">
-        <p14:creationId xmlns:p14="http://schemas.microsoft.com/office/powerpoint/2010/main" val="3372863684"/>
+        <p14:creationId xmlns:p14="http://schemas.microsoft.com/office/powerpoint/2010/main" val="2441855014"/>
       </p:ext>
     </p:extLst>
   </p:cSld>
@@ -3257,8 +3262,12 @@
           <a:lstStyle/>
           <a:p>
             <a:r>
+              <a:rPr lang="en-US" dirty="0" err="1"/>
+              <a:t>Psuedocode</a:t>
+            </a:r>
+            <a:r>
               <a:rPr lang="en-US" dirty="0"/>
-              <a:t>Space: O1, Time n2</a:t>
+              <a:t> and code</a:t>
             </a:r>
           </a:p>
         </p:txBody>
@@ -3349,7 +3358,460 @@
     </p:spTree>
     <p:extLst>
       <p:ext uri="{BB962C8B-B14F-4D97-AF65-F5344CB8AC3E}">
-        <p14:creationId xmlns:p14="http://schemas.microsoft.com/office/powerpoint/2010/main" val="1422712198"/>
+        <p14:creationId xmlns:p14="http://schemas.microsoft.com/office/powerpoint/2010/main" val="2467873718"/>
+      </p:ext>
+    </p:extLst>
+  </p:cSld>
+  <p:clrMapOvr>
+    <a:masterClrMapping/>
+  </p:clrMapOvr>
+</p:notes>
+</file>
+
+<file path=ppt/notesSlides/notesSlide27.xml><?xml version="1.0" encoding="utf-8"?>
+<p:notes xmlns:a="http://schemas.openxmlformats.org/drawingml/2006/main" xmlns:r="http://schemas.openxmlformats.org/officeDocument/2006/relationships" xmlns:p="http://schemas.openxmlformats.org/presentationml/2006/main">
+  <p:cSld>
+    <p:spTree>
+      <p:nvGrpSpPr>
+        <p:cNvPr id="1" name=""/>
+        <p:cNvGrpSpPr/>
+        <p:nvPr/>
+      </p:nvGrpSpPr>
+      <p:grpSpPr>
+        <a:xfrm>
+          <a:off x="0" y="0"/>
+          <a:ext cx="0" cy="0"/>
+          <a:chOff x="0" y="0"/>
+          <a:chExt cx="0" cy="0"/>
+        </a:xfrm>
+      </p:grpSpPr>
+      <p:sp>
+        <p:nvSpPr>
+          <p:cNvPr id="2" name="Slide Image Placeholder 1"/>
+          <p:cNvSpPr>
+            <a:spLocks noGrp="1" noRot="1" noChangeAspect="1"/>
+          </p:cNvSpPr>
+          <p:nvPr>
+            <p:ph type="sldImg"/>
+          </p:nvPr>
+        </p:nvSpPr>
+        <p:spPr/>
+      </p:sp>
+      <p:sp>
+        <p:nvSpPr>
+          <p:cNvPr id="3" name="Notes Placeholder 2"/>
+          <p:cNvSpPr>
+            <a:spLocks noGrp="1"/>
+          </p:cNvSpPr>
+          <p:nvPr>
+            <p:ph type="body" idx="1"/>
+          </p:nvPr>
+        </p:nvSpPr>
+        <p:spPr/>
+        <p:txBody>
+          <a:bodyPr/>
+          <a:lstStyle/>
+          <a:p>
+            <a:r>
+              <a:rPr lang="en-US" dirty="0" err="1"/>
+              <a:t>Psuedocode</a:t>
+            </a:r>
+            <a:r>
+              <a:rPr lang="en-US" dirty="0"/>
+              <a:t> and code</a:t>
+            </a:r>
+          </a:p>
+        </p:txBody>
+      </p:sp>
+      <p:sp>
+        <p:nvSpPr>
+          <p:cNvPr id="4" name="Slide Number Placeholder 3"/>
+          <p:cNvSpPr>
+            <a:spLocks noGrp="1"/>
+          </p:cNvSpPr>
+          <p:nvPr>
+            <p:ph type="sldNum" sz="quarter" idx="5"/>
+          </p:nvPr>
+        </p:nvSpPr>
+        <p:spPr/>
+        <p:txBody>
+          <a:bodyPr/>
+          <a:lstStyle/>
+          <a:p>
+            <a:pPr marL="0" marR="0" lvl="0" indent="0" algn="r" defTabSz="914400" rtl="0" eaLnBrk="1" fontAlgn="auto" latinLnBrk="0" hangingPunct="1">
+              <a:lnSpc>
+                <a:spcPct val="100000"/>
+              </a:lnSpc>
+              <a:spcBef>
+                <a:spcPts val="0"/>
+              </a:spcBef>
+              <a:spcAft>
+                <a:spcPts val="0"/>
+              </a:spcAft>
+              <a:buClrTx/>
+              <a:buSzTx/>
+              <a:buFontTx/>
+              <a:buNone/>
+              <a:tabLst/>
+              <a:defRPr/>
+            </a:pPr>
+            <a:fld id="{E2B3017C-A127-4C06-BF43-1875A8859C4B}" type="slidenum">
+              <a:rPr kumimoji="0" lang="en-US" sz="1200" b="0" i="0" u="none" strike="noStrike" kern="1200" cap="none" spc="0" normalizeH="0" baseline="0" noProof="0" smtClean="0">
+                <a:ln>
+                  <a:noFill/>
+                </a:ln>
+                <a:solidFill>
+                  <a:prstClr val="black"/>
+                </a:solidFill>
+                <a:effectLst/>
+                <a:uLnTx/>
+                <a:uFillTx/>
+                <a:latin typeface="Calibri" panose="020F0502020204030204"/>
+                <a:ea typeface="+mn-ea"/>
+                <a:cs typeface="+mn-cs"/>
+              </a:rPr>
+              <a:pPr marL="0" marR="0" lvl="0" indent="0" algn="r" defTabSz="914400" rtl="0" eaLnBrk="1" fontAlgn="auto" latinLnBrk="0" hangingPunct="1">
+                <a:lnSpc>
+                  <a:spcPct val="100000"/>
+                </a:lnSpc>
+                <a:spcBef>
+                  <a:spcPts val="0"/>
+                </a:spcBef>
+                <a:spcAft>
+                  <a:spcPts val="0"/>
+                </a:spcAft>
+                <a:buClrTx/>
+                <a:buSzTx/>
+                <a:buFontTx/>
+                <a:buNone/>
+                <a:tabLst/>
+                <a:defRPr/>
+              </a:pPr>
+              <a:t>27</a:t>
+            </a:fld>
+            <a:endParaRPr kumimoji="0" lang="en-US" sz="1200" b="0" i="0" u="none" strike="noStrike" kern="1200" cap="none" spc="0" normalizeH="0" baseline="0" noProof="0">
+              <a:ln>
+                <a:noFill/>
+              </a:ln>
+              <a:solidFill>
+                <a:prstClr val="black"/>
+              </a:solidFill>
+              <a:effectLst/>
+              <a:uLnTx/>
+              <a:uFillTx/>
+              <a:latin typeface="Calibri" panose="020F0502020204030204"/>
+              <a:ea typeface="+mn-ea"/>
+              <a:cs typeface="+mn-cs"/>
+            </a:endParaRPr>
+          </a:p>
+        </p:txBody>
+      </p:sp>
+    </p:spTree>
+    <p:extLst>
+      <p:ext uri="{BB962C8B-B14F-4D97-AF65-F5344CB8AC3E}">
+        <p14:creationId xmlns:p14="http://schemas.microsoft.com/office/powerpoint/2010/main" val="1868775921"/>
+      </p:ext>
+    </p:extLst>
+  </p:cSld>
+  <p:clrMapOvr>
+    <a:masterClrMapping/>
+  </p:clrMapOvr>
+</p:notes>
+</file>
+
+<file path=ppt/notesSlides/notesSlide28.xml><?xml version="1.0" encoding="utf-8"?>
+<p:notes xmlns:a="http://schemas.openxmlformats.org/drawingml/2006/main" xmlns:r="http://schemas.openxmlformats.org/officeDocument/2006/relationships" xmlns:p="http://schemas.openxmlformats.org/presentationml/2006/main">
+  <p:cSld>
+    <p:spTree>
+      <p:nvGrpSpPr>
+        <p:cNvPr id="1" name=""/>
+        <p:cNvGrpSpPr/>
+        <p:nvPr/>
+      </p:nvGrpSpPr>
+      <p:grpSpPr>
+        <a:xfrm>
+          <a:off x="0" y="0"/>
+          <a:ext cx="0" cy="0"/>
+          <a:chOff x="0" y="0"/>
+          <a:chExt cx="0" cy="0"/>
+        </a:xfrm>
+      </p:grpSpPr>
+      <p:sp>
+        <p:nvSpPr>
+          <p:cNvPr id="2" name="Slide Image Placeholder 1"/>
+          <p:cNvSpPr>
+            <a:spLocks noGrp="1" noRot="1" noChangeAspect="1"/>
+          </p:cNvSpPr>
+          <p:nvPr>
+            <p:ph type="sldImg"/>
+          </p:nvPr>
+        </p:nvSpPr>
+        <p:spPr/>
+      </p:sp>
+      <p:sp>
+        <p:nvSpPr>
+          <p:cNvPr id="3" name="Notes Placeholder 2"/>
+          <p:cNvSpPr>
+            <a:spLocks noGrp="1"/>
+          </p:cNvSpPr>
+          <p:nvPr>
+            <p:ph type="body" idx="1"/>
+          </p:nvPr>
+        </p:nvSpPr>
+        <p:spPr/>
+        <p:txBody>
+          <a:bodyPr/>
+          <a:lstStyle/>
+          <a:p>
+            <a:r>
+              <a:rPr lang="en-US" dirty="0" err="1"/>
+              <a:t>Psuedocode</a:t>
+            </a:r>
+            <a:r>
+              <a:rPr lang="en-US" dirty="0"/>
+              <a:t> and code</a:t>
+            </a:r>
+          </a:p>
+        </p:txBody>
+      </p:sp>
+      <p:sp>
+        <p:nvSpPr>
+          <p:cNvPr id="4" name="Slide Number Placeholder 3"/>
+          <p:cNvSpPr>
+            <a:spLocks noGrp="1"/>
+          </p:cNvSpPr>
+          <p:nvPr>
+            <p:ph type="sldNum" sz="quarter" idx="5"/>
+          </p:nvPr>
+        </p:nvSpPr>
+        <p:spPr/>
+        <p:txBody>
+          <a:bodyPr/>
+          <a:lstStyle/>
+          <a:p>
+            <a:pPr marL="0" marR="0" lvl="0" indent="0" algn="r" defTabSz="914400" rtl="0" eaLnBrk="1" fontAlgn="auto" latinLnBrk="0" hangingPunct="1">
+              <a:lnSpc>
+                <a:spcPct val="100000"/>
+              </a:lnSpc>
+              <a:spcBef>
+                <a:spcPts val="0"/>
+              </a:spcBef>
+              <a:spcAft>
+                <a:spcPts val="0"/>
+              </a:spcAft>
+              <a:buClrTx/>
+              <a:buSzTx/>
+              <a:buFontTx/>
+              <a:buNone/>
+              <a:tabLst/>
+              <a:defRPr/>
+            </a:pPr>
+            <a:fld id="{E2B3017C-A127-4C06-BF43-1875A8859C4B}" type="slidenum">
+              <a:rPr kumimoji="0" lang="en-US" sz="1200" b="0" i="0" u="none" strike="noStrike" kern="1200" cap="none" spc="0" normalizeH="0" baseline="0" noProof="0" smtClean="0">
+                <a:ln>
+                  <a:noFill/>
+                </a:ln>
+                <a:solidFill>
+                  <a:prstClr val="black"/>
+                </a:solidFill>
+                <a:effectLst/>
+                <a:uLnTx/>
+                <a:uFillTx/>
+                <a:latin typeface="Calibri" panose="020F0502020204030204"/>
+                <a:ea typeface="+mn-ea"/>
+                <a:cs typeface="+mn-cs"/>
+              </a:rPr>
+              <a:pPr marL="0" marR="0" lvl="0" indent="0" algn="r" defTabSz="914400" rtl="0" eaLnBrk="1" fontAlgn="auto" latinLnBrk="0" hangingPunct="1">
+                <a:lnSpc>
+                  <a:spcPct val="100000"/>
+                </a:lnSpc>
+                <a:spcBef>
+                  <a:spcPts val="0"/>
+                </a:spcBef>
+                <a:spcAft>
+                  <a:spcPts val="0"/>
+                </a:spcAft>
+                <a:buClrTx/>
+                <a:buSzTx/>
+                <a:buFontTx/>
+                <a:buNone/>
+                <a:tabLst/>
+                <a:defRPr/>
+              </a:pPr>
+              <a:t>28</a:t>
+            </a:fld>
+            <a:endParaRPr kumimoji="0" lang="en-US" sz="1200" b="0" i="0" u="none" strike="noStrike" kern="1200" cap="none" spc="0" normalizeH="0" baseline="0" noProof="0">
+              <a:ln>
+                <a:noFill/>
+              </a:ln>
+              <a:solidFill>
+                <a:prstClr val="black"/>
+              </a:solidFill>
+              <a:effectLst/>
+              <a:uLnTx/>
+              <a:uFillTx/>
+              <a:latin typeface="Calibri" panose="020F0502020204030204"/>
+              <a:ea typeface="+mn-ea"/>
+              <a:cs typeface="+mn-cs"/>
+            </a:endParaRPr>
+          </a:p>
+        </p:txBody>
+      </p:sp>
+    </p:spTree>
+    <p:extLst>
+      <p:ext uri="{BB962C8B-B14F-4D97-AF65-F5344CB8AC3E}">
+        <p14:creationId xmlns:p14="http://schemas.microsoft.com/office/powerpoint/2010/main" val="554930333"/>
+      </p:ext>
+    </p:extLst>
+  </p:cSld>
+  <p:clrMapOvr>
+    <a:masterClrMapping/>
+  </p:clrMapOvr>
+</p:notes>
+</file>
+
+<file path=ppt/notesSlides/notesSlide29.xml><?xml version="1.0" encoding="utf-8"?>
+<p:notes xmlns:a="http://schemas.openxmlformats.org/drawingml/2006/main" xmlns:r="http://schemas.openxmlformats.org/officeDocument/2006/relationships" xmlns:p="http://schemas.openxmlformats.org/presentationml/2006/main">
+  <p:cSld>
+    <p:spTree>
+      <p:nvGrpSpPr>
+        <p:cNvPr id="1" name=""/>
+        <p:cNvGrpSpPr/>
+        <p:nvPr/>
+      </p:nvGrpSpPr>
+      <p:grpSpPr>
+        <a:xfrm>
+          <a:off x="0" y="0"/>
+          <a:ext cx="0" cy="0"/>
+          <a:chOff x="0" y="0"/>
+          <a:chExt cx="0" cy="0"/>
+        </a:xfrm>
+      </p:grpSpPr>
+      <p:sp>
+        <p:nvSpPr>
+          <p:cNvPr id="2" name="Slide Image Placeholder 1"/>
+          <p:cNvSpPr>
+            <a:spLocks noGrp="1" noRot="1" noChangeAspect="1"/>
+          </p:cNvSpPr>
+          <p:nvPr>
+            <p:ph type="sldImg"/>
+          </p:nvPr>
+        </p:nvSpPr>
+        <p:spPr/>
+      </p:sp>
+      <p:sp>
+        <p:nvSpPr>
+          <p:cNvPr id="3" name="Notes Placeholder 2"/>
+          <p:cNvSpPr>
+            <a:spLocks noGrp="1"/>
+          </p:cNvSpPr>
+          <p:nvPr>
+            <p:ph type="body" idx="1"/>
+          </p:nvPr>
+        </p:nvSpPr>
+        <p:spPr/>
+        <p:txBody>
+          <a:bodyPr/>
+          <a:lstStyle/>
+          <a:p>
+            <a:r>
+              <a:rPr lang="en-US" dirty="0" err="1"/>
+              <a:t>Psuedocode</a:t>
+            </a:r>
+            <a:r>
+              <a:rPr lang="en-US" dirty="0"/>
+              <a:t> and code</a:t>
+            </a:r>
+          </a:p>
+        </p:txBody>
+      </p:sp>
+      <p:sp>
+        <p:nvSpPr>
+          <p:cNvPr id="4" name="Slide Number Placeholder 3"/>
+          <p:cNvSpPr>
+            <a:spLocks noGrp="1"/>
+          </p:cNvSpPr>
+          <p:nvPr>
+            <p:ph type="sldNum" sz="quarter" idx="5"/>
+          </p:nvPr>
+        </p:nvSpPr>
+        <p:spPr/>
+        <p:txBody>
+          <a:bodyPr/>
+          <a:lstStyle/>
+          <a:p>
+            <a:pPr marL="0" marR="0" lvl="0" indent="0" algn="r" defTabSz="914400" rtl="0" eaLnBrk="1" fontAlgn="auto" latinLnBrk="0" hangingPunct="1">
+              <a:lnSpc>
+                <a:spcPct val="100000"/>
+              </a:lnSpc>
+              <a:spcBef>
+                <a:spcPts val="0"/>
+              </a:spcBef>
+              <a:spcAft>
+                <a:spcPts val="0"/>
+              </a:spcAft>
+              <a:buClrTx/>
+              <a:buSzTx/>
+              <a:buFontTx/>
+              <a:buNone/>
+              <a:tabLst/>
+              <a:defRPr/>
+            </a:pPr>
+            <a:fld id="{E2B3017C-A127-4C06-BF43-1875A8859C4B}" type="slidenum">
+              <a:rPr kumimoji="0" lang="en-US" sz="1200" b="0" i="0" u="none" strike="noStrike" kern="1200" cap="none" spc="0" normalizeH="0" baseline="0" noProof="0" smtClean="0">
+                <a:ln>
+                  <a:noFill/>
+                </a:ln>
+                <a:solidFill>
+                  <a:prstClr val="black"/>
+                </a:solidFill>
+                <a:effectLst/>
+                <a:uLnTx/>
+                <a:uFillTx/>
+                <a:latin typeface="Calibri" panose="020F0502020204030204"/>
+                <a:ea typeface="+mn-ea"/>
+                <a:cs typeface="+mn-cs"/>
+              </a:rPr>
+              <a:pPr marL="0" marR="0" lvl="0" indent="0" algn="r" defTabSz="914400" rtl="0" eaLnBrk="1" fontAlgn="auto" latinLnBrk="0" hangingPunct="1">
+                <a:lnSpc>
+                  <a:spcPct val="100000"/>
+                </a:lnSpc>
+                <a:spcBef>
+                  <a:spcPts val="0"/>
+                </a:spcBef>
+                <a:spcAft>
+                  <a:spcPts val="0"/>
+                </a:spcAft>
+                <a:buClrTx/>
+                <a:buSzTx/>
+                <a:buFontTx/>
+                <a:buNone/>
+                <a:tabLst/>
+                <a:defRPr/>
+              </a:pPr>
+              <a:t>29</a:t>
+            </a:fld>
+            <a:endParaRPr kumimoji="0" lang="en-US" sz="1200" b="0" i="0" u="none" strike="noStrike" kern="1200" cap="none" spc="0" normalizeH="0" baseline="0" noProof="0">
+              <a:ln>
+                <a:noFill/>
+              </a:ln>
+              <a:solidFill>
+                <a:prstClr val="black"/>
+              </a:solidFill>
+              <a:effectLst/>
+              <a:uLnTx/>
+              <a:uFillTx/>
+              <a:latin typeface="Calibri" panose="020F0502020204030204"/>
+              <a:ea typeface="+mn-ea"/>
+              <a:cs typeface="+mn-cs"/>
+            </a:endParaRPr>
+          </a:p>
+        </p:txBody>
+      </p:sp>
+    </p:spTree>
+    <p:extLst>
+      <p:ext uri="{BB962C8B-B14F-4D97-AF65-F5344CB8AC3E}">
+        <p14:creationId xmlns:p14="http://schemas.microsoft.com/office/powerpoint/2010/main" val="3059179596"/>
       </p:ext>
     </p:extLst>
   </p:cSld>
@@ -3443,6 +3905,304 @@
     <p:extLst>
       <p:ext uri="{BB962C8B-B14F-4D97-AF65-F5344CB8AC3E}">
         <p14:creationId xmlns:p14="http://schemas.microsoft.com/office/powerpoint/2010/main" val="1526778518"/>
+      </p:ext>
+    </p:extLst>
+  </p:cSld>
+  <p:clrMapOvr>
+    <a:masterClrMapping/>
+  </p:clrMapOvr>
+</p:notes>
+</file>
+
+<file path=ppt/notesSlides/notesSlide30.xml><?xml version="1.0" encoding="utf-8"?>
+<p:notes xmlns:a="http://schemas.openxmlformats.org/drawingml/2006/main" xmlns:r="http://schemas.openxmlformats.org/officeDocument/2006/relationships" xmlns:p="http://schemas.openxmlformats.org/presentationml/2006/main">
+  <p:cSld>
+    <p:spTree>
+      <p:nvGrpSpPr>
+        <p:cNvPr id="1" name=""/>
+        <p:cNvGrpSpPr/>
+        <p:nvPr/>
+      </p:nvGrpSpPr>
+      <p:grpSpPr>
+        <a:xfrm>
+          <a:off x="0" y="0"/>
+          <a:ext cx="0" cy="0"/>
+          <a:chOff x="0" y="0"/>
+          <a:chExt cx="0" cy="0"/>
+        </a:xfrm>
+      </p:grpSpPr>
+      <p:sp>
+        <p:nvSpPr>
+          <p:cNvPr id="2" name="Slide Image Placeholder 1"/>
+          <p:cNvSpPr>
+            <a:spLocks noGrp="1" noRot="1" noChangeAspect="1"/>
+          </p:cNvSpPr>
+          <p:nvPr>
+            <p:ph type="sldImg"/>
+          </p:nvPr>
+        </p:nvSpPr>
+        <p:spPr/>
+      </p:sp>
+      <p:sp>
+        <p:nvSpPr>
+          <p:cNvPr id="3" name="Notes Placeholder 2"/>
+          <p:cNvSpPr>
+            <a:spLocks noGrp="1"/>
+          </p:cNvSpPr>
+          <p:nvPr>
+            <p:ph type="body" idx="1"/>
+          </p:nvPr>
+        </p:nvSpPr>
+        <p:spPr/>
+        <p:txBody>
+          <a:bodyPr/>
+          <a:lstStyle/>
+          <a:p>
+            <a:r>
+              <a:rPr lang="en-US" dirty="0" err="1"/>
+              <a:t>Psuedocode</a:t>
+            </a:r>
+            <a:r>
+              <a:rPr lang="en-US" dirty="0"/>
+              <a:t> and code</a:t>
+            </a:r>
+          </a:p>
+        </p:txBody>
+      </p:sp>
+      <p:sp>
+        <p:nvSpPr>
+          <p:cNvPr id="4" name="Slide Number Placeholder 3"/>
+          <p:cNvSpPr>
+            <a:spLocks noGrp="1"/>
+          </p:cNvSpPr>
+          <p:nvPr>
+            <p:ph type="sldNum" sz="quarter" idx="5"/>
+          </p:nvPr>
+        </p:nvSpPr>
+        <p:spPr/>
+        <p:txBody>
+          <a:bodyPr/>
+          <a:lstStyle/>
+          <a:p>
+            <a:pPr marL="0" marR="0" lvl="0" indent="0" algn="r" defTabSz="914400" rtl="0" eaLnBrk="1" fontAlgn="auto" latinLnBrk="0" hangingPunct="1">
+              <a:lnSpc>
+                <a:spcPct val="100000"/>
+              </a:lnSpc>
+              <a:spcBef>
+                <a:spcPts val="0"/>
+              </a:spcBef>
+              <a:spcAft>
+                <a:spcPts val="0"/>
+              </a:spcAft>
+              <a:buClrTx/>
+              <a:buSzTx/>
+              <a:buFontTx/>
+              <a:buNone/>
+              <a:tabLst/>
+              <a:defRPr/>
+            </a:pPr>
+            <a:fld id="{E2B3017C-A127-4C06-BF43-1875A8859C4B}" type="slidenum">
+              <a:rPr kumimoji="0" lang="en-US" sz="1200" b="0" i="0" u="none" strike="noStrike" kern="1200" cap="none" spc="0" normalizeH="0" baseline="0" noProof="0" smtClean="0">
+                <a:ln>
+                  <a:noFill/>
+                </a:ln>
+                <a:solidFill>
+                  <a:prstClr val="black"/>
+                </a:solidFill>
+                <a:effectLst/>
+                <a:uLnTx/>
+                <a:uFillTx/>
+                <a:latin typeface="Calibri" panose="020F0502020204030204"/>
+                <a:ea typeface="+mn-ea"/>
+                <a:cs typeface="+mn-cs"/>
+              </a:rPr>
+              <a:pPr marL="0" marR="0" lvl="0" indent="0" algn="r" defTabSz="914400" rtl="0" eaLnBrk="1" fontAlgn="auto" latinLnBrk="0" hangingPunct="1">
+                <a:lnSpc>
+                  <a:spcPct val="100000"/>
+                </a:lnSpc>
+                <a:spcBef>
+                  <a:spcPts val="0"/>
+                </a:spcBef>
+                <a:spcAft>
+                  <a:spcPts val="0"/>
+                </a:spcAft>
+                <a:buClrTx/>
+                <a:buSzTx/>
+                <a:buFontTx/>
+                <a:buNone/>
+                <a:tabLst/>
+                <a:defRPr/>
+              </a:pPr>
+              <a:t>30</a:t>
+            </a:fld>
+            <a:endParaRPr kumimoji="0" lang="en-US" sz="1200" b="0" i="0" u="none" strike="noStrike" kern="1200" cap="none" spc="0" normalizeH="0" baseline="0" noProof="0">
+              <a:ln>
+                <a:noFill/>
+              </a:ln>
+              <a:solidFill>
+                <a:prstClr val="black"/>
+              </a:solidFill>
+              <a:effectLst/>
+              <a:uLnTx/>
+              <a:uFillTx/>
+              <a:latin typeface="Calibri" panose="020F0502020204030204"/>
+              <a:ea typeface="+mn-ea"/>
+              <a:cs typeface="+mn-cs"/>
+            </a:endParaRPr>
+          </a:p>
+        </p:txBody>
+      </p:sp>
+    </p:spTree>
+    <p:extLst>
+      <p:ext uri="{BB962C8B-B14F-4D97-AF65-F5344CB8AC3E}">
+        <p14:creationId xmlns:p14="http://schemas.microsoft.com/office/powerpoint/2010/main" val="3372863684"/>
+      </p:ext>
+    </p:extLst>
+  </p:cSld>
+  <p:clrMapOvr>
+    <a:masterClrMapping/>
+  </p:clrMapOvr>
+</p:notes>
+</file>
+
+<file path=ppt/notesSlides/notesSlide31.xml><?xml version="1.0" encoding="utf-8"?>
+<p:notes xmlns:a="http://schemas.openxmlformats.org/drawingml/2006/main" xmlns:r="http://schemas.openxmlformats.org/officeDocument/2006/relationships" xmlns:p="http://schemas.openxmlformats.org/presentationml/2006/main">
+  <p:cSld>
+    <p:spTree>
+      <p:nvGrpSpPr>
+        <p:cNvPr id="1" name=""/>
+        <p:cNvGrpSpPr/>
+        <p:nvPr/>
+      </p:nvGrpSpPr>
+      <p:grpSpPr>
+        <a:xfrm>
+          <a:off x="0" y="0"/>
+          <a:ext cx="0" cy="0"/>
+          <a:chOff x="0" y="0"/>
+          <a:chExt cx="0" cy="0"/>
+        </a:xfrm>
+      </p:grpSpPr>
+      <p:sp>
+        <p:nvSpPr>
+          <p:cNvPr id="2" name="Slide Image Placeholder 1"/>
+          <p:cNvSpPr>
+            <a:spLocks noGrp="1" noRot="1" noChangeAspect="1"/>
+          </p:cNvSpPr>
+          <p:nvPr>
+            <p:ph type="sldImg"/>
+          </p:nvPr>
+        </p:nvSpPr>
+        <p:spPr/>
+      </p:sp>
+      <p:sp>
+        <p:nvSpPr>
+          <p:cNvPr id="3" name="Notes Placeholder 2"/>
+          <p:cNvSpPr>
+            <a:spLocks noGrp="1"/>
+          </p:cNvSpPr>
+          <p:nvPr>
+            <p:ph type="body" idx="1"/>
+          </p:nvPr>
+        </p:nvSpPr>
+        <p:spPr/>
+        <p:txBody>
+          <a:bodyPr/>
+          <a:lstStyle/>
+          <a:p>
+            <a:r>
+              <a:rPr lang="en-US" dirty="0"/>
+              <a:t>Space: O1, Time n2</a:t>
+            </a:r>
+          </a:p>
+        </p:txBody>
+      </p:sp>
+      <p:sp>
+        <p:nvSpPr>
+          <p:cNvPr id="4" name="Slide Number Placeholder 3"/>
+          <p:cNvSpPr>
+            <a:spLocks noGrp="1"/>
+          </p:cNvSpPr>
+          <p:nvPr>
+            <p:ph type="sldNum" sz="quarter" idx="5"/>
+          </p:nvPr>
+        </p:nvSpPr>
+        <p:spPr/>
+        <p:txBody>
+          <a:bodyPr/>
+          <a:lstStyle/>
+          <a:p>
+            <a:pPr marL="0" marR="0" lvl="0" indent="0" algn="r" defTabSz="914400" rtl="0" eaLnBrk="1" fontAlgn="auto" latinLnBrk="0" hangingPunct="1">
+              <a:lnSpc>
+                <a:spcPct val="100000"/>
+              </a:lnSpc>
+              <a:spcBef>
+                <a:spcPts val="0"/>
+              </a:spcBef>
+              <a:spcAft>
+                <a:spcPts val="0"/>
+              </a:spcAft>
+              <a:buClrTx/>
+              <a:buSzTx/>
+              <a:buFontTx/>
+              <a:buNone/>
+              <a:tabLst/>
+              <a:defRPr/>
+            </a:pPr>
+            <a:fld id="{E2B3017C-A127-4C06-BF43-1875A8859C4B}" type="slidenum">
+              <a:rPr kumimoji="0" lang="en-US" sz="1200" b="0" i="0" u="none" strike="noStrike" kern="1200" cap="none" spc="0" normalizeH="0" baseline="0" noProof="0" smtClean="0">
+                <a:ln>
+                  <a:noFill/>
+                </a:ln>
+                <a:solidFill>
+                  <a:prstClr val="black"/>
+                </a:solidFill>
+                <a:effectLst/>
+                <a:uLnTx/>
+                <a:uFillTx/>
+                <a:latin typeface="Calibri" panose="020F0502020204030204"/>
+                <a:ea typeface="+mn-ea"/>
+                <a:cs typeface="+mn-cs"/>
+              </a:rPr>
+              <a:pPr marL="0" marR="0" lvl="0" indent="0" algn="r" defTabSz="914400" rtl="0" eaLnBrk="1" fontAlgn="auto" latinLnBrk="0" hangingPunct="1">
+                <a:lnSpc>
+                  <a:spcPct val="100000"/>
+                </a:lnSpc>
+                <a:spcBef>
+                  <a:spcPts val="0"/>
+                </a:spcBef>
+                <a:spcAft>
+                  <a:spcPts val="0"/>
+                </a:spcAft>
+                <a:buClrTx/>
+                <a:buSzTx/>
+                <a:buFontTx/>
+                <a:buNone/>
+                <a:tabLst/>
+                <a:defRPr/>
+              </a:pPr>
+              <a:t>31</a:t>
+            </a:fld>
+            <a:endParaRPr kumimoji="0" lang="en-US" sz="1200" b="0" i="0" u="none" strike="noStrike" kern="1200" cap="none" spc="0" normalizeH="0" baseline="0" noProof="0">
+              <a:ln>
+                <a:noFill/>
+              </a:ln>
+              <a:solidFill>
+                <a:prstClr val="black"/>
+              </a:solidFill>
+              <a:effectLst/>
+              <a:uLnTx/>
+              <a:uFillTx/>
+              <a:latin typeface="Calibri" panose="020F0502020204030204"/>
+              <a:ea typeface="+mn-ea"/>
+              <a:cs typeface="+mn-cs"/>
+            </a:endParaRPr>
+          </a:p>
+        </p:txBody>
+      </p:sp>
+    </p:spTree>
+    <p:extLst>
+      <p:ext uri="{BB962C8B-B14F-4D97-AF65-F5344CB8AC3E}">
+        <p14:creationId xmlns:p14="http://schemas.microsoft.com/office/powerpoint/2010/main" val="1422712198"/>
       </p:ext>
     </p:extLst>
   </p:cSld>
@@ -3837,7 +4597,7 @@
     </p:spTree>
     <p:extLst>
       <p:ext uri="{BB962C8B-B14F-4D97-AF65-F5344CB8AC3E}">
-        <p14:creationId xmlns:p14="http://schemas.microsoft.com/office/powerpoint/2010/main" val="933738657"/>
+        <p14:creationId xmlns:p14="http://schemas.microsoft.com/office/powerpoint/2010/main" val="1984818210"/>
       </p:ext>
     </p:extLst>
   </p:cSld>
@@ -3988,7 +4748,7 @@
     </p:spTree>
     <p:extLst>
       <p:ext uri="{BB962C8B-B14F-4D97-AF65-F5344CB8AC3E}">
-        <p14:creationId xmlns:p14="http://schemas.microsoft.com/office/powerpoint/2010/main" val="1723869126"/>
+        <p14:creationId xmlns:p14="http://schemas.microsoft.com/office/powerpoint/2010/main" val="933738657"/>
       </p:ext>
     </p:extLst>
   </p:cSld>
@@ -4139,7 +4899,7 @@
     </p:spTree>
     <p:extLst>
       <p:ext uri="{BB962C8B-B14F-4D97-AF65-F5344CB8AC3E}">
-        <p14:creationId xmlns:p14="http://schemas.microsoft.com/office/powerpoint/2010/main" val="6819268"/>
+        <p14:creationId xmlns:p14="http://schemas.microsoft.com/office/powerpoint/2010/main" val="1723869126"/>
       </p:ext>
     </p:extLst>
   </p:cSld>
@@ -4290,7 +5050,7 @@
     </p:spTree>
     <p:extLst>
       <p:ext uri="{BB962C8B-B14F-4D97-AF65-F5344CB8AC3E}">
-        <p14:creationId xmlns:p14="http://schemas.microsoft.com/office/powerpoint/2010/main" val="3728816664"/>
+        <p14:creationId xmlns:p14="http://schemas.microsoft.com/office/powerpoint/2010/main" val="6819268"/>
       </p:ext>
     </p:extLst>
   </p:cSld>
@@ -4431,7 +5191,7 @@
           <a:p>
             <a:fld id="{F8616885-9ED8-4298-9149-C5A410E7F61A}" type="datetime1">
               <a:rPr lang="en-US" smtClean="0"/>
-              <a:t>6/16/2023</a:t>
+              <a:t>2/28/2024</a:t>
             </a:fld>
             <a:endParaRPr lang="en-US"/>
           </a:p>
@@ -4601,7 +5361,7 @@
           <a:p>
             <a:fld id="{46647952-6535-4065-B4F6-C94B3D00772F}" type="datetime1">
               <a:rPr lang="en-US" smtClean="0"/>
-              <a:t>6/16/2023</a:t>
+              <a:t>2/28/2024</a:t>
             </a:fld>
             <a:endParaRPr lang="en-US"/>
           </a:p>
@@ -4781,7 +5541,7 @@
           <a:p>
             <a:fld id="{63870D39-F97D-4ECC-909C-35255E9A37F7}" type="datetime1">
               <a:rPr lang="en-US" smtClean="0"/>
-              <a:t>6/16/2023</a:t>
+              <a:t>2/28/2024</a:t>
             </a:fld>
             <a:endParaRPr lang="en-US"/>
           </a:p>
@@ -4973,7 +5733,7 @@
           <a:p>
             <a:fld id="{38C9C2D7-406E-45EE-9F57-B83131B49240}" type="datetimeFigureOut">
               <a:rPr lang="en-US" smtClean="0"/>
-              <a:t>6/16/2023</a:t>
+              <a:t>2/28/2024</a:t>
             </a:fld>
             <a:endParaRPr lang="en-US"/>
           </a:p>
@@ -5143,7 +5903,7 @@
           <a:p>
             <a:fld id="{38C9C2D7-406E-45EE-9F57-B83131B49240}" type="datetimeFigureOut">
               <a:rPr lang="en-US" smtClean="0"/>
-              <a:t>6/16/2023</a:t>
+              <a:t>2/28/2024</a:t>
             </a:fld>
             <a:endParaRPr lang="en-US"/>
           </a:p>
@@ -5389,7 +6149,7 @@
           <a:p>
             <a:fld id="{38C9C2D7-406E-45EE-9F57-B83131B49240}" type="datetimeFigureOut">
               <a:rPr lang="en-US" smtClean="0"/>
-              <a:t>6/16/2023</a:t>
+              <a:t>2/28/2024</a:t>
             </a:fld>
             <a:endParaRPr lang="en-US"/>
           </a:p>
@@ -5621,7 +6381,7 @@
           <a:p>
             <a:fld id="{38C9C2D7-406E-45EE-9F57-B83131B49240}" type="datetimeFigureOut">
               <a:rPr lang="en-US" smtClean="0"/>
-              <a:t>6/16/2023</a:t>
+              <a:t>2/28/2024</a:t>
             </a:fld>
             <a:endParaRPr lang="en-US"/>
           </a:p>
@@ -5988,7 +6748,7 @@
           <a:p>
             <a:fld id="{38C9C2D7-406E-45EE-9F57-B83131B49240}" type="datetimeFigureOut">
               <a:rPr lang="en-US" smtClean="0"/>
-              <a:t>6/16/2023</a:t>
+              <a:t>2/28/2024</a:t>
             </a:fld>
             <a:endParaRPr lang="en-US"/>
           </a:p>
@@ -6106,7 +6866,7 @@
           <a:p>
             <a:fld id="{38C9C2D7-406E-45EE-9F57-B83131B49240}" type="datetimeFigureOut">
               <a:rPr lang="en-US" smtClean="0"/>
-              <a:t>6/16/2023</a:t>
+              <a:t>2/28/2024</a:t>
             </a:fld>
             <a:endParaRPr lang="en-US"/>
           </a:p>
@@ -6201,7 +6961,7 @@
           <a:p>
             <a:fld id="{38C9C2D7-406E-45EE-9F57-B83131B49240}" type="datetimeFigureOut">
               <a:rPr lang="en-US" smtClean="0"/>
-              <a:t>6/16/2023</a:t>
+              <a:t>2/28/2024</a:t>
             </a:fld>
             <a:endParaRPr lang="en-US"/>
           </a:p>
@@ -6478,7 +7238,7 @@
           <a:p>
             <a:fld id="{38C9C2D7-406E-45EE-9F57-B83131B49240}" type="datetimeFigureOut">
               <a:rPr lang="en-US" smtClean="0"/>
-              <a:t>6/16/2023</a:t>
+              <a:t>2/28/2024</a:t>
             </a:fld>
             <a:endParaRPr lang="en-US"/>
           </a:p>
@@ -6648,7 +7408,7 @@
           <a:p>
             <a:fld id="{7325EFF0-82F5-4880-81B9-BC73A963ECC3}" type="datetime1">
               <a:rPr lang="en-US" smtClean="0"/>
-              <a:t>6/16/2023</a:t>
+              <a:t>2/28/2024</a:t>
             </a:fld>
             <a:endParaRPr lang="en-US"/>
           </a:p>
@@ -6905,7 +7665,7 @@
           <a:p>
             <a:fld id="{38C9C2D7-406E-45EE-9F57-B83131B49240}" type="datetimeFigureOut">
               <a:rPr lang="en-US" smtClean="0"/>
-              <a:t>6/16/2023</a:t>
+              <a:t>2/28/2024</a:t>
             </a:fld>
             <a:endParaRPr lang="en-US"/>
           </a:p>
@@ -7075,7 +7835,7 @@
           <a:p>
             <a:fld id="{38C9C2D7-406E-45EE-9F57-B83131B49240}" type="datetimeFigureOut">
               <a:rPr lang="en-US" smtClean="0"/>
-              <a:t>6/16/2023</a:t>
+              <a:t>2/28/2024</a:t>
             </a:fld>
             <a:endParaRPr lang="en-US"/>
           </a:p>
@@ -7255,7 +8015,7 @@
           <a:p>
             <a:fld id="{38C9C2D7-406E-45EE-9F57-B83131B49240}" type="datetimeFigureOut">
               <a:rPr lang="en-US" smtClean="0"/>
-              <a:t>6/16/2023</a:t>
+              <a:t>2/28/2024</a:t>
             </a:fld>
             <a:endParaRPr lang="en-US"/>
           </a:p>
@@ -7501,7 +8261,7 @@
           <a:p>
             <a:fld id="{5A946811-681C-4AC5-84B7-A52FB525DDA0}" type="datetime1">
               <a:rPr lang="en-US" smtClean="0"/>
-              <a:t>6/16/2023</a:t>
+              <a:t>2/28/2024</a:t>
             </a:fld>
             <a:endParaRPr lang="en-US"/>
           </a:p>
@@ -7733,7 +8493,7 @@
           <a:p>
             <a:fld id="{B26718EC-8AAB-4CFD-80CE-1D0FB821064C}" type="datetime1">
               <a:rPr lang="en-US" smtClean="0"/>
-              <a:t>6/16/2023</a:t>
+              <a:t>2/28/2024</a:t>
             </a:fld>
             <a:endParaRPr lang="en-US"/>
           </a:p>
@@ -8100,7 +8860,7 @@
           <a:p>
             <a:fld id="{B9FC400D-05DF-4711-8592-640F86665B5F}" type="datetime1">
               <a:rPr lang="en-US" smtClean="0"/>
-              <a:t>6/16/2023</a:t>
+              <a:t>2/28/2024</a:t>
             </a:fld>
             <a:endParaRPr lang="en-US"/>
           </a:p>
@@ -8218,7 +8978,7 @@
           <a:p>
             <a:fld id="{21DCA921-A295-445C-9DF4-D32E11171EBC}" type="datetime1">
               <a:rPr lang="en-US" smtClean="0"/>
-              <a:t>6/16/2023</a:t>
+              <a:t>2/28/2024</a:t>
             </a:fld>
             <a:endParaRPr lang="en-US"/>
           </a:p>
@@ -8313,7 +9073,7 @@
           <a:p>
             <a:fld id="{410F1947-2C73-49DA-BF00-06FEB90FBFE0}" type="datetime1">
               <a:rPr lang="en-US" smtClean="0"/>
-              <a:t>6/16/2023</a:t>
+              <a:t>2/28/2024</a:t>
             </a:fld>
             <a:endParaRPr lang="en-US"/>
           </a:p>
@@ -8590,7 +9350,7 @@
           <a:p>
             <a:fld id="{7909FA88-D630-40A8-A7C1-451FFA95718D}" type="datetime1">
               <a:rPr lang="en-US" smtClean="0"/>
-              <a:t>6/16/2023</a:t>
+              <a:t>2/28/2024</a:t>
             </a:fld>
             <a:endParaRPr lang="en-US"/>
           </a:p>
@@ -8847,7 +9607,7 @@
           <a:p>
             <a:fld id="{0B22107A-0A76-4A69-98CE-85E509F6FEC6}" type="datetime1">
               <a:rPr lang="en-US" smtClean="0"/>
-              <a:t>6/16/2023</a:t>
+              <a:t>2/28/2024</a:t>
             </a:fld>
             <a:endParaRPr lang="en-US"/>
           </a:p>
@@ -9060,7 +9820,7 @@
           <a:p>
             <a:fld id="{BFC3CE7D-A49F-42F1-B54B-0205BF41E480}" type="datetime1">
               <a:rPr lang="en-US" smtClean="0"/>
-              <a:t>6/16/2023</a:t>
+              <a:t>2/28/2024</a:t>
             </a:fld>
             <a:endParaRPr lang="en-US"/>
           </a:p>
@@ -9601,7 +10361,7 @@
           <a:p>
             <a:fld id="{38C9C2D7-406E-45EE-9F57-B83131B49240}" type="datetimeFigureOut">
               <a:rPr lang="en-US" smtClean="0"/>
-              <a:t>6/16/2023</a:t>
+              <a:t>2/28/2024</a:t>
             </a:fld>
             <a:endParaRPr lang="en-US"/>
           </a:p>
@@ -10230,13 +10990,22 @@
           </a:p>
           <a:p>
             <a:r>
+              <a:rPr lang="en-US" sz="2000" dirty="0" err="1">
+                <a:solidFill>
+                  <a:srgbClr val="EB6E19"/>
+                </a:solidFill>
+                <a:latin typeface="Consolas" panose="020B0609020204030204" pitchFamily="49" charset="0"/>
+              </a:rPr>
+              <a:t>int</a:t>
+            </a:r>
+            <a:r>
               <a:rPr lang="en-US" sz="2000" dirty="0">
                 <a:solidFill>
                   <a:srgbClr val="EB6E19"/>
                 </a:solidFill>
                 <a:latin typeface="Consolas" panose="020B0609020204030204" pitchFamily="49" charset="0"/>
               </a:rPr>
-              <a:t>int i = 1;</a:t>
+              <a:t> k;</a:t>
             </a:r>
           </a:p>
           <a:p>
@@ -10247,7 +11016,7 @@
                 </a:solidFill>
                 <a:latin typeface="Consolas" panose="020B0609020204030204" pitchFamily="49" charset="0"/>
               </a:rPr>
-              <a:t>while (i &lt; n)</a:t>
+              <a:t>for (int i=1; i &lt; n; i++)</a:t>
             </a:r>
           </a:p>
           <a:p>
@@ -10258,10 +11027,17 @@
                 </a:solidFill>
                 <a:latin typeface="Consolas" panose="020B0609020204030204" pitchFamily="49" charset="0"/>
               </a:rPr>
-              <a:t>{</a:t>
-            </a:r>
-          </a:p>
-          <a:p>
+              <a:t>	for (</a:t>
+            </a:r>
+            <a:r>
+              <a:rPr lang="en-US" sz="2000" dirty="0" err="1">
+                <a:solidFill>
+                  <a:srgbClr val="EB6E19"/>
+                </a:solidFill>
+                <a:latin typeface="Consolas" panose="020B0609020204030204" pitchFamily="49" charset="0"/>
+              </a:rPr>
+              <a:t>int</a:t>
+            </a:r>
             <a:r>
               <a:rPr lang="en-US" sz="2000" dirty="0">
                 <a:solidFill>
@@ -10269,7 +11045,7 @@
                 </a:solidFill>
                 <a:latin typeface="Consolas" panose="020B0609020204030204" pitchFamily="49" charset="0"/>
               </a:rPr>
-              <a:t>   i = i * m;</a:t>
+              <a:t> j=n; j&gt;1; j=j/2)</a:t>
             </a:r>
           </a:p>
           <a:p>
@@ -10280,7 +11056,7 @@
                 </a:solidFill>
                 <a:latin typeface="Consolas" panose="020B0609020204030204" pitchFamily="49" charset="0"/>
               </a:rPr>
-              <a:t>}</a:t>
+              <a:t>		k = i*j;</a:t>
             </a:r>
           </a:p>
           <a:p>
@@ -10307,12 +11083,41 @@
               <a:latin typeface="Consolas" panose="020B0609020204030204" pitchFamily="49" charset="0"/>
             </a:endParaRPr>
           </a:p>
+          <a:p>
+            <a:r>
+              <a:rPr lang="en-US" sz="2000" dirty="0">
+                <a:solidFill>
+                  <a:srgbClr val="00DA63"/>
+                </a:solidFill>
+                <a:latin typeface="Consolas" panose="020B0609020204030204" pitchFamily="49" charset="0"/>
+              </a:rPr>
+              <a:t>Answer: O(n log</a:t>
+            </a:r>
+            <a:r>
+              <a:rPr lang="en-US" sz="2000" baseline="-25000" dirty="0">
+                <a:solidFill>
+                  <a:srgbClr val="00DA63"/>
+                </a:solidFill>
+                <a:latin typeface="Consolas" panose="020B0609020204030204" pitchFamily="49" charset="0"/>
+              </a:rPr>
+              <a:t>2</a:t>
+            </a:r>
+            <a:r>
+              <a:rPr lang="en-US" sz="2000" dirty="0">
+                <a:solidFill>
+                  <a:srgbClr val="00DA63"/>
+                </a:solidFill>
+                <a:latin typeface="Consolas" panose="020B0609020204030204" pitchFamily="49" charset="0"/>
+              </a:rPr>
+              <a:t> n)</a:t>
+            </a:r>
+          </a:p>
         </p:txBody>
       </p:sp>
     </p:spTree>
     <p:extLst>
       <p:ext uri="{BB962C8B-B14F-4D97-AF65-F5344CB8AC3E}">
-        <p14:creationId xmlns:p14="http://schemas.microsoft.com/office/powerpoint/2010/main" val="4086734313"/>
+        <p14:creationId xmlns:p14="http://schemas.microsoft.com/office/powerpoint/2010/main" val="2941247419"/>
       </p:ext>
     </p:extLst>
   </p:cSld>
@@ -10397,7 +11202,7 @@
         <p:spPr>
           <a:xfrm>
             <a:off x="1039618" y="1828743"/>
-            <a:ext cx="9635971" cy="3477875"/>
+            <a:ext cx="9635971" cy="3170099"/>
           </a:xfrm>
           <a:prstGeom prst="rect">
             <a:avLst/>
@@ -10507,59 +11312,12 @@
               <a:latin typeface="Consolas" panose="020B0609020204030204" pitchFamily="49" charset="0"/>
             </a:endParaRPr>
           </a:p>
-          <a:p>
-            <a:r>
-              <a:rPr lang="en-US" sz="2000" dirty="0">
-                <a:solidFill>
-                  <a:srgbClr val="00DA63"/>
-                </a:solidFill>
-                <a:latin typeface="Consolas" panose="020B0609020204030204" pitchFamily="49" charset="0"/>
-              </a:rPr>
-              <a:t>Answer: O (</a:t>
-            </a:r>
-            <a:r>
-              <a:rPr lang="en-US" sz="2000" dirty="0" err="1">
-                <a:solidFill>
-                  <a:srgbClr val="00DA63"/>
-                </a:solidFill>
-                <a:latin typeface="Consolas" panose="020B0609020204030204" pitchFamily="49" charset="0"/>
-              </a:rPr>
-              <a:t>log</a:t>
-            </a:r>
-            <a:r>
-              <a:rPr lang="en-US" sz="2000" baseline="-25000" dirty="0" err="1">
-                <a:solidFill>
-                  <a:srgbClr val="00DA63"/>
-                </a:solidFill>
-                <a:latin typeface="Consolas" panose="020B0609020204030204" pitchFamily="49" charset="0"/>
-              </a:rPr>
-              <a:t>m</a:t>
-            </a:r>
-            <a:r>
-              <a:rPr lang="en-US" sz="2000" baseline="-25000" dirty="0">
-                <a:solidFill>
-                  <a:srgbClr val="00DA63"/>
-                </a:solidFill>
-                <a:latin typeface="Consolas" panose="020B0609020204030204" pitchFamily="49" charset="0"/>
-              </a:rPr>
-              <a:t> </a:t>
-            </a:r>
-            <a:r>
-              <a:rPr lang="en-US" sz="2000" dirty="0">
-                <a:solidFill>
-                  <a:srgbClr val="00DA63"/>
-                </a:solidFill>
-                <a:latin typeface="Consolas" panose="020B0609020204030204" pitchFamily="49" charset="0"/>
-              </a:rPr>
-              <a:t>n)</a:t>
-            </a:r>
-          </a:p>
         </p:txBody>
       </p:sp>
     </p:spTree>
     <p:extLst>
       <p:ext uri="{BB962C8B-B14F-4D97-AF65-F5344CB8AC3E}">
-        <p14:creationId xmlns:p14="http://schemas.microsoft.com/office/powerpoint/2010/main" val="329785858"/>
+        <p14:creationId xmlns:p14="http://schemas.microsoft.com/office/powerpoint/2010/main" val="4086734313"/>
       </p:ext>
     </p:extLst>
   </p:cSld>
@@ -10644,7 +11402,7 @@
         <p:spPr>
           <a:xfrm>
             <a:off x="1039618" y="1828743"/>
-            <a:ext cx="9635971" cy="2862322"/>
+            <a:ext cx="9635971" cy="3477875"/>
           </a:xfrm>
           <a:prstGeom prst="rect">
             <a:avLst/>
@@ -10683,7 +11441,7 @@
                 </a:solidFill>
                 <a:latin typeface="Consolas" panose="020B0609020204030204" pitchFamily="49" charset="0"/>
               </a:rPr>
-              <a:t>result = 0</a:t>
+              <a:t>int i = 1;</a:t>
             </a:r>
           </a:p>
           <a:p>
@@ -10694,7 +11452,7 @@
                 </a:solidFill>
                 <a:latin typeface="Consolas" panose="020B0609020204030204" pitchFamily="49" charset="0"/>
               </a:rPr>
-              <a:t>for (int i = 0; i &lt; n; i++)</a:t>
+              <a:t>while (i &lt; n)</a:t>
             </a:r>
           </a:p>
           <a:p>
@@ -10705,7 +11463,7 @@
                 </a:solidFill>
                 <a:latin typeface="Consolas" panose="020B0609020204030204" pitchFamily="49" charset="0"/>
               </a:rPr>
-              <a:t>  result += i;</a:t>
+              <a:t>{</a:t>
             </a:r>
           </a:p>
           <a:p>
@@ -10716,7 +11474,7 @@
                 </a:solidFill>
                 <a:latin typeface="Consolas" panose="020B0609020204030204" pitchFamily="49" charset="0"/>
               </a:rPr>
-              <a:t>for (int j = 1; j &lt; m; j *= 2)</a:t>
+              <a:t>   i = i * m;</a:t>
             </a:r>
           </a:p>
           <a:p>
@@ -10727,7 +11485,7 @@
                 </a:solidFill>
                 <a:latin typeface="Consolas" panose="020B0609020204030204" pitchFamily="49" charset="0"/>
               </a:rPr>
-              <a:t>  result *= j;</a:t>
+              <a:t>}</a:t>
             </a:r>
           </a:p>
           <a:p>
@@ -10746,12 +11504,67 @@
               <a:latin typeface="Consolas" panose="020B0609020204030204" pitchFamily="49" charset="0"/>
             </a:endParaRPr>
           </a:p>
+          <a:p>
+            <a:endParaRPr lang="en-US" sz="2000" dirty="0">
+              <a:solidFill>
+                <a:srgbClr val="EB6E19"/>
+              </a:solidFill>
+              <a:latin typeface="Consolas" panose="020B0609020204030204" pitchFamily="49" charset="0"/>
+            </a:endParaRPr>
+          </a:p>
+          <a:p>
+            <a:r>
+              <a:rPr lang="en-US" sz="2000" dirty="0">
+                <a:solidFill>
+                  <a:srgbClr val="00DA63"/>
+                </a:solidFill>
+                <a:latin typeface="Consolas" panose="020B0609020204030204" pitchFamily="49" charset="0"/>
+              </a:rPr>
+              <a:t>Answer: O (</a:t>
+            </a:r>
+            <a:r>
+              <a:rPr lang="en-US" sz="2000" dirty="0" err="1">
+                <a:solidFill>
+                  <a:srgbClr val="00DA63"/>
+                </a:solidFill>
+                <a:latin typeface="Consolas" panose="020B0609020204030204" pitchFamily="49" charset="0"/>
+              </a:rPr>
+              <a:t>log</a:t>
+            </a:r>
+            <a:r>
+              <a:rPr lang="en-US" sz="2000" baseline="-25000" dirty="0" err="1">
+                <a:solidFill>
+                  <a:srgbClr val="00DA63"/>
+                </a:solidFill>
+                <a:latin typeface="Consolas" panose="020B0609020204030204" pitchFamily="49" charset="0"/>
+              </a:rPr>
+              <a:t>m</a:t>
+            </a:r>
+            <a:r>
+              <a:rPr lang="en-US" sz="2000" baseline="-25000" dirty="0">
+                <a:solidFill>
+                  <a:srgbClr val="00DA63"/>
+                </a:solidFill>
+                <a:latin typeface="Consolas" panose="020B0609020204030204" pitchFamily="49" charset="0"/>
+              </a:rPr>
+              <a:t> </a:t>
+            </a:r>
+            <a:r>
+              <a:rPr lang="en-US" sz="2000" dirty="0">
+                <a:solidFill>
+                  <a:srgbClr val="00DA63"/>
+                </a:solidFill>
+                <a:latin typeface="Consolas" panose="020B0609020204030204" pitchFamily="49" charset="0"/>
+              </a:rPr>
+              <a:t>n)</a:t>
+            </a:r>
+          </a:p>
         </p:txBody>
       </p:sp>
     </p:spTree>
     <p:extLst>
       <p:ext uri="{BB962C8B-B14F-4D97-AF65-F5344CB8AC3E}">
-        <p14:creationId xmlns:p14="http://schemas.microsoft.com/office/powerpoint/2010/main" val="1688701363"/>
+        <p14:creationId xmlns:p14="http://schemas.microsoft.com/office/powerpoint/2010/main" val="329785858"/>
       </p:ext>
     </p:extLst>
   </p:cSld>
@@ -10836,7 +11649,7 @@
         <p:spPr>
           <a:xfrm>
             <a:off x="1039618" y="1828743"/>
-            <a:ext cx="9635971" cy="3170099"/>
+            <a:ext cx="9635971" cy="2862322"/>
           </a:xfrm>
           <a:prstGeom prst="rect">
             <a:avLst/>
@@ -10938,41 +11751,12 @@
               <a:latin typeface="Consolas" panose="020B0609020204030204" pitchFamily="49" charset="0"/>
             </a:endParaRPr>
           </a:p>
-          <a:p>
-            <a:r>
-              <a:rPr lang="en-US" sz="2000" dirty="0">
-                <a:solidFill>
-                  <a:srgbClr val="00DA63"/>
-                </a:solidFill>
-                <a:latin typeface="Consolas" panose="020B0609020204030204" pitchFamily="49" charset="0"/>
-              </a:rPr>
-              <a:t>Answer: O(n+log</a:t>
-            </a:r>
-            <a:r>
-              <a:rPr lang="en-US" sz="2000" baseline="-25000" dirty="0">
-                <a:solidFill>
-                  <a:srgbClr val="00DA63"/>
-                </a:solidFill>
-                <a:latin typeface="Consolas" panose="020B0609020204030204" pitchFamily="49" charset="0"/>
-              </a:rPr>
-              <a:t>2 </a:t>
-            </a:r>
-            <a:r>
-              <a:rPr lang="en-US" sz="2000" dirty="0">
-                <a:solidFill>
-                  <a:srgbClr val="00DA63"/>
-                </a:solidFill>
-                <a:latin typeface="Consolas" panose="020B0609020204030204" pitchFamily="49" charset="0"/>
-              </a:rPr>
-              <a:t>m)</a:t>
-            </a:r>
-          </a:p>
         </p:txBody>
       </p:sp>
     </p:spTree>
     <p:extLst>
       <p:ext uri="{BB962C8B-B14F-4D97-AF65-F5344CB8AC3E}">
-        <p14:creationId xmlns:p14="http://schemas.microsoft.com/office/powerpoint/2010/main" val="2504223234"/>
+        <p14:creationId xmlns:p14="http://schemas.microsoft.com/office/powerpoint/2010/main" val="1688701363"/>
       </p:ext>
     </p:extLst>
   </p:cSld>
@@ -11057,7 +11841,7 @@
         <p:spPr>
           <a:xfrm>
             <a:off x="1039618" y="1828743"/>
-            <a:ext cx="9635971" cy="2246769"/>
+            <a:ext cx="9635971" cy="3170099"/>
           </a:xfrm>
           <a:prstGeom prst="rect">
             <a:avLst/>
@@ -11096,7 +11880,7 @@
                 </a:solidFill>
                 <a:latin typeface="Consolas" panose="020B0609020204030204" pitchFamily="49" charset="0"/>
               </a:rPr>
-              <a:t>for (int i=n; i&gt;0; i/=2)</a:t>
+              <a:t>result = 0</a:t>
             </a:r>
           </a:p>
           <a:p>
@@ -11107,17 +11891,21 @@
                 </a:solidFill>
                 <a:latin typeface="Consolas" panose="020B0609020204030204" pitchFamily="49" charset="0"/>
               </a:rPr>
-              <a:t>	for (int j=1; j&lt;i; </a:t>
-            </a:r>
-            <a:r>
-              <a:rPr lang="en-US" sz="2000" dirty="0" err="1">
+              <a:t>for (int i = 0; i &lt; n; i++)</a:t>
+            </a:r>
+          </a:p>
+          <a:p>
+            <a:r>
+              <a:rPr lang="en-US" sz="2000" dirty="0">
                 <a:solidFill>
                   <a:srgbClr val="EB6E19"/>
                 </a:solidFill>
                 <a:latin typeface="Consolas" panose="020B0609020204030204" pitchFamily="49" charset="0"/>
               </a:rPr>
-              <a:t>j++</a:t>
-            </a:r>
+              <a:t>  result += i;</a:t>
+            </a:r>
+          </a:p>
+          <a:p>
             <a:r>
               <a:rPr lang="en-US" sz="2000" dirty="0">
                 <a:solidFill>
@@ -11125,7 +11913,7 @@
                 </a:solidFill>
                 <a:latin typeface="Consolas" panose="020B0609020204030204" pitchFamily="49" charset="0"/>
               </a:rPr>
-              <a:t>)</a:t>
+              <a:t>for (int j = 1; j &lt; m; j *= 2)</a:t>
             </a:r>
           </a:p>
           <a:p>
@@ -11136,7 +11924,7 @@
                 </a:solidFill>
                 <a:latin typeface="Consolas" panose="020B0609020204030204" pitchFamily="49" charset="0"/>
               </a:rPr>
-              <a:t>		sum = sum + 1;</a:t>
+              <a:t>  result *= j;</a:t>
             </a:r>
           </a:p>
           <a:p>
@@ -11155,12 +11943,41 @@
               <a:latin typeface="Consolas" panose="020B0609020204030204" pitchFamily="49" charset="0"/>
             </a:endParaRPr>
           </a:p>
+          <a:p>
+            <a:r>
+              <a:rPr lang="en-US" sz="2000" dirty="0">
+                <a:solidFill>
+                  <a:srgbClr val="00DA63"/>
+                </a:solidFill>
+                <a:latin typeface="Consolas" panose="020B0609020204030204" pitchFamily="49" charset="0"/>
+              </a:rPr>
+              <a:t>Answer: O(n+log</a:t>
+            </a:r>
+            <a:r>
+              <a:rPr lang="en-US" sz="2000" baseline="-25000" dirty="0">
+                <a:solidFill>
+                  <a:srgbClr val="00DA63"/>
+                </a:solidFill>
+                <a:latin typeface="Consolas" panose="020B0609020204030204" pitchFamily="49" charset="0"/>
+              </a:rPr>
+              <a:t>2 </a:t>
+            </a:r>
+            <a:r>
+              <a:rPr lang="en-US" sz="2000" dirty="0">
+                <a:solidFill>
+                  <a:srgbClr val="00DA63"/>
+                </a:solidFill>
+                <a:latin typeface="Consolas" panose="020B0609020204030204" pitchFamily="49" charset="0"/>
+              </a:rPr>
+              <a:t>m)</a:t>
+            </a:r>
+          </a:p>
         </p:txBody>
       </p:sp>
     </p:spTree>
     <p:extLst>
       <p:ext uri="{BB962C8B-B14F-4D97-AF65-F5344CB8AC3E}">
-        <p14:creationId xmlns:p14="http://schemas.microsoft.com/office/powerpoint/2010/main" val="1877007125"/>
+        <p14:creationId xmlns:p14="http://schemas.microsoft.com/office/powerpoint/2010/main" val="2504223234"/>
       </p:ext>
     </p:extLst>
   </p:cSld>
@@ -11245,7 +12062,7 @@
         <p:spPr>
           <a:xfrm>
             <a:off x="1039618" y="1828743"/>
-            <a:ext cx="9635971" cy="2554545"/>
+            <a:ext cx="9635971" cy="2246769"/>
           </a:xfrm>
           <a:prstGeom prst="rect">
             <a:avLst/>
@@ -11343,23 +12160,12 @@
               <a:latin typeface="Consolas" panose="020B0609020204030204" pitchFamily="49" charset="0"/>
             </a:endParaRPr>
           </a:p>
-          <a:p>
-            <a:r>
-              <a:rPr lang="en-US" sz="2000" dirty="0">
-                <a:solidFill>
-                  <a:srgbClr val="00DA63"/>
-                </a:solidFill>
-                <a:latin typeface="Consolas" panose="020B0609020204030204" pitchFamily="49" charset="0"/>
-              </a:rPr>
-              <a:t>Answer: O(n)</a:t>
-            </a:r>
-          </a:p>
         </p:txBody>
       </p:sp>
     </p:spTree>
     <p:extLst>
       <p:ext uri="{BB962C8B-B14F-4D97-AF65-F5344CB8AC3E}">
-        <p14:creationId xmlns:p14="http://schemas.microsoft.com/office/powerpoint/2010/main" val="2916700440"/>
+        <p14:creationId xmlns:p14="http://schemas.microsoft.com/office/powerpoint/2010/main" val="1877007125"/>
       </p:ext>
     </p:extLst>
   </p:cSld>
@@ -11444,7 +12250,7 @@
         <p:spPr>
           <a:xfrm>
             <a:off x="1039618" y="1828743"/>
-            <a:ext cx="9212778" cy="2554545"/>
+            <a:ext cx="9635971" cy="2554545"/>
           </a:xfrm>
           <a:prstGeom prst="rect">
             <a:avLst/>
@@ -11464,7 +12270,7 @@
                 </a:solidFill>
                 <a:latin typeface="Consolas" panose="020B0609020204030204" pitchFamily="49" charset="0"/>
               </a:rPr>
-              <a:t>Which code snippet will take less time to execute on a computer?</a:t>
+              <a:t>What is the computational complexity of the following code snippet?</a:t>
             </a:r>
           </a:p>
           <a:p>
@@ -11483,38 +12289,18 @@
                 </a:solidFill>
                 <a:latin typeface="Consolas" panose="020B0609020204030204" pitchFamily="49" charset="0"/>
               </a:rPr>
-              <a:t>            </a:t>
-            </a:r>
+              <a:t>for (int i=n; i&gt;0; i/=2)</a:t>
+            </a:r>
+          </a:p>
+          <a:p>
             <a:r>
               <a:rPr lang="en-US" sz="2000" dirty="0">
                 <a:solidFill>
-                  <a:srgbClr val="00DA63"/>
+                  <a:srgbClr val="EB6E19"/>
                 </a:solidFill>
                 <a:latin typeface="Consolas" panose="020B0609020204030204" pitchFamily="49" charset="0"/>
               </a:rPr>
-              <a:t> A                                    B</a:t>
-            </a:r>
-          </a:p>
-          <a:p>
-            <a:r>
-              <a:rPr lang="en-US" sz="2000" dirty="0">
-                <a:solidFill>
-                  <a:srgbClr val="EB6E19"/>
-                </a:solidFill>
-                <a:latin typeface="Consolas" panose="020B0609020204030204" pitchFamily="49" charset="0"/>
-              </a:rPr>
-              <a:t>for (int i=1; i &lt; n; i++)</a:t>
-            </a:r>
-          </a:p>
-          <a:p>
-            <a:r>
-              <a:rPr lang="en-US" sz="2000" dirty="0">
-                <a:solidFill>
-                  <a:srgbClr val="EB6E19"/>
-                </a:solidFill>
-                <a:latin typeface="Consolas" panose="020B0609020204030204" pitchFamily="49" charset="0"/>
-              </a:rPr>
-              <a:t>	for (int j=1; j &lt; n; </a:t>
+              <a:t>	for (int j=1; j&lt;i; </a:t>
             </a:r>
             <a:r>
               <a:rPr lang="en-US" sz="2000" dirty="0" err="1">
@@ -11562,84 +12348,15 @@
               <a:latin typeface="Consolas" panose="020B0609020204030204" pitchFamily="49" charset="0"/>
             </a:endParaRPr>
           </a:p>
-        </p:txBody>
-      </p:sp>
-      <p:sp>
-        <p:nvSpPr>
-          <p:cNvPr id="7" name="TextBox 6">
-            <a:extLst>
-              <a:ext uri="{FF2B5EF4-FFF2-40B4-BE49-F238E27FC236}">
-                <a16:creationId xmlns:a16="http://schemas.microsoft.com/office/drawing/2014/main" id="{92A4DF68-D3B8-4D4F-85C6-D314CAD1A865}"/>
-              </a:ext>
-            </a:extLst>
-          </p:cNvPr>
-          <p:cNvSpPr txBox="1"/>
-          <p:nvPr/>
-        </p:nvSpPr>
-        <p:spPr>
-          <a:xfrm>
-            <a:off x="6353071" y="2798239"/>
-            <a:ext cx="6094324" cy="923330"/>
-          </a:xfrm>
-          <a:prstGeom prst="rect">
-            <a:avLst/>
-          </a:prstGeom>
-          <a:noFill/>
-        </p:spPr>
-        <p:txBody>
-          <a:bodyPr wrap="square">
-            <a:spAutoFit/>
-          </a:bodyPr>
-          <a:lstStyle/>
-          <a:p>
-            <a:r>
-              <a:rPr lang="en-US" sz="1800" dirty="0">
-                <a:solidFill>
-                  <a:srgbClr val="EB6E19"/>
+          <a:p>
+            <a:r>
+              <a:rPr lang="en-US" sz="2000" dirty="0">
+                <a:solidFill>
+                  <a:srgbClr val="00DA63"/>
                 </a:solidFill>
                 <a:latin typeface="Consolas" panose="020B0609020204030204" pitchFamily="49" charset="0"/>
               </a:rPr>
-              <a:t>for (int i=1; i &lt; 2n; i++)</a:t>
-            </a:r>
-          </a:p>
-          <a:p>
-            <a:r>
-              <a:rPr lang="en-US" sz="1800" dirty="0">
-                <a:solidFill>
-                  <a:srgbClr val="EB6E19"/>
-                </a:solidFill>
-                <a:latin typeface="Consolas" panose="020B0609020204030204" pitchFamily="49" charset="0"/>
-              </a:rPr>
-              <a:t>	for (int j=1; j &lt; 2n; </a:t>
-            </a:r>
-            <a:r>
-              <a:rPr lang="en-US" sz="1800" dirty="0" err="1">
-                <a:solidFill>
-                  <a:srgbClr val="EB6E19"/>
-                </a:solidFill>
-                <a:latin typeface="Consolas" panose="020B0609020204030204" pitchFamily="49" charset="0"/>
-              </a:rPr>
-              <a:t>j++</a:t>
-            </a:r>
-            <a:r>
-              <a:rPr lang="en-US" sz="1800" dirty="0">
-                <a:solidFill>
-                  <a:srgbClr val="EB6E19"/>
-                </a:solidFill>
-                <a:latin typeface="Consolas" panose="020B0609020204030204" pitchFamily="49" charset="0"/>
-              </a:rPr>
-              <a:t>)</a:t>
-            </a:r>
-          </a:p>
-          <a:p>
-            <a:r>
-              <a:rPr lang="en-US" sz="1800" dirty="0">
-                <a:solidFill>
-                  <a:srgbClr val="EB6E19"/>
-                </a:solidFill>
-                <a:latin typeface="Consolas" panose="020B0609020204030204" pitchFamily="49" charset="0"/>
-              </a:rPr>
-              <a:t>		sum = sum + 1;</a:t>
+              <a:t>Answer: O(n)</a:t>
             </a:r>
           </a:p>
         </p:txBody>
@@ -11647,7 +12364,7 @@
     </p:spTree>
     <p:extLst>
       <p:ext uri="{BB962C8B-B14F-4D97-AF65-F5344CB8AC3E}">
-        <p14:creationId xmlns:p14="http://schemas.microsoft.com/office/powerpoint/2010/main" val="188823183"/>
+        <p14:creationId xmlns:p14="http://schemas.microsoft.com/office/powerpoint/2010/main" val="2916700440"/>
       </p:ext>
     </p:extLst>
   </p:cSld>
@@ -11732,7 +12449,7 @@
         <p:spPr>
           <a:xfrm>
             <a:off x="1039618" y="1828743"/>
-            <a:ext cx="9212778" cy="2862322"/>
+            <a:ext cx="9212778" cy="2554545"/>
           </a:xfrm>
           <a:prstGeom prst="rect">
             <a:avLst/>
@@ -11849,17 +12566,6 @@
               </a:solidFill>
               <a:latin typeface="Consolas" panose="020B0609020204030204" pitchFamily="49" charset="0"/>
             </a:endParaRPr>
-          </a:p>
-          <a:p>
-            <a:r>
-              <a:rPr lang="en-US" sz="2000" dirty="0">
-                <a:solidFill>
-                  <a:srgbClr val="00DA63"/>
-                </a:solidFill>
-                <a:latin typeface="Consolas" panose="020B0609020204030204" pitchFamily="49" charset="0"/>
-              </a:rPr>
-              <a:t>Answer: A</a:t>
-            </a:r>
           </a:p>
         </p:txBody>
       </p:sp>
@@ -11946,7 +12652,7 @@
     </p:spTree>
     <p:extLst>
       <p:ext uri="{BB962C8B-B14F-4D97-AF65-F5344CB8AC3E}">
-        <p14:creationId xmlns:p14="http://schemas.microsoft.com/office/powerpoint/2010/main" val="1287381242"/>
+        <p14:creationId xmlns:p14="http://schemas.microsoft.com/office/powerpoint/2010/main" val="188823183"/>
       </p:ext>
     </p:extLst>
   </p:cSld>
@@ -12030,8 +12736,8 @@
         </p:nvSpPr>
         <p:spPr>
           <a:xfrm>
-            <a:off x="1039619" y="1828743"/>
-            <a:ext cx="10515600" cy="2862322"/>
+            <a:off x="1039618" y="1828743"/>
+            <a:ext cx="9212778" cy="2862322"/>
           </a:xfrm>
           <a:prstGeom prst="rect">
             <a:avLst/>
@@ -12039,7 +12745,7 @@
           <a:noFill/>
         </p:spPr>
         <p:txBody>
-          <a:bodyPr wrap="square" rtlCol="0">
+          <a:bodyPr wrap="none" rtlCol="0">
             <a:spAutoFit/>
           </a:bodyPr>
           <a:lstStyle/>
@@ -12051,25 +12757,7 @@
                 </a:solidFill>
                 <a:latin typeface="Consolas" panose="020B0609020204030204" pitchFamily="49" charset="0"/>
               </a:rPr>
-              <a:t>Which code snippet will have a higher growth rate </a:t>
-            </a:r>
-            <a:r>
-              <a:rPr lang="en-US" sz="2000" dirty="0" err="1">
-                <a:solidFill>
-                  <a:srgbClr val="0081E2"/>
-                </a:solidFill>
-                <a:latin typeface="Consolas" panose="020B0609020204030204" pitchFamily="49" charset="0"/>
-              </a:rPr>
-              <a:t>asymtotically</a:t>
-            </a:r>
-            <a:r>
-              <a:rPr lang="en-US" sz="2000" dirty="0">
-                <a:solidFill>
-                  <a:srgbClr val="0081E2"/>
-                </a:solidFill>
-                <a:latin typeface="Consolas" panose="020B0609020204030204" pitchFamily="49" charset="0"/>
-              </a:rPr>
-              <a:t> in terms of Big O notation?</a:t>
+              <a:t>Which code snippet will take less time to execute on a computer?</a:t>
             </a:r>
           </a:p>
           <a:p>
@@ -12166,6 +12854,17 @@
               </a:solidFill>
               <a:latin typeface="Consolas" panose="020B0609020204030204" pitchFamily="49" charset="0"/>
             </a:endParaRPr>
+          </a:p>
+          <a:p>
+            <a:r>
+              <a:rPr lang="en-US" sz="2000" dirty="0">
+                <a:solidFill>
+                  <a:srgbClr val="00DA63"/>
+                </a:solidFill>
+                <a:latin typeface="Consolas" panose="020B0609020204030204" pitchFamily="49" charset="0"/>
+              </a:rPr>
+              <a:t>Answer: A</a:t>
+            </a:r>
           </a:p>
         </p:txBody>
       </p:sp>
@@ -12183,7 +12882,7 @@
         </p:nvSpPr>
         <p:spPr>
           <a:xfrm>
-            <a:off x="6297419" y="3059496"/>
+            <a:off x="6353071" y="2798239"/>
             <a:ext cx="6094324" cy="923330"/>
           </a:xfrm>
           <a:prstGeom prst="rect">
@@ -12252,7 +12951,7 @@
     </p:spTree>
     <p:extLst>
       <p:ext uri="{BB962C8B-B14F-4D97-AF65-F5344CB8AC3E}">
-        <p14:creationId xmlns:p14="http://schemas.microsoft.com/office/powerpoint/2010/main" val="1211821534"/>
+        <p14:creationId xmlns:p14="http://schemas.microsoft.com/office/powerpoint/2010/main" val="1287381242"/>
       </p:ext>
     </p:extLst>
   </p:cSld>
@@ -12337,7 +13036,7 @@
         <p:spPr>
           <a:xfrm>
             <a:off x="1039619" y="1828743"/>
-            <a:ext cx="10515600" cy="3170099"/>
+            <a:ext cx="10515600" cy="2862322"/>
           </a:xfrm>
           <a:prstGeom prst="rect">
             <a:avLst/>
@@ -12357,7 +13056,25 @@
                 </a:solidFill>
                 <a:latin typeface="Consolas" panose="020B0609020204030204" pitchFamily="49" charset="0"/>
               </a:rPr>
-              <a:t>Which code snippet will have a higher growth rate asymptotically in terms of Big O notation?</a:t>
+              <a:t>Which code snippet will have a higher growth rate </a:t>
+            </a:r>
+            <a:r>
+              <a:rPr lang="en-US" sz="2000" dirty="0" err="1">
+                <a:solidFill>
+                  <a:srgbClr val="0081E2"/>
+                </a:solidFill>
+                <a:latin typeface="Consolas" panose="020B0609020204030204" pitchFamily="49" charset="0"/>
+              </a:rPr>
+              <a:t>asymtotically</a:t>
+            </a:r>
+            <a:r>
+              <a:rPr lang="en-US" sz="2000" dirty="0">
+                <a:solidFill>
+                  <a:srgbClr val="0081E2"/>
+                </a:solidFill>
+                <a:latin typeface="Consolas" panose="020B0609020204030204" pitchFamily="49" charset="0"/>
+              </a:rPr>
+              <a:t> in terms of Big O notation?</a:t>
             </a:r>
           </a:p>
           <a:p>
@@ -12451,32 +13168,6 @@
             <a:endParaRPr lang="en-US" sz="2000" dirty="0">
               <a:solidFill>
                 <a:srgbClr val="EB6E19"/>
-              </a:solidFill>
-              <a:latin typeface="Consolas" panose="020B0609020204030204" pitchFamily="49" charset="0"/>
-            </a:endParaRPr>
-          </a:p>
-          <a:p>
-            <a:r>
-              <a:rPr lang="en-US" sz="2000" dirty="0">
-                <a:solidFill>
-                  <a:srgbClr val="00DA63"/>
-                </a:solidFill>
-                <a:latin typeface="Consolas" panose="020B0609020204030204" pitchFamily="49" charset="0"/>
-              </a:rPr>
-              <a:t>Answer: A and B grow at the same rate </a:t>
-            </a:r>
-            <a:r>
-              <a:rPr lang="en-US" sz="2000" dirty="0" err="1">
-                <a:solidFill>
-                  <a:srgbClr val="00DA63"/>
-                </a:solidFill>
-                <a:latin typeface="Consolas" panose="020B0609020204030204" pitchFamily="49" charset="0"/>
-              </a:rPr>
-              <a:t>asymtotically</a:t>
-            </a:r>
-            <a:endParaRPr lang="en-US" sz="2000" dirty="0">
-              <a:solidFill>
-                <a:srgbClr val="00DA63"/>
               </a:solidFill>
               <a:latin typeface="Consolas" panose="020B0609020204030204" pitchFamily="49" charset="0"/>
             </a:endParaRPr>
@@ -12566,7 +13257,7 @@
     </p:spTree>
     <p:extLst>
       <p:ext uri="{BB962C8B-B14F-4D97-AF65-F5344CB8AC3E}">
-        <p14:creationId xmlns:p14="http://schemas.microsoft.com/office/powerpoint/2010/main" val="2651317974"/>
+        <p14:creationId xmlns:p14="http://schemas.microsoft.com/office/powerpoint/2010/main" val="1211821534"/>
       </p:ext>
     </p:extLst>
   </p:cSld>
@@ -13620,7 +14311,7 @@
             </a:ln>
             <a:extLst>
               <a:ext uri="{909E8E84-426E-40dd-AFC4-6F175D3DCCD1}">
-                <a14:hiddenFill xmlns:a14="http://schemas.microsoft.com/office/drawing/2010/main" xmlns="">
+                <a14:hiddenFill xmlns="" xmlns:a14="http://schemas.microsoft.com/office/drawing/2010/main">
                   <a:noFill/>
                 </a14:hiddenFill>
               </a:ext>
@@ -13662,7 +14353,7 @@
             </a:ln>
             <a:extLst>
               <a:ext uri="{909E8E84-426E-40dd-AFC4-6F175D3DCCD1}">
-                <a14:hiddenFill xmlns:a14="http://schemas.microsoft.com/office/drawing/2010/main" xmlns="">
+                <a14:hiddenFill xmlns="" xmlns:a14="http://schemas.microsoft.com/office/drawing/2010/main">
                   <a:noFill/>
                 </a14:hiddenFill>
               </a:ext>
@@ -14026,7 +14717,7 @@
             </a:ln>
             <a:extLst>
               <a:ext uri="{909E8E84-426E-40dd-AFC4-6F175D3DCCD1}">
-                <a14:hiddenFill xmlns:a14="http://schemas.microsoft.com/office/drawing/2010/main" xmlns="">
+                <a14:hiddenFill xmlns="" xmlns:a14="http://schemas.microsoft.com/office/drawing/2010/main">
                   <a:noFill/>
                 </a14:hiddenFill>
               </a:ext>
@@ -14071,7 +14762,7 @@
             </a:ln>
             <a:extLst>
               <a:ext uri="{909E8E84-426E-40dd-AFC4-6F175D3DCCD1}">
-                <a14:hiddenFill xmlns:a14="http://schemas.microsoft.com/office/drawing/2010/main" xmlns="">
+                <a14:hiddenFill xmlns="" xmlns:a14="http://schemas.microsoft.com/office/drawing/2010/main">
                   <a:noFill/>
                 </a14:hiddenFill>
               </a:ext>
@@ -14116,7 +14807,7 @@
             </a:ln>
             <a:extLst>
               <a:ext uri="{909E8E84-426E-40dd-AFC4-6F175D3DCCD1}">
-                <a14:hiddenFill xmlns:a14="http://schemas.microsoft.com/office/drawing/2010/main" xmlns="">
+                <a14:hiddenFill xmlns="" xmlns:a14="http://schemas.microsoft.com/office/drawing/2010/main">
                   <a:noFill/>
                 </a14:hiddenFill>
               </a:ext>
@@ -14160,7 +14851,7 @@
             </a:ln>
             <a:extLst>
               <a:ext uri="{909E8E84-426E-40dd-AFC4-6F175D3DCCD1}">
-                <a14:hiddenFill xmlns:a14="http://schemas.microsoft.com/office/drawing/2010/main" xmlns="">
+                <a14:hiddenFill xmlns="" xmlns:a14="http://schemas.microsoft.com/office/drawing/2010/main">
                   <a:noFill/>
                 </a14:hiddenFill>
               </a:ext>
@@ -14236,268 +14927,256 @@
                 </a:solidFill>
                 <a:latin typeface="Gotham Bold" pitchFamily="50" charset="0"/>
               </a:rPr>
-              <a:t>Mini Review – Linked Lists</a:t>
-            </a:r>
-          </a:p>
-        </p:txBody>
-      </p:sp>
-      <p:sp>
-        <p:nvSpPr>
-          <p:cNvPr id="5" name="Content Placeholder 1">
+              <a:t>Mini Review – Complexity</a:t>
+            </a:r>
+          </a:p>
+        </p:txBody>
+      </p:sp>
+      <p:sp>
+        <p:nvSpPr>
+          <p:cNvPr id="4" name="TextBox 3">
             <a:extLst>
               <a:ext uri="{FF2B5EF4-FFF2-40B4-BE49-F238E27FC236}">
-                <a16:creationId xmlns:a16="http://schemas.microsoft.com/office/drawing/2014/main" id="{9069B1C4-5084-4E0D-9FA0-9C8B794FA1FE}"/>
+                <a16:creationId xmlns:a16="http://schemas.microsoft.com/office/drawing/2014/main" id="{A70E6009-18FB-490F-970D-3C9B83737A5E}"/>
               </a:ext>
             </a:extLst>
           </p:cNvPr>
-          <p:cNvSpPr txBox="1">
-            <a:spLocks/>
-          </p:cNvSpPr>
+          <p:cNvSpPr txBox="1"/>
           <p:nvPr/>
         </p:nvSpPr>
         <p:spPr>
           <a:xfrm>
-            <a:off x="940881" y="1690688"/>
-            <a:ext cx="9790759" cy="5057971"/>
+            <a:off x="1039619" y="1828743"/>
+            <a:ext cx="10515600" cy="3170099"/>
           </a:xfrm>
           <a:prstGeom prst="rect">
             <a:avLst/>
           </a:prstGeom>
+          <a:noFill/>
         </p:spPr>
         <p:txBody>
-          <a:bodyPr vert="horz" lIns="91440" tIns="45720" rIns="91440" bIns="45720" rtlCol="0" anchor="t"/>
-          <a:lstStyle>
-            <a:defPPr>
-              <a:defRPr lang="en-US"/>
-            </a:defPPr>
-            <a:lvl1pPr marL="0" algn="l" defTabSz="914400" rtl="0" eaLnBrk="1" latinLnBrk="0" hangingPunct="1">
-              <a:defRPr sz="1200" kern="1200">
-                <a:solidFill>
-                  <a:schemeClr val="tx1">
-                    <a:tint val="75000"/>
-                  </a:schemeClr>
-                </a:solidFill>
-                <a:latin typeface="+mn-lt"/>
-                <a:ea typeface="+mn-ea"/>
-                <a:cs typeface="+mn-cs"/>
-              </a:defRPr>
-            </a:lvl1pPr>
-            <a:lvl2pPr marL="457200" algn="l" defTabSz="914400" rtl="0" eaLnBrk="1" latinLnBrk="0" hangingPunct="1">
-              <a:defRPr sz="1800" kern="1200">
-                <a:solidFill>
-                  <a:schemeClr val="tx1"/>
-                </a:solidFill>
-                <a:latin typeface="+mn-lt"/>
-                <a:ea typeface="+mn-ea"/>
-                <a:cs typeface="+mn-cs"/>
-              </a:defRPr>
-            </a:lvl2pPr>
-            <a:lvl3pPr marL="914400" algn="l" defTabSz="914400" rtl="0" eaLnBrk="1" latinLnBrk="0" hangingPunct="1">
-              <a:defRPr sz="1800" kern="1200">
-                <a:solidFill>
-                  <a:schemeClr val="tx1"/>
-                </a:solidFill>
-                <a:latin typeface="+mn-lt"/>
-                <a:ea typeface="+mn-ea"/>
-                <a:cs typeface="+mn-cs"/>
-              </a:defRPr>
-            </a:lvl3pPr>
-            <a:lvl4pPr marL="1371600" algn="l" defTabSz="914400" rtl="0" eaLnBrk="1" latinLnBrk="0" hangingPunct="1">
-              <a:defRPr sz="1800" kern="1200">
-                <a:solidFill>
-                  <a:schemeClr val="tx1"/>
-                </a:solidFill>
-                <a:latin typeface="+mn-lt"/>
-                <a:ea typeface="+mn-ea"/>
-                <a:cs typeface="+mn-cs"/>
-              </a:defRPr>
-            </a:lvl4pPr>
-            <a:lvl5pPr marL="1828800" algn="l" defTabSz="914400" rtl="0" eaLnBrk="1" latinLnBrk="0" hangingPunct="1">
-              <a:defRPr sz="1800" kern="1200">
-                <a:solidFill>
-                  <a:schemeClr val="tx1"/>
-                </a:solidFill>
-                <a:latin typeface="+mn-lt"/>
-                <a:ea typeface="+mn-ea"/>
-                <a:cs typeface="+mn-cs"/>
-              </a:defRPr>
-            </a:lvl5pPr>
-            <a:lvl6pPr marL="2286000" algn="l" defTabSz="914400" rtl="0" eaLnBrk="1" latinLnBrk="0" hangingPunct="1">
-              <a:defRPr sz="1800" kern="1200">
-                <a:solidFill>
-                  <a:schemeClr val="tx1"/>
-                </a:solidFill>
-                <a:latin typeface="+mn-lt"/>
-                <a:ea typeface="+mn-ea"/>
-                <a:cs typeface="+mn-cs"/>
-              </a:defRPr>
-            </a:lvl6pPr>
-            <a:lvl7pPr marL="2743200" algn="l" defTabSz="914400" rtl="0" eaLnBrk="1" latinLnBrk="0" hangingPunct="1">
-              <a:defRPr sz="1800" kern="1200">
-                <a:solidFill>
-                  <a:schemeClr val="tx1"/>
-                </a:solidFill>
-                <a:latin typeface="+mn-lt"/>
-                <a:ea typeface="+mn-ea"/>
-                <a:cs typeface="+mn-cs"/>
-              </a:defRPr>
-            </a:lvl7pPr>
-            <a:lvl8pPr marL="3200400" algn="l" defTabSz="914400" rtl="0" eaLnBrk="1" latinLnBrk="0" hangingPunct="1">
-              <a:defRPr sz="1800" kern="1200">
-                <a:solidFill>
-                  <a:schemeClr val="tx1"/>
-                </a:solidFill>
-                <a:latin typeface="+mn-lt"/>
-                <a:ea typeface="+mn-ea"/>
-                <a:cs typeface="+mn-cs"/>
-              </a:defRPr>
-            </a:lvl8pPr>
-            <a:lvl9pPr marL="3657600" algn="l" defTabSz="914400" rtl="0" eaLnBrk="1" latinLnBrk="0" hangingPunct="1">
-              <a:defRPr sz="1800" kern="1200">
-                <a:solidFill>
-                  <a:schemeClr val="tx1"/>
-                </a:solidFill>
-                <a:latin typeface="+mn-lt"/>
-                <a:ea typeface="+mn-ea"/>
-                <a:cs typeface="+mn-cs"/>
-              </a:defRPr>
-            </a:lvl9pPr>
-          </a:lstStyle>
-          <a:p>
-            <a:r>
-              <a:rPr lang="en-US" sz="1600" dirty="0">
+          <a:bodyPr wrap="square" rtlCol="0">
+            <a:spAutoFit/>
+          </a:bodyPr>
+          <a:lstStyle/>
+          <a:p>
+            <a:r>
+              <a:rPr lang="en-US" sz="2000" dirty="0">
                 <a:solidFill>
                   <a:srgbClr val="0081E2"/>
                 </a:solidFill>
                 <a:latin typeface="Consolas" panose="020B0609020204030204" pitchFamily="49" charset="0"/>
               </a:rPr>
-              <a:t>Consider a class List that implements an </a:t>
-            </a:r>
-            <a:r>
-              <a:rPr lang="en-US" sz="1600" dirty="0">
-                <a:solidFill>
-                  <a:srgbClr val="EB6E19"/>
-                </a:solidFill>
-                <a:latin typeface="Consolas" panose="020B0609020204030204" pitchFamily="49" charset="0"/>
-              </a:rPr>
-              <a:t>ordered</a:t>
-            </a:r>
-            <a:r>
-              <a:rPr lang="en-US" sz="1600" dirty="0">
-                <a:solidFill>
-                  <a:srgbClr val="0081E2"/>
-                </a:solidFill>
-                <a:latin typeface="Consolas" panose="020B0609020204030204" pitchFamily="49" charset="0"/>
-              </a:rPr>
-              <a:t> list backed by a singly linked list with a head pointer. The invariant “</a:t>
-            </a:r>
-            <a:r>
-              <a:rPr lang="en-US" sz="1600" dirty="0">
-                <a:solidFill>
-                  <a:srgbClr val="EB6E19"/>
-                </a:solidFill>
-                <a:latin typeface="Consolas" panose="020B0609020204030204" pitchFamily="49" charset="0"/>
-              </a:rPr>
-              <a:t>ordered</a:t>
-            </a:r>
-            <a:r>
-              <a:rPr lang="en-US" sz="1600" dirty="0">
-                <a:solidFill>
-                  <a:srgbClr val="0081E2"/>
-                </a:solidFill>
-                <a:latin typeface="Consolas" panose="020B0609020204030204" pitchFamily="49" charset="0"/>
-              </a:rPr>
-              <a:t>” is maintained always. Given that representation, what is the worst-case time complexity of the following operations? Assume the list is sorted in ascending order.</a:t>
-            </a:r>
-          </a:p>
-          <a:p>
-            <a:endParaRPr lang="en-US" sz="1600" dirty="0">
+              <a:t>Which code snippet will have a higher growth rate asymptotically in terms of Big O notation?</a:t>
+            </a:r>
+          </a:p>
+          <a:p>
+            <a:endParaRPr lang="en-US" sz="2000" dirty="0">
               <a:solidFill>
-                <a:srgbClr val="0081E2"/>
+                <a:srgbClr val="EB6E19"/>
               </a:solidFill>
               <a:latin typeface="Consolas" panose="020B0609020204030204" pitchFamily="49" charset="0"/>
             </a:endParaRPr>
           </a:p>
           <a:p>
             <a:r>
-              <a:rPr lang="en-US" sz="1600" dirty="0">
-                <a:solidFill>
-                  <a:srgbClr val="0081E2"/>
+              <a:rPr lang="en-US" sz="2000" dirty="0">
+                <a:solidFill>
+                  <a:srgbClr val="EB6E19"/>
                 </a:solidFill>
                 <a:latin typeface="Consolas" panose="020B0609020204030204" pitchFamily="49" charset="0"/>
               </a:rPr>
-              <a:t>A. Insert an item</a:t>
-            </a:r>
-          </a:p>
-          <a:p>
-            <a:r>
-              <a:rPr lang="en-US" sz="1600" dirty="0">
-                <a:solidFill>
-                  <a:srgbClr val="0081E2"/>
+              <a:t>            </a:t>
+            </a:r>
+            <a:r>
+              <a:rPr lang="en-US" sz="2000" dirty="0">
+                <a:solidFill>
+                  <a:srgbClr val="00DA63"/>
                 </a:solidFill>
                 <a:latin typeface="Consolas" panose="020B0609020204030204" pitchFamily="49" charset="0"/>
               </a:rPr>
-              <a:t>B. Finding the minimum element</a:t>
-            </a:r>
-          </a:p>
-          <a:p>
-            <a:r>
-              <a:rPr lang="en-US" sz="1600" dirty="0">
-                <a:solidFill>
-                  <a:srgbClr val="0081E2"/>
+              <a:t> A                                    B</a:t>
+            </a:r>
+          </a:p>
+          <a:p>
+            <a:r>
+              <a:rPr lang="en-US" sz="2000" dirty="0">
+                <a:solidFill>
+                  <a:srgbClr val="EB6E19"/>
                 </a:solidFill>
                 <a:latin typeface="Consolas" panose="020B0609020204030204" pitchFamily="49" charset="0"/>
               </a:rPr>
-              <a:t>C. Delete the largest element from list</a:t>
-            </a:r>
-          </a:p>
-          <a:p>
-            <a:r>
-              <a:rPr lang="en-US" sz="1600" dirty="0">
-                <a:solidFill>
-                  <a:srgbClr val="0081E2"/>
+              <a:t>for (int i=1; i &lt; n; i++)</a:t>
+            </a:r>
+          </a:p>
+          <a:p>
+            <a:r>
+              <a:rPr lang="en-US" sz="2000" dirty="0">
+                <a:solidFill>
+                  <a:srgbClr val="EB6E19"/>
                 </a:solidFill>
                 <a:latin typeface="Consolas" panose="020B0609020204030204" pitchFamily="49" charset="0"/>
               </a:rPr>
-              <a:t>D. Finding the largest element</a:t>
-            </a:r>
-          </a:p>
-          <a:p>
-            <a:r>
-              <a:rPr lang="en-US" sz="1600" dirty="0">
-                <a:solidFill>
-                  <a:srgbClr val="0081E2"/>
+              <a:t>	for (int j=1; j &lt; n; </a:t>
+            </a:r>
+            <a:r>
+              <a:rPr lang="en-US" sz="2000" dirty="0" err="1">
+                <a:solidFill>
+                  <a:srgbClr val="EB6E19"/>
                 </a:solidFill>
                 <a:latin typeface="Consolas" panose="020B0609020204030204" pitchFamily="49" charset="0"/>
               </a:rPr>
-              <a:t>E. Finding a random element, n</a:t>
-            </a:r>
-          </a:p>
-          <a:p>
-            <a:r>
-              <a:rPr lang="en-US" sz="1600" dirty="0">
-                <a:solidFill>
-                  <a:srgbClr val="0081E2"/>
+              <a:t>j++</a:t>
+            </a:r>
+            <a:r>
+              <a:rPr lang="en-US" sz="2000" dirty="0">
+                <a:solidFill>
+                  <a:srgbClr val="EB6E19"/>
                 </a:solidFill>
                 <a:latin typeface="Consolas" panose="020B0609020204030204" pitchFamily="49" charset="0"/>
               </a:rPr>
-              <a:t>F. Deleting the minimum element in the list</a:t>
-            </a:r>
-          </a:p>
-          <a:p>
-            <a:endParaRPr lang="en-US" sz="1600" dirty="0">
+              <a:t>)</a:t>
+            </a:r>
+          </a:p>
+          <a:p>
+            <a:r>
+              <a:rPr lang="en-US" sz="2000" dirty="0">
+                <a:solidFill>
+                  <a:srgbClr val="EB6E19"/>
+                </a:solidFill>
+                <a:latin typeface="Consolas" panose="020B0609020204030204" pitchFamily="49" charset="0"/>
+              </a:rPr>
+              <a:t>		sum = sum + 1;</a:t>
+            </a:r>
+          </a:p>
+          <a:p>
+            <a:endParaRPr lang="en-US" sz="2000" dirty="0">
               <a:solidFill>
-                <a:srgbClr val="0081E2"/>
+                <a:srgbClr val="EB6E19"/>
               </a:solidFill>
               <a:latin typeface="Consolas" panose="020B0609020204030204" pitchFamily="49" charset="0"/>
             </a:endParaRPr>
           </a:p>
+          <a:p>
+            <a:endParaRPr lang="en-US" sz="2000" dirty="0">
+              <a:solidFill>
+                <a:srgbClr val="EB6E19"/>
+              </a:solidFill>
+              <a:latin typeface="Consolas" panose="020B0609020204030204" pitchFamily="49" charset="0"/>
+            </a:endParaRPr>
+          </a:p>
+          <a:p>
+            <a:r>
+              <a:rPr lang="en-US" sz="2000" dirty="0">
+                <a:solidFill>
+                  <a:srgbClr val="00DA63"/>
+                </a:solidFill>
+                <a:latin typeface="Consolas" panose="020B0609020204030204" pitchFamily="49" charset="0"/>
+              </a:rPr>
+              <a:t>Answer: A and B grow at the same rate </a:t>
+            </a:r>
+            <a:r>
+              <a:rPr lang="en-US" sz="2000" dirty="0" err="1">
+                <a:solidFill>
+                  <a:srgbClr val="00DA63"/>
+                </a:solidFill>
+                <a:latin typeface="Consolas" panose="020B0609020204030204" pitchFamily="49" charset="0"/>
+              </a:rPr>
+              <a:t>asymtotically</a:t>
+            </a:r>
+            <a:endParaRPr lang="en-US" sz="2000" dirty="0">
+              <a:solidFill>
+                <a:srgbClr val="00DA63"/>
+              </a:solidFill>
+              <a:latin typeface="Consolas" panose="020B0609020204030204" pitchFamily="49" charset="0"/>
+            </a:endParaRPr>
+          </a:p>
+        </p:txBody>
+      </p:sp>
+      <p:sp>
+        <p:nvSpPr>
+          <p:cNvPr id="7" name="TextBox 6">
+            <a:extLst>
+              <a:ext uri="{FF2B5EF4-FFF2-40B4-BE49-F238E27FC236}">
+                <a16:creationId xmlns:a16="http://schemas.microsoft.com/office/drawing/2014/main" id="{92A4DF68-D3B8-4D4F-85C6-D314CAD1A865}"/>
+              </a:ext>
+            </a:extLst>
+          </p:cNvPr>
+          <p:cNvSpPr txBox="1"/>
+          <p:nvPr/>
+        </p:nvSpPr>
+        <p:spPr>
+          <a:xfrm>
+            <a:off x="6297419" y="3059496"/>
+            <a:ext cx="6094324" cy="923330"/>
+          </a:xfrm>
+          <a:prstGeom prst="rect">
+            <a:avLst/>
+          </a:prstGeom>
+          <a:noFill/>
+        </p:spPr>
+        <p:txBody>
+          <a:bodyPr wrap="square">
+            <a:spAutoFit/>
+          </a:bodyPr>
+          <a:lstStyle/>
+          <a:p>
+            <a:r>
+              <a:rPr lang="en-US" sz="1800" dirty="0">
+                <a:solidFill>
+                  <a:srgbClr val="EB6E19"/>
+                </a:solidFill>
+                <a:latin typeface="Consolas" panose="020B0609020204030204" pitchFamily="49" charset="0"/>
+              </a:rPr>
+              <a:t>for (int i=1; i &lt; 2n; i++)</a:t>
+            </a:r>
+          </a:p>
+          <a:p>
+            <a:r>
+              <a:rPr lang="en-US" sz="1800" dirty="0">
+                <a:solidFill>
+                  <a:srgbClr val="EB6E19"/>
+                </a:solidFill>
+                <a:latin typeface="Consolas" panose="020B0609020204030204" pitchFamily="49" charset="0"/>
+              </a:rPr>
+              <a:t>	for (int j=1; j &lt; 2n; </a:t>
+            </a:r>
+            <a:r>
+              <a:rPr lang="en-US" sz="1800" dirty="0" err="1">
+                <a:solidFill>
+                  <a:srgbClr val="EB6E19"/>
+                </a:solidFill>
+                <a:latin typeface="Consolas" panose="020B0609020204030204" pitchFamily="49" charset="0"/>
+              </a:rPr>
+              <a:t>j++</a:t>
+            </a:r>
+            <a:r>
+              <a:rPr lang="en-US" sz="1800" dirty="0">
+                <a:solidFill>
+                  <a:srgbClr val="EB6E19"/>
+                </a:solidFill>
+                <a:latin typeface="Consolas" panose="020B0609020204030204" pitchFamily="49" charset="0"/>
+              </a:rPr>
+              <a:t>)</a:t>
+            </a:r>
+          </a:p>
+          <a:p>
+            <a:r>
+              <a:rPr lang="en-US" sz="1800" dirty="0">
+                <a:solidFill>
+                  <a:srgbClr val="EB6E19"/>
+                </a:solidFill>
+                <a:latin typeface="Consolas" panose="020B0609020204030204" pitchFamily="49" charset="0"/>
+              </a:rPr>
+              <a:t>		sum = sum + 1;</a:t>
+            </a:r>
+          </a:p>
         </p:txBody>
       </p:sp>
     </p:spTree>
     <p:extLst>
       <p:ext uri="{BB962C8B-B14F-4D97-AF65-F5344CB8AC3E}">
-        <p14:creationId xmlns:p14="http://schemas.microsoft.com/office/powerpoint/2010/main" val="1671614239"/>
+        <p14:creationId xmlns:p14="http://schemas.microsoft.com/office/powerpoint/2010/main" val="2651317974"/>
       </p:ext>
     </p:extLst>
   </p:cSld>
@@ -14752,16 +15431,18 @@
                 </a:solidFill>
                 <a:latin typeface="Consolas" panose="020B0609020204030204" pitchFamily="49" charset="0"/>
               </a:rPr>
-              <a:t>A. Insert an item </a:t>
-            </a:r>
+              <a:t>A. Insert an item</a:t>
+            </a:r>
+          </a:p>
+          <a:p>
             <a:r>
               <a:rPr lang="en-US" sz="1600" dirty="0">
                 <a:solidFill>
-                  <a:srgbClr val="EB6E19"/>
+                  <a:srgbClr val="0081E2"/>
                 </a:solidFill>
                 <a:latin typeface="Consolas" panose="020B0609020204030204" pitchFamily="49" charset="0"/>
               </a:rPr>
-              <a:t>: O(n)</a:t>
+              <a:t>B. Finding the minimum element</a:t>
             </a:r>
           </a:p>
           <a:p>
@@ -14772,16 +15453,18 @@
                 </a:solidFill>
                 <a:latin typeface="Consolas" panose="020B0609020204030204" pitchFamily="49" charset="0"/>
               </a:rPr>
-              <a:t>B. Finding the minimum element </a:t>
-            </a:r>
+              <a:t>C. Delete the largest element from list</a:t>
+            </a:r>
+          </a:p>
+          <a:p>
             <a:r>
               <a:rPr lang="en-US" sz="1600" dirty="0">
                 <a:solidFill>
-                  <a:srgbClr val="EB6E19"/>
+                  <a:srgbClr val="0081E2"/>
                 </a:solidFill>
                 <a:latin typeface="Consolas" panose="020B0609020204030204" pitchFamily="49" charset="0"/>
               </a:rPr>
-              <a:t>: O(1)</a:t>
+              <a:t>D. Finding the largest element</a:t>
             </a:r>
           </a:p>
           <a:p>
@@ -14792,85 +15475,19 @@
                 </a:solidFill>
                 <a:latin typeface="Consolas" panose="020B0609020204030204" pitchFamily="49" charset="0"/>
               </a:rPr>
-              <a:t>C. Delete the largest element from list </a:t>
-            </a:r>
+              <a:t>E. Finding a random element, n</a:t>
+            </a:r>
+          </a:p>
+          <a:p>
             <a:r>
               <a:rPr lang="en-US" sz="1600" dirty="0">
                 <a:solidFill>
-                  <a:srgbClr val="EB6E19"/>
+                  <a:srgbClr val="0081E2"/>
                 </a:solidFill>
                 <a:latin typeface="Consolas" panose="020B0609020204030204" pitchFamily="49" charset="0"/>
               </a:rPr>
-              <a:t>: O(n)</a:t>
-            </a:r>
-          </a:p>
-          <a:p>
-            <a:r>
-              <a:rPr lang="en-US" sz="1600" dirty="0">
-                <a:solidFill>
-                  <a:srgbClr val="0081E2"/>
-                </a:solidFill>
-                <a:latin typeface="Consolas" panose="020B0609020204030204" pitchFamily="49" charset="0"/>
-              </a:rPr>
-              <a:t>D. Finding the largest element </a:t>
-            </a:r>
-            <a:r>
-              <a:rPr lang="en-US" sz="1600" dirty="0">
-                <a:solidFill>
-                  <a:srgbClr val="EB6E19"/>
-                </a:solidFill>
-                <a:latin typeface="Consolas" panose="020B0609020204030204" pitchFamily="49" charset="0"/>
-              </a:rPr>
-              <a:t>: O(n)</a:t>
-            </a:r>
-          </a:p>
-          <a:p>
-            <a:r>
-              <a:rPr lang="en-US" sz="1600" dirty="0">
-                <a:solidFill>
-                  <a:srgbClr val="0081E2"/>
-                </a:solidFill>
-                <a:latin typeface="Consolas" panose="020B0609020204030204" pitchFamily="49" charset="0"/>
-              </a:rPr>
-              <a:t>E. Finding a random element, n </a:t>
-            </a:r>
-            <a:r>
-              <a:rPr lang="en-US" sz="1600" dirty="0">
-                <a:solidFill>
-                  <a:srgbClr val="EB6E19"/>
-                </a:solidFill>
-                <a:latin typeface="Consolas" panose="020B0609020204030204" pitchFamily="49" charset="0"/>
-              </a:rPr>
-              <a:t>: O(n)</a:t>
-            </a:r>
-          </a:p>
-          <a:p>
-            <a:r>
-              <a:rPr lang="en-US" sz="1600" dirty="0">
-                <a:solidFill>
-                  <a:srgbClr val="0081E2"/>
-                </a:solidFill>
-                <a:latin typeface="Consolas" panose="020B0609020204030204" pitchFamily="49" charset="0"/>
-              </a:rPr>
-              <a:t>F. Deleting the minimum element in the list </a:t>
-            </a:r>
-            <a:r>
-              <a:rPr lang="en-US" sz="1600" dirty="0">
-                <a:solidFill>
-                  <a:srgbClr val="EB6E19"/>
-                </a:solidFill>
-                <a:latin typeface="Consolas" panose="020B0609020204030204" pitchFamily="49" charset="0"/>
-              </a:rPr>
-              <a:t>: O(1)</a:t>
-            </a:r>
-          </a:p>
-          <a:p>
-            <a:endParaRPr lang="en-US" sz="1600" dirty="0">
-              <a:solidFill>
-                <a:srgbClr val="EB6E19"/>
-              </a:solidFill>
-              <a:latin typeface="Consolas" panose="020B0609020204030204" pitchFamily="49" charset="0"/>
-            </a:endParaRPr>
+              <a:t>F. Deleting the minimum element in the list</a:t>
+            </a:r>
           </a:p>
           <a:p>
             <a:endParaRPr lang="en-US" sz="1600" dirty="0">
@@ -14885,7 +15502,7 @@
     </p:spTree>
     <p:extLst>
       <p:ext uri="{BB962C8B-B14F-4D97-AF65-F5344CB8AC3E}">
-        <p14:creationId xmlns:p14="http://schemas.microsoft.com/office/powerpoint/2010/main" val="3075079372"/>
+        <p14:creationId xmlns:p14="http://schemas.microsoft.com/office/powerpoint/2010/main" val="1671614239"/>
       </p:ext>
     </p:extLst>
   </p:cSld>
@@ -14950,7 +15567,7 @@
                 </a:solidFill>
                 <a:latin typeface="Gotham Bold" pitchFamily="50" charset="0"/>
               </a:rPr>
-              <a:t>Mini Review – Stacks</a:t>
+              <a:t>Mini Review – Linked Lists</a:t>
             </a:r>
           </a:p>
         </p:txBody>
@@ -14972,7 +15589,7 @@
         <p:spPr>
           <a:xfrm>
             <a:off x="940881" y="1690688"/>
-            <a:ext cx="10978592" cy="5057971"/>
+            <a:ext cx="9790759" cy="5057971"/>
           </a:xfrm>
           <a:prstGeom prst="rect">
             <a:avLst/>
@@ -15085,16 +15702,46 @@
                 </a:solidFill>
                 <a:latin typeface="Consolas" panose="020B0609020204030204" pitchFamily="49" charset="0"/>
               </a:rPr>
-              <a:t>Postfix Evaluation “2 3 1 * + 9 -“. We scan all elements one by one.</a:t>
-            </a:r>
-            <a:br>
+              <a:t>Consider a class List that implements an </a:t>
+            </a:r>
+            <a:r>
               <a:rPr lang="en-US" sz="1600" dirty="0">
                 <a:solidFill>
+                  <a:srgbClr val="EB6E19"/>
+                </a:solidFill>
+                <a:latin typeface="Consolas" panose="020B0609020204030204" pitchFamily="49" charset="0"/>
+              </a:rPr>
+              <a:t>ordered</a:t>
+            </a:r>
+            <a:r>
+              <a:rPr lang="en-US" sz="1600" dirty="0">
+                <a:solidFill>
                   <a:srgbClr val="0081E2"/>
                 </a:solidFill>
                 <a:latin typeface="Consolas" panose="020B0609020204030204" pitchFamily="49" charset="0"/>
               </a:rPr>
-            </a:br>
+              <a:t> list backed by a singly linked list with a head pointer. The invariant “</a:t>
+            </a:r>
+            <a:r>
+              <a:rPr lang="en-US" sz="1600" dirty="0">
+                <a:solidFill>
+                  <a:srgbClr val="EB6E19"/>
+                </a:solidFill>
+                <a:latin typeface="Consolas" panose="020B0609020204030204" pitchFamily="49" charset="0"/>
+              </a:rPr>
+              <a:t>ordered</a:t>
+            </a:r>
+            <a:r>
+              <a:rPr lang="en-US" sz="1600" dirty="0">
+                <a:solidFill>
+                  <a:srgbClr val="0081E2"/>
+                </a:solidFill>
+                <a:latin typeface="Consolas" panose="020B0609020204030204" pitchFamily="49" charset="0"/>
+              </a:rPr>
+              <a:t>” is maintained always. Given that representation, what is the worst-case time complexity of the following operations? Assume the list is sorted in ascending order.</a:t>
+            </a:r>
+          </a:p>
+          <a:p>
             <a:endParaRPr lang="en-US" sz="1600" dirty="0">
               <a:solidFill>
                 <a:srgbClr val="0081E2"/>
@@ -15102,12 +15749,148 @@
               <a:latin typeface="Consolas" panose="020B0609020204030204" pitchFamily="49" charset="0"/>
             </a:endParaRPr>
           </a:p>
+          <a:p>
+            <a:r>
+              <a:rPr lang="en-US" sz="1600" dirty="0">
+                <a:solidFill>
+                  <a:srgbClr val="0081E2"/>
+                </a:solidFill>
+                <a:latin typeface="Consolas" panose="020B0609020204030204" pitchFamily="49" charset="0"/>
+              </a:rPr>
+              <a:t>A. Insert an item </a:t>
+            </a:r>
+            <a:r>
+              <a:rPr lang="en-US" sz="1600" dirty="0">
+                <a:solidFill>
+                  <a:srgbClr val="EB6E19"/>
+                </a:solidFill>
+                <a:latin typeface="Consolas" panose="020B0609020204030204" pitchFamily="49" charset="0"/>
+              </a:rPr>
+              <a:t>: O(n)</a:t>
+            </a:r>
+          </a:p>
+          <a:p>
+            <a:r>
+              <a:rPr lang="en-US" sz="1600" dirty="0">
+                <a:solidFill>
+                  <a:srgbClr val="0081E2"/>
+                </a:solidFill>
+                <a:latin typeface="Consolas" panose="020B0609020204030204" pitchFamily="49" charset="0"/>
+              </a:rPr>
+              <a:t>B. Finding the minimum element </a:t>
+            </a:r>
+            <a:r>
+              <a:rPr lang="en-US" sz="1600" dirty="0">
+                <a:solidFill>
+                  <a:srgbClr val="EB6E19"/>
+                </a:solidFill>
+                <a:latin typeface="Consolas" panose="020B0609020204030204" pitchFamily="49" charset="0"/>
+              </a:rPr>
+              <a:t>: O(1)</a:t>
+            </a:r>
+          </a:p>
+          <a:p>
+            <a:r>
+              <a:rPr lang="en-US" sz="1600" dirty="0">
+                <a:solidFill>
+                  <a:srgbClr val="0081E2"/>
+                </a:solidFill>
+                <a:latin typeface="Consolas" panose="020B0609020204030204" pitchFamily="49" charset="0"/>
+              </a:rPr>
+              <a:t>C. Delete the largest element from list </a:t>
+            </a:r>
+            <a:r>
+              <a:rPr lang="en-US" sz="1600" dirty="0">
+                <a:solidFill>
+                  <a:srgbClr val="EB6E19"/>
+                </a:solidFill>
+                <a:latin typeface="Consolas" panose="020B0609020204030204" pitchFamily="49" charset="0"/>
+              </a:rPr>
+              <a:t>: O(n)</a:t>
+            </a:r>
+          </a:p>
+          <a:p>
+            <a:r>
+              <a:rPr lang="en-US" sz="1600" dirty="0">
+                <a:solidFill>
+                  <a:srgbClr val="0081E2"/>
+                </a:solidFill>
+                <a:latin typeface="Consolas" panose="020B0609020204030204" pitchFamily="49" charset="0"/>
+              </a:rPr>
+              <a:t>D. Finding the largest element </a:t>
+            </a:r>
+            <a:r>
+              <a:rPr lang="en-US" sz="1600" dirty="0">
+                <a:solidFill>
+                  <a:srgbClr val="EB6E19"/>
+                </a:solidFill>
+                <a:latin typeface="Consolas" panose="020B0609020204030204" pitchFamily="49" charset="0"/>
+              </a:rPr>
+              <a:t>: O(n)</a:t>
+            </a:r>
+          </a:p>
+          <a:p>
+            <a:r>
+              <a:rPr lang="en-US" sz="1600" dirty="0">
+                <a:solidFill>
+                  <a:srgbClr val="0081E2"/>
+                </a:solidFill>
+                <a:latin typeface="Consolas" panose="020B0609020204030204" pitchFamily="49" charset="0"/>
+              </a:rPr>
+              <a:t>E. Finding a random element, n </a:t>
+            </a:r>
+            <a:r>
+              <a:rPr lang="en-US" sz="1600" dirty="0">
+                <a:solidFill>
+                  <a:srgbClr val="EB6E19"/>
+                </a:solidFill>
+                <a:latin typeface="Consolas" panose="020B0609020204030204" pitchFamily="49" charset="0"/>
+              </a:rPr>
+              <a:t>: O(n)</a:t>
+            </a:r>
+          </a:p>
+          <a:p>
+            <a:r>
+              <a:rPr lang="en-US" sz="1600" dirty="0">
+                <a:solidFill>
+                  <a:srgbClr val="0081E2"/>
+                </a:solidFill>
+                <a:latin typeface="Consolas" panose="020B0609020204030204" pitchFamily="49" charset="0"/>
+              </a:rPr>
+              <a:t>F. Deleting the minimum element in the list </a:t>
+            </a:r>
+            <a:r>
+              <a:rPr lang="en-US" sz="1600" dirty="0">
+                <a:solidFill>
+                  <a:srgbClr val="EB6E19"/>
+                </a:solidFill>
+                <a:latin typeface="Consolas" panose="020B0609020204030204" pitchFamily="49" charset="0"/>
+              </a:rPr>
+              <a:t>: O(1)</a:t>
+            </a:r>
+          </a:p>
+          <a:p>
+            <a:endParaRPr lang="en-US" sz="1600" dirty="0">
+              <a:solidFill>
+                <a:srgbClr val="EB6E19"/>
+              </a:solidFill>
+              <a:latin typeface="Consolas" panose="020B0609020204030204" pitchFamily="49" charset="0"/>
+            </a:endParaRPr>
+          </a:p>
+          <a:p>
+            <a:endParaRPr lang="en-US" sz="1600" dirty="0">
+              <a:solidFill>
+                <a:srgbClr val="0081E2"/>
+              </a:solidFill>
+              <a:latin typeface="Consolas" panose="020B0609020204030204" pitchFamily="49" charset="0"/>
+            </a:endParaRPr>
+          </a:p>
         </p:txBody>
       </p:sp>
     </p:spTree>
     <p:extLst>
       <p:ext uri="{BB962C8B-B14F-4D97-AF65-F5344CB8AC3E}">
-        <p14:creationId xmlns:p14="http://schemas.microsoft.com/office/powerpoint/2010/main" val="2199279301"/>
+        <p14:creationId xmlns:p14="http://schemas.microsoft.com/office/powerpoint/2010/main" val="3075079372"/>
       </p:ext>
     </p:extLst>
   </p:cSld>
@@ -15309,8 +16092,6 @@
               </a:rPr>
               <a:t>Postfix Evaluation “2 3 1 * + 9 -“. We scan all elements one by one.</a:t>
             </a:r>
-          </a:p>
-          <a:p>
             <a:br>
               <a:rPr lang="en-US" sz="1600" dirty="0">
                 <a:solidFill>
@@ -15319,141 +16100,19 @@
                 <a:latin typeface="Consolas" panose="020B0609020204030204" pitchFamily="49" charset="0"/>
               </a:rPr>
             </a:br>
-            <a:r>
-              <a:rPr lang="en-US" sz="1600" dirty="0">
-                <a:solidFill>
-                  <a:srgbClr val="EB6E19"/>
-                </a:solidFill>
-                <a:latin typeface="Consolas" panose="020B0609020204030204" pitchFamily="49" charset="0"/>
-              </a:rPr>
-              <a:t>1) Scan ‘2’, it’s a number, so push it to stack. Stack contains ‘2’</a:t>
-            </a:r>
-            <a:br>
-              <a:rPr lang="en-US" sz="1600" dirty="0">
-                <a:solidFill>
-                  <a:srgbClr val="EB6E19"/>
-                </a:solidFill>
-                <a:latin typeface="Consolas" panose="020B0609020204030204" pitchFamily="49" charset="0"/>
-              </a:rPr>
-            </a:br>
-            <a:r>
-              <a:rPr lang="en-US" sz="1600" dirty="0">
-                <a:solidFill>
-                  <a:srgbClr val="EB6E19"/>
-                </a:solidFill>
-                <a:latin typeface="Consolas" panose="020B0609020204030204" pitchFamily="49" charset="0"/>
-              </a:rPr>
-              <a:t>2) Scan ‘3’, again a number, push it to stack, stack now contains ‘2 3’ (from bottom to top)</a:t>
-            </a:r>
-            <a:br>
-              <a:rPr lang="en-US" sz="1600" dirty="0">
-                <a:solidFill>
-                  <a:srgbClr val="EB6E19"/>
-                </a:solidFill>
-                <a:latin typeface="Consolas" panose="020B0609020204030204" pitchFamily="49" charset="0"/>
-              </a:rPr>
-            </a:br>
-            <a:r>
-              <a:rPr lang="en-US" sz="1600" dirty="0">
-                <a:solidFill>
-                  <a:srgbClr val="EB6E19"/>
-                </a:solidFill>
-                <a:latin typeface="Consolas" panose="020B0609020204030204" pitchFamily="49" charset="0"/>
-              </a:rPr>
-              <a:t>3) Scan ‘1’, again a number, push it to stack, stack now contains ‘2 3 1’</a:t>
-            </a:r>
-            <a:br>
-              <a:rPr lang="en-US" sz="1600" dirty="0">
-                <a:solidFill>
-                  <a:srgbClr val="EB6E19"/>
-                </a:solidFill>
-                <a:latin typeface="Consolas" panose="020B0609020204030204" pitchFamily="49" charset="0"/>
-              </a:rPr>
-            </a:br>
-            <a:r>
-              <a:rPr lang="en-US" sz="1600" dirty="0">
-                <a:solidFill>
-                  <a:srgbClr val="EB6E19"/>
-                </a:solidFill>
-                <a:latin typeface="Consolas" panose="020B0609020204030204" pitchFamily="49" charset="0"/>
-              </a:rPr>
-              <a:t>4) Scan ‘*’, it’s an operator, pop two operands from stack, apply the * operator on operands, we get 3*1 which results in 3. We push the result ‘3’ to stack. Stack now becomes ‘2 3’.</a:t>
-            </a:r>
-            <a:br>
-              <a:rPr lang="en-US" sz="1600" dirty="0">
-                <a:solidFill>
-                  <a:srgbClr val="EB6E19"/>
-                </a:solidFill>
-                <a:latin typeface="Consolas" panose="020B0609020204030204" pitchFamily="49" charset="0"/>
-              </a:rPr>
-            </a:br>
-            <a:r>
-              <a:rPr lang="en-US" sz="1600" dirty="0">
-                <a:solidFill>
-                  <a:srgbClr val="EB6E19"/>
-                </a:solidFill>
-                <a:latin typeface="Consolas" panose="020B0609020204030204" pitchFamily="49" charset="0"/>
-              </a:rPr>
-              <a:t>5) Scan ‘+’, it’s an operator, pop two operands from stack, apply the + operator on operands, we get 3 + 2 which results in 5. We push the result ‘5’ to stack. Stack now becomes ‘5’.</a:t>
-            </a:r>
-            <a:br>
-              <a:rPr lang="en-US" sz="1600" dirty="0">
-                <a:solidFill>
-                  <a:srgbClr val="EB6E19"/>
-                </a:solidFill>
-                <a:latin typeface="Consolas" panose="020B0609020204030204" pitchFamily="49" charset="0"/>
-              </a:rPr>
-            </a:br>
-            <a:r>
-              <a:rPr lang="en-US" sz="1600" dirty="0">
-                <a:solidFill>
-                  <a:srgbClr val="EB6E19"/>
-                </a:solidFill>
-                <a:latin typeface="Consolas" panose="020B0609020204030204" pitchFamily="49" charset="0"/>
-              </a:rPr>
-              <a:t>6) Scan ‘9’, it’s a number, we push it to the stack. Stack now becomes ‘5 9’.</a:t>
-            </a:r>
-            <a:br>
-              <a:rPr lang="en-US" sz="1600" dirty="0">
-                <a:solidFill>
-                  <a:srgbClr val="EB6E19"/>
-                </a:solidFill>
-                <a:latin typeface="Consolas" panose="020B0609020204030204" pitchFamily="49" charset="0"/>
-              </a:rPr>
-            </a:br>
-            <a:r>
-              <a:rPr lang="en-US" sz="1600" dirty="0">
-                <a:solidFill>
-                  <a:srgbClr val="EB6E19"/>
-                </a:solidFill>
-                <a:latin typeface="Consolas" panose="020B0609020204030204" pitchFamily="49" charset="0"/>
-              </a:rPr>
-              <a:t>7) Scan ‘-‘, it’s an operator, pop two operands from stack, apply the – operator on operands, we get 5 – 9 which results in -4. We push the result ‘-4’ to stack. Stack now becomes ‘-4’.</a:t>
-            </a:r>
-            <a:br>
-              <a:rPr lang="en-US" sz="1600" dirty="0">
-                <a:solidFill>
-                  <a:srgbClr val="EB6E19"/>
-                </a:solidFill>
-                <a:latin typeface="Consolas" panose="020B0609020204030204" pitchFamily="49" charset="0"/>
-              </a:rPr>
-            </a:br>
-            <a:r>
-              <a:rPr lang="en-US" sz="1600" dirty="0">
-                <a:solidFill>
-                  <a:srgbClr val="EB6E19"/>
-                </a:solidFill>
-                <a:latin typeface="Consolas" panose="020B0609020204030204" pitchFamily="49" charset="0"/>
-              </a:rPr>
-              <a:t>8) There are no more elements to scan, we return the top element from stack (which is the only element left in stack).</a:t>
-            </a:r>
+            <a:endParaRPr lang="en-US" sz="1600" dirty="0">
+              <a:solidFill>
+                <a:srgbClr val="0081E2"/>
+              </a:solidFill>
+              <a:latin typeface="Consolas" panose="020B0609020204030204" pitchFamily="49" charset="0"/>
+            </a:endParaRPr>
           </a:p>
         </p:txBody>
       </p:sp>
     </p:spTree>
     <p:extLst>
       <p:ext uri="{BB962C8B-B14F-4D97-AF65-F5344CB8AC3E}">
-        <p14:creationId xmlns:p14="http://schemas.microsoft.com/office/powerpoint/2010/main" val="3921623338"/>
+        <p14:creationId xmlns:p14="http://schemas.microsoft.com/office/powerpoint/2010/main" val="2199279301"/>
       </p:ext>
     </p:extLst>
   </p:cSld>
@@ -15518,7 +16177,7 @@
                 </a:solidFill>
                 <a:latin typeface="Gotham Bold" pitchFamily="50" charset="0"/>
               </a:rPr>
-              <a:t>Output Prediction / Coding Questions</a:t>
+              <a:t>Mini Review – Stacks</a:t>
             </a:r>
           </a:p>
         </p:txBody>
@@ -15652,48 +16311,146 @@
                   <a:srgbClr val="0081E2"/>
                 </a:solidFill>
                 <a:latin typeface="Consolas" panose="020B0609020204030204" pitchFamily="49" charset="0"/>
-                <a:hlinkClick r:id="rId3">
-                  <a:extLst>
-                    <a:ext uri="{A12FA001-AC4F-418D-AE19-62706E023703}">
-                      <ahyp:hlinkClr xmlns:ahyp="http://schemas.microsoft.com/office/drawing/2018/hyperlinkcolor" val="tx"/>
-                    </a:ext>
-                  </a:extLst>
-                </a:hlinkClick>
-              </a:rPr>
-              <a:t>https://onlinegdb.com/BJ4hyD7vP</a:t>
-            </a:r>
-            <a:endParaRPr lang="en-US" sz="1600" dirty="0">
-              <a:solidFill>
-                <a:srgbClr val="0081E2"/>
-              </a:solidFill>
-              <a:latin typeface="Consolas" panose="020B0609020204030204" pitchFamily="49" charset="0"/>
-            </a:endParaRPr>
-          </a:p>
-          <a:p>
-            <a:r>
+              </a:rPr>
+              <a:t>Postfix Evaluation “2 3 1 * + 9 -“. We scan all elements one by one.</a:t>
+            </a:r>
+          </a:p>
+          <a:p>
+            <a:br>
               <a:rPr lang="en-US" sz="1600" dirty="0">
                 <a:solidFill>
                   <a:srgbClr val="0081E2"/>
                 </a:solidFill>
                 <a:latin typeface="Consolas" panose="020B0609020204030204" pitchFamily="49" charset="0"/>
-                <a:hlinkClick r:id="rId4">
-                  <a:extLst>
-                    <a:ext uri="{A12FA001-AC4F-418D-AE19-62706E023703}">
-                      <ahyp:hlinkClr xmlns:ahyp="http://schemas.microsoft.com/office/drawing/2018/hyperlinkcolor" val="tx"/>
-                    </a:ext>
-                  </a:extLst>
-                </a:hlinkClick>
-              </a:rPr>
-              <a:t>https://onlinegdb.com/BJ6gewQDP</a:t>
-            </a:r>
+              </a:rPr>
+            </a:br>
             <a:r>
               <a:rPr lang="en-US" sz="1600" dirty="0">
                 <a:solidFill>
-                  <a:srgbClr val="0081E2"/>
+                  <a:srgbClr val="EB6E19"/>
                 </a:solidFill>
                 <a:latin typeface="Consolas" panose="020B0609020204030204" pitchFamily="49" charset="0"/>
               </a:rPr>
-              <a:t> </a:t>
+              <a:t>1) Scan ‘2’, it’s a number, so push it to stack. Stack contains ‘2’</a:t>
+            </a:r>
+            <a:br>
+              <a:rPr lang="en-US" sz="1600" dirty="0">
+                <a:solidFill>
+                  <a:srgbClr val="EB6E19"/>
+                </a:solidFill>
+                <a:latin typeface="Consolas" panose="020B0609020204030204" pitchFamily="49" charset="0"/>
+              </a:rPr>
+            </a:br>
+            <a:r>
+              <a:rPr lang="en-US" sz="1600" dirty="0">
+                <a:solidFill>
+                  <a:srgbClr val="EB6E19"/>
+                </a:solidFill>
+                <a:latin typeface="Consolas" panose="020B0609020204030204" pitchFamily="49" charset="0"/>
+              </a:rPr>
+              <a:t>2) Scan ‘3’, again a number, push it to stack, stack now contains ‘2 3’ (from bottom to top)</a:t>
+            </a:r>
+            <a:br>
+              <a:rPr lang="en-US" sz="1600" dirty="0">
+                <a:solidFill>
+                  <a:srgbClr val="EB6E19"/>
+                </a:solidFill>
+                <a:latin typeface="Consolas" panose="020B0609020204030204" pitchFamily="49" charset="0"/>
+              </a:rPr>
+            </a:br>
+            <a:r>
+              <a:rPr lang="en-US" sz="1600" dirty="0">
+                <a:solidFill>
+                  <a:srgbClr val="EB6E19"/>
+                </a:solidFill>
+                <a:latin typeface="Consolas" panose="020B0609020204030204" pitchFamily="49" charset="0"/>
+              </a:rPr>
+              <a:t>3) Scan ‘1’, again a number, push it to stack, stack now contains ‘2 3 1’</a:t>
+            </a:r>
+            <a:br>
+              <a:rPr lang="en-US" sz="1600" dirty="0">
+                <a:solidFill>
+                  <a:srgbClr val="EB6E19"/>
+                </a:solidFill>
+                <a:latin typeface="Consolas" panose="020B0609020204030204" pitchFamily="49" charset="0"/>
+              </a:rPr>
+            </a:br>
+            <a:r>
+              <a:rPr lang="en-US" sz="1600" dirty="0">
+                <a:solidFill>
+                  <a:srgbClr val="EB6E19"/>
+                </a:solidFill>
+                <a:latin typeface="Consolas" panose="020B0609020204030204" pitchFamily="49" charset="0"/>
+              </a:rPr>
+              <a:t>4) Scan ‘*’, it’s an operator, pop two operands from stack, apply the * operator on operands, we get 3*1 which results in 3. We push the result ‘3’ to stack. Stack now becomes ‘2 3’.</a:t>
+            </a:r>
+            <a:br>
+              <a:rPr lang="en-US" sz="1600" dirty="0">
+                <a:solidFill>
+                  <a:srgbClr val="EB6E19"/>
+                </a:solidFill>
+                <a:latin typeface="Consolas" panose="020B0609020204030204" pitchFamily="49" charset="0"/>
+              </a:rPr>
+            </a:br>
+            <a:r>
+              <a:rPr lang="en-US" sz="1600" dirty="0">
+                <a:solidFill>
+                  <a:srgbClr val="EB6E19"/>
+                </a:solidFill>
+                <a:latin typeface="Consolas" panose="020B0609020204030204" pitchFamily="49" charset="0"/>
+              </a:rPr>
+              <a:t>5) Scan ‘+’, it’s an operator, pop two operands from stack, apply the + operator on operands, we get 3 + 2 which results in 5. We push the result ‘5’ to stack. Stack now becomes ‘5’.</a:t>
+            </a:r>
+            <a:br>
+              <a:rPr lang="en-US" sz="1600" dirty="0">
+                <a:solidFill>
+                  <a:srgbClr val="EB6E19"/>
+                </a:solidFill>
+                <a:latin typeface="Consolas" panose="020B0609020204030204" pitchFamily="49" charset="0"/>
+              </a:rPr>
+            </a:br>
+            <a:r>
+              <a:rPr lang="en-US" sz="1600" dirty="0">
+                <a:solidFill>
+                  <a:srgbClr val="EB6E19"/>
+                </a:solidFill>
+                <a:latin typeface="Consolas" panose="020B0609020204030204" pitchFamily="49" charset="0"/>
+              </a:rPr>
+              <a:t>6) Scan ‘9’, it’s a number, we push it to the stack. Stack now becomes ‘5 9’.</a:t>
+            </a:r>
+            <a:br>
+              <a:rPr lang="en-US" sz="1600" dirty="0">
+                <a:solidFill>
+                  <a:srgbClr val="EB6E19"/>
+                </a:solidFill>
+                <a:latin typeface="Consolas" panose="020B0609020204030204" pitchFamily="49" charset="0"/>
+              </a:rPr>
+            </a:br>
+            <a:r>
+              <a:rPr lang="en-US" sz="1600" dirty="0">
+                <a:solidFill>
+                  <a:srgbClr val="EB6E19"/>
+                </a:solidFill>
+                <a:latin typeface="Consolas" panose="020B0609020204030204" pitchFamily="49" charset="0"/>
+              </a:rPr>
+              <a:t>7) Scan ‘-‘, it’s an operator, pop two operands from stack, apply the – operator on operands, we get 5 – 9 which results in -4. We push the result ‘-4’ to stack. Stack now becomes ‘-4’.</a:t>
+            </a:r>
+            <a:br>
+              <a:rPr lang="en-US" sz="1600" dirty="0">
+                <a:solidFill>
+                  <a:srgbClr val="EB6E19"/>
+                </a:solidFill>
+                <a:latin typeface="Consolas" panose="020B0609020204030204" pitchFamily="49" charset="0"/>
+              </a:rPr>
+            </a:br>
+            <a:r>
+              <a:rPr lang="en-US" sz="1600" dirty="0">
+                <a:solidFill>
+                  <a:srgbClr val="EB6E19"/>
+                </a:solidFill>
+                <a:latin typeface="Consolas" panose="020B0609020204030204" pitchFamily="49" charset="0"/>
+              </a:rPr>
+              <a:t>8) There are no more elements to scan, we return the top element from stack (which is the only element left in stack).</a:t>
             </a:r>
           </a:p>
         </p:txBody>
@@ -15701,7 +16458,7 @@
     </p:spTree>
     <p:extLst>
       <p:ext uri="{BB962C8B-B14F-4D97-AF65-F5344CB8AC3E}">
-        <p14:creationId xmlns:p14="http://schemas.microsoft.com/office/powerpoint/2010/main" val="3092846301"/>
+        <p14:creationId xmlns:p14="http://schemas.microsoft.com/office/powerpoint/2010/main" val="3921623338"/>
       </p:ext>
     </p:extLst>
   </p:cSld>
@@ -15766,7 +16523,7 @@
                 </a:solidFill>
                 <a:latin typeface="Gotham Bold" pitchFamily="50" charset="0"/>
               </a:rPr>
-              <a:t>Mini Review – Coding questions</a:t>
+              <a:t>Output Prediction / Coding Questions</a:t>
             </a:r>
           </a:p>
         </p:txBody>
@@ -15894,25 +16651,22 @@
             </a:lvl9pPr>
           </a:lstStyle>
           <a:p>
-            <a:pPr marL="285750" indent="-285750">
-              <a:buFont typeface="Arial" panose="020B0604020202020204" pitchFamily="34" charset="0"/>
-              <a:buChar char="•"/>
-            </a:pPr>
             <a:r>
               <a:rPr lang="en-US" sz="1600" dirty="0">
                 <a:solidFill>
                   <a:srgbClr val="0081E2"/>
                 </a:solidFill>
                 <a:latin typeface="Consolas" panose="020B0609020204030204" pitchFamily="49" charset="0"/>
-              </a:rPr>
-              <a:t>Check whether a string is a Palindrome using a Stack.</a:t>
-            </a:r>
-          </a:p>
-          <a:p>
-            <a:pPr marL="285750" indent="-285750">
-              <a:buFont typeface="Arial" panose="020B0604020202020204" pitchFamily="34" charset="0"/>
-              <a:buChar char="•"/>
-            </a:pPr>
+                <a:hlinkClick r:id="rId3">
+                  <a:extLst>
+                    <a:ext uri="{A12FA001-AC4F-418D-AE19-62706E023703}">
+                      <ahyp:hlinkClr xmlns:ahyp="http://schemas.microsoft.com/office/drawing/2018/hyperlinkcolor" val="tx"/>
+                    </a:ext>
+                  </a:extLst>
+                </a:hlinkClick>
+              </a:rPr>
+              <a:t>https://onlinegdb.com/BJ4hyD7vP</a:t>
+            </a:r>
             <a:endParaRPr lang="en-US" sz="1600" dirty="0">
               <a:solidFill>
                 <a:srgbClr val="0081E2"/>
@@ -15921,37 +16675,22 @@
             </a:endParaRPr>
           </a:p>
           <a:p>
-            <a:pPr marL="285750" indent="-285750">
-              <a:buFont typeface="Arial" panose="020B0604020202020204" pitchFamily="34" charset="0"/>
-              <a:buChar char="•"/>
-            </a:pPr>
             <a:r>
               <a:rPr lang="en-US" sz="1600" dirty="0">
                 <a:solidFill>
                   <a:srgbClr val="0081E2"/>
                 </a:solidFill>
                 <a:latin typeface="Consolas" panose="020B0609020204030204" pitchFamily="49" charset="0"/>
-              </a:rPr>
-              <a:t>Write pseudocode for adding an element in the rear in a doubly linked list consisting of a head and tail.</a:t>
-            </a:r>
-          </a:p>
-          <a:p>
-            <a:pPr marL="285750" indent="-285750">
-              <a:buFont typeface="Arial" panose="020B0604020202020204" pitchFamily="34" charset="0"/>
-              <a:buChar char="•"/>
-            </a:pPr>
-            <a:endParaRPr lang="en-US" sz="1600" dirty="0">
-              <a:solidFill>
-                <a:srgbClr val="0081E2"/>
-              </a:solidFill>
-              <a:latin typeface="Consolas" panose="020B0609020204030204" pitchFamily="49" charset="0"/>
-            </a:endParaRPr>
-          </a:p>
-          <a:p>
-            <a:pPr marL="285750" indent="-285750">
-              <a:buFont typeface="Arial" panose="020B0604020202020204" pitchFamily="34" charset="0"/>
-              <a:buChar char="•"/>
-            </a:pPr>
+                <a:hlinkClick r:id="rId4">
+                  <a:extLst>
+                    <a:ext uri="{A12FA001-AC4F-418D-AE19-62706E023703}">
+                      <ahyp:hlinkClr xmlns:ahyp="http://schemas.microsoft.com/office/drawing/2018/hyperlinkcolor" val="tx"/>
+                    </a:ext>
+                  </a:extLst>
+                </a:hlinkClick>
+              </a:rPr>
+              <a:t>https://onlinegdb.com/BJ6gewQDP</a:t>
+            </a:r>
             <a:r>
               <a:rPr lang="en-US" sz="1600" dirty="0">
                 <a:solidFill>
@@ -15959,58 +16698,15 @@
                 </a:solidFill>
                 <a:latin typeface="Consolas" panose="020B0609020204030204" pitchFamily="49" charset="0"/>
               </a:rPr>
-              <a:t>Write pseudocode or C++ code to pop an element from a Circular Queue implemented as an array.</a:t>
-            </a:r>
-          </a:p>
-          <a:p>
-            <a:pPr marL="285750" indent="-285750">
-              <a:buFont typeface="Arial" panose="020B0604020202020204" pitchFamily="34" charset="0"/>
-              <a:buChar char="•"/>
-            </a:pPr>
-            <a:endParaRPr lang="en-US" sz="1600" dirty="0">
-              <a:solidFill>
-                <a:srgbClr val="0081E2"/>
-              </a:solidFill>
-              <a:latin typeface="Consolas" panose="020B0609020204030204" pitchFamily="49" charset="0"/>
-            </a:endParaRPr>
-          </a:p>
-          <a:p>
-            <a:pPr marL="285750" indent="-285750">
-              <a:buFont typeface="Arial" panose="020B0604020202020204" pitchFamily="34" charset="0"/>
-              <a:buChar char="•"/>
-            </a:pPr>
-            <a:r>
-              <a:rPr lang="en-US" sz="1600" dirty="0">
-                <a:solidFill>
-                  <a:srgbClr val="0081E2"/>
-                </a:solidFill>
-                <a:latin typeface="Consolas" panose="020B0609020204030204" pitchFamily="49" charset="0"/>
-              </a:rPr>
-              <a:t>Design a Stack data structure that supports push, pop and min operations in O(1) time.</a:t>
-            </a:r>
-          </a:p>
-          <a:p>
-            <a:endParaRPr lang="en-US" sz="1600" dirty="0">
-              <a:solidFill>
-                <a:srgbClr val="0081E2"/>
-              </a:solidFill>
-              <a:latin typeface="Consolas" panose="020B0609020204030204" pitchFamily="49" charset="0"/>
-            </a:endParaRPr>
-          </a:p>
-          <a:p>
-            <a:endParaRPr lang="en-US" sz="1600" dirty="0">
-              <a:solidFill>
-                <a:srgbClr val="0081E2"/>
-              </a:solidFill>
-              <a:latin typeface="Consolas" panose="020B0609020204030204" pitchFamily="49" charset="0"/>
-            </a:endParaRPr>
+              <a:t> </a:t>
+            </a:r>
           </a:p>
         </p:txBody>
       </p:sp>
     </p:spTree>
     <p:extLst>
       <p:ext uri="{BB962C8B-B14F-4D97-AF65-F5344CB8AC3E}">
-        <p14:creationId xmlns:p14="http://schemas.microsoft.com/office/powerpoint/2010/main" val="615151376"/>
+        <p14:creationId xmlns:p14="http://schemas.microsoft.com/office/powerpoint/2010/main" val="3092846301"/>
       </p:ext>
     </p:extLst>
   </p:cSld>
@@ -16061,12 +16757,7 @@
             <p:ph type="title"/>
           </p:nvPr>
         </p:nvSpPr>
-        <p:spPr>
-          <a:xfrm>
-            <a:off x="4696767" y="2555666"/>
-            <a:ext cx="3562978" cy="1325563"/>
-          </a:xfrm>
-        </p:spPr>
+        <p:spPr/>
         <p:txBody>
           <a:bodyPr>
             <a:normAutofit/>
@@ -16074,21 +16765,2701 @@
           <a:lstStyle/>
           <a:p>
             <a:r>
+              <a:rPr lang="en-US" sz="3600" dirty="0">
+                <a:solidFill>
+                  <a:schemeClr val="bg1"/>
+                </a:solidFill>
+                <a:latin typeface="Gotham Bold" pitchFamily="50" charset="0"/>
+              </a:rPr>
+              <a:t>Mini Review – Sorting</a:t>
+            </a:r>
+          </a:p>
+        </p:txBody>
+      </p:sp>
+      <p:sp>
+        <p:nvSpPr>
+          <p:cNvPr id="6" name="TextBox 5">
+            <a:extLst>
+              <a:ext uri="{FF2B5EF4-FFF2-40B4-BE49-F238E27FC236}">
+                <a16:creationId xmlns:a16="http://schemas.microsoft.com/office/drawing/2014/main" id="{6910D817-7706-4B40-61E0-933842B0CC61}"/>
+              </a:ext>
+            </a:extLst>
+          </p:cNvPr>
+          <p:cNvSpPr txBox="1"/>
+          <p:nvPr/>
+        </p:nvSpPr>
+        <p:spPr>
+          <a:xfrm>
+            <a:off x="1103126" y="2326068"/>
+            <a:ext cx="9252985" cy="2585323"/>
+          </a:xfrm>
+          <a:prstGeom prst="rect">
+            <a:avLst/>
+          </a:prstGeom>
+          <a:noFill/>
+        </p:spPr>
+        <p:txBody>
+          <a:bodyPr wrap="square">
+            <a:spAutoFit/>
+          </a:bodyPr>
+          <a:lstStyle/>
+          <a:p>
+            <a:r>
               <a:rPr lang="en-US" dirty="0">
                 <a:solidFill>
+                  <a:srgbClr val="EB6E19"/>
+                </a:solidFill>
+              </a:rPr>
+              <a:t>Recognize the following techniques with the most appropriate algorithm.</a:t>
+            </a:r>
+          </a:p>
+          <a:p>
+            <a:endParaRPr lang="en-US" dirty="0">
+              <a:solidFill>
+                <a:srgbClr val="EB6E19"/>
+              </a:solidFill>
+            </a:endParaRPr>
+          </a:p>
+          <a:p>
+            <a:r>
+              <a:rPr lang="en-US" dirty="0">
+                <a:solidFill>
                   <a:schemeClr val="bg1"/>
                 </a:solidFill>
-                <a:latin typeface="Gotham Bold" pitchFamily="50" charset="0"/>
-              </a:rPr>
-              <a:t>Questions</a:t>
-            </a:r>
+              </a:rPr>
+              <a:t>Finds smallest element and puts in lowest index, then puts second smallest in the second index, and so on</a:t>
+            </a:r>
+          </a:p>
+          <a:p>
+            <a:endParaRPr lang="en-US" dirty="0">
+              <a:solidFill>
+                <a:schemeClr val="bg1"/>
+              </a:solidFill>
+            </a:endParaRPr>
+          </a:p>
+          <a:p>
+            <a:r>
+              <a:rPr lang="en-US" dirty="0">
+                <a:solidFill>
+                  <a:schemeClr val="bg1"/>
+                </a:solidFill>
+              </a:rPr>
+              <a:t>Swaps neighboring items</a:t>
+            </a:r>
+          </a:p>
+          <a:p>
+            <a:endParaRPr lang="en-US" dirty="0">
+              <a:solidFill>
+                <a:schemeClr val="bg1"/>
+              </a:solidFill>
+            </a:endParaRPr>
+          </a:p>
+          <a:p>
+            <a:r>
+              <a:rPr lang="en-US" dirty="0">
+                <a:solidFill>
+                  <a:schemeClr val="bg1"/>
+                </a:solidFill>
+              </a:rPr>
+              <a:t>Rearranges elements at a gap and reduces gaps across passes until it converges</a:t>
+            </a:r>
+          </a:p>
+          <a:p>
+            <a:endParaRPr lang="en-US" dirty="0">
+              <a:solidFill>
+                <a:srgbClr val="EB6E19"/>
+              </a:solidFill>
+            </a:endParaRPr>
           </a:p>
         </p:txBody>
       </p:sp>
     </p:spTree>
     <p:extLst>
       <p:ext uri="{BB962C8B-B14F-4D97-AF65-F5344CB8AC3E}">
-        <p14:creationId xmlns:p14="http://schemas.microsoft.com/office/powerpoint/2010/main" val="2082642540"/>
+        <p14:creationId xmlns:p14="http://schemas.microsoft.com/office/powerpoint/2010/main" val="4067574677"/>
+      </p:ext>
+    </p:extLst>
+  </p:cSld>
+  <p:clrMapOvr>
+    <a:masterClrMapping/>
+  </p:clrMapOvr>
+</p:sld>
+</file>
+
+<file path=ppt/slides/slide27.xml><?xml version="1.0" encoding="utf-8"?>
+<p:sld xmlns:a="http://schemas.openxmlformats.org/drawingml/2006/main" xmlns:r="http://schemas.openxmlformats.org/officeDocument/2006/relationships" xmlns:p="http://schemas.openxmlformats.org/presentationml/2006/main">
+  <p:cSld>
+    <p:bg>
+      <p:bgPr>
+        <a:solidFill>
+          <a:schemeClr val="tx1"/>
+        </a:solidFill>
+        <a:effectLst/>
+      </p:bgPr>
+    </p:bg>
+    <p:spTree>
+      <p:nvGrpSpPr>
+        <p:cNvPr id="1" name=""/>
+        <p:cNvGrpSpPr/>
+        <p:nvPr/>
+      </p:nvGrpSpPr>
+      <p:grpSpPr>
+        <a:xfrm>
+          <a:off x="0" y="0"/>
+          <a:ext cx="0" cy="0"/>
+          <a:chOff x="0" y="0"/>
+          <a:chExt cx="0" cy="0"/>
+        </a:xfrm>
+      </p:grpSpPr>
+      <p:sp>
+        <p:nvSpPr>
+          <p:cNvPr id="2" name="Title 1">
+            <a:extLst>
+              <a:ext uri="{FF2B5EF4-FFF2-40B4-BE49-F238E27FC236}">
+                <a16:creationId xmlns:a16="http://schemas.microsoft.com/office/drawing/2014/main" id="{FA98DF2D-4C21-45B7-8CEE-41E2C22A3166}"/>
+              </a:ext>
+            </a:extLst>
+          </p:cNvPr>
+          <p:cNvSpPr>
+            <a:spLocks noGrp="1"/>
+          </p:cNvSpPr>
+          <p:nvPr>
+            <p:ph type="title"/>
+          </p:nvPr>
+        </p:nvSpPr>
+        <p:spPr/>
+        <p:txBody>
+          <a:bodyPr>
+            <a:normAutofit/>
+          </a:bodyPr>
+          <a:lstStyle/>
+          <a:p>
+            <a:r>
+              <a:rPr lang="en-US" sz="3600" dirty="0">
+                <a:solidFill>
+                  <a:schemeClr val="bg1"/>
+                </a:solidFill>
+                <a:latin typeface="Gotham Bold" pitchFamily="50" charset="0"/>
+              </a:rPr>
+              <a:t>Mini Review – Sorting</a:t>
+            </a:r>
+          </a:p>
+        </p:txBody>
+      </p:sp>
+      <p:sp>
+        <p:nvSpPr>
+          <p:cNvPr id="6" name="TextBox 5">
+            <a:extLst>
+              <a:ext uri="{FF2B5EF4-FFF2-40B4-BE49-F238E27FC236}">
+                <a16:creationId xmlns:a16="http://schemas.microsoft.com/office/drawing/2014/main" id="{6910D817-7706-4B40-61E0-933842B0CC61}"/>
+              </a:ext>
+            </a:extLst>
+          </p:cNvPr>
+          <p:cNvSpPr txBox="1"/>
+          <p:nvPr/>
+        </p:nvSpPr>
+        <p:spPr>
+          <a:xfrm>
+            <a:off x="1103126" y="2326068"/>
+            <a:ext cx="9252985" cy="2585323"/>
+          </a:xfrm>
+          <a:prstGeom prst="rect">
+            <a:avLst/>
+          </a:prstGeom>
+          <a:noFill/>
+        </p:spPr>
+        <p:txBody>
+          <a:bodyPr wrap="square">
+            <a:spAutoFit/>
+          </a:bodyPr>
+          <a:lstStyle/>
+          <a:p>
+            <a:r>
+              <a:rPr lang="en-US" dirty="0">
+                <a:solidFill>
+                  <a:srgbClr val="EB6E19"/>
+                </a:solidFill>
+              </a:rPr>
+              <a:t>Recognize the following techniques with the most appropriate algorithm.</a:t>
+            </a:r>
+          </a:p>
+          <a:p>
+            <a:endParaRPr lang="en-US" dirty="0">
+              <a:solidFill>
+                <a:srgbClr val="EB6E19"/>
+              </a:solidFill>
+            </a:endParaRPr>
+          </a:p>
+          <a:p>
+            <a:r>
+              <a:rPr lang="en-US" dirty="0">
+                <a:solidFill>
+                  <a:schemeClr val="bg1"/>
+                </a:solidFill>
+              </a:rPr>
+              <a:t>Finds smallest element and puts in lowest index, then puts second smallest in the second index, and so on: </a:t>
+            </a:r>
+            <a:r>
+              <a:rPr lang="en-US" dirty="0">
+                <a:solidFill>
+                  <a:srgbClr val="0081E2"/>
+                </a:solidFill>
+              </a:rPr>
+              <a:t>Selection Sort</a:t>
+            </a:r>
+          </a:p>
+          <a:p>
+            <a:endParaRPr lang="en-US" dirty="0">
+              <a:solidFill>
+                <a:schemeClr val="bg1"/>
+              </a:solidFill>
+            </a:endParaRPr>
+          </a:p>
+          <a:p>
+            <a:r>
+              <a:rPr lang="en-US" dirty="0">
+                <a:solidFill>
+                  <a:schemeClr val="bg1"/>
+                </a:solidFill>
+              </a:rPr>
+              <a:t>Swaps neighboring items: </a:t>
+            </a:r>
+            <a:r>
+              <a:rPr lang="en-US" dirty="0">
+                <a:solidFill>
+                  <a:srgbClr val="0081E2"/>
+                </a:solidFill>
+              </a:rPr>
+              <a:t>Bubble Sort</a:t>
+            </a:r>
+          </a:p>
+          <a:p>
+            <a:endParaRPr lang="en-US" dirty="0">
+              <a:solidFill>
+                <a:schemeClr val="bg1"/>
+              </a:solidFill>
+            </a:endParaRPr>
+          </a:p>
+          <a:p>
+            <a:r>
+              <a:rPr lang="en-US" dirty="0">
+                <a:solidFill>
+                  <a:schemeClr val="bg1"/>
+                </a:solidFill>
+              </a:rPr>
+              <a:t>Rearranges elements at a gap and reduces gaps across passes until it converges</a:t>
+            </a:r>
+            <a:r>
+              <a:rPr lang="en-US" dirty="0">
+                <a:solidFill>
+                  <a:srgbClr val="0081E2"/>
+                </a:solidFill>
+              </a:rPr>
+              <a:t>: Shell Sort</a:t>
+            </a:r>
+            <a:endParaRPr lang="en-US" dirty="0">
+              <a:solidFill>
+                <a:schemeClr val="bg1"/>
+              </a:solidFill>
+            </a:endParaRPr>
+          </a:p>
+          <a:p>
+            <a:endParaRPr lang="en-US" dirty="0">
+              <a:solidFill>
+                <a:srgbClr val="EB6E19"/>
+              </a:solidFill>
+            </a:endParaRPr>
+          </a:p>
+        </p:txBody>
+      </p:sp>
+    </p:spTree>
+    <p:extLst>
+      <p:ext uri="{BB962C8B-B14F-4D97-AF65-F5344CB8AC3E}">
+        <p14:creationId xmlns:p14="http://schemas.microsoft.com/office/powerpoint/2010/main" val="1832089262"/>
+      </p:ext>
+    </p:extLst>
+  </p:cSld>
+  <p:clrMapOvr>
+    <a:masterClrMapping/>
+  </p:clrMapOvr>
+</p:sld>
+</file>
+
+<file path=ppt/slides/slide28.xml><?xml version="1.0" encoding="utf-8"?>
+<p:sld xmlns:a="http://schemas.openxmlformats.org/drawingml/2006/main" xmlns:r="http://schemas.openxmlformats.org/officeDocument/2006/relationships" xmlns:p="http://schemas.openxmlformats.org/presentationml/2006/main">
+  <p:cSld>
+    <p:bg>
+      <p:bgPr>
+        <a:solidFill>
+          <a:schemeClr val="tx1"/>
+        </a:solidFill>
+        <a:effectLst/>
+      </p:bgPr>
+    </p:bg>
+    <p:spTree>
+      <p:nvGrpSpPr>
+        <p:cNvPr id="1" name=""/>
+        <p:cNvGrpSpPr/>
+        <p:nvPr/>
+      </p:nvGrpSpPr>
+      <p:grpSpPr>
+        <a:xfrm>
+          <a:off x="0" y="0"/>
+          <a:ext cx="0" cy="0"/>
+          <a:chOff x="0" y="0"/>
+          <a:chExt cx="0" cy="0"/>
+        </a:xfrm>
+      </p:grpSpPr>
+      <p:sp>
+        <p:nvSpPr>
+          <p:cNvPr id="2" name="Title 1">
+            <a:extLst>
+              <a:ext uri="{FF2B5EF4-FFF2-40B4-BE49-F238E27FC236}">
+                <a16:creationId xmlns:a16="http://schemas.microsoft.com/office/drawing/2014/main" id="{FA98DF2D-4C21-45B7-8CEE-41E2C22A3166}"/>
+              </a:ext>
+            </a:extLst>
+          </p:cNvPr>
+          <p:cNvSpPr>
+            <a:spLocks noGrp="1"/>
+          </p:cNvSpPr>
+          <p:nvPr>
+            <p:ph type="title"/>
+          </p:nvPr>
+        </p:nvSpPr>
+        <p:spPr/>
+        <p:txBody>
+          <a:bodyPr>
+            <a:normAutofit/>
+          </a:bodyPr>
+          <a:lstStyle/>
+          <a:p>
+            <a:r>
+              <a:rPr lang="en-US" sz="3600" dirty="0">
+                <a:solidFill>
+                  <a:schemeClr val="bg1"/>
+                </a:solidFill>
+                <a:latin typeface="Gotham Bold" pitchFamily="50" charset="0"/>
+              </a:rPr>
+              <a:t>Mini Review – Sorting</a:t>
+            </a:r>
+          </a:p>
+        </p:txBody>
+      </p:sp>
+      <p:sp>
+        <p:nvSpPr>
+          <p:cNvPr id="6" name="TextBox 5">
+            <a:extLst>
+              <a:ext uri="{FF2B5EF4-FFF2-40B4-BE49-F238E27FC236}">
+                <a16:creationId xmlns:a16="http://schemas.microsoft.com/office/drawing/2014/main" id="{6910D817-7706-4B40-61E0-933842B0CC61}"/>
+              </a:ext>
+            </a:extLst>
+          </p:cNvPr>
+          <p:cNvSpPr txBox="1"/>
+          <p:nvPr/>
+        </p:nvSpPr>
+        <p:spPr>
+          <a:xfrm>
+            <a:off x="1166921" y="1805073"/>
+            <a:ext cx="9252985" cy="369332"/>
+          </a:xfrm>
+          <a:prstGeom prst="rect">
+            <a:avLst/>
+          </a:prstGeom>
+          <a:noFill/>
+        </p:spPr>
+        <p:txBody>
+          <a:bodyPr wrap="square">
+            <a:spAutoFit/>
+          </a:bodyPr>
+          <a:lstStyle/>
+          <a:p>
+            <a:r>
+              <a:rPr lang="en-US" dirty="0">
+                <a:solidFill>
+                  <a:srgbClr val="EB6E19"/>
+                </a:solidFill>
+              </a:rPr>
+              <a:t>What will be the values in the array after one pass of the follow algorithms:</a:t>
+            </a:r>
+          </a:p>
+        </p:txBody>
+      </p:sp>
+      <p:graphicFrame>
+        <p:nvGraphicFramePr>
+          <p:cNvPr id="3" name="Table 2">
+            <a:extLst>
+              <a:ext uri="{FF2B5EF4-FFF2-40B4-BE49-F238E27FC236}">
+                <a16:creationId xmlns:a16="http://schemas.microsoft.com/office/drawing/2014/main" id="{2D4A2710-3343-894E-F0EE-C7A118C5DB77}"/>
+              </a:ext>
+            </a:extLst>
+          </p:cNvPr>
+          <p:cNvGraphicFramePr>
+            <a:graphicFrameLocks noGrp="1"/>
+          </p:cNvGraphicFramePr>
+          <p:nvPr>
+            <p:extLst>
+              <p:ext uri="{D42A27DB-BD31-4B8C-83A1-F6EECF244321}">
+                <p14:modId xmlns:p14="http://schemas.microsoft.com/office/powerpoint/2010/main" val="2800656026"/>
+              </p:ext>
+            </p:extLst>
+          </p:nvPr>
+        </p:nvGraphicFramePr>
+        <p:xfrm>
+          <a:off x="1729413" y="2590996"/>
+          <a:ext cx="8127999" cy="1854200"/>
+        </p:xfrm>
+        <a:graphic>
+          <a:graphicData uri="http://schemas.openxmlformats.org/drawingml/2006/table">
+            <a:tbl>
+              <a:tblPr firstRow="1" bandRow="1">
+                <a:tableStyleId>{5940675A-B579-460E-94D1-54222C63F5DA}</a:tableStyleId>
+              </a:tblPr>
+              <a:tblGrid>
+                <a:gridCol w="2906382">
+                  <a:extLst>
+                    <a:ext uri="{9D8B030D-6E8A-4147-A177-3AD203B41FA5}">
+                      <a16:colId xmlns:a16="http://schemas.microsoft.com/office/drawing/2014/main" val="2338198008"/>
+                    </a:ext>
+                  </a:extLst>
+                </a:gridCol>
+                <a:gridCol w="2512284">
+                  <a:extLst>
+                    <a:ext uri="{9D8B030D-6E8A-4147-A177-3AD203B41FA5}">
+                      <a16:colId xmlns:a16="http://schemas.microsoft.com/office/drawing/2014/main" val="2120585637"/>
+                    </a:ext>
+                  </a:extLst>
+                </a:gridCol>
+                <a:gridCol w="2709333">
+                  <a:extLst>
+                    <a:ext uri="{9D8B030D-6E8A-4147-A177-3AD203B41FA5}">
+                      <a16:colId xmlns:a16="http://schemas.microsoft.com/office/drawing/2014/main" val="65126294"/>
+                    </a:ext>
+                  </a:extLst>
+                </a:gridCol>
+              </a:tblGrid>
+              <a:tr h="370840">
+                <a:tc>
+                  <a:txBody>
+                    <a:bodyPr/>
+                    <a:lstStyle/>
+                    <a:p>
+                      <a:r>
+                        <a:rPr lang="en-US" dirty="0">
+                          <a:solidFill>
+                            <a:srgbClr val="0081E2"/>
+                          </a:solidFill>
+                        </a:rPr>
+                        <a:t>Sort Algorithm</a:t>
+                      </a:r>
+                    </a:p>
+                  </a:txBody>
+                  <a:tcPr>
+                    <a:lnL w="12700" cap="flat" cmpd="sng" algn="ctr">
+                      <a:solidFill>
+                        <a:srgbClr val="D5E5E7"/>
+                      </a:solidFill>
+                      <a:prstDash val="solid"/>
+                      <a:round/>
+                      <a:headEnd type="none" w="med" len="med"/>
+                      <a:tailEnd type="none" w="med" len="med"/>
+                    </a:lnL>
+                    <a:lnR w="12700" cap="flat" cmpd="sng" algn="ctr">
+                      <a:solidFill>
+                        <a:srgbClr val="D5E5E7"/>
+                      </a:solidFill>
+                      <a:prstDash val="solid"/>
+                      <a:round/>
+                      <a:headEnd type="none" w="med" len="med"/>
+                      <a:tailEnd type="none" w="med" len="med"/>
+                    </a:lnR>
+                    <a:lnT w="12700" cap="flat" cmpd="sng" algn="ctr">
+                      <a:solidFill>
+                        <a:srgbClr val="D5E5E7"/>
+                      </a:solidFill>
+                      <a:prstDash val="solid"/>
+                      <a:round/>
+                      <a:headEnd type="none" w="med" len="med"/>
+                      <a:tailEnd type="none" w="med" len="med"/>
+                    </a:lnT>
+                    <a:lnB w="12700" cap="flat" cmpd="sng" algn="ctr">
+                      <a:solidFill>
+                        <a:srgbClr val="D5E5E7"/>
+                      </a:solidFill>
+                      <a:prstDash val="solid"/>
+                      <a:round/>
+                      <a:headEnd type="none" w="med" len="med"/>
+                      <a:tailEnd type="none" w="med" len="med"/>
+                    </a:lnB>
+                  </a:tcPr>
+                </a:tc>
+                <a:tc>
+                  <a:txBody>
+                    <a:bodyPr/>
+                    <a:lstStyle/>
+                    <a:p>
+                      <a:r>
+                        <a:rPr lang="en-US" dirty="0">
+                          <a:solidFill>
+                            <a:srgbClr val="0081E2"/>
+                          </a:solidFill>
+                        </a:rPr>
+                        <a:t>Array</a:t>
+                      </a:r>
+                    </a:p>
+                  </a:txBody>
+                  <a:tcPr>
+                    <a:lnL w="12700" cap="flat" cmpd="sng" algn="ctr">
+                      <a:solidFill>
+                        <a:srgbClr val="D5E5E7"/>
+                      </a:solidFill>
+                      <a:prstDash val="solid"/>
+                      <a:round/>
+                      <a:headEnd type="none" w="med" len="med"/>
+                      <a:tailEnd type="none" w="med" len="med"/>
+                    </a:lnL>
+                    <a:lnR w="12700" cap="flat" cmpd="sng" algn="ctr">
+                      <a:solidFill>
+                        <a:srgbClr val="D5E5E7"/>
+                      </a:solidFill>
+                      <a:prstDash val="solid"/>
+                      <a:round/>
+                      <a:headEnd type="none" w="med" len="med"/>
+                      <a:tailEnd type="none" w="med" len="med"/>
+                    </a:lnR>
+                    <a:lnT w="12700" cap="flat" cmpd="sng" algn="ctr">
+                      <a:solidFill>
+                        <a:srgbClr val="D5E5E7"/>
+                      </a:solidFill>
+                      <a:prstDash val="solid"/>
+                      <a:round/>
+                      <a:headEnd type="none" w="med" len="med"/>
+                      <a:tailEnd type="none" w="med" len="med"/>
+                    </a:lnT>
+                    <a:lnB w="12700" cap="flat" cmpd="sng" algn="ctr">
+                      <a:solidFill>
+                        <a:srgbClr val="D5E5E7"/>
+                      </a:solidFill>
+                      <a:prstDash val="solid"/>
+                      <a:round/>
+                      <a:headEnd type="none" w="med" len="med"/>
+                      <a:tailEnd type="none" w="med" len="med"/>
+                    </a:lnB>
+                  </a:tcPr>
+                </a:tc>
+                <a:tc>
+                  <a:txBody>
+                    <a:bodyPr/>
+                    <a:lstStyle/>
+                    <a:p>
+                      <a:r>
+                        <a:rPr lang="en-US" dirty="0">
+                          <a:solidFill>
+                            <a:srgbClr val="0081E2"/>
+                          </a:solidFill>
+                        </a:rPr>
+                        <a:t>After One Pass</a:t>
+                      </a:r>
+                    </a:p>
+                  </a:txBody>
+                  <a:tcPr>
+                    <a:lnL w="12700" cap="flat" cmpd="sng" algn="ctr">
+                      <a:solidFill>
+                        <a:srgbClr val="D5E5E7"/>
+                      </a:solidFill>
+                      <a:prstDash val="solid"/>
+                      <a:round/>
+                      <a:headEnd type="none" w="med" len="med"/>
+                      <a:tailEnd type="none" w="med" len="med"/>
+                    </a:lnL>
+                    <a:lnR w="12700" cap="flat" cmpd="sng" algn="ctr">
+                      <a:solidFill>
+                        <a:srgbClr val="D5E5E7"/>
+                      </a:solidFill>
+                      <a:prstDash val="solid"/>
+                      <a:round/>
+                      <a:headEnd type="none" w="med" len="med"/>
+                      <a:tailEnd type="none" w="med" len="med"/>
+                    </a:lnR>
+                    <a:lnT w="12700" cap="flat" cmpd="sng" algn="ctr">
+                      <a:solidFill>
+                        <a:srgbClr val="D5E5E7"/>
+                      </a:solidFill>
+                      <a:prstDash val="solid"/>
+                      <a:round/>
+                      <a:headEnd type="none" w="med" len="med"/>
+                      <a:tailEnd type="none" w="med" len="med"/>
+                    </a:lnT>
+                    <a:lnB w="12700" cap="flat" cmpd="sng" algn="ctr">
+                      <a:solidFill>
+                        <a:srgbClr val="D5E5E7"/>
+                      </a:solidFill>
+                      <a:prstDash val="solid"/>
+                      <a:round/>
+                      <a:headEnd type="none" w="med" len="med"/>
+                      <a:tailEnd type="none" w="med" len="med"/>
+                    </a:lnB>
+                  </a:tcPr>
+                </a:tc>
+                <a:extLst>
+                  <a:ext uri="{0D108BD9-81ED-4DB2-BD59-A6C34878D82A}">
+                    <a16:rowId xmlns:a16="http://schemas.microsoft.com/office/drawing/2014/main" val="1965857138"/>
+                  </a:ext>
+                </a:extLst>
+              </a:tr>
+              <a:tr h="370840">
+                <a:tc>
+                  <a:txBody>
+                    <a:bodyPr/>
+                    <a:lstStyle/>
+                    <a:p>
+                      <a:r>
+                        <a:rPr lang="en-US" dirty="0">
+                          <a:solidFill>
+                            <a:srgbClr val="0081E2"/>
+                          </a:solidFill>
+                        </a:rPr>
+                        <a:t>Bubble</a:t>
+                      </a:r>
+                    </a:p>
+                  </a:txBody>
+                  <a:tcPr>
+                    <a:lnL w="12700" cap="flat" cmpd="sng" algn="ctr">
+                      <a:solidFill>
+                        <a:srgbClr val="D5E5E7"/>
+                      </a:solidFill>
+                      <a:prstDash val="solid"/>
+                      <a:round/>
+                      <a:headEnd type="none" w="med" len="med"/>
+                      <a:tailEnd type="none" w="med" len="med"/>
+                    </a:lnL>
+                    <a:lnR w="12700" cap="flat" cmpd="sng" algn="ctr">
+                      <a:solidFill>
+                        <a:srgbClr val="D5E5E7"/>
+                      </a:solidFill>
+                      <a:prstDash val="solid"/>
+                      <a:round/>
+                      <a:headEnd type="none" w="med" len="med"/>
+                      <a:tailEnd type="none" w="med" len="med"/>
+                    </a:lnR>
+                    <a:lnT w="12700" cap="flat" cmpd="sng" algn="ctr">
+                      <a:solidFill>
+                        <a:srgbClr val="D5E5E7"/>
+                      </a:solidFill>
+                      <a:prstDash val="solid"/>
+                      <a:round/>
+                      <a:headEnd type="none" w="med" len="med"/>
+                      <a:tailEnd type="none" w="med" len="med"/>
+                    </a:lnT>
+                    <a:lnB w="12700" cap="flat" cmpd="sng" algn="ctr">
+                      <a:solidFill>
+                        <a:srgbClr val="D5E5E7"/>
+                      </a:solidFill>
+                      <a:prstDash val="solid"/>
+                      <a:round/>
+                      <a:headEnd type="none" w="med" len="med"/>
+                      <a:tailEnd type="none" w="med" len="med"/>
+                    </a:lnB>
+                  </a:tcPr>
+                </a:tc>
+                <a:tc>
+                  <a:txBody>
+                    <a:bodyPr/>
+                    <a:lstStyle/>
+                    <a:p>
+                      <a:r>
+                        <a:rPr lang="en-US" dirty="0">
+                          <a:solidFill>
+                            <a:srgbClr val="D5E5E7"/>
+                          </a:solidFill>
+                        </a:rPr>
+                        <a:t>6, 7, 11, 0, 5</a:t>
+                      </a:r>
+                    </a:p>
+                  </a:txBody>
+                  <a:tcPr>
+                    <a:lnL w="12700" cap="flat" cmpd="sng" algn="ctr">
+                      <a:solidFill>
+                        <a:srgbClr val="D5E5E7"/>
+                      </a:solidFill>
+                      <a:prstDash val="solid"/>
+                      <a:round/>
+                      <a:headEnd type="none" w="med" len="med"/>
+                      <a:tailEnd type="none" w="med" len="med"/>
+                    </a:lnL>
+                    <a:lnR w="12700" cap="flat" cmpd="sng" algn="ctr">
+                      <a:solidFill>
+                        <a:srgbClr val="D5E5E7"/>
+                      </a:solidFill>
+                      <a:prstDash val="solid"/>
+                      <a:round/>
+                      <a:headEnd type="none" w="med" len="med"/>
+                      <a:tailEnd type="none" w="med" len="med"/>
+                    </a:lnR>
+                    <a:lnT w="12700" cap="flat" cmpd="sng" algn="ctr">
+                      <a:solidFill>
+                        <a:srgbClr val="D5E5E7"/>
+                      </a:solidFill>
+                      <a:prstDash val="solid"/>
+                      <a:round/>
+                      <a:headEnd type="none" w="med" len="med"/>
+                      <a:tailEnd type="none" w="med" len="med"/>
+                    </a:lnT>
+                    <a:lnB w="12700" cap="flat" cmpd="sng" algn="ctr">
+                      <a:solidFill>
+                        <a:srgbClr val="D5E5E7"/>
+                      </a:solidFill>
+                      <a:prstDash val="solid"/>
+                      <a:round/>
+                      <a:headEnd type="none" w="med" len="med"/>
+                      <a:tailEnd type="none" w="med" len="med"/>
+                    </a:lnB>
+                  </a:tcPr>
+                </a:tc>
+                <a:tc>
+                  <a:txBody>
+                    <a:bodyPr/>
+                    <a:lstStyle/>
+                    <a:p>
+                      <a:pPr marL="0" marR="0" lvl="0" indent="0" algn="l" defTabSz="914400" rtl="0" eaLnBrk="1" fontAlgn="auto" latinLnBrk="0" hangingPunct="1">
+                        <a:lnSpc>
+                          <a:spcPct val="100000"/>
+                        </a:lnSpc>
+                        <a:spcBef>
+                          <a:spcPts val="0"/>
+                        </a:spcBef>
+                        <a:spcAft>
+                          <a:spcPts val="0"/>
+                        </a:spcAft>
+                        <a:buClrTx/>
+                        <a:buSzTx/>
+                        <a:buFontTx/>
+                        <a:buNone/>
+                        <a:tabLst/>
+                        <a:defRPr/>
+                      </a:pPr>
+                      <a:endParaRPr lang="en-US" dirty="0">
+                        <a:solidFill>
+                          <a:srgbClr val="D5E5E7"/>
+                        </a:solidFill>
+                      </a:endParaRPr>
+                    </a:p>
+                  </a:txBody>
+                  <a:tcPr>
+                    <a:lnL w="12700" cap="flat" cmpd="sng" algn="ctr">
+                      <a:solidFill>
+                        <a:srgbClr val="D5E5E7"/>
+                      </a:solidFill>
+                      <a:prstDash val="solid"/>
+                      <a:round/>
+                      <a:headEnd type="none" w="med" len="med"/>
+                      <a:tailEnd type="none" w="med" len="med"/>
+                    </a:lnL>
+                    <a:lnR w="12700" cap="flat" cmpd="sng" algn="ctr">
+                      <a:solidFill>
+                        <a:srgbClr val="D5E5E7"/>
+                      </a:solidFill>
+                      <a:prstDash val="solid"/>
+                      <a:round/>
+                      <a:headEnd type="none" w="med" len="med"/>
+                      <a:tailEnd type="none" w="med" len="med"/>
+                    </a:lnR>
+                    <a:lnT w="12700" cap="flat" cmpd="sng" algn="ctr">
+                      <a:solidFill>
+                        <a:srgbClr val="D5E5E7"/>
+                      </a:solidFill>
+                      <a:prstDash val="solid"/>
+                      <a:round/>
+                      <a:headEnd type="none" w="med" len="med"/>
+                      <a:tailEnd type="none" w="med" len="med"/>
+                    </a:lnT>
+                    <a:lnB w="12700" cap="flat" cmpd="sng" algn="ctr">
+                      <a:solidFill>
+                        <a:srgbClr val="D5E5E7"/>
+                      </a:solidFill>
+                      <a:prstDash val="solid"/>
+                      <a:round/>
+                      <a:headEnd type="none" w="med" len="med"/>
+                      <a:tailEnd type="none" w="med" len="med"/>
+                    </a:lnB>
+                  </a:tcPr>
+                </a:tc>
+                <a:extLst>
+                  <a:ext uri="{0D108BD9-81ED-4DB2-BD59-A6C34878D82A}">
+                    <a16:rowId xmlns:a16="http://schemas.microsoft.com/office/drawing/2014/main" val="2262031026"/>
+                  </a:ext>
+                </a:extLst>
+              </a:tr>
+              <a:tr h="370840">
+                <a:tc>
+                  <a:txBody>
+                    <a:bodyPr/>
+                    <a:lstStyle/>
+                    <a:p>
+                      <a:r>
+                        <a:rPr lang="en-US" dirty="0">
+                          <a:solidFill>
+                            <a:srgbClr val="0081E2"/>
+                          </a:solidFill>
+                        </a:rPr>
+                        <a:t>Selection</a:t>
+                      </a:r>
+                    </a:p>
+                  </a:txBody>
+                  <a:tcPr>
+                    <a:lnL w="12700" cap="flat" cmpd="sng" algn="ctr">
+                      <a:solidFill>
+                        <a:srgbClr val="D5E5E7"/>
+                      </a:solidFill>
+                      <a:prstDash val="solid"/>
+                      <a:round/>
+                      <a:headEnd type="none" w="med" len="med"/>
+                      <a:tailEnd type="none" w="med" len="med"/>
+                    </a:lnL>
+                    <a:lnR w="12700" cap="flat" cmpd="sng" algn="ctr">
+                      <a:solidFill>
+                        <a:srgbClr val="D5E5E7"/>
+                      </a:solidFill>
+                      <a:prstDash val="solid"/>
+                      <a:round/>
+                      <a:headEnd type="none" w="med" len="med"/>
+                      <a:tailEnd type="none" w="med" len="med"/>
+                    </a:lnR>
+                    <a:lnT w="12700" cap="flat" cmpd="sng" algn="ctr">
+                      <a:solidFill>
+                        <a:srgbClr val="D5E5E7"/>
+                      </a:solidFill>
+                      <a:prstDash val="solid"/>
+                      <a:round/>
+                      <a:headEnd type="none" w="med" len="med"/>
+                      <a:tailEnd type="none" w="med" len="med"/>
+                    </a:lnT>
+                    <a:lnB w="12700" cap="flat" cmpd="sng" algn="ctr">
+                      <a:solidFill>
+                        <a:srgbClr val="D5E5E7"/>
+                      </a:solidFill>
+                      <a:prstDash val="solid"/>
+                      <a:round/>
+                      <a:headEnd type="none" w="med" len="med"/>
+                      <a:tailEnd type="none" w="med" len="med"/>
+                    </a:lnB>
+                  </a:tcPr>
+                </a:tc>
+                <a:tc>
+                  <a:txBody>
+                    <a:bodyPr/>
+                    <a:lstStyle/>
+                    <a:p>
+                      <a:pPr marL="0" marR="0" lvl="0" indent="0" algn="l" defTabSz="914400" rtl="0" eaLnBrk="1" fontAlgn="auto" latinLnBrk="0" hangingPunct="1">
+                        <a:lnSpc>
+                          <a:spcPct val="100000"/>
+                        </a:lnSpc>
+                        <a:spcBef>
+                          <a:spcPts val="0"/>
+                        </a:spcBef>
+                        <a:spcAft>
+                          <a:spcPts val="0"/>
+                        </a:spcAft>
+                        <a:buClrTx/>
+                        <a:buSzTx/>
+                        <a:buFontTx/>
+                        <a:buNone/>
+                        <a:tabLst/>
+                        <a:defRPr/>
+                      </a:pPr>
+                      <a:r>
+                        <a:rPr kumimoji="0" lang="en-US" sz="1800" b="0" i="0" u="none" strike="noStrike" kern="1200" cap="none" spc="0" normalizeH="0" baseline="0" noProof="0" dirty="0">
+                          <a:ln>
+                            <a:noFill/>
+                          </a:ln>
+                          <a:solidFill>
+                            <a:srgbClr val="D5E5E7"/>
+                          </a:solidFill>
+                          <a:effectLst/>
+                          <a:uLnTx/>
+                          <a:uFillTx/>
+                          <a:latin typeface="Calibri" panose="020F0502020204030204"/>
+                          <a:ea typeface="+mn-ea"/>
+                          <a:cs typeface="+mn-cs"/>
+                        </a:rPr>
+                        <a:t>6, 7, 11, 0, 5</a:t>
+                      </a:r>
+                    </a:p>
+                  </a:txBody>
+                  <a:tcPr>
+                    <a:lnL w="12700" cap="flat" cmpd="sng" algn="ctr">
+                      <a:solidFill>
+                        <a:srgbClr val="D5E5E7"/>
+                      </a:solidFill>
+                      <a:prstDash val="solid"/>
+                      <a:round/>
+                      <a:headEnd type="none" w="med" len="med"/>
+                      <a:tailEnd type="none" w="med" len="med"/>
+                    </a:lnL>
+                    <a:lnR w="12700" cap="flat" cmpd="sng" algn="ctr">
+                      <a:solidFill>
+                        <a:srgbClr val="D5E5E7"/>
+                      </a:solidFill>
+                      <a:prstDash val="solid"/>
+                      <a:round/>
+                      <a:headEnd type="none" w="med" len="med"/>
+                      <a:tailEnd type="none" w="med" len="med"/>
+                    </a:lnR>
+                    <a:lnT w="12700" cap="flat" cmpd="sng" algn="ctr">
+                      <a:solidFill>
+                        <a:srgbClr val="D5E5E7"/>
+                      </a:solidFill>
+                      <a:prstDash val="solid"/>
+                      <a:round/>
+                      <a:headEnd type="none" w="med" len="med"/>
+                      <a:tailEnd type="none" w="med" len="med"/>
+                    </a:lnT>
+                    <a:lnB w="12700" cap="flat" cmpd="sng" algn="ctr">
+                      <a:solidFill>
+                        <a:srgbClr val="D5E5E7"/>
+                      </a:solidFill>
+                      <a:prstDash val="solid"/>
+                      <a:round/>
+                      <a:headEnd type="none" w="med" len="med"/>
+                      <a:tailEnd type="none" w="med" len="med"/>
+                    </a:lnB>
+                  </a:tcPr>
+                </a:tc>
+                <a:tc>
+                  <a:txBody>
+                    <a:bodyPr/>
+                    <a:lstStyle/>
+                    <a:p>
+                      <a:pPr marL="0" marR="0" lvl="0" indent="0" algn="l" defTabSz="914400" rtl="0" eaLnBrk="1" fontAlgn="auto" latinLnBrk="0" hangingPunct="1">
+                        <a:lnSpc>
+                          <a:spcPct val="100000"/>
+                        </a:lnSpc>
+                        <a:spcBef>
+                          <a:spcPts val="0"/>
+                        </a:spcBef>
+                        <a:spcAft>
+                          <a:spcPts val="0"/>
+                        </a:spcAft>
+                        <a:buClrTx/>
+                        <a:buSzTx/>
+                        <a:buFontTx/>
+                        <a:buNone/>
+                        <a:tabLst/>
+                        <a:defRPr/>
+                      </a:pPr>
+                      <a:endParaRPr kumimoji="0" lang="en-US" sz="1800" b="0" i="0" u="none" strike="noStrike" kern="1200" cap="none" spc="0" normalizeH="0" baseline="0" noProof="0" dirty="0">
+                        <a:ln>
+                          <a:noFill/>
+                        </a:ln>
+                        <a:solidFill>
+                          <a:srgbClr val="D5E5E7"/>
+                        </a:solidFill>
+                        <a:effectLst/>
+                        <a:uLnTx/>
+                        <a:uFillTx/>
+                        <a:latin typeface="+mn-lt"/>
+                        <a:ea typeface="+mn-ea"/>
+                        <a:cs typeface="+mn-cs"/>
+                      </a:endParaRPr>
+                    </a:p>
+                  </a:txBody>
+                  <a:tcPr>
+                    <a:lnL w="12700" cap="flat" cmpd="sng" algn="ctr">
+                      <a:solidFill>
+                        <a:srgbClr val="D5E5E7"/>
+                      </a:solidFill>
+                      <a:prstDash val="solid"/>
+                      <a:round/>
+                      <a:headEnd type="none" w="med" len="med"/>
+                      <a:tailEnd type="none" w="med" len="med"/>
+                    </a:lnL>
+                    <a:lnR w="12700" cap="flat" cmpd="sng" algn="ctr">
+                      <a:solidFill>
+                        <a:srgbClr val="D5E5E7"/>
+                      </a:solidFill>
+                      <a:prstDash val="solid"/>
+                      <a:round/>
+                      <a:headEnd type="none" w="med" len="med"/>
+                      <a:tailEnd type="none" w="med" len="med"/>
+                    </a:lnR>
+                    <a:lnT w="12700" cap="flat" cmpd="sng" algn="ctr">
+                      <a:solidFill>
+                        <a:srgbClr val="D5E5E7"/>
+                      </a:solidFill>
+                      <a:prstDash val="solid"/>
+                      <a:round/>
+                      <a:headEnd type="none" w="med" len="med"/>
+                      <a:tailEnd type="none" w="med" len="med"/>
+                    </a:lnT>
+                    <a:lnB w="12700" cap="flat" cmpd="sng" algn="ctr">
+                      <a:solidFill>
+                        <a:srgbClr val="D5E5E7"/>
+                      </a:solidFill>
+                      <a:prstDash val="solid"/>
+                      <a:round/>
+                      <a:headEnd type="none" w="med" len="med"/>
+                      <a:tailEnd type="none" w="med" len="med"/>
+                    </a:lnB>
+                  </a:tcPr>
+                </a:tc>
+                <a:extLst>
+                  <a:ext uri="{0D108BD9-81ED-4DB2-BD59-A6C34878D82A}">
+                    <a16:rowId xmlns:a16="http://schemas.microsoft.com/office/drawing/2014/main" val="1564508273"/>
+                  </a:ext>
+                </a:extLst>
+              </a:tr>
+              <a:tr h="370840">
+                <a:tc>
+                  <a:txBody>
+                    <a:bodyPr/>
+                    <a:lstStyle/>
+                    <a:p>
+                      <a:r>
+                        <a:rPr lang="en-US" dirty="0">
+                          <a:solidFill>
+                            <a:srgbClr val="0081E2"/>
+                          </a:solidFill>
+                        </a:rPr>
+                        <a:t>Shell (gap, n/2)</a:t>
+                      </a:r>
+                    </a:p>
+                  </a:txBody>
+                  <a:tcPr>
+                    <a:lnL w="12700" cap="flat" cmpd="sng" algn="ctr">
+                      <a:solidFill>
+                        <a:srgbClr val="D5E5E7"/>
+                      </a:solidFill>
+                      <a:prstDash val="solid"/>
+                      <a:round/>
+                      <a:headEnd type="none" w="med" len="med"/>
+                      <a:tailEnd type="none" w="med" len="med"/>
+                    </a:lnL>
+                    <a:lnR w="12700" cap="flat" cmpd="sng" algn="ctr">
+                      <a:solidFill>
+                        <a:srgbClr val="D5E5E7"/>
+                      </a:solidFill>
+                      <a:prstDash val="solid"/>
+                      <a:round/>
+                      <a:headEnd type="none" w="med" len="med"/>
+                      <a:tailEnd type="none" w="med" len="med"/>
+                    </a:lnR>
+                    <a:lnT w="12700" cap="flat" cmpd="sng" algn="ctr">
+                      <a:solidFill>
+                        <a:srgbClr val="D5E5E7"/>
+                      </a:solidFill>
+                      <a:prstDash val="solid"/>
+                      <a:round/>
+                      <a:headEnd type="none" w="med" len="med"/>
+                      <a:tailEnd type="none" w="med" len="med"/>
+                    </a:lnT>
+                    <a:lnB w="12700" cap="flat" cmpd="sng" algn="ctr">
+                      <a:solidFill>
+                        <a:srgbClr val="D5E5E7"/>
+                      </a:solidFill>
+                      <a:prstDash val="solid"/>
+                      <a:round/>
+                      <a:headEnd type="none" w="med" len="med"/>
+                      <a:tailEnd type="none" w="med" len="med"/>
+                    </a:lnB>
+                  </a:tcPr>
+                </a:tc>
+                <a:tc>
+                  <a:txBody>
+                    <a:bodyPr/>
+                    <a:lstStyle/>
+                    <a:p>
+                      <a:pPr marL="0" marR="0" lvl="0" indent="0" algn="l" defTabSz="914400" rtl="0" eaLnBrk="1" fontAlgn="auto" latinLnBrk="0" hangingPunct="1">
+                        <a:lnSpc>
+                          <a:spcPct val="100000"/>
+                        </a:lnSpc>
+                        <a:spcBef>
+                          <a:spcPts val="0"/>
+                        </a:spcBef>
+                        <a:spcAft>
+                          <a:spcPts val="0"/>
+                        </a:spcAft>
+                        <a:buClrTx/>
+                        <a:buSzTx/>
+                        <a:buFontTx/>
+                        <a:buNone/>
+                        <a:tabLst/>
+                        <a:defRPr/>
+                      </a:pPr>
+                      <a:r>
+                        <a:rPr kumimoji="0" lang="en-US" sz="1800" b="0" i="0" u="none" strike="noStrike" kern="1200" cap="none" spc="0" normalizeH="0" baseline="0" noProof="0">
+                          <a:ln>
+                            <a:noFill/>
+                          </a:ln>
+                          <a:solidFill>
+                            <a:srgbClr val="D5E5E7"/>
+                          </a:solidFill>
+                          <a:effectLst/>
+                          <a:uLnTx/>
+                          <a:uFillTx/>
+                          <a:latin typeface="Calibri" panose="020F0502020204030204"/>
+                          <a:ea typeface="+mn-ea"/>
+                          <a:cs typeface="+mn-cs"/>
+                        </a:rPr>
+                        <a:t>6, 7, 11, 0, 5</a:t>
+                      </a:r>
+                      <a:endParaRPr kumimoji="0" lang="en-US" sz="1800" b="0" i="0" u="none" strike="noStrike" kern="1200" cap="none" spc="0" normalizeH="0" baseline="0" noProof="0" dirty="0">
+                        <a:ln>
+                          <a:noFill/>
+                        </a:ln>
+                        <a:solidFill>
+                          <a:srgbClr val="D5E5E7"/>
+                        </a:solidFill>
+                        <a:effectLst/>
+                        <a:uLnTx/>
+                        <a:uFillTx/>
+                        <a:latin typeface="Calibri" panose="020F0502020204030204"/>
+                        <a:ea typeface="+mn-ea"/>
+                        <a:cs typeface="+mn-cs"/>
+                      </a:endParaRPr>
+                    </a:p>
+                  </a:txBody>
+                  <a:tcPr>
+                    <a:lnL w="12700" cap="flat" cmpd="sng" algn="ctr">
+                      <a:solidFill>
+                        <a:srgbClr val="D5E5E7"/>
+                      </a:solidFill>
+                      <a:prstDash val="solid"/>
+                      <a:round/>
+                      <a:headEnd type="none" w="med" len="med"/>
+                      <a:tailEnd type="none" w="med" len="med"/>
+                    </a:lnL>
+                    <a:lnR w="12700" cap="flat" cmpd="sng" algn="ctr">
+                      <a:solidFill>
+                        <a:srgbClr val="D5E5E7"/>
+                      </a:solidFill>
+                      <a:prstDash val="solid"/>
+                      <a:round/>
+                      <a:headEnd type="none" w="med" len="med"/>
+                      <a:tailEnd type="none" w="med" len="med"/>
+                    </a:lnR>
+                    <a:lnT w="12700" cap="flat" cmpd="sng" algn="ctr">
+                      <a:solidFill>
+                        <a:srgbClr val="D5E5E7"/>
+                      </a:solidFill>
+                      <a:prstDash val="solid"/>
+                      <a:round/>
+                      <a:headEnd type="none" w="med" len="med"/>
+                      <a:tailEnd type="none" w="med" len="med"/>
+                    </a:lnT>
+                    <a:lnB w="12700" cap="flat" cmpd="sng" algn="ctr">
+                      <a:solidFill>
+                        <a:srgbClr val="D5E5E7"/>
+                      </a:solidFill>
+                      <a:prstDash val="solid"/>
+                      <a:round/>
+                      <a:headEnd type="none" w="med" len="med"/>
+                      <a:tailEnd type="none" w="med" len="med"/>
+                    </a:lnB>
+                  </a:tcPr>
+                </a:tc>
+                <a:tc>
+                  <a:txBody>
+                    <a:bodyPr/>
+                    <a:lstStyle/>
+                    <a:p>
+                      <a:pPr marL="0" marR="0" lvl="0" indent="0" algn="l" defTabSz="914400" rtl="0" eaLnBrk="1" fontAlgn="auto" latinLnBrk="0" hangingPunct="1">
+                        <a:lnSpc>
+                          <a:spcPct val="100000"/>
+                        </a:lnSpc>
+                        <a:spcBef>
+                          <a:spcPts val="0"/>
+                        </a:spcBef>
+                        <a:spcAft>
+                          <a:spcPts val="0"/>
+                        </a:spcAft>
+                        <a:buClrTx/>
+                        <a:buSzTx/>
+                        <a:buFontTx/>
+                        <a:buNone/>
+                        <a:tabLst/>
+                        <a:defRPr/>
+                      </a:pPr>
+                      <a:endParaRPr kumimoji="0" lang="en-US" sz="1800" b="0" i="0" u="none" strike="noStrike" kern="1200" cap="none" spc="0" normalizeH="0" baseline="0" noProof="0" dirty="0">
+                        <a:ln>
+                          <a:noFill/>
+                        </a:ln>
+                        <a:solidFill>
+                          <a:srgbClr val="D5E5E7"/>
+                        </a:solidFill>
+                        <a:effectLst/>
+                        <a:uLnTx/>
+                        <a:uFillTx/>
+                        <a:latin typeface="+mn-lt"/>
+                        <a:ea typeface="+mn-ea"/>
+                        <a:cs typeface="+mn-cs"/>
+                      </a:endParaRPr>
+                    </a:p>
+                  </a:txBody>
+                  <a:tcPr>
+                    <a:lnL w="12700" cap="flat" cmpd="sng" algn="ctr">
+                      <a:solidFill>
+                        <a:srgbClr val="D5E5E7"/>
+                      </a:solidFill>
+                      <a:prstDash val="solid"/>
+                      <a:round/>
+                      <a:headEnd type="none" w="med" len="med"/>
+                      <a:tailEnd type="none" w="med" len="med"/>
+                    </a:lnL>
+                    <a:lnR w="12700" cap="flat" cmpd="sng" algn="ctr">
+                      <a:solidFill>
+                        <a:srgbClr val="D5E5E7"/>
+                      </a:solidFill>
+                      <a:prstDash val="solid"/>
+                      <a:round/>
+                      <a:headEnd type="none" w="med" len="med"/>
+                      <a:tailEnd type="none" w="med" len="med"/>
+                    </a:lnR>
+                    <a:lnT w="12700" cap="flat" cmpd="sng" algn="ctr">
+                      <a:solidFill>
+                        <a:srgbClr val="D5E5E7"/>
+                      </a:solidFill>
+                      <a:prstDash val="solid"/>
+                      <a:round/>
+                      <a:headEnd type="none" w="med" len="med"/>
+                      <a:tailEnd type="none" w="med" len="med"/>
+                    </a:lnT>
+                    <a:lnB w="12700" cap="flat" cmpd="sng" algn="ctr">
+                      <a:solidFill>
+                        <a:srgbClr val="D5E5E7"/>
+                      </a:solidFill>
+                      <a:prstDash val="solid"/>
+                      <a:round/>
+                      <a:headEnd type="none" w="med" len="med"/>
+                      <a:tailEnd type="none" w="med" len="med"/>
+                    </a:lnB>
+                  </a:tcPr>
+                </a:tc>
+                <a:extLst>
+                  <a:ext uri="{0D108BD9-81ED-4DB2-BD59-A6C34878D82A}">
+                    <a16:rowId xmlns:a16="http://schemas.microsoft.com/office/drawing/2014/main" val="266025794"/>
+                  </a:ext>
+                </a:extLst>
+              </a:tr>
+              <a:tr h="370840">
+                <a:tc>
+                  <a:txBody>
+                    <a:bodyPr/>
+                    <a:lstStyle/>
+                    <a:p>
+                      <a:r>
+                        <a:rPr lang="en-US" dirty="0">
+                          <a:solidFill>
+                            <a:srgbClr val="0081E2"/>
+                          </a:solidFill>
+                        </a:rPr>
+                        <a:t>Quick (last element is pivot)</a:t>
+                      </a:r>
+                    </a:p>
+                  </a:txBody>
+                  <a:tcPr>
+                    <a:lnL w="12700" cap="flat" cmpd="sng" algn="ctr">
+                      <a:solidFill>
+                        <a:srgbClr val="D5E5E7"/>
+                      </a:solidFill>
+                      <a:prstDash val="solid"/>
+                      <a:round/>
+                      <a:headEnd type="none" w="med" len="med"/>
+                      <a:tailEnd type="none" w="med" len="med"/>
+                    </a:lnL>
+                    <a:lnR w="12700" cap="flat" cmpd="sng" algn="ctr">
+                      <a:solidFill>
+                        <a:srgbClr val="D5E5E7"/>
+                      </a:solidFill>
+                      <a:prstDash val="solid"/>
+                      <a:round/>
+                      <a:headEnd type="none" w="med" len="med"/>
+                      <a:tailEnd type="none" w="med" len="med"/>
+                    </a:lnR>
+                    <a:lnT w="12700" cap="flat" cmpd="sng" algn="ctr">
+                      <a:solidFill>
+                        <a:srgbClr val="D5E5E7"/>
+                      </a:solidFill>
+                      <a:prstDash val="solid"/>
+                      <a:round/>
+                      <a:headEnd type="none" w="med" len="med"/>
+                      <a:tailEnd type="none" w="med" len="med"/>
+                    </a:lnT>
+                    <a:lnB w="12700" cap="flat" cmpd="sng" algn="ctr">
+                      <a:solidFill>
+                        <a:srgbClr val="D5E5E7"/>
+                      </a:solidFill>
+                      <a:prstDash val="solid"/>
+                      <a:round/>
+                      <a:headEnd type="none" w="med" len="med"/>
+                      <a:tailEnd type="none" w="med" len="med"/>
+                    </a:lnB>
+                  </a:tcPr>
+                </a:tc>
+                <a:tc>
+                  <a:txBody>
+                    <a:bodyPr/>
+                    <a:lstStyle/>
+                    <a:p>
+                      <a:pPr marL="0" marR="0" lvl="0" indent="0" algn="l" defTabSz="914400" rtl="0" eaLnBrk="1" fontAlgn="auto" latinLnBrk="0" hangingPunct="1">
+                        <a:lnSpc>
+                          <a:spcPct val="100000"/>
+                        </a:lnSpc>
+                        <a:spcBef>
+                          <a:spcPts val="0"/>
+                        </a:spcBef>
+                        <a:spcAft>
+                          <a:spcPts val="0"/>
+                        </a:spcAft>
+                        <a:buClrTx/>
+                        <a:buSzTx/>
+                        <a:buFontTx/>
+                        <a:buNone/>
+                        <a:tabLst/>
+                        <a:defRPr/>
+                      </a:pPr>
+                      <a:r>
+                        <a:rPr kumimoji="0" lang="en-US" sz="1800" b="0" i="0" u="none" strike="noStrike" kern="1200" cap="none" spc="0" normalizeH="0" baseline="0" noProof="0" dirty="0">
+                          <a:ln>
+                            <a:noFill/>
+                          </a:ln>
+                          <a:solidFill>
+                            <a:srgbClr val="D5E5E7"/>
+                          </a:solidFill>
+                          <a:effectLst/>
+                          <a:uLnTx/>
+                          <a:uFillTx/>
+                          <a:latin typeface="Calibri" panose="020F0502020204030204"/>
+                          <a:ea typeface="+mn-ea"/>
+                          <a:cs typeface="+mn-cs"/>
+                        </a:rPr>
+                        <a:t>6, 7, 11, 0, 5</a:t>
+                      </a:r>
+                    </a:p>
+                  </a:txBody>
+                  <a:tcPr>
+                    <a:lnL w="12700" cap="flat" cmpd="sng" algn="ctr">
+                      <a:solidFill>
+                        <a:srgbClr val="D5E5E7"/>
+                      </a:solidFill>
+                      <a:prstDash val="solid"/>
+                      <a:round/>
+                      <a:headEnd type="none" w="med" len="med"/>
+                      <a:tailEnd type="none" w="med" len="med"/>
+                    </a:lnL>
+                    <a:lnR w="12700" cap="flat" cmpd="sng" algn="ctr">
+                      <a:solidFill>
+                        <a:srgbClr val="D5E5E7"/>
+                      </a:solidFill>
+                      <a:prstDash val="solid"/>
+                      <a:round/>
+                      <a:headEnd type="none" w="med" len="med"/>
+                      <a:tailEnd type="none" w="med" len="med"/>
+                    </a:lnR>
+                    <a:lnT w="12700" cap="flat" cmpd="sng" algn="ctr">
+                      <a:solidFill>
+                        <a:srgbClr val="D5E5E7"/>
+                      </a:solidFill>
+                      <a:prstDash val="solid"/>
+                      <a:round/>
+                      <a:headEnd type="none" w="med" len="med"/>
+                      <a:tailEnd type="none" w="med" len="med"/>
+                    </a:lnT>
+                    <a:lnB w="12700" cap="flat" cmpd="sng" algn="ctr">
+                      <a:solidFill>
+                        <a:srgbClr val="D5E5E7"/>
+                      </a:solidFill>
+                      <a:prstDash val="solid"/>
+                      <a:round/>
+                      <a:headEnd type="none" w="med" len="med"/>
+                      <a:tailEnd type="none" w="med" len="med"/>
+                    </a:lnB>
+                  </a:tcPr>
+                </a:tc>
+                <a:tc>
+                  <a:txBody>
+                    <a:bodyPr/>
+                    <a:lstStyle/>
+                    <a:p>
+                      <a:pPr marL="0" marR="0" lvl="0" indent="0" algn="l" defTabSz="914400" rtl="0" eaLnBrk="1" fontAlgn="auto" latinLnBrk="0" hangingPunct="1">
+                        <a:lnSpc>
+                          <a:spcPct val="100000"/>
+                        </a:lnSpc>
+                        <a:spcBef>
+                          <a:spcPts val="0"/>
+                        </a:spcBef>
+                        <a:spcAft>
+                          <a:spcPts val="0"/>
+                        </a:spcAft>
+                        <a:buClrTx/>
+                        <a:buSzTx/>
+                        <a:buFontTx/>
+                        <a:buNone/>
+                        <a:tabLst/>
+                        <a:defRPr/>
+                      </a:pPr>
+                      <a:endParaRPr kumimoji="0" lang="en-US" sz="1800" b="0" i="0" u="none" strike="noStrike" kern="1200" cap="none" spc="0" normalizeH="0" baseline="0" noProof="0" dirty="0">
+                        <a:ln>
+                          <a:noFill/>
+                        </a:ln>
+                        <a:solidFill>
+                          <a:srgbClr val="D5E5E7"/>
+                        </a:solidFill>
+                        <a:effectLst/>
+                        <a:uLnTx/>
+                        <a:uFillTx/>
+                        <a:latin typeface="+mn-lt"/>
+                        <a:ea typeface="+mn-ea"/>
+                        <a:cs typeface="+mn-cs"/>
+                      </a:endParaRPr>
+                    </a:p>
+                  </a:txBody>
+                  <a:tcPr>
+                    <a:lnL w="12700" cap="flat" cmpd="sng" algn="ctr">
+                      <a:solidFill>
+                        <a:srgbClr val="D5E5E7"/>
+                      </a:solidFill>
+                      <a:prstDash val="solid"/>
+                      <a:round/>
+                      <a:headEnd type="none" w="med" len="med"/>
+                      <a:tailEnd type="none" w="med" len="med"/>
+                    </a:lnL>
+                    <a:lnR w="12700" cap="flat" cmpd="sng" algn="ctr">
+                      <a:solidFill>
+                        <a:srgbClr val="D5E5E7"/>
+                      </a:solidFill>
+                      <a:prstDash val="solid"/>
+                      <a:round/>
+                      <a:headEnd type="none" w="med" len="med"/>
+                      <a:tailEnd type="none" w="med" len="med"/>
+                    </a:lnR>
+                    <a:lnT w="12700" cap="flat" cmpd="sng" algn="ctr">
+                      <a:solidFill>
+                        <a:srgbClr val="D5E5E7"/>
+                      </a:solidFill>
+                      <a:prstDash val="solid"/>
+                      <a:round/>
+                      <a:headEnd type="none" w="med" len="med"/>
+                      <a:tailEnd type="none" w="med" len="med"/>
+                    </a:lnT>
+                    <a:lnB w="12700" cap="flat" cmpd="sng" algn="ctr">
+                      <a:solidFill>
+                        <a:srgbClr val="D5E5E7"/>
+                      </a:solidFill>
+                      <a:prstDash val="solid"/>
+                      <a:round/>
+                      <a:headEnd type="none" w="med" len="med"/>
+                      <a:tailEnd type="none" w="med" len="med"/>
+                    </a:lnB>
+                  </a:tcPr>
+                </a:tc>
+                <a:extLst>
+                  <a:ext uri="{0D108BD9-81ED-4DB2-BD59-A6C34878D82A}">
+                    <a16:rowId xmlns:a16="http://schemas.microsoft.com/office/drawing/2014/main" val="574389659"/>
+                  </a:ext>
+                </a:extLst>
+              </a:tr>
+            </a:tbl>
+          </a:graphicData>
+        </a:graphic>
+      </p:graphicFrame>
+    </p:spTree>
+    <p:extLst>
+      <p:ext uri="{BB962C8B-B14F-4D97-AF65-F5344CB8AC3E}">
+        <p14:creationId xmlns:p14="http://schemas.microsoft.com/office/powerpoint/2010/main" val="2297275509"/>
+      </p:ext>
+    </p:extLst>
+  </p:cSld>
+  <p:clrMapOvr>
+    <a:masterClrMapping/>
+  </p:clrMapOvr>
+</p:sld>
+</file>
+
+<file path=ppt/slides/slide29.xml><?xml version="1.0" encoding="utf-8"?>
+<p:sld xmlns:a="http://schemas.openxmlformats.org/drawingml/2006/main" xmlns:r="http://schemas.openxmlformats.org/officeDocument/2006/relationships" xmlns:p="http://schemas.openxmlformats.org/presentationml/2006/main">
+  <p:cSld>
+    <p:bg>
+      <p:bgPr>
+        <a:solidFill>
+          <a:schemeClr val="tx1"/>
+        </a:solidFill>
+        <a:effectLst/>
+      </p:bgPr>
+    </p:bg>
+    <p:spTree>
+      <p:nvGrpSpPr>
+        <p:cNvPr id="1" name=""/>
+        <p:cNvGrpSpPr/>
+        <p:nvPr/>
+      </p:nvGrpSpPr>
+      <p:grpSpPr>
+        <a:xfrm>
+          <a:off x="0" y="0"/>
+          <a:ext cx="0" cy="0"/>
+          <a:chOff x="0" y="0"/>
+          <a:chExt cx="0" cy="0"/>
+        </a:xfrm>
+      </p:grpSpPr>
+      <p:sp>
+        <p:nvSpPr>
+          <p:cNvPr id="2" name="Title 1">
+            <a:extLst>
+              <a:ext uri="{FF2B5EF4-FFF2-40B4-BE49-F238E27FC236}">
+                <a16:creationId xmlns:a16="http://schemas.microsoft.com/office/drawing/2014/main" id="{FA98DF2D-4C21-45B7-8CEE-41E2C22A3166}"/>
+              </a:ext>
+            </a:extLst>
+          </p:cNvPr>
+          <p:cNvSpPr>
+            <a:spLocks noGrp="1"/>
+          </p:cNvSpPr>
+          <p:nvPr>
+            <p:ph type="title"/>
+          </p:nvPr>
+        </p:nvSpPr>
+        <p:spPr/>
+        <p:txBody>
+          <a:bodyPr>
+            <a:normAutofit/>
+          </a:bodyPr>
+          <a:lstStyle/>
+          <a:p>
+            <a:r>
+              <a:rPr lang="en-US" sz="3600" dirty="0">
+                <a:solidFill>
+                  <a:schemeClr val="bg1"/>
+                </a:solidFill>
+                <a:latin typeface="Gotham Bold" pitchFamily="50" charset="0"/>
+              </a:rPr>
+              <a:t>Mini Review – Sorting</a:t>
+            </a:r>
+          </a:p>
+        </p:txBody>
+      </p:sp>
+      <p:sp>
+        <p:nvSpPr>
+          <p:cNvPr id="6" name="TextBox 5">
+            <a:extLst>
+              <a:ext uri="{FF2B5EF4-FFF2-40B4-BE49-F238E27FC236}">
+                <a16:creationId xmlns:a16="http://schemas.microsoft.com/office/drawing/2014/main" id="{6910D817-7706-4B40-61E0-933842B0CC61}"/>
+              </a:ext>
+            </a:extLst>
+          </p:cNvPr>
+          <p:cNvSpPr txBox="1"/>
+          <p:nvPr/>
+        </p:nvSpPr>
+        <p:spPr>
+          <a:xfrm>
+            <a:off x="1166921" y="1805073"/>
+            <a:ext cx="9252985" cy="369332"/>
+          </a:xfrm>
+          <a:prstGeom prst="rect">
+            <a:avLst/>
+          </a:prstGeom>
+          <a:noFill/>
+        </p:spPr>
+        <p:txBody>
+          <a:bodyPr wrap="square">
+            <a:spAutoFit/>
+          </a:bodyPr>
+          <a:lstStyle/>
+          <a:p>
+            <a:r>
+              <a:rPr lang="en-US" dirty="0">
+                <a:solidFill>
+                  <a:srgbClr val="EB6E19"/>
+                </a:solidFill>
+              </a:rPr>
+              <a:t>What will be the values in the array after one pass of the follow algorithms:</a:t>
+            </a:r>
+          </a:p>
+        </p:txBody>
+      </p:sp>
+      <p:graphicFrame>
+        <p:nvGraphicFramePr>
+          <p:cNvPr id="3" name="Table 2">
+            <a:extLst>
+              <a:ext uri="{FF2B5EF4-FFF2-40B4-BE49-F238E27FC236}">
+                <a16:creationId xmlns:a16="http://schemas.microsoft.com/office/drawing/2014/main" id="{2D4A2710-3343-894E-F0EE-C7A118C5DB77}"/>
+              </a:ext>
+            </a:extLst>
+          </p:cNvPr>
+          <p:cNvGraphicFramePr>
+            <a:graphicFrameLocks noGrp="1"/>
+          </p:cNvGraphicFramePr>
+          <p:nvPr/>
+        </p:nvGraphicFramePr>
+        <p:xfrm>
+          <a:off x="1729413" y="2590996"/>
+          <a:ext cx="8127999" cy="1854200"/>
+        </p:xfrm>
+        <a:graphic>
+          <a:graphicData uri="http://schemas.openxmlformats.org/drawingml/2006/table">
+            <a:tbl>
+              <a:tblPr firstRow="1" bandRow="1">
+                <a:tableStyleId>{5940675A-B579-460E-94D1-54222C63F5DA}</a:tableStyleId>
+              </a:tblPr>
+              <a:tblGrid>
+                <a:gridCol w="2906382">
+                  <a:extLst>
+                    <a:ext uri="{9D8B030D-6E8A-4147-A177-3AD203B41FA5}">
+                      <a16:colId xmlns:a16="http://schemas.microsoft.com/office/drawing/2014/main" val="2338198008"/>
+                    </a:ext>
+                  </a:extLst>
+                </a:gridCol>
+                <a:gridCol w="2512284">
+                  <a:extLst>
+                    <a:ext uri="{9D8B030D-6E8A-4147-A177-3AD203B41FA5}">
+                      <a16:colId xmlns:a16="http://schemas.microsoft.com/office/drawing/2014/main" val="2120585637"/>
+                    </a:ext>
+                  </a:extLst>
+                </a:gridCol>
+                <a:gridCol w="2709333">
+                  <a:extLst>
+                    <a:ext uri="{9D8B030D-6E8A-4147-A177-3AD203B41FA5}">
+                      <a16:colId xmlns:a16="http://schemas.microsoft.com/office/drawing/2014/main" val="65126294"/>
+                    </a:ext>
+                  </a:extLst>
+                </a:gridCol>
+              </a:tblGrid>
+              <a:tr h="370840">
+                <a:tc>
+                  <a:txBody>
+                    <a:bodyPr/>
+                    <a:lstStyle/>
+                    <a:p>
+                      <a:r>
+                        <a:rPr lang="en-US" dirty="0">
+                          <a:solidFill>
+                            <a:srgbClr val="0081E2"/>
+                          </a:solidFill>
+                        </a:rPr>
+                        <a:t>Sort Algorithm</a:t>
+                      </a:r>
+                    </a:p>
+                  </a:txBody>
+                  <a:tcPr>
+                    <a:lnL w="12700" cap="flat" cmpd="sng" algn="ctr">
+                      <a:solidFill>
+                        <a:srgbClr val="D5E5E7"/>
+                      </a:solidFill>
+                      <a:prstDash val="solid"/>
+                      <a:round/>
+                      <a:headEnd type="none" w="med" len="med"/>
+                      <a:tailEnd type="none" w="med" len="med"/>
+                    </a:lnL>
+                    <a:lnR w="12700" cap="flat" cmpd="sng" algn="ctr">
+                      <a:solidFill>
+                        <a:srgbClr val="D5E5E7"/>
+                      </a:solidFill>
+                      <a:prstDash val="solid"/>
+                      <a:round/>
+                      <a:headEnd type="none" w="med" len="med"/>
+                      <a:tailEnd type="none" w="med" len="med"/>
+                    </a:lnR>
+                    <a:lnT w="12700" cap="flat" cmpd="sng" algn="ctr">
+                      <a:solidFill>
+                        <a:srgbClr val="D5E5E7"/>
+                      </a:solidFill>
+                      <a:prstDash val="solid"/>
+                      <a:round/>
+                      <a:headEnd type="none" w="med" len="med"/>
+                      <a:tailEnd type="none" w="med" len="med"/>
+                    </a:lnT>
+                    <a:lnB w="12700" cap="flat" cmpd="sng" algn="ctr">
+                      <a:solidFill>
+                        <a:srgbClr val="D5E5E7"/>
+                      </a:solidFill>
+                      <a:prstDash val="solid"/>
+                      <a:round/>
+                      <a:headEnd type="none" w="med" len="med"/>
+                      <a:tailEnd type="none" w="med" len="med"/>
+                    </a:lnB>
+                  </a:tcPr>
+                </a:tc>
+                <a:tc>
+                  <a:txBody>
+                    <a:bodyPr/>
+                    <a:lstStyle/>
+                    <a:p>
+                      <a:r>
+                        <a:rPr lang="en-US" dirty="0">
+                          <a:solidFill>
+                            <a:srgbClr val="0081E2"/>
+                          </a:solidFill>
+                        </a:rPr>
+                        <a:t>Array</a:t>
+                      </a:r>
+                    </a:p>
+                  </a:txBody>
+                  <a:tcPr>
+                    <a:lnL w="12700" cap="flat" cmpd="sng" algn="ctr">
+                      <a:solidFill>
+                        <a:srgbClr val="D5E5E7"/>
+                      </a:solidFill>
+                      <a:prstDash val="solid"/>
+                      <a:round/>
+                      <a:headEnd type="none" w="med" len="med"/>
+                      <a:tailEnd type="none" w="med" len="med"/>
+                    </a:lnL>
+                    <a:lnR w="12700" cap="flat" cmpd="sng" algn="ctr">
+                      <a:solidFill>
+                        <a:srgbClr val="D5E5E7"/>
+                      </a:solidFill>
+                      <a:prstDash val="solid"/>
+                      <a:round/>
+                      <a:headEnd type="none" w="med" len="med"/>
+                      <a:tailEnd type="none" w="med" len="med"/>
+                    </a:lnR>
+                    <a:lnT w="12700" cap="flat" cmpd="sng" algn="ctr">
+                      <a:solidFill>
+                        <a:srgbClr val="D5E5E7"/>
+                      </a:solidFill>
+                      <a:prstDash val="solid"/>
+                      <a:round/>
+                      <a:headEnd type="none" w="med" len="med"/>
+                      <a:tailEnd type="none" w="med" len="med"/>
+                    </a:lnT>
+                    <a:lnB w="12700" cap="flat" cmpd="sng" algn="ctr">
+                      <a:solidFill>
+                        <a:srgbClr val="D5E5E7"/>
+                      </a:solidFill>
+                      <a:prstDash val="solid"/>
+                      <a:round/>
+                      <a:headEnd type="none" w="med" len="med"/>
+                      <a:tailEnd type="none" w="med" len="med"/>
+                    </a:lnB>
+                  </a:tcPr>
+                </a:tc>
+                <a:tc>
+                  <a:txBody>
+                    <a:bodyPr/>
+                    <a:lstStyle/>
+                    <a:p>
+                      <a:r>
+                        <a:rPr lang="en-US" dirty="0">
+                          <a:solidFill>
+                            <a:srgbClr val="0081E2"/>
+                          </a:solidFill>
+                        </a:rPr>
+                        <a:t>After One Pass</a:t>
+                      </a:r>
+                    </a:p>
+                  </a:txBody>
+                  <a:tcPr>
+                    <a:lnL w="12700" cap="flat" cmpd="sng" algn="ctr">
+                      <a:solidFill>
+                        <a:srgbClr val="D5E5E7"/>
+                      </a:solidFill>
+                      <a:prstDash val="solid"/>
+                      <a:round/>
+                      <a:headEnd type="none" w="med" len="med"/>
+                      <a:tailEnd type="none" w="med" len="med"/>
+                    </a:lnL>
+                    <a:lnR w="12700" cap="flat" cmpd="sng" algn="ctr">
+                      <a:solidFill>
+                        <a:srgbClr val="D5E5E7"/>
+                      </a:solidFill>
+                      <a:prstDash val="solid"/>
+                      <a:round/>
+                      <a:headEnd type="none" w="med" len="med"/>
+                      <a:tailEnd type="none" w="med" len="med"/>
+                    </a:lnR>
+                    <a:lnT w="12700" cap="flat" cmpd="sng" algn="ctr">
+                      <a:solidFill>
+                        <a:srgbClr val="D5E5E7"/>
+                      </a:solidFill>
+                      <a:prstDash val="solid"/>
+                      <a:round/>
+                      <a:headEnd type="none" w="med" len="med"/>
+                      <a:tailEnd type="none" w="med" len="med"/>
+                    </a:lnT>
+                    <a:lnB w="12700" cap="flat" cmpd="sng" algn="ctr">
+                      <a:solidFill>
+                        <a:srgbClr val="D5E5E7"/>
+                      </a:solidFill>
+                      <a:prstDash val="solid"/>
+                      <a:round/>
+                      <a:headEnd type="none" w="med" len="med"/>
+                      <a:tailEnd type="none" w="med" len="med"/>
+                    </a:lnB>
+                  </a:tcPr>
+                </a:tc>
+                <a:extLst>
+                  <a:ext uri="{0D108BD9-81ED-4DB2-BD59-A6C34878D82A}">
+                    <a16:rowId xmlns:a16="http://schemas.microsoft.com/office/drawing/2014/main" val="1965857138"/>
+                  </a:ext>
+                </a:extLst>
+              </a:tr>
+              <a:tr h="370840">
+                <a:tc>
+                  <a:txBody>
+                    <a:bodyPr/>
+                    <a:lstStyle/>
+                    <a:p>
+                      <a:r>
+                        <a:rPr lang="en-US" dirty="0">
+                          <a:solidFill>
+                            <a:srgbClr val="0081E2"/>
+                          </a:solidFill>
+                        </a:rPr>
+                        <a:t>Bubble</a:t>
+                      </a:r>
+                    </a:p>
+                  </a:txBody>
+                  <a:tcPr>
+                    <a:lnL w="12700" cap="flat" cmpd="sng" algn="ctr">
+                      <a:solidFill>
+                        <a:srgbClr val="D5E5E7"/>
+                      </a:solidFill>
+                      <a:prstDash val="solid"/>
+                      <a:round/>
+                      <a:headEnd type="none" w="med" len="med"/>
+                      <a:tailEnd type="none" w="med" len="med"/>
+                    </a:lnL>
+                    <a:lnR w="12700" cap="flat" cmpd="sng" algn="ctr">
+                      <a:solidFill>
+                        <a:srgbClr val="D5E5E7"/>
+                      </a:solidFill>
+                      <a:prstDash val="solid"/>
+                      <a:round/>
+                      <a:headEnd type="none" w="med" len="med"/>
+                      <a:tailEnd type="none" w="med" len="med"/>
+                    </a:lnR>
+                    <a:lnT w="12700" cap="flat" cmpd="sng" algn="ctr">
+                      <a:solidFill>
+                        <a:srgbClr val="D5E5E7"/>
+                      </a:solidFill>
+                      <a:prstDash val="solid"/>
+                      <a:round/>
+                      <a:headEnd type="none" w="med" len="med"/>
+                      <a:tailEnd type="none" w="med" len="med"/>
+                    </a:lnT>
+                    <a:lnB w="12700" cap="flat" cmpd="sng" algn="ctr">
+                      <a:solidFill>
+                        <a:srgbClr val="D5E5E7"/>
+                      </a:solidFill>
+                      <a:prstDash val="solid"/>
+                      <a:round/>
+                      <a:headEnd type="none" w="med" len="med"/>
+                      <a:tailEnd type="none" w="med" len="med"/>
+                    </a:lnB>
+                  </a:tcPr>
+                </a:tc>
+                <a:tc>
+                  <a:txBody>
+                    <a:bodyPr/>
+                    <a:lstStyle/>
+                    <a:p>
+                      <a:r>
+                        <a:rPr lang="en-US" dirty="0">
+                          <a:solidFill>
+                            <a:srgbClr val="D5E5E7"/>
+                          </a:solidFill>
+                        </a:rPr>
+                        <a:t>6, 7, 11, 0, 5</a:t>
+                      </a:r>
+                    </a:p>
+                  </a:txBody>
+                  <a:tcPr>
+                    <a:lnL w="12700" cap="flat" cmpd="sng" algn="ctr">
+                      <a:solidFill>
+                        <a:srgbClr val="D5E5E7"/>
+                      </a:solidFill>
+                      <a:prstDash val="solid"/>
+                      <a:round/>
+                      <a:headEnd type="none" w="med" len="med"/>
+                      <a:tailEnd type="none" w="med" len="med"/>
+                    </a:lnL>
+                    <a:lnR w="12700" cap="flat" cmpd="sng" algn="ctr">
+                      <a:solidFill>
+                        <a:srgbClr val="D5E5E7"/>
+                      </a:solidFill>
+                      <a:prstDash val="solid"/>
+                      <a:round/>
+                      <a:headEnd type="none" w="med" len="med"/>
+                      <a:tailEnd type="none" w="med" len="med"/>
+                    </a:lnR>
+                    <a:lnT w="12700" cap="flat" cmpd="sng" algn="ctr">
+                      <a:solidFill>
+                        <a:srgbClr val="D5E5E7"/>
+                      </a:solidFill>
+                      <a:prstDash val="solid"/>
+                      <a:round/>
+                      <a:headEnd type="none" w="med" len="med"/>
+                      <a:tailEnd type="none" w="med" len="med"/>
+                    </a:lnT>
+                    <a:lnB w="12700" cap="flat" cmpd="sng" algn="ctr">
+                      <a:solidFill>
+                        <a:srgbClr val="D5E5E7"/>
+                      </a:solidFill>
+                      <a:prstDash val="solid"/>
+                      <a:round/>
+                      <a:headEnd type="none" w="med" len="med"/>
+                      <a:tailEnd type="none" w="med" len="med"/>
+                    </a:lnB>
+                  </a:tcPr>
+                </a:tc>
+                <a:tc>
+                  <a:txBody>
+                    <a:bodyPr/>
+                    <a:lstStyle/>
+                    <a:p>
+                      <a:pPr marL="0" marR="0" lvl="0" indent="0" algn="l" defTabSz="914400" rtl="0" eaLnBrk="1" fontAlgn="auto" latinLnBrk="0" hangingPunct="1">
+                        <a:lnSpc>
+                          <a:spcPct val="100000"/>
+                        </a:lnSpc>
+                        <a:spcBef>
+                          <a:spcPts val="0"/>
+                        </a:spcBef>
+                        <a:spcAft>
+                          <a:spcPts val="0"/>
+                        </a:spcAft>
+                        <a:buClrTx/>
+                        <a:buSzTx/>
+                        <a:buFontTx/>
+                        <a:buNone/>
+                        <a:tabLst/>
+                        <a:defRPr/>
+                      </a:pPr>
+                      <a:r>
+                        <a:rPr lang="en-US" dirty="0">
+                          <a:solidFill>
+                            <a:srgbClr val="D5E5E7"/>
+                          </a:solidFill>
+                        </a:rPr>
+                        <a:t>6, 7, 0, 5, 11</a:t>
+                      </a:r>
+                    </a:p>
+                  </a:txBody>
+                  <a:tcPr>
+                    <a:lnL w="12700" cap="flat" cmpd="sng" algn="ctr">
+                      <a:solidFill>
+                        <a:srgbClr val="D5E5E7"/>
+                      </a:solidFill>
+                      <a:prstDash val="solid"/>
+                      <a:round/>
+                      <a:headEnd type="none" w="med" len="med"/>
+                      <a:tailEnd type="none" w="med" len="med"/>
+                    </a:lnL>
+                    <a:lnR w="12700" cap="flat" cmpd="sng" algn="ctr">
+                      <a:solidFill>
+                        <a:srgbClr val="D5E5E7"/>
+                      </a:solidFill>
+                      <a:prstDash val="solid"/>
+                      <a:round/>
+                      <a:headEnd type="none" w="med" len="med"/>
+                      <a:tailEnd type="none" w="med" len="med"/>
+                    </a:lnR>
+                    <a:lnT w="12700" cap="flat" cmpd="sng" algn="ctr">
+                      <a:solidFill>
+                        <a:srgbClr val="D5E5E7"/>
+                      </a:solidFill>
+                      <a:prstDash val="solid"/>
+                      <a:round/>
+                      <a:headEnd type="none" w="med" len="med"/>
+                      <a:tailEnd type="none" w="med" len="med"/>
+                    </a:lnT>
+                    <a:lnB w="12700" cap="flat" cmpd="sng" algn="ctr">
+                      <a:solidFill>
+                        <a:srgbClr val="D5E5E7"/>
+                      </a:solidFill>
+                      <a:prstDash val="solid"/>
+                      <a:round/>
+                      <a:headEnd type="none" w="med" len="med"/>
+                      <a:tailEnd type="none" w="med" len="med"/>
+                    </a:lnB>
+                  </a:tcPr>
+                </a:tc>
+                <a:extLst>
+                  <a:ext uri="{0D108BD9-81ED-4DB2-BD59-A6C34878D82A}">
+                    <a16:rowId xmlns:a16="http://schemas.microsoft.com/office/drawing/2014/main" val="2262031026"/>
+                  </a:ext>
+                </a:extLst>
+              </a:tr>
+              <a:tr h="370840">
+                <a:tc>
+                  <a:txBody>
+                    <a:bodyPr/>
+                    <a:lstStyle/>
+                    <a:p>
+                      <a:r>
+                        <a:rPr lang="en-US" dirty="0">
+                          <a:solidFill>
+                            <a:srgbClr val="0081E2"/>
+                          </a:solidFill>
+                        </a:rPr>
+                        <a:t>Selection</a:t>
+                      </a:r>
+                    </a:p>
+                  </a:txBody>
+                  <a:tcPr>
+                    <a:lnL w="12700" cap="flat" cmpd="sng" algn="ctr">
+                      <a:solidFill>
+                        <a:srgbClr val="D5E5E7"/>
+                      </a:solidFill>
+                      <a:prstDash val="solid"/>
+                      <a:round/>
+                      <a:headEnd type="none" w="med" len="med"/>
+                      <a:tailEnd type="none" w="med" len="med"/>
+                    </a:lnL>
+                    <a:lnR w="12700" cap="flat" cmpd="sng" algn="ctr">
+                      <a:solidFill>
+                        <a:srgbClr val="D5E5E7"/>
+                      </a:solidFill>
+                      <a:prstDash val="solid"/>
+                      <a:round/>
+                      <a:headEnd type="none" w="med" len="med"/>
+                      <a:tailEnd type="none" w="med" len="med"/>
+                    </a:lnR>
+                    <a:lnT w="12700" cap="flat" cmpd="sng" algn="ctr">
+                      <a:solidFill>
+                        <a:srgbClr val="D5E5E7"/>
+                      </a:solidFill>
+                      <a:prstDash val="solid"/>
+                      <a:round/>
+                      <a:headEnd type="none" w="med" len="med"/>
+                      <a:tailEnd type="none" w="med" len="med"/>
+                    </a:lnT>
+                    <a:lnB w="12700" cap="flat" cmpd="sng" algn="ctr">
+                      <a:solidFill>
+                        <a:srgbClr val="D5E5E7"/>
+                      </a:solidFill>
+                      <a:prstDash val="solid"/>
+                      <a:round/>
+                      <a:headEnd type="none" w="med" len="med"/>
+                      <a:tailEnd type="none" w="med" len="med"/>
+                    </a:lnB>
+                  </a:tcPr>
+                </a:tc>
+                <a:tc>
+                  <a:txBody>
+                    <a:bodyPr/>
+                    <a:lstStyle/>
+                    <a:p>
+                      <a:pPr marL="0" marR="0" lvl="0" indent="0" algn="l" defTabSz="914400" rtl="0" eaLnBrk="1" fontAlgn="auto" latinLnBrk="0" hangingPunct="1">
+                        <a:lnSpc>
+                          <a:spcPct val="100000"/>
+                        </a:lnSpc>
+                        <a:spcBef>
+                          <a:spcPts val="0"/>
+                        </a:spcBef>
+                        <a:spcAft>
+                          <a:spcPts val="0"/>
+                        </a:spcAft>
+                        <a:buClrTx/>
+                        <a:buSzTx/>
+                        <a:buFontTx/>
+                        <a:buNone/>
+                        <a:tabLst/>
+                        <a:defRPr/>
+                      </a:pPr>
+                      <a:r>
+                        <a:rPr kumimoji="0" lang="en-US" sz="1800" b="0" i="0" u="none" strike="noStrike" kern="1200" cap="none" spc="0" normalizeH="0" baseline="0" noProof="0" dirty="0">
+                          <a:ln>
+                            <a:noFill/>
+                          </a:ln>
+                          <a:solidFill>
+                            <a:srgbClr val="D5E5E7"/>
+                          </a:solidFill>
+                          <a:effectLst/>
+                          <a:uLnTx/>
+                          <a:uFillTx/>
+                          <a:latin typeface="Calibri" panose="020F0502020204030204"/>
+                          <a:ea typeface="+mn-ea"/>
+                          <a:cs typeface="+mn-cs"/>
+                        </a:rPr>
+                        <a:t>6, 7, 11, 0, 5</a:t>
+                      </a:r>
+                    </a:p>
+                  </a:txBody>
+                  <a:tcPr>
+                    <a:lnL w="12700" cap="flat" cmpd="sng" algn="ctr">
+                      <a:solidFill>
+                        <a:srgbClr val="D5E5E7"/>
+                      </a:solidFill>
+                      <a:prstDash val="solid"/>
+                      <a:round/>
+                      <a:headEnd type="none" w="med" len="med"/>
+                      <a:tailEnd type="none" w="med" len="med"/>
+                    </a:lnL>
+                    <a:lnR w="12700" cap="flat" cmpd="sng" algn="ctr">
+                      <a:solidFill>
+                        <a:srgbClr val="D5E5E7"/>
+                      </a:solidFill>
+                      <a:prstDash val="solid"/>
+                      <a:round/>
+                      <a:headEnd type="none" w="med" len="med"/>
+                      <a:tailEnd type="none" w="med" len="med"/>
+                    </a:lnR>
+                    <a:lnT w="12700" cap="flat" cmpd="sng" algn="ctr">
+                      <a:solidFill>
+                        <a:srgbClr val="D5E5E7"/>
+                      </a:solidFill>
+                      <a:prstDash val="solid"/>
+                      <a:round/>
+                      <a:headEnd type="none" w="med" len="med"/>
+                      <a:tailEnd type="none" w="med" len="med"/>
+                    </a:lnT>
+                    <a:lnB w="12700" cap="flat" cmpd="sng" algn="ctr">
+                      <a:solidFill>
+                        <a:srgbClr val="D5E5E7"/>
+                      </a:solidFill>
+                      <a:prstDash val="solid"/>
+                      <a:round/>
+                      <a:headEnd type="none" w="med" len="med"/>
+                      <a:tailEnd type="none" w="med" len="med"/>
+                    </a:lnB>
+                  </a:tcPr>
+                </a:tc>
+                <a:tc>
+                  <a:txBody>
+                    <a:bodyPr/>
+                    <a:lstStyle/>
+                    <a:p>
+                      <a:pPr marL="0" marR="0" lvl="0" indent="0" algn="l" defTabSz="914400" rtl="0" eaLnBrk="1" fontAlgn="auto" latinLnBrk="0" hangingPunct="1">
+                        <a:lnSpc>
+                          <a:spcPct val="100000"/>
+                        </a:lnSpc>
+                        <a:spcBef>
+                          <a:spcPts val="0"/>
+                        </a:spcBef>
+                        <a:spcAft>
+                          <a:spcPts val="0"/>
+                        </a:spcAft>
+                        <a:buClrTx/>
+                        <a:buSzTx/>
+                        <a:buFontTx/>
+                        <a:buNone/>
+                        <a:tabLst/>
+                        <a:defRPr/>
+                      </a:pPr>
+                      <a:r>
+                        <a:rPr kumimoji="0" lang="en-US" sz="1800" b="0" i="0" u="none" strike="noStrike" kern="1200" cap="none" spc="0" normalizeH="0" baseline="0" noProof="0" dirty="0">
+                          <a:ln>
+                            <a:noFill/>
+                          </a:ln>
+                          <a:solidFill>
+                            <a:srgbClr val="D5E5E7"/>
+                          </a:solidFill>
+                          <a:effectLst/>
+                          <a:uLnTx/>
+                          <a:uFillTx/>
+                          <a:latin typeface="+mn-lt"/>
+                          <a:ea typeface="+mn-ea"/>
+                          <a:cs typeface="+mn-cs"/>
+                        </a:rPr>
+                        <a:t>0, 7, 11, 6, 5</a:t>
+                      </a:r>
+                    </a:p>
+                  </a:txBody>
+                  <a:tcPr>
+                    <a:lnL w="12700" cap="flat" cmpd="sng" algn="ctr">
+                      <a:solidFill>
+                        <a:srgbClr val="D5E5E7"/>
+                      </a:solidFill>
+                      <a:prstDash val="solid"/>
+                      <a:round/>
+                      <a:headEnd type="none" w="med" len="med"/>
+                      <a:tailEnd type="none" w="med" len="med"/>
+                    </a:lnL>
+                    <a:lnR w="12700" cap="flat" cmpd="sng" algn="ctr">
+                      <a:solidFill>
+                        <a:srgbClr val="D5E5E7"/>
+                      </a:solidFill>
+                      <a:prstDash val="solid"/>
+                      <a:round/>
+                      <a:headEnd type="none" w="med" len="med"/>
+                      <a:tailEnd type="none" w="med" len="med"/>
+                    </a:lnR>
+                    <a:lnT w="12700" cap="flat" cmpd="sng" algn="ctr">
+                      <a:solidFill>
+                        <a:srgbClr val="D5E5E7"/>
+                      </a:solidFill>
+                      <a:prstDash val="solid"/>
+                      <a:round/>
+                      <a:headEnd type="none" w="med" len="med"/>
+                      <a:tailEnd type="none" w="med" len="med"/>
+                    </a:lnT>
+                    <a:lnB w="12700" cap="flat" cmpd="sng" algn="ctr">
+                      <a:solidFill>
+                        <a:srgbClr val="D5E5E7"/>
+                      </a:solidFill>
+                      <a:prstDash val="solid"/>
+                      <a:round/>
+                      <a:headEnd type="none" w="med" len="med"/>
+                      <a:tailEnd type="none" w="med" len="med"/>
+                    </a:lnB>
+                  </a:tcPr>
+                </a:tc>
+                <a:extLst>
+                  <a:ext uri="{0D108BD9-81ED-4DB2-BD59-A6C34878D82A}">
+                    <a16:rowId xmlns:a16="http://schemas.microsoft.com/office/drawing/2014/main" val="1564508273"/>
+                  </a:ext>
+                </a:extLst>
+              </a:tr>
+              <a:tr h="370840">
+                <a:tc>
+                  <a:txBody>
+                    <a:bodyPr/>
+                    <a:lstStyle/>
+                    <a:p>
+                      <a:r>
+                        <a:rPr lang="en-US" dirty="0">
+                          <a:solidFill>
+                            <a:srgbClr val="0081E2"/>
+                          </a:solidFill>
+                        </a:rPr>
+                        <a:t>Shell (gap, n/2)</a:t>
+                      </a:r>
+                    </a:p>
+                  </a:txBody>
+                  <a:tcPr>
+                    <a:lnL w="12700" cap="flat" cmpd="sng" algn="ctr">
+                      <a:solidFill>
+                        <a:srgbClr val="D5E5E7"/>
+                      </a:solidFill>
+                      <a:prstDash val="solid"/>
+                      <a:round/>
+                      <a:headEnd type="none" w="med" len="med"/>
+                      <a:tailEnd type="none" w="med" len="med"/>
+                    </a:lnL>
+                    <a:lnR w="12700" cap="flat" cmpd="sng" algn="ctr">
+                      <a:solidFill>
+                        <a:srgbClr val="D5E5E7"/>
+                      </a:solidFill>
+                      <a:prstDash val="solid"/>
+                      <a:round/>
+                      <a:headEnd type="none" w="med" len="med"/>
+                      <a:tailEnd type="none" w="med" len="med"/>
+                    </a:lnR>
+                    <a:lnT w="12700" cap="flat" cmpd="sng" algn="ctr">
+                      <a:solidFill>
+                        <a:srgbClr val="D5E5E7"/>
+                      </a:solidFill>
+                      <a:prstDash val="solid"/>
+                      <a:round/>
+                      <a:headEnd type="none" w="med" len="med"/>
+                      <a:tailEnd type="none" w="med" len="med"/>
+                    </a:lnT>
+                    <a:lnB w="12700" cap="flat" cmpd="sng" algn="ctr">
+                      <a:solidFill>
+                        <a:srgbClr val="D5E5E7"/>
+                      </a:solidFill>
+                      <a:prstDash val="solid"/>
+                      <a:round/>
+                      <a:headEnd type="none" w="med" len="med"/>
+                      <a:tailEnd type="none" w="med" len="med"/>
+                    </a:lnB>
+                  </a:tcPr>
+                </a:tc>
+                <a:tc>
+                  <a:txBody>
+                    <a:bodyPr/>
+                    <a:lstStyle/>
+                    <a:p>
+                      <a:pPr marL="0" marR="0" lvl="0" indent="0" algn="l" defTabSz="914400" rtl="0" eaLnBrk="1" fontAlgn="auto" latinLnBrk="0" hangingPunct="1">
+                        <a:lnSpc>
+                          <a:spcPct val="100000"/>
+                        </a:lnSpc>
+                        <a:spcBef>
+                          <a:spcPts val="0"/>
+                        </a:spcBef>
+                        <a:spcAft>
+                          <a:spcPts val="0"/>
+                        </a:spcAft>
+                        <a:buClrTx/>
+                        <a:buSzTx/>
+                        <a:buFontTx/>
+                        <a:buNone/>
+                        <a:tabLst/>
+                        <a:defRPr/>
+                      </a:pPr>
+                      <a:r>
+                        <a:rPr kumimoji="0" lang="en-US" sz="1800" b="0" i="0" u="none" strike="noStrike" kern="1200" cap="none" spc="0" normalizeH="0" baseline="0" noProof="0">
+                          <a:ln>
+                            <a:noFill/>
+                          </a:ln>
+                          <a:solidFill>
+                            <a:srgbClr val="D5E5E7"/>
+                          </a:solidFill>
+                          <a:effectLst/>
+                          <a:uLnTx/>
+                          <a:uFillTx/>
+                          <a:latin typeface="Calibri" panose="020F0502020204030204"/>
+                          <a:ea typeface="+mn-ea"/>
+                          <a:cs typeface="+mn-cs"/>
+                        </a:rPr>
+                        <a:t>6, 7, 11, 0, 5</a:t>
+                      </a:r>
+                      <a:endParaRPr kumimoji="0" lang="en-US" sz="1800" b="0" i="0" u="none" strike="noStrike" kern="1200" cap="none" spc="0" normalizeH="0" baseline="0" noProof="0" dirty="0">
+                        <a:ln>
+                          <a:noFill/>
+                        </a:ln>
+                        <a:solidFill>
+                          <a:srgbClr val="D5E5E7"/>
+                        </a:solidFill>
+                        <a:effectLst/>
+                        <a:uLnTx/>
+                        <a:uFillTx/>
+                        <a:latin typeface="Calibri" panose="020F0502020204030204"/>
+                        <a:ea typeface="+mn-ea"/>
+                        <a:cs typeface="+mn-cs"/>
+                      </a:endParaRPr>
+                    </a:p>
+                  </a:txBody>
+                  <a:tcPr>
+                    <a:lnL w="12700" cap="flat" cmpd="sng" algn="ctr">
+                      <a:solidFill>
+                        <a:srgbClr val="D5E5E7"/>
+                      </a:solidFill>
+                      <a:prstDash val="solid"/>
+                      <a:round/>
+                      <a:headEnd type="none" w="med" len="med"/>
+                      <a:tailEnd type="none" w="med" len="med"/>
+                    </a:lnL>
+                    <a:lnR w="12700" cap="flat" cmpd="sng" algn="ctr">
+                      <a:solidFill>
+                        <a:srgbClr val="D5E5E7"/>
+                      </a:solidFill>
+                      <a:prstDash val="solid"/>
+                      <a:round/>
+                      <a:headEnd type="none" w="med" len="med"/>
+                      <a:tailEnd type="none" w="med" len="med"/>
+                    </a:lnR>
+                    <a:lnT w="12700" cap="flat" cmpd="sng" algn="ctr">
+                      <a:solidFill>
+                        <a:srgbClr val="D5E5E7"/>
+                      </a:solidFill>
+                      <a:prstDash val="solid"/>
+                      <a:round/>
+                      <a:headEnd type="none" w="med" len="med"/>
+                      <a:tailEnd type="none" w="med" len="med"/>
+                    </a:lnT>
+                    <a:lnB w="12700" cap="flat" cmpd="sng" algn="ctr">
+                      <a:solidFill>
+                        <a:srgbClr val="D5E5E7"/>
+                      </a:solidFill>
+                      <a:prstDash val="solid"/>
+                      <a:round/>
+                      <a:headEnd type="none" w="med" len="med"/>
+                      <a:tailEnd type="none" w="med" len="med"/>
+                    </a:lnB>
+                  </a:tcPr>
+                </a:tc>
+                <a:tc>
+                  <a:txBody>
+                    <a:bodyPr/>
+                    <a:lstStyle/>
+                    <a:p>
+                      <a:pPr marL="0" marR="0" lvl="0" indent="0" algn="l" defTabSz="914400" rtl="0" eaLnBrk="1" fontAlgn="auto" latinLnBrk="0" hangingPunct="1">
+                        <a:lnSpc>
+                          <a:spcPct val="100000"/>
+                        </a:lnSpc>
+                        <a:spcBef>
+                          <a:spcPts val="0"/>
+                        </a:spcBef>
+                        <a:spcAft>
+                          <a:spcPts val="0"/>
+                        </a:spcAft>
+                        <a:buClrTx/>
+                        <a:buSzTx/>
+                        <a:buFontTx/>
+                        <a:buNone/>
+                        <a:tabLst/>
+                        <a:defRPr/>
+                      </a:pPr>
+                      <a:r>
+                        <a:rPr kumimoji="0" lang="en-US" sz="1800" b="0" i="0" u="none" strike="noStrike" kern="1200" cap="none" spc="0" normalizeH="0" baseline="0" noProof="0" dirty="0">
+                          <a:ln>
+                            <a:noFill/>
+                          </a:ln>
+                          <a:solidFill>
+                            <a:srgbClr val="D5E5E7"/>
+                          </a:solidFill>
+                          <a:effectLst/>
+                          <a:uLnTx/>
+                          <a:uFillTx/>
+                          <a:latin typeface="+mn-lt"/>
+                          <a:ea typeface="+mn-ea"/>
+                          <a:cs typeface="+mn-cs"/>
+                        </a:rPr>
+                        <a:t>0, 5, 11, 6, 7</a:t>
+                      </a:r>
+                    </a:p>
+                  </a:txBody>
+                  <a:tcPr>
+                    <a:lnL w="12700" cap="flat" cmpd="sng" algn="ctr">
+                      <a:solidFill>
+                        <a:srgbClr val="D5E5E7"/>
+                      </a:solidFill>
+                      <a:prstDash val="solid"/>
+                      <a:round/>
+                      <a:headEnd type="none" w="med" len="med"/>
+                      <a:tailEnd type="none" w="med" len="med"/>
+                    </a:lnL>
+                    <a:lnR w="12700" cap="flat" cmpd="sng" algn="ctr">
+                      <a:solidFill>
+                        <a:srgbClr val="D5E5E7"/>
+                      </a:solidFill>
+                      <a:prstDash val="solid"/>
+                      <a:round/>
+                      <a:headEnd type="none" w="med" len="med"/>
+                      <a:tailEnd type="none" w="med" len="med"/>
+                    </a:lnR>
+                    <a:lnT w="12700" cap="flat" cmpd="sng" algn="ctr">
+                      <a:solidFill>
+                        <a:srgbClr val="D5E5E7"/>
+                      </a:solidFill>
+                      <a:prstDash val="solid"/>
+                      <a:round/>
+                      <a:headEnd type="none" w="med" len="med"/>
+                      <a:tailEnd type="none" w="med" len="med"/>
+                    </a:lnT>
+                    <a:lnB w="12700" cap="flat" cmpd="sng" algn="ctr">
+                      <a:solidFill>
+                        <a:srgbClr val="D5E5E7"/>
+                      </a:solidFill>
+                      <a:prstDash val="solid"/>
+                      <a:round/>
+                      <a:headEnd type="none" w="med" len="med"/>
+                      <a:tailEnd type="none" w="med" len="med"/>
+                    </a:lnB>
+                  </a:tcPr>
+                </a:tc>
+                <a:extLst>
+                  <a:ext uri="{0D108BD9-81ED-4DB2-BD59-A6C34878D82A}">
+                    <a16:rowId xmlns:a16="http://schemas.microsoft.com/office/drawing/2014/main" val="266025794"/>
+                  </a:ext>
+                </a:extLst>
+              </a:tr>
+              <a:tr h="370840">
+                <a:tc>
+                  <a:txBody>
+                    <a:bodyPr/>
+                    <a:lstStyle/>
+                    <a:p>
+                      <a:r>
+                        <a:rPr lang="en-US" dirty="0">
+                          <a:solidFill>
+                            <a:srgbClr val="0081E2"/>
+                          </a:solidFill>
+                        </a:rPr>
+                        <a:t>Quick (last element is pivot)</a:t>
+                      </a:r>
+                    </a:p>
+                  </a:txBody>
+                  <a:tcPr>
+                    <a:lnL w="12700" cap="flat" cmpd="sng" algn="ctr">
+                      <a:solidFill>
+                        <a:srgbClr val="D5E5E7"/>
+                      </a:solidFill>
+                      <a:prstDash val="solid"/>
+                      <a:round/>
+                      <a:headEnd type="none" w="med" len="med"/>
+                      <a:tailEnd type="none" w="med" len="med"/>
+                    </a:lnL>
+                    <a:lnR w="12700" cap="flat" cmpd="sng" algn="ctr">
+                      <a:solidFill>
+                        <a:srgbClr val="D5E5E7"/>
+                      </a:solidFill>
+                      <a:prstDash val="solid"/>
+                      <a:round/>
+                      <a:headEnd type="none" w="med" len="med"/>
+                      <a:tailEnd type="none" w="med" len="med"/>
+                    </a:lnR>
+                    <a:lnT w="12700" cap="flat" cmpd="sng" algn="ctr">
+                      <a:solidFill>
+                        <a:srgbClr val="D5E5E7"/>
+                      </a:solidFill>
+                      <a:prstDash val="solid"/>
+                      <a:round/>
+                      <a:headEnd type="none" w="med" len="med"/>
+                      <a:tailEnd type="none" w="med" len="med"/>
+                    </a:lnT>
+                    <a:lnB w="12700" cap="flat" cmpd="sng" algn="ctr">
+                      <a:solidFill>
+                        <a:srgbClr val="D5E5E7"/>
+                      </a:solidFill>
+                      <a:prstDash val="solid"/>
+                      <a:round/>
+                      <a:headEnd type="none" w="med" len="med"/>
+                      <a:tailEnd type="none" w="med" len="med"/>
+                    </a:lnB>
+                  </a:tcPr>
+                </a:tc>
+                <a:tc>
+                  <a:txBody>
+                    <a:bodyPr/>
+                    <a:lstStyle/>
+                    <a:p>
+                      <a:pPr marL="0" marR="0" lvl="0" indent="0" algn="l" defTabSz="914400" rtl="0" eaLnBrk="1" fontAlgn="auto" latinLnBrk="0" hangingPunct="1">
+                        <a:lnSpc>
+                          <a:spcPct val="100000"/>
+                        </a:lnSpc>
+                        <a:spcBef>
+                          <a:spcPts val="0"/>
+                        </a:spcBef>
+                        <a:spcAft>
+                          <a:spcPts val="0"/>
+                        </a:spcAft>
+                        <a:buClrTx/>
+                        <a:buSzTx/>
+                        <a:buFontTx/>
+                        <a:buNone/>
+                        <a:tabLst/>
+                        <a:defRPr/>
+                      </a:pPr>
+                      <a:r>
+                        <a:rPr kumimoji="0" lang="en-US" sz="1800" b="0" i="0" u="none" strike="noStrike" kern="1200" cap="none" spc="0" normalizeH="0" baseline="0" noProof="0" dirty="0">
+                          <a:ln>
+                            <a:noFill/>
+                          </a:ln>
+                          <a:solidFill>
+                            <a:srgbClr val="D5E5E7"/>
+                          </a:solidFill>
+                          <a:effectLst/>
+                          <a:uLnTx/>
+                          <a:uFillTx/>
+                          <a:latin typeface="Calibri" panose="020F0502020204030204"/>
+                          <a:ea typeface="+mn-ea"/>
+                          <a:cs typeface="+mn-cs"/>
+                        </a:rPr>
+                        <a:t>6, 7, 11, 0, 5</a:t>
+                      </a:r>
+                    </a:p>
+                  </a:txBody>
+                  <a:tcPr>
+                    <a:lnL w="12700" cap="flat" cmpd="sng" algn="ctr">
+                      <a:solidFill>
+                        <a:srgbClr val="D5E5E7"/>
+                      </a:solidFill>
+                      <a:prstDash val="solid"/>
+                      <a:round/>
+                      <a:headEnd type="none" w="med" len="med"/>
+                      <a:tailEnd type="none" w="med" len="med"/>
+                    </a:lnL>
+                    <a:lnR w="12700" cap="flat" cmpd="sng" algn="ctr">
+                      <a:solidFill>
+                        <a:srgbClr val="D5E5E7"/>
+                      </a:solidFill>
+                      <a:prstDash val="solid"/>
+                      <a:round/>
+                      <a:headEnd type="none" w="med" len="med"/>
+                      <a:tailEnd type="none" w="med" len="med"/>
+                    </a:lnR>
+                    <a:lnT w="12700" cap="flat" cmpd="sng" algn="ctr">
+                      <a:solidFill>
+                        <a:srgbClr val="D5E5E7"/>
+                      </a:solidFill>
+                      <a:prstDash val="solid"/>
+                      <a:round/>
+                      <a:headEnd type="none" w="med" len="med"/>
+                      <a:tailEnd type="none" w="med" len="med"/>
+                    </a:lnT>
+                    <a:lnB w="12700" cap="flat" cmpd="sng" algn="ctr">
+                      <a:solidFill>
+                        <a:srgbClr val="D5E5E7"/>
+                      </a:solidFill>
+                      <a:prstDash val="solid"/>
+                      <a:round/>
+                      <a:headEnd type="none" w="med" len="med"/>
+                      <a:tailEnd type="none" w="med" len="med"/>
+                    </a:lnB>
+                  </a:tcPr>
+                </a:tc>
+                <a:tc>
+                  <a:txBody>
+                    <a:bodyPr/>
+                    <a:lstStyle/>
+                    <a:p>
+                      <a:pPr marL="0" marR="0" lvl="0" indent="0" algn="l" defTabSz="914400" rtl="0" eaLnBrk="1" fontAlgn="auto" latinLnBrk="0" hangingPunct="1">
+                        <a:lnSpc>
+                          <a:spcPct val="100000"/>
+                        </a:lnSpc>
+                        <a:spcBef>
+                          <a:spcPts val="0"/>
+                        </a:spcBef>
+                        <a:spcAft>
+                          <a:spcPts val="0"/>
+                        </a:spcAft>
+                        <a:buClrTx/>
+                        <a:buSzTx/>
+                        <a:buFontTx/>
+                        <a:buNone/>
+                        <a:tabLst/>
+                        <a:defRPr/>
+                      </a:pPr>
+                      <a:r>
+                        <a:rPr kumimoji="0" lang="en-US" sz="1800" b="0" i="0" u="none" strike="noStrike" kern="1200" cap="none" spc="0" normalizeH="0" baseline="0" noProof="0" dirty="0">
+                          <a:ln>
+                            <a:noFill/>
+                          </a:ln>
+                          <a:solidFill>
+                            <a:srgbClr val="D5E5E7"/>
+                          </a:solidFill>
+                          <a:effectLst/>
+                          <a:uLnTx/>
+                          <a:uFillTx/>
+                          <a:latin typeface="+mn-lt"/>
+                          <a:ea typeface="+mn-ea"/>
+                          <a:cs typeface="+mn-cs"/>
+                        </a:rPr>
+                        <a:t>0, 5, 11, 7, 6</a:t>
+                      </a:r>
+                    </a:p>
+                  </a:txBody>
+                  <a:tcPr>
+                    <a:lnL w="12700" cap="flat" cmpd="sng" algn="ctr">
+                      <a:solidFill>
+                        <a:srgbClr val="D5E5E7"/>
+                      </a:solidFill>
+                      <a:prstDash val="solid"/>
+                      <a:round/>
+                      <a:headEnd type="none" w="med" len="med"/>
+                      <a:tailEnd type="none" w="med" len="med"/>
+                    </a:lnL>
+                    <a:lnR w="12700" cap="flat" cmpd="sng" algn="ctr">
+                      <a:solidFill>
+                        <a:srgbClr val="D5E5E7"/>
+                      </a:solidFill>
+                      <a:prstDash val="solid"/>
+                      <a:round/>
+                      <a:headEnd type="none" w="med" len="med"/>
+                      <a:tailEnd type="none" w="med" len="med"/>
+                    </a:lnR>
+                    <a:lnT w="12700" cap="flat" cmpd="sng" algn="ctr">
+                      <a:solidFill>
+                        <a:srgbClr val="D5E5E7"/>
+                      </a:solidFill>
+                      <a:prstDash val="solid"/>
+                      <a:round/>
+                      <a:headEnd type="none" w="med" len="med"/>
+                      <a:tailEnd type="none" w="med" len="med"/>
+                    </a:lnT>
+                    <a:lnB w="12700" cap="flat" cmpd="sng" algn="ctr">
+                      <a:solidFill>
+                        <a:srgbClr val="D5E5E7"/>
+                      </a:solidFill>
+                      <a:prstDash val="solid"/>
+                      <a:round/>
+                      <a:headEnd type="none" w="med" len="med"/>
+                      <a:tailEnd type="none" w="med" len="med"/>
+                    </a:lnB>
+                  </a:tcPr>
+                </a:tc>
+                <a:extLst>
+                  <a:ext uri="{0D108BD9-81ED-4DB2-BD59-A6C34878D82A}">
+                    <a16:rowId xmlns:a16="http://schemas.microsoft.com/office/drawing/2014/main" val="574389659"/>
+                  </a:ext>
+                </a:extLst>
+              </a:tr>
+            </a:tbl>
+          </a:graphicData>
+        </a:graphic>
+      </p:graphicFrame>
+    </p:spTree>
+    <p:extLst>
+      <p:ext uri="{BB962C8B-B14F-4D97-AF65-F5344CB8AC3E}">
+        <p14:creationId xmlns:p14="http://schemas.microsoft.com/office/powerpoint/2010/main" val="248530750"/>
       </p:ext>
     </p:extLst>
   </p:cSld>
@@ -16354,6 +19725,393 @@
 </p:sld>
 </file>
 
+<file path=ppt/slides/slide30.xml><?xml version="1.0" encoding="utf-8"?>
+<p:sld xmlns:a="http://schemas.openxmlformats.org/drawingml/2006/main" xmlns:r="http://schemas.openxmlformats.org/officeDocument/2006/relationships" xmlns:p="http://schemas.openxmlformats.org/presentationml/2006/main">
+  <p:cSld>
+    <p:bg>
+      <p:bgPr>
+        <a:solidFill>
+          <a:schemeClr val="tx1"/>
+        </a:solidFill>
+        <a:effectLst/>
+      </p:bgPr>
+    </p:bg>
+    <p:spTree>
+      <p:nvGrpSpPr>
+        <p:cNvPr id="1" name=""/>
+        <p:cNvGrpSpPr/>
+        <p:nvPr/>
+      </p:nvGrpSpPr>
+      <p:grpSpPr>
+        <a:xfrm>
+          <a:off x="0" y="0"/>
+          <a:ext cx="0" cy="0"/>
+          <a:chOff x="0" y="0"/>
+          <a:chExt cx="0" cy="0"/>
+        </a:xfrm>
+      </p:grpSpPr>
+      <p:sp>
+        <p:nvSpPr>
+          <p:cNvPr id="2" name="Title 1">
+            <a:extLst>
+              <a:ext uri="{FF2B5EF4-FFF2-40B4-BE49-F238E27FC236}">
+                <a16:creationId xmlns:a16="http://schemas.microsoft.com/office/drawing/2014/main" id="{FA98DF2D-4C21-45B7-8CEE-41E2C22A3166}"/>
+              </a:ext>
+            </a:extLst>
+          </p:cNvPr>
+          <p:cNvSpPr>
+            <a:spLocks noGrp="1"/>
+          </p:cNvSpPr>
+          <p:nvPr>
+            <p:ph type="title"/>
+          </p:nvPr>
+        </p:nvSpPr>
+        <p:spPr/>
+        <p:txBody>
+          <a:bodyPr>
+            <a:normAutofit/>
+          </a:bodyPr>
+          <a:lstStyle/>
+          <a:p>
+            <a:r>
+              <a:rPr lang="en-US" sz="3600" dirty="0">
+                <a:solidFill>
+                  <a:schemeClr val="bg1"/>
+                </a:solidFill>
+                <a:latin typeface="Gotham Bold" pitchFamily="50" charset="0"/>
+              </a:rPr>
+              <a:t>Mini Review – Coding questions</a:t>
+            </a:r>
+          </a:p>
+        </p:txBody>
+      </p:sp>
+      <p:sp>
+        <p:nvSpPr>
+          <p:cNvPr id="5" name="Content Placeholder 1">
+            <a:extLst>
+              <a:ext uri="{FF2B5EF4-FFF2-40B4-BE49-F238E27FC236}">
+                <a16:creationId xmlns:a16="http://schemas.microsoft.com/office/drawing/2014/main" id="{9069B1C4-5084-4E0D-9FA0-9C8B794FA1FE}"/>
+              </a:ext>
+            </a:extLst>
+          </p:cNvPr>
+          <p:cNvSpPr txBox="1">
+            <a:spLocks/>
+          </p:cNvSpPr>
+          <p:nvPr/>
+        </p:nvSpPr>
+        <p:spPr>
+          <a:xfrm>
+            <a:off x="940881" y="1690688"/>
+            <a:ext cx="10978592" cy="5057971"/>
+          </a:xfrm>
+          <a:prstGeom prst="rect">
+            <a:avLst/>
+          </a:prstGeom>
+        </p:spPr>
+        <p:txBody>
+          <a:bodyPr vert="horz" lIns="91440" tIns="45720" rIns="91440" bIns="45720" rtlCol="0" anchor="t"/>
+          <a:lstStyle>
+            <a:defPPr>
+              <a:defRPr lang="en-US"/>
+            </a:defPPr>
+            <a:lvl1pPr marL="0" algn="l" defTabSz="914400" rtl="0" eaLnBrk="1" latinLnBrk="0" hangingPunct="1">
+              <a:defRPr sz="1200" kern="1200">
+                <a:solidFill>
+                  <a:schemeClr val="tx1">
+                    <a:tint val="75000"/>
+                  </a:schemeClr>
+                </a:solidFill>
+                <a:latin typeface="+mn-lt"/>
+                <a:ea typeface="+mn-ea"/>
+                <a:cs typeface="+mn-cs"/>
+              </a:defRPr>
+            </a:lvl1pPr>
+            <a:lvl2pPr marL="457200" algn="l" defTabSz="914400" rtl="0" eaLnBrk="1" latinLnBrk="0" hangingPunct="1">
+              <a:defRPr sz="1800" kern="1200">
+                <a:solidFill>
+                  <a:schemeClr val="tx1"/>
+                </a:solidFill>
+                <a:latin typeface="+mn-lt"/>
+                <a:ea typeface="+mn-ea"/>
+                <a:cs typeface="+mn-cs"/>
+              </a:defRPr>
+            </a:lvl2pPr>
+            <a:lvl3pPr marL="914400" algn="l" defTabSz="914400" rtl="0" eaLnBrk="1" latinLnBrk="0" hangingPunct="1">
+              <a:defRPr sz="1800" kern="1200">
+                <a:solidFill>
+                  <a:schemeClr val="tx1"/>
+                </a:solidFill>
+                <a:latin typeface="+mn-lt"/>
+                <a:ea typeface="+mn-ea"/>
+                <a:cs typeface="+mn-cs"/>
+              </a:defRPr>
+            </a:lvl3pPr>
+            <a:lvl4pPr marL="1371600" algn="l" defTabSz="914400" rtl="0" eaLnBrk="1" latinLnBrk="0" hangingPunct="1">
+              <a:defRPr sz="1800" kern="1200">
+                <a:solidFill>
+                  <a:schemeClr val="tx1"/>
+                </a:solidFill>
+                <a:latin typeface="+mn-lt"/>
+                <a:ea typeface="+mn-ea"/>
+                <a:cs typeface="+mn-cs"/>
+              </a:defRPr>
+            </a:lvl4pPr>
+            <a:lvl5pPr marL="1828800" algn="l" defTabSz="914400" rtl="0" eaLnBrk="1" latinLnBrk="0" hangingPunct="1">
+              <a:defRPr sz="1800" kern="1200">
+                <a:solidFill>
+                  <a:schemeClr val="tx1"/>
+                </a:solidFill>
+                <a:latin typeface="+mn-lt"/>
+                <a:ea typeface="+mn-ea"/>
+                <a:cs typeface="+mn-cs"/>
+              </a:defRPr>
+            </a:lvl5pPr>
+            <a:lvl6pPr marL="2286000" algn="l" defTabSz="914400" rtl="0" eaLnBrk="1" latinLnBrk="0" hangingPunct="1">
+              <a:defRPr sz="1800" kern="1200">
+                <a:solidFill>
+                  <a:schemeClr val="tx1"/>
+                </a:solidFill>
+                <a:latin typeface="+mn-lt"/>
+                <a:ea typeface="+mn-ea"/>
+                <a:cs typeface="+mn-cs"/>
+              </a:defRPr>
+            </a:lvl6pPr>
+            <a:lvl7pPr marL="2743200" algn="l" defTabSz="914400" rtl="0" eaLnBrk="1" latinLnBrk="0" hangingPunct="1">
+              <a:defRPr sz="1800" kern="1200">
+                <a:solidFill>
+                  <a:schemeClr val="tx1"/>
+                </a:solidFill>
+                <a:latin typeface="+mn-lt"/>
+                <a:ea typeface="+mn-ea"/>
+                <a:cs typeface="+mn-cs"/>
+              </a:defRPr>
+            </a:lvl7pPr>
+            <a:lvl8pPr marL="3200400" algn="l" defTabSz="914400" rtl="0" eaLnBrk="1" latinLnBrk="0" hangingPunct="1">
+              <a:defRPr sz="1800" kern="1200">
+                <a:solidFill>
+                  <a:schemeClr val="tx1"/>
+                </a:solidFill>
+                <a:latin typeface="+mn-lt"/>
+                <a:ea typeface="+mn-ea"/>
+                <a:cs typeface="+mn-cs"/>
+              </a:defRPr>
+            </a:lvl8pPr>
+            <a:lvl9pPr marL="3657600" algn="l" defTabSz="914400" rtl="0" eaLnBrk="1" latinLnBrk="0" hangingPunct="1">
+              <a:defRPr sz="1800" kern="1200">
+                <a:solidFill>
+                  <a:schemeClr val="tx1"/>
+                </a:solidFill>
+                <a:latin typeface="+mn-lt"/>
+                <a:ea typeface="+mn-ea"/>
+                <a:cs typeface="+mn-cs"/>
+              </a:defRPr>
+            </a:lvl9pPr>
+          </a:lstStyle>
+          <a:p>
+            <a:pPr marL="285750" indent="-285750">
+              <a:buFont typeface="Arial" panose="020B0604020202020204" pitchFamily="34" charset="0"/>
+              <a:buChar char="•"/>
+            </a:pPr>
+            <a:r>
+              <a:rPr lang="en-US" sz="1600" dirty="0">
+                <a:solidFill>
+                  <a:srgbClr val="0081E2"/>
+                </a:solidFill>
+                <a:latin typeface="Consolas" panose="020B0609020204030204" pitchFamily="49" charset="0"/>
+              </a:rPr>
+              <a:t>Check whether a string is a Palindrome using a Stack.</a:t>
+            </a:r>
+          </a:p>
+          <a:p>
+            <a:pPr marL="285750" indent="-285750">
+              <a:buFont typeface="Arial" panose="020B0604020202020204" pitchFamily="34" charset="0"/>
+              <a:buChar char="•"/>
+            </a:pPr>
+            <a:endParaRPr lang="en-US" sz="1600" dirty="0">
+              <a:solidFill>
+                <a:srgbClr val="0081E2"/>
+              </a:solidFill>
+              <a:latin typeface="Consolas" panose="020B0609020204030204" pitchFamily="49" charset="0"/>
+            </a:endParaRPr>
+          </a:p>
+          <a:p>
+            <a:pPr marL="285750" indent="-285750">
+              <a:buFont typeface="Arial" panose="020B0604020202020204" pitchFamily="34" charset="0"/>
+              <a:buChar char="•"/>
+            </a:pPr>
+            <a:r>
+              <a:rPr lang="en-US" sz="1600" dirty="0">
+                <a:solidFill>
+                  <a:srgbClr val="0081E2"/>
+                </a:solidFill>
+                <a:latin typeface="Consolas" panose="020B0609020204030204" pitchFamily="49" charset="0"/>
+              </a:rPr>
+              <a:t>Write pseudocode for adding an element in the rear in a doubly linked list consisting of a head and tail.</a:t>
+            </a:r>
+          </a:p>
+          <a:p>
+            <a:pPr marL="285750" indent="-285750">
+              <a:buFont typeface="Arial" panose="020B0604020202020204" pitchFamily="34" charset="0"/>
+              <a:buChar char="•"/>
+            </a:pPr>
+            <a:endParaRPr lang="en-US" sz="1600" dirty="0">
+              <a:solidFill>
+                <a:srgbClr val="0081E2"/>
+              </a:solidFill>
+              <a:latin typeface="Consolas" panose="020B0609020204030204" pitchFamily="49" charset="0"/>
+            </a:endParaRPr>
+          </a:p>
+          <a:p>
+            <a:pPr marL="285750" indent="-285750">
+              <a:buFont typeface="Arial" panose="020B0604020202020204" pitchFamily="34" charset="0"/>
+              <a:buChar char="•"/>
+            </a:pPr>
+            <a:r>
+              <a:rPr lang="en-US" sz="1600" dirty="0">
+                <a:solidFill>
+                  <a:srgbClr val="0081E2"/>
+                </a:solidFill>
+                <a:latin typeface="Consolas" panose="020B0609020204030204" pitchFamily="49" charset="0"/>
+              </a:rPr>
+              <a:t>Write pseudocode or C++ code to pop an element from a Circular Queue implemented as an array.</a:t>
+            </a:r>
+          </a:p>
+          <a:p>
+            <a:pPr marL="285750" indent="-285750">
+              <a:buFont typeface="Arial" panose="020B0604020202020204" pitchFamily="34" charset="0"/>
+              <a:buChar char="•"/>
+            </a:pPr>
+            <a:endParaRPr lang="en-US" sz="1600" dirty="0">
+              <a:solidFill>
+                <a:srgbClr val="0081E2"/>
+              </a:solidFill>
+              <a:latin typeface="Consolas" panose="020B0609020204030204" pitchFamily="49" charset="0"/>
+            </a:endParaRPr>
+          </a:p>
+          <a:p>
+            <a:pPr marL="285750" indent="-285750">
+              <a:buFont typeface="Arial" panose="020B0604020202020204" pitchFamily="34" charset="0"/>
+              <a:buChar char="•"/>
+            </a:pPr>
+            <a:r>
+              <a:rPr lang="en-US" sz="1600" dirty="0">
+                <a:solidFill>
+                  <a:srgbClr val="0081E2"/>
+                </a:solidFill>
+                <a:latin typeface="Consolas" panose="020B0609020204030204" pitchFamily="49" charset="0"/>
+              </a:rPr>
+              <a:t>Design a Stack data structure that supports push, pop and min operations in O(1) time.</a:t>
+            </a:r>
+          </a:p>
+          <a:p>
+            <a:endParaRPr lang="en-US" sz="1600" dirty="0">
+              <a:solidFill>
+                <a:srgbClr val="0081E2"/>
+              </a:solidFill>
+              <a:latin typeface="Consolas" panose="020B0609020204030204" pitchFamily="49" charset="0"/>
+            </a:endParaRPr>
+          </a:p>
+          <a:p>
+            <a:endParaRPr lang="en-US" sz="1600" dirty="0">
+              <a:solidFill>
+                <a:srgbClr val="0081E2"/>
+              </a:solidFill>
+              <a:latin typeface="Consolas" panose="020B0609020204030204" pitchFamily="49" charset="0"/>
+            </a:endParaRPr>
+          </a:p>
+        </p:txBody>
+      </p:sp>
+    </p:spTree>
+    <p:extLst>
+      <p:ext uri="{BB962C8B-B14F-4D97-AF65-F5344CB8AC3E}">
+        <p14:creationId xmlns:p14="http://schemas.microsoft.com/office/powerpoint/2010/main" val="615151376"/>
+      </p:ext>
+    </p:extLst>
+  </p:cSld>
+  <p:clrMapOvr>
+    <a:masterClrMapping/>
+  </p:clrMapOvr>
+</p:sld>
+</file>
+
+<file path=ppt/slides/slide31.xml><?xml version="1.0" encoding="utf-8"?>
+<p:sld xmlns:a="http://schemas.openxmlformats.org/drawingml/2006/main" xmlns:r="http://schemas.openxmlformats.org/officeDocument/2006/relationships" xmlns:p="http://schemas.openxmlformats.org/presentationml/2006/main">
+  <p:cSld>
+    <p:bg>
+      <p:bgPr>
+        <a:solidFill>
+          <a:schemeClr val="tx1"/>
+        </a:solidFill>
+        <a:effectLst/>
+      </p:bgPr>
+    </p:bg>
+    <p:spTree>
+      <p:nvGrpSpPr>
+        <p:cNvPr id="1" name=""/>
+        <p:cNvGrpSpPr/>
+        <p:nvPr/>
+      </p:nvGrpSpPr>
+      <p:grpSpPr>
+        <a:xfrm>
+          <a:off x="0" y="0"/>
+          <a:ext cx="0" cy="0"/>
+          <a:chOff x="0" y="0"/>
+          <a:chExt cx="0" cy="0"/>
+        </a:xfrm>
+      </p:grpSpPr>
+      <p:sp>
+        <p:nvSpPr>
+          <p:cNvPr id="2" name="Title 1">
+            <a:extLst>
+              <a:ext uri="{FF2B5EF4-FFF2-40B4-BE49-F238E27FC236}">
+                <a16:creationId xmlns:a16="http://schemas.microsoft.com/office/drawing/2014/main" id="{FA98DF2D-4C21-45B7-8CEE-41E2C22A3166}"/>
+              </a:ext>
+            </a:extLst>
+          </p:cNvPr>
+          <p:cNvSpPr>
+            <a:spLocks noGrp="1"/>
+          </p:cNvSpPr>
+          <p:nvPr>
+            <p:ph type="title"/>
+          </p:nvPr>
+        </p:nvSpPr>
+        <p:spPr>
+          <a:xfrm>
+            <a:off x="4696767" y="2555666"/>
+            <a:ext cx="3562978" cy="1325563"/>
+          </a:xfrm>
+        </p:spPr>
+        <p:txBody>
+          <a:bodyPr>
+            <a:normAutofit/>
+          </a:bodyPr>
+          <a:lstStyle/>
+          <a:p>
+            <a:r>
+              <a:rPr lang="en-US" dirty="0">
+                <a:solidFill>
+                  <a:schemeClr val="bg1"/>
+                </a:solidFill>
+                <a:latin typeface="Gotham Bold" pitchFamily="50" charset="0"/>
+              </a:rPr>
+              <a:t>Questions</a:t>
+            </a:r>
+          </a:p>
+        </p:txBody>
+      </p:sp>
+    </p:spTree>
+    <p:extLst>
+      <p:ext uri="{BB962C8B-B14F-4D97-AF65-F5344CB8AC3E}">
+        <p14:creationId xmlns:p14="http://schemas.microsoft.com/office/powerpoint/2010/main" val="2082642540"/>
+      </p:ext>
+    </p:extLst>
+  </p:cSld>
+  <p:clrMapOvr>
+    <a:masterClrMapping/>
+  </p:clrMapOvr>
+</p:sld>
+</file>
+
 <file path=ppt/slides/slide4.xml><?xml version="1.0" encoding="utf-8"?>
 <p:sld xmlns:a="http://schemas.openxmlformats.org/drawingml/2006/main" xmlns:r="http://schemas.openxmlformats.org/officeDocument/2006/relationships" xmlns:p="http://schemas.openxmlformats.org/presentationml/2006/main">
   <p:cSld>
@@ -16564,7 +20322,7 @@
                 <a:ea typeface="+mn-ea"/>
                 <a:cs typeface="+mn-cs"/>
               </a:rPr>
-              <a:t>Jun 21, 2 pm - 10 pm</a:t>
+              <a:t>March 1, 6-10 pm EST </a:t>
             </a:r>
             <a:endParaRPr kumimoji="0" lang="en-US" sz="2400" b="0" i="0" u="none" strike="noStrike" kern="1200" cap="none" spc="0" normalizeH="0" baseline="0" noProof="0" dirty="0">
               <a:ln>
@@ -16605,7 +20363,7 @@
                 <a:ea typeface="+mn-ea"/>
                 <a:cs typeface="+mn-cs"/>
               </a:rPr>
-              <a:t>The exam will be over Honorlock and you are allowed one double sided handwritten sheet of notes. The exam duration is 2 hours. </a:t>
+              <a:t>The exam will be over Honorlock, and you are allowed one double sided handwritten sheet of notes. The exam duration is 2 hours. </a:t>
             </a:r>
           </a:p>
           <a:p>
@@ -16623,7 +20381,7 @@
                   <a:noFill/>
                 </a:ln>
                 <a:solidFill>
-                  <a:srgbClr val="0081E2"/>
+                  <a:srgbClr val="EB6E19"/>
                 </a:solidFill>
                 <a:effectLst/>
                 <a:uLnTx/>
@@ -16632,7 +20390,7 @@
                 <a:ea typeface="+mn-ea"/>
                 <a:cs typeface="+mn-cs"/>
               </a:rPr>
-              <a:t>If you are a student in campus or hybrid sections, you must take the exam between 2 pm - 10 pm EST on March 1 (this Wednesday). This means you must </a:t>
+              <a:t>Start</a:t>
             </a:r>
             <a:r>
               <a:rPr kumimoji="0" lang="en-US" b="0" i="0" u="none" strike="noStrike" kern="1200" cap="none" spc="0" normalizeH="0" baseline="0" noProof="0" dirty="0">
@@ -16640,7 +20398,7 @@
                   <a:noFill/>
                 </a:ln>
                 <a:solidFill>
-                  <a:srgbClr val="EB6E19"/>
+                  <a:srgbClr val="0081E2"/>
                 </a:solidFill>
                 <a:effectLst/>
                 <a:uLnTx/>
@@ -16649,7 +20407,24 @@
                 <a:ea typeface="+mn-ea"/>
                 <a:cs typeface="+mn-cs"/>
               </a:rPr>
-              <a:t>start by 8 pm EST or else you will lose time</a:t>
+              <a:t> </a:t>
+            </a:r>
+            <a:r>
+              <a:rPr kumimoji="0" lang="en-US" b="0" i="0" u="none" strike="noStrike" kern="1200" cap="none" spc="0" normalizeH="0" baseline="0" noProof="0" dirty="0">
+                <a:ln>
+                  <a:noFill/>
+                </a:ln>
+                <a:solidFill>
+                  <a:srgbClr val="EB6E19"/>
+                </a:solidFill>
+                <a:effectLst/>
+                <a:uLnTx/>
+                <a:uFillTx/>
+                <a:latin typeface="Gotham Bold" pitchFamily="50" charset="0"/>
+                <a:ea typeface="+mn-ea"/>
+                <a:cs typeface="+mn-cs"/>
+              </a:rPr>
+              <a:t>by 8 pm EST or else you will lose time</a:t>
             </a:r>
             <a:r>
               <a:rPr kumimoji="0" lang="en-US" b="0" i="0" u="none" strike="noStrike" kern="1200" cap="none" spc="0" normalizeH="0" baseline="0" noProof="0" dirty="0">
@@ -16693,7 +20468,7 @@
                 <a:ea typeface="+mn-ea"/>
                 <a:cs typeface="+mn-cs"/>
               </a:rPr>
-              <a:t>If you are a student in the UF Online program (UFOL/UDER section), you can take the exam between Jun 21-Jun 25 anytime.</a:t>
+              <a:t>If you are a student in the UF Online program (UFOL/UDER section), you can take the exam between Mar 1-Mar 3 anytime.</a:t>
             </a:r>
           </a:p>
         </p:txBody>
@@ -17123,17 +20898,17 @@
                 </a:solidFill>
                 <a:latin typeface="Gotham Bold" pitchFamily="50" charset="0"/>
               </a:rPr>
-              <a:t>Mini Review – Complexity</a:t>
-            </a:r>
-          </a:p>
-        </p:txBody>
-      </p:sp>
-      <p:sp>
-        <p:nvSpPr>
-          <p:cNvPr id="4" name="TextBox 3">
+              <a:t>Exam 1 Topics and Expectations</a:t>
+            </a:r>
+          </a:p>
+        </p:txBody>
+      </p:sp>
+      <p:sp>
+        <p:nvSpPr>
+          <p:cNvPr id="3" name="TextBox 2">
             <a:extLst>
               <a:ext uri="{FF2B5EF4-FFF2-40B4-BE49-F238E27FC236}">
-                <a16:creationId xmlns:a16="http://schemas.microsoft.com/office/drawing/2014/main" id="{A70E6009-18FB-490F-970D-3C9B83737A5E}"/>
+                <a16:creationId xmlns:a16="http://schemas.microsoft.com/office/drawing/2014/main" id="{B5234676-5716-4491-96D9-87EEE8E8C7E6}"/>
               </a:ext>
             </a:extLst>
           </p:cNvPr>
@@ -17142,8 +20917,8 @@
         </p:nvSpPr>
         <p:spPr>
           <a:xfrm>
-            <a:off x="1039618" y="1828743"/>
-            <a:ext cx="8422881" cy="1323439"/>
+            <a:off x="1020846" y="1690688"/>
+            <a:ext cx="10686823" cy="1569660"/>
           </a:xfrm>
           <a:prstGeom prst="rect">
             <a:avLst/>
@@ -17156,44 +20931,98 @@
           </a:bodyPr>
           <a:lstStyle/>
           <a:p>
-            <a:r>
-              <a:rPr lang="en-US" sz="2000" dirty="0">
+            <a:pPr lvl="0"/>
+            <a:r>
+              <a:rPr lang="en-US" sz="1600" dirty="0">
+                <a:solidFill>
+                  <a:srgbClr val="EB6E19"/>
+                </a:solidFill>
+                <a:latin typeface="Consolas" panose="020B0609020204030204" pitchFamily="49" charset="0"/>
+              </a:rPr>
+              <a:t>Sorting</a:t>
+            </a:r>
+          </a:p>
+          <a:p>
+            <a:pPr marL="285750" lvl="0" indent="-285750">
+              <a:buFont typeface="Arial" panose="020B0604020202020204" pitchFamily="34" charset="0"/>
+              <a:buChar char="•"/>
+            </a:pPr>
+            <a:r>
+              <a:rPr lang="en-US" sz="1600" dirty="0">
                 <a:solidFill>
                   <a:srgbClr val="0081E2"/>
                 </a:solidFill>
                 <a:latin typeface="Consolas" panose="020B0609020204030204" pitchFamily="49" charset="0"/>
               </a:rPr>
-              <a:t>What is the computational complexity of adding an item to a stack in the worst case in terms of Big O notation?</a:t>
-            </a:r>
-            <a:endParaRPr lang="en-US" sz="2000" dirty="0">
-              <a:solidFill>
-                <a:srgbClr val="EB6E19"/>
-              </a:solidFill>
-              <a:latin typeface="Consolas" panose="020B0609020204030204" pitchFamily="49" charset="0"/>
-            </a:endParaRPr>
-          </a:p>
-          <a:p>
-            <a:endParaRPr lang="en-US" sz="2000" dirty="0">
-              <a:solidFill>
-                <a:srgbClr val="EB6E19"/>
-              </a:solidFill>
-              <a:latin typeface="Consolas" panose="020B0609020204030204" pitchFamily="49" charset="0"/>
-            </a:endParaRPr>
-          </a:p>
-          <a:p>
-            <a:endParaRPr lang="en-US" sz="2000" dirty="0">
-              <a:solidFill>
-                <a:srgbClr val="EB6E19"/>
-              </a:solidFill>
-              <a:latin typeface="Consolas" panose="020B0609020204030204" pitchFamily="49" charset="0"/>
-            </a:endParaRPr>
+              <a:t>Seven sorting algorithms: Selection, Insertion, Shell, Quick, Merge, Heap and Bubble</a:t>
+            </a:r>
+          </a:p>
+          <a:p>
+            <a:pPr marL="285750" lvl="0" indent="-285750">
+              <a:buFont typeface="Arial" panose="020B0604020202020204" pitchFamily="34" charset="0"/>
+              <a:buChar char="•"/>
+            </a:pPr>
+            <a:r>
+              <a:rPr lang="en-US" sz="1600" dirty="0">
+                <a:solidFill>
+                  <a:srgbClr val="0081E2"/>
+                </a:solidFill>
+                <a:latin typeface="Consolas" panose="020B0609020204030204" pitchFamily="49" charset="0"/>
+              </a:rPr>
+              <a:t>General ideas, Sorting steps, and Algorithmic Complexity</a:t>
+            </a:r>
+          </a:p>
+          <a:p>
+            <a:pPr marL="285750" lvl="0" indent="-285750">
+              <a:buFont typeface="Arial" panose="020B0604020202020204" pitchFamily="34" charset="0"/>
+              <a:buChar char="•"/>
+            </a:pPr>
+            <a:r>
+              <a:rPr lang="en-US" sz="1600" dirty="0">
+                <a:solidFill>
+                  <a:srgbClr val="0081E2"/>
+                </a:solidFill>
+                <a:latin typeface="Consolas" panose="020B0609020204030204" pitchFamily="49" charset="0"/>
+              </a:rPr>
+              <a:t>Recognize a sort under execution</a:t>
+            </a:r>
+          </a:p>
+          <a:p>
+            <a:pPr marL="285750" lvl="0" indent="-285750">
+              <a:buFont typeface="Arial" panose="020B0604020202020204" pitchFamily="34" charset="0"/>
+              <a:buChar char="•"/>
+            </a:pPr>
+            <a:r>
+              <a:rPr lang="en-US" sz="1600" dirty="0">
+                <a:solidFill>
+                  <a:srgbClr val="0081E2"/>
+                </a:solidFill>
+                <a:latin typeface="Consolas" panose="020B0609020204030204" pitchFamily="49" charset="0"/>
+              </a:rPr>
+              <a:t>Algorithmic Complexity</a:t>
+            </a:r>
+          </a:p>
+          <a:p>
+            <a:pPr marL="285750" lvl="0" indent="-285750">
+              <a:buFont typeface="Arial" panose="020B0604020202020204" pitchFamily="34" charset="0"/>
+              <a:buChar char="•"/>
+            </a:pPr>
+            <a:r>
+              <a:rPr lang="en-US" sz="1600" dirty="0">
+                <a:solidFill>
+                  <a:srgbClr val="0081E2"/>
+                </a:solidFill>
+                <a:latin typeface="Consolas" panose="020B0609020204030204" pitchFamily="49" charset="0"/>
+              </a:rPr>
+              <a:t>No Pseudocodes</a:t>
+            </a:r>
           </a:p>
         </p:txBody>
       </p:sp>
     </p:spTree>
     <p:extLst>
       <p:ext uri="{BB962C8B-B14F-4D97-AF65-F5344CB8AC3E}">
-        <p14:creationId xmlns:p14="http://schemas.microsoft.com/office/powerpoint/2010/main" val="211684098"/>
+        <p14:creationId xmlns:p14="http://schemas.microsoft.com/office/powerpoint/2010/main" val="726904329"/>
       </p:ext>
     </p:extLst>
   </p:cSld>
@@ -17278,7 +21107,7 @@
         <p:spPr>
           <a:xfrm>
             <a:off x="1039618" y="1828743"/>
-            <a:ext cx="8422881" cy="1631216"/>
+            <a:ext cx="8422881" cy="1323439"/>
           </a:xfrm>
           <a:prstGeom prst="rect">
             <a:avLst/>
@@ -17323,23 +21152,12 @@
               <a:latin typeface="Consolas" panose="020B0609020204030204" pitchFamily="49" charset="0"/>
             </a:endParaRPr>
           </a:p>
-          <a:p>
-            <a:r>
-              <a:rPr lang="en-US" sz="2000" dirty="0">
-                <a:solidFill>
-                  <a:srgbClr val="00DA63"/>
-                </a:solidFill>
-                <a:latin typeface="Consolas" panose="020B0609020204030204" pitchFamily="49" charset="0"/>
-              </a:rPr>
-              <a:t>Answer: O(1)</a:t>
-            </a:r>
-          </a:p>
         </p:txBody>
       </p:sp>
     </p:spTree>
     <p:extLst>
       <p:ext uri="{BB962C8B-B14F-4D97-AF65-F5344CB8AC3E}">
-        <p14:creationId xmlns:p14="http://schemas.microsoft.com/office/powerpoint/2010/main" val="4094376154"/>
+        <p14:creationId xmlns:p14="http://schemas.microsoft.com/office/powerpoint/2010/main" val="211684098"/>
       </p:ext>
     </p:extLst>
   </p:cSld>
@@ -17424,7 +21242,7 @@
         <p:spPr>
           <a:xfrm>
             <a:off x="1039618" y="1828743"/>
-            <a:ext cx="9635971" cy="1938992"/>
+            <a:ext cx="8422881" cy="1631216"/>
           </a:xfrm>
           <a:prstGeom prst="rect">
             <a:avLst/>
@@ -17432,7 +21250,7 @@
           <a:noFill/>
         </p:spPr>
         <p:txBody>
-          <a:bodyPr wrap="none" rtlCol="0">
+          <a:bodyPr wrap="square" rtlCol="0">
             <a:spAutoFit/>
           </a:bodyPr>
           <a:lstStyle/>
@@ -17444,10 +21262,8 @@
                 </a:solidFill>
                 <a:latin typeface="Consolas" panose="020B0609020204030204" pitchFamily="49" charset="0"/>
               </a:rPr>
-              <a:t>What is the computational complexity of the following code snippet?</a:t>
-            </a:r>
-          </a:p>
-          <a:p>
+              <a:t>What is the computational complexity of adding an item to a stack in the worst case in terms of Big O notation?</a:t>
+            </a:r>
             <a:endParaRPr lang="en-US" sz="2000" dirty="0">
               <a:solidFill>
                 <a:srgbClr val="EB6E19"/>
@@ -17456,92 +21272,30 @@
             </a:endParaRPr>
           </a:p>
           <a:p>
-            <a:r>
-              <a:rPr lang="en-US" sz="2000" dirty="0" err="1">
-                <a:solidFill>
-                  <a:srgbClr val="EB6E19"/>
+            <a:endParaRPr lang="en-US" sz="2000" dirty="0">
+              <a:solidFill>
+                <a:srgbClr val="EB6E19"/>
+              </a:solidFill>
+              <a:latin typeface="Consolas" panose="020B0609020204030204" pitchFamily="49" charset="0"/>
+            </a:endParaRPr>
+          </a:p>
+          <a:p>
+            <a:endParaRPr lang="en-US" sz="2000" dirty="0">
+              <a:solidFill>
+                <a:srgbClr val="EB6E19"/>
+              </a:solidFill>
+              <a:latin typeface="Consolas" panose="020B0609020204030204" pitchFamily="49" charset="0"/>
+            </a:endParaRPr>
+          </a:p>
+          <a:p>
+            <a:r>
+              <a:rPr lang="en-US" sz="2000" dirty="0">
+                <a:solidFill>
+                  <a:srgbClr val="00DA63"/>
                 </a:solidFill>
                 <a:latin typeface="Consolas" panose="020B0609020204030204" pitchFamily="49" charset="0"/>
               </a:rPr>
-              <a:t>int</a:t>
-            </a:r>
-            <a:r>
-              <a:rPr lang="en-US" sz="2000" dirty="0">
-                <a:solidFill>
-                  <a:srgbClr val="EB6E19"/>
-                </a:solidFill>
-                <a:latin typeface="Consolas" panose="020B0609020204030204" pitchFamily="49" charset="0"/>
-              </a:rPr>
-              <a:t> k;</a:t>
-            </a:r>
-          </a:p>
-          <a:p>
-            <a:r>
-              <a:rPr lang="en-US" sz="2000" dirty="0">
-                <a:solidFill>
-                  <a:srgbClr val="EB6E19"/>
-                </a:solidFill>
-                <a:latin typeface="Consolas" panose="020B0609020204030204" pitchFamily="49" charset="0"/>
-              </a:rPr>
-              <a:t>for (int i=1; i &lt; n; i++)</a:t>
-            </a:r>
-          </a:p>
-          <a:p>
-            <a:r>
-              <a:rPr lang="en-US" sz="2000" dirty="0">
-                <a:solidFill>
-                  <a:srgbClr val="EB6E19"/>
-                </a:solidFill>
-                <a:latin typeface="Consolas" panose="020B0609020204030204" pitchFamily="49" charset="0"/>
-              </a:rPr>
-              <a:t>	for (</a:t>
-            </a:r>
-            <a:r>
-              <a:rPr lang="en-US" sz="2000" dirty="0" err="1">
-                <a:solidFill>
-                  <a:srgbClr val="EB6E19"/>
-                </a:solidFill>
-                <a:latin typeface="Consolas" panose="020B0609020204030204" pitchFamily="49" charset="0"/>
-              </a:rPr>
-              <a:t>int</a:t>
-            </a:r>
-            <a:r>
-              <a:rPr lang="en-US" sz="2000" dirty="0">
-                <a:solidFill>
-                  <a:srgbClr val="EB6E19"/>
-                </a:solidFill>
-                <a:latin typeface="Consolas" panose="020B0609020204030204" pitchFamily="49" charset="0"/>
-              </a:rPr>
-              <a:t> j=n; j&gt;1; j=j/2)</a:t>
-            </a:r>
-          </a:p>
-          <a:p>
-            <a:r>
-              <a:rPr lang="en-US" sz="2000" dirty="0">
-                <a:solidFill>
-                  <a:srgbClr val="EB6E19"/>
-                </a:solidFill>
-                <a:latin typeface="Consolas" panose="020B0609020204030204" pitchFamily="49" charset="0"/>
-              </a:rPr>
-              <a:t>		k = </a:t>
-            </a:r>
-            <a:r>
-              <a:rPr lang="en-US" sz="2000" dirty="0" err="1">
-                <a:solidFill>
-                  <a:srgbClr val="EB6E19"/>
-                </a:solidFill>
-                <a:latin typeface="Consolas" panose="020B0609020204030204" pitchFamily="49" charset="0"/>
-              </a:rPr>
-              <a:t>i</a:t>
-            </a:r>
-            <a:r>
-              <a:rPr lang="en-US" sz="2000" dirty="0">
-                <a:solidFill>
-                  <a:srgbClr val="EB6E19"/>
-                </a:solidFill>
-                <a:latin typeface="Consolas" panose="020B0609020204030204" pitchFamily="49" charset="0"/>
-              </a:rPr>
-              <a:t>*j;</a:t>
+              <a:t>Answer: O(1)</a:t>
             </a:r>
           </a:p>
         </p:txBody>
@@ -17549,7 +21303,7 @@
     </p:spTree>
     <p:extLst>
       <p:ext uri="{BB962C8B-B14F-4D97-AF65-F5344CB8AC3E}">
-        <p14:creationId xmlns:p14="http://schemas.microsoft.com/office/powerpoint/2010/main" val="228209108"/>
+        <p14:creationId xmlns:p14="http://schemas.microsoft.com/office/powerpoint/2010/main" val="4094376154"/>
       </p:ext>
     </p:extLst>
   </p:cSld>
@@ -17634,7 +21388,7 @@
         <p:spPr>
           <a:xfrm>
             <a:off x="1039618" y="1828743"/>
-            <a:ext cx="9635971" cy="3170099"/>
+            <a:ext cx="9635971" cy="1938992"/>
           </a:xfrm>
           <a:prstGeom prst="rect">
             <a:avLst/>
@@ -17733,60 +21487,25 @@
                 </a:solidFill>
                 <a:latin typeface="Consolas" panose="020B0609020204030204" pitchFamily="49" charset="0"/>
               </a:rPr>
-              <a:t>		k = i*j;</a:t>
-            </a:r>
-          </a:p>
-          <a:p>
-            <a:endParaRPr lang="en-US" sz="2000" dirty="0">
-              <a:solidFill>
-                <a:srgbClr val="EB6E19"/>
-              </a:solidFill>
-              <a:latin typeface="Consolas" panose="020B0609020204030204" pitchFamily="49" charset="0"/>
-            </a:endParaRPr>
-          </a:p>
-          <a:p>
-            <a:endParaRPr lang="en-US" sz="2000" dirty="0">
-              <a:solidFill>
-                <a:srgbClr val="EB6E19"/>
-              </a:solidFill>
-              <a:latin typeface="Consolas" panose="020B0609020204030204" pitchFamily="49" charset="0"/>
-            </a:endParaRPr>
-          </a:p>
-          <a:p>
-            <a:endParaRPr lang="en-US" sz="2000" dirty="0">
-              <a:solidFill>
-                <a:srgbClr val="EB6E19"/>
-              </a:solidFill>
-              <a:latin typeface="Consolas" panose="020B0609020204030204" pitchFamily="49" charset="0"/>
-            </a:endParaRPr>
-          </a:p>
-          <a:p>
+              <a:t>		k = </a:t>
+            </a:r>
+            <a:r>
+              <a:rPr lang="en-US" sz="2000" dirty="0" err="1">
+                <a:solidFill>
+                  <a:srgbClr val="EB6E19"/>
+                </a:solidFill>
+                <a:latin typeface="Consolas" panose="020B0609020204030204" pitchFamily="49" charset="0"/>
+              </a:rPr>
+              <a:t>i</a:t>
+            </a:r>
             <a:r>
               <a:rPr lang="en-US" sz="2000" dirty="0">
                 <a:solidFill>
-                  <a:srgbClr val="00DA63"/>
+                  <a:srgbClr val="EB6E19"/>
                 </a:solidFill>
                 <a:latin typeface="Consolas" panose="020B0609020204030204" pitchFamily="49" charset="0"/>
               </a:rPr>
-              <a:t>Answer: O(n log</a:t>
-            </a:r>
-            <a:r>
-              <a:rPr lang="en-US" sz="2000" baseline="-25000" dirty="0">
-                <a:solidFill>
-                  <a:srgbClr val="00DA63"/>
-                </a:solidFill>
-                <a:latin typeface="Consolas" panose="020B0609020204030204" pitchFamily="49" charset="0"/>
-              </a:rPr>
-              <a:t>2</a:t>
-            </a:r>
-            <a:r>
-              <a:rPr lang="en-US" sz="2000" dirty="0">
-                <a:solidFill>
-                  <a:srgbClr val="00DA63"/>
-                </a:solidFill>
-                <a:latin typeface="Consolas" panose="020B0609020204030204" pitchFamily="49" charset="0"/>
-              </a:rPr>
-              <a:t> n)</a:t>
+              <a:t>*j;</a:t>
             </a:r>
           </a:p>
         </p:txBody>
@@ -17794,7 +21513,7 @@
     </p:spTree>
     <p:extLst>
       <p:ext uri="{BB962C8B-B14F-4D97-AF65-F5344CB8AC3E}">
-        <p14:creationId xmlns:p14="http://schemas.microsoft.com/office/powerpoint/2010/main" val="2941247419"/>
+        <p14:creationId xmlns:p14="http://schemas.microsoft.com/office/powerpoint/2010/main" val="228209108"/>
       </p:ext>
     </p:extLst>
   </p:cSld>

--- a/Slides/Slides-PPT/Exam 1 - Review A.pptx
+++ b/Slides/Slides-PPT/Exam 1 - Review A.pptx
@@ -6,7 +6,7 @@
     <p:sldMasterId id="2147483672" r:id="rId2"/>
   </p:sldMasterIdLst>
   <p:notesMasterIdLst>
-    <p:notesMasterId r:id="rId34"/>
+    <p:notesMasterId r:id="rId33"/>
   </p:notesMasterIdLst>
   <p:sldIdLst>
     <p:sldId id="268" r:id="rId3"/>
@@ -14,32 +14,31 @@
     <p:sldId id="377" r:id="rId5"/>
     <p:sldId id="493" r:id="rId6"/>
     <p:sldId id="406" r:id="rId7"/>
-    <p:sldId id="683" r:id="rId8"/>
-    <p:sldId id="504" r:id="rId9"/>
-    <p:sldId id="505" r:id="rId10"/>
-    <p:sldId id="480" r:id="rId11"/>
-    <p:sldId id="494" r:id="rId12"/>
-    <p:sldId id="496" r:id="rId13"/>
-    <p:sldId id="497" r:id="rId14"/>
-    <p:sldId id="498" r:id="rId15"/>
-    <p:sldId id="499" r:id="rId16"/>
-    <p:sldId id="500" r:id="rId17"/>
-    <p:sldId id="501" r:id="rId18"/>
-    <p:sldId id="502" r:id="rId19"/>
-    <p:sldId id="506" r:id="rId20"/>
-    <p:sldId id="507" r:id="rId21"/>
-    <p:sldId id="508" r:id="rId22"/>
-    <p:sldId id="681" r:id="rId23"/>
-    <p:sldId id="682" r:id="rId24"/>
-    <p:sldId id="485" r:id="rId25"/>
-    <p:sldId id="487" r:id="rId26"/>
-    <p:sldId id="509" r:id="rId27"/>
-    <p:sldId id="684" r:id="rId28"/>
-    <p:sldId id="686" r:id="rId29"/>
-    <p:sldId id="685" r:id="rId30"/>
-    <p:sldId id="687" r:id="rId31"/>
-    <p:sldId id="486" r:id="rId32"/>
-    <p:sldId id="394" r:id="rId33"/>
+    <p:sldId id="504" r:id="rId8"/>
+    <p:sldId id="505" r:id="rId9"/>
+    <p:sldId id="480" r:id="rId10"/>
+    <p:sldId id="494" r:id="rId11"/>
+    <p:sldId id="496" r:id="rId12"/>
+    <p:sldId id="497" r:id="rId13"/>
+    <p:sldId id="498" r:id="rId14"/>
+    <p:sldId id="499" r:id="rId15"/>
+    <p:sldId id="500" r:id="rId16"/>
+    <p:sldId id="501" r:id="rId17"/>
+    <p:sldId id="502" r:id="rId18"/>
+    <p:sldId id="506" r:id="rId19"/>
+    <p:sldId id="507" r:id="rId20"/>
+    <p:sldId id="508" r:id="rId21"/>
+    <p:sldId id="681" r:id="rId22"/>
+    <p:sldId id="682" r:id="rId23"/>
+    <p:sldId id="485" r:id="rId24"/>
+    <p:sldId id="487" r:id="rId25"/>
+    <p:sldId id="509" r:id="rId26"/>
+    <p:sldId id="684" r:id="rId27"/>
+    <p:sldId id="686" r:id="rId28"/>
+    <p:sldId id="685" r:id="rId29"/>
+    <p:sldId id="687" r:id="rId30"/>
+    <p:sldId id="486" r:id="rId31"/>
+    <p:sldId id="394" r:id="rId32"/>
   </p:sldIdLst>
   <p:sldSz cx="12192000" cy="6858000"/>
   <p:notesSz cx="6858000" cy="9144000"/>
@@ -228,7 +227,7 @@
           <a:p>
             <a:fld id="{43386AF1-EF24-4659-9089-2771856A9EA2}" type="datetimeFigureOut">
               <a:rPr lang="en-US" smtClean="0"/>
-              <a:t>2/28/2024</a:t>
+              <a:t>6/17/2024</a:t>
             </a:fld>
             <a:endParaRPr lang="en-US"/>
           </a:p>
@@ -791,7 +790,7 @@
     </p:spTree>
     <p:extLst>
       <p:ext uri="{BB962C8B-B14F-4D97-AF65-F5344CB8AC3E}">
-        <p14:creationId xmlns:p14="http://schemas.microsoft.com/office/powerpoint/2010/main" val="3728816664"/>
+        <p14:creationId xmlns:p14="http://schemas.microsoft.com/office/powerpoint/2010/main" val="876250993"/>
       </p:ext>
     </p:extLst>
   </p:cSld>
@@ -942,7 +941,7 @@
     </p:spTree>
     <p:extLst>
       <p:ext uri="{BB962C8B-B14F-4D97-AF65-F5344CB8AC3E}">
-        <p14:creationId xmlns:p14="http://schemas.microsoft.com/office/powerpoint/2010/main" val="876250993"/>
+        <p14:creationId xmlns:p14="http://schemas.microsoft.com/office/powerpoint/2010/main" val="1072344791"/>
       </p:ext>
     </p:extLst>
   </p:cSld>
@@ -1093,7 +1092,7 @@
     </p:spTree>
     <p:extLst>
       <p:ext uri="{BB962C8B-B14F-4D97-AF65-F5344CB8AC3E}">
-        <p14:creationId xmlns:p14="http://schemas.microsoft.com/office/powerpoint/2010/main" val="1072344791"/>
+        <p14:creationId xmlns:p14="http://schemas.microsoft.com/office/powerpoint/2010/main" val="3614317947"/>
       </p:ext>
     </p:extLst>
   </p:cSld>
@@ -1244,7 +1243,7 @@
     </p:spTree>
     <p:extLst>
       <p:ext uri="{BB962C8B-B14F-4D97-AF65-F5344CB8AC3E}">
-        <p14:creationId xmlns:p14="http://schemas.microsoft.com/office/powerpoint/2010/main" val="3614317947"/>
+        <p14:creationId xmlns:p14="http://schemas.microsoft.com/office/powerpoint/2010/main" val="2237797566"/>
       </p:ext>
     </p:extLst>
   </p:cSld>
@@ -1395,7 +1394,7 @@
     </p:spTree>
     <p:extLst>
       <p:ext uri="{BB962C8B-B14F-4D97-AF65-F5344CB8AC3E}">
-        <p14:creationId xmlns:p14="http://schemas.microsoft.com/office/powerpoint/2010/main" val="2237797566"/>
+        <p14:creationId xmlns:p14="http://schemas.microsoft.com/office/powerpoint/2010/main" val="4111444355"/>
       </p:ext>
     </p:extLst>
   </p:cSld>
@@ -1546,7 +1545,7 @@
     </p:spTree>
     <p:extLst>
       <p:ext uri="{BB962C8B-B14F-4D97-AF65-F5344CB8AC3E}">
-        <p14:creationId xmlns:p14="http://schemas.microsoft.com/office/powerpoint/2010/main" val="4111444355"/>
+        <p14:creationId xmlns:p14="http://schemas.microsoft.com/office/powerpoint/2010/main" val="3298322181"/>
       </p:ext>
     </p:extLst>
   </p:cSld>
@@ -1697,7 +1696,7 @@
     </p:spTree>
     <p:extLst>
       <p:ext uri="{BB962C8B-B14F-4D97-AF65-F5344CB8AC3E}">
-        <p14:creationId xmlns:p14="http://schemas.microsoft.com/office/powerpoint/2010/main" val="3298322181"/>
+        <p14:creationId xmlns:p14="http://schemas.microsoft.com/office/powerpoint/2010/main" val="3067095419"/>
       </p:ext>
     </p:extLst>
   </p:cSld>
@@ -1848,7 +1847,7 @@
     </p:spTree>
     <p:extLst>
       <p:ext uri="{BB962C8B-B14F-4D97-AF65-F5344CB8AC3E}">
-        <p14:creationId xmlns:p14="http://schemas.microsoft.com/office/powerpoint/2010/main" val="3067095419"/>
+        <p14:creationId xmlns:p14="http://schemas.microsoft.com/office/powerpoint/2010/main" val="1788011804"/>
       </p:ext>
     </p:extLst>
   </p:cSld>
@@ -1999,7 +1998,7 @@
     </p:spTree>
     <p:extLst>
       <p:ext uri="{BB962C8B-B14F-4D97-AF65-F5344CB8AC3E}">
-        <p14:creationId xmlns:p14="http://schemas.microsoft.com/office/powerpoint/2010/main" val="1788011804"/>
+        <p14:creationId xmlns:p14="http://schemas.microsoft.com/office/powerpoint/2010/main" val="3426796180"/>
       </p:ext>
     </p:extLst>
   </p:cSld>
@@ -2150,7 +2149,7 @@
     </p:spTree>
     <p:extLst>
       <p:ext uri="{BB962C8B-B14F-4D97-AF65-F5344CB8AC3E}">
-        <p14:creationId xmlns:p14="http://schemas.microsoft.com/office/powerpoint/2010/main" val="3426796180"/>
+        <p14:creationId xmlns:p14="http://schemas.microsoft.com/office/powerpoint/2010/main" val="91040651"/>
       </p:ext>
     </p:extLst>
   </p:cSld>
@@ -2452,7 +2451,7 @@
     </p:spTree>
     <p:extLst>
       <p:ext uri="{BB962C8B-B14F-4D97-AF65-F5344CB8AC3E}">
-        <p14:creationId xmlns:p14="http://schemas.microsoft.com/office/powerpoint/2010/main" val="91040651"/>
+        <p14:creationId xmlns:p14="http://schemas.microsoft.com/office/powerpoint/2010/main" val="3737278891"/>
       </p:ext>
     </p:extLst>
   </p:cSld>
@@ -2603,7 +2602,7 @@
     </p:spTree>
     <p:extLst>
       <p:ext uri="{BB962C8B-B14F-4D97-AF65-F5344CB8AC3E}">
-        <p14:creationId xmlns:p14="http://schemas.microsoft.com/office/powerpoint/2010/main" val="3737278891"/>
+        <p14:creationId xmlns:p14="http://schemas.microsoft.com/office/powerpoint/2010/main" val="595954518"/>
       </p:ext>
     </p:extLst>
   </p:cSld>
@@ -2754,7 +2753,7 @@
     </p:spTree>
     <p:extLst>
       <p:ext uri="{BB962C8B-B14F-4D97-AF65-F5344CB8AC3E}">
-        <p14:creationId xmlns:p14="http://schemas.microsoft.com/office/powerpoint/2010/main" val="595954518"/>
+        <p14:creationId xmlns:p14="http://schemas.microsoft.com/office/powerpoint/2010/main" val="3998982496"/>
       </p:ext>
     </p:extLst>
   </p:cSld>
@@ -2905,7 +2904,7 @@
     </p:spTree>
     <p:extLst>
       <p:ext uri="{BB962C8B-B14F-4D97-AF65-F5344CB8AC3E}">
-        <p14:creationId xmlns:p14="http://schemas.microsoft.com/office/powerpoint/2010/main" val="3998982496"/>
+        <p14:creationId xmlns:p14="http://schemas.microsoft.com/office/powerpoint/2010/main" val="1141541792"/>
       </p:ext>
     </p:extLst>
   </p:cSld>
@@ -3056,7 +3055,7 @@
     </p:spTree>
     <p:extLst>
       <p:ext uri="{BB962C8B-B14F-4D97-AF65-F5344CB8AC3E}">
-        <p14:creationId xmlns:p14="http://schemas.microsoft.com/office/powerpoint/2010/main" val="1141541792"/>
+        <p14:creationId xmlns:p14="http://schemas.microsoft.com/office/powerpoint/2010/main" val="2441855014"/>
       </p:ext>
     </p:extLst>
   </p:cSld>
@@ -3207,7 +3206,7 @@
     </p:spTree>
     <p:extLst>
       <p:ext uri="{BB962C8B-B14F-4D97-AF65-F5344CB8AC3E}">
-        <p14:creationId xmlns:p14="http://schemas.microsoft.com/office/powerpoint/2010/main" val="2441855014"/>
+        <p14:creationId xmlns:p14="http://schemas.microsoft.com/office/powerpoint/2010/main" val="2467873718"/>
       </p:ext>
     </p:extLst>
   </p:cSld>
@@ -3358,7 +3357,7 @@
     </p:spTree>
     <p:extLst>
       <p:ext uri="{BB962C8B-B14F-4D97-AF65-F5344CB8AC3E}">
-        <p14:creationId xmlns:p14="http://schemas.microsoft.com/office/powerpoint/2010/main" val="2467873718"/>
+        <p14:creationId xmlns:p14="http://schemas.microsoft.com/office/powerpoint/2010/main" val="1868775921"/>
       </p:ext>
     </p:extLst>
   </p:cSld>
@@ -3509,7 +3508,7 @@
     </p:spTree>
     <p:extLst>
       <p:ext uri="{BB962C8B-B14F-4D97-AF65-F5344CB8AC3E}">
-        <p14:creationId xmlns:p14="http://schemas.microsoft.com/office/powerpoint/2010/main" val="1868775921"/>
+        <p14:creationId xmlns:p14="http://schemas.microsoft.com/office/powerpoint/2010/main" val="554930333"/>
       </p:ext>
     </p:extLst>
   </p:cSld>
@@ -3660,7 +3659,7 @@
     </p:spTree>
     <p:extLst>
       <p:ext uri="{BB962C8B-B14F-4D97-AF65-F5344CB8AC3E}">
-        <p14:creationId xmlns:p14="http://schemas.microsoft.com/office/powerpoint/2010/main" val="554930333"/>
+        <p14:creationId xmlns:p14="http://schemas.microsoft.com/office/powerpoint/2010/main" val="3059179596"/>
       </p:ext>
     </p:extLst>
   </p:cSld>
@@ -3811,7 +3810,7 @@
     </p:spTree>
     <p:extLst>
       <p:ext uri="{BB962C8B-B14F-4D97-AF65-F5344CB8AC3E}">
-        <p14:creationId xmlns:p14="http://schemas.microsoft.com/office/powerpoint/2010/main" val="3059179596"/>
+        <p14:creationId xmlns:p14="http://schemas.microsoft.com/office/powerpoint/2010/main" val="3372863684"/>
       </p:ext>
     </p:extLst>
   </p:cSld>
@@ -3959,12 +3958,8 @@
           <a:lstStyle/>
           <a:p>
             <a:r>
-              <a:rPr lang="en-US" dirty="0" err="1"/>
-              <a:t>Psuedocode</a:t>
-            </a:r>
-            <a:r>
               <a:rPr lang="en-US" dirty="0"/>
-              <a:t> and code</a:t>
+              <a:t>Space: O1, Time n2</a:t>
             </a:r>
           </a:p>
         </p:txBody>
@@ -4055,153 +4050,6 @@
     </p:spTree>
     <p:extLst>
       <p:ext uri="{BB962C8B-B14F-4D97-AF65-F5344CB8AC3E}">
-        <p14:creationId xmlns:p14="http://schemas.microsoft.com/office/powerpoint/2010/main" val="3372863684"/>
-      </p:ext>
-    </p:extLst>
-  </p:cSld>
-  <p:clrMapOvr>
-    <a:masterClrMapping/>
-  </p:clrMapOvr>
-</p:notes>
-</file>
-
-<file path=ppt/notesSlides/notesSlide31.xml><?xml version="1.0" encoding="utf-8"?>
-<p:notes xmlns:a="http://schemas.openxmlformats.org/drawingml/2006/main" xmlns:r="http://schemas.openxmlformats.org/officeDocument/2006/relationships" xmlns:p="http://schemas.openxmlformats.org/presentationml/2006/main">
-  <p:cSld>
-    <p:spTree>
-      <p:nvGrpSpPr>
-        <p:cNvPr id="1" name=""/>
-        <p:cNvGrpSpPr/>
-        <p:nvPr/>
-      </p:nvGrpSpPr>
-      <p:grpSpPr>
-        <a:xfrm>
-          <a:off x="0" y="0"/>
-          <a:ext cx="0" cy="0"/>
-          <a:chOff x="0" y="0"/>
-          <a:chExt cx="0" cy="0"/>
-        </a:xfrm>
-      </p:grpSpPr>
-      <p:sp>
-        <p:nvSpPr>
-          <p:cNvPr id="2" name="Slide Image Placeholder 1"/>
-          <p:cNvSpPr>
-            <a:spLocks noGrp="1" noRot="1" noChangeAspect="1"/>
-          </p:cNvSpPr>
-          <p:nvPr>
-            <p:ph type="sldImg"/>
-          </p:nvPr>
-        </p:nvSpPr>
-        <p:spPr/>
-      </p:sp>
-      <p:sp>
-        <p:nvSpPr>
-          <p:cNvPr id="3" name="Notes Placeholder 2"/>
-          <p:cNvSpPr>
-            <a:spLocks noGrp="1"/>
-          </p:cNvSpPr>
-          <p:nvPr>
-            <p:ph type="body" idx="1"/>
-          </p:nvPr>
-        </p:nvSpPr>
-        <p:spPr/>
-        <p:txBody>
-          <a:bodyPr/>
-          <a:lstStyle/>
-          <a:p>
-            <a:r>
-              <a:rPr lang="en-US" dirty="0"/>
-              <a:t>Space: O1, Time n2</a:t>
-            </a:r>
-          </a:p>
-        </p:txBody>
-      </p:sp>
-      <p:sp>
-        <p:nvSpPr>
-          <p:cNvPr id="4" name="Slide Number Placeholder 3"/>
-          <p:cNvSpPr>
-            <a:spLocks noGrp="1"/>
-          </p:cNvSpPr>
-          <p:nvPr>
-            <p:ph type="sldNum" sz="quarter" idx="5"/>
-          </p:nvPr>
-        </p:nvSpPr>
-        <p:spPr/>
-        <p:txBody>
-          <a:bodyPr/>
-          <a:lstStyle/>
-          <a:p>
-            <a:pPr marL="0" marR="0" lvl="0" indent="0" algn="r" defTabSz="914400" rtl="0" eaLnBrk="1" fontAlgn="auto" latinLnBrk="0" hangingPunct="1">
-              <a:lnSpc>
-                <a:spcPct val="100000"/>
-              </a:lnSpc>
-              <a:spcBef>
-                <a:spcPts val="0"/>
-              </a:spcBef>
-              <a:spcAft>
-                <a:spcPts val="0"/>
-              </a:spcAft>
-              <a:buClrTx/>
-              <a:buSzTx/>
-              <a:buFontTx/>
-              <a:buNone/>
-              <a:tabLst/>
-              <a:defRPr/>
-            </a:pPr>
-            <a:fld id="{E2B3017C-A127-4C06-BF43-1875A8859C4B}" type="slidenum">
-              <a:rPr kumimoji="0" lang="en-US" sz="1200" b="0" i="0" u="none" strike="noStrike" kern="1200" cap="none" spc="0" normalizeH="0" baseline="0" noProof="0" smtClean="0">
-                <a:ln>
-                  <a:noFill/>
-                </a:ln>
-                <a:solidFill>
-                  <a:prstClr val="black"/>
-                </a:solidFill>
-                <a:effectLst/>
-                <a:uLnTx/>
-                <a:uFillTx/>
-                <a:latin typeface="Calibri" panose="020F0502020204030204"/>
-                <a:ea typeface="+mn-ea"/>
-                <a:cs typeface="+mn-cs"/>
-              </a:rPr>
-              <a:pPr marL="0" marR="0" lvl="0" indent="0" algn="r" defTabSz="914400" rtl="0" eaLnBrk="1" fontAlgn="auto" latinLnBrk="0" hangingPunct="1">
-                <a:lnSpc>
-                  <a:spcPct val="100000"/>
-                </a:lnSpc>
-                <a:spcBef>
-                  <a:spcPts val="0"/>
-                </a:spcBef>
-                <a:spcAft>
-                  <a:spcPts val="0"/>
-                </a:spcAft>
-                <a:buClrTx/>
-                <a:buSzTx/>
-                <a:buFontTx/>
-                <a:buNone/>
-                <a:tabLst/>
-                <a:defRPr/>
-              </a:pPr>
-              <a:t>31</a:t>
-            </a:fld>
-            <a:endParaRPr kumimoji="0" lang="en-US" sz="1200" b="0" i="0" u="none" strike="noStrike" kern="1200" cap="none" spc="0" normalizeH="0" baseline="0" noProof="0">
-              <a:ln>
-                <a:noFill/>
-              </a:ln>
-              <a:solidFill>
-                <a:prstClr val="black"/>
-              </a:solidFill>
-              <a:effectLst/>
-              <a:uLnTx/>
-              <a:uFillTx/>
-              <a:latin typeface="Calibri" panose="020F0502020204030204"/>
-              <a:ea typeface="+mn-ea"/>
-              <a:cs typeface="+mn-cs"/>
-            </a:endParaRPr>
-          </a:p>
-        </p:txBody>
-      </p:sp>
-    </p:spTree>
-    <p:extLst>
-      <p:ext uri="{BB962C8B-B14F-4D97-AF65-F5344CB8AC3E}">
         <p14:creationId xmlns:p14="http://schemas.microsoft.com/office/powerpoint/2010/main" val="1422712198"/>
       </p:ext>
     </p:extLst>
@@ -4597,7 +4445,7 @@
     </p:spTree>
     <p:extLst>
       <p:ext uri="{BB962C8B-B14F-4D97-AF65-F5344CB8AC3E}">
-        <p14:creationId xmlns:p14="http://schemas.microsoft.com/office/powerpoint/2010/main" val="1984818210"/>
+        <p14:creationId xmlns:p14="http://schemas.microsoft.com/office/powerpoint/2010/main" val="933738657"/>
       </p:ext>
     </p:extLst>
   </p:cSld>
@@ -4748,7 +4596,7 @@
     </p:spTree>
     <p:extLst>
       <p:ext uri="{BB962C8B-B14F-4D97-AF65-F5344CB8AC3E}">
-        <p14:creationId xmlns:p14="http://schemas.microsoft.com/office/powerpoint/2010/main" val="933738657"/>
+        <p14:creationId xmlns:p14="http://schemas.microsoft.com/office/powerpoint/2010/main" val="1723869126"/>
       </p:ext>
     </p:extLst>
   </p:cSld>
@@ -4899,7 +4747,7 @@
     </p:spTree>
     <p:extLst>
       <p:ext uri="{BB962C8B-B14F-4D97-AF65-F5344CB8AC3E}">
-        <p14:creationId xmlns:p14="http://schemas.microsoft.com/office/powerpoint/2010/main" val="1723869126"/>
+        <p14:creationId xmlns:p14="http://schemas.microsoft.com/office/powerpoint/2010/main" val="6819268"/>
       </p:ext>
     </p:extLst>
   </p:cSld>
@@ -5050,7 +4898,7 @@
     </p:spTree>
     <p:extLst>
       <p:ext uri="{BB962C8B-B14F-4D97-AF65-F5344CB8AC3E}">
-        <p14:creationId xmlns:p14="http://schemas.microsoft.com/office/powerpoint/2010/main" val="6819268"/>
+        <p14:creationId xmlns:p14="http://schemas.microsoft.com/office/powerpoint/2010/main" val="3728816664"/>
       </p:ext>
     </p:extLst>
   </p:cSld>
@@ -5191,7 +5039,7 @@
           <a:p>
             <a:fld id="{F8616885-9ED8-4298-9149-C5A410E7F61A}" type="datetime1">
               <a:rPr lang="en-US" smtClean="0"/>
-              <a:t>2/28/2024</a:t>
+              <a:t>6/17/2024</a:t>
             </a:fld>
             <a:endParaRPr lang="en-US"/>
           </a:p>
@@ -5361,7 +5209,7 @@
           <a:p>
             <a:fld id="{46647952-6535-4065-B4F6-C94B3D00772F}" type="datetime1">
               <a:rPr lang="en-US" smtClean="0"/>
-              <a:t>2/28/2024</a:t>
+              <a:t>6/17/2024</a:t>
             </a:fld>
             <a:endParaRPr lang="en-US"/>
           </a:p>
@@ -5541,7 +5389,7 @@
           <a:p>
             <a:fld id="{63870D39-F97D-4ECC-909C-35255E9A37F7}" type="datetime1">
               <a:rPr lang="en-US" smtClean="0"/>
-              <a:t>2/28/2024</a:t>
+              <a:t>6/17/2024</a:t>
             </a:fld>
             <a:endParaRPr lang="en-US"/>
           </a:p>
@@ -5733,7 +5581,7 @@
           <a:p>
             <a:fld id="{38C9C2D7-406E-45EE-9F57-B83131B49240}" type="datetimeFigureOut">
               <a:rPr lang="en-US" smtClean="0"/>
-              <a:t>2/28/2024</a:t>
+              <a:t>6/17/2024</a:t>
             </a:fld>
             <a:endParaRPr lang="en-US"/>
           </a:p>
@@ -5903,7 +5751,7 @@
           <a:p>
             <a:fld id="{38C9C2D7-406E-45EE-9F57-B83131B49240}" type="datetimeFigureOut">
               <a:rPr lang="en-US" smtClean="0"/>
-              <a:t>2/28/2024</a:t>
+              <a:t>6/17/2024</a:t>
             </a:fld>
             <a:endParaRPr lang="en-US"/>
           </a:p>
@@ -6149,7 +5997,7 @@
           <a:p>
             <a:fld id="{38C9C2D7-406E-45EE-9F57-B83131B49240}" type="datetimeFigureOut">
               <a:rPr lang="en-US" smtClean="0"/>
-              <a:t>2/28/2024</a:t>
+              <a:t>6/17/2024</a:t>
             </a:fld>
             <a:endParaRPr lang="en-US"/>
           </a:p>
@@ -6381,7 +6229,7 @@
           <a:p>
             <a:fld id="{38C9C2D7-406E-45EE-9F57-B83131B49240}" type="datetimeFigureOut">
               <a:rPr lang="en-US" smtClean="0"/>
-              <a:t>2/28/2024</a:t>
+              <a:t>6/17/2024</a:t>
             </a:fld>
             <a:endParaRPr lang="en-US"/>
           </a:p>
@@ -6748,7 +6596,7 @@
           <a:p>
             <a:fld id="{38C9C2D7-406E-45EE-9F57-B83131B49240}" type="datetimeFigureOut">
               <a:rPr lang="en-US" smtClean="0"/>
-              <a:t>2/28/2024</a:t>
+              <a:t>6/17/2024</a:t>
             </a:fld>
             <a:endParaRPr lang="en-US"/>
           </a:p>
@@ -6866,7 +6714,7 @@
           <a:p>
             <a:fld id="{38C9C2D7-406E-45EE-9F57-B83131B49240}" type="datetimeFigureOut">
               <a:rPr lang="en-US" smtClean="0"/>
-              <a:t>2/28/2024</a:t>
+              <a:t>6/17/2024</a:t>
             </a:fld>
             <a:endParaRPr lang="en-US"/>
           </a:p>
@@ -6961,7 +6809,7 @@
           <a:p>
             <a:fld id="{38C9C2D7-406E-45EE-9F57-B83131B49240}" type="datetimeFigureOut">
               <a:rPr lang="en-US" smtClean="0"/>
-              <a:t>2/28/2024</a:t>
+              <a:t>6/17/2024</a:t>
             </a:fld>
             <a:endParaRPr lang="en-US"/>
           </a:p>
@@ -7238,7 +7086,7 @@
           <a:p>
             <a:fld id="{38C9C2D7-406E-45EE-9F57-B83131B49240}" type="datetimeFigureOut">
               <a:rPr lang="en-US" smtClean="0"/>
-              <a:t>2/28/2024</a:t>
+              <a:t>6/17/2024</a:t>
             </a:fld>
             <a:endParaRPr lang="en-US"/>
           </a:p>
@@ -7408,7 +7256,7 @@
           <a:p>
             <a:fld id="{7325EFF0-82F5-4880-81B9-BC73A963ECC3}" type="datetime1">
               <a:rPr lang="en-US" smtClean="0"/>
-              <a:t>2/28/2024</a:t>
+              <a:t>6/17/2024</a:t>
             </a:fld>
             <a:endParaRPr lang="en-US"/>
           </a:p>
@@ -7665,7 +7513,7 @@
           <a:p>
             <a:fld id="{38C9C2D7-406E-45EE-9F57-B83131B49240}" type="datetimeFigureOut">
               <a:rPr lang="en-US" smtClean="0"/>
-              <a:t>2/28/2024</a:t>
+              <a:t>6/17/2024</a:t>
             </a:fld>
             <a:endParaRPr lang="en-US"/>
           </a:p>
@@ -7835,7 +7683,7 @@
           <a:p>
             <a:fld id="{38C9C2D7-406E-45EE-9F57-B83131B49240}" type="datetimeFigureOut">
               <a:rPr lang="en-US" smtClean="0"/>
-              <a:t>2/28/2024</a:t>
+              <a:t>6/17/2024</a:t>
             </a:fld>
             <a:endParaRPr lang="en-US"/>
           </a:p>
@@ -8015,7 +7863,7 @@
           <a:p>
             <a:fld id="{38C9C2D7-406E-45EE-9F57-B83131B49240}" type="datetimeFigureOut">
               <a:rPr lang="en-US" smtClean="0"/>
-              <a:t>2/28/2024</a:t>
+              <a:t>6/17/2024</a:t>
             </a:fld>
             <a:endParaRPr lang="en-US"/>
           </a:p>
@@ -8261,7 +8109,7 @@
           <a:p>
             <a:fld id="{5A946811-681C-4AC5-84B7-A52FB525DDA0}" type="datetime1">
               <a:rPr lang="en-US" smtClean="0"/>
-              <a:t>2/28/2024</a:t>
+              <a:t>6/17/2024</a:t>
             </a:fld>
             <a:endParaRPr lang="en-US"/>
           </a:p>
@@ -8493,7 +8341,7 @@
           <a:p>
             <a:fld id="{B26718EC-8AAB-4CFD-80CE-1D0FB821064C}" type="datetime1">
               <a:rPr lang="en-US" smtClean="0"/>
-              <a:t>2/28/2024</a:t>
+              <a:t>6/17/2024</a:t>
             </a:fld>
             <a:endParaRPr lang="en-US"/>
           </a:p>
@@ -8860,7 +8708,7 @@
           <a:p>
             <a:fld id="{B9FC400D-05DF-4711-8592-640F86665B5F}" type="datetime1">
               <a:rPr lang="en-US" smtClean="0"/>
-              <a:t>2/28/2024</a:t>
+              <a:t>6/17/2024</a:t>
             </a:fld>
             <a:endParaRPr lang="en-US"/>
           </a:p>
@@ -8978,7 +8826,7 @@
           <a:p>
             <a:fld id="{21DCA921-A295-445C-9DF4-D32E11171EBC}" type="datetime1">
               <a:rPr lang="en-US" smtClean="0"/>
-              <a:t>2/28/2024</a:t>
+              <a:t>6/17/2024</a:t>
             </a:fld>
             <a:endParaRPr lang="en-US"/>
           </a:p>
@@ -9073,7 +8921,7 @@
           <a:p>
             <a:fld id="{410F1947-2C73-49DA-BF00-06FEB90FBFE0}" type="datetime1">
               <a:rPr lang="en-US" smtClean="0"/>
-              <a:t>2/28/2024</a:t>
+              <a:t>6/17/2024</a:t>
             </a:fld>
             <a:endParaRPr lang="en-US"/>
           </a:p>
@@ -9350,7 +9198,7 @@
           <a:p>
             <a:fld id="{7909FA88-D630-40A8-A7C1-451FFA95718D}" type="datetime1">
               <a:rPr lang="en-US" smtClean="0"/>
-              <a:t>2/28/2024</a:t>
+              <a:t>6/17/2024</a:t>
             </a:fld>
             <a:endParaRPr lang="en-US"/>
           </a:p>
@@ -9607,7 +9455,7 @@
           <a:p>
             <a:fld id="{0B22107A-0A76-4A69-98CE-85E509F6FEC6}" type="datetime1">
               <a:rPr lang="en-US" smtClean="0"/>
-              <a:t>2/28/2024</a:t>
+              <a:t>6/17/2024</a:t>
             </a:fld>
             <a:endParaRPr lang="en-US"/>
           </a:p>
@@ -9820,7 +9668,7 @@
           <a:p>
             <a:fld id="{BFC3CE7D-A49F-42F1-B54B-0205BF41E480}" type="datetime1">
               <a:rPr lang="en-US" smtClean="0"/>
-              <a:t>2/28/2024</a:t>
+              <a:t>6/17/2024</a:t>
             </a:fld>
             <a:endParaRPr lang="en-US"/>
           </a:p>
@@ -10361,7 +10209,7 @@
           <a:p>
             <a:fld id="{38C9C2D7-406E-45EE-9F57-B83131B49240}" type="datetimeFigureOut">
               <a:rPr lang="en-US" smtClean="0"/>
-              <a:t>2/28/2024</a:t>
+              <a:t>6/17/2024</a:t>
             </a:fld>
             <a:endParaRPr lang="en-US"/>
           </a:p>
@@ -10990,14 +10838,16 @@
           </a:p>
           <a:p>
             <a:r>
-              <a:rPr lang="en-US" sz="2000" dirty="0" err="1">
+              <a:rPr lang="en-US" sz="2000" dirty="0">
                 <a:solidFill>
                   <a:srgbClr val="EB6E19"/>
                 </a:solidFill>
                 <a:latin typeface="Consolas" panose="020B0609020204030204" pitchFamily="49" charset="0"/>
               </a:rPr>
-              <a:t>int</a:t>
-            </a:r>
+              <a:t>int i = 1;</a:t>
+            </a:r>
+          </a:p>
+          <a:p>
             <a:r>
               <a:rPr lang="en-US" sz="2000" dirty="0">
                 <a:solidFill>
@@ -11005,7 +10855,7 @@
                 </a:solidFill>
                 <a:latin typeface="Consolas" panose="020B0609020204030204" pitchFamily="49" charset="0"/>
               </a:rPr>
-              <a:t> k;</a:t>
+              <a:t>while (i &lt; n)</a:t>
             </a:r>
           </a:p>
           <a:p>
@@ -11016,7 +10866,7 @@
                 </a:solidFill>
                 <a:latin typeface="Consolas" panose="020B0609020204030204" pitchFamily="49" charset="0"/>
               </a:rPr>
-              <a:t>for (int i=1; i &lt; n; i++)</a:t>
+              <a:t>{</a:t>
             </a:r>
           </a:p>
           <a:p>
@@ -11027,36 +10877,18 @@
                 </a:solidFill>
                 <a:latin typeface="Consolas" panose="020B0609020204030204" pitchFamily="49" charset="0"/>
               </a:rPr>
-              <a:t>	for (</a:t>
-            </a:r>
-            <a:r>
-              <a:rPr lang="en-US" sz="2000" dirty="0" err="1">
+              <a:t>   i = i * m;</a:t>
+            </a:r>
+          </a:p>
+          <a:p>
+            <a:r>
+              <a:rPr lang="en-US" sz="2000" dirty="0">
                 <a:solidFill>
                   <a:srgbClr val="EB6E19"/>
                 </a:solidFill>
                 <a:latin typeface="Consolas" panose="020B0609020204030204" pitchFamily="49" charset="0"/>
               </a:rPr>
-              <a:t>int</a:t>
-            </a:r>
-            <a:r>
-              <a:rPr lang="en-US" sz="2000" dirty="0">
-                <a:solidFill>
-                  <a:srgbClr val="EB6E19"/>
-                </a:solidFill>
-                <a:latin typeface="Consolas" panose="020B0609020204030204" pitchFamily="49" charset="0"/>
-              </a:rPr>
-              <a:t> j=n; j&gt;1; j=j/2)</a:t>
-            </a:r>
-          </a:p>
-          <a:p>
-            <a:r>
-              <a:rPr lang="en-US" sz="2000" dirty="0">
-                <a:solidFill>
-                  <a:srgbClr val="EB6E19"/>
-                </a:solidFill>
-                <a:latin typeface="Consolas" panose="020B0609020204030204" pitchFamily="49" charset="0"/>
-              </a:rPr>
-              <a:t>		k = i*j;</a:t>
+              <a:t>}</a:t>
             </a:r>
           </a:p>
           <a:p>
@@ -11083,41 +10915,12 @@
               <a:latin typeface="Consolas" panose="020B0609020204030204" pitchFamily="49" charset="0"/>
             </a:endParaRPr>
           </a:p>
-          <a:p>
-            <a:r>
-              <a:rPr lang="en-US" sz="2000" dirty="0">
-                <a:solidFill>
-                  <a:srgbClr val="00DA63"/>
-                </a:solidFill>
-                <a:latin typeface="Consolas" panose="020B0609020204030204" pitchFamily="49" charset="0"/>
-              </a:rPr>
-              <a:t>Answer: O(n log</a:t>
-            </a:r>
-            <a:r>
-              <a:rPr lang="en-US" sz="2000" baseline="-25000" dirty="0">
-                <a:solidFill>
-                  <a:srgbClr val="00DA63"/>
-                </a:solidFill>
-                <a:latin typeface="Consolas" panose="020B0609020204030204" pitchFamily="49" charset="0"/>
-              </a:rPr>
-              <a:t>2</a:t>
-            </a:r>
-            <a:r>
-              <a:rPr lang="en-US" sz="2000" dirty="0">
-                <a:solidFill>
-                  <a:srgbClr val="00DA63"/>
-                </a:solidFill>
-                <a:latin typeface="Consolas" panose="020B0609020204030204" pitchFamily="49" charset="0"/>
-              </a:rPr>
-              <a:t> n)</a:t>
-            </a:r>
-          </a:p>
         </p:txBody>
       </p:sp>
     </p:spTree>
     <p:extLst>
       <p:ext uri="{BB962C8B-B14F-4D97-AF65-F5344CB8AC3E}">
-        <p14:creationId xmlns:p14="http://schemas.microsoft.com/office/powerpoint/2010/main" val="2941247419"/>
+        <p14:creationId xmlns:p14="http://schemas.microsoft.com/office/powerpoint/2010/main" val="4086734313"/>
       </p:ext>
     </p:extLst>
   </p:cSld>
@@ -11202,7 +11005,7 @@
         <p:spPr>
           <a:xfrm>
             <a:off x="1039618" y="1828743"/>
-            <a:ext cx="9635971" cy="3170099"/>
+            <a:ext cx="9635971" cy="3477875"/>
           </a:xfrm>
           <a:prstGeom prst="rect">
             <a:avLst/>
@@ -11312,12 +11115,59 @@
               <a:latin typeface="Consolas" panose="020B0609020204030204" pitchFamily="49" charset="0"/>
             </a:endParaRPr>
           </a:p>
+          <a:p>
+            <a:r>
+              <a:rPr lang="en-US" sz="2000" dirty="0">
+                <a:solidFill>
+                  <a:srgbClr val="00DA63"/>
+                </a:solidFill>
+                <a:latin typeface="Consolas" panose="020B0609020204030204" pitchFamily="49" charset="0"/>
+              </a:rPr>
+              <a:t>Answer: O (</a:t>
+            </a:r>
+            <a:r>
+              <a:rPr lang="en-US" sz="2000" dirty="0" err="1">
+                <a:solidFill>
+                  <a:srgbClr val="00DA63"/>
+                </a:solidFill>
+                <a:latin typeface="Consolas" panose="020B0609020204030204" pitchFamily="49" charset="0"/>
+              </a:rPr>
+              <a:t>log</a:t>
+            </a:r>
+            <a:r>
+              <a:rPr lang="en-US" sz="2000" baseline="-25000" dirty="0" err="1">
+                <a:solidFill>
+                  <a:srgbClr val="00DA63"/>
+                </a:solidFill>
+                <a:latin typeface="Consolas" panose="020B0609020204030204" pitchFamily="49" charset="0"/>
+              </a:rPr>
+              <a:t>m</a:t>
+            </a:r>
+            <a:r>
+              <a:rPr lang="en-US" sz="2000" baseline="-25000" dirty="0">
+                <a:solidFill>
+                  <a:srgbClr val="00DA63"/>
+                </a:solidFill>
+                <a:latin typeface="Consolas" panose="020B0609020204030204" pitchFamily="49" charset="0"/>
+              </a:rPr>
+              <a:t> </a:t>
+            </a:r>
+            <a:r>
+              <a:rPr lang="en-US" sz="2000" dirty="0">
+                <a:solidFill>
+                  <a:srgbClr val="00DA63"/>
+                </a:solidFill>
+                <a:latin typeface="Consolas" panose="020B0609020204030204" pitchFamily="49" charset="0"/>
+              </a:rPr>
+              <a:t>n)</a:t>
+            </a:r>
+          </a:p>
         </p:txBody>
       </p:sp>
     </p:spTree>
     <p:extLst>
       <p:ext uri="{BB962C8B-B14F-4D97-AF65-F5344CB8AC3E}">
-        <p14:creationId xmlns:p14="http://schemas.microsoft.com/office/powerpoint/2010/main" val="4086734313"/>
+        <p14:creationId xmlns:p14="http://schemas.microsoft.com/office/powerpoint/2010/main" val="329785858"/>
       </p:ext>
     </p:extLst>
   </p:cSld>
@@ -11402,7 +11252,7 @@
         <p:spPr>
           <a:xfrm>
             <a:off x="1039618" y="1828743"/>
-            <a:ext cx="9635971" cy="3477875"/>
+            <a:ext cx="9635971" cy="2862322"/>
           </a:xfrm>
           <a:prstGeom prst="rect">
             <a:avLst/>
@@ -11441,7 +11291,7 @@
                 </a:solidFill>
                 <a:latin typeface="Consolas" panose="020B0609020204030204" pitchFamily="49" charset="0"/>
               </a:rPr>
-              <a:t>int i = 1;</a:t>
+              <a:t>result = 0</a:t>
             </a:r>
           </a:p>
           <a:p>
@@ -11452,7 +11302,7 @@
                 </a:solidFill>
                 <a:latin typeface="Consolas" panose="020B0609020204030204" pitchFamily="49" charset="0"/>
               </a:rPr>
-              <a:t>while (i &lt; n)</a:t>
+              <a:t>for (int i = 0; i &lt; n; i++)</a:t>
             </a:r>
           </a:p>
           <a:p>
@@ -11463,7 +11313,7 @@
                 </a:solidFill>
                 <a:latin typeface="Consolas" panose="020B0609020204030204" pitchFamily="49" charset="0"/>
               </a:rPr>
-              <a:t>{</a:t>
+              <a:t>  result += i;</a:t>
             </a:r>
           </a:p>
           <a:p>
@@ -11474,7 +11324,7 @@
                 </a:solidFill>
                 <a:latin typeface="Consolas" panose="020B0609020204030204" pitchFamily="49" charset="0"/>
               </a:rPr>
-              <a:t>   i = i * m;</a:t>
+              <a:t>for (int j = 1; j &lt; m; j *= 2)</a:t>
             </a:r>
           </a:p>
           <a:p>
@@ -11485,7 +11335,7 @@
                 </a:solidFill>
                 <a:latin typeface="Consolas" panose="020B0609020204030204" pitchFamily="49" charset="0"/>
               </a:rPr>
-              <a:t>}</a:t>
+              <a:t>  result *= j;</a:t>
             </a:r>
           </a:p>
           <a:p>
@@ -11504,67 +11354,12 @@
               <a:latin typeface="Consolas" panose="020B0609020204030204" pitchFamily="49" charset="0"/>
             </a:endParaRPr>
           </a:p>
-          <a:p>
-            <a:endParaRPr lang="en-US" sz="2000" dirty="0">
-              <a:solidFill>
-                <a:srgbClr val="EB6E19"/>
-              </a:solidFill>
-              <a:latin typeface="Consolas" panose="020B0609020204030204" pitchFamily="49" charset="0"/>
-            </a:endParaRPr>
-          </a:p>
-          <a:p>
-            <a:r>
-              <a:rPr lang="en-US" sz="2000" dirty="0">
-                <a:solidFill>
-                  <a:srgbClr val="00DA63"/>
-                </a:solidFill>
-                <a:latin typeface="Consolas" panose="020B0609020204030204" pitchFamily="49" charset="0"/>
-              </a:rPr>
-              <a:t>Answer: O (</a:t>
-            </a:r>
-            <a:r>
-              <a:rPr lang="en-US" sz="2000" dirty="0" err="1">
-                <a:solidFill>
-                  <a:srgbClr val="00DA63"/>
-                </a:solidFill>
-                <a:latin typeface="Consolas" panose="020B0609020204030204" pitchFamily="49" charset="0"/>
-              </a:rPr>
-              <a:t>log</a:t>
-            </a:r>
-            <a:r>
-              <a:rPr lang="en-US" sz="2000" baseline="-25000" dirty="0" err="1">
-                <a:solidFill>
-                  <a:srgbClr val="00DA63"/>
-                </a:solidFill>
-                <a:latin typeface="Consolas" panose="020B0609020204030204" pitchFamily="49" charset="0"/>
-              </a:rPr>
-              <a:t>m</a:t>
-            </a:r>
-            <a:r>
-              <a:rPr lang="en-US" sz="2000" baseline="-25000" dirty="0">
-                <a:solidFill>
-                  <a:srgbClr val="00DA63"/>
-                </a:solidFill>
-                <a:latin typeface="Consolas" panose="020B0609020204030204" pitchFamily="49" charset="0"/>
-              </a:rPr>
-              <a:t> </a:t>
-            </a:r>
-            <a:r>
-              <a:rPr lang="en-US" sz="2000" dirty="0">
-                <a:solidFill>
-                  <a:srgbClr val="00DA63"/>
-                </a:solidFill>
-                <a:latin typeface="Consolas" panose="020B0609020204030204" pitchFamily="49" charset="0"/>
-              </a:rPr>
-              <a:t>n)</a:t>
-            </a:r>
-          </a:p>
         </p:txBody>
       </p:sp>
     </p:spTree>
     <p:extLst>
       <p:ext uri="{BB962C8B-B14F-4D97-AF65-F5344CB8AC3E}">
-        <p14:creationId xmlns:p14="http://schemas.microsoft.com/office/powerpoint/2010/main" val="329785858"/>
+        <p14:creationId xmlns:p14="http://schemas.microsoft.com/office/powerpoint/2010/main" val="1688701363"/>
       </p:ext>
     </p:extLst>
   </p:cSld>
@@ -11649,7 +11444,7 @@
         <p:spPr>
           <a:xfrm>
             <a:off x="1039618" y="1828743"/>
-            <a:ext cx="9635971" cy="2862322"/>
+            <a:ext cx="9635971" cy="3170099"/>
           </a:xfrm>
           <a:prstGeom prst="rect">
             <a:avLst/>
@@ -11751,12 +11546,41 @@
               <a:latin typeface="Consolas" panose="020B0609020204030204" pitchFamily="49" charset="0"/>
             </a:endParaRPr>
           </a:p>
+          <a:p>
+            <a:r>
+              <a:rPr lang="en-US" sz="2000" dirty="0">
+                <a:solidFill>
+                  <a:srgbClr val="00DA63"/>
+                </a:solidFill>
+                <a:latin typeface="Consolas" panose="020B0609020204030204" pitchFamily="49" charset="0"/>
+              </a:rPr>
+              <a:t>Answer: O(n+log</a:t>
+            </a:r>
+            <a:r>
+              <a:rPr lang="en-US" sz="2000" baseline="-25000" dirty="0">
+                <a:solidFill>
+                  <a:srgbClr val="00DA63"/>
+                </a:solidFill>
+                <a:latin typeface="Consolas" panose="020B0609020204030204" pitchFamily="49" charset="0"/>
+              </a:rPr>
+              <a:t>2 </a:t>
+            </a:r>
+            <a:r>
+              <a:rPr lang="en-US" sz="2000" dirty="0">
+                <a:solidFill>
+                  <a:srgbClr val="00DA63"/>
+                </a:solidFill>
+                <a:latin typeface="Consolas" panose="020B0609020204030204" pitchFamily="49" charset="0"/>
+              </a:rPr>
+              <a:t>m)</a:t>
+            </a:r>
+          </a:p>
         </p:txBody>
       </p:sp>
     </p:spTree>
     <p:extLst>
       <p:ext uri="{BB962C8B-B14F-4D97-AF65-F5344CB8AC3E}">
-        <p14:creationId xmlns:p14="http://schemas.microsoft.com/office/powerpoint/2010/main" val="1688701363"/>
+        <p14:creationId xmlns:p14="http://schemas.microsoft.com/office/powerpoint/2010/main" val="2504223234"/>
       </p:ext>
     </p:extLst>
   </p:cSld>
@@ -11841,7 +11665,7 @@
         <p:spPr>
           <a:xfrm>
             <a:off x="1039618" y="1828743"/>
-            <a:ext cx="9635971" cy="3170099"/>
+            <a:ext cx="9635971" cy="2246769"/>
           </a:xfrm>
           <a:prstGeom prst="rect">
             <a:avLst/>
@@ -11880,7 +11704,7 @@
                 </a:solidFill>
                 <a:latin typeface="Consolas" panose="020B0609020204030204" pitchFamily="49" charset="0"/>
               </a:rPr>
-              <a:t>result = 0</a:t>
+              <a:t>for (int i=n; i&gt;0; i/=2)</a:t>
             </a:r>
           </a:p>
           <a:p>
@@ -11891,10 +11715,17 @@
                 </a:solidFill>
                 <a:latin typeface="Consolas" panose="020B0609020204030204" pitchFamily="49" charset="0"/>
               </a:rPr>
-              <a:t>for (int i = 0; i &lt; n; i++)</a:t>
-            </a:r>
-          </a:p>
-          <a:p>
+              <a:t>	for (int j=1; j&lt;i; </a:t>
+            </a:r>
+            <a:r>
+              <a:rPr lang="en-US" sz="2000" dirty="0" err="1">
+                <a:solidFill>
+                  <a:srgbClr val="EB6E19"/>
+                </a:solidFill>
+                <a:latin typeface="Consolas" panose="020B0609020204030204" pitchFamily="49" charset="0"/>
+              </a:rPr>
+              <a:t>j++</a:t>
+            </a:r>
             <a:r>
               <a:rPr lang="en-US" sz="2000" dirty="0">
                 <a:solidFill>
@@ -11902,7 +11733,7 @@
                 </a:solidFill>
                 <a:latin typeface="Consolas" panose="020B0609020204030204" pitchFamily="49" charset="0"/>
               </a:rPr>
-              <a:t>  result += i;</a:t>
+              <a:t>)</a:t>
             </a:r>
           </a:p>
           <a:p>
@@ -11913,18 +11744,7 @@
                 </a:solidFill>
                 <a:latin typeface="Consolas" panose="020B0609020204030204" pitchFamily="49" charset="0"/>
               </a:rPr>
-              <a:t>for (int j = 1; j &lt; m; j *= 2)</a:t>
-            </a:r>
-          </a:p>
-          <a:p>
-            <a:r>
-              <a:rPr lang="en-US" sz="2000" dirty="0">
-                <a:solidFill>
-                  <a:srgbClr val="EB6E19"/>
-                </a:solidFill>
-                <a:latin typeface="Consolas" panose="020B0609020204030204" pitchFamily="49" charset="0"/>
-              </a:rPr>
-              <a:t>  result *= j;</a:t>
+              <a:t>		sum = sum + 1;</a:t>
             </a:r>
           </a:p>
           <a:p>
@@ -11943,41 +11763,12 @@
               <a:latin typeface="Consolas" panose="020B0609020204030204" pitchFamily="49" charset="0"/>
             </a:endParaRPr>
           </a:p>
-          <a:p>
-            <a:r>
-              <a:rPr lang="en-US" sz="2000" dirty="0">
-                <a:solidFill>
-                  <a:srgbClr val="00DA63"/>
-                </a:solidFill>
-                <a:latin typeface="Consolas" panose="020B0609020204030204" pitchFamily="49" charset="0"/>
-              </a:rPr>
-              <a:t>Answer: O(n+log</a:t>
-            </a:r>
-            <a:r>
-              <a:rPr lang="en-US" sz="2000" baseline="-25000" dirty="0">
-                <a:solidFill>
-                  <a:srgbClr val="00DA63"/>
-                </a:solidFill>
-                <a:latin typeface="Consolas" panose="020B0609020204030204" pitchFamily="49" charset="0"/>
-              </a:rPr>
-              <a:t>2 </a:t>
-            </a:r>
-            <a:r>
-              <a:rPr lang="en-US" sz="2000" dirty="0">
-                <a:solidFill>
-                  <a:srgbClr val="00DA63"/>
-                </a:solidFill>
-                <a:latin typeface="Consolas" panose="020B0609020204030204" pitchFamily="49" charset="0"/>
-              </a:rPr>
-              <a:t>m)</a:t>
-            </a:r>
-          </a:p>
         </p:txBody>
       </p:sp>
     </p:spTree>
     <p:extLst>
       <p:ext uri="{BB962C8B-B14F-4D97-AF65-F5344CB8AC3E}">
-        <p14:creationId xmlns:p14="http://schemas.microsoft.com/office/powerpoint/2010/main" val="2504223234"/>
+        <p14:creationId xmlns:p14="http://schemas.microsoft.com/office/powerpoint/2010/main" val="1877007125"/>
       </p:ext>
     </p:extLst>
   </p:cSld>
@@ -12062,7 +11853,7 @@
         <p:spPr>
           <a:xfrm>
             <a:off x="1039618" y="1828743"/>
-            <a:ext cx="9635971" cy="2246769"/>
+            <a:ext cx="9635971" cy="2554545"/>
           </a:xfrm>
           <a:prstGeom prst="rect">
             <a:avLst/>
@@ -12160,12 +11951,23 @@
               <a:latin typeface="Consolas" panose="020B0609020204030204" pitchFamily="49" charset="0"/>
             </a:endParaRPr>
           </a:p>
+          <a:p>
+            <a:r>
+              <a:rPr lang="en-US" sz="2000" dirty="0">
+                <a:solidFill>
+                  <a:srgbClr val="00DA63"/>
+                </a:solidFill>
+                <a:latin typeface="Consolas" panose="020B0609020204030204" pitchFamily="49" charset="0"/>
+              </a:rPr>
+              <a:t>Answer: O(n)</a:t>
+            </a:r>
+          </a:p>
         </p:txBody>
       </p:sp>
     </p:spTree>
     <p:extLst>
       <p:ext uri="{BB962C8B-B14F-4D97-AF65-F5344CB8AC3E}">
-        <p14:creationId xmlns:p14="http://schemas.microsoft.com/office/powerpoint/2010/main" val="1877007125"/>
+        <p14:creationId xmlns:p14="http://schemas.microsoft.com/office/powerpoint/2010/main" val="2916700440"/>
       </p:ext>
     </p:extLst>
   </p:cSld>
@@ -12250,7 +12052,7 @@
         <p:spPr>
           <a:xfrm>
             <a:off x="1039618" y="1828743"/>
-            <a:ext cx="9635971" cy="2554545"/>
+            <a:ext cx="9212778" cy="2554545"/>
           </a:xfrm>
           <a:prstGeom prst="rect">
             <a:avLst/>
@@ -12270,7 +12072,7 @@
                 </a:solidFill>
                 <a:latin typeface="Consolas" panose="020B0609020204030204" pitchFamily="49" charset="0"/>
               </a:rPr>
-              <a:t>What is the computational complexity of the following code snippet?</a:t>
+              <a:t>Which code snippet will take less time to execute on a computer?</a:t>
             </a:r>
           </a:p>
           <a:p>
@@ -12289,18 +12091,38 @@
                 </a:solidFill>
                 <a:latin typeface="Consolas" panose="020B0609020204030204" pitchFamily="49" charset="0"/>
               </a:rPr>
-              <a:t>for (int i=n; i&gt;0; i/=2)</a:t>
-            </a:r>
-          </a:p>
-          <a:p>
+              <a:t>            </a:t>
+            </a:r>
             <a:r>
               <a:rPr lang="en-US" sz="2000" dirty="0">
                 <a:solidFill>
+                  <a:srgbClr val="00DA63"/>
+                </a:solidFill>
+                <a:latin typeface="Consolas" panose="020B0609020204030204" pitchFamily="49" charset="0"/>
+              </a:rPr>
+              <a:t> A                                    B</a:t>
+            </a:r>
+          </a:p>
+          <a:p>
+            <a:r>
+              <a:rPr lang="en-US" sz="2000" dirty="0">
+                <a:solidFill>
                   <a:srgbClr val="EB6E19"/>
                 </a:solidFill>
                 <a:latin typeface="Consolas" panose="020B0609020204030204" pitchFamily="49" charset="0"/>
               </a:rPr>
-              <a:t>	for (int j=1; j&lt;i; </a:t>
+              <a:t>for (int i=1; i &lt; n; i++)</a:t>
+            </a:r>
+          </a:p>
+          <a:p>
+            <a:r>
+              <a:rPr lang="en-US" sz="2000" dirty="0">
+                <a:solidFill>
+                  <a:srgbClr val="EB6E19"/>
+                </a:solidFill>
+                <a:latin typeface="Consolas" panose="020B0609020204030204" pitchFamily="49" charset="0"/>
+              </a:rPr>
+              <a:t>	for (int j=1; j &lt; n; </a:t>
             </a:r>
             <a:r>
               <a:rPr lang="en-US" sz="2000" dirty="0" err="1">
@@ -12348,15 +12170,84 @@
               <a:latin typeface="Consolas" panose="020B0609020204030204" pitchFamily="49" charset="0"/>
             </a:endParaRPr>
           </a:p>
-          <a:p>
-            <a:r>
-              <a:rPr lang="en-US" sz="2000" dirty="0">
-                <a:solidFill>
-                  <a:srgbClr val="00DA63"/>
+        </p:txBody>
+      </p:sp>
+      <p:sp>
+        <p:nvSpPr>
+          <p:cNvPr id="7" name="TextBox 6">
+            <a:extLst>
+              <a:ext uri="{FF2B5EF4-FFF2-40B4-BE49-F238E27FC236}">
+                <a16:creationId xmlns:a16="http://schemas.microsoft.com/office/drawing/2014/main" id="{92A4DF68-D3B8-4D4F-85C6-D314CAD1A865}"/>
+              </a:ext>
+            </a:extLst>
+          </p:cNvPr>
+          <p:cNvSpPr txBox="1"/>
+          <p:nvPr/>
+        </p:nvSpPr>
+        <p:spPr>
+          <a:xfrm>
+            <a:off x="6353071" y="2798239"/>
+            <a:ext cx="6094324" cy="923330"/>
+          </a:xfrm>
+          <a:prstGeom prst="rect">
+            <a:avLst/>
+          </a:prstGeom>
+          <a:noFill/>
+        </p:spPr>
+        <p:txBody>
+          <a:bodyPr wrap="square">
+            <a:spAutoFit/>
+          </a:bodyPr>
+          <a:lstStyle/>
+          <a:p>
+            <a:r>
+              <a:rPr lang="en-US" sz="1800" dirty="0">
+                <a:solidFill>
+                  <a:srgbClr val="EB6E19"/>
                 </a:solidFill>
                 <a:latin typeface="Consolas" panose="020B0609020204030204" pitchFamily="49" charset="0"/>
               </a:rPr>
-              <a:t>Answer: O(n)</a:t>
+              <a:t>for (int i=1; i &lt; 2n; i++)</a:t>
+            </a:r>
+          </a:p>
+          <a:p>
+            <a:r>
+              <a:rPr lang="en-US" sz="1800" dirty="0">
+                <a:solidFill>
+                  <a:srgbClr val="EB6E19"/>
+                </a:solidFill>
+                <a:latin typeface="Consolas" panose="020B0609020204030204" pitchFamily="49" charset="0"/>
+              </a:rPr>
+              <a:t>	for (int j=1; j &lt; 2n; </a:t>
+            </a:r>
+            <a:r>
+              <a:rPr lang="en-US" sz="1800" dirty="0" err="1">
+                <a:solidFill>
+                  <a:srgbClr val="EB6E19"/>
+                </a:solidFill>
+                <a:latin typeface="Consolas" panose="020B0609020204030204" pitchFamily="49" charset="0"/>
+              </a:rPr>
+              <a:t>j++</a:t>
+            </a:r>
+            <a:r>
+              <a:rPr lang="en-US" sz="1800" dirty="0">
+                <a:solidFill>
+                  <a:srgbClr val="EB6E19"/>
+                </a:solidFill>
+                <a:latin typeface="Consolas" panose="020B0609020204030204" pitchFamily="49" charset="0"/>
+              </a:rPr>
+              <a:t>)</a:t>
+            </a:r>
+          </a:p>
+          <a:p>
+            <a:r>
+              <a:rPr lang="en-US" sz="1800" dirty="0">
+                <a:solidFill>
+                  <a:srgbClr val="EB6E19"/>
+                </a:solidFill>
+                <a:latin typeface="Consolas" panose="020B0609020204030204" pitchFamily="49" charset="0"/>
+              </a:rPr>
+              <a:t>		sum = sum + 1;</a:t>
             </a:r>
           </a:p>
         </p:txBody>
@@ -12364,7 +12255,7 @@
     </p:spTree>
     <p:extLst>
       <p:ext uri="{BB962C8B-B14F-4D97-AF65-F5344CB8AC3E}">
-        <p14:creationId xmlns:p14="http://schemas.microsoft.com/office/powerpoint/2010/main" val="2916700440"/>
+        <p14:creationId xmlns:p14="http://schemas.microsoft.com/office/powerpoint/2010/main" val="188823183"/>
       </p:ext>
     </p:extLst>
   </p:cSld>
@@ -12449,7 +12340,7 @@
         <p:spPr>
           <a:xfrm>
             <a:off x="1039618" y="1828743"/>
-            <a:ext cx="9212778" cy="2554545"/>
+            <a:ext cx="9212778" cy="2862322"/>
           </a:xfrm>
           <a:prstGeom prst="rect">
             <a:avLst/>
@@ -12566,6 +12457,17 @@
               </a:solidFill>
               <a:latin typeface="Consolas" panose="020B0609020204030204" pitchFamily="49" charset="0"/>
             </a:endParaRPr>
+          </a:p>
+          <a:p>
+            <a:r>
+              <a:rPr lang="en-US" sz="2000" dirty="0">
+                <a:solidFill>
+                  <a:srgbClr val="00DA63"/>
+                </a:solidFill>
+                <a:latin typeface="Consolas" panose="020B0609020204030204" pitchFamily="49" charset="0"/>
+              </a:rPr>
+              <a:t>Answer: A</a:t>
+            </a:r>
           </a:p>
         </p:txBody>
       </p:sp>
@@ -12652,7 +12554,7 @@
     </p:spTree>
     <p:extLst>
       <p:ext uri="{BB962C8B-B14F-4D97-AF65-F5344CB8AC3E}">
-        <p14:creationId xmlns:p14="http://schemas.microsoft.com/office/powerpoint/2010/main" val="188823183"/>
+        <p14:creationId xmlns:p14="http://schemas.microsoft.com/office/powerpoint/2010/main" val="1287381242"/>
       </p:ext>
     </p:extLst>
   </p:cSld>
@@ -12736,8 +12638,8 @@
         </p:nvSpPr>
         <p:spPr>
           <a:xfrm>
-            <a:off x="1039618" y="1828743"/>
-            <a:ext cx="9212778" cy="2862322"/>
+            <a:off x="1039619" y="1828743"/>
+            <a:ext cx="10515600" cy="2862322"/>
           </a:xfrm>
           <a:prstGeom prst="rect">
             <a:avLst/>
@@ -12745,7 +12647,7 @@
           <a:noFill/>
         </p:spPr>
         <p:txBody>
-          <a:bodyPr wrap="none" rtlCol="0">
+          <a:bodyPr wrap="square" rtlCol="0">
             <a:spAutoFit/>
           </a:bodyPr>
           <a:lstStyle/>
@@ -12757,7 +12659,25 @@
                 </a:solidFill>
                 <a:latin typeface="Consolas" panose="020B0609020204030204" pitchFamily="49" charset="0"/>
               </a:rPr>
-              <a:t>Which code snippet will take less time to execute on a computer?</a:t>
+              <a:t>Which code snippet will have a higher growth rate </a:t>
+            </a:r>
+            <a:r>
+              <a:rPr lang="en-US" sz="2000" dirty="0" err="1">
+                <a:solidFill>
+                  <a:srgbClr val="0081E2"/>
+                </a:solidFill>
+                <a:latin typeface="Consolas" panose="020B0609020204030204" pitchFamily="49" charset="0"/>
+              </a:rPr>
+              <a:t>asymtotically</a:t>
+            </a:r>
+            <a:r>
+              <a:rPr lang="en-US" sz="2000" dirty="0">
+                <a:solidFill>
+                  <a:srgbClr val="0081E2"/>
+                </a:solidFill>
+                <a:latin typeface="Consolas" panose="020B0609020204030204" pitchFamily="49" charset="0"/>
+              </a:rPr>
+              <a:t> in terms of Big O notation?</a:t>
             </a:r>
           </a:p>
           <a:p>
@@ -12854,17 +12774,6 @@
               </a:solidFill>
               <a:latin typeface="Consolas" panose="020B0609020204030204" pitchFamily="49" charset="0"/>
             </a:endParaRPr>
-          </a:p>
-          <a:p>
-            <a:r>
-              <a:rPr lang="en-US" sz="2000" dirty="0">
-                <a:solidFill>
-                  <a:srgbClr val="00DA63"/>
-                </a:solidFill>
-                <a:latin typeface="Consolas" panose="020B0609020204030204" pitchFamily="49" charset="0"/>
-              </a:rPr>
-              <a:t>Answer: A</a:t>
-            </a:r>
           </a:p>
         </p:txBody>
       </p:sp>
@@ -12882,7 +12791,7 @@
         </p:nvSpPr>
         <p:spPr>
           <a:xfrm>
-            <a:off x="6353071" y="2798239"/>
+            <a:off x="6297419" y="3059496"/>
             <a:ext cx="6094324" cy="923330"/>
           </a:xfrm>
           <a:prstGeom prst="rect">
@@ -12951,7 +12860,7 @@
     </p:spTree>
     <p:extLst>
       <p:ext uri="{BB962C8B-B14F-4D97-AF65-F5344CB8AC3E}">
-        <p14:creationId xmlns:p14="http://schemas.microsoft.com/office/powerpoint/2010/main" val="1287381242"/>
+        <p14:creationId xmlns:p14="http://schemas.microsoft.com/office/powerpoint/2010/main" val="1211821534"/>
       </p:ext>
     </p:extLst>
   </p:cSld>
@@ -13036,7 +12945,7 @@
         <p:spPr>
           <a:xfrm>
             <a:off x="1039619" y="1828743"/>
-            <a:ext cx="10515600" cy="2862322"/>
+            <a:ext cx="10515600" cy="3170099"/>
           </a:xfrm>
           <a:prstGeom prst="rect">
             <a:avLst/>
@@ -13056,25 +12965,7 @@
                 </a:solidFill>
                 <a:latin typeface="Consolas" panose="020B0609020204030204" pitchFamily="49" charset="0"/>
               </a:rPr>
-              <a:t>Which code snippet will have a higher growth rate </a:t>
-            </a:r>
-            <a:r>
-              <a:rPr lang="en-US" sz="2000" dirty="0" err="1">
-                <a:solidFill>
-                  <a:srgbClr val="0081E2"/>
-                </a:solidFill>
-                <a:latin typeface="Consolas" panose="020B0609020204030204" pitchFamily="49" charset="0"/>
-              </a:rPr>
-              <a:t>asymtotically</a:t>
-            </a:r>
-            <a:r>
-              <a:rPr lang="en-US" sz="2000" dirty="0">
-                <a:solidFill>
-                  <a:srgbClr val="0081E2"/>
-                </a:solidFill>
-                <a:latin typeface="Consolas" panose="020B0609020204030204" pitchFamily="49" charset="0"/>
-              </a:rPr>
-              <a:t> in terms of Big O notation?</a:t>
+              <a:t>Which code snippet will have a higher growth rate asymptotically in terms of Big O notation?</a:t>
             </a:r>
           </a:p>
           <a:p>
@@ -13168,6 +13059,32 @@
             <a:endParaRPr lang="en-US" sz="2000" dirty="0">
               <a:solidFill>
                 <a:srgbClr val="EB6E19"/>
+              </a:solidFill>
+              <a:latin typeface="Consolas" panose="020B0609020204030204" pitchFamily="49" charset="0"/>
+            </a:endParaRPr>
+          </a:p>
+          <a:p>
+            <a:r>
+              <a:rPr lang="en-US" sz="2000" dirty="0">
+                <a:solidFill>
+                  <a:srgbClr val="00DA63"/>
+                </a:solidFill>
+                <a:latin typeface="Consolas" panose="020B0609020204030204" pitchFamily="49" charset="0"/>
+              </a:rPr>
+              <a:t>Answer: A and B grow at the same rate </a:t>
+            </a:r>
+            <a:r>
+              <a:rPr lang="en-US" sz="2000" dirty="0" err="1">
+                <a:solidFill>
+                  <a:srgbClr val="00DA63"/>
+                </a:solidFill>
+                <a:latin typeface="Consolas" panose="020B0609020204030204" pitchFamily="49" charset="0"/>
+              </a:rPr>
+              <a:t>asymtotically</a:t>
+            </a:r>
+            <a:endParaRPr lang="en-US" sz="2000" dirty="0">
+              <a:solidFill>
+                <a:srgbClr val="00DA63"/>
               </a:solidFill>
               <a:latin typeface="Consolas" panose="020B0609020204030204" pitchFamily="49" charset="0"/>
             </a:endParaRPr>
@@ -13257,7 +13174,7 @@
     </p:spTree>
     <p:extLst>
       <p:ext uri="{BB962C8B-B14F-4D97-AF65-F5344CB8AC3E}">
-        <p14:creationId xmlns:p14="http://schemas.microsoft.com/office/powerpoint/2010/main" val="1211821534"/>
+        <p14:creationId xmlns:p14="http://schemas.microsoft.com/office/powerpoint/2010/main" val="2651317974"/>
       </p:ext>
     </p:extLst>
   </p:cSld>
@@ -14311,7 +14228,7 @@
             </a:ln>
             <a:extLst>
               <a:ext uri="{909E8E84-426E-40dd-AFC4-6F175D3DCCD1}">
-                <a14:hiddenFill xmlns="" xmlns:a14="http://schemas.microsoft.com/office/drawing/2010/main">
+                <a14:hiddenFill xmlns:a14="http://schemas.microsoft.com/office/drawing/2010/main" xmlns="">
                   <a:noFill/>
                 </a14:hiddenFill>
               </a:ext>
@@ -14353,7 +14270,7 @@
             </a:ln>
             <a:extLst>
               <a:ext uri="{909E8E84-426E-40dd-AFC4-6F175D3DCCD1}">
-                <a14:hiddenFill xmlns="" xmlns:a14="http://schemas.microsoft.com/office/drawing/2010/main">
+                <a14:hiddenFill xmlns:a14="http://schemas.microsoft.com/office/drawing/2010/main" xmlns="">
                   <a:noFill/>
                 </a14:hiddenFill>
               </a:ext>
@@ -14717,7 +14634,7 @@
             </a:ln>
             <a:extLst>
               <a:ext uri="{909E8E84-426E-40dd-AFC4-6F175D3DCCD1}">
-                <a14:hiddenFill xmlns="" xmlns:a14="http://schemas.microsoft.com/office/drawing/2010/main">
+                <a14:hiddenFill xmlns:a14="http://schemas.microsoft.com/office/drawing/2010/main" xmlns="">
                   <a:noFill/>
                 </a14:hiddenFill>
               </a:ext>
@@ -14762,7 +14679,7 @@
             </a:ln>
             <a:extLst>
               <a:ext uri="{909E8E84-426E-40dd-AFC4-6F175D3DCCD1}">
-                <a14:hiddenFill xmlns="" xmlns:a14="http://schemas.microsoft.com/office/drawing/2010/main">
+                <a14:hiddenFill xmlns:a14="http://schemas.microsoft.com/office/drawing/2010/main" xmlns="">
                   <a:noFill/>
                 </a14:hiddenFill>
               </a:ext>
@@ -14807,7 +14724,7 @@
             </a:ln>
             <a:extLst>
               <a:ext uri="{909E8E84-426E-40dd-AFC4-6F175D3DCCD1}">
-                <a14:hiddenFill xmlns="" xmlns:a14="http://schemas.microsoft.com/office/drawing/2010/main">
+                <a14:hiddenFill xmlns:a14="http://schemas.microsoft.com/office/drawing/2010/main" xmlns="">
                   <a:noFill/>
                 </a14:hiddenFill>
               </a:ext>
@@ -14851,7 +14768,7 @@
             </a:ln>
             <a:extLst>
               <a:ext uri="{909E8E84-426E-40dd-AFC4-6F175D3DCCD1}">
-                <a14:hiddenFill xmlns="" xmlns:a14="http://schemas.microsoft.com/office/drawing/2010/main">
+                <a14:hiddenFill xmlns:a14="http://schemas.microsoft.com/office/drawing/2010/main" xmlns="">
                   <a:noFill/>
                 </a14:hiddenFill>
               </a:ext>
@@ -14927,256 +14844,268 @@
                 </a:solidFill>
                 <a:latin typeface="Gotham Bold" pitchFamily="50" charset="0"/>
               </a:rPr>
-              <a:t>Mini Review – Complexity</a:t>
-            </a:r>
-          </a:p>
-        </p:txBody>
-      </p:sp>
-      <p:sp>
-        <p:nvSpPr>
-          <p:cNvPr id="4" name="TextBox 3">
+              <a:t>Mini Review – Linked Lists</a:t>
+            </a:r>
+          </a:p>
+        </p:txBody>
+      </p:sp>
+      <p:sp>
+        <p:nvSpPr>
+          <p:cNvPr id="5" name="Content Placeholder 1">
             <a:extLst>
               <a:ext uri="{FF2B5EF4-FFF2-40B4-BE49-F238E27FC236}">
-                <a16:creationId xmlns:a16="http://schemas.microsoft.com/office/drawing/2014/main" id="{A70E6009-18FB-490F-970D-3C9B83737A5E}"/>
+                <a16:creationId xmlns:a16="http://schemas.microsoft.com/office/drawing/2014/main" id="{9069B1C4-5084-4E0D-9FA0-9C8B794FA1FE}"/>
               </a:ext>
             </a:extLst>
           </p:cNvPr>
-          <p:cNvSpPr txBox="1"/>
+          <p:cNvSpPr txBox="1">
+            <a:spLocks/>
+          </p:cNvSpPr>
           <p:nvPr/>
         </p:nvSpPr>
         <p:spPr>
           <a:xfrm>
-            <a:off x="1039619" y="1828743"/>
-            <a:ext cx="10515600" cy="3170099"/>
+            <a:off x="940881" y="1690688"/>
+            <a:ext cx="9790759" cy="5057971"/>
           </a:xfrm>
           <a:prstGeom prst="rect">
             <a:avLst/>
           </a:prstGeom>
-          <a:noFill/>
         </p:spPr>
         <p:txBody>
-          <a:bodyPr wrap="square" rtlCol="0">
-            <a:spAutoFit/>
-          </a:bodyPr>
-          <a:lstStyle/>
-          <a:p>
-            <a:r>
-              <a:rPr lang="en-US" sz="2000" dirty="0">
+          <a:bodyPr vert="horz" lIns="91440" tIns="45720" rIns="91440" bIns="45720" rtlCol="0" anchor="t"/>
+          <a:lstStyle>
+            <a:defPPr>
+              <a:defRPr lang="en-US"/>
+            </a:defPPr>
+            <a:lvl1pPr marL="0" algn="l" defTabSz="914400" rtl="0" eaLnBrk="1" latinLnBrk="0" hangingPunct="1">
+              <a:defRPr sz="1200" kern="1200">
+                <a:solidFill>
+                  <a:schemeClr val="tx1">
+                    <a:tint val="75000"/>
+                  </a:schemeClr>
+                </a:solidFill>
+                <a:latin typeface="+mn-lt"/>
+                <a:ea typeface="+mn-ea"/>
+                <a:cs typeface="+mn-cs"/>
+              </a:defRPr>
+            </a:lvl1pPr>
+            <a:lvl2pPr marL="457200" algn="l" defTabSz="914400" rtl="0" eaLnBrk="1" latinLnBrk="0" hangingPunct="1">
+              <a:defRPr sz="1800" kern="1200">
+                <a:solidFill>
+                  <a:schemeClr val="tx1"/>
+                </a:solidFill>
+                <a:latin typeface="+mn-lt"/>
+                <a:ea typeface="+mn-ea"/>
+                <a:cs typeface="+mn-cs"/>
+              </a:defRPr>
+            </a:lvl2pPr>
+            <a:lvl3pPr marL="914400" algn="l" defTabSz="914400" rtl="0" eaLnBrk="1" latinLnBrk="0" hangingPunct="1">
+              <a:defRPr sz="1800" kern="1200">
+                <a:solidFill>
+                  <a:schemeClr val="tx1"/>
+                </a:solidFill>
+                <a:latin typeface="+mn-lt"/>
+                <a:ea typeface="+mn-ea"/>
+                <a:cs typeface="+mn-cs"/>
+              </a:defRPr>
+            </a:lvl3pPr>
+            <a:lvl4pPr marL="1371600" algn="l" defTabSz="914400" rtl="0" eaLnBrk="1" latinLnBrk="0" hangingPunct="1">
+              <a:defRPr sz="1800" kern="1200">
+                <a:solidFill>
+                  <a:schemeClr val="tx1"/>
+                </a:solidFill>
+                <a:latin typeface="+mn-lt"/>
+                <a:ea typeface="+mn-ea"/>
+                <a:cs typeface="+mn-cs"/>
+              </a:defRPr>
+            </a:lvl4pPr>
+            <a:lvl5pPr marL="1828800" algn="l" defTabSz="914400" rtl="0" eaLnBrk="1" latinLnBrk="0" hangingPunct="1">
+              <a:defRPr sz="1800" kern="1200">
+                <a:solidFill>
+                  <a:schemeClr val="tx1"/>
+                </a:solidFill>
+                <a:latin typeface="+mn-lt"/>
+                <a:ea typeface="+mn-ea"/>
+                <a:cs typeface="+mn-cs"/>
+              </a:defRPr>
+            </a:lvl5pPr>
+            <a:lvl6pPr marL="2286000" algn="l" defTabSz="914400" rtl="0" eaLnBrk="1" latinLnBrk="0" hangingPunct="1">
+              <a:defRPr sz="1800" kern="1200">
+                <a:solidFill>
+                  <a:schemeClr val="tx1"/>
+                </a:solidFill>
+                <a:latin typeface="+mn-lt"/>
+                <a:ea typeface="+mn-ea"/>
+                <a:cs typeface="+mn-cs"/>
+              </a:defRPr>
+            </a:lvl6pPr>
+            <a:lvl7pPr marL="2743200" algn="l" defTabSz="914400" rtl="0" eaLnBrk="1" latinLnBrk="0" hangingPunct="1">
+              <a:defRPr sz="1800" kern="1200">
+                <a:solidFill>
+                  <a:schemeClr val="tx1"/>
+                </a:solidFill>
+                <a:latin typeface="+mn-lt"/>
+                <a:ea typeface="+mn-ea"/>
+                <a:cs typeface="+mn-cs"/>
+              </a:defRPr>
+            </a:lvl7pPr>
+            <a:lvl8pPr marL="3200400" algn="l" defTabSz="914400" rtl="0" eaLnBrk="1" latinLnBrk="0" hangingPunct="1">
+              <a:defRPr sz="1800" kern="1200">
+                <a:solidFill>
+                  <a:schemeClr val="tx1"/>
+                </a:solidFill>
+                <a:latin typeface="+mn-lt"/>
+                <a:ea typeface="+mn-ea"/>
+                <a:cs typeface="+mn-cs"/>
+              </a:defRPr>
+            </a:lvl8pPr>
+            <a:lvl9pPr marL="3657600" algn="l" defTabSz="914400" rtl="0" eaLnBrk="1" latinLnBrk="0" hangingPunct="1">
+              <a:defRPr sz="1800" kern="1200">
+                <a:solidFill>
+                  <a:schemeClr val="tx1"/>
+                </a:solidFill>
+                <a:latin typeface="+mn-lt"/>
+                <a:ea typeface="+mn-ea"/>
+                <a:cs typeface="+mn-cs"/>
+              </a:defRPr>
+            </a:lvl9pPr>
+          </a:lstStyle>
+          <a:p>
+            <a:r>
+              <a:rPr lang="en-US" sz="1600" dirty="0">
                 <a:solidFill>
                   <a:srgbClr val="0081E2"/>
                 </a:solidFill>
                 <a:latin typeface="Consolas" panose="020B0609020204030204" pitchFamily="49" charset="0"/>
               </a:rPr>
-              <a:t>Which code snippet will have a higher growth rate asymptotically in terms of Big O notation?</a:t>
-            </a:r>
-          </a:p>
-          <a:p>
-            <a:endParaRPr lang="en-US" sz="2000" dirty="0">
+              <a:t>Consider a class List that implements an </a:t>
+            </a:r>
+            <a:r>
+              <a:rPr lang="en-US" sz="1600" dirty="0">
+                <a:solidFill>
+                  <a:srgbClr val="EB6E19"/>
+                </a:solidFill>
+                <a:latin typeface="Consolas" panose="020B0609020204030204" pitchFamily="49" charset="0"/>
+              </a:rPr>
+              <a:t>ordered</a:t>
+            </a:r>
+            <a:r>
+              <a:rPr lang="en-US" sz="1600" dirty="0">
+                <a:solidFill>
+                  <a:srgbClr val="0081E2"/>
+                </a:solidFill>
+                <a:latin typeface="Consolas" panose="020B0609020204030204" pitchFamily="49" charset="0"/>
+              </a:rPr>
+              <a:t> list backed by a singly linked list with a head pointer. The invariant “</a:t>
+            </a:r>
+            <a:r>
+              <a:rPr lang="en-US" sz="1600" dirty="0">
+                <a:solidFill>
+                  <a:srgbClr val="EB6E19"/>
+                </a:solidFill>
+                <a:latin typeface="Consolas" panose="020B0609020204030204" pitchFamily="49" charset="0"/>
+              </a:rPr>
+              <a:t>ordered</a:t>
+            </a:r>
+            <a:r>
+              <a:rPr lang="en-US" sz="1600" dirty="0">
+                <a:solidFill>
+                  <a:srgbClr val="0081E2"/>
+                </a:solidFill>
+                <a:latin typeface="Consolas" panose="020B0609020204030204" pitchFamily="49" charset="0"/>
+              </a:rPr>
+              <a:t>” is maintained always. Given that representation, what is the worst-case time complexity of the following operations? Assume the list is sorted in ascending order.</a:t>
+            </a:r>
+          </a:p>
+          <a:p>
+            <a:endParaRPr lang="en-US" sz="1600" dirty="0">
               <a:solidFill>
-                <a:srgbClr val="EB6E19"/>
+                <a:srgbClr val="0081E2"/>
               </a:solidFill>
               <a:latin typeface="Consolas" panose="020B0609020204030204" pitchFamily="49" charset="0"/>
             </a:endParaRPr>
           </a:p>
           <a:p>
             <a:r>
-              <a:rPr lang="en-US" sz="2000" dirty="0">
-                <a:solidFill>
-                  <a:srgbClr val="EB6E19"/>
+              <a:rPr lang="en-US" sz="1600" dirty="0">
+                <a:solidFill>
+                  <a:srgbClr val="0081E2"/>
                 </a:solidFill>
                 <a:latin typeface="Consolas" panose="020B0609020204030204" pitchFamily="49" charset="0"/>
               </a:rPr>
-              <a:t>            </a:t>
-            </a:r>
-            <a:r>
-              <a:rPr lang="en-US" sz="2000" dirty="0">
-                <a:solidFill>
-                  <a:srgbClr val="00DA63"/>
+              <a:t>A. Insert an item</a:t>
+            </a:r>
+          </a:p>
+          <a:p>
+            <a:r>
+              <a:rPr lang="en-US" sz="1600" dirty="0">
+                <a:solidFill>
+                  <a:srgbClr val="0081E2"/>
                 </a:solidFill>
                 <a:latin typeface="Consolas" panose="020B0609020204030204" pitchFamily="49" charset="0"/>
               </a:rPr>
-              <a:t> A                                    B</a:t>
-            </a:r>
-          </a:p>
-          <a:p>
-            <a:r>
-              <a:rPr lang="en-US" sz="2000" dirty="0">
-                <a:solidFill>
-                  <a:srgbClr val="EB6E19"/>
+              <a:t>B. Finding the minimum element</a:t>
+            </a:r>
+          </a:p>
+          <a:p>
+            <a:r>
+              <a:rPr lang="en-US" sz="1600" dirty="0">
+                <a:solidFill>
+                  <a:srgbClr val="0081E2"/>
                 </a:solidFill>
                 <a:latin typeface="Consolas" panose="020B0609020204030204" pitchFamily="49" charset="0"/>
               </a:rPr>
-              <a:t>for (int i=1; i &lt; n; i++)</a:t>
-            </a:r>
-          </a:p>
-          <a:p>
-            <a:r>
-              <a:rPr lang="en-US" sz="2000" dirty="0">
-                <a:solidFill>
-                  <a:srgbClr val="EB6E19"/>
+              <a:t>C. Delete the largest element from list</a:t>
+            </a:r>
+          </a:p>
+          <a:p>
+            <a:r>
+              <a:rPr lang="en-US" sz="1600" dirty="0">
+                <a:solidFill>
+                  <a:srgbClr val="0081E2"/>
                 </a:solidFill>
                 <a:latin typeface="Consolas" panose="020B0609020204030204" pitchFamily="49" charset="0"/>
               </a:rPr>
-              <a:t>	for (int j=1; j &lt; n; </a:t>
-            </a:r>
-            <a:r>
-              <a:rPr lang="en-US" sz="2000" dirty="0" err="1">
-                <a:solidFill>
-                  <a:srgbClr val="EB6E19"/>
+              <a:t>D. Finding the largest element</a:t>
+            </a:r>
+          </a:p>
+          <a:p>
+            <a:r>
+              <a:rPr lang="en-US" sz="1600" dirty="0">
+                <a:solidFill>
+                  <a:srgbClr val="0081E2"/>
                 </a:solidFill>
                 <a:latin typeface="Consolas" panose="020B0609020204030204" pitchFamily="49" charset="0"/>
               </a:rPr>
-              <a:t>j++</a:t>
-            </a:r>
-            <a:r>
-              <a:rPr lang="en-US" sz="2000" dirty="0">
-                <a:solidFill>
-                  <a:srgbClr val="EB6E19"/>
+              <a:t>E. Finding a random element, n</a:t>
+            </a:r>
+          </a:p>
+          <a:p>
+            <a:r>
+              <a:rPr lang="en-US" sz="1600" dirty="0">
+                <a:solidFill>
+                  <a:srgbClr val="0081E2"/>
                 </a:solidFill>
                 <a:latin typeface="Consolas" panose="020B0609020204030204" pitchFamily="49" charset="0"/>
               </a:rPr>
-              <a:t>)</a:t>
-            </a:r>
-          </a:p>
-          <a:p>
-            <a:r>
-              <a:rPr lang="en-US" sz="2000" dirty="0">
-                <a:solidFill>
-                  <a:srgbClr val="EB6E19"/>
-                </a:solidFill>
-                <a:latin typeface="Consolas" panose="020B0609020204030204" pitchFamily="49" charset="0"/>
-              </a:rPr>
-              <a:t>		sum = sum + 1;</a:t>
-            </a:r>
-          </a:p>
-          <a:p>
-            <a:endParaRPr lang="en-US" sz="2000" dirty="0">
+              <a:t>F. Deleting the minimum element in the list</a:t>
+            </a:r>
+          </a:p>
+          <a:p>
+            <a:endParaRPr lang="en-US" sz="1600" dirty="0">
               <a:solidFill>
-                <a:srgbClr val="EB6E19"/>
+                <a:srgbClr val="0081E2"/>
               </a:solidFill>
               <a:latin typeface="Consolas" panose="020B0609020204030204" pitchFamily="49" charset="0"/>
             </a:endParaRPr>
           </a:p>
-          <a:p>
-            <a:endParaRPr lang="en-US" sz="2000" dirty="0">
-              <a:solidFill>
-                <a:srgbClr val="EB6E19"/>
-              </a:solidFill>
-              <a:latin typeface="Consolas" panose="020B0609020204030204" pitchFamily="49" charset="0"/>
-            </a:endParaRPr>
-          </a:p>
-          <a:p>
-            <a:r>
-              <a:rPr lang="en-US" sz="2000" dirty="0">
-                <a:solidFill>
-                  <a:srgbClr val="00DA63"/>
-                </a:solidFill>
-                <a:latin typeface="Consolas" panose="020B0609020204030204" pitchFamily="49" charset="0"/>
-              </a:rPr>
-              <a:t>Answer: A and B grow at the same rate </a:t>
-            </a:r>
-            <a:r>
-              <a:rPr lang="en-US" sz="2000" dirty="0" err="1">
-                <a:solidFill>
-                  <a:srgbClr val="00DA63"/>
-                </a:solidFill>
-                <a:latin typeface="Consolas" panose="020B0609020204030204" pitchFamily="49" charset="0"/>
-              </a:rPr>
-              <a:t>asymtotically</a:t>
-            </a:r>
-            <a:endParaRPr lang="en-US" sz="2000" dirty="0">
-              <a:solidFill>
-                <a:srgbClr val="00DA63"/>
-              </a:solidFill>
-              <a:latin typeface="Consolas" panose="020B0609020204030204" pitchFamily="49" charset="0"/>
-            </a:endParaRPr>
-          </a:p>
-        </p:txBody>
-      </p:sp>
-      <p:sp>
-        <p:nvSpPr>
-          <p:cNvPr id="7" name="TextBox 6">
-            <a:extLst>
-              <a:ext uri="{FF2B5EF4-FFF2-40B4-BE49-F238E27FC236}">
-                <a16:creationId xmlns:a16="http://schemas.microsoft.com/office/drawing/2014/main" id="{92A4DF68-D3B8-4D4F-85C6-D314CAD1A865}"/>
-              </a:ext>
-            </a:extLst>
-          </p:cNvPr>
-          <p:cNvSpPr txBox="1"/>
-          <p:nvPr/>
-        </p:nvSpPr>
-        <p:spPr>
-          <a:xfrm>
-            <a:off x="6297419" y="3059496"/>
-            <a:ext cx="6094324" cy="923330"/>
-          </a:xfrm>
-          <a:prstGeom prst="rect">
-            <a:avLst/>
-          </a:prstGeom>
-          <a:noFill/>
-        </p:spPr>
-        <p:txBody>
-          <a:bodyPr wrap="square">
-            <a:spAutoFit/>
-          </a:bodyPr>
-          <a:lstStyle/>
-          <a:p>
-            <a:r>
-              <a:rPr lang="en-US" sz="1800" dirty="0">
-                <a:solidFill>
-                  <a:srgbClr val="EB6E19"/>
-                </a:solidFill>
-                <a:latin typeface="Consolas" panose="020B0609020204030204" pitchFamily="49" charset="0"/>
-              </a:rPr>
-              <a:t>for (int i=1; i &lt; 2n; i++)</a:t>
-            </a:r>
-          </a:p>
-          <a:p>
-            <a:r>
-              <a:rPr lang="en-US" sz="1800" dirty="0">
-                <a:solidFill>
-                  <a:srgbClr val="EB6E19"/>
-                </a:solidFill>
-                <a:latin typeface="Consolas" panose="020B0609020204030204" pitchFamily="49" charset="0"/>
-              </a:rPr>
-              <a:t>	for (int j=1; j &lt; 2n; </a:t>
-            </a:r>
-            <a:r>
-              <a:rPr lang="en-US" sz="1800" dirty="0" err="1">
-                <a:solidFill>
-                  <a:srgbClr val="EB6E19"/>
-                </a:solidFill>
-                <a:latin typeface="Consolas" panose="020B0609020204030204" pitchFamily="49" charset="0"/>
-              </a:rPr>
-              <a:t>j++</a:t>
-            </a:r>
-            <a:r>
-              <a:rPr lang="en-US" sz="1800" dirty="0">
-                <a:solidFill>
-                  <a:srgbClr val="EB6E19"/>
-                </a:solidFill>
-                <a:latin typeface="Consolas" panose="020B0609020204030204" pitchFamily="49" charset="0"/>
-              </a:rPr>
-              <a:t>)</a:t>
-            </a:r>
-          </a:p>
-          <a:p>
-            <a:r>
-              <a:rPr lang="en-US" sz="1800" dirty="0">
-                <a:solidFill>
-                  <a:srgbClr val="EB6E19"/>
-                </a:solidFill>
-                <a:latin typeface="Consolas" panose="020B0609020204030204" pitchFamily="49" charset="0"/>
-              </a:rPr>
-              <a:t>		sum = sum + 1;</a:t>
-            </a:r>
-          </a:p>
         </p:txBody>
       </p:sp>
     </p:spTree>
     <p:extLst>
       <p:ext uri="{BB962C8B-B14F-4D97-AF65-F5344CB8AC3E}">
-        <p14:creationId xmlns:p14="http://schemas.microsoft.com/office/powerpoint/2010/main" val="2651317974"/>
+        <p14:creationId xmlns:p14="http://schemas.microsoft.com/office/powerpoint/2010/main" val="1671614239"/>
       </p:ext>
     </p:extLst>
   </p:cSld>
@@ -15431,63 +15360,125 @@
                 </a:solidFill>
                 <a:latin typeface="Consolas" panose="020B0609020204030204" pitchFamily="49" charset="0"/>
               </a:rPr>
-              <a:t>A. Insert an item</a:t>
-            </a:r>
-          </a:p>
-          <a:p>
+              <a:t>A. Insert an item </a:t>
+            </a:r>
             <a:r>
               <a:rPr lang="en-US" sz="1600" dirty="0">
                 <a:solidFill>
+                  <a:srgbClr val="EB6E19"/>
+                </a:solidFill>
+                <a:latin typeface="Consolas" panose="020B0609020204030204" pitchFamily="49" charset="0"/>
+              </a:rPr>
+              <a:t>: O(n)</a:t>
+            </a:r>
+          </a:p>
+          <a:p>
+            <a:r>
+              <a:rPr lang="en-US" sz="1600" dirty="0">
+                <a:solidFill>
                   <a:srgbClr val="0081E2"/>
                 </a:solidFill>
                 <a:latin typeface="Consolas" panose="020B0609020204030204" pitchFamily="49" charset="0"/>
               </a:rPr>
-              <a:t>B. Finding the minimum element</a:t>
-            </a:r>
-          </a:p>
-          <a:p>
+              <a:t>B. Finding the minimum element </a:t>
+            </a:r>
             <a:r>
               <a:rPr lang="en-US" sz="1600" dirty="0">
                 <a:solidFill>
+                  <a:srgbClr val="EB6E19"/>
+                </a:solidFill>
+                <a:latin typeface="Consolas" panose="020B0609020204030204" pitchFamily="49" charset="0"/>
+              </a:rPr>
+              <a:t>: O(1)</a:t>
+            </a:r>
+          </a:p>
+          <a:p>
+            <a:r>
+              <a:rPr lang="en-US" sz="1600" dirty="0">
+                <a:solidFill>
                   <a:srgbClr val="0081E2"/>
                 </a:solidFill>
                 <a:latin typeface="Consolas" panose="020B0609020204030204" pitchFamily="49" charset="0"/>
               </a:rPr>
-              <a:t>C. Delete the largest element from list</a:t>
-            </a:r>
-          </a:p>
-          <a:p>
+              <a:t>C. Delete the largest element from list </a:t>
+            </a:r>
             <a:r>
               <a:rPr lang="en-US" sz="1600" dirty="0">
                 <a:solidFill>
+                  <a:srgbClr val="EB6E19"/>
+                </a:solidFill>
+                <a:latin typeface="Consolas" panose="020B0609020204030204" pitchFamily="49" charset="0"/>
+              </a:rPr>
+              <a:t>: O(n)</a:t>
+            </a:r>
+          </a:p>
+          <a:p>
+            <a:r>
+              <a:rPr lang="en-US" sz="1600" dirty="0">
+                <a:solidFill>
                   <a:srgbClr val="0081E2"/>
                 </a:solidFill>
                 <a:latin typeface="Consolas" panose="020B0609020204030204" pitchFamily="49" charset="0"/>
               </a:rPr>
-              <a:t>D. Finding the largest element</a:t>
-            </a:r>
-          </a:p>
-          <a:p>
+              <a:t>D. Finding the largest element </a:t>
+            </a:r>
             <a:r>
               <a:rPr lang="en-US" sz="1600" dirty="0">
                 <a:solidFill>
+                  <a:srgbClr val="EB6E19"/>
+                </a:solidFill>
+                <a:latin typeface="Consolas" panose="020B0609020204030204" pitchFamily="49" charset="0"/>
+              </a:rPr>
+              <a:t>: O(n)</a:t>
+            </a:r>
+          </a:p>
+          <a:p>
+            <a:r>
+              <a:rPr lang="en-US" sz="1600" dirty="0">
+                <a:solidFill>
                   <a:srgbClr val="0081E2"/>
                 </a:solidFill>
                 <a:latin typeface="Consolas" panose="020B0609020204030204" pitchFamily="49" charset="0"/>
               </a:rPr>
-              <a:t>E. Finding a random element, n</a:t>
-            </a:r>
-          </a:p>
-          <a:p>
+              <a:t>E. Finding a random element, n </a:t>
+            </a:r>
             <a:r>
               <a:rPr lang="en-US" sz="1600" dirty="0">
                 <a:solidFill>
+                  <a:srgbClr val="EB6E19"/>
+                </a:solidFill>
+                <a:latin typeface="Consolas" panose="020B0609020204030204" pitchFamily="49" charset="0"/>
+              </a:rPr>
+              <a:t>: O(n)</a:t>
+            </a:r>
+          </a:p>
+          <a:p>
+            <a:r>
+              <a:rPr lang="en-US" sz="1600" dirty="0">
+                <a:solidFill>
                   <a:srgbClr val="0081E2"/>
                 </a:solidFill>
                 <a:latin typeface="Consolas" panose="020B0609020204030204" pitchFamily="49" charset="0"/>
               </a:rPr>
-              <a:t>F. Deleting the minimum element in the list</a:t>
-            </a:r>
+              <a:t>F. Deleting the minimum element in the list </a:t>
+            </a:r>
+            <a:r>
+              <a:rPr lang="en-US" sz="1600" dirty="0">
+                <a:solidFill>
+                  <a:srgbClr val="EB6E19"/>
+                </a:solidFill>
+                <a:latin typeface="Consolas" panose="020B0609020204030204" pitchFamily="49" charset="0"/>
+              </a:rPr>
+              <a:t>: O(1)</a:t>
+            </a:r>
+          </a:p>
+          <a:p>
+            <a:endParaRPr lang="en-US" sz="1600" dirty="0">
+              <a:solidFill>
+                <a:srgbClr val="EB6E19"/>
+              </a:solidFill>
+              <a:latin typeface="Consolas" panose="020B0609020204030204" pitchFamily="49" charset="0"/>
+            </a:endParaRPr>
           </a:p>
           <a:p>
             <a:endParaRPr lang="en-US" sz="1600" dirty="0">
@@ -15502,7 +15493,7 @@
     </p:spTree>
     <p:extLst>
       <p:ext uri="{BB962C8B-B14F-4D97-AF65-F5344CB8AC3E}">
-        <p14:creationId xmlns:p14="http://schemas.microsoft.com/office/powerpoint/2010/main" val="1671614239"/>
+        <p14:creationId xmlns:p14="http://schemas.microsoft.com/office/powerpoint/2010/main" val="3075079372"/>
       </p:ext>
     </p:extLst>
   </p:cSld>
@@ -15567,7 +15558,7 @@
                 </a:solidFill>
                 <a:latin typeface="Gotham Bold" pitchFamily="50" charset="0"/>
               </a:rPr>
-              <a:t>Mini Review – Linked Lists</a:t>
+              <a:t>Mini Review – Stacks</a:t>
             </a:r>
           </a:p>
         </p:txBody>
@@ -15589,7 +15580,7 @@
         <p:spPr>
           <a:xfrm>
             <a:off x="940881" y="1690688"/>
-            <a:ext cx="9790759" cy="5057971"/>
+            <a:ext cx="10978592" cy="5057971"/>
           </a:xfrm>
           <a:prstGeom prst="rect">
             <a:avLst/>
@@ -15702,46 +15693,16 @@
                 </a:solidFill>
                 <a:latin typeface="Consolas" panose="020B0609020204030204" pitchFamily="49" charset="0"/>
               </a:rPr>
-              <a:t>Consider a class List that implements an </a:t>
-            </a:r>
-            <a:r>
+              <a:t>Postfix Evaluation “2 3 1 * + 9 -“. We scan all elements one by one.</a:t>
+            </a:r>
+            <a:br>
               <a:rPr lang="en-US" sz="1600" dirty="0">
                 <a:solidFill>
-                  <a:srgbClr val="EB6E19"/>
+                  <a:srgbClr val="0081E2"/>
                 </a:solidFill>
                 <a:latin typeface="Consolas" panose="020B0609020204030204" pitchFamily="49" charset="0"/>
               </a:rPr>
-              <a:t>ordered</a:t>
-            </a:r>
-            <a:r>
-              <a:rPr lang="en-US" sz="1600" dirty="0">
-                <a:solidFill>
-                  <a:srgbClr val="0081E2"/>
-                </a:solidFill>
-                <a:latin typeface="Consolas" panose="020B0609020204030204" pitchFamily="49" charset="0"/>
-              </a:rPr>
-              <a:t> list backed by a singly linked list with a head pointer. The invariant “</a:t>
-            </a:r>
-            <a:r>
-              <a:rPr lang="en-US" sz="1600" dirty="0">
-                <a:solidFill>
-                  <a:srgbClr val="EB6E19"/>
-                </a:solidFill>
-                <a:latin typeface="Consolas" panose="020B0609020204030204" pitchFamily="49" charset="0"/>
-              </a:rPr>
-              <a:t>ordered</a:t>
-            </a:r>
-            <a:r>
-              <a:rPr lang="en-US" sz="1600" dirty="0">
-                <a:solidFill>
-                  <a:srgbClr val="0081E2"/>
-                </a:solidFill>
-                <a:latin typeface="Consolas" panose="020B0609020204030204" pitchFamily="49" charset="0"/>
-              </a:rPr>
-              <a:t>” is maintained always. Given that representation, what is the worst-case time complexity of the following operations? Assume the list is sorted in ascending order.</a:t>
-            </a:r>
-          </a:p>
-          <a:p>
+            </a:br>
             <a:endParaRPr lang="en-US" sz="1600" dirty="0">
               <a:solidFill>
                 <a:srgbClr val="0081E2"/>
@@ -15749,148 +15710,12 @@
               <a:latin typeface="Consolas" panose="020B0609020204030204" pitchFamily="49" charset="0"/>
             </a:endParaRPr>
           </a:p>
-          <a:p>
-            <a:r>
-              <a:rPr lang="en-US" sz="1600" dirty="0">
-                <a:solidFill>
-                  <a:srgbClr val="0081E2"/>
-                </a:solidFill>
-                <a:latin typeface="Consolas" panose="020B0609020204030204" pitchFamily="49" charset="0"/>
-              </a:rPr>
-              <a:t>A. Insert an item </a:t>
-            </a:r>
-            <a:r>
-              <a:rPr lang="en-US" sz="1600" dirty="0">
-                <a:solidFill>
-                  <a:srgbClr val="EB6E19"/>
-                </a:solidFill>
-                <a:latin typeface="Consolas" panose="020B0609020204030204" pitchFamily="49" charset="0"/>
-              </a:rPr>
-              <a:t>: O(n)</a:t>
-            </a:r>
-          </a:p>
-          <a:p>
-            <a:r>
-              <a:rPr lang="en-US" sz="1600" dirty="0">
-                <a:solidFill>
-                  <a:srgbClr val="0081E2"/>
-                </a:solidFill>
-                <a:latin typeface="Consolas" panose="020B0609020204030204" pitchFamily="49" charset="0"/>
-              </a:rPr>
-              <a:t>B. Finding the minimum element </a:t>
-            </a:r>
-            <a:r>
-              <a:rPr lang="en-US" sz="1600" dirty="0">
-                <a:solidFill>
-                  <a:srgbClr val="EB6E19"/>
-                </a:solidFill>
-                <a:latin typeface="Consolas" panose="020B0609020204030204" pitchFamily="49" charset="0"/>
-              </a:rPr>
-              <a:t>: O(1)</a:t>
-            </a:r>
-          </a:p>
-          <a:p>
-            <a:r>
-              <a:rPr lang="en-US" sz="1600" dirty="0">
-                <a:solidFill>
-                  <a:srgbClr val="0081E2"/>
-                </a:solidFill>
-                <a:latin typeface="Consolas" panose="020B0609020204030204" pitchFamily="49" charset="0"/>
-              </a:rPr>
-              <a:t>C. Delete the largest element from list </a:t>
-            </a:r>
-            <a:r>
-              <a:rPr lang="en-US" sz="1600" dirty="0">
-                <a:solidFill>
-                  <a:srgbClr val="EB6E19"/>
-                </a:solidFill>
-                <a:latin typeface="Consolas" panose="020B0609020204030204" pitchFamily="49" charset="0"/>
-              </a:rPr>
-              <a:t>: O(n)</a:t>
-            </a:r>
-          </a:p>
-          <a:p>
-            <a:r>
-              <a:rPr lang="en-US" sz="1600" dirty="0">
-                <a:solidFill>
-                  <a:srgbClr val="0081E2"/>
-                </a:solidFill>
-                <a:latin typeface="Consolas" panose="020B0609020204030204" pitchFamily="49" charset="0"/>
-              </a:rPr>
-              <a:t>D. Finding the largest element </a:t>
-            </a:r>
-            <a:r>
-              <a:rPr lang="en-US" sz="1600" dirty="0">
-                <a:solidFill>
-                  <a:srgbClr val="EB6E19"/>
-                </a:solidFill>
-                <a:latin typeface="Consolas" panose="020B0609020204030204" pitchFamily="49" charset="0"/>
-              </a:rPr>
-              <a:t>: O(n)</a:t>
-            </a:r>
-          </a:p>
-          <a:p>
-            <a:r>
-              <a:rPr lang="en-US" sz="1600" dirty="0">
-                <a:solidFill>
-                  <a:srgbClr val="0081E2"/>
-                </a:solidFill>
-                <a:latin typeface="Consolas" panose="020B0609020204030204" pitchFamily="49" charset="0"/>
-              </a:rPr>
-              <a:t>E. Finding a random element, n </a:t>
-            </a:r>
-            <a:r>
-              <a:rPr lang="en-US" sz="1600" dirty="0">
-                <a:solidFill>
-                  <a:srgbClr val="EB6E19"/>
-                </a:solidFill>
-                <a:latin typeface="Consolas" panose="020B0609020204030204" pitchFamily="49" charset="0"/>
-              </a:rPr>
-              <a:t>: O(n)</a:t>
-            </a:r>
-          </a:p>
-          <a:p>
-            <a:r>
-              <a:rPr lang="en-US" sz="1600" dirty="0">
-                <a:solidFill>
-                  <a:srgbClr val="0081E2"/>
-                </a:solidFill>
-                <a:latin typeface="Consolas" panose="020B0609020204030204" pitchFamily="49" charset="0"/>
-              </a:rPr>
-              <a:t>F. Deleting the minimum element in the list </a:t>
-            </a:r>
-            <a:r>
-              <a:rPr lang="en-US" sz="1600" dirty="0">
-                <a:solidFill>
-                  <a:srgbClr val="EB6E19"/>
-                </a:solidFill>
-                <a:latin typeface="Consolas" panose="020B0609020204030204" pitchFamily="49" charset="0"/>
-              </a:rPr>
-              <a:t>: O(1)</a:t>
-            </a:r>
-          </a:p>
-          <a:p>
-            <a:endParaRPr lang="en-US" sz="1600" dirty="0">
-              <a:solidFill>
-                <a:srgbClr val="EB6E19"/>
-              </a:solidFill>
-              <a:latin typeface="Consolas" panose="020B0609020204030204" pitchFamily="49" charset="0"/>
-            </a:endParaRPr>
-          </a:p>
-          <a:p>
-            <a:endParaRPr lang="en-US" sz="1600" dirty="0">
-              <a:solidFill>
-                <a:srgbClr val="0081E2"/>
-              </a:solidFill>
-              <a:latin typeface="Consolas" panose="020B0609020204030204" pitchFamily="49" charset="0"/>
-            </a:endParaRPr>
-          </a:p>
         </p:txBody>
       </p:sp>
     </p:spTree>
     <p:extLst>
       <p:ext uri="{BB962C8B-B14F-4D97-AF65-F5344CB8AC3E}">
-        <p14:creationId xmlns:p14="http://schemas.microsoft.com/office/powerpoint/2010/main" val="3075079372"/>
+        <p14:creationId xmlns:p14="http://schemas.microsoft.com/office/powerpoint/2010/main" val="2199279301"/>
       </p:ext>
     </p:extLst>
   </p:cSld>
@@ -16092,6 +15917,8 @@
               </a:rPr>
               <a:t>Postfix Evaluation “2 3 1 * + 9 -“. We scan all elements one by one.</a:t>
             </a:r>
+          </a:p>
+          <a:p>
             <a:br>
               <a:rPr lang="en-US" sz="1600" dirty="0">
                 <a:solidFill>
@@ -16100,19 +15927,141 @@
                 <a:latin typeface="Consolas" panose="020B0609020204030204" pitchFamily="49" charset="0"/>
               </a:rPr>
             </a:br>
-            <a:endParaRPr lang="en-US" sz="1600" dirty="0">
-              <a:solidFill>
-                <a:srgbClr val="0081E2"/>
-              </a:solidFill>
-              <a:latin typeface="Consolas" panose="020B0609020204030204" pitchFamily="49" charset="0"/>
-            </a:endParaRPr>
+            <a:r>
+              <a:rPr lang="en-US" sz="1600" dirty="0">
+                <a:solidFill>
+                  <a:srgbClr val="EB6E19"/>
+                </a:solidFill>
+                <a:latin typeface="Consolas" panose="020B0609020204030204" pitchFamily="49" charset="0"/>
+              </a:rPr>
+              <a:t>1) Scan ‘2’, it’s a number, so push it to stack. Stack contains ‘2’</a:t>
+            </a:r>
+            <a:br>
+              <a:rPr lang="en-US" sz="1600" dirty="0">
+                <a:solidFill>
+                  <a:srgbClr val="EB6E19"/>
+                </a:solidFill>
+                <a:latin typeface="Consolas" panose="020B0609020204030204" pitchFamily="49" charset="0"/>
+              </a:rPr>
+            </a:br>
+            <a:r>
+              <a:rPr lang="en-US" sz="1600" dirty="0">
+                <a:solidFill>
+                  <a:srgbClr val="EB6E19"/>
+                </a:solidFill>
+                <a:latin typeface="Consolas" panose="020B0609020204030204" pitchFamily="49" charset="0"/>
+              </a:rPr>
+              <a:t>2) Scan ‘3’, again a number, push it to stack, stack now contains ‘2 3’ (from bottom to top)</a:t>
+            </a:r>
+            <a:br>
+              <a:rPr lang="en-US" sz="1600" dirty="0">
+                <a:solidFill>
+                  <a:srgbClr val="EB6E19"/>
+                </a:solidFill>
+                <a:latin typeface="Consolas" panose="020B0609020204030204" pitchFamily="49" charset="0"/>
+              </a:rPr>
+            </a:br>
+            <a:r>
+              <a:rPr lang="en-US" sz="1600" dirty="0">
+                <a:solidFill>
+                  <a:srgbClr val="EB6E19"/>
+                </a:solidFill>
+                <a:latin typeface="Consolas" panose="020B0609020204030204" pitchFamily="49" charset="0"/>
+              </a:rPr>
+              <a:t>3) Scan ‘1’, again a number, push it to stack, stack now contains ‘2 3 1’</a:t>
+            </a:r>
+            <a:br>
+              <a:rPr lang="en-US" sz="1600" dirty="0">
+                <a:solidFill>
+                  <a:srgbClr val="EB6E19"/>
+                </a:solidFill>
+                <a:latin typeface="Consolas" panose="020B0609020204030204" pitchFamily="49" charset="0"/>
+              </a:rPr>
+            </a:br>
+            <a:r>
+              <a:rPr lang="en-US" sz="1600" dirty="0">
+                <a:solidFill>
+                  <a:srgbClr val="EB6E19"/>
+                </a:solidFill>
+                <a:latin typeface="Consolas" panose="020B0609020204030204" pitchFamily="49" charset="0"/>
+              </a:rPr>
+              <a:t>4) Scan ‘*’, it’s an operator, pop two operands from stack, apply the * operator on operands, we get 3*1 which results in 3. We push the result ‘3’ to stack. Stack now becomes ‘2 3’.</a:t>
+            </a:r>
+            <a:br>
+              <a:rPr lang="en-US" sz="1600" dirty="0">
+                <a:solidFill>
+                  <a:srgbClr val="EB6E19"/>
+                </a:solidFill>
+                <a:latin typeface="Consolas" panose="020B0609020204030204" pitchFamily="49" charset="0"/>
+              </a:rPr>
+            </a:br>
+            <a:r>
+              <a:rPr lang="en-US" sz="1600" dirty="0">
+                <a:solidFill>
+                  <a:srgbClr val="EB6E19"/>
+                </a:solidFill>
+                <a:latin typeface="Consolas" panose="020B0609020204030204" pitchFamily="49" charset="0"/>
+              </a:rPr>
+              <a:t>5) Scan ‘+’, it’s an operator, pop two operands from stack, apply the + operator on operands, we get 3 + 2 which results in 5. We push the result ‘5’ to stack. Stack now becomes ‘5’.</a:t>
+            </a:r>
+            <a:br>
+              <a:rPr lang="en-US" sz="1600" dirty="0">
+                <a:solidFill>
+                  <a:srgbClr val="EB6E19"/>
+                </a:solidFill>
+                <a:latin typeface="Consolas" panose="020B0609020204030204" pitchFamily="49" charset="0"/>
+              </a:rPr>
+            </a:br>
+            <a:r>
+              <a:rPr lang="en-US" sz="1600" dirty="0">
+                <a:solidFill>
+                  <a:srgbClr val="EB6E19"/>
+                </a:solidFill>
+                <a:latin typeface="Consolas" panose="020B0609020204030204" pitchFamily="49" charset="0"/>
+              </a:rPr>
+              <a:t>6) Scan ‘9’, it’s a number, we push it to the stack. Stack now becomes ‘5 9’.</a:t>
+            </a:r>
+            <a:br>
+              <a:rPr lang="en-US" sz="1600" dirty="0">
+                <a:solidFill>
+                  <a:srgbClr val="EB6E19"/>
+                </a:solidFill>
+                <a:latin typeface="Consolas" panose="020B0609020204030204" pitchFamily="49" charset="0"/>
+              </a:rPr>
+            </a:br>
+            <a:r>
+              <a:rPr lang="en-US" sz="1600" dirty="0">
+                <a:solidFill>
+                  <a:srgbClr val="EB6E19"/>
+                </a:solidFill>
+                <a:latin typeface="Consolas" panose="020B0609020204030204" pitchFamily="49" charset="0"/>
+              </a:rPr>
+              <a:t>7) Scan ‘-‘, it’s an operator, pop two operands from stack, apply the – operator on operands, we get 5 – 9 which results in -4. We push the result ‘-4’ to stack. Stack now becomes ‘-4’.</a:t>
+            </a:r>
+            <a:br>
+              <a:rPr lang="en-US" sz="1600" dirty="0">
+                <a:solidFill>
+                  <a:srgbClr val="EB6E19"/>
+                </a:solidFill>
+                <a:latin typeface="Consolas" panose="020B0609020204030204" pitchFamily="49" charset="0"/>
+              </a:rPr>
+            </a:br>
+            <a:r>
+              <a:rPr lang="en-US" sz="1600" dirty="0">
+                <a:solidFill>
+                  <a:srgbClr val="EB6E19"/>
+                </a:solidFill>
+                <a:latin typeface="Consolas" panose="020B0609020204030204" pitchFamily="49" charset="0"/>
+              </a:rPr>
+              <a:t>8) There are no more elements to scan, we return the top element from stack (which is the only element left in stack).</a:t>
+            </a:r>
           </a:p>
         </p:txBody>
       </p:sp>
     </p:spTree>
     <p:extLst>
       <p:ext uri="{BB962C8B-B14F-4D97-AF65-F5344CB8AC3E}">
-        <p14:creationId xmlns:p14="http://schemas.microsoft.com/office/powerpoint/2010/main" val="2199279301"/>
+        <p14:creationId xmlns:p14="http://schemas.microsoft.com/office/powerpoint/2010/main" val="3921623338"/>
       </p:ext>
     </p:extLst>
   </p:cSld>
@@ -16177,7 +16126,7 @@
                 </a:solidFill>
                 <a:latin typeface="Gotham Bold" pitchFamily="50" charset="0"/>
               </a:rPr>
-              <a:t>Mini Review – Stacks</a:t>
+              <a:t>Output Prediction / Coding Questions</a:t>
             </a:r>
           </a:p>
         </p:txBody>
@@ -16311,146 +16260,48 @@
                   <a:srgbClr val="0081E2"/>
                 </a:solidFill>
                 <a:latin typeface="Consolas" panose="020B0609020204030204" pitchFamily="49" charset="0"/>
-              </a:rPr>
-              <a:t>Postfix Evaluation “2 3 1 * + 9 -“. We scan all elements one by one.</a:t>
-            </a:r>
-          </a:p>
-          <a:p>
-            <a:br>
+                <a:hlinkClick r:id="rId3">
+                  <a:extLst>
+                    <a:ext uri="{A12FA001-AC4F-418D-AE19-62706E023703}">
+                      <ahyp:hlinkClr xmlns:ahyp="http://schemas.microsoft.com/office/drawing/2018/hyperlinkcolor" val="tx"/>
+                    </a:ext>
+                  </a:extLst>
+                </a:hlinkClick>
+              </a:rPr>
+              <a:t>https://onlinegdb.com/BJ4hyD7vP</a:t>
+            </a:r>
+            <a:endParaRPr lang="en-US" sz="1600" dirty="0">
+              <a:solidFill>
+                <a:srgbClr val="0081E2"/>
+              </a:solidFill>
+              <a:latin typeface="Consolas" panose="020B0609020204030204" pitchFamily="49" charset="0"/>
+            </a:endParaRPr>
+          </a:p>
+          <a:p>
+            <a:r>
               <a:rPr lang="en-US" sz="1600" dirty="0">
                 <a:solidFill>
                   <a:srgbClr val="0081E2"/>
                 </a:solidFill>
                 <a:latin typeface="Consolas" panose="020B0609020204030204" pitchFamily="49" charset="0"/>
-              </a:rPr>
-            </a:br>
+                <a:hlinkClick r:id="rId4">
+                  <a:extLst>
+                    <a:ext uri="{A12FA001-AC4F-418D-AE19-62706E023703}">
+                      <ahyp:hlinkClr xmlns:ahyp="http://schemas.microsoft.com/office/drawing/2018/hyperlinkcolor" val="tx"/>
+                    </a:ext>
+                  </a:extLst>
+                </a:hlinkClick>
+              </a:rPr>
+              <a:t>https://onlinegdb.com/BJ6gewQDP</a:t>
+            </a:r>
             <a:r>
               <a:rPr lang="en-US" sz="1600" dirty="0">
                 <a:solidFill>
-                  <a:srgbClr val="EB6E19"/>
+                  <a:srgbClr val="0081E2"/>
                 </a:solidFill>
                 <a:latin typeface="Consolas" panose="020B0609020204030204" pitchFamily="49" charset="0"/>
               </a:rPr>
-              <a:t>1) Scan ‘2’, it’s a number, so push it to stack. Stack contains ‘2’</a:t>
-            </a:r>
-            <a:br>
-              <a:rPr lang="en-US" sz="1600" dirty="0">
-                <a:solidFill>
-                  <a:srgbClr val="EB6E19"/>
-                </a:solidFill>
-                <a:latin typeface="Consolas" panose="020B0609020204030204" pitchFamily="49" charset="0"/>
-              </a:rPr>
-            </a:br>
-            <a:r>
-              <a:rPr lang="en-US" sz="1600" dirty="0">
-                <a:solidFill>
-                  <a:srgbClr val="EB6E19"/>
-                </a:solidFill>
-                <a:latin typeface="Consolas" panose="020B0609020204030204" pitchFamily="49" charset="0"/>
-              </a:rPr>
-              <a:t>2) Scan ‘3’, again a number, push it to stack, stack now contains ‘2 3’ (from bottom to top)</a:t>
-            </a:r>
-            <a:br>
-              <a:rPr lang="en-US" sz="1600" dirty="0">
-                <a:solidFill>
-                  <a:srgbClr val="EB6E19"/>
-                </a:solidFill>
-                <a:latin typeface="Consolas" panose="020B0609020204030204" pitchFamily="49" charset="0"/>
-              </a:rPr>
-            </a:br>
-            <a:r>
-              <a:rPr lang="en-US" sz="1600" dirty="0">
-                <a:solidFill>
-                  <a:srgbClr val="EB6E19"/>
-                </a:solidFill>
-                <a:latin typeface="Consolas" panose="020B0609020204030204" pitchFamily="49" charset="0"/>
-              </a:rPr>
-              <a:t>3) Scan ‘1’, again a number, push it to stack, stack now contains ‘2 3 1’</a:t>
-            </a:r>
-            <a:br>
-              <a:rPr lang="en-US" sz="1600" dirty="0">
-                <a:solidFill>
-                  <a:srgbClr val="EB6E19"/>
-                </a:solidFill>
-                <a:latin typeface="Consolas" panose="020B0609020204030204" pitchFamily="49" charset="0"/>
-              </a:rPr>
-            </a:br>
-            <a:r>
-              <a:rPr lang="en-US" sz="1600" dirty="0">
-                <a:solidFill>
-                  <a:srgbClr val="EB6E19"/>
-                </a:solidFill>
-                <a:latin typeface="Consolas" panose="020B0609020204030204" pitchFamily="49" charset="0"/>
-              </a:rPr>
-              <a:t>4) Scan ‘*’, it’s an operator, pop two operands from stack, apply the * operator on operands, we get 3*1 which results in 3. We push the result ‘3’ to stack. Stack now becomes ‘2 3’.</a:t>
-            </a:r>
-            <a:br>
-              <a:rPr lang="en-US" sz="1600" dirty="0">
-                <a:solidFill>
-                  <a:srgbClr val="EB6E19"/>
-                </a:solidFill>
-                <a:latin typeface="Consolas" panose="020B0609020204030204" pitchFamily="49" charset="0"/>
-              </a:rPr>
-            </a:br>
-            <a:r>
-              <a:rPr lang="en-US" sz="1600" dirty="0">
-                <a:solidFill>
-                  <a:srgbClr val="EB6E19"/>
-                </a:solidFill>
-                <a:latin typeface="Consolas" panose="020B0609020204030204" pitchFamily="49" charset="0"/>
-              </a:rPr>
-              <a:t>5) Scan ‘+’, it’s an operator, pop two operands from stack, apply the + operator on operands, we get 3 + 2 which results in 5. We push the result ‘5’ to stack. Stack now becomes ‘5’.</a:t>
-            </a:r>
-            <a:br>
-              <a:rPr lang="en-US" sz="1600" dirty="0">
-                <a:solidFill>
-                  <a:srgbClr val="EB6E19"/>
-                </a:solidFill>
-                <a:latin typeface="Consolas" panose="020B0609020204030204" pitchFamily="49" charset="0"/>
-              </a:rPr>
-            </a:br>
-            <a:r>
-              <a:rPr lang="en-US" sz="1600" dirty="0">
-                <a:solidFill>
-                  <a:srgbClr val="EB6E19"/>
-                </a:solidFill>
-                <a:latin typeface="Consolas" panose="020B0609020204030204" pitchFamily="49" charset="0"/>
-              </a:rPr>
-              <a:t>6) Scan ‘9’, it’s a number, we push it to the stack. Stack now becomes ‘5 9’.</a:t>
-            </a:r>
-            <a:br>
-              <a:rPr lang="en-US" sz="1600" dirty="0">
-                <a:solidFill>
-                  <a:srgbClr val="EB6E19"/>
-                </a:solidFill>
-                <a:latin typeface="Consolas" panose="020B0609020204030204" pitchFamily="49" charset="0"/>
-              </a:rPr>
-            </a:br>
-            <a:r>
-              <a:rPr lang="en-US" sz="1600" dirty="0">
-                <a:solidFill>
-                  <a:srgbClr val="EB6E19"/>
-                </a:solidFill>
-                <a:latin typeface="Consolas" panose="020B0609020204030204" pitchFamily="49" charset="0"/>
-              </a:rPr>
-              <a:t>7) Scan ‘-‘, it’s an operator, pop two operands from stack, apply the – operator on operands, we get 5 – 9 which results in -4. We push the result ‘-4’ to stack. Stack now becomes ‘-4’.</a:t>
-            </a:r>
-            <a:br>
-              <a:rPr lang="en-US" sz="1600" dirty="0">
-                <a:solidFill>
-                  <a:srgbClr val="EB6E19"/>
-                </a:solidFill>
-                <a:latin typeface="Consolas" panose="020B0609020204030204" pitchFamily="49" charset="0"/>
-              </a:rPr>
-            </a:br>
-            <a:r>
-              <a:rPr lang="en-US" sz="1600" dirty="0">
-                <a:solidFill>
-                  <a:srgbClr val="EB6E19"/>
-                </a:solidFill>
-                <a:latin typeface="Consolas" panose="020B0609020204030204" pitchFamily="49" charset="0"/>
-              </a:rPr>
-              <a:t>8) There are no more elements to scan, we return the top element from stack (which is the only element left in stack).</a:t>
+              <a:t> </a:t>
             </a:r>
           </a:p>
         </p:txBody>
@@ -16458,7 +16309,7 @@
     </p:spTree>
     <p:extLst>
       <p:ext uri="{BB962C8B-B14F-4D97-AF65-F5344CB8AC3E}">
-        <p14:creationId xmlns:p14="http://schemas.microsoft.com/office/powerpoint/2010/main" val="3921623338"/>
+        <p14:creationId xmlns:p14="http://schemas.microsoft.com/office/powerpoint/2010/main" val="3092846301"/>
       </p:ext>
     </p:extLst>
   </p:cSld>
@@ -16469,7 +16320,7 @@
 </file>
 
 <file path=ppt/slides/slide25.xml><?xml version="1.0" encoding="utf-8"?>
-<p:sld xmlns:a="http://schemas.openxmlformats.org/drawingml/2006/main" xmlns:r="http://schemas.openxmlformats.org/officeDocument/2006/relationships" xmlns:p="http://schemas.openxmlformats.org/presentationml/2006/main">
+<p:sld xmlns:a="http://schemas.openxmlformats.org/drawingml/2006/main" xmlns:r="http://schemas.openxmlformats.org/officeDocument/2006/relationships" xmlns:p="http://schemas.openxmlformats.org/presentationml/2006/main" show="0">
   <p:cSld>
     <p:bg>
       <p:bgPr>
@@ -16523,190 +16374,112 @@
                 </a:solidFill>
                 <a:latin typeface="Gotham Bold" pitchFamily="50" charset="0"/>
               </a:rPr>
-              <a:t>Output Prediction / Coding Questions</a:t>
-            </a:r>
-          </a:p>
-        </p:txBody>
-      </p:sp>
-      <p:sp>
-        <p:nvSpPr>
-          <p:cNvPr id="5" name="Content Placeholder 1">
+              <a:t>Mini Review – Sorting</a:t>
+            </a:r>
+          </a:p>
+        </p:txBody>
+      </p:sp>
+      <p:sp>
+        <p:nvSpPr>
+          <p:cNvPr id="6" name="TextBox 5">
             <a:extLst>
               <a:ext uri="{FF2B5EF4-FFF2-40B4-BE49-F238E27FC236}">
-                <a16:creationId xmlns:a16="http://schemas.microsoft.com/office/drawing/2014/main" id="{9069B1C4-5084-4E0D-9FA0-9C8B794FA1FE}"/>
+                <a16:creationId xmlns:a16="http://schemas.microsoft.com/office/drawing/2014/main" id="{6910D817-7706-4B40-61E0-933842B0CC61}"/>
               </a:ext>
             </a:extLst>
           </p:cNvPr>
-          <p:cNvSpPr txBox="1">
-            <a:spLocks/>
-          </p:cNvSpPr>
+          <p:cNvSpPr txBox="1"/>
           <p:nvPr/>
         </p:nvSpPr>
         <p:spPr>
           <a:xfrm>
-            <a:off x="940881" y="1690688"/>
-            <a:ext cx="10978592" cy="5057971"/>
+            <a:off x="1103126" y="2326068"/>
+            <a:ext cx="9252985" cy="2585323"/>
           </a:xfrm>
           <a:prstGeom prst="rect">
             <a:avLst/>
           </a:prstGeom>
+          <a:noFill/>
         </p:spPr>
         <p:txBody>
-          <a:bodyPr vert="horz" lIns="91440" tIns="45720" rIns="91440" bIns="45720" rtlCol="0" anchor="t"/>
-          <a:lstStyle>
-            <a:defPPr>
-              <a:defRPr lang="en-US"/>
-            </a:defPPr>
-            <a:lvl1pPr marL="0" algn="l" defTabSz="914400" rtl="0" eaLnBrk="1" latinLnBrk="0" hangingPunct="1">
-              <a:defRPr sz="1200" kern="1200">
-                <a:solidFill>
-                  <a:schemeClr val="tx1">
-                    <a:tint val="75000"/>
-                  </a:schemeClr>
-                </a:solidFill>
-                <a:latin typeface="+mn-lt"/>
-                <a:ea typeface="+mn-ea"/>
-                <a:cs typeface="+mn-cs"/>
-              </a:defRPr>
-            </a:lvl1pPr>
-            <a:lvl2pPr marL="457200" algn="l" defTabSz="914400" rtl="0" eaLnBrk="1" latinLnBrk="0" hangingPunct="1">
-              <a:defRPr sz="1800" kern="1200">
-                <a:solidFill>
-                  <a:schemeClr val="tx1"/>
-                </a:solidFill>
-                <a:latin typeface="+mn-lt"/>
-                <a:ea typeface="+mn-ea"/>
-                <a:cs typeface="+mn-cs"/>
-              </a:defRPr>
-            </a:lvl2pPr>
-            <a:lvl3pPr marL="914400" algn="l" defTabSz="914400" rtl="0" eaLnBrk="1" latinLnBrk="0" hangingPunct="1">
-              <a:defRPr sz="1800" kern="1200">
-                <a:solidFill>
-                  <a:schemeClr val="tx1"/>
-                </a:solidFill>
-                <a:latin typeface="+mn-lt"/>
-                <a:ea typeface="+mn-ea"/>
-                <a:cs typeface="+mn-cs"/>
-              </a:defRPr>
-            </a:lvl3pPr>
-            <a:lvl4pPr marL="1371600" algn="l" defTabSz="914400" rtl="0" eaLnBrk="1" latinLnBrk="0" hangingPunct="1">
-              <a:defRPr sz="1800" kern="1200">
-                <a:solidFill>
-                  <a:schemeClr val="tx1"/>
-                </a:solidFill>
-                <a:latin typeface="+mn-lt"/>
-                <a:ea typeface="+mn-ea"/>
-                <a:cs typeface="+mn-cs"/>
-              </a:defRPr>
-            </a:lvl4pPr>
-            <a:lvl5pPr marL="1828800" algn="l" defTabSz="914400" rtl="0" eaLnBrk="1" latinLnBrk="0" hangingPunct="1">
-              <a:defRPr sz="1800" kern="1200">
-                <a:solidFill>
-                  <a:schemeClr val="tx1"/>
-                </a:solidFill>
-                <a:latin typeface="+mn-lt"/>
-                <a:ea typeface="+mn-ea"/>
-                <a:cs typeface="+mn-cs"/>
-              </a:defRPr>
-            </a:lvl5pPr>
-            <a:lvl6pPr marL="2286000" algn="l" defTabSz="914400" rtl="0" eaLnBrk="1" latinLnBrk="0" hangingPunct="1">
-              <a:defRPr sz="1800" kern="1200">
-                <a:solidFill>
-                  <a:schemeClr val="tx1"/>
-                </a:solidFill>
-                <a:latin typeface="+mn-lt"/>
-                <a:ea typeface="+mn-ea"/>
-                <a:cs typeface="+mn-cs"/>
-              </a:defRPr>
-            </a:lvl6pPr>
-            <a:lvl7pPr marL="2743200" algn="l" defTabSz="914400" rtl="0" eaLnBrk="1" latinLnBrk="0" hangingPunct="1">
-              <a:defRPr sz="1800" kern="1200">
-                <a:solidFill>
-                  <a:schemeClr val="tx1"/>
-                </a:solidFill>
-                <a:latin typeface="+mn-lt"/>
-                <a:ea typeface="+mn-ea"/>
-                <a:cs typeface="+mn-cs"/>
-              </a:defRPr>
-            </a:lvl7pPr>
-            <a:lvl8pPr marL="3200400" algn="l" defTabSz="914400" rtl="0" eaLnBrk="1" latinLnBrk="0" hangingPunct="1">
-              <a:defRPr sz="1800" kern="1200">
-                <a:solidFill>
-                  <a:schemeClr val="tx1"/>
-                </a:solidFill>
-                <a:latin typeface="+mn-lt"/>
-                <a:ea typeface="+mn-ea"/>
-                <a:cs typeface="+mn-cs"/>
-              </a:defRPr>
-            </a:lvl8pPr>
-            <a:lvl9pPr marL="3657600" algn="l" defTabSz="914400" rtl="0" eaLnBrk="1" latinLnBrk="0" hangingPunct="1">
-              <a:defRPr sz="1800" kern="1200">
-                <a:solidFill>
-                  <a:schemeClr val="tx1"/>
-                </a:solidFill>
-                <a:latin typeface="+mn-lt"/>
-                <a:ea typeface="+mn-ea"/>
-                <a:cs typeface="+mn-cs"/>
-              </a:defRPr>
-            </a:lvl9pPr>
-          </a:lstStyle>
-          <a:p>
-            <a:r>
-              <a:rPr lang="en-US" sz="1600" dirty="0">
-                <a:solidFill>
-                  <a:srgbClr val="0081E2"/>
-                </a:solidFill>
-                <a:latin typeface="Consolas" panose="020B0609020204030204" pitchFamily="49" charset="0"/>
-                <a:hlinkClick r:id="rId3">
-                  <a:extLst>
-                    <a:ext uri="{A12FA001-AC4F-418D-AE19-62706E023703}">
-                      <ahyp:hlinkClr xmlns:ahyp="http://schemas.microsoft.com/office/drawing/2018/hyperlinkcolor" val="tx"/>
-                    </a:ext>
-                  </a:extLst>
-                </a:hlinkClick>
-              </a:rPr>
-              <a:t>https://onlinegdb.com/BJ4hyD7vP</a:t>
-            </a:r>
-            <a:endParaRPr lang="en-US" sz="1600" dirty="0">
+          <a:bodyPr wrap="square">
+            <a:spAutoFit/>
+          </a:bodyPr>
+          <a:lstStyle/>
+          <a:p>
+            <a:r>
+              <a:rPr lang="en-US" dirty="0">
+                <a:solidFill>
+                  <a:srgbClr val="EB6E19"/>
+                </a:solidFill>
+              </a:rPr>
+              <a:t>Recognize the following techniques with the most appropriate algorithm.</a:t>
+            </a:r>
+          </a:p>
+          <a:p>
+            <a:endParaRPr lang="en-US" dirty="0">
               <a:solidFill>
-                <a:srgbClr val="0081E2"/>
+                <a:srgbClr val="EB6E19"/>
               </a:solidFill>
-              <a:latin typeface="Consolas" panose="020B0609020204030204" pitchFamily="49" charset="0"/>
             </a:endParaRPr>
           </a:p>
           <a:p>
             <a:r>
-              <a:rPr lang="en-US" sz="1600" dirty="0">
-                <a:solidFill>
-                  <a:srgbClr val="0081E2"/>
-                </a:solidFill>
-                <a:latin typeface="Consolas" panose="020B0609020204030204" pitchFamily="49" charset="0"/>
-                <a:hlinkClick r:id="rId4">
-                  <a:extLst>
-                    <a:ext uri="{A12FA001-AC4F-418D-AE19-62706E023703}">
-                      <ahyp:hlinkClr xmlns:ahyp="http://schemas.microsoft.com/office/drawing/2018/hyperlinkcolor" val="tx"/>
-                    </a:ext>
-                  </a:extLst>
-                </a:hlinkClick>
-              </a:rPr>
-              <a:t>https://onlinegdb.com/BJ6gewQDP</a:t>
-            </a:r>
-            <a:r>
-              <a:rPr lang="en-US" sz="1600" dirty="0">
-                <a:solidFill>
-                  <a:srgbClr val="0081E2"/>
-                </a:solidFill>
-                <a:latin typeface="Consolas" panose="020B0609020204030204" pitchFamily="49" charset="0"/>
-              </a:rPr>
-              <a:t> </a:t>
-            </a:r>
+              <a:rPr lang="en-US" dirty="0">
+                <a:solidFill>
+                  <a:schemeClr val="bg1"/>
+                </a:solidFill>
+              </a:rPr>
+              <a:t>Finds smallest element and puts in lowest index, then puts second smallest in the second index, and so on</a:t>
+            </a:r>
+          </a:p>
+          <a:p>
+            <a:endParaRPr lang="en-US" dirty="0">
+              <a:solidFill>
+                <a:schemeClr val="bg1"/>
+              </a:solidFill>
+            </a:endParaRPr>
+          </a:p>
+          <a:p>
+            <a:r>
+              <a:rPr lang="en-US" dirty="0">
+                <a:solidFill>
+                  <a:schemeClr val="bg1"/>
+                </a:solidFill>
+              </a:rPr>
+              <a:t>Swaps neighboring items</a:t>
+            </a:r>
+          </a:p>
+          <a:p>
+            <a:endParaRPr lang="en-US" dirty="0">
+              <a:solidFill>
+                <a:schemeClr val="bg1"/>
+              </a:solidFill>
+            </a:endParaRPr>
+          </a:p>
+          <a:p>
+            <a:r>
+              <a:rPr lang="en-US" dirty="0">
+                <a:solidFill>
+                  <a:schemeClr val="bg1"/>
+                </a:solidFill>
+              </a:rPr>
+              <a:t>Rearranges elements at a gap and reduces gaps across passes until it converges</a:t>
+            </a:r>
+          </a:p>
+          <a:p>
+            <a:endParaRPr lang="en-US" dirty="0">
+              <a:solidFill>
+                <a:srgbClr val="EB6E19"/>
+              </a:solidFill>
+            </a:endParaRPr>
           </a:p>
         </p:txBody>
       </p:sp>
     </p:spTree>
     <p:extLst>
       <p:ext uri="{BB962C8B-B14F-4D97-AF65-F5344CB8AC3E}">
-        <p14:creationId xmlns:p14="http://schemas.microsoft.com/office/powerpoint/2010/main" val="3092846301"/>
+        <p14:creationId xmlns:p14="http://schemas.microsoft.com/office/powerpoint/2010/main" val="4067574677"/>
       </p:ext>
     </p:extLst>
   </p:cSld>
@@ -16717,7 +16490,7 @@
 </file>
 
 <file path=ppt/slides/slide26.xml><?xml version="1.0" encoding="utf-8"?>
-<p:sld xmlns:a="http://schemas.openxmlformats.org/drawingml/2006/main" xmlns:r="http://schemas.openxmlformats.org/officeDocument/2006/relationships" xmlns:p="http://schemas.openxmlformats.org/presentationml/2006/main">
+<p:sld xmlns:a="http://schemas.openxmlformats.org/drawingml/2006/main" xmlns:r="http://schemas.openxmlformats.org/officeDocument/2006/relationships" xmlns:p="http://schemas.openxmlformats.org/presentationml/2006/main" show="0">
   <p:cSld>
     <p:bg>
       <p:bgPr>
@@ -16827,176 +16600,6 @@
                   <a:schemeClr val="bg1"/>
                 </a:solidFill>
               </a:rPr>
-              <a:t>Finds smallest element and puts in lowest index, then puts second smallest in the second index, and so on</a:t>
-            </a:r>
-          </a:p>
-          <a:p>
-            <a:endParaRPr lang="en-US" dirty="0">
-              <a:solidFill>
-                <a:schemeClr val="bg1"/>
-              </a:solidFill>
-            </a:endParaRPr>
-          </a:p>
-          <a:p>
-            <a:r>
-              <a:rPr lang="en-US" dirty="0">
-                <a:solidFill>
-                  <a:schemeClr val="bg1"/>
-                </a:solidFill>
-              </a:rPr>
-              <a:t>Swaps neighboring items</a:t>
-            </a:r>
-          </a:p>
-          <a:p>
-            <a:endParaRPr lang="en-US" dirty="0">
-              <a:solidFill>
-                <a:schemeClr val="bg1"/>
-              </a:solidFill>
-            </a:endParaRPr>
-          </a:p>
-          <a:p>
-            <a:r>
-              <a:rPr lang="en-US" dirty="0">
-                <a:solidFill>
-                  <a:schemeClr val="bg1"/>
-                </a:solidFill>
-              </a:rPr>
-              <a:t>Rearranges elements at a gap and reduces gaps across passes until it converges</a:t>
-            </a:r>
-          </a:p>
-          <a:p>
-            <a:endParaRPr lang="en-US" dirty="0">
-              <a:solidFill>
-                <a:srgbClr val="EB6E19"/>
-              </a:solidFill>
-            </a:endParaRPr>
-          </a:p>
-        </p:txBody>
-      </p:sp>
-    </p:spTree>
-    <p:extLst>
-      <p:ext uri="{BB962C8B-B14F-4D97-AF65-F5344CB8AC3E}">
-        <p14:creationId xmlns:p14="http://schemas.microsoft.com/office/powerpoint/2010/main" val="4067574677"/>
-      </p:ext>
-    </p:extLst>
-  </p:cSld>
-  <p:clrMapOvr>
-    <a:masterClrMapping/>
-  </p:clrMapOvr>
-</p:sld>
-</file>
-
-<file path=ppt/slides/slide27.xml><?xml version="1.0" encoding="utf-8"?>
-<p:sld xmlns:a="http://schemas.openxmlformats.org/drawingml/2006/main" xmlns:r="http://schemas.openxmlformats.org/officeDocument/2006/relationships" xmlns:p="http://schemas.openxmlformats.org/presentationml/2006/main">
-  <p:cSld>
-    <p:bg>
-      <p:bgPr>
-        <a:solidFill>
-          <a:schemeClr val="tx1"/>
-        </a:solidFill>
-        <a:effectLst/>
-      </p:bgPr>
-    </p:bg>
-    <p:spTree>
-      <p:nvGrpSpPr>
-        <p:cNvPr id="1" name=""/>
-        <p:cNvGrpSpPr/>
-        <p:nvPr/>
-      </p:nvGrpSpPr>
-      <p:grpSpPr>
-        <a:xfrm>
-          <a:off x="0" y="0"/>
-          <a:ext cx="0" cy="0"/>
-          <a:chOff x="0" y="0"/>
-          <a:chExt cx="0" cy="0"/>
-        </a:xfrm>
-      </p:grpSpPr>
-      <p:sp>
-        <p:nvSpPr>
-          <p:cNvPr id="2" name="Title 1">
-            <a:extLst>
-              <a:ext uri="{FF2B5EF4-FFF2-40B4-BE49-F238E27FC236}">
-                <a16:creationId xmlns:a16="http://schemas.microsoft.com/office/drawing/2014/main" id="{FA98DF2D-4C21-45B7-8CEE-41E2C22A3166}"/>
-              </a:ext>
-            </a:extLst>
-          </p:cNvPr>
-          <p:cNvSpPr>
-            <a:spLocks noGrp="1"/>
-          </p:cNvSpPr>
-          <p:nvPr>
-            <p:ph type="title"/>
-          </p:nvPr>
-        </p:nvSpPr>
-        <p:spPr/>
-        <p:txBody>
-          <a:bodyPr>
-            <a:normAutofit/>
-          </a:bodyPr>
-          <a:lstStyle/>
-          <a:p>
-            <a:r>
-              <a:rPr lang="en-US" sz="3600" dirty="0">
-                <a:solidFill>
-                  <a:schemeClr val="bg1"/>
-                </a:solidFill>
-                <a:latin typeface="Gotham Bold" pitchFamily="50" charset="0"/>
-              </a:rPr>
-              <a:t>Mini Review – Sorting</a:t>
-            </a:r>
-          </a:p>
-        </p:txBody>
-      </p:sp>
-      <p:sp>
-        <p:nvSpPr>
-          <p:cNvPr id="6" name="TextBox 5">
-            <a:extLst>
-              <a:ext uri="{FF2B5EF4-FFF2-40B4-BE49-F238E27FC236}">
-                <a16:creationId xmlns:a16="http://schemas.microsoft.com/office/drawing/2014/main" id="{6910D817-7706-4B40-61E0-933842B0CC61}"/>
-              </a:ext>
-            </a:extLst>
-          </p:cNvPr>
-          <p:cNvSpPr txBox="1"/>
-          <p:nvPr/>
-        </p:nvSpPr>
-        <p:spPr>
-          <a:xfrm>
-            <a:off x="1103126" y="2326068"/>
-            <a:ext cx="9252985" cy="2585323"/>
-          </a:xfrm>
-          <a:prstGeom prst="rect">
-            <a:avLst/>
-          </a:prstGeom>
-          <a:noFill/>
-        </p:spPr>
-        <p:txBody>
-          <a:bodyPr wrap="square">
-            <a:spAutoFit/>
-          </a:bodyPr>
-          <a:lstStyle/>
-          <a:p>
-            <a:r>
-              <a:rPr lang="en-US" dirty="0">
-                <a:solidFill>
-                  <a:srgbClr val="EB6E19"/>
-                </a:solidFill>
-              </a:rPr>
-              <a:t>Recognize the following techniques with the most appropriate algorithm.</a:t>
-            </a:r>
-          </a:p>
-          <a:p>
-            <a:endParaRPr lang="en-US" dirty="0">
-              <a:solidFill>
-                <a:srgbClr val="EB6E19"/>
-              </a:solidFill>
-            </a:endParaRPr>
-          </a:p>
-          <a:p>
-            <a:r>
-              <a:rPr lang="en-US" dirty="0">
-                <a:solidFill>
-                  <a:schemeClr val="bg1"/>
-                </a:solidFill>
-              </a:rPr>
               <a:t>Finds smallest element and puts in lowest index, then puts second smallest in the second index, and so on: </a:t>
             </a:r>
             <a:r>
@@ -17085,8 +16688,8 @@
 </p:sld>
 </file>
 
-<file path=ppt/slides/slide28.xml><?xml version="1.0" encoding="utf-8"?>
-<p:sld xmlns:a="http://schemas.openxmlformats.org/drawingml/2006/main" xmlns:r="http://schemas.openxmlformats.org/officeDocument/2006/relationships" xmlns:p="http://schemas.openxmlformats.org/presentationml/2006/main">
+<file path=ppt/slides/slide27.xml><?xml version="1.0" encoding="utf-8"?>
+<p:sld xmlns:a="http://schemas.openxmlformats.org/drawingml/2006/main" xmlns:r="http://schemas.openxmlformats.org/officeDocument/2006/relationships" xmlns:p="http://schemas.openxmlformats.org/presentationml/2006/main" show="0">
   <p:cSld>
     <p:bg>
       <p:bgPr>
@@ -18274,8 +17877,8 @@
 </p:sld>
 </file>
 
-<file path=ppt/slides/slide29.xml><?xml version="1.0" encoding="utf-8"?>
-<p:sld xmlns:a="http://schemas.openxmlformats.org/drawingml/2006/main" xmlns:r="http://schemas.openxmlformats.org/officeDocument/2006/relationships" xmlns:p="http://schemas.openxmlformats.org/presentationml/2006/main">
+<file path=ppt/slides/slide28.xml><?xml version="1.0" encoding="utf-8"?>
+<p:sld xmlns:a="http://schemas.openxmlformats.org/drawingml/2006/main" xmlns:r="http://schemas.openxmlformats.org/officeDocument/2006/relationships" xmlns:p="http://schemas.openxmlformats.org/presentationml/2006/main" show="0">
   <p:cSld>
     <p:bg>
       <p:bgPr>
@@ -19469,6 +19072,315 @@
 </p:sld>
 </file>
 
+<file path=ppt/slides/slide29.xml><?xml version="1.0" encoding="utf-8"?>
+<p:sld xmlns:a="http://schemas.openxmlformats.org/drawingml/2006/main" xmlns:r="http://schemas.openxmlformats.org/officeDocument/2006/relationships" xmlns:p="http://schemas.openxmlformats.org/presentationml/2006/main">
+  <p:cSld>
+    <p:bg>
+      <p:bgPr>
+        <a:solidFill>
+          <a:schemeClr val="tx1"/>
+        </a:solidFill>
+        <a:effectLst/>
+      </p:bgPr>
+    </p:bg>
+    <p:spTree>
+      <p:nvGrpSpPr>
+        <p:cNvPr id="1" name=""/>
+        <p:cNvGrpSpPr/>
+        <p:nvPr/>
+      </p:nvGrpSpPr>
+      <p:grpSpPr>
+        <a:xfrm>
+          <a:off x="0" y="0"/>
+          <a:ext cx="0" cy="0"/>
+          <a:chOff x="0" y="0"/>
+          <a:chExt cx="0" cy="0"/>
+        </a:xfrm>
+      </p:grpSpPr>
+      <p:sp>
+        <p:nvSpPr>
+          <p:cNvPr id="2" name="Title 1">
+            <a:extLst>
+              <a:ext uri="{FF2B5EF4-FFF2-40B4-BE49-F238E27FC236}">
+                <a16:creationId xmlns:a16="http://schemas.microsoft.com/office/drawing/2014/main" id="{FA98DF2D-4C21-45B7-8CEE-41E2C22A3166}"/>
+              </a:ext>
+            </a:extLst>
+          </p:cNvPr>
+          <p:cNvSpPr>
+            <a:spLocks noGrp="1"/>
+          </p:cNvSpPr>
+          <p:nvPr>
+            <p:ph type="title"/>
+          </p:nvPr>
+        </p:nvSpPr>
+        <p:spPr/>
+        <p:txBody>
+          <a:bodyPr>
+            <a:normAutofit/>
+          </a:bodyPr>
+          <a:lstStyle/>
+          <a:p>
+            <a:r>
+              <a:rPr lang="en-US" sz="3600" dirty="0">
+                <a:solidFill>
+                  <a:schemeClr val="bg1"/>
+                </a:solidFill>
+                <a:latin typeface="Gotham Bold" pitchFamily="50" charset="0"/>
+              </a:rPr>
+              <a:t>Mini Review – Coding questions</a:t>
+            </a:r>
+          </a:p>
+        </p:txBody>
+      </p:sp>
+      <p:sp>
+        <p:nvSpPr>
+          <p:cNvPr id="5" name="Content Placeholder 1">
+            <a:extLst>
+              <a:ext uri="{FF2B5EF4-FFF2-40B4-BE49-F238E27FC236}">
+                <a16:creationId xmlns:a16="http://schemas.microsoft.com/office/drawing/2014/main" id="{9069B1C4-5084-4E0D-9FA0-9C8B794FA1FE}"/>
+              </a:ext>
+            </a:extLst>
+          </p:cNvPr>
+          <p:cNvSpPr txBox="1">
+            <a:spLocks/>
+          </p:cNvSpPr>
+          <p:nvPr/>
+        </p:nvSpPr>
+        <p:spPr>
+          <a:xfrm>
+            <a:off x="940881" y="1690688"/>
+            <a:ext cx="10978592" cy="5057971"/>
+          </a:xfrm>
+          <a:prstGeom prst="rect">
+            <a:avLst/>
+          </a:prstGeom>
+        </p:spPr>
+        <p:txBody>
+          <a:bodyPr vert="horz" lIns="91440" tIns="45720" rIns="91440" bIns="45720" rtlCol="0" anchor="t"/>
+          <a:lstStyle>
+            <a:defPPr>
+              <a:defRPr lang="en-US"/>
+            </a:defPPr>
+            <a:lvl1pPr marL="0" algn="l" defTabSz="914400" rtl="0" eaLnBrk="1" latinLnBrk="0" hangingPunct="1">
+              <a:defRPr sz="1200" kern="1200">
+                <a:solidFill>
+                  <a:schemeClr val="tx1">
+                    <a:tint val="75000"/>
+                  </a:schemeClr>
+                </a:solidFill>
+                <a:latin typeface="+mn-lt"/>
+                <a:ea typeface="+mn-ea"/>
+                <a:cs typeface="+mn-cs"/>
+              </a:defRPr>
+            </a:lvl1pPr>
+            <a:lvl2pPr marL="457200" algn="l" defTabSz="914400" rtl="0" eaLnBrk="1" latinLnBrk="0" hangingPunct="1">
+              <a:defRPr sz="1800" kern="1200">
+                <a:solidFill>
+                  <a:schemeClr val="tx1"/>
+                </a:solidFill>
+                <a:latin typeface="+mn-lt"/>
+                <a:ea typeface="+mn-ea"/>
+                <a:cs typeface="+mn-cs"/>
+              </a:defRPr>
+            </a:lvl2pPr>
+            <a:lvl3pPr marL="914400" algn="l" defTabSz="914400" rtl="0" eaLnBrk="1" latinLnBrk="0" hangingPunct="1">
+              <a:defRPr sz="1800" kern="1200">
+                <a:solidFill>
+                  <a:schemeClr val="tx1"/>
+                </a:solidFill>
+                <a:latin typeface="+mn-lt"/>
+                <a:ea typeface="+mn-ea"/>
+                <a:cs typeface="+mn-cs"/>
+              </a:defRPr>
+            </a:lvl3pPr>
+            <a:lvl4pPr marL="1371600" algn="l" defTabSz="914400" rtl="0" eaLnBrk="1" latinLnBrk="0" hangingPunct="1">
+              <a:defRPr sz="1800" kern="1200">
+                <a:solidFill>
+                  <a:schemeClr val="tx1"/>
+                </a:solidFill>
+                <a:latin typeface="+mn-lt"/>
+                <a:ea typeface="+mn-ea"/>
+                <a:cs typeface="+mn-cs"/>
+              </a:defRPr>
+            </a:lvl4pPr>
+            <a:lvl5pPr marL="1828800" algn="l" defTabSz="914400" rtl="0" eaLnBrk="1" latinLnBrk="0" hangingPunct="1">
+              <a:defRPr sz="1800" kern="1200">
+                <a:solidFill>
+                  <a:schemeClr val="tx1"/>
+                </a:solidFill>
+                <a:latin typeface="+mn-lt"/>
+                <a:ea typeface="+mn-ea"/>
+                <a:cs typeface="+mn-cs"/>
+              </a:defRPr>
+            </a:lvl5pPr>
+            <a:lvl6pPr marL="2286000" algn="l" defTabSz="914400" rtl="0" eaLnBrk="1" latinLnBrk="0" hangingPunct="1">
+              <a:defRPr sz="1800" kern="1200">
+                <a:solidFill>
+                  <a:schemeClr val="tx1"/>
+                </a:solidFill>
+                <a:latin typeface="+mn-lt"/>
+                <a:ea typeface="+mn-ea"/>
+                <a:cs typeface="+mn-cs"/>
+              </a:defRPr>
+            </a:lvl6pPr>
+            <a:lvl7pPr marL="2743200" algn="l" defTabSz="914400" rtl="0" eaLnBrk="1" latinLnBrk="0" hangingPunct="1">
+              <a:defRPr sz="1800" kern="1200">
+                <a:solidFill>
+                  <a:schemeClr val="tx1"/>
+                </a:solidFill>
+                <a:latin typeface="+mn-lt"/>
+                <a:ea typeface="+mn-ea"/>
+                <a:cs typeface="+mn-cs"/>
+              </a:defRPr>
+            </a:lvl7pPr>
+            <a:lvl8pPr marL="3200400" algn="l" defTabSz="914400" rtl="0" eaLnBrk="1" latinLnBrk="0" hangingPunct="1">
+              <a:defRPr sz="1800" kern="1200">
+                <a:solidFill>
+                  <a:schemeClr val="tx1"/>
+                </a:solidFill>
+                <a:latin typeface="+mn-lt"/>
+                <a:ea typeface="+mn-ea"/>
+                <a:cs typeface="+mn-cs"/>
+              </a:defRPr>
+            </a:lvl8pPr>
+            <a:lvl9pPr marL="3657600" algn="l" defTabSz="914400" rtl="0" eaLnBrk="1" latinLnBrk="0" hangingPunct="1">
+              <a:defRPr sz="1800" kern="1200">
+                <a:solidFill>
+                  <a:schemeClr val="tx1"/>
+                </a:solidFill>
+                <a:latin typeface="+mn-lt"/>
+                <a:ea typeface="+mn-ea"/>
+                <a:cs typeface="+mn-cs"/>
+              </a:defRPr>
+            </a:lvl9pPr>
+          </a:lstStyle>
+          <a:p>
+            <a:pPr marL="285750" indent="-285750">
+              <a:buFont typeface="Arial" panose="020B0604020202020204" pitchFamily="34" charset="0"/>
+              <a:buChar char="•"/>
+            </a:pPr>
+            <a:r>
+              <a:rPr lang="en-US" sz="1600" dirty="0">
+                <a:solidFill>
+                  <a:srgbClr val="0081E2"/>
+                </a:solidFill>
+                <a:latin typeface="Consolas" panose="020B0609020204030204" pitchFamily="49" charset="0"/>
+              </a:rPr>
+              <a:t>Check whether a string is a Palindrome using a Stack.</a:t>
+            </a:r>
+          </a:p>
+          <a:p>
+            <a:pPr marL="285750" indent="-285750">
+              <a:buFont typeface="Arial" panose="020B0604020202020204" pitchFamily="34" charset="0"/>
+              <a:buChar char="•"/>
+            </a:pPr>
+            <a:endParaRPr lang="en-US" sz="1600" dirty="0">
+              <a:solidFill>
+                <a:srgbClr val="0081E2"/>
+              </a:solidFill>
+              <a:latin typeface="Consolas" panose="020B0609020204030204" pitchFamily="49" charset="0"/>
+            </a:endParaRPr>
+          </a:p>
+          <a:p>
+            <a:pPr marL="285750" indent="-285750">
+              <a:buFont typeface="Arial" panose="020B0604020202020204" pitchFamily="34" charset="0"/>
+              <a:buChar char="•"/>
+            </a:pPr>
+            <a:r>
+              <a:rPr lang="en-US" sz="1600" dirty="0">
+                <a:solidFill>
+                  <a:srgbClr val="0081E2"/>
+                </a:solidFill>
+                <a:latin typeface="Consolas" panose="020B0609020204030204" pitchFamily="49" charset="0"/>
+              </a:rPr>
+              <a:t>Write pseudocode for adding an element in the rear in a doubly linked list consisting of a head and tail.</a:t>
+            </a:r>
+          </a:p>
+          <a:p>
+            <a:pPr marL="285750" indent="-285750">
+              <a:buFont typeface="Arial" panose="020B0604020202020204" pitchFamily="34" charset="0"/>
+              <a:buChar char="•"/>
+            </a:pPr>
+            <a:endParaRPr lang="en-US" sz="1600" dirty="0">
+              <a:solidFill>
+                <a:srgbClr val="0081E2"/>
+              </a:solidFill>
+              <a:latin typeface="Consolas" panose="020B0609020204030204" pitchFamily="49" charset="0"/>
+            </a:endParaRPr>
+          </a:p>
+          <a:p>
+            <a:pPr marL="285750" indent="-285750">
+              <a:buFont typeface="Arial" panose="020B0604020202020204" pitchFamily="34" charset="0"/>
+              <a:buChar char="•"/>
+            </a:pPr>
+            <a:r>
+              <a:rPr lang="en-US" sz="1600" dirty="0">
+                <a:solidFill>
+                  <a:srgbClr val="0081E2"/>
+                </a:solidFill>
+                <a:latin typeface="Consolas" panose="020B0609020204030204" pitchFamily="49" charset="0"/>
+              </a:rPr>
+              <a:t>Write pseudocode or C++ code to pop an element from a Circular Queue implemented as an array.</a:t>
+            </a:r>
+          </a:p>
+          <a:p>
+            <a:pPr marL="285750" indent="-285750">
+              <a:buFont typeface="Arial" panose="020B0604020202020204" pitchFamily="34" charset="0"/>
+              <a:buChar char="•"/>
+            </a:pPr>
+            <a:endParaRPr lang="en-US" sz="1600" dirty="0">
+              <a:solidFill>
+                <a:srgbClr val="0081E2"/>
+              </a:solidFill>
+              <a:latin typeface="Consolas" panose="020B0609020204030204" pitchFamily="49" charset="0"/>
+            </a:endParaRPr>
+          </a:p>
+          <a:p>
+            <a:pPr marL="285750" indent="-285750">
+              <a:buFont typeface="Arial" panose="020B0604020202020204" pitchFamily="34" charset="0"/>
+              <a:buChar char="•"/>
+            </a:pPr>
+            <a:r>
+              <a:rPr lang="en-US" sz="1600" dirty="0">
+                <a:solidFill>
+                  <a:srgbClr val="0081E2"/>
+                </a:solidFill>
+                <a:latin typeface="Consolas" panose="020B0609020204030204" pitchFamily="49" charset="0"/>
+              </a:rPr>
+              <a:t>Design a Stack data structure that supports push, pop and min operations in O(1) time.</a:t>
+            </a:r>
+          </a:p>
+          <a:p>
+            <a:endParaRPr lang="en-US" sz="1600" dirty="0">
+              <a:solidFill>
+                <a:srgbClr val="0081E2"/>
+              </a:solidFill>
+              <a:latin typeface="Consolas" panose="020B0609020204030204" pitchFamily="49" charset="0"/>
+            </a:endParaRPr>
+          </a:p>
+          <a:p>
+            <a:endParaRPr lang="en-US" sz="1600" dirty="0">
+              <a:solidFill>
+                <a:srgbClr val="0081E2"/>
+              </a:solidFill>
+              <a:latin typeface="Consolas" panose="020B0609020204030204" pitchFamily="49" charset="0"/>
+            </a:endParaRPr>
+          </a:p>
+        </p:txBody>
+      </p:sp>
+    </p:spTree>
+    <p:extLst>
+      <p:ext uri="{BB962C8B-B14F-4D97-AF65-F5344CB8AC3E}">
+        <p14:creationId xmlns:p14="http://schemas.microsoft.com/office/powerpoint/2010/main" val="615151376"/>
+      </p:ext>
+    </p:extLst>
+  </p:cSld>
+  <p:clrMapOvr>
+    <a:masterClrMapping/>
+  </p:clrMapOvr>
+</p:sld>
+</file>
+
 <file path=ppt/slides/slide3.xml><?xml version="1.0" encoding="utf-8"?>
 <p:sld xmlns:a="http://schemas.openxmlformats.org/drawingml/2006/main" xmlns:r="http://schemas.openxmlformats.org/officeDocument/2006/relationships" xmlns:p="http://schemas.openxmlformats.org/presentationml/2006/main">
   <p:cSld>
@@ -19707,7 +19619,7 @@
                 </a:solidFill>
                 <a:latin typeface="Gotham Bold" pitchFamily="50" charset="0"/>
               </a:rPr>
-              <a:t>Module 1 and 2</a:t>
+              <a:t>Module 2 and 3</a:t>
             </a:r>
           </a:p>
         </p:txBody>
@@ -19766,315 +19678,6 @@
             <p:ph type="title"/>
           </p:nvPr>
         </p:nvSpPr>
-        <p:spPr/>
-        <p:txBody>
-          <a:bodyPr>
-            <a:normAutofit/>
-          </a:bodyPr>
-          <a:lstStyle/>
-          <a:p>
-            <a:r>
-              <a:rPr lang="en-US" sz="3600" dirty="0">
-                <a:solidFill>
-                  <a:schemeClr val="bg1"/>
-                </a:solidFill>
-                <a:latin typeface="Gotham Bold" pitchFamily="50" charset="0"/>
-              </a:rPr>
-              <a:t>Mini Review – Coding questions</a:t>
-            </a:r>
-          </a:p>
-        </p:txBody>
-      </p:sp>
-      <p:sp>
-        <p:nvSpPr>
-          <p:cNvPr id="5" name="Content Placeholder 1">
-            <a:extLst>
-              <a:ext uri="{FF2B5EF4-FFF2-40B4-BE49-F238E27FC236}">
-                <a16:creationId xmlns:a16="http://schemas.microsoft.com/office/drawing/2014/main" id="{9069B1C4-5084-4E0D-9FA0-9C8B794FA1FE}"/>
-              </a:ext>
-            </a:extLst>
-          </p:cNvPr>
-          <p:cNvSpPr txBox="1">
-            <a:spLocks/>
-          </p:cNvSpPr>
-          <p:nvPr/>
-        </p:nvSpPr>
-        <p:spPr>
-          <a:xfrm>
-            <a:off x="940881" y="1690688"/>
-            <a:ext cx="10978592" cy="5057971"/>
-          </a:xfrm>
-          <a:prstGeom prst="rect">
-            <a:avLst/>
-          </a:prstGeom>
-        </p:spPr>
-        <p:txBody>
-          <a:bodyPr vert="horz" lIns="91440" tIns="45720" rIns="91440" bIns="45720" rtlCol="0" anchor="t"/>
-          <a:lstStyle>
-            <a:defPPr>
-              <a:defRPr lang="en-US"/>
-            </a:defPPr>
-            <a:lvl1pPr marL="0" algn="l" defTabSz="914400" rtl="0" eaLnBrk="1" latinLnBrk="0" hangingPunct="1">
-              <a:defRPr sz="1200" kern="1200">
-                <a:solidFill>
-                  <a:schemeClr val="tx1">
-                    <a:tint val="75000"/>
-                  </a:schemeClr>
-                </a:solidFill>
-                <a:latin typeface="+mn-lt"/>
-                <a:ea typeface="+mn-ea"/>
-                <a:cs typeface="+mn-cs"/>
-              </a:defRPr>
-            </a:lvl1pPr>
-            <a:lvl2pPr marL="457200" algn="l" defTabSz="914400" rtl="0" eaLnBrk="1" latinLnBrk="0" hangingPunct="1">
-              <a:defRPr sz="1800" kern="1200">
-                <a:solidFill>
-                  <a:schemeClr val="tx1"/>
-                </a:solidFill>
-                <a:latin typeface="+mn-lt"/>
-                <a:ea typeface="+mn-ea"/>
-                <a:cs typeface="+mn-cs"/>
-              </a:defRPr>
-            </a:lvl2pPr>
-            <a:lvl3pPr marL="914400" algn="l" defTabSz="914400" rtl="0" eaLnBrk="1" latinLnBrk="0" hangingPunct="1">
-              <a:defRPr sz="1800" kern="1200">
-                <a:solidFill>
-                  <a:schemeClr val="tx1"/>
-                </a:solidFill>
-                <a:latin typeface="+mn-lt"/>
-                <a:ea typeface="+mn-ea"/>
-                <a:cs typeface="+mn-cs"/>
-              </a:defRPr>
-            </a:lvl3pPr>
-            <a:lvl4pPr marL="1371600" algn="l" defTabSz="914400" rtl="0" eaLnBrk="1" latinLnBrk="0" hangingPunct="1">
-              <a:defRPr sz="1800" kern="1200">
-                <a:solidFill>
-                  <a:schemeClr val="tx1"/>
-                </a:solidFill>
-                <a:latin typeface="+mn-lt"/>
-                <a:ea typeface="+mn-ea"/>
-                <a:cs typeface="+mn-cs"/>
-              </a:defRPr>
-            </a:lvl4pPr>
-            <a:lvl5pPr marL="1828800" algn="l" defTabSz="914400" rtl="0" eaLnBrk="1" latinLnBrk="0" hangingPunct="1">
-              <a:defRPr sz="1800" kern="1200">
-                <a:solidFill>
-                  <a:schemeClr val="tx1"/>
-                </a:solidFill>
-                <a:latin typeface="+mn-lt"/>
-                <a:ea typeface="+mn-ea"/>
-                <a:cs typeface="+mn-cs"/>
-              </a:defRPr>
-            </a:lvl5pPr>
-            <a:lvl6pPr marL="2286000" algn="l" defTabSz="914400" rtl="0" eaLnBrk="1" latinLnBrk="0" hangingPunct="1">
-              <a:defRPr sz="1800" kern="1200">
-                <a:solidFill>
-                  <a:schemeClr val="tx1"/>
-                </a:solidFill>
-                <a:latin typeface="+mn-lt"/>
-                <a:ea typeface="+mn-ea"/>
-                <a:cs typeface="+mn-cs"/>
-              </a:defRPr>
-            </a:lvl6pPr>
-            <a:lvl7pPr marL="2743200" algn="l" defTabSz="914400" rtl="0" eaLnBrk="1" latinLnBrk="0" hangingPunct="1">
-              <a:defRPr sz="1800" kern="1200">
-                <a:solidFill>
-                  <a:schemeClr val="tx1"/>
-                </a:solidFill>
-                <a:latin typeface="+mn-lt"/>
-                <a:ea typeface="+mn-ea"/>
-                <a:cs typeface="+mn-cs"/>
-              </a:defRPr>
-            </a:lvl7pPr>
-            <a:lvl8pPr marL="3200400" algn="l" defTabSz="914400" rtl="0" eaLnBrk="1" latinLnBrk="0" hangingPunct="1">
-              <a:defRPr sz="1800" kern="1200">
-                <a:solidFill>
-                  <a:schemeClr val="tx1"/>
-                </a:solidFill>
-                <a:latin typeface="+mn-lt"/>
-                <a:ea typeface="+mn-ea"/>
-                <a:cs typeface="+mn-cs"/>
-              </a:defRPr>
-            </a:lvl8pPr>
-            <a:lvl9pPr marL="3657600" algn="l" defTabSz="914400" rtl="0" eaLnBrk="1" latinLnBrk="0" hangingPunct="1">
-              <a:defRPr sz="1800" kern="1200">
-                <a:solidFill>
-                  <a:schemeClr val="tx1"/>
-                </a:solidFill>
-                <a:latin typeface="+mn-lt"/>
-                <a:ea typeface="+mn-ea"/>
-                <a:cs typeface="+mn-cs"/>
-              </a:defRPr>
-            </a:lvl9pPr>
-          </a:lstStyle>
-          <a:p>
-            <a:pPr marL="285750" indent="-285750">
-              <a:buFont typeface="Arial" panose="020B0604020202020204" pitchFamily="34" charset="0"/>
-              <a:buChar char="•"/>
-            </a:pPr>
-            <a:r>
-              <a:rPr lang="en-US" sz="1600" dirty="0">
-                <a:solidFill>
-                  <a:srgbClr val="0081E2"/>
-                </a:solidFill>
-                <a:latin typeface="Consolas" panose="020B0609020204030204" pitchFamily="49" charset="0"/>
-              </a:rPr>
-              <a:t>Check whether a string is a Palindrome using a Stack.</a:t>
-            </a:r>
-          </a:p>
-          <a:p>
-            <a:pPr marL="285750" indent="-285750">
-              <a:buFont typeface="Arial" panose="020B0604020202020204" pitchFamily="34" charset="0"/>
-              <a:buChar char="•"/>
-            </a:pPr>
-            <a:endParaRPr lang="en-US" sz="1600" dirty="0">
-              <a:solidFill>
-                <a:srgbClr val="0081E2"/>
-              </a:solidFill>
-              <a:latin typeface="Consolas" panose="020B0609020204030204" pitchFamily="49" charset="0"/>
-            </a:endParaRPr>
-          </a:p>
-          <a:p>
-            <a:pPr marL="285750" indent="-285750">
-              <a:buFont typeface="Arial" panose="020B0604020202020204" pitchFamily="34" charset="0"/>
-              <a:buChar char="•"/>
-            </a:pPr>
-            <a:r>
-              <a:rPr lang="en-US" sz="1600" dirty="0">
-                <a:solidFill>
-                  <a:srgbClr val="0081E2"/>
-                </a:solidFill>
-                <a:latin typeface="Consolas" panose="020B0609020204030204" pitchFamily="49" charset="0"/>
-              </a:rPr>
-              <a:t>Write pseudocode for adding an element in the rear in a doubly linked list consisting of a head and tail.</a:t>
-            </a:r>
-          </a:p>
-          <a:p>
-            <a:pPr marL="285750" indent="-285750">
-              <a:buFont typeface="Arial" panose="020B0604020202020204" pitchFamily="34" charset="0"/>
-              <a:buChar char="•"/>
-            </a:pPr>
-            <a:endParaRPr lang="en-US" sz="1600" dirty="0">
-              <a:solidFill>
-                <a:srgbClr val="0081E2"/>
-              </a:solidFill>
-              <a:latin typeface="Consolas" panose="020B0609020204030204" pitchFamily="49" charset="0"/>
-            </a:endParaRPr>
-          </a:p>
-          <a:p>
-            <a:pPr marL="285750" indent="-285750">
-              <a:buFont typeface="Arial" panose="020B0604020202020204" pitchFamily="34" charset="0"/>
-              <a:buChar char="•"/>
-            </a:pPr>
-            <a:r>
-              <a:rPr lang="en-US" sz="1600" dirty="0">
-                <a:solidFill>
-                  <a:srgbClr val="0081E2"/>
-                </a:solidFill>
-                <a:latin typeface="Consolas" panose="020B0609020204030204" pitchFamily="49" charset="0"/>
-              </a:rPr>
-              <a:t>Write pseudocode or C++ code to pop an element from a Circular Queue implemented as an array.</a:t>
-            </a:r>
-          </a:p>
-          <a:p>
-            <a:pPr marL="285750" indent="-285750">
-              <a:buFont typeface="Arial" panose="020B0604020202020204" pitchFamily="34" charset="0"/>
-              <a:buChar char="•"/>
-            </a:pPr>
-            <a:endParaRPr lang="en-US" sz="1600" dirty="0">
-              <a:solidFill>
-                <a:srgbClr val="0081E2"/>
-              </a:solidFill>
-              <a:latin typeface="Consolas" panose="020B0609020204030204" pitchFamily="49" charset="0"/>
-            </a:endParaRPr>
-          </a:p>
-          <a:p>
-            <a:pPr marL="285750" indent="-285750">
-              <a:buFont typeface="Arial" panose="020B0604020202020204" pitchFamily="34" charset="0"/>
-              <a:buChar char="•"/>
-            </a:pPr>
-            <a:r>
-              <a:rPr lang="en-US" sz="1600" dirty="0">
-                <a:solidFill>
-                  <a:srgbClr val="0081E2"/>
-                </a:solidFill>
-                <a:latin typeface="Consolas" panose="020B0609020204030204" pitchFamily="49" charset="0"/>
-              </a:rPr>
-              <a:t>Design a Stack data structure that supports push, pop and min operations in O(1) time.</a:t>
-            </a:r>
-          </a:p>
-          <a:p>
-            <a:endParaRPr lang="en-US" sz="1600" dirty="0">
-              <a:solidFill>
-                <a:srgbClr val="0081E2"/>
-              </a:solidFill>
-              <a:latin typeface="Consolas" panose="020B0609020204030204" pitchFamily="49" charset="0"/>
-            </a:endParaRPr>
-          </a:p>
-          <a:p>
-            <a:endParaRPr lang="en-US" sz="1600" dirty="0">
-              <a:solidFill>
-                <a:srgbClr val="0081E2"/>
-              </a:solidFill>
-              <a:latin typeface="Consolas" panose="020B0609020204030204" pitchFamily="49" charset="0"/>
-            </a:endParaRPr>
-          </a:p>
-        </p:txBody>
-      </p:sp>
-    </p:spTree>
-    <p:extLst>
-      <p:ext uri="{BB962C8B-B14F-4D97-AF65-F5344CB8AC3E}">
-        <p14:creationId xmlns:p14="http://schemas.microsoft.com/office/powerpoint/2010/main" val="615151376"/>
-      </p:ext>
-    </p:extLst>
-  </p:cSld>
-  <p:clrMapOvr>
-    <a:masterClrMapping/>
-  </p:clrMapOvr>
-</p:sld>
-</file>
-
-<file path=ppt/slides/slide31.xml><?xml version="1.0" encoding="utf-8"?>
-<p:sld xmlns:a="http://schemas.openxmlformats.org/drawingml/2006/main" xmlns:r="http://schemas.openxmlformats.org/officeDocument/2006/relationships" xmlns:p="http://schemas.openxmlformats.org/presentationml/2006/main">
-  <p:cSld>
-    <p:bg>
-      <p:bgPr>
-        <a:solidFill>
-          <a:schemeClr val="tx1"/>
-        </a:solidFill>
-        <a:effectLst/>
-      </p:bgPr>
-    </p:bg>
-    <p:spTree>
-      <p:nvGrpSpPr>
-        <p:cNvPr id="1" name=""/>
-        <p:cNvGrpSpPr/>
-        <p:nvPr/>
-      </p:nvGrpSpPr>
-      <p:grpSpPr>
-        <a:xfrm>
-          <a:off x="0" y="0"/>
-          <a:ext cx="0" cy="0"/>
-          <a:chOff x="0" y="0"/>
-          <a:chExt cx="0" cy="0"/>
-        </a:xfrm>
-      </p:grpSpPr>
-      <p:sp>
-        <p:nvSpPr>
-          <p:cNvPr id="2" name="Title 1">
-            <a:extLst>
-              <a:ext uri="{FF2B5EF4-FFF2-40B4-BE49-F238E27FC236}">
-                <a16:creationId xmlns:a16="http://schemas.microsoft.com/office/drawing/2014/main" id="{FA98DF2D-4C21-45B7-8CEE-41E2C22A3166}"/>
-              </a:ext>
-            </a:extLst>
-          </p:cNvPr>
-          <p:cNvSpPr>
-            <a:spLocks noGrp="1"/>
-          </p:cNvSpPr>
-          <p:nvPr>
-            <p:ph type="title"/>
-          </p:nvPr>
-        </p:nvSpPr>
         <p:spPr>
           <a:xfrm>
             <a:off x="4696767" y="2555666"/>
@@ -20322,7 +19925,7 @@
                 <a:ea typeface="+mn-ea"/>
                 <a:cs typeface="+mn-cs"/>
               </a:rPr>
-              <a:t>March 1, 6-10 pm EST </a:t>
+              <a:t>June 21, 6-11:59 pm EST </a:t>
             </a:r>
             <a:endParaRPr kumimoji="0" lang="en-US" sz="2400" b="0" i="0" u="none" strike="noStrike" kern="1200" cap="none" spc="0" normalizeH="0" baseline="0" noProof="0" dirty="0">
               <a:ln>
@@ -20363,7 +19966,7 @@
                 <a:ea typeface="+mn-ea"/>
                 <a:cs typeface="+mn-cs"/>
               </a:rPr>
-              <a:t>The exam will be over Honorlock, and you are allowed one double sided handwritten sheet of notes. The exam duration is 2 hours. </a:t>
+              <a:t>The exam will be over Honorlock, and you are allowed one double sided handwritten sheet of notes. </a:t>
             </a:r>
           </a:p>
           <a:p>
@@ -20381,7 +19984,7 @@
                   <a:noFill/>
                 </a:ln>
                 <a:solidFill>
-                  <a:srgbClr val="EB6E19"/>
+                  <a:srgbClr val="0081E2"/>
                 </a:solidFill>
                 <a:effectLst/>
                 <a:uLnTx/>
@@ -20390,58 +19993,7 @@
                 <a:ea typeface="+mn-ea"/>
                 <a:cs typeface="+mn-cs"/>
               </a:rPr>
-              <a:t>Start</a:t>
-            </a:r>
-            <a:r>
-              <a:rPr kumimoji="0" lang="en-US" b="0" i="0" u="none" strike="noStrike" kern="1200" cap="none" spc="0" normalizeH="0" baseline="0" noProof="0" dirty="0">
-                <a:ln>
-                  <a:noFill/>
-                </a:ln>
-                <a:solidFill>
-                  <a:srgbClr val="0081E2"/>
-                </a:solidFill>
-                <a:effectLst/>
-                <a:uLnTx/>
-                <a:uFillTx/>
-                <a:latin typeface="Gotham Bold" pitchFamily="50" charset="0"/>
-                <a:ea typeface="+mn-ea"/>
-                <a:cs typeface="+mn-cs"/>
-              </a:rPr>
-              <a:t> </a:t>
-            </a:r>
-            <a:r>
-              <a:rPr kumimoji="0" lang="en-US" b="0" i="0" u="none" strike="noStrike" kern="1200" cap="none" spc="0" normalizeH="0" baseline="0" noProof="0" dirty="0">
-                <a:ln>
-                  <a:noFill/>
-                </a:ln>
-                <a:solidFill>
-                  <a:srgbClr val="EB6E19"/>
-                </a:solidFill>
-                <a:effectLst/>
-                <a:uLnTx/>
-                <a:uFillTx/>
-                <a:latin typeface="Gotham Bold" pitchFamily="50" charset="0"/>
-                <a:ea typeface="+mn-ea"/>
-                <a:cs typeface="+mn-cs"/>
-              </a:rPr>
-              <a:t>by 8 pm EST or else you will lose time</a:t>
-            </a:r>
-            <a:r>
-              <a:rPr kumimoji="0" lang="en-US" b="0" i="0" u="none" strike="noStrike" kern="1200" cap="none" spc="0" normalizeH="0" baseline="0" noProof="0" dirty="0">
-                <a:ln>
-                  <a:noFill/>
-                </a:ln>
-                <a:solidFill>
-                  <a:srgbClr val="0081E2"/>
-                </a:solidFill>
-                <a:effectLst/>
-                <a:uLnTx/>
-                <a:uFillTx/>
-                <a:latin typeface="Gotham Bold" pitchFamily="50" charset="0"/>
-                <a:ea typeface="+mn-ea"/>
-                <a:cs typeface="+mn-cs"/>
-              </a:rPr>
-              <a:t>. </a:t>
+              <a:t>The exam duration is 2 hours. </a:t>
             </a:r>
           </a:p>
           <a:p>
@@ -20459,7 +20011,7 @@
                   <a:noFill/>
                 </a:ln>
                 <a:solidFill>
-                  <a:srgbClr val="0081E2"/>
+                  <a:srgbClr val="EB6E19"/>
                 </a:solidFill>
                 <a:effectLst/>
                 <a:uLnTx/>
@@ -20468,7 +20020,153 @@
                 <a:ea typeface="+mn-ea"/>
                 <a:cs typeface="+mn-cs"/>
               </a:rPr>
-              <a:t>If you are a student in the UF Online program (UFOL/UDER section), you can take the exam between Mar 1-Mar 3 anytime.</a:t>
+              <a:t>Start</a:t>
+            </a:r>
+            <a:r>
+              <a:rPr kumimoji="0" lang="en-US" b="0" i="0" u="none" strike="noStrike" kern="1200" cap="none" spc="0" normalizeH="0" baseline="0" noProof="0" dirty="0">
+                <a:ln>
+                  <a:noFill/>
+                </a:ln>
+                <a:solidFill>
+                  <a:srgbClr val="0081E2"/>
+                </a:solidFill>
+                <a:effectLst/>
+                <a:uLnTx/>
+                <a:uFillTx/>
+                <a:latin typeface="Gotham Bold" pitchFamily="50" charset="0"/>
+                <a:ea typeface="+mn-ea"/>
+                <a:cs typeface="+mn-cs"/>
+              </a:rPr>
+              <a:t> </a:t>
+            </a:r>
+            <a:r>
+              <a:rPr kumimoji="0" lang="en-US" b="0" i="0" u="none" strike="noStrike" kern="1200" cap="none" spc="0" normalizeH="0" baseline="0" noProof="0" dirty="0">
+                <a:ln>
+                  <a:noFill/>
+                </a:ln>
+                <a:solidFill>
+                  <a:srgbClr val="EB6E19"/>
+                </a:solidFill>
+                <a:effectLst/>
+                <a:uLnTx/>
+                <a:uFillTx/>
+                <a:latin typeface="Gotham Bold" pitchFamily="50" charset="0"/>
+                <a:ea typeface="+mn-ea"/>
+                <a:cs typeface="+mn-cs"/>
+              </a:rPr>
+              <a:t>by 10 pm EST or else you will lose time</a:t>
+            </a:r>
+            <a:r>
+              <a:rPr kumimoji="0" lang="en-US" b="0" i="0" u="none" strike="noStrike" kern="1200" cap="none" spc="0" normalizeH="0" baseline="0" noProof="0" dirty="0">
+                <a:ln>
+                  <a:noFill/>
+                </a:ln>
+                <a:solidFill>
+                  <a:srgbClr val="0081E2"/>
+                </a:solidFill>
+                <a:effectLst/>
+                <a:uLnTx/>
+                <a:uFillTx/>
+                <a:latin typeface="Gotham Bold" pitchFamily="50" charset="0"/>
+                <a:ea typeface="+mn-ea"/>
+                <a:cs typeface="+mn-cs"/>
+              </a:rPr>
+              <a:t>. </a:t>
+            </a:r>
+          </a:p>
+          <a:p>
+            <a:pPr marL="742950" lvl="1" indent="-285750">
+              <a:lnSpc>
+                <a:spcPct val="150000"/>
+              </a:lnSpc>
+              <a:buFont typeface="Wingdings" panose="05000000000000000000" pitchFamily="2" charset="2"/>
+              <a:buChar char="§"/>
+              <a:defRPr/>
+            </a:pPr>
+            <a:r>
+              <a:rPr kumimoji="0" lang="en-US" b="0" i="0" u="none" strike="noStrike" kern="1200" cap="none" spc="0" normalizeH="0" baseline="0" noProof="0" dirty="0">
+                <a:ln>
+                  <a:noFill/>
+                </a:ln>
+                <a:solidFill>
+                  <a:srgbClr val="0081E2"/>
+                </a:solidFill>
+                <a:effectLst/>
+                <a:uLnTx/>
+                <a:uFillTx/>
+                <a:latin typeface="Gotham Bold" pitchFamily="50" charset="0"/>
+                <a:ea typeface="+mn-ea"/>
+                <a:cs typeface="+mn-cs"/>
+              </a:rPr>
+              <a:t>If you are a student in the UF Online program (</a:t>
+            </a:r>
+            <a:r>
+              <a:rPr kumimoji="0" lang="en-US" b="0" i="0" u="none" strike="noStrike" kern="1200" cap="none" spc="0" normalizeH="0" baseline="0" noProof="0" dirty="0">
+                <a:ln>
+                  <a:noFill/>
+                </a:ln>
+                <a:solidFill>
+                  <a:schemeClr val="accent2"/>
+                </a:solidFill>
+                <a:effectLst/>
+                <a:uLnTx/>
+                <a:uFillTx/>
+                <a:latin typeface="Gotham Bold" pitchFamily="50" charset="0"/>
+                <a:ea typeface="+mn-ea"/>
+                <a:cs typeface="+mn-cs"/>
+              </a:rPr>
+              <a:t>UFOL/UDER </a:t>
+            </a:r>
+            <a:r>
+              <a:rPr kumimoji="0" lang="en-US" b="0" i="0" u="none" strike="noStrike" kern="1200" cap="none" spc="0" normalizeH="0" baseline="0" noProof="0" dirty="0">
+                <a:ln>
+                  <a:noFill/>
+                </a:ln>
+                <a:solidFill>
+                  <a:srgbClr val="0081E2"/>
+                </a:solidFill>
+                <a:effectLst/>
+                <a:uLnTx/>
+                <a:uFillTx/>
+                <a:latin typeface="Gotham Bold" pitchFamily="50" charset="0"/>
+                <a:ea typeface="+mn-ea"/>
+                <a:cs typeface="+mn-cs"/>
+              </a:rPr>
+              <a:t>section), you can take the exam between </a:t>
+            </a:r>
+            <a:r>
+              <a:rPr kumimoji="0" lang="en-US" b="0" i="0" u="none" strike="noStrike" kern="1200" cap="none" spc="0" normalizeH="0" baseline="0" noProof="0" dirty="0">
+                <a:ln>
+                  <a:noFill/>
+                </a:ln>
+                <a:solidFill>
+                  <a:schemeClr val="accent2"/>
+                </a:solidFill>
+                <a:effectLst/>
+                <a:uLnTx/>
+                <a:uFillTx/>
+                <a:latin typeface="Gotham Bold" pitchFamily="50" charset="0"/>
+                <a:ea typeface="+mn-ea"/>
+                <a:cs typeface="+mn-cs"/>
+              </a:rPr>
+              <a:t>June 21, 6 pm to June 23, 11:59 pm EST </a:t>
+            </a:r>
+            <a:r>
+              <a:rPr kumimoji="0" lang="en-US" b="0" i="0" u="none" strike="noStrike" kern="1200" cap="none" spc="0" normalizeH="0" baseline="0" noProof="0" dirty="0">
+                <a:ln>
+                  <a:noFill/>
+                </a:ln>
+                <a:solidFill>
+                  <a:srgbClr val="0081E2"/>
+                </a:solidFill>
+                <a:effectLst/>
+                <a:uLnTx/>
+                <a:uFillTx/>
+                <a:latin typeface="Gotham Bold" pitchFamily="50" charset="0"/>
+                <a:ea typeface="+mn-ea"/>
+                <a:cs typeface="+mn-cs"/>
+              </a:rPr>
+              <a:t>anytime.</a:t>
             </a:r>
           </a:p>
         </p:txBody>
@@ -20898,17 +20596,17 @@
                 </a:solidFill>
                 <a:latin typeface="Gotham Bold" pitchFamily="50" charset="0"/>
               </a:rPr>
-              <a:t>Exam 1 Topics and Expectations</a:t>
-            </a:r>
-          </a:p>
-        </p:txBody>
-      </p:sp>
-      <p:sp>
-        <p:nvSpPr>
-          <p:cNvPr id="3" name="TextBox 2">
+              <a:t>Mini Review – Complexity</a:t>
+            </a:r>
+          </a:p>
+        </p:txBody>
+      </p:sp>
+      <p:sp>
+        <p:nvSpPr>
+          <p:cNvPr id="4" name="TextBox 3">
             <a:extLst>
               <a:ext uri="{FF2B5EF4-FFF2-40B4-BE49-F238E27FC236}">
-                <a16:creationId xmlns:a16="http://schemas.microsoft.com/office/drawing/2014/main" id="{B5234676-5716-4491-96D9-87EEE8E8C7E6}"/>
+                <a16:creationId xmlns:a16="http://schemas.microsoft.com/office/drawing/2014/main" id="{A70E6009-18FB-490F-970D-3C9B83737A5E}"/>
               </a:ext>
             </a:extLst>
           </p:cNvPr>
@@ -20917,8 +20615,8 @@
         </p:nvSpPr>
         <p:spPr>
           <a:xfrm>
-            <a:off x="1020846" y="1690688"/>
-            <a:ext cx="10686823" cy="1569660"/>
+            <a:off x="1039618" y="1828743"/>
+            <a:ext cx="8422881" cy="1323439"/>
           </a:xfrm>
           <a:prstGeom prst="rect">
             <a:avLst/>
@@ -20931,98 +20629,44 @@
           </a:bodyPr>
           <a:lstStyle/>
           <a:p>
-            <a:pPr lvl="0"/>
-            <a:r>
-              <a:rPr lang="en-US" sz="1600" dirty="0">
-                <a:solidFill>
-                  <a:srgbClr val="EB6E19"/>
+            <a:r>
+              <a:rPr lang="en-US" sz="2000" dirty="0">
+                <a:solidFill>
+                  <a:srgbClr val="0081E2"/>
                 </a:solidFill>
                 <a:latin typeface="Consolas" panose="020B0609020204030204" pitchFamily="49" charset="0"/>
               </a:rPr>
-              <a:t>Sorting</a:t>
-            </a:r>
-          </a:p>
-          <a:p>
-            <a:pPr marL="285750" lvl="0" indent="-285750">
-              <a:buFont typeface="Arial" panose="020B0604020202020204" pitchFamily="34" charset="0"/>
-              <a:buChar char="•"/>
-            </a:pPr>
-            <a:r>
-              <a:rPr lang="en-US" sz="1600" dirty="0">
-                <a:solidFill>
-                  <a:srgbClr val="0081E2"/>
-                </a:solidFill>
-                <a:latin typeface="Consolas" panose="020B0609020204030204" pitchFamily="49" charset="0"/>
-              </a:rPr>
-              <a:t>Seven sorting algorithms: Selection, Insertion, Shell, Quick, Merge, Heap and Bubble</a:t>
-            </a:r>
-          </a:p>
-          <a:p>
-            <a:pPr marL="285750" lvl="0" indent="-285750">
-              <a:buFont typeface="Arial" panose="020B0604020202020204" pitchFamily="34" charset="0"/>
-              <a:buChar char="•"/>
-            </a:pPr>
-            <a:r>
-              <a:rPr lang="en-US" sz="1600" dirty="0">
-                <a:solidFill>
-                  <a:srgbClr val="0081E2"/>
-                </a:solidFill>
-                <a:latin typeface="Consolas" panose="020B0609020204030204" pitchFamily="49" charset="0"/>
-              </a:rPr>
-              <a:t>General ideas, Sorting steps, and Algorithmic Complexity</a:t>
-            </a:r>
-          </a:p>
-          <a:p>
-            <a:pPr marL="285750" lvl="0" indent="-285750">
-              <a:buFont typeface="Arial" panose="020B0604020202020204" pitchFamily="34" charset="0"/>
-              <a:buChar char="•"/>
-            </a:pPr>
-            <a:r>
-              <a:rPr lang="en-US" sz="1600" dirty="0">
-                <a:solidFill>
-                  <a:srgbClr val="0081E2"/>
-                </a:solidFill>
-                <a:latin typeface="Consolas" panose="020B0609020204030204" pitchFamily="49" charset="0"/>
-              </a:rPr>
-              <a:t>Recognize a sort under execution</a:t>
-            </a:r>
-          </a:p>
-          <a:p>
-            <a:pPr marL="285750" lvl="0" indent="-285750">
-              <a:buFont typeface="Arial" panose="020B0604020202020204" pitchFamily="34" charset="0"/>
-              <a:buChar char="•"/>
-            </a:pPr>
-            <a:r>
-              <a:rPr lang="en-US" sz="1600" dirty="0">
-                <a:solidFill>
-                  <a:srgbClr val="0081E2"/>
-                </a:solidFill>
-                <a:latin typeface="Consolas" panose="020B0609020204030204" pitchFamily="49" charset="0"/>
-              </a:rPr>
-              <a:t>Algorithmic Complexity</a:t>
-            </a:r>
-          </a:p>
-          <a:p>
-            <a:pPr marL="285750" lvl="0" indent="-285750">
-              <a:buFont typeface="Arial" panose="020B0604020202020204" pitchFamily="34" charset="0"/>
-              <a:buChar char="•"/>
-            </a:pPr>
-            <a:r>
-              <a:rPr lang="en-US" sz="1600" dirty="0">
-                <a:solidFill>
-                  <a:srgbClr val="0081E2"/>
-                </a:solidFill>
-                <a:latin typeface="Consolas" panose="020B0609020204030204" pitchFamily="49" charset="0"/>
-              </a:rPr>
-              <a:t>No Pseudocodes</a:t>
-            </a:r>
+              <a:t>What is the computational complexity of adding an item to a stack in the worst case in terms of Big O notation?</a:t>
+            </a:r>
+            <a:endParaRPr lang="en-US" sz="2000" dirty="0">
+              <a:solidFill>
+                <a:srgbClr val="EB6E19"/>
+              </a:solidFill>
+              <a:latin typeface="Consolas" panose="020B0609020204030204" pitchFamily="49" charset="0"/>
+            </a:endParaRPr>
+          </a:p>
+          <a:p>
+            <a:endParaRPr lang="en-US" sz="2000" dirty="0">
+              <a:solidFill>
+                <a:srgbClr val="EB6E19"/>
+              </a:solidFill>
+              <a:latin typeface="Consolas" panose="020B0609020204030204" pitchFamily="49" charset="0"/>
+            </a:endParaRPr>
+          </a:p>
+          <a:p>
+            <a:endParaRPr lang="en-US" sz="2000" dirty="0">
+              <a:solidFill>
+                <a:srgbClr val="EB6E19"/>
+              </a:solidFill>
+              <a:latin typeface="Consolas" panose="020B0609020204030204" pitchFamily="49" charset="0"/>
+            </a:endParaRPr>
           </a:p>
         </p:txBody>
       </p:sp>
     </p:spTree>
     <p:extLst>
       <p:ext uri="{BB962C8B-B14F-4D97-AF65-F5344CB8AC3E}">
-        <p14:creationId xmlns:p14="http://schemas.microsoft.com/office/powerpoint/2010/main" val="726904329"/>
+        <p14:creationId xmlns:p14="http://schemas.microsoft.com/office/powerpoint/2010/main" val="211684098"/>
       </p:ext>
     </p:extLst>
   </p:cSld>
@@ -21107,7 +20751,7 @@
         <p:spPr>
           <a:xfrm>
             <a:off x="1039618" y="1828743"/>
-            <a:ext cx="8422881" cy="1323439"/>
+            <a:ext cx="8422881" cy="1631216"/>
           </a:xfrm>
           <a:prstGeom prst="rect">
             <a:avLst/>
@@ -21152,12 +20796,23 @@
               <a:latin typeface="Consolas" panose="020B0609020204030204" pitchFamily="49" charset="0"/>
             </a:endParaRPr>
           </a:p>
+          <a:p>
+            <a:r>
+              <a:rPr lang="en-US" sz="2000" dirty="0">
+                <a:solidFill>
+                  <a:srgbClr val="00DA63"/>
+                </a:solidFill>
+                <a:latin typeface="Consolas" panose="020B0609020204030204" pitchFamily="49" charset="0"/>
+              </a:rPr>
+              <a:t>Answer: O(1)</a:t>
+            </a:r>
+          </a:p>
         </p:txBody>
       </p:sp>
     </p:spTree>
     <p:extLst>
       <p:ext uri="{BB962C8B-B14F-4D97-AF65-F5344CB8AC3E}">
-        <p14:creationId xmlns:p14="http://schemas.microsoft.com/office/powerpoint/2010/main" val="211684098"/>
+        <p14:creationId xmlns:p14="http://schemas.microsoft.com/office/powerpoint/2010/main" val="4094376154"/>
       </p:ext>
     </p:extLst>
   </p:cSld>
@@ -21242,7 +20897,7 @@
         <p:spPr>
           <a:xfrm>
             <a:off x="1039618" y="1828743"/>
-            <a:ext cx="8422881" cy="1631216"/>
+            <a:ext cx="9635971" cy="1938992"/>
           </a:xfrm>
           <a:prstGeom prst="rect">
             <a:avLst/>
@@ -21250,7 +20905,7 @@
           <a:noFill/>
         </p:spPr>
         <p:txBody>
-          <a:bodyPr wrap="square" rtlCol="0">
+          <a:bodyPr wrap="none" rtlCol="0">
             <a:spAutoFit/>
           </a:bodyPr>
           <a:lstStyle/>
@@ -21262,8 +20917,10 @@
                 </a:solidFill>
                 <a:latin typeface="Consolas" panose="020B0609020204030204" pitchFamily="49" charset="0"/>
               </a:rPr>
-              <a:t>What is the computational complexity of adding an item to a stack in the worst case in terms of Big O notation?</a:t>
-            </a:r>
+              <a:t>What is the computational complexity of the following code snippet?</a:t>
+            </a:r>
+          </a:p>
+          <a:p>
             <a:endParaRPr lang="en-US" sz="2000" dirty="0">
               <a:solidFill>
                 <a:srgbClr val="EB6E19"/>
@@ -21272,30 +20929,92 @@
             </a:endParaRPr>
           </a:p>
           <a:p>
-            <a:endParaRPr lang="en-US" sz="2000" dirty="0">
-              <a:solidFill>
-                <a:srgbClr val="EB6E19"/>
-              </a:solidFill>
-              <a:latin typeface="Consolas" panose="020B0609020204030204" pitchFamily="49" charset="0"/>
-            </a:endParaRPr>
-          </a:p>
-          <a:p>
-            <a:endParaRPr lang="en-US" sz="2000" dirty="0">
-              <a:solidFill>
-                <a:srgbClr val="EB6E19"/>
-              </a:solidFill>
-              <a:latin typeface="Consolas" panose="020B0609020204030204" pitchFamily="49" charset="0"/>
-            </a:endParaRPr>
-          </a:p>
-          <a:p>
+            <a:r>
+              <a:rPr lang="en-US" sz="2000" dirty="0" err="1">
+                <a:solidFill>
+                  <a:srgbClr val="EB6E19"/>
+                </a:solidFill>
+                <a:latin typeface="Consolas" panose="020B0609020204030204" pitchFamily="49" charset="0"/>
+              </a:rPr>
+              <a:t>int</a:t>
+            </a:r>
             <a:r>
               <a:rPr lang="en-US" sz="2000" dirty="0">
                 <a:solidFill>
-                  <a:srgbClr val="00DA63"/>
+                  <a:srgbClr val="EB6E19"/>
                 </a:solidFill>
                 <a:latin typeface="Consolas" panose="020B0609020204030204" pitchFamily="49" charset="0"/>
               </a:rPr>
-              <a:t>Answer: O(1)</a:t>
+              <a:t> k;</a:t>
+            </a:r>
+          </a:p>
+          <a:p>
+            <a:r>
+              <a:rPr lang="en-US" sz="2000" dirty="0">
+                <a:solidFill>
+                  <a:srgbClr val="EB6E19"/>
+                </a:solidFill>
+                <a:latin typeface="Consolas" panose="020B0609020204030204" pitchFamily="49" charset="0"/>
+              </a:rPr>
+              <a:t>for (int i=1; i &lt; n; i++)</a:t>
+            </a:r>
+          </a:p>
+          <a:p>
+            <a:r>
+              <a:rPr lang="en-US" sz="2000" dirty="0">
+                <a:solidFill>
+                  <a:srgbClr val="EB6E19"/>
+                </a:solidFill>
+                <a:latin typeface="Consolas" panose="020B0609020204030204" pitchFamily="49" charset="0"/>
+              </a:rPr>
+              <a:t>	for (</a:t>
+            </a:r>
+            <a:r>
+              <a:rPr lang="en-US" sz="2000" dirty="0" err="1">
+                <a:solidFill>
+                  <a:srgbClr val="EB6E19"/>
+                </a:solidFill>
+                <a:latin typeface="Consolas" panose="020B0609020204030204" pitchFamily="49" charset="0"/>
+              </a:rPr>
+              <a:t>int</a:t>
+            </a:r>
+            <a:r>
+              <a:rPr lang="en-US" sz="2000" dirty="0">
+                <a:solidFill>
+                  <a:srgbClr val="EB6E19"/>
+                </a:solidFill>
+                <a:latin typeface="Consolas" panose="020B0609020204030204" pitchFamily="49" charset="0"/>
+              </a:rPr>
+              <a:t> j=n; j&gt;1; j=j/2)</a:t>
+            </a:r>
+          </a:p>
+          <a:p>
+            <a:r>
+              <a:rPr lang="en-US" sz="2000" dirty="0">
+                <a:solidFill>
+                  <a:srgbClr val="EB6E19"/>
+                </a:solidFill>
+                <a:latin typeface="Consolas" panose="020B0609020204030204" pitchFamily="49" charset="0"/>
+              </a:rPr>
+              <a:t>		k = </a:t>
+            </a:r>
+            <a:r>
+              <a:rPr lang="en-US" sz="2000" dirty="0" err="1">
+                <a:solidFill>
+                  <a:srgbClr val="EB6E19"/>
+                </a:solidFill>
+                <a:latin typeface="Consolas" panose="020B0609020204030204" pitchFamily="49" charset="0"/>
+              </a:rPr>
+              <a:t>i</a:t>
+            </a:r>
+            <a:r>
+              <a:rPr lang="en-US" sz="2000" dirty="0">
+                <a:solidFill>
+                  <a:srgbClr val="EB6E19"/>
+                </a:solidFill>
+                <a:latin typeface="Consolas" panose="020B0609020204030204" pitchFamily="49" charset="0"/>
+              </a:rPr>
+              <a:t>*j;</a:t>
             </a:r>
           </a:p>
         </p:txBody>
@@ -21303,7 +21022,7 @@
     </p:spTree>
     <p:extLst>
       <p:ext uri="{BB962C8B-B14F-4D97-AF65-F5344CB8AC3E}">
-        <p14:creationId xmlns:p14="http://schemas.microsoft.com/office/powerpoint/2010/main" val="4094376154"/>
+        <p14:creationId xmlns:p14="http://schemas.microsoft.com/office/powerpoint/2010/main" val="228209108"/>
       </p:ext>
     </p:extLst>
   </p:cSld>
@@ -21388,7 +21107,7 @@
         <p:spPr>
           <a:xfrm>
             <a:off x="1039618" y="1828743"/>
-            <a:ext cx="9635971" cy="1938992"/>
+            <a:ext cx="9635971" cy="3170099"/>
           </a:xfrm>
           <a:prstGeom prst="rect">
             <a:avLst/>
@@ -21487,25 +21206,60 @@
                 </a:solidFill>
                 <a:latin typeface="Consolas" panose="020B0609020204030204" pitchFamily="49" charset="0"/>
               </a:rPr>
-              <a:t>		k = </a:t>
-            </a:r>
-            <a:r>
-              <a:rPr lang="en-US" sz="2000" dirty="0" err="1">
-                <a:solidFill>
-                  <a:srgbClr val="EB6E19"/>
+              <a:t>		k = i*j;</a:t>
+            </a:r>
+          </a:p>
+          <a:p>
+            <a:endParaRPr lang="en-US" sz="2000" dirty="0">
+              <a:solidFill>
+                <a:srgbClr val="EB6E19"/>
+              </a:solidFill>
+              <a:latin typeface="Consolas" panose="020B0609020204030204" pitchFamily="49" charset="0"/>
+            </a:endParaRPr>
+          </a:p>
+          <a:p>
+            <a:endParaRPr lang="en-US" sz="2000" dirty="0">
+              <a:solidFill>
+                <a:srgbClr val="EB6E19"/>
+              </a:solidFill>
+              <a:latin typeface="Consolas" panose="020B0609020204030204" pitchFamily="49" charset="0"/>
+            </a:endParaRPr>
+          </a:p>
+          <a:p>
+            <a:endParaRPr lang="en-US" sz="2000" dirty="0">
+              <a:solidFill>
+                <a:srgbClr val="EB6E19"/>
+              </a:solidFill>
+              <a:latin typeface="Consolas" panose="020B0609020204030204" pitchFamily="49" charset="0"/>
+            </a:endParaRPr>
+          </a:p>
+          <a:p>
+            <a:r>
+              <a:rPr lang="en-US" sz="2000" dirty="0">
+                <a:solidFill>
+                  <a:srgbClr val="00DA63"/>
                 </a:solidFill>
                 <a:latin typeface="Consolas" panose="020B0609020204030204" pitchFamily="49" charset="0"/>
               </a:rPr>
-              <a:t>i</a:t>
+              <a:t>Answer: O(n log</a:t>
+            </a:r>
+            <a:r>
+              <a:rPr lang="en-US" sz="2000" baseline="-25000" dirty="0">
+                <a:solidFill>
+                  <a:srgbClr val="00DA63"/>
+                </a:solidFill>
+                <a:latin typeface="Consolas" panose="020B0609020204030204" pitchFamily="49" charset="0"/>
+              </a:rPr>
+              <a:t>2</a:t>
             </a:r>
             <a:r>
               <a:rPr lang="en-US" sz="2000" dirty="0">
                 <a:solidFill>
-                  <a:srgbClr val="EB6E19"/>
+                  <a:srgbClr val="00DA63"/>
                 </a:solidFill>
                 <a:latin typeface="Consolas" panose="020B0609020204030204" pitchFamily="49" charset="0"/>
               </a:rPr>
-              <a:t>*j;</a:t>
+              <a:t> n)</a:t>
             </a:r>
           </a:p>
         </p:txBody>
@@ -21513,7 +21267,7 @@
     </p:spTree>
     <p:extLst>
       <p:ext uri="{BB962C8B-B14F-4D97-AF65-F5344CB8AC3E}">
-        <p14:creationId xmlns:p14="http://schemas.microsoft.com/office/powerpoint/2010/main" val="228209108"/>
+        <p14:creationId xmlns:p14="http://schemas.microsoft.com/office/powerpoint/2010/main" val="2941247419"/>
       </p:ext>
     </p:extLst>
   </p:cSld>

--- a/Slides/Slides-PPT/Exam 1 - Review A.pptx
+++ b/Slides/Slides-PPT/Exam 1 - Review A.pptx
@@ -227,7 +227,7 @@
           <a:p>
             <a:fld id="{43386AF1-EF24-4659-9089-2771856A9EA2}" type="datetimeFigureOut">
               <a:rPr lang="en-US" smtClean="0"/>
-              <a:t>6/17/2024</a:t>
+              <a:t>10/15/2024</a:t>
             </a:fld>
             <a:endParaRPr lang="en-US"/>
           </a:p>
@@ -5039,7 +5039,7 @@
           <a:p>
             <a:fld id="{F8616885-9ED8-4298-9149-C5A410E7F61A}" type="datetime1">
               <a:rPr lang="en-US" smtClean="0"/>
-              <a:t>6/17/2024</a:t>
+              <a:t>10/15/2024</a:t>
             </a:fld>
             <a:endParaRPr lang="en-US"/>
           </a:p>
@@ -5209,7 +5209,7 @@
           <a:p>
             <a:fld id="{46647952-6535-4065-B4F6-C94B3D00772F}" type="datetime1">
               <a:rPr lang="en-US" smtClean="0"/>
-              <a:t>6/17/2024</a:t>
+              <a:t>10/15/2024</a:t>
             </a:fld>
             <a:endParaRPr lang="en-US"/>
           </a:p>
@@ -5389,7 +5389,7 @@
           <a:p>
             <a:fld id="{63870D39-F97D-4ECC-909C-35255E9A37F7}" type="datetime1">
               <a:rPr lang="en-US" smtClean="0"/>
-              <a:t>6/17/2024</a:t>
+              <a:t>10/15/2024</a:t>
             </a:fld>
             <a:endParaRPr lang="en-US"/>
           </a:p>
@@ -5581,7 +5581,7 @@
           <a:p>
             <a:fld id="{38C9C2D7-406E-45EE-9F57-B83131B49240}" type="datetimeFigureOut">
               <a:rPr lang="en-US" smtClean="0"/>
-              <a:t>6/17/2024</a:t>
+              <a:t>10/15/2024</a:t>
             </a:fld>
             <a:endParaRPr lang="en-US"/>
           </a:p>
@@ -5751,7 +5751,7 @@
           <a:p>
             <a:fld id="{38C9C2D7-406E-45EE-9F57-B83131B49240}" type="datetimeFigureOut">
               <a:rPr lang="en-US" smtClean="0"/>
-              <a:t>6/17/2024</a:t>
+              <a:t>10/15/2024</a:t>
             </a:fld>
             <a:endParaRPr lang="en-US"/>
           </a:p>
@@ -5997,7 +5997,7 @@
           <a:p>
             <a:fld id="{38C9C2D7-406E-45EE-9F57-B83131B49240}" type="datetimeFigureOut">
               <a:rPr lang="en-US" smtClean="0"/>
-              <a:t>6/17/2024</a:t>
+              <a:t>10/15/2024</a:t>
             </a:fld>
             <a:endParaRPr lang="en-US"/>
           </a:p>
@@ -6229,7 +6229,7 @@
           <a:p>
             <a:fld id="{38C9C2D7-406E-45EE-9F57-B83131B49240}" type="datetimeFigureOut">
               <a:rPr lang="en-US" smtClean="0"/>
-              <a:t>6/17/2024</a:t>
+              <a:t>10/15/2024</a:t>
             </a:fld>
             <a:endParaRPr lang="en-US"/>
           </a:p>
@@ -6596,7 +6596,7 @@
           <a:p>
             <a:fld id="{38C9C2D7-406E-45EE-9F57-B83131B49240}" type="datetimeFigureOut">
               <a:rPr lang="en-US" smtClean="0"/>
-              <a:t>6/17/2024</a:t>
+              <a:t>10/15/2024</a:t>
             </a:fld>
             <a:endParaRPr lang="en-US"/>
           </a:p>
@@ -6714,7 +6714,7 @@
           <a:p>
             <a:fld id="{38C9C2D7-406E-45EE-9F57-B83131B49240}" type="datetimeFigureOut">
               <a:rPr lang="en-US" smtClean="0"/>
-              <a:t>6/17/2024</a:t>
+              <a:t>10/15/2024</a:t>
             </a:fld>
             <a:endParaRPr lang="en-US"/>
           </a:p>
@@ -6809,7 +6809,7 @@
           <a:p>
             <a:fld id="{38C9C2D7-406E-45EE-9F57-B83131B49240}" type="datetimeFigureOut">
               <a:rPr lang="en-US" smtClean="0"/>
-              <a:t>6/17/2024</a:t>
+              <a:t>10/15/2024</a:t>
             </a:fld>
             <a:endParaRPr lang="en-US"/>
           </a:p>
@@ -7086,7 +7086,7 @@
           <a:p>
             <a:fld id="{38C9C2D7-406E-45EE-9F57-B83131B49240}" type="datetimeFigureOut">
               <a:rPr lang="en-US" smtClean="0"/>
-              <a:t>6/17/2024</a:t>
+              <a:t>10/15/2024</a:t>
             </a:fld>
             <a:endParaRPr lang="en-US"/>
           </a:p>
@@ -7256,7 +7256,7 @@
           <a:p>
             <a:fld id="{7325EFF0-82F5-4880-81B9-BC73A963ECC3}" type="datetime1">
               <a:rPr lang="en-US" smtClean="0"/>
-              <a:t>6/17/2024</a:t>
+              <a:t>10/15/2024</a:t>
             </a:fld>
             <a:endParaRPr lang="en-US"/>
           </a:p>
@@ -7513,7 +7513,7 @@
           <a:p>
             <a:fld id="{38C9C2D7-406E-45EE-9F57-B83131B49240}" type="datetimeFigureOut">
               <a:rPr lang="en-US" smtClean="0"/>
-              <a:t>6/17/2024</a:t>
+              <a:t>10/15/2024</a:t>
             </a:fld>
             <a:endParaRPr lang="en-US"/>
           </a:p>
@@ -7683,7 +7683,7 @@
           <a:p>
             <a:fld id="{38C9C2D7-406E-45EE-9F57-B83131B49240}" type="datetimeFigureOut">
               <a:rPr lang="en-US" smtClean="0"/>
-              <a:t>6/17/2024</a:t>
+              <a:t>10/15/2024</a:t>
             </a:fld>
             <a:endParaRPr lang="en-US"/>
           </a:p>
@@ -7863,7 +7863,7 @@
           <a:p>
             <a:fld id="{38C9C2D7-406E-45EE-9F57-B83131B49240}" type="datetimeFigureOut">
               <a:rPr lang="en-US" smtClean="0"/>
-              <a:t>6/17/2024</a:t>
+              <a:t>10/15/2024</a:t>
             </a:fld>
             <a:endParaRPr lang="en-US"/>
           </a:p>
@@ -8109,7 +8109,7 @@
           <a:p>
             <a:fld id="{5A946811-681C-4AC5-84B7-A52FB525DDA0}" type="datetime1">
               <a:rPr lang="en-US" smtClean="0"/>
-              <a:t>6/17/2024</a:t>
+              <a:t>10/15/2024</a:t>
             </a:fld>
             <a:endParaRPr lang="en-US"/>
           </a:p>
@@ -8341,7 +8341,7 @@
           <a:p>
             <a:fld id="{B26718EC-8AAB-4CFD-80CE-1D0FB821064C}" type="datetime1">
               <a:rPr lang="en-US" smtClean="0"/>
-              <a:t>6/17/2024</a:t>
+              <a:t>10/15/2024</a:t>
             </a:fld>
             <a:endParaRPr lang="en-US"/>
           </a:p>
@@ -8708,7 +8708,7 @@
           <a:p>
             <a:fld id="{B9FC400D-05DF-4711-8592-640F86665B5F}" type="datetime1">
               <a:rPr lang="en-US" smtClean="0"/>
-              <a:t>6/17/2024</a:t>
+              <a:t>10/15/2024</a:t>
             </a:fld>
             <a:endParaRPr lang="en-US"/>
           </a:p>
@@ -8826,7 +8826,7 @@
           <a:p>
             <a:fld id="{21DCA921-A295-445C-9DF4-D32E11171EBC}" type="datetime1">
               <a:rPr lang="en-US" smtClean="0"/>
-              <a:t>6/17/2024</a:t>
+              <a:t>10/15/2024</a:t>
             </a:fld>
             <a:endParaRPr lang="en-US"/>
           </a:p>
@@ -8921,7 +8921,7 @@
           <a:p>
             <a:fld id="{410F1947-2C73-49DA-BF00-06FEB90FBFE0}" type="datetime1">
               <a:rPr lang="en-US" smtClean="0"/>
-              <a:t>6/17/2024</a:t>
+              <a:t>10/15/2024</a:t>
             </a:fld>
             <a:endParaRPr lang="en-US"/>
           </a:p>
@@ -9198,7 +9198,7 @@
           <a:p>
             <a:fld id="{7909FA88-D630-40A8-A7C1-451FFA95718D}" type="datetime1">
               <a:rPr lang="en-US" smtClean="0"/>
-              <a:t>6/17/2024</a:t>
+              <a:t>10/15/2024</a:t>
             </a:fld>
             <a:endParaRPr lang="en-US"/>
           </a:p>
@@ -9455,7 +9455,7 @@
           <a:p>
             <a:fld id="{0B22107A-0A76-4A69-98CE-85E509F6FEC6}" type="datetime1">
               <a:rPr lang="en-US" smtClean="0"/>
-              <a:t>6/17/2024</a:t>
+              <a:t>10/15/2024</a:t>
             </a:fld>
             <a:endParaRPr lang="en-US"/>
           </a:p>
@@ -9668,7 +9668,7 @@
           <a:p>
             <a:fld id="{BFC3CE7D-A49F-42F1-B54B-0205BF41E480}" type="datetime1">
               <a:rPr lang="en-US" smtClean="0"/>
-              <a:t>6/17/2024</a:t>
+              <a:t>10/15/2024</a:t>
             </a:fld>
             <a:endParaRPr lang="en-US"/>
           </a:p>
@@ -10209,7 +10209,7 @@
           <a:p>
             <a:fld id="{38C9C2D7-406E-45EE-9F57-B83131B49240}" type="datetimeFigureOut">
               <a:rPr lang="en-US" smtClean="0"/>
-              <a:t>6/17/2024</a:t>
+              <a:t>10/15/2024</a:t>
             </a:fld>
             <a:endParaRPr lang="en-US"/>
           </a:p>
@@ -14228,7 +14228,7 @@
             </a:ln>
             <a:extLst>
               <a:ext uri="{909E8E84-426E-40dd-AFC4-6F175D3DCCD1}">
-                <a14:hiddenFill xmlns:a14="http://schemas.microsoft.com/office/drawing/2010/main" xmlns="">
+                <a14:hiddenFill xmlns="" xmlns:a14="http://schemas.microsoft.com/office/drawing/2010/main">
                   <a:noFill/>
                 </a14:hiddenFill>
               </a:ext>
@@ -14270,7 +14270,7 @@
             </a:ln>
             <a:extLst>
               <a:ext uri="{909E8E84-426E-40dd-AFC4-6F175D3DCCD1}">
-                <a14:hiddenFill xmlns:a14="http://schemas.microsoft.com/office/drawing/2010/main" xmlns="">
+                <a14:hiddenFill xmlns="" xmlns:a14="http://schemas.microsoft.com/office/drawing/2010/main">
                   <a:noFill/>
                 </a14:hiddenFill>
               </a:ext>
@@ -14634,7 +14634,7 @@
             </a:ln>
             <a:extLst>
               <a:ext uri="{909E8E84-426E-40dd-AFC4-6F175D3DCCD1}">
-                <a14:hiddenFill xmlns:a14="http://schemas.microsoft.com/office/drawing/2010/main" xmlns="">
+                <a14:hiddenFill xmlns="" xmlns:a14="http://schemas.microsoft.com/office/drawing/2010/main">
                   <a:noFill/>
                 </a14:hiddenFill>
               </a:ext>
@@ -14679,7 +14679,7 @@
             </a:ln>
             <a:extLst>
               <a:ext uri="{909E8E84-426E-40dd-AFC4-6F175D3DCCD1}">
-                <a14:hiddenFill xmlns:a14="http://schemas.microsoft.com/office/drawing/2010/main" xmlns="">
+                <a14:hiddenFill xmlns="" xmlns:a14="http://schemas.microsoft.com/office/drawing/2010/main">
                   <a:noFill/>
                 </a14:hiddenFill>
               </a:ext>
@@ -14724,7 +14724,7 @@
             </a:ln>
             <a:extLst>
               <a:ext uri="{909E8E84-426E-40dd-AFC4-6F175D3DCCD1}">
-                <a14:hiddenFill xmlns:a14="http://schemas.microsoft.com/office/drawing/2010/main" xmlns="">
+                <a14:hiddenFill xmlns="" xmlns:a14="http://schemas.microsoft.com/office/drawing/2010/main">
                   <a:noFill/>
                 </a14:hiddenFill>
               </a:ext>
@@ -14768,7 +14768,7 @@
             </a:ln>
             <a:extLst>
               <a:ext uri="{909E8E84-426E-40dd-AFC4-6F175D3DCCD1}">
-                <a14:hiddenFill xmlns:a14="http://schemas.microsoft.com/office/drawing/2010/main" xmlns="">
+                <a14:hiddenFill xmlns="" xmlns:a14="http://schemas.microsoft.com/office/drawing/2010/main">
                   <a:noFill/>
                 </a14:hiddenFill>
               </a:ext>
@@ -16294,14 +16294,38 @@
               </a:rPr>
               <a:t>https://onlinegdb.com/BJ6gewQDP</a:t>
             </a:r>
+            <a:endParaRPr lang="en-US" sz="1600" dirty="0">
+              <a:solidFill>
+                <a:srgbClr val="0081E2"/>
+              </a:solidFill>
+              <a:latin typeface="Consolas" panose="020B0609020204030204" pitchFamily="49" charset="0"/>
+            </a:endParaRPr>
+          </a:p>
+          <a:p>
             <a:r>
               <a:rPr lang="en-US" sz="1600" dirty="0">
                 <a:solidFill>
                   <a:srgbClr val="0081E2"/>
                 </a:solidFill>
                 <a:latin typeface="Consolas" panose="020B0609020204030204" pitchFamily="49" charset="0"/>
-              </a:rPr>
-              <a:t> </a:t>
+                <a:hlinkClick r:id="rId5">
+                  <a:extLst>
+                    <a:ext uri="{A12FA001-AC4F-418D-AE19-62706E023703}">
+                      <ahyp:hlinkClr xmlns:ahyp="http://schemas.microsoft.com/office/drawing/2018/hyperlinkcolor" val="tx"/>
+                    </a:ext>
+                  </a:extLst>
+                </a:hlinkClick>
+              </a:rPr>
+              <a:t>https://onlinegdb.com/OefiHIntV</a:t>
+            </a:r>
+            <a:r>
+              <a:rPr lang="en-US" sz="1600" dirty="0">
+                <a:solidFill>
+                  <a:srgbClr val="0081E2"/>
+                </a:solidFill>
+                <a:latin typeface="Consolas" panose="020B0609020204030204" pitchFamily="49" charset="0"/>
+              </a:rPr>
+              <a:t>  </a:t>
             </a:r>
           </a:p>
         </p:txBody>
@@ -19925,7 +19949,7 @@
                 <a:ea typeface="+mn-ea"/>
                 <a:cs typeface="+mn-cs"/>
               </a:rPr>
-              <a:t>June 21, 6-11:59 pm EST </a:t>
+              <a:t>Tuesday, October 15th, 7 pm to 11 pm EST</a:t>
             </a:r>
             <a:endParaRPr kumimoji="0" lang="en-US" sz="2400" b="0" i="0" u="none" strike="noStrike" kern="1200" cap="none" spc="0" normalizeH="0" baseline="0" noProof="0" dirty="0">
               <a:ln>
@@ -19966,7 +19990,7 @@
                 <a:ea typeface="+mn-ea"/>
                 <a:cs typeface="+mn-cs"/>
               </a:rPr>
-              <a:t>The exam will be over Honorlock, and you are allowed one double sided handwritten sheet of notes. </a:t>
+              <a:t>The exam will be over Honorlock. </a:t>
             </a:r>
           </a:p>
           <a:p>
@@ -20054,7 +20078,7 @@
                 <a:ea typeface="+mn-ea"/>
                 <a:cs typeface="+mn-cs"/>
               </a:rPr>
-              <a:t>by 10 pm EST or else you will lose time</a:t>
+              <a:t>by 9 pm EST or else you will lose time</a:t>
             </a:r>
             <a:r>
               <a:rPr kumimoji="0" lang="en-US" b="0" i="0" u="none" strike="noStrike" kern="1200" cap="none" spc="0" normalizeH="0" baseline="0" noProof="0" dirty="0">
@@ -20098,15 +20122,25 @@
                 <a:ea typeface="+mn-ea"/>
                 <a:cs typeface="+mn-cs"/>
               </a:rPr>
-              <a:t>If you are a student in the UF Online program (</a:t>
-            </a:r>
+              <a:t>You are allowed the following for your exam:</a:t>
+            </a:r>
+          </a:p>
+          <a:p>
+            <a:pPr marL="1200150" lvl="2" indent="-285750">
+              <a:lnSpc>
+                <a:spcPct val="150000"/>
+              </a:lnSpc>
+              <a:buFont typeface="Wingdings" panose="05000000000000000000" pitchFamily="2" charset="2"/>
+              <a:buChar char="§"/>
+              <a:defRPr/>
+            </a:pPr>
             <a:r>
               <a:rPr kumimoji="0" lang="en-US" b="0" i="0" u="none" strike="noStrike" kern="1200" cap="none" spc="0" normalizeH="0" baseline="0" noProof="0" dirty="0">
                 <a:ln>
                   <a:noFill/>
                 </a:ln>
                 <a:solidFill>
-                  <a:schemeClr val="accent2"/>
+                  <a:srgbClr val="0081E2"/>
                 </a:solidFill>
                 <a:effectLst/>
                 <a:uLnTx/>
@@ -20115,8 +20149,18 @@
                 <a:ea typeface="+mn-ea"/>
                 <a:cs typeface="+mn-cs"/>
               </a:rPr>
-              <a:t>UFOL/UDER </a:t>
-            </a:r>
+              <a:t>one double sided handwritten sheet of notes (letter size/A4 page).</a:t>
+            </a:r>
+          </a:p>
+          <a:p>
+            <a:pPr marL="1200150" lvl="2" indent="-285750">
+              <a:lnSpc>
+                <a:spcPct val="150000"/>
+              </a:lnSpc>
+              <a:buFont typeface="Wingdings" panose="05000000000000000000" pitchFamily="2" charset="2"/>
+              <a:buChar char="§"/>
+              <a:defRPr/>
+            </a:pPr>
             <a:r>
               <a:rPr kumimoji="0" lang="en-US" b="0" i="0" u="none" strike="noStrike" kern="1200" cap="none" spc="0" normalizeH="0" baseline="0" noProof="0" dirty="0">
                 <a:ln>
@@ -20132,41 +20176,7 @@
                 <a:ea typeface="+mn-ea"/>
                 <a:cs typeface="+mn-cs"/>
               </a:rPr>
-              <a:t>section), you can take the exam between </a:t>
-            </a:r>
-            <a:r>
-              <a:rPr kumimoji="0" lang="en-US" b="0" i="0" u="none" strike="noStrike" kern="1200" cap="none" spc="0" normalizeH="0" baseline="0" noProof="0" dirty="0">
-                <a:ln>
-                  <a:noFill/>
-                </a:ln>
-                <a:solidFill>
-                  <a:schemeClr val="accent2"/>
-                </a:solidFill>
-                <a:effectLst/>
-                <a:uLnTx/>
-                <a:uFillTx/>
-                <a:latin typeface="Gotham Bold" pitchFamily="50" charset="0"/>
-                <a:ea typeface="+mn-ea"/>
-                <a:cs typeface="+mn-cs"/>
-              </a:rPr>
-              <a:t>June 21, 6 pm to June 23, 11:59 pm EST </a:t>
-            </a:r>
-            <a:r>
-              <a:rPr kumimoji="0" lang="en-US" b="0" i="0" u="none" strike="noStrike" kern="1200" cap="none" spc="0" normalizeH="0" baseline="0" noProof="0" dirty="0">
-                <a:ln>
-                  <a:noFill/>
-                </a:ln>
-                <a:solidFill>
-                  <a:srgbClr val="0081E2"/>
-                </a:solidFill>
-                <a:effectLst/>
-                <a:uLnTx/>
-                <a:uFillTx/>
-                <a:latin typeface="Gotham Bold" pitchFamily="50" charset="0"/>
-                <a:ea typeface="+mn-ea"/>
-                <a:cs typeface="+mn-cs"/>
-              </a:rPr>
-              <a:t>anytime.</a:t>
+              <a:t>6 double sided blank sheets of scratch paper (letter size/A4 page).</a:t>
             </a:r>
           </a:p>
         </p:txBody>

--- a/Slides/Slides-PPT/Exam 1 - Review A.pptx
+++ b/Slides/Slides-PPT/Exam 1 - Review A.pptx
@@ -227,7 +227,7 @@
           <a:p>
             <a:fld id="{43386AF1-EF24-4659-9089-2771856A9EA2}" type="datetimeFigureOut">
               <a:rPr lang="en-US" smtClean="0"/>
-              <a:t>10/15/2024</a:t>
+              <a:t>2/24/2025</a:t>
             </a:fld>
             <a:endParaRPr lang="en-US"/>
           </a:p>
@@ -5039,7 +5039,7 @@
           <a:p>
             <a:fld id="{F8616885-9ED8-4298-9149-C5A410E7F61A}" type="datetime1">
               <a:rPr lang="en-US" smtClean="0"/>
-              <a:t>10/15/2024</a:t>
+              <a:t>2/24/2025</a:t>
             </a:fld>
             <a:endParaRPr lang="en-US"/>
           </a:p>
@@ -5209,7 +5209,7 @@
           <a:p>
             <a:fld id="{46647952-6535-4065-B4F6-C94B3D00772F}" type="datetime1">
               <a:rPr lang="en-US" smtClean="0"/>
-              <a:t>10/15/2024</a:t>
+              <a:t>2/24/2025</a:t>
             </a:fld>
             <a:endParaRPr lang="en-US"/>
           </a:p>
@@ -5389,7 +5389,7 @@
           <a:p>
             <a:fld id="{63870D39-F97D-4ECC-909C-35255E9A37F7}" type="datetime1">
               <a:rPr lang="en-US" smtClean="0"/>
-              <a:t>10/15/2024</a:t>
+              <a:t>2/24/2025</a:t>
             </a:fld>
             <a:endParaRPr lang="en-US"/>
           </a:p>
@@ -5581,7 +5581,7 @@
           <a:p>
             <a:fld id="{38C9C2D7-406E-45EE-9F57-B83131B49240}" type="datetimeFigureOut">
               <a:rPr lang="en-US" smtClean="0"/>
-              <a:t>10/15/2024</a:t>
+              <a:t>2/24/2025</a:t>
             </a:fld>
             <a:endParaRPr lang="en-US"/>
           </a:p>
@@ -5751,7 +5751,7 @@
           <a:p>
             <a:fld id="{38C9C2D7-406E-45EE-9F57-B83131B49240}" type="datetimeFigureOut">
               <a:rPr lang="en-US" smtClean="0"/>
-              <a:t>10/15/2024</a:t>
+              <a:t>2/24/2025</a:t>
             </a:fld>
             <a:endParaRPr lang="en-US"/>
           </a:p>
@@ -5997,7 +5997,7 @@
           <a:p>
             <a:fld id="{38C9C2D7-406E-45EE-9F57-B83131B49240}" type="datetimeFigureOut">
               <a:rPr lang="en-US" smtClean="0"/>
-              <a:t>10/15/2024</a:t>
+              <a:t>2/24/2025</a:t>
             </a:fld>
             <a:endParaRPr lang="en-US"/>
           </a:p>
@@ -6229,7 +6229,7 @@
           <a:p>
             <a:fld id="{38C9C2D7-406E-45EE-9F57-B83131B49240}" type="datetimeFigureOut">
               <a:rPr lang="en-US" smtClean="0"/>
-              <a:t>10/15/2024</a:t>
+              <a:t>2/24/2025</a:t>
             </a:fld>
             <a:endParaRPr lang="en-US"/>
           </a:p>
@@ -6596,7 +6596,7 @@
           <a:p>
             <a:fld id="{38C9C2D7-406E-45EE-9F57-B83131B49240}" type="datetimeFigureOut">
               <a:rPr lang="en-US" smtClean="0"/>
-              <a:t>10/15/2024</a:t>
+              <a:t>2/24/2025</a:t>
             </a:fld>
             <a:endParaRPr lang="en-US"/>
           </a:p>
@@ -6714,7 +6714,7 @@
           <a:p>
             <a:fld id="{38C9C2D7-406E-45EE-9F57-B83131B49240}" type="datetimeFigureOut">
               <a:rPr lang="en-US" smtClean="0"/>
-              <a:t>10/15/2024</a:t>
+              <a:t>2/24/2025</a:t>
             </a:fld>
             <a:endParaRPr lang="en-US"/>
           </a:p>
@@ -6809,7 +6809,7 @@
           <a:p>
             <a:fld id="{38C9C2D7-406E-45EE-9F57-B83131B49240}" type="datetimeFigureOut">
               <a:rPr lang="en-US" smtClean="0"/>
-              <a:t>10/15/2024</a:t>
+              <a:t>2/24/2025</a:t>
             </a:fld>
             <a:endParaRPr lang="en-US"/>
           </a:p>
@@ -7086,7 +7086,7 @@
           <a:p>
             <a:fld id="{38C9C2D7-406E-45EE-9F57-B83131B49240}" type="datetimeFigureOut">
               <a:rPr lang="en-US" smtClean="0"/>
-              <a:t>10/15/2024</a:t>
+              <a:t>2/24/2025</a:t>
             </a:fld>
             <a:endParaRPr lang="en-US"/>
           </a:p>
@@ -7256,7 +7256,7 @@
           <a:p>
             <a:fld id="{7325EFF0-82F5-4880-81B9-BC73A963ECC3}" type="datetime1">
               <a:rPr lang="en-US" smtClean="0"/>
-              <a:t>10/15/2024</a:t>
+              <a:t>2/24/2025</a:t>
             </a:fld>
             <a:endParaRPr lang="en-US"/>
           </a:p>
@@ -7513,7 +7513,7 @@
           <a:p>
             <a:fld id="{38C9C2D7-406E-45EE-9F57-B83131B49240}" type="datetimeFigureOut">
               <a:rPr lang="en-US" smtClean="0"/>
-              <a:t>10/15/2024</a:t>
+              <a:t>2/24/2025</a:t>
             </a:fld>
             <a:endParaRPr lang="en-US"/>
           </a:p>
@@ -7683,7 +7683,7 @@
           <a:p>
             <a:fld id="{38C9C2D7-406E-45EE-9F57-B83131B49240}" type="datetimeFigureOut">
               <a:rPr lang="en-US" smtClean="0"/>
-              <a:t>10/15/2024</a:t>
+              <a:t>2/24/2025</a:t>
             </a:fld>
             <a:endParaRPr lang="en-US"/>
           </a:p>
@@ -7863,7 +7863,7 @@
           <a:p>
             <a:fld id="{38C9C2D7-406E-45EE-9F57-B83131B49240}" type="datetimeFigureOut">
               <a:rPr lang="en-US" smtClean="0"/>
-              <a:t>10/15/2024</a:t>
+              <a:t>2/24/2025</a:t>
             </a:fld>
             <a:endParaRPr lang="en-US"/>
           </a:p>
@@ -8109,7 +8109,7 @@
           <a:p>
             <a:fld id="{5A946811-681C-4AC5-84B7-A52FB525DDA0}" type="datetime1">
               <a:rPr lang="en-US" smtClean="0"/>
-              <a:t>10/15/2024</a:t>
+              <a:t>2/24/2025</a:t>
             </a:fld>
             <a:endParaRPr lang="en-US"/>
           </a:p>
@@ -8341,7 +8341,7 @@
           <a:p>
             <a:fld id="{B26718EC-8AAB-4CFD-80CE-1D0FB821064C}" type="datetime1">
               <a:rPr lang="en-US" smtClean="0"/>
-              <a:t>10/15/2024</a:t>
+              <a:t>2/24/2025</a:t>
             </a:fld>
             <a:endParaRPr lang="en-US"/>
           </a:p>
@@ -8708,7 +8708,7 @@
           <a:p>
             <a:fld id="{B9FC400D-05DF-4711-8592-640F86665B5F}" type="datetime1">
               <a:rPr lang="en-US" smtClean="0"/>
-              <a:t>10/15/2024</a:t>
+              <a:t>2/24/2025</a:t>
             </a:fld>
             <a:endParaRPr lang="en-US"/>
           </a:p>
@@ -8826,7 +8826,7 @@
           <a:p>
             <a:fld id="{21DCA921-A295-445C-9DF4-D32E11171EBC}" type="datetime1">
               <a:rPr lang="en-US" smtClean="0"/>
-              <a:t>10/15/2024</a:t>
+              <a:t>2/24/2025</a:t>
             </a:fld>
             <a:endParaRPr lang="en-US"/>
           </a:p>
@@ -8921,7 +8921,7 @@
           <a:p>
             <a:fld id="{410F1947-2C73-49DA-BF00-06FEB90FBFE0}" type="datetime1">
               <a:rPr lang="en-US" smtClean="0"/>
-              <a:t>10/15/2024</a:t>
+              <a:t>2/24/2025</a:t>
             </a:fld>
             <a:endParaRPr lang="en-US"/>
           </a:p>
@@ -9198,7 +9198,7 @@
           <a:p>
             <a:fld id="{7909FA88-D630-40A8-A7C1-451FFA95718D}" type="datetime1">
               <a:rPr lang="en-US" smtClean="0"/>
-              <a:t>10/15/2024</a:t>
+              <a:t>2/24/2025</a:t>
             </a:fld>
             <a:endParaRPr lang="en-US"/>
           </a:p>
@@ -9455,7 +9455,7 @@
           <a:p>
             <a:fld id="{0B22107A-0A76-4A69-98CE-85E509F6FEC6}" type="datetime1">
               <a:rPr lang="en-US" smtClean="0"/>
-              <a:t>10/15/2024</a:t>
+              <a:t>2/24/2025</a:t>
             </a:fld>
             <a:endParaRPr lang="en-US"/>
           </a:p>
@@ -9668,7 +9668,7 @@
           <a:p>
             <a:fld id="{BFC3CE7D-A49F-42F1-B54B-0205BF41E480}" type="datetime1">
               <a:rPr lang="en-US" smtClean="0"/>
-              <a:t>10/15/2024</a:t>
+              <a:t>2/24/2025</a:t>
             </a:fld>
             <a:endParaRPr lang="en-US"/>
           </a:p>
@@ -10209,7 +10209,7 @@
           <a:p>
             <a:fld id="{38C9C2D7-406E-45EE-9F57-B83131B49240}" type="datetimeFigureOut">
               <a:rPr lang="en-US" smtClean="0"/>
-              <a:t>10/15/2024</a:t>
+              <a:t>2/24/2025</a:t>
             </a:fld>
             <a:endParaRPr lang="en-US"/>
           </a:p>
@@ -14228,7 +14228,7 @@
             </a:ln>
             <a:extLst>
               <a:ext uri="{909E8E84-426E-40dd-AFC4-6F175D3DCCD1}">
-                <a14:hiddenFill xmlns="" xmlns:a14="http://schemas.microsoft.com/office/drawing/2010/main">
+                <a14:hiddenFill xmlns:a14="http://schemas.microsoft.com/office/drawing/2010/main" xmlns="">
                   <a:noFill/>
                 </a14:hiddenFill>
               </a:ext>
@@ -14270,7 +14270,7 @@
             </a:ln>
             <a:extLst>
               <a:ext uri="{909E8E84-426E-40dd-AFC4-6F175D3DCCD1}">
-                <a14:hiddenFill xmlns="" xmlns:a14="http://schemas.microsoft.com/office/drawing/2010/main">
+                <a14:hiddenFill xmlns:a14="http://schemas.microsoft.com/office/drawing/2010/main" xmlns="">
                   <a:noFill/>
                 </a14:hiddenFill>
               </a:ext>
@@ -14634,7 +14634,7 @@
             </a:ln>
             <a:extLst>
               <a:ext uri="{909E8E84-426E-40dd-AFC4-6F175D3DCCD1}">
-                <a14:hiddenFill xmlns="" xmlns:a14="http://schemas.microsoft.com/office/drawing/2010/main">
+                <a14:hiddenFill xmlns:a14="http://schemas.microsoft.com/office/drawing/2010/main" xmlns="">
                   <a:noFill/>
                 </a14:hiddenFill>
               </a:ext>
@@ -14679,7 +14679,7 @@
             </a:ln>
             <a:extLst>
               <a:ext uri="{909E8E84-426E-40dd-AFC4-6F175D3DCCD1}">
-                <a14:hiddenFill xmlns="" xmlns:a14="http://schemas.microsoft.com/office/drawing/2010/main">
+                <a14:hiddenFill xmlns:a14="http://schemas.microsoft.com/office/drawing/2010/main" xmlns="">
                   <a:noFill/>
                 </a14:hiddenFill>
               </a:ext>
@@ -14724,7 +14724,7 @@
             </a:ln>
             <a:extLst>
               <a:ext uri="{909E8E84-426E-40dd-AFC4-6F175D3DCCD1}">
-                <a14:hiddenFill xmlns="" xmlns:a14="http://schemas.microsoft.com/office/drawing/2010/main">
+                <a14:hiddenFill xmlns:a14="http://schemas.microsoft.com/office/drawing/2010/main" xmlns="">
                   <a:noFill/>
                 </a14:hiddenFill>
               </a:ext>
@@ -14768,7 +14768,7 @@
             </a:ln>
             <a:extLst>
               <a:ext uri="{909E8E84-426E-40dd-AFC4-6F175D3DCCD1}">
-                <a14:hiddenFill xmlns="" xmlns:a14="http://schemas.microsoft.com/office/drawing/2010/main">
+                <a14:hiddenFill xmlns:a14="http://schemas.microsoft.com/office/drawing/2010/main" xmlns="">
                   <a:noFill/>
                 </a14:hiddenFill>
               </a:ext>
@@ -19869,8 +19869,8 @@
         </p:nvSpPr>
         <p:spPr>
           <a:xfrm>
-            <a:off x="1008184" y="1472895"/>
-            <a:ext cx="10828773" cy="4755667"/>
+            <a:off x="987636" y="1483169"/>
+            <a:ext cx="11916706" cy="4755667"/>
           </a:xfrm>
           <a:prstGeom prst="rect">
             <a:avLst/>
@@ -19900,71 +19900,48 @@
             </a:lvl1pPr>
           </a:lstStyle>
           <a:p>
-            <a:pPr marL="285750" marR="0" lvl="0" indent="-285750" algn="l" defTabSz="914400" rtl="0" eaLnBrk="1" fontAlgn="auto" latinLnBrk="0" hangingPunct="1">
+            <a:pPr marL="285750" indent="-285750">
               <a:lnSpc>
                 <a:spcPct val="150000"/>
               </a:lnSpc>
-              <a:spcBef>
-                <a:spcPts val="0"/>
-              </a:spcBef>
-              <a:spcAft>
-                <a:spcPts val="0"/>
-              </a:spcAft>
-              <a:buClrTx/>
-              <a:buSzTx/>
               <a:buFont typeface="Wingdings" panose="05000000000000000000" pitchFamily="2" charset="2"/>
               <a:buChar char="§"/>
-              <a:tabLst/>
               <a:defRPr/>
             </a:pPr>
             <a:r>
-              <a:rPr kumimoji="0" lang="en-US" sz="2400" b="0" i="0" u="none" strike="noStrike" kern="1200" cap="none" spc="0" normalizeH="0" baseline="0" noProof="0" dirty="0">
+              <a:rPr kumimoji="0" lang="en-US" sz="1600" b="0" i="0" u="none" strike="noStrike" kern="1200" cap="none" spc="0" normalizeH="0" baseline="0" noProof="0" dirty="0">
                 <a:ln>
                   <a:noFill/>
                 </a:ln>
                 <a:solidFill>
-                  <a:srgbClr val="0081E2"/>
+                  <a:srgbClr val="EB6E19"/>
                 </a:solidFill>
                 <a:effectLst/>
                 <a:uLnTx/>
                 <a:uFillTx/>
-                <a:latin typeface="Gotham Bold" pitchFamily="50" charset="0"/>
+                <a:latin typeface="Consolas" panose="020B0609020204030204" pitchFamily="49" charset="0"/>
                 <a:ea typeface="+mn-ea"/>
                 <a:cs typeface="+mn-cs"/>
               </a:rPr>
-              <a:t>Exam 1 is </a:t>
-            </a:r>
-            <a:r>
-              <a:rPr kumimoji="0" lang="en-US" sz="2400" b="0" i="0" u="none" strike="noStrike" kern="1200" cap="none" spc="0" normalizeH="0" baseline="0" noProof="0" dirty="0">
+              <a:t>Date and timings for all students </a:t>
+            </a:r>
+            <a:r>
+              <a:rPr kumimoji="0" lang="en-US" sz="1600" b="0" i="0" u="none" strike="noStrike" kern="1200" cap="none" spc="0" normalizeH="0" baseline="0" noProof="0" dirty="0">
                 <a:ln>
                   <a:noFill/>
                 </a:ln>
                 <a:solidFill>
-                  <a:srgbClr val="EB6E19"/>
+                  <a:srgbClr val="0081E2"/>
                 </a:solidFill>
                 <a:effectLst/>
                 <a:uLnTx/>
                 <a:uFillTx/>
-                <a:latin typeface="Gotham Bold" pitchFamily="50" charset="0"/>
+                <a:latin typeface="Consolas" panose="020B0609020204030204" pitchFamily="49" charset="0"/>
                 <a:ea typeface="+mn-ea"/>
                 <a:cs typeface="+mn-cs"/>
               </a:rPr>
-              <a:t>Tuesday, October 15th, 7 pm to 11 pm EST</a:t>
-            </a:r>
-            <a:endParaRPr kumimoji="0" lang="en-US" sz="2400" b="0" i="0" u="none" strike="noStrike" kern="1200" cap="none" spc="0" normalizeH="0" baseline="0" noProof="0" dirty="0">
-              <a:ln>
-                <a:noFill/>
-              </a:ln>
-              <a:solidFill>
-                <a:srgbClr val="0081E2"/>
-              </a:solidFill>
-              <a:effectLst/>
-              <a:uLnTx/>
-              <a:uFillTx/>
-              <a:latin typeface="Gotham Bold" pitchFamily="50" charset="0"/>
-              <a:ea typeface="+mn-ea"/>
-              <a:cs typeface="+mn-cs"/>
-            </a:endParaRPr>
+              <a:t>except UFOL/UDER:</a:t>
+            </a:r>
           </a:p>
           <a:p>
             <a:pPr marL="742950" lvl="1" indent="-285750">
@@ -19976,21 +19953,49 @@
               <a:defRPr/>
             </a:pPr>
             <a:r>
-              <a:rPr kumimoji="0" lang="en-US" b="0" i="0" u="none" strike="noStrike" kern="1200" cap="none" spc="0" normalizeH="0" baseline="0" noProof="0" dirty="0">
+              <a:rPr kumimoji="0" lang="en-US" sz="1600" b="0" i="0" u="none" strike="noStrike" kern="1200" cap="none" spc="0" normalizeH="0" baseline="0" noProof="0" dirty="0">
                 <a:ln>
                   <a:noFill/>
                 </a:ln>
                 <a:solidFill>
-                  <a:srgbClr val="0081E2"/>
+                  <a:srgbClr val="EB6E19"/>
                 </a:solidFill>
                 <a:effectLst/>
                 <a:uLnTx/>
                 <a:uFillTx/>
-                <a:latin typeface="Gotham Bold" pitchFamily="50" charset="0"/>
-                <a:ea typeface="+mn-ea"/>
-                <a:cs typeface="+mn-cs"/>
-              </a:rPr>
-              <a:t>The exam will be over Honorlock. </a:t>
+                <a:latin typeface="Consolas" panose="020B0609020204030204" pitchFamily="49" charset="0"/>
+              </a:rPr>
+              <a:t>The</a:t>
+            </a:r>
+            <a:r>
+              <a:rPr kumimoji="0" lang="en-US" sz="1600" b="0" i="0" u="none" strike="noStrike" kern="1200" cap="none" spc="0" normalizeH="0" baseline="0" noProof="0" dirty="0">
+                <a:ln>
+                  <a:noFill/>
+                </a:ln>
+                <a:solidFill>
+                  <a:srgbClr val="0081E2"/>
+                </a:solidFill>
+                <a:effectLst/>
+                <a:uLnTx/>
+                <a:uFillTx/>
+                <a:latin typeface="Consolas" panose="020B0609020204030204" pitchFamily="49" charset="0"/>
+              </a:rPr>
+              <a:t> </a:t>
+            </a:r>
+            <a:r>
+              <a:rPr kumimoji="0" lang="en-US" sz="1600" b="0" i="0" u="none" strike="noStrike" kern="1200" cap="none" spc="0" normalizeH="0" baseline="0" noProof="0" dirty="0">
+                <a:ln>
+                  <a:noFill/>
+                </a:ln>
+                <a:solidFill>
+                  <a:srgbClr val="EB6E19"/>
+                </a:solidFill>
+                <a:effectLst/>
+                <a:uLnTx/>
+                <a:uFillTx/>
+                <a:latin typeface="Consolas" panose="020B0609020204030204" pitchFamily="49" charset="0"/>
+              </a:rPr>
+              <a:t>exam will be via Honorlock on Tuesday, March 4, 7:30 am to 11:30 am.</a:t>
             </a:r>
           </a:p>
           <a:p>
@@ -20003,7 +20008,7 @@
               <a:defRPr/>
             </a:pPr>
             <a:r>
-              <a:rPr kumimoji="0" lang="en-US" b="0" i="0" u="none" strike="noStrike" kern="1200" cap="none" spc="0" normalizeH="0" baseline="0" noProof="0" dirty="0">
+              <a:rPr kumimoji="0" lang="en-US" sz="1600" b="0" i="0" u="none" strike="noStrike" kern="1200" cap="none" spc="0" normalizeH="0" baseline="0" noProof="0" dirty="0">
                 <a:ln>
                   <a:noFill/>
                 </a:ln>
@@ -20013,11 +20018,66 @@
                 <a:effectLst/>
                 <a:uLnTx/>
                 <a:uFillTx/>
-                <a:latin typeface="Gotham Bold" pitchFamily="50" charset="0"/>
+                <a:latin typeface="Consolas" panose="020B0609020204030204" pitchFamily="49" charset="0"/>
+              </a:rPr>
+              <a:t>You </a:t>
+            </a:r>
+            <a:r>
+              <a:rPr kumimoji="0" lang="en-US" sz="1600" b="0" i="0" u="none" strike="noStrike" kern="1200" cap="none" spc="0" normalizeH="0" baseline="0" noProof="0" dirty="0">
+                <a:ln>
+                  <a:noFill/>
+                </a:ln>
+                <a:solidFill>
+                  <a:srgbClr val="EB6E19"/>
+                </a:solidFill>
+                <a:effectLst/>
+                <a:uLnTx/>
+                <a:uFillTx/>
+                <a:latin typeface="Consolas" panose="020B0609020204030204" pitchFamily="49" charset="0"/>
+              </a:rPr>
+              <a:t>must start the exam by 9:30 am EST </a:t>
+            </a:r>
+            <a:r>
+              <a:rPr kumimoji="0" lang="en-US" sz="1600" b="0" i="0" u="none" strike="noStrike" kern="1200" cap="none" spc="0" normalizeH="0" baseline="0" noProof="0" dirty="0">
+                <a:ln>
+                  <a:noFill/>
+                </a:ln>
+                <a:solidFill>
+                  <a:srgbClr val="0081E2"/>
+                </a:solidFill>
+                <a:effectLst/>
+                <a:uLnTx/>
+                <a:uFillTx/>
+                <a:latin typeface="Consolas" panose="020B0609020204030204" pitchFamily="49" charset="0"/>
+              </a:rPr>
+              <a:t>as Canvas will throw you out at 11:30 am EST.</a:t>
+            </a:r>
+          </a:p>
+          <a:p>
+            <a:pPr marL="285750" indent="-285750">
+              <a:lnSpc>
+                <a:spcPct val="150000"/>
+              </a:lnSpc>
+              <a:buFont typeface="Wingdings" panose="05000000000000000000" pitchFamily="2" charset="2"/>
+              <a:buChar char="§"/>
+              <a:defRPr/>
+            </a:pPr>
+            <a:r>
+              <a:rPr kumimoji="0" lang="en-US" sz="1600" b="0" i="0" u="none" strike="noStrike" kern="1200" cap="none" spc="0" normalizeH="0" baseline="0" noProof="0" dirty="0">
+                <a:ln>
+                  <a:noFill/>
+                </a:ln>
+                <a:solidFill>
+                  <a:srgbClr val="0081E2"/>
+                </a:solidFill>
+                <a:effectLst/>
+                <a:uLnTx/>
+                <a:uFillTx/>
+                <a:latin typeface="Consolas" panose="020B0609020204030204" pitchFamily="49" charset="0"/>
                 <a:ea typeface="+mn-ea"/>
                 <a:cs typeface="+mn-cs"/>
               </a:rPr>
-              <a:t>The exam duration is 2 hours. </a:t>
+              <a:t>Date and timings for UFOL/UDER students:</a:t>
             </a:r>
           </a:p>
           <a:p>
@@ -20030,72 +20090,19 @@
               <a:defRPr/>
             </a:pPr>
             <a:r>
-              <a:rPr kumimoji="0" lang="en-US" b="0" i="0" u="none" strike="noStrike" kern="1200" cap="none" spc="0" normalizeH="0" baseline="0" noProof="0" dirty="0">
+              <a:rPr kumimoji="0" lang="en-US" sz="1600" b="0" i="0" u="none" strike="noStrike" kern="1200" cap="none" spc="0" normalizeH="0" baseline="0" noProof="0" dirty="0">
                 <a:ln>
                   <a:noFill/>
                 </a:ln>
                 <a:solidFill>
-                  <a:srgbClr val="EB6E19"/>
+                  <a:srgbClr val="0081E2"/>
                 </a:solidFill>
                 <a:effectLst/>
                 <a:uLnTx/>
                 <a:uFillTx/>
-                <a:latin typeface="Gotham Bold" pitchFamily="50" charset="0"/>
-                <a:ea typeface="+mn-ea"/>
-                <a:cs typeface="+mn-cs"/>
-              </a:rPr>
-              <a:t>Start</a:t>
-            </a:r>
-            <a:r>
-              <a:rPr kumimoji="0" lang="en-US" b="0" i="0" u="none" strike="noStrike" kern="1200" cap="none" spc="0" normalizeH="0" baseline="0" noProof="0" dirty="0">
-                <a:ln>
-                  <a:noFill/>
-                </a:ln>
-                <a:solidFill>
-                  <a:srgbClr val="0081E2"/>
-                </a:solidFill>
-                <a:effectLst/>
-                <a:uLnTx/>
-                <a:uFillTx/>
-                <a:latin typeface="Gotham Bold" pitchFamily="50" charset="0"/>
-                <a:ea typeface="+mn-ea"/>
-                <a:cs typeface="+mn-cs"/>
-              </a:rPr>
-              <a:t> </a:t>
-            </a:r>
-            <a:r>
-              <a:rPr kumimoji="0" lang="en-US" b="0" i="0" u="none" strike="noStrike" kern="1200" cap="none" spc="0" normalizeH="0" baseline="0" noProof="0" dirty="0">
-                <a:ln>
-                  <a:noFill/>
-                </a:ln>
-                <a:solidFill>
-                  <a:srgbClr val="EB6E19"/>
-                </a:solidFill>
-                <a:effectLst/>
-                <a:uLnTx/>
-                <a:uFillTx/>
-                <a:latin typeface="Gotham Bold" pitchFamily="50" charset="0"/>
-                <a:ea typeface="+mn-ea"/>
-                <a:cs typeface="+mn-cs"/>
-              </a:rPr>
-              <a:t>by 9 pm EST or else you will lose time</a:t>
-            </a:r>
-            <a:r>
-              <a:rPr kumimoji="0" lang="en-US" b="0" i="0" u="none" strike="noStrike" kern="1200" cap="none" spc="0" normalizeH="0" baseline="0" noProof="0" dirty="0">
-                <a:ln>
-                  <a:noFill/>
-                </a:ln>
-                <a:solidFill>
-                  <a:srgbClr val="0081E2"/>
-                </a:solidFill>
-                <a:effectLst/>
-                <a:uLnTx/>
-                <a:uFillTx/>
-                <a:latin typeface="Gotham Bold" pitchFamily="50" charset="0"/>
-                <a:ea typeface="+mn-ea"/>
-                <a:cs typeface="+mn-cs"/>
-              </a:rPr>
-              <a:t>. </a:t>
+                <a:latin typeface="Consolas" panose="020B0609020204030204" pitchFamily="49" charset="0"/>
+              </a:rPr>
+              <a:t>The exam will be via Honorlock on between March 4, 7:30 am to March 6 midnight.</a:t>
             </a:r>
           </a:p>
           <a:p>
@@ -20108,7 +20115,7 @@
               <a:defRPr/>
             </a:pPr>
             <a:r>
-              <a:rPr kumimoji="0" lang="en-US" b="0" i="0" u="none" strike="noStrike" kern="1200" cap="none" spc="0" normalizeH="0" baseline="0" noProof="0" dirty="0">
+              <a:rPr kumimoji="0" lang="en-US" sz="1600" b="0" i="0" u="none" strike="noStrike" kern="1200" cap="none" spc="0" normalizeH="0" baseline="0" noProof="0" dirty="0">
                 <a:ln>
                   <a:noFill/>
                 </a:ln>
@@ -20118,15 +20125,13 @@
                 <a:effectLst/>
                 <a:uLnTx/>
                 <a:uFillTx/>
-                <a:latin typeface="Gotham Bold" pitchFamily="50" charset="0"/>
-                <a:ea typeface="+mn-ea"/>
-                <a:cs typeface="+mn-cs"/>
-              </a:rPr>
-              <a:t>You are allowed the following for your exam:</a:t>
-            </a:r>
-          </a:p>
-          <a:p>
-            <a:pPr marL="1200150" lvl="2" indent="-285750">
+                <a:latin typeface="Consolas" panose="020B0609020204030204" pitchFamily="49" charset="0"/>
+              </a:rPr>
+              <a:t>You must start the exam by 10:00 pm EST on March 6 as Canvas will throw you out at midnight.</a:t>
+            </a:r>
+          </a:p>
+          <a:p>
+            <a:pPr marL="285750" indent="-285750">
               <a:lnSpc>
                 <a:spcPct val="150000"/>
               </a:lnSpc>
@@ -20135,7 +20140,7 @@
               <a:defRPr/>
             </a:pPr>
             <a:r>
-              <a:rPr kumimoji="0" lang="en-US" b="0" i="0" u="none" strike="noStrike" kern="1200" cap="none" spc="0" normalizeH="0" baseline="0" noProof="0" dirty="0">
+              <a:rPr kumimoji="0" lang="en-US" sz="1600" b="0" i="0" u="none" strike="noStrike" kern="1200" cap="none" spc="0" normalizeH="0" baseline="0" noProof="0" dirty="0">
                 <a:ln>
                   <a:noFill/>
                 </a:ln>
@@ -20145,15 +20150,15 @@
                 <a:effectLst/>
                 <a:uLnTx/>
                 <a:uFillTx/>
-                <a:latin typeface="Gotham Bold" pitchFamily="50" charset="0"/>
+                <a:latin typeface="Consolas" panose="020B0609020204030204" pitchFamily="49" charset="0"/>
                 <a:ea typeface="+mn-ea"/>
                 <a:cs typeface="+mn-cs"/>
               </a:rPr>
-              <a:t>one double sided handwritten sheet of notes (letter size/A4 page).</a:t>
-            </a:r>
-          </a:p>
-          <a:p>
-            <a:pPr marL="1200150" lvl="2" indent="-285750">
+              <a:t>The exam will be over Honorlock. </a:t>
+            </a:r>
+          </a:p>
+          <a:p>
+            <a:pPr marL="285750" indent="-285750">
               <a:lnSpc>
                 <a:spcPct val="150000"/>
               </a:lnSpc>
@@ -20162,7 +20167,7 @@
               <a:defRPr/>
             </a:pPr>
             <a:r>
-              <a:rPr kumimoji="0" lang="en-US" b="0" i="0" u="none" strike="noStrike" kern="1200" cap="none" spc="0" normalizeH="0" baseline="0" noProof="0" dirty="0">
+              <a:rPr kumimoji="0" lang="en-US" sz="1600" b="0" i="0" u="none" strike="noStrike" kern="1200" cap="none" spc="0" normalizeH="0" baseline="0" noProof="0" dirty="0">
                 <a:ln>
                   <a:noFill/>
                 </a:ln>
@@ -20172,9 +20177,86 @@
                 <a:effectLst/>
                 <a:uLnTx/>
                 <a:uFillTx/>
-                <a:latin typeface="Gotham Bold" pitchFamily="50" charset="0"/>
+                <a:latin typeface="Consolas" panose="020B0609020204030204" pitchFamily="49" charset="0"/>
                 <a:ea typeface="+mn-ea"/>
                 <a:cs typeface="+mn-cs"/>
+              </a:rPr>
+              <a:t>The exam duration is 2 hours. </a:t>
+            </a:r>
+          </a:p>
+          <a:p>
+            <a:pPr marL="285750" indent="-285750">
+              <a:lnSpc>
+                <a:spcPct val="150000"/>
+              </a:lnSpc>
+              <a:buFont typeface="Wingdings" panose="05000000000000000000" pitchFamily="2" charset="2"/>
+              <a:buChar char="§"/>
+              <a:defRPr/>
+            </a:pPr>
+            <a:r>
+              <a:rPr kumimoji="0" lang="en-US" sz="1600" b="0" i="0" u="none" strike="noStrike" kern="1200" cap="none" spc="0" normalizeH="0" baseline="0" noProof="0" dirty="0">
+                <a:ln>
+                  <a:noFill/>
+                </a:ln>
+                <a:solidFill>
+                  <a:srgbClr val="0081E2"/>
+                </a:solidFill>
+                <a:effectLst/>
+                <a:uLnTx/>
+                <a:uFillTx/>
+                <a:latin typeface="Consolas" panose="020B0609020204030204" pitchFamily="49" charset="0"/>
+                <a:ea typeface="+mn-ea"/>
+                <a:cs typeface="+mn-cs"/>
+              </a:rPr>
+              <a:t>You are allowed the following for your exam:</a:t>
+            </a:r>
+          </a:p>
+          <a:p>
+            <a:pPr marL="742950" lvl="1" indent="-285750">
+              <a:lnSpc>
+                <a:spcPct val="150000"/>
+              </a:lnSpc>
+              <a:buFont typeface="Wingdings" panose="05000000000000000000" pitchFamily="2" charset="2"/>
+              <a:buChar char="§"/>
+              <a:defRPr/>
+            </a:pPr>
+            <a:r>
+              <a:rPr kumimoji="0" lang="en-US" sz="1600" b="0" i="0" u="none" strike="noStrike" kern="1200" cap="none" spc="0" normalizeH="0" baseline="0" noProof="0" dirty="0">
+                <a:ln>
+                  <a:noFill/>
+                </a:ln>
+                <a:solidFill>
+                  <a:srgbClr val="0081E2"/>
+                </a:solidFill>
+                <a:effectLst/>
+                <a:uLnTx/>
+                <a:uFillTx/>
+                <a:latin typeface="Consolas" panose="020B0609020204030204" pitchFamily="49" charset="0"/>
+              </a:rPr>
+              <a:t>one double sided handwritten sheet of notes (letter size/A4 page).</a:t>
+            </a:r>
+          </a:p>
+          <a:p>
+            <a:pPr marL="742950" lvl="1" indent="-285750">
+              <a:lnSpc>
+                <a:spcPct val="150000"/>
+              </a:lnSpc>
+              <a:buFont typeface="Wingdings" panose="05000000000000000000" pitchFamily="2" charset="2"/>
+              <a:buChar char="§"/>
+              <a:defRPr/>
+            </a:pPr>
+            <a:r>
+              <a:rPr kumimoji="0" lang="en-US" sz="1600" b="0" i="0" u="none" strike="noStrike" kern="1200" cap="none" spc="0" normalizeH="0" baseline="0" noProof="0" dirty="0">
+                <a:ln>
+                  <a:noFill/>
+                </a:ln>
+                <a:solidFill>
+                  <a:srgbClr val="0081E2"/>
+                </a:solidFill>
+                <a:effectLst/>
+                <a:uLnTx/>
+                <a:uFillTx/>
+                <a:latin typeface="Consolas" panose="020B0609020204030204" pitchFamily="49" charset="0"/>
               </a:rPr>
               <a:t>6 double sided blank sheets of scratch paper (letter size/A4 page).</a:t>
             </a:r>

--- a/Slides/Slides-PPT/Exam 1 - Review A.pptx
+++ b/Slides/Slides-PPT/Exam 1 - Review A.pptx
@@ -227,7 +227,7 @@
           <a:p>
             <a:fld id="{43386AF1-EF24-4659-9089-2771856A9EA2}" type="datetimeFigureOut">
               <a:rPr lang="en-US" smtClean="0"/>
-              <a:t>2/24/2025</a:t>
+              <a:t>6/18/2025</a:t>
             </a:fld>
             <a:endParaRPr lang="en-US"/>
           </a:p>
@@ -5039,7 +5039,7 @@
           <a:p>
             <a:fld id="{F8616885-9ED8-4298-9149-C5A410E7F61A}" type="datetime1">
               <a:rPr lang="en-US" smtClean="0"/>
-              <a:t>2/24/2025</a:t>
+              <a:t>6/18/2025</a:t>
             </a:fld>
             <a:endParaRPr lang="en-US"/>
           </a:p>
@@ -5209,7 +5209,7 @@
           <a:p>
             <a:fld id="{46647952-6535-4065-B4F6-C94B3D00772F}" type="datetime1">
               <a:rPr lang="en-US" smtClean="0"/>
-              <a:t>2/24/2025</a:t>
+              <a:t>6/18/2025</a:t>
             </a:fld>
             <a:endParaRPr lang="en-US"/>
           </a:p>
@@ -5389,7 +5389,7 @@
           <a:p>
             <a:fld id="{63870D39-F97D-4ECC-909C-35255E9A37F7}" type="datetime1">
               <a:rPr lang="en-US" smtClean="0"/>
-              <a:t>2/24/2025</a:t>
+              <a:t>6/18/2025</a:t>
             </a:fld>
             <a:endParaRPr lang="en-US"/>
           </a:p>
@@ -5581,7 +5581,7 @@
           <a:p>
             <a:fld id="{38C9C2D7-406E-45EE-9F57-B83131B49240}" type="datetimeFigureOut">
               <a:rPr lang="en-US" smtClean="0"/>
-              <a:t>2/24/2025</a:t>
+              <a:t>6/18/2025</a:t>
             </a:fld>
             <a:endParaRPr lang="en-US"/>
           </a:p>
@@ -5751,7 +5751,7 @@
           <a:p>
             <a:fld id="{38C9C2D7-406E-45EE-9F57-B83131B49240}" type="datetimeFigureOut">
               <a:rPr lang="en-US" smtClean="0"/>
-              <a:t>2/24/2025</a:t>
+              <a:t>6/18/2025</a:t>
             </a:fld>
             <a:endParaRPr lang="en-US"/>
           </a:p>
@@ -5997,7 +5997,7 @@
           <a:p>
             <a:fld id="{38C9C2D7-406E-45EE-9F57-B83131B49240}" type="datetimeFigureOut">
               <a:rPr lang="en-US" smtClean="0"/>
-              <a:t>2/24/2025</a:t>
+              <a:t>6/18/2025</a:t>
             </a:fld>
             <a:endParaRPr lang="en-US"/>
           </a:p>
@@ -6229,7 +6229,7 @@
           <a:p>
             <a:fld id="{38C9C2D7-406E-45EE-9F57-B83131B49240}" type="datetimeFigureOut">
               <a:rPr lang="en-US" smtClean="0"/>
-              <a:t>2/24/2025</a:t>
+              <a:t>6/18/2025</a:t>
             </a:fld>
             <a:endParaRPr lang="en-US"/>
           </a:p>
@@ -6596,7 +6596,7 @@
           <a:p>
             <a:fld id="{38C9C2D7-406E-45EE-9F57-B83131B49240}" type="datetimeFigureOut">
               <a:rPr lang="en-US" smtClean="0"/>
-              <a:t>2/24/2025</a:t>
+              <a:t>6/18/2025</a:t>
             </a:fld>
             <a:endParaRPr lang="en-US"/>
           </a:p>
@@ -6714,7 +6714,7 @@
           <a:p>
             <a:fld id="{38C9C2D7-406E-45EE-9F57-B83131B49240}" type="datetimeFigureOut">
               <a:rPr lang="en-US" smtClean="0"/>
-              <a:t>2/24/2025</a:t>
+              <a:t>6/18/2025</a:t>
             </a:fld>
             <a:endParaRPr lang="en-US"/>
           </a:p>
@@ -6809,7 +6809,7 @@
           <a:p>
             <a:fld id="{38C9C2D7-406E-45EE-9F57-B83131B49240}" type="datetimeFigureOut">
               <a:rPr lang="en-US" smtClean="0"/>
-              <a:t>2/24/2025</a:t>
+              <a:t>6/18/2025</a:t>
             </a:fld>
             <a:endParaRPr lang="en-US"/>
           </a:p>
@@ -7086,7 +7086,7 @@
           <a:p>
             <a:fld id="{38C9C2D7-406E-45EE-9F57-B83131B49240}" type="datetimeFigureOut">
               <a:rPr lang="en-US" smtClean="0"/>
-              <a:t>2/24/2025</a:t>
+              <a:t>6/18/2025</a:t>
             </a:fld>
             <a:endParaRPr lang="en-US"/>
           </a:p>
@@ -7256,7 +7256,7 @@
           <a:p>
             <a:fld id="{7325EFF0-82F5-4880-81B9-BC73A963ECC3}" type="datetime1">
               <a:rPr lang="en-US" smtClean="0"/>
-              <a:t>2/24/2025</a:t>
+              <a:t>6/18/2025</a:t>
             </a:fld>
             <a:endParaRPr lang="en-US"/>
           </a:p>
@@ -7513,7 +7513,7 @@
           <a:p>
             <a:fld id="{38C9C2D7-406E-45EE-9F57-B83131B49240}" type="datetimeFigureOut">
               <a:rPr lang="en-US" smtClean="0"/>
-              <a:t>2/24/2025</a:t>
+              <a:t>6/18/2025</a:t>
             </a:fld>
             <a:endParaRPr lang="en-US"/>
           </a:p>
@@ -7683,7 +7683,7 @@
           <a:p>
             <a:fld id="{38C9C2D7-406E-45EE-9F57-B83131B49240}" type="datetimeFigureOut">
               <a:rPr lang="en-US" smtClean="0"/>
-              <a:t>2/24/2025</a:t>
+              <a:t>6/18/2025</a:t>
             </a:fld>
             <a:endParaRPr lang="en-US"/>
           </a:p>
@@ -7863,7 +7863,7 @@
           <a:p>
             <a:fld id="{38C9C2D7-406E-45EE-9F57-B83131B49240}" type="datetimeFigureOut">
               <a:rPr lang="en-US" smtClean="0"/>
-              <a:t>2/24/2025</a:t>
+              <a:t>6/18/2025</a:t>
             </a:fld>
             <a:endParaRPr lang="en-US"/>
           </a:p>
@@ -8109,7 +8109,7 @@
           <a:p>
             <a:fld id="{5A946811-681C-4AC5-84B7-A52FB525DDA0}" type="datetime1">
               <a:rPr lang="en-US" smtClean="0"/>
-              <a:t>2/24/2025</a:t>
+              <a:t>6/18/2025</a:t>
             </a:fld>
             <a:endParaRPr lang="en-US"/>
           </a:p>
@@ -8341,7 +8341,7 @@
           <a:p>
             <a:fld id="{B26718EC-8AAB-4CFD-80CE-1D0FB821064C}" type="datetime1">
               <a:rPr lang="en-US" smtClean="0"/>
-              <a:t>2/24/2025</a:t>
+              <a:t>6/18/2025</a:t>
             </a:fld>
             <a:endParaRPr lang="en-US"/>
           </a:p>
@@ -8708,7 +8708,7 @@
           <a:p>
             <a:fld id="{B9FC400D-05DF-4711-8592-640F86665B5F}" type="datetime1">
               <a:rPr lang="en-US" smtClean="0"/>
-              <a:t>2/24/2025</a:t>
+              <a:t>6/18/2025</a:t>
             </a:fld>
             <a:endParaRPr lang="en-US"/>
           </a:p>
@@ -8826,7 +8826,7 @@
           <a:p>
             <a:fld id="{21DCA921-A295-445C-9DF4-D32E11171EBC}" type="datetime1">
               <a:rPr lang="en-US" smtClean="0"/>
-              <a:t>2/24/2025</a:t>
+              <a:t>6/18/2025</a:t>
             </a:fld>
             <a:endParaRPr lang="en-US"/>
           </a:p>
@@ -8921,7 +8921,7 @@
           <a:p>
             <a:fld id="{410F1947-2C73-49DA-BF00-06FEB90FBFE0}" type="datetime1">
               <a:rPr lang="en-US" smtClean="0"/>
-              <a:t>2/24/2025</a:t>
+              <a:t>6/18/2025</a:t>
             </a:fld>
             <a:endParaRPr lang="en-US"/>
           </a:p>
@@ -9198,7 +9198,7 @@
           <a:p>
             <a:fld id="{7909FA88-D630-40A8-A7C1-451FFA95718D}" type="datetime1">
               <a:rPr lang="en-US" smtClean="0"/>
-              <a:t>2/24/2025</a:t>
+              <a:t>6/18/2025</a:t>
             </a:fld>
             <a:endParaRPr lang="en-US"/>
           </a:p>
@@ -9455,7 +9455,7 @@
           <a:p>
             <a:fld id="{0B22107A-0A76-4A69-98CE-85E509F6FEC6}" type="datetime1">
               <a:rPr lang="en-US" smtClean="0"/>
-              <a:t>2/24/2025</a:t>
+              <a:t>6/18/2025</a:t>
             </a:fld>
             <a:endParaRPr lang="en-US"/>
           </a:p>
@@ -9668,7 +9668,7 @@
           <a:p>
             <a:fld id="{BFC3CE7D-A49F-42F1-B54B-0205BF41E480}" type="datetime1">
               <a:rPr lang="en-US" smtClean="0"/>
-              <a:t>2/24/2025</a:t>
+              <a:t>6/18/2025</a:t>
             </a:fld>
             <a:endParaRPr lang="en-US"/>
           </a:p>
@@ -10209,7 +10209,7 @@
           <a:p>
             <a:fld id="{38C9C2D7-406E-45EE-9F57-B83131B49240}" type="datetimeFigureOut">
               <a:rPr lang="en-US" smtClean="0"/>
-              <a:t>2/24/2025</a:t>
+              <a:t>6/18/2025</a:t>
             </a:fld>
             <a:endParaRPr lang="en-US"/>
           </a:p>
@@ -14228,7 +14228,7 @@
             </a:ln>
             <a:extLst>
               <a:ext uri="{909E8E84-426E-40dd-AFC4-6F175D3DCCD1}">
-                <a14:hiddenFill xmlns:a14="http://schemas.microsoft.com/office/drawing/2010/main" xmlns="">
+                <a14:hiddenFill xmlns="" xmlns:a14="http://schemas.microsoft.com/office/drawing/2010/main">
                   <a:noFill/>
                 </a14:hiddenFill>
               </a:ext>
@@ -14270,7 +14270,7 @@
             </a:ln>
             <a:extLst>
               <a:ext uri="{909E8E84-426E-40dd-AFC4-6F175D3DCCD1}">
-                <a14:hiddenFill xmlns:a14="http://schemas.microsoft.com/office/drawing/2010/main" xmlns="">
+                <a14:hiddenFill xmlns="" xmlns:a14="http://schemas.microsoft.com/office/drawing/2010/main">
                   <a:noFill/>
                 </a14:hiddenFill>
               </a:ext>
@@ -14634,7 +14634,7 @@
             </a:ln>
             <a:extLst>
               <a:ext uri="{909E8E84-426E-40dd-AFC4-6F175D3DCCD1}">
-                <a14:hiddenFill xmlns:a14="http://schemas.microsoft.com/office/drawing/2010/main" xmlns="">
+                <a14:hiddenFill xmlns="" xmlns:a14="http://schemas.microsoft.com/office/drawing/2010/main">
                   <a:noFill/>
                 </a14:hiddenFill>
               </a:ext>
@@ -14679,7 +14679,7 @@
             </a:ln>
             <a:extLst>
               <a:ext uri="{909E8E84-426E-40dd-AFC4-6F175D3DCCD1}">
-                <a14:hiddenFill xmlns:a14="http://schemas.microsoft.com/office/drawing/2010/main" xmlns="">
+                <a14:hiddenFill xmlns="" xmlns:a14="http://schemas.microsoft.com/office/drawing/2010/main">
                   <a:noFill/>
                 </a14:hiddenFill>
               </a:ext>
@@ -14724,7 +14724,7 @@
             </a:ln>
             <a:extLst>
               <a:ext uri="{909E8E84-426E-40dd-AFC4-6F175D3DCCD1}">
-                <a14:hiddenFill xmlns:a14="http://schemas.microsoft.com/office/drawing/2010/main" xmlns="">
+                <a14:hiddenFill xmlns="" xmlns:a14="http://schemas.microsoft.com/office/drawing/2010/main">
                   <a:noFill/>
                 </a14:hiddenFill>
               </a:ext>
@@ -14768,7 +14768,7 @@
             </a:ln>
             <a:extLst>
               <a:ext uri="{909E8E84-426E-40dd-AFC4-6F175D3DCCD1}">
-                <a14:hiddenFill xmlns:a14="http://schemas.microsoft.com/office/drawing/2010/main" xmlns="">
+                <a14:hiddenFill xmlns="" xmlns:a14="http://schemas.microsoft.com/office/drawing/2010/main">
                   <a:noFill/>
                 </a14:hiddenFill>
               </a:ext>
@@ -19870,7 +19870,7 @@
         <p:spPr>
           <a:xfrm>
             <a:off x="987636" y="1483169"/>
-            <a:ext cx="11916706" cy="4755667"/>
+            <a:ext cx="10876415" cy="4755667"/>
           </a:xfrm>
           <a:prstGeom prst="rect">
             <a:avLst/>
@@ -19914,7 +19914,7 @@
                   <a:noFill/>
                 </a:ln>
                 <a:solidFill>
-                  <a:srgbClr val="EB6E19"/>
+                  <a:srgbClr val="0081E2"/>
                 </a:solidFill>
                 <a:effectLst/>
                 <a:uLnTx/>
@@ -19923,24 +19923,7 @@
                 <a:ea typeface="+mn-ea"/>
                 <a:cs typeface="+mn-cs"/>
               </a:rPr>
-              <a:t>Date and timings for all students </a:t>
-            </a:r>
-            <a:r>
-              <a:rPr kumimoji="0" lang="en-US" sz="1600" b="0" i="0" u="none" strike="noStrike" kern="1200" cap="none" spc="0" normalizeH="0" baseline="0" noProof="0" dirty="0">
-                <a:ln>
-                  <a:noFill/>
-                </a:ln>
-                <a:solidFill>
-                  <a:srgbClr val="0081E2"/>
-                </a:solidFill>
-                <a:effectLst/>
-                <a:uLnTx/>
-                <a:uFillTx/>
-                <a:latin typeface="Consolas" panose="020B0609020204030204" pitchFamily="49" charset="0"/>
-                <a:ea typeface="+mn-ea"/>
-                <a:cs typeface="+mn-cs"/>
-              </a:rPr>
-              <a:t>except UFOL/UDER:</a:t>
+              <a:t>Date and timings for all students except UFOL/UDER:</a:t>
             </a:r>
           </a:p>
           <a:p>
@@ -19965,37 +19948,7 @@
                 <a:uFillTx/>
                 <a:latin typeface="Consolas" panose="020B0609020204030204" pitchFamily="49" charset="0"/>
               </a:rPr>
-              <a:t>The</a:t>
-            </a:r>
-            <a:r>
-              <a:rPr kumimoji="0" lang="en-US" sz="1600" b="0" i="0" u="none" strike="noStrike" kern="1200" cap="none" spc="0" normalizeH="0" baseline="0" noProof="0" dirty="0">
-                <a:ln>
-                  <a:noFill/>
-                </a:ln>
-                <a:solidFill>
-                  <a:srgbClr val="0081E2"/>
-                </a:solidFill>
-                <a:effectLst/>
-                <a:uLnTx/>
-                <a:uFillTx/>
-                <a:latin typeface="Consolas" panose="020B0609020204030204" pitchFamily="49" charset="0"/>
-              </a:rPr>
-              <a:t> </a:t>
-            </a:r>
-            <a:r>
-              <a:rPr kumimoji="0" lang="en-US" sz="1600" b="0" i="0" u="none" strike="noStrike" kern="1200" cap="none" spc="0" normalizeH="0" baseline="0" noProof="0" dirty="0">
-                <a:ln>
-                  <a:noFill/>
-                </a:ln>
-                <a:solidFill>
-                  <a:srgbClr val="EB6E19"/>
-                </a:solidFill>
-                <a:effectLst/>
-                <a:uLnTx/>
-                <a:uFillTx/>
-                <a:latin typeface="Consolas" panose="020B0609020204030204" pitchFamily="49" charset="0"/>
-              </a:rPr>
-              <a:t>exam will be via Honorlock on Tuesday, March 4, 7:30 am to 11:30 am.</a:t>
+              <a:t>The exam will be via Honorlock on Friday, June 20, 10 am to 2 pm. </a:t>
             </a:r>
           </a:p>
           <a:p>
@@ -20013,44 +19966,14 @@
                   <a:noFill/>
                 </a:ln>
                 <a:solidFill>
-                  <a:srgbClr val="0081E2"/>
+                  <a:srgbClr val="EB6E19"/>
                 </a:solidFill>
                 <a:effectLst/>
                 <a:uLnTx/>
                 <a:uFillTx/>
                 <a:latin typeface="Consolas" panose="020B0609020204030204" pitchFamily="49" charset="0"/>
               </a:rPr>
-              <a:t>You </a:t>
-            </a:r>
-            <a:r>
-              <a:rPr kumimoji="0" lang="en-US" sz="1600" b="0" i="0" u="none" strike="noStrike" kern="1200" cap="none" spc="0" normalizeH="0" baseline="0" noProof="0" dirty="0">
-                <a:ln>
-                  <a:noFill/>
-                </a:ln>
-                <a:solidFill>
-                  <a:srgbClr val="EB6E19"/>
-                </a:solidFill>
-                <a:effectLst/>
-                <a:uLnTx/>
-                <a:uFillTx/>
-                <a:latin typeface="Consolas" panose="020B0609020204030204" pitchFamily="49" charset="0"/>
-              </a:rPr>
-              <a:t>must start the exam by 9:30 am EST </a:t>
-            </a:r>
-            <a:r>
-              <a:rPr kumimoji="0" lang="en-US" sz="1600" b="0" i="0" u="none" strike="noStrike" kern="1200" cap="none" spc="0" normalizeH="0" baseline="0" noProof="0" dirty="0">
-                <a:ln>
-                  <a:noFill/>
-                </a:ln>
-                <a:solidFill>
-                  <a:srgbClr val="0081E2"/>
-                </a:solidFill>
-                <a:effectLst/>
-                <a:uLnTx/>
-                <a:uFillTx/>
-                <a:latin typeface="Consolas" panose="020B0609020204030204" pitchFamily="49" charset="0"/>
-              </a:rPr>
-              <a:t>as Canvas will throw you out at 11:30 am EST.</a:t>
+              <a:t>You must start the exam by noon EST on June 20 as Canvas will throw you out at 2 pm EST.</a:t>
             </a:r>
           </a:p>
           <a:p>
@@ -20095,14 +20018,14 @@
                   <a:noFill/>
                 </a:ln>
                 <a:solidFill>
-                  <a:srgbClr val="0081E2"/>
+                  <a:srgbClr val="EB6E19"/>
                 </a:solidFill>
                 <a:effectLst/>
                 <a:uLnTx/>
                 <a:uFillTx/>
                 <a:latin typeface="Consolas" panose="020B0609020204030204" pitchFamily="49" charset="0"/>
               </a:rPr>
-              <a:t>The exam will be via Honorlock on between March 4, 7:30 am to March 6 midnight.</a:t>
+              <a:t>The exam will be via Honorlock on between June 20, 10 am to June 21 midnight.</a:t>
             </a:r>
           </a:p>
           <a:p>
@@ -20120,14 +20043,14 @@
                   <a:noFill/>
                 </a:ln>
                 <a:solidFill>
-                  <a:srgbClr val="0081E2"/>
+                  <a:srgbClr val="EB6E19"/>
                 </a:solidFill>
                 <a:effectLst/>
                 <a:uLnTx/>
                 <a:uFillTx/>
                 <a:latin typeface="Consolas" panose="020B0609020204030204" pitchFamily="49" charset="0"/>
               </a:rPr>
-              <a:t>You must start the exam by 10:00 pm EST on March 6 as Canvas will throw you out at midnight.</a:t>
+              <a:t>You must start the exam by 10:00 pm EST on June 21 as Canvas will throw you out at midnight.</a:t>
             </a:r>
           </a:p>
           <a:p>

--- a/Slides/Slides-PPT/Exam 1 - Review A.pptx
+++ b/Slides/Slides-PPT/Exam 1 - Review A.pptx
@@ -6,7 +6,7 @@
     <p:sldMasterId id="2147483672" r:id="rId2"/>
   </p:sldMasterIdLst>
   <p:notesMasterIdLst>
-    <p:notesMasterId r:id="rId33"/>
+    <p:notesMasterId r:id="rId36"/>
   </p:notesMasterIdLst>
   <p:sldIdLst>
     <p:sldId id="268" r:id="rId3"/>
@@ -33,12 +33,15 @@
     <p:sldId id="485" r:id="rId24"/>
     <p:sldId id="487" r:id="rId25"/>
     <p:sldId id="509" r:id="rId26"/>
-    <p:sldId id="684" r:id="rId27"/>
-    <p:sldId id="686" r:id="rId28"/>
-    <p:sldId id="685" r:id="rId29"/>
-    <p:sldId id="687" r:id="rId30"/>
-    <p:sldId id="486" r:id="rId31"/>
-    <p:sldId id="394" r:id="rId32"/>
+    <p:sldId id="486" r:id="rId27"/>
+    <p:sldId id="688" r:id="rId28"/>
+    <p:sldId id="690" r:id="rId29"/>
+    <p:sldId id="689" r:id="rId30"/>
+    <p:sldId id="684" r:id="rId31"/>
+    <p:sldId id="686" r:id="rId32"/>
+    <p:sldId id="685" r:id="rId33"/>
+    <p:sldId id="687" r:id="rId34"/>
+    <p:sldId id="394" r:id="rId35"/>
   </p:sldIdLst>
   <p:sldSz cx="12192000" cy="6858000"/>
   <p:notesSz cx="6858000" cy="9144000"/>
@@ -227,7 +230,7 @@
           <a:p>
             <a:fld id="{43386AF1-EF24-4659-9089-2771856A9EA2}" type="datetimeFigureOut">
               <a:rPr lang="en-US" smtClean="0"/>
-              <a:t>6/18/2025</a:t>
+              <a:t>9/30/2025</a:t>
             </a:fld>
             <a:endParaRPr lang="en-US"/>
           </a:p>
@@ -3206,7 +3209,7 @@
     </p:spTree>
     <p:extLst>
       <p:ext uri="{BB962C8B-B14F-4D97-AF65-F5344CB8AC3E}">
-        <p14:creationId xmlns:p14="http://schemas.microsoft.com/office/powerpoint/2010/main" val="2467873718"/>
+        <p14:creationId xmlns:p14="http://schemas.microsoft.com/office/powerpoint/2010/main" val="3372863684"/>
       </p:ext>
     </p:extLst>
   </p:cSld>
@@ -3221,7 +3224,13 @@
   <p:cSld>
     <p:spTree>
       <p:nvGrpSpPr>
-        <p:cNvPr id="1" name=""/>
+        <p:cNvPr id="1" name="">
+          <a:extLst>
+            <a:ext uri="{FF2B5EF4-FFF2-40B4-BE49-F238E27FC236}">
+              <a16:creationId xmlns:a16="http://schemas.microsoft.com/office/drawing/2014/main" id="{F1FC9B61-F069-091E-40CA-3B40AF64A4FA}"/>
+            </a:ext>
+          </a:extLst>
+        </p:cNvPr>
         <p:cNvGrpSpPr/>
         <p:nvPr/>
       </p:nvGrpSpPr>
@@ -3235,7 +3244,13 @@
       </p:grpSpPr>
       <p:sp>
         <p:nvSpPr>
-          <p:cNvPr id="2" name="Slide Image Placeholder 1"/>
+          <p:cNvPr id="2" name="Slide Image Placeholder 1">
+            <a:extLst>
+              <a:ext uri="{FF2B5EF4-FFF2-40B4-BE49-F238E27FC236}">
+                <a16:creationId xmlns:a16="http://schemas.microsoft.com/office/drawing/2014/main" id="{69AD06FB-9C88-8377-19FB-1CFF5EA1391D}"/>
+              </a:ext>
+            </a:extLst>
+          </p:cNvPr>
           <p:cNvSpPr>
             <a:spLocks noGrp="1" noRot="1" noChangeAspect="1"/>
           </p:cNvSpPr>
@@ -3247,7 +3262,13 @@
       </p:sp>
       <p:sp>
         <p:nvSpPr>
-          <p:cNvPr id="3" name="Notes Placeholder 2"/>
+          <p:cNvPr id="3" name="Notes Placeholder 2">
+            <a:extLst>
+              <a:ext uri="{FF2B5EF4-FFF2-40B4-BE49-F238E27FC236}">
+                <a16:creationId xmlns:a16="http://schemas.microsoft.com/office/drawing/2014/main" id="{2FC19E2E-4051-DC97-3ED5-CC796D440E0E}"/>
+              </a:ext>
+            </a:extLst>
+          </p:cNvPr>
           <p:cNvSpPr>
             <a:spLocks noGrp="1"/>
           </p:cNvSpPr>
@@ -3273,7 +3294,13 @@
       </p:sp>
       <p:sp>
         <p:nvSpPr>
-          <p:cNvPr id="4" name="Slide Number Placeholder 3"/>
+          <p:cNvPr id="4" name="Slide Number Placeholder 3">
+            <a:extLst>
+              <a:ext uri="{FF2B5EF4-FFF2-40B4-BE49-F238E27FC236}">
+                <a16:creationId xmlns:a16="http://schemas.microsoft.com/office/drawing/2014/main" id="{AD7CADB8-8989-063C-C59D-CF6112D3DD5F}"/>
+              </a:ext>
+            </a:extLst>
+          </p:cNvPr>
           <p:cNvSpPr>
             <a:spLocks noGrp="1"/>
           </p:cNvSpPr>
@@ -3357,7 +3384,7 @@
     </p:spTree>
     <p:extLst>
       <p:ext uri="{BB962C8B-B14F-4D97-AF65-F5344CB8AC3E}">
-        <p14:creationId xmlns:p14="http://schemas.microsoft.com/office/powerpoint/2010/main" val="1868775921"/>
+        <p14:creationId xmlns:p14="http://schemas.microsoft.com/office/powerpoint/2010/main" val="3747576725"/>
       </p:ext>
     </p:extLst>
   </p:cSld>
@@ -3372,7 +3399,13 @@
   <p:cSld>
     <p:spTree>
       <p:nvGrpSpPr>
-        <p:cNvPr id="1" name=""/>
+        <p:cNvPr id="1" name="">
+          <a:extLst>
+            <a:ext uri="{FF2B5EF4-FFF2-40B4-BE49-F238E27FC236}">
+              <a16:creationId xmlns:a16="http://schemas.microsoft.com/office/drawing/2014/main" id="{58A1E6EB-47E5-3D8F-806E-6D3ABF75492D}"/>
+            </a:ext>
+          </a:extLst>
+        </p:cNvPr>
         <p:cNvGrpSpPr/>
         <p:nvPr/>
       </p:nvGrpSpPr>
@@ -3386,7 +3419,13 @@
       </p:grpSpPr>
       <p:sp>
         <p:nvSpPr>
-          <p:cNvPr id="2" name="Slide Image Placeholder 1"/>
+          <p:cNvPr id="2" name="Slide Image Placeholder 1">
+            <a:extLst>
+              <a:ext uri="{FF2B5EF4-FFF2-40B4-BE49-F238E27FC236}">
+                <a16:creationId xmlns:a16="http://schemas.microsoft.com/office/drawing/2014/main" id="{09BD1E1D-26B8-4DD4-1D22-A733CAFEC05E}"/>
+              </a:ext>
+            </a:extLst>
+          </p:cNvPr>
           <p:cNvSpPr>
             <a:spLocks noGrp="1" noRot="1" noChangeAspect="1"/>
           </p:cNvSpPr>
@@ -3398,7 +3437,13 @@
       </p:sp>
       <p:sp>
         <p:nvSpPr>
-          <p:cNvPr id="3" name="Notes Placeholder 2"/>
+          <p:cNvPr id="3" name="Notes Placeholder 2">
+            <a:extLst>
+              <a:ext uri="{FF2B5EF4-FFF2-40B4-BE49-F238E27FC236}">
+                <a16:creationId xmlns:a16="http://schemas.microsoft.com/office/drawing/2014/main" id="{2387A0C2-AEAD-A1F5-620B-F676A3226287}"/>
+              </a:ext>
+            </a:extLst>
+          </p:cNvPr>
           <p:cNvSpPr>
             <a:spLocks noGrp="1"/>
           </p:cNvSpPr>
@@ -3424,7 +3469,13 @@
       </p:sp>
       <p:sp>
         <p:nvSpPr>
-          <p:cNvPr id="4" name="Slide Number Placeholder 3"/>
+          <p:cNvPr id="4" name="Slide Number Placeholder 3">
+            <a:extLst>
+              <a:ext uri="{FF2B5EF4-FFF2-40B4-BE49-F238E27FC236}">
+                <a16:creationId xmlns:a16="http://schemas.microsoft.com/office/drawing/2014/main" id="{C4A4F8B8-422C-1CC1-6896-5CE9BA249346}"/>
+              </a:ext>
+            </a:extLst>
+          </p:cNvPr>
           <p:cNvSpPr>
             <a:spLocks noGrp="1"/>
           </p:cNvSpPr>
@@ -3508,7 +3559,7 @@
     </p:spTree>
     <p:extLst>
       <p:ext uri="{BB962C8B-B14F-4D97-AF65-F5344CB8AC3E}">
-        <p14:creationId xmlns:p14="http://schemas.microsoft.com/office/powerpoint/2010/main" val="554930333"/>
+        <p14:creationId xmlns:p14="http://schemas.microsoft.com/office/powerpoint/2010/main" val="2132109679"/>
       </p:ext>
     </p:extLst>
   </p:cSld>
@@ -3523,7 +3574,13 @@
   <p:cSld>
     <p:spTree>
       <p:nvGrpSpPr>
-        <p:cNvPr id="1" name=""/>
+        <p:cNvPr id="1" name="">
+          <a:extLst>
+            <a:ext uri="{FF2B5EF4-FFF2-40B4-BE49-F238E27FC236}">
+              <a16:creationId xmlns:a16="http://schemas.microsoft.com/office/drawing/2014/main" id="{27E3851A-28DE-1D37-691E-C40AF3C00FD2}"/>
+            </a:ext>
+          </a:extLst>
+        </p:cNvPr>
         <p:cNvGrpSpPr/>
         <p:nvPr/>
       </p:nvGrpSpPr>
@@ -3537,7 +3594,13 @@
       </p:grpSpPr>
       <p:sp>
         <p:nvSpPr>
-          <p:cNvPr id="2" name="Slide Image Placeholder 1"/>
+          <p:cNvPr id="2" name="Slide Image Placeholder 1">
+            <a:extLst>
+              <a:ext uri="{FF2B5EF4-FFF2-40B4-BE49-F238E27FC236}">
+                <a16:creationId xmlns:a16="http://schemas.microsoft.com/office/drawing/2014/main" id="{26BDCFC6-C116-1055-08CD-36344CDCD59E}"/>
+              </a:ext>
+            </a:extLst>
+          </p:cNvPr>
           <p:cNvSpPr>
             <a:spLocks noGrp="1" noRot="1" noChangeAspect="1"/>
           </p:cNvSpPr>
@@ -3549,7 +3612,13 @@
       </p:sp>
       <p:sp>
         <p:nvSpPr>
-          <p:cNvPr id="3" name="Notes Placeholder 2"/>
+          <p:cNvPr id="3" name="Notes Placeholder 2">
+            <a:extLst>
+              <a:ext uri="{FF2B5EF4-FFF2-40B4-BE49-F238E27FC236}">
+                <a16:creationId xmlns:a16="http://schemas.microsoft.com/office/drawing/2014/main" id="{194E23F2-9099-5C16-F684-A9F19247A78B}"/>
+              </a:ext>
+            </a:extLst>
+          </p:cNvPr>
           <p:cNvSpPr>
             <a:spLocks noGrp="1"/>
           </p:cNvSpPr>
@@ -3575,7 +3644,13 @@
       </p:sp>
       <p:sp>
         <p:nvSpPr>
-          <p:cNvPr id="4" name="Slide Number Placeholder 3"/>
+          <p:cNvPr id="4" name="Slide Number Placeholder 3">
+            <a:extLst>
+              <a:ext uri="{FF2B5EF4-FFF2-40B4-BE49-F238E27FC236}">
+                <a16:creationId xmlns:a16="http://schemas.microsoft.com/office/drawing/2014/main" id="{90EDFD61-0969-DA35-AB64-B317AD46F257}"/>
+              </a:ext>
+            </a:extLst>
+          </p:cNvPr>
           <p:cNvSpPr>
             <a:spLocks noGrp="1"/>
           </p:cNvSpPr>
@@ -3659,7 +3734,7 @@
     </p:spTree>
     <p:extLst>
       <p:ext uri="{BB962C8B-B14F-4D97-AF65-F5344CB8AC3E}">
-        <p14:creationId xmlns:p14="http://schemas.microsoft.com/office/powerpoint/2010/main" val="3059179596"/>
+        <p14:creationId xmlns:p14="http://schemas.microsoft.com/office/powerpoint/2010/main" val="658268153"/>
       </p:ext>
     </p:extLst>
   </p:cSld>
@@ -3810,7 +3885,7 @@
     </p:spTree>
     <p:extLst>
       <p:ext uri="{BB962C8B-B14F-4D97-AF65-F5344CB8AC3E}">
-        <p14:creationId xmlns:p14="http://schemas.microsoft.com/office/powerpoint/2010/main" val="3372863684"/>
+        <p14:creationId xmlns:p14="http://schemas.microsoft.com/office/powerpoint/2010/main" val="2467873718"/>
       </p:ext>
     </p:extLst>
   </p:cSld>
@@ -3958,8 +4033,12 @@
           <a:lstStyle/>
           <a:p>
             <a:r>
+              <a:rPr lang="en-US" dirty="0" err="1"/>
+              <a:t>Psuedocode</a:t>
+            </a:r>
+            <a:r>
               <a:rPr lang="en-US" dirty="0"/>
-              <a:t>Space: O1, Time n2</a:t>
+              <a:t> and code</a:t>
             </a:r>
           </a:p>
         </p:txBody>
@@ -4029,6 +4108,455 @@
                 <a:defRPr/>
               </a:pPr>
               <a:t>30</a:t>
+            </a:fld>
+            <a:endParaRPr kumimoji="0" lang="en-US" sz="1200" b="0" i="0" u="none" strike="noStrike" kern="1200" cap="none" spc="0" normalizeH="0" baseline="0" noProof="0">
+              <a:ln>
+                <a:noFill/>
+              </a:ln>
+              <a:solidFill>
+                <a:prstClr val="black"/>
+              </a:solidFill>
+              <a:effectLst/>
+              <a:uLnTx/>
+              <a:uFillTx/>
+              <a:latin typeface="Calibri" panose="020F0502020204030204"/>
+              <a:ea typeface="+mn-ea"/>
+              <a:cs typeface="+mn-cs"/>
+            </a:endParaRPr>
+          </a:p>
+        </p:txBody>
+      </p:sp>
+    </p:spTree>
+    <p:extLst>
+      <p:ext uri="{BB962C8B-B14F-4D97-AF65-F5344CB8AC3E}">
+        <p14:creationId xmlns:p14="http://schemas.microsoft.com/office/powerpoint/2010/main" val="1868775921"/>
+      </p:ext>
+    </p:extLst>
+  </p:cSld>
+  <p:clrMapOvr>
+    <a:masterClrMapping/>
+  </p:clrMapOvr>
+</p:notes>
+</file>
+
+<file path=ppt/notesSlides/notesSlide31.xml><?xml version="1.0" encoding="utf-8"?>
+<p:notes xmlns:a="http://schemas.openxmlformats.org/drawingml/2006/main" xmlns:r="http://schemas.openxmlformats.org/officeDocument/2006/relationships" xmlns:p="http://schemas.openxmlformats.org/presentationml/2006/main">
+  <p:cSld>
+    <p:spTree>
+      <p:nvGrpSpPr>
+        <p:cNvPr id="1" name=""/>
+        <p:cNvGrpSpPr/>
+        <p:nvPr/>
+      </p:nvGrpSpPr>
+      <p:grpSpPr>
+        <a:xfrm>
+          <a:off x="0" y="0"/>
+          <a:ext cx="0" cy="0"/>
+          <a:chOff x="0" y="0"/>
+          <a:chExt cx="0" cy="0"/>
+        </a:xfrm>
+      </p:grpSpPr>
+      <p:sp>
+        <p:nvSpPr>
+          <p:cNvPr id="2" name="Slide Image Placeholder 1"/>
+          <p:cNvSpPr>
+            <a:spLocks noGrp="1" noRot="1" noChangeAspect="1"/>
+          </p:cNvSpPr>
+          <p:nvPr>
+            <p:ph type="sldImg"/>
+          </p:nvPr>
+        </p:nvSpPr>
+        <p:spPr/>
+      </p:sp>
+      <p:sp>
+        <p:nvSpPr>
+          <p:cNvPr id="3" name="Notes Placeholder 2"/>
+          <p:cNvSpPr>
+            <a:spLocks noGrp="1"/>
+          </p:cNvSpPr>
+          <p:nvPr>
+            <p:ph type="body" idx="1"/>
+          </p:nvPr>
+        </p:nvSpPr>
+        <p:spPr/>
+        <p:txBody>
+          <a:bodyPr/>
+          <a:lstStyle/>
+          <a:p>
+            <a:r>
+              <a:rPr lang="en-US" dirty="0" err="1"/>
+              <a:t>Psuedocode</a:t>
+            </a:r>
+            <a:r>
+              <a:rPr lang="en-US" dirty="0"/>
+              <a:t> and code</a:t>
+            </a:r>
+          </a:p>
+        </p:txBody>
+      </p:sp>
+      <p:sp>
+        <p:nvSpPr>
+          <p:cNvPr id="4" name="Slide Number Placeholder 3"/>
+          <p:cNvSpPr>
+            <a:spLocks noGrp="1"/>
+          </p:cNvSpPr>
+          <p:nvPr>
+            <p:ph type="sldNum" sz="quarter" idx="5"/>
+          </p:nvPr>
+        </p:nvSpPr>
+        <p:spPr/>
+        <p:txBody>
+          <a:bodyPr/>
+          <a:lstStyle/>
+          <a:p>
+            <a:pPr marL="0" marR="0" lvl="0" indent="0" algn="r" defTabSz="914400" rtl="0" eaLnBrk="1" fontAlgn="auto" latinLnBrk="0" hangingPunct="1">
+              <a:lnSpc>
+                <a:spcPct val="100000"/>
+              </a:lnSpc>
+              <a:spcBef>
+                <a:spcPts val="0"/>
+              </a:spcBef>
+              <a:spcAft>
+                <a:spcPts val="0"/>
+              </a:spcAft>
+              <a:buClrTx/>
+              <a:buSzTx/>
+              <a:buFontTx/>
+              <a:buNone/>
+              <a:tabLst/>
+              <a:defRPr/>
+            </a:pPr>
+            <a:fld id="{E2B3017C-A127-4C06-BF43-1875A8859C4B}" type="slidenum">
+              <a:rPr kumimoji="0" lang="en-US" sz="1200" b="0" i="0" u="none" strike="noStrike" kern="1200" cap="none" spc="0" normalizeH="0" baseline="0" noProof="0" smtClean="0">
+                <a:ln>
+                  <a:noFill/>
+                </a:ln>
+                <a:solidFill>
+                  <a:prstClr val="black"/>
+                </a:solidFill>
+                <a:effectLst/>
+                <a:uLnTx/>
+                <a:uFillTx/>
+                <a:latin typeface="Calibri" panose="020F0502020204030204"/>
+                <a:ea typeface="+mn-ea"/>
+                <a:cs typeface="+mn-cs"/>
+              </a:rPr>
+              <a:pPr marL="0" marR="0" lvl="0" indent="0" algn="r" defTabSz="914400" rtl="0" eaLnBrk="1" fontAlgn="auto" latinLnBrk="0" hangingPunct="1">
+                <a:lnSpc>
+                  <a:spcPct val="100000"/>
+                </a:lnSpc>
+                <a:spcBef>
+                  <a:spcPts val="0"/>
+                </a:spcBef>
+                <a:spcAft>
+                  <a:spcPts val="0"/>
+                </a:spcAft>
+                <a:buClrTx/>
+                <a:buSzTx/>
+                <a:buFontTx/>
+                <a:buNone/>
+                <a:tabLst/>
+                <a:defRPr/>
+              </a:pPr>
+              <a:t>31</a:t>
+            </a:fld>
+            <a:endParaRPr kumimoji="0" lang="en-US" sz="1200" b="0" i="0" u="none" strike="noStrike" kern="1200" cap="none" spc="0" normalizeH="0" baseline="0" noProof="0">
+              <a:ln>
+                <a:noFill/>
+              </a:ln>
+              <a:solidFill>
+                <a:prstClr val="black"/>
+              </a:solidFill>
+              <a:effectLst/>
+              <a:uLnTx/>
+              <a:uFillTx/>
+              <a:latin typeface="Calibri" panose="020F0502020204030204"/>
+              <a:ea typeface="+mn-ea"/>
+              <a:cs typeface="+mn-cs"/>
+            </a:endParaRPr>
+          </a:p>
+        </p:txBody>
+      </p:sp>
+    </p:spTree>
+    <p:extLst>
+      <p:ext uri="{BB962C8B-B14F-4D97-AF65-F5344CB8AC3E}">
+        <p14:creationId xmlns:p14="http://schemas.microsoft.com/office/powerpoint/2010/main" val="554930333"/>
+      </p:ext>
+    </p:extLst>
+  </p:cSld>
+  <p:clrMapOvr>
+    <a:masterClrMapping/>
+  </p:clrMapOvr>
+</p:notes>
+</file>
+
+<file path=ppt/notesSlides/notesSlide32.xml><?xml version="1.0" encoding="utf-8"?>
+<p:notes xmlns:a="http://schemas.openxmlformats.org/drawingml/2006/main" xmlns:r="http://schemas.openxmlformats.org/officeDocument/2006/relationships" xmlns:p="http://schemas.openxmlformats.org/presentationml/2006/main">
+  <p:cSld>
+    <p:spTree>
+      <p:nvGrpSpPr>
+        <p:cNvPr id="1" name=""/>
+        <p:cNvGrpSpPr/>
+        <p:nvPr/>
+      </p:nvGrpSpPr>
+      <p:grpSpPr>
+        <a:xfrm>
+          <a:off x="0" y="0"/>
+          <a:ext cx="0" cy="0"/>
+          <a:chOff x="0" y="0"/>
+          <a:chExt cx="0" cy="0"/>
+        </a:xfrm>
+      </p:grpSpPr>
+      <p:sp>
+        <p:nvSpPr>
+          <p:cNvPr id="2" name="Slide Image Placeholder 1"/>
+          <p:cNvSpPr>
+            <a:spLocks noGrp="1" noRot="1" noChangeAspect="1"/>
+          </p:cNvSpPr>
+          <p:nvPr>
+            <p:ph type="sldImg"/>
+          </p:nvPr>
+        </p:nvSpPr>
+        <p:spPr/>
+      </p:sp>
+      <p:sp>
+        <p:nvSpPr>
+          <p:cNvPr id="3" name="Notes Placeholder 2"/>
+          <p:cNvSpPr>
+            <a:spLocks noGrp="1"/>
+          </p:cNvSpPr>
+          <p:nvPr>
+            <p:ph type="body" idx="1"/>
+          </p:nvPr>
+        </p:nvSpPr>
+        <p:spPr/>
+        <p:txBody>
+          <a:bodyPr/>
+          <a:lstStyle/>
+          <a:p>
+            <a:r>
+              <a:rPr lang="en-US" dirty="0" err="1"/>
+              <a:t>Psuedocode</a:t>
+            </a:r>
+            <a:r>
+              <a:rPr lang="en-US" dirty="0"/>
+              <a:t> and code</a:t>
+            </a:r>
+          </a:p>
+        </p:txBody>
+      </p:sp>
+      <p:sp>
+        <p:nvSpPr>
+          <p:cNvPr id="4" name="Slide Number Placeholder 3"/>
+          <p:cNvSpPr>
+            <a:spLocks noGrp="1"/>
+          </p:cNvSpPr>
+          <p:nvPr>
+            <p:ph type="sldNum" sz="quarter" idx="5"/>
+          </p:nvPr>
+        </p:nvSpPr>
+        <p:spPr/>
+        <p:txBody>
+          <a:bodyPr/>
+          <a:lstStyle/>
+          <a:p>
+            <a:pPr marL="0" marR="0" lvl="0" indent="0" algn="r" defTabSz="914400" rtl="0" eaLnBrk="1" fontAlgn="auto" latinLnBrk="0" hangingPunct="1">
+              <a:lnSpc>
+                <a:spcPct val="100000"/>
+              </a:lnSpc>
+              <a:spcBef>
+                <a:spcPts val="0"/>
+              </a:spcBef>
+              <a:spcAft>
+                <a:spcPts val="0"/>
+              </a:spcAft>
+              <a:buClrTx/>
+              <a:buSzTx/>
+              <a:buFontTx/>
+              <a:buNone/>
+              <a:tabLst/>
+              <a:defRPr/>
+            </a:pPr>
+            <a:fld id="{E2B3017C-A127-4C06-BF43-1875A8859C4B}" type="slidenum">
+              <a:rPr kumimoji="0" lang="en-US" sz="1200" b="0" i="0" u="none" strike="noStrike" kern="1200" cap="none" spc="0" normalizeH="0" baseline="0" noProof="0" smtClean="0">
+                <a:ln>
+                  <a:noFill/>
+                </a:ln>
+                <a:solidFill>
+                  <a:prstClr val="black"/>
+                </a:solidFill>
+                <a:effectLst/>
+                <a:uLnTx/>
+                <a:uFillTx/>
+                <a:latin typeface="Calibri" panose="020F0502020204030204"/>
+                <a:ea typeface="+mn-ea"/>
+                <a:cs typeface="+mn-cs"/>
+              </a:rPr>
+              <a:pPr marL="0" marR="0" lvl="0" indent="0" algn="r" defTabSz="914400" rtl="0" eaLnBrk="1" fontAlgn="auto" latinLnBrk="0" hangingPunct="1">
+                <a:lnSpc>
+                  <a:spcPct val="100000"/>
+                </a:lnSpc>
+                <a:spcBef>
+                  <a:spcPts val="0"/>
+                </a:spcBef>
+                <a:spcAft>
+                  <a:spcPts val="0"/>
+                </a:spcAft>
+                <a:buClrTx/>
+                <a:buSzTx/>
+                <a:buFontTx/>
+                <a:buNone/>
+                <a:tabLst/>
+                <a:defRPr/>
+              </a:pPr>
+              <a:t>32</a:t>
+            </a:fld>
+            <a:endParaRPr kumimoji="0" lang="en-US" sz="1200" b="0" i="0" u="none" strike="noStrike" kern="1200" cap="none" spc="0" normalizeH="0" baseline="0" noProof="0">
+              <a:ln>
+                <a:noFill/>
+              </a:ln>
+              <a:solidFill>
+                <a:prstClr val="black"/>
+              </a:solidFill>
+              <a:effectLst/>
+              <a:uLnTx/>
+              <a:uFillTx/>
+              <a:latin typeface="Calibri" panose="020F0502020204030204"/>
+              <a:ea typeface="+mn-ea"/>
+              <a:cs typeface="+mn-cs"/>
+            </a:endParaRPr>
+          </a:p>
+        </p:txBody>
+      </p:sp>
+    </p:spTree>
+    <p:extLst>
+      <p:ext uri="{BB962C8B-B14F-4D97-AF65-F5344CB8AC3E}">
+        <p14:creationId xmlns:p14="http://schemas.microsoft.com/office/powerpoint/2010/main" val="3059179596"/>
+      </p:ext>
+    </p:extLst>
+  </p:cSld>
+  <p:clrMapOvr>
+    <a:masterClrMapping/>
+  </p:clrMapOvr>
+</p:notes>
+</file>
+
+<file path=ppt/notesSlides/notesSlide33.xml><?xml version="1.0" encoding="utf-8"?>
+<p:notes xmlns:a="http://schemas.openxmlformats.org/drawingml/2006/main" xmlns:r="http://schemas.openxmlformats.org/officeDocument/2006/relationships" xmlns:p="http://schemas.openxmlformats.org/presentationml/2006/main">
+  <p:cSld>
+    <p:spTree>
+      <p:nvGrpSpPr>
+        <p:cNvPr id="1" name=""/>
+        <p:cNvGrpSpPr/>
+        <p:nvPr/>
+      </p:nvGrpSpPr>
+      <p:grpSpPr>
+        <a:xfrm>
+          <a:off x="0" y="0"/>
+          <a:ext cx="0" cy="0"/>
+          <a:chOff x="0" y="0"/>
+          <a:chExt cx="0" cy="0"/>
+        </a:xfrm>
+      </p:grpSpPr>
+      <p:sp>
+        <p:nvSpPr>
+          <p:cNvPr id="2" name="Slide Image Placeholder 1"/>
+          <p:cNvSpPr>
+            <a:spLocks noGrp="1" noRot="1" noChangeAspect="1"/>
+          </p:cNvSpPr>
+          <p:nvPr>
+            <p:ph type="sldImg"/>
+          </p:nvPr>
+        </p:nvSpPr>
+        <p:spPr/>
+      </p:sp>
+      <p:sp>
+        <p:nvSpPr>
+          <p:cNvPr id="3" name="Notes Placeholder 2"/>
+          <p:cNvSpPr>
+            <a:spLocks noGrp="1"/>
+          </p:cNvSpPr>
+          <p:nvPr>
+            <p:ph type="body" idx="1"/>
+          </p:nvPr>
+        </p:nvSpPr>
+        <p:spPr/>
+        <p:txBody>
+          <a:bodyPr/>
+          <a:lstStyle/>
+          <a:p>
+            <a:r>
+              <a:rPr lang="en-US" dirty="0"/>
+              <a:t>Space: O1, Time n2</a:t>
+            </a:r>
+          </a:p>
+        </p:txBody>
+      </p:sp>
+      <p:sp>
+        <p:nvSpPr>
+          <p:cNvPr id="4" name="Slide Number Placeholder 3"/>
+          <p:cNvSpPr>
+            <a:spLocks noGrp="1"/>
+          </p:cNvSpPr>
+          <p:nvPr>
+            <p:ph type="sldNum" sz="quarter" idx="5"/>
+          </p:nvPr>
+        </p:nvSpPr>
+        <p:spPr/>
+        <p:txBody>
+          <a:bodyPr/>
+          <a:lstStyle/>
+          <a:p>
+            <a:pPr marL="0" marR="0" lvl="0" indent="0" algn="r" defTabSz="914400" rtl="0" eaLnBrk="1" fontAlgn="auto" latinLnBrk="0" hangingPunct="1">
+              <a:lnSpc>
+                <a:spcPct val="100000"/>
+              </a:lnSpc>
+              <a:spcBef>
+                <a:spcPts val="0"/>
+              </a:spcBef>
+              <a:spcAft>
+                <a:spcPts val="0"/>
+              </a:spcAft>
+              <a:buClrTx/>
+              <a:buSzTx/>
+              <a:buFontTx/>
+              <a:buNone/>
+              <a:tabLst/>
+              <a:defRPr/>
+            </a:pPr>
+            <a:fld id="{E2B3017C-A127-4C06-BF43-1875A8859C4B}" type="slidenum">
+              <a:rPr kumimoji="0" lang="en-US" sz="1200" b="0" i="0" u="none" strike="noStrike" kern="1200" cap="none" spc="0" normalizeH="0" baseline="0" noProof="0" smtClean="0">
+                <a:ln>
+                  <a:noFill/>
+                </a:ln>
+                <a:solidFill>
+                  <a:prstClr val="black"/>
+                </a:solidFill>
+                <a:effectLst/>
+                <a:uLnTx/>
+                <a:uFillTx/>
+                <a:latin typeface="Calibri" panose="020F0502020204030204"/>
+                <a:ea typeface="+mn-ea"/>
+                <a:cs typeface="+mn-cs"/>
+              </a:rPr>
+              <a:pPr marL="0" marR="0" lvl="0" indent="0" algn="r" defTabSz="914400" rtl="0" eaLnBrk="1" fontAlgn="auto" latinLnBrk="0" hangingPunct="1">
+                <a:lnSpc>
+                  <a:spcPct val="100000"/>
+                </a:lnSpc>
+                <a:spcBef>
+                  <a:spcPts val="0"/>
+                </a:spcBef>
+                <a:spcAft>
+                  <a:spcPts val="0"/>
+                </a:spcAft>
+                <a:buClrTx/>
+                <a:buSzTx/>
+                <a:buFontTx/>
+                <a:buNone/>
+                <a:tabLst/>
+                <a:defRPr/>
+              </a:pPr>
+              <a:t>33</a:t>
             </a:fld>
             <a:endParaRPr kumimoji="0" lang="en-US" sz="1200" b="0" i="0" u="none" strike="noStrike" kern="1200" cap="none" spc="0" normalizeH="0" baseline="0" noProof="0">
               <a:ln>
@@ -5039,7 +5567,7 @@
           <a:p>
             <a:fld id="{F8616885-9ED8-4298-9149-C5A410E7F61A}" type="datetime1">
               <a:rPr lang="en-US" smtClean="0"/>
-              <a:t>6/18/2025</a:t>
+              <a:t>9/30/2025</a:t>
             </a:fld>
             <a:endParaRPr lang="en-US"/>
           </a:p>
@@ -5209,7 +5737,7 @@
           <a:p>
             <a:fld id="{46647952-6535-4065-B4F6-C94B3D00772F}" type="datetime1">
               <a:rPr lang="en-US" smtClean="0"/>
-              <a:t>6/18/2025</a:t>
+              <a:t>9/30/2025</a:t>
             </a:fld>
             <a:endParaRPr lang="en-US"/>
           </a:p>
@@ -5389,7 +5917,7 @@
           <a:p>
             <a:fld id="{63870D39-F97D-4ECC-909C-35255E9A37F7}" type="datetime1">
               <a:rPr lang="en-US" smtClean="0"/>
-              <a:t>6/18/2025</a:t>
+              <a:t>9/30/2025</a:t>
             </a:fld>
             <a:endParaRPr lang="en-US"/>
           </a:p>
@@ -5581,7 +6109,7 @@
           <a:p>
             <a:fld id="{38C9C2D7-406E-45EE-9F57-B83131B49240}" type="datetimeFigureOut">
               <a:rPr lang="en-US" smtClean="0"/>
-              <a:t>6/18/2025</a:t>
+              <a:t>9/30/2025</a:t>
             </a:fld>
             <a:endParaRPr lang="en-US"/>
           </a:p>
@@ -5751,7 +6279,7 @@
           <a:p>
             <a:fld id="{38C9C2D7-406E-45EE-9F57-B83131B49240}" type="datetimeFigureOut">
               <a:rPr lang="en-US" smtClean="0"/>
-              <a:t>6/18/2025</a:t>
+              <a:t>9/30/2025</a:t>
             </a:fld>
             <a:endParaRPr lang="en-US"/>
           </a:p>
@@ -5997,7 +6525,7 @@
           <a:p>
             <a:fld id="{38C9C2D7-406E-45EE-9F57-B83131B49240}" type="datetimeFigureOut">
               <a:rPr lang="en-US" smtClean="0"/>
-              <a:t>6/18/2025</a:t>
+              <a:t>9/30/2025</a:t>
             </a:fld>
             <a:endParaRPr lang="en-US"/>
           </a:p>
@@ -6229,7 +6757,7 @@
           <a:p>
             <a:fld id="{38C9C2D7-406E-45EE-9F57-B83131B49240}" type="datetimeFigureOut">
               <a:rPr lang="en-US" smtClean="0"/>
-              <a:t>6/18/2025</a:t>
+              <a:t>9/30/2025</a:t>
             </a:fld>
             <a:endParaRPr lang="en-US"/>
           </a:p>
@@ -6596,7 +7124,7 @@
           <a:p>
             <a:fld id="{38C9C2D7-406E-45EE-9F57-B83131B49240}" type="datetimeFigureOut">
               <a:rPr lang="en-US" smtClean="0"/>
-              <a:t>6/18/2025</a:t>
+              <a:t>9/30/2025</a:t>
             </a:fld>
             <a:endParaRPr lang="en-US"/>
           </a:p>
@@ -6714,7 +7242,7 @@
           <a:p>
             <a:fld id="{38C9C2D7-406E-45EE-9F57-B83131B49240}" type="datetimeFigureOut">
               <a:rPr lang="en-US" smtClean="0"/>
-              <a:t>6/18/2025</a:t>
+              <a:t>9/30/2025</a:t>
             </a:fld>
             <a:endParaRPr lang="en-US"/>
           </a:p>
@@ -6809,7 +7337,7 @@
           <a:p>
             <a:fld id="{38C9C2D7-406E-45EE-9F57-B83131B49240}" type="datetimeFigureOut">
               <a:rPr lang="en-US" smtClean="0"/>
-              <a:t>6/18/2025</a:t>
+              <a:t>9/30/2025</a:t>
             </a:fld>
             <a:endParaRPr lang="en-US"/>
           </a:p>
@@ -7086,7 +7614,7 @@
           <a:p>
             <a:fld id="{38C9C2D7-406E-45EE-9F57-B83131B49240}" type="datetimeFigureOut">
               <a:rPr lang="en-US" smtClean="0"/>
-              <a:t>6/18/2025</a:t>
+              <a:t>9/30/2025</a:t>
             </a:fld>
             <a:endParaRPr lang="en-US"/>
           </a:p>
@@ -7256,7 +7784,7 @@
           <a:p>
             <a:fld id="{7325EFF0-82F5-4880-81B9-BC73A963ECC3}" type="datetime1">
               <a:rPr lang="en-US" smtClean="0"/>
-              <a:t>6/18/2025</a:t>
+              <a:t>9/30/2025</a:t>
             </a:fld>
             <a:endParaRPr lang="en-US"/>
           </a:p>
@@ -7513,7 +8041,7 @@
           <a:p>
             <a:fld id="{38C9C2D7-406E-45EE-9F57-B83131B49240}" type="datetimeFigureOut">
               <a:rPr lang="en-US" smtClean="0"/>
-              <a:t>6/18/2025</a:t>
+              <a:t>9/30/2025</a:t>
             </a:fld>
             <a:endParaRPr lang="en-US"/>
           </a:p>
@@ -7683,7 +8211,7 @@
           <a:p>
             <a:fld id="{38C9C2D7-406E-45EE-9F57-B83131B49240}" type="datetimeFigureOut">
               <a:rPr lang="en-US" smtClean="0"/>
-              <a:t>6/18/2025</a:t>
+              <a:t>9/30/2025</a:t>
             </a:fld>
             <a:endParaRPr lang="en-US"/>
           </a:p>
@@ -7863,7 +8391,7 @@
           <a:p>
             <a:fld id="{38C9C2D7-406E-45EE-9F57-B83131B49240}" type="datetimeFigureOut">
               <a:rPr lang="en-US" smtClean="0"/>
-              <a:t>6/18/2025</a:t>
+              <a:t>9/30/2025</a:t>
             </a:fld>
             <a:endParaRPr lang="en-US"/>
           </a:p>
@@ -8109,7 +8637,7 @@
           <a:p>
             <a:fld id="{5A946811-681C-4AC5-84B7-A52FB525DDA0}" type="datetime1">
               <a:rPr lang="en-US" smtClean="0"/>
-              <a:t>6/18/2025</a:t>
+              <a:t>9/30/2025</a:t>
             </a:fld>
             <a:endParaRPr lang="en-US"/>
           </a:p>
@@ -8341,7 +8869,7 @@
           <a:p>
             <a:fld id="{B26718EC-8AAB-4CFD-80CE-1D0FB821064C}" type="datetime1">
               <a:rPr lang="en-US" smtClean="0"/>
-              <a:t>6/18/2025</a:t>
+              <a:t>9/30/2025</a:t>
             </a:fld>
             <a:endParaRPr lang="en-US"/>
           </a:p>
@@ -8708,7 +9236,7 @@
           <a:p>
             <a:fld id="{B9FC400D-05DF-4711-8592-640F86665B5F}" type="datetime1">
               <a:rPr lang="en-US" smtClean="0"/>
-              <a:t>6/18/2025</a:t>
+              <a:t>9/30/2025</a:t>
             </a:fld>
             <a:endParaRPr lang="en-US"/>
           </a:p>
@@ -8826,7 +9354,7 @@
           <a:p>
             <a:fld id="{21DCA921-A295-445C-9DF4-D32E11171EBC}" type="datetime1">
               <a:rPr lang="en-US" smtClean="0"/>
-              <a:t>6/18/2025</a:t>
+              <a:t>9/30/2025</a:t>
             </a:fld>
             <a:endParaRPr lang="en-US"/>
           </a:p>
@@ -8921,7 +9449,7 @@
           <a:p>
             <a:fld id="{410F1947-2C73-49DA-BF00-06FEB90FBFE0}" type="datetime1">
               <a:rPr lang="en-US" smtClean="0"/>
-              <a:t>6/18/2025</a:t>
+              <a:t>9/30/2025</a:t>
             </a:fld>
             <a:endParaRPr lang="en-US"/>
           </a:p>
@@ -9198,7 +9726,7 @@
           <a:p>
             <a:fld id="{7909FA88-D630-40A8-A7C1-451FFA95718D}" type="datetime1">
               <a:rPr lang="en-US" smtClean="0"/>
-              <a:t>6/18/2025</a:t>
+              <a:t>9/30/2025</a:t>
             </a:fld>
             <a:endParaRPr lang="en-US"/>
           </a:p>
@@ -9455,7 +9983,7 @@
           <a:p>
             <a:fld id="{0B22107A-0A76-4A69-98CE-85E509F6FEC6}" type="datetime1">
               <a:rPr lang="en-US" smtClean="0"/>
-              <a:t>6/18/2025</a:t>
+              <a:t>9/30/2025</a:t>
             </a:fld>
             <a:endParaRPr lang="en-US"/>
           </a:p>
@@ -9668,7 +10196,7 @@
           <a:p>
             <a:fld id="{BFC3CE7D-A49F-42F1-B54B-0205BF41E480}" type="datetime1">
               <a:rPr lang="en-US" smtClean="0"/>
-              <a:t>6/18/2025</a:t>
+              <a:t>9/30/2025</a:t>
             </a:fld>
             <a:endParaRPr lang="en-US"/>
           </a:p>
@@ -10209,7 +10737,7 @@
           <a:p>
             <a:fld id="{38C9C2D7-406E-45EE-9F57-B83131B49240}" type="datetimeFigureOut">
               <a:rPr lang="en-US" smtClean="0"/>
-              <a:t>6/18/2025</a:t>
+              <a:t>9/30/2025</a:t>
             </a:fld>
             <a:endParaRPr lang="en-US"/>
           </a:p>
@@ -14228,7 +14756,7 @@
             </a:ln>
             <a:extLst>
               <a:ext uri="{909E8E84-426E-40dd-AFC4-6F175D3DCCD1}">
-                <a14:hiddenFill xmlns="" xmlns:a14="http://schemas.microsoft.com/office/drawing/2010/main">
+                <a14:hiddenFill xmlns:a14="http://schemas.microsoft.com/office/drawing/2010/main" xmlns="">
                   <a:noFill/>
                 </a14:hiddenFill>
               </a:ext>
@@ -14270,7 +14798,7 @@
             </a:ln>
             <a:extLst>
               <a:ext uri="{909E8E84-426E-40dd-AFC4-6F175D3DCCD1}">
-                <a14:hiddenFill xmlns="" xmlns:a14="http://schemas.microsoft.com/office/drawing/2010/main">
+                <a14:hiddenFill xmlns:a14="http://schemas.microsoft.com/office/drawing/2010/main" xmlns="">
                   <a:noFill/>
                 </a14:hiddenFill>
               </a:ext>
@@ -14634,7 +15162,7 @@
             </a:ln>
             <a:extLst>
               <a:ext uri="{909E8E84-426E-40dd-AFC4-6F175D3DCCD1}">
-                <a14:hiddenFill xmlns="" xmlns:a14="http://schemas.microsoft.com/office/drawing/2010/main">
+                <a14:hiddenFill xmlns:a14="http://schemas.microsoft.com/office/drawing/2010/main" xmlns="">
                   <a:noFill/>
                 </a14:hiddenFill>
               </a:ext>
@@ -14679,7 +15207,7 @@
             </a:ln>
             <a:extLst>
               <a:ext uri="{909E8E84-426E-40dd-AFC4-6F175D3DCCD1}">
-                <a14:hiddenFill xmlns="" xmlns:a14="http://schemas.microsoft.com/office/drawing/2010/main">
+                <a14:hiddenFill xmlns:a14="http://schemas.microsoft.com/office/drawing/2010/main" xmlns="">
                   <a:noFill/>
                 </a14:hiddenFill>
               </a:ext>
@@ -14724,7 +15252,7 @@
             </a:ln>
             <a:extLst>
               <a:ext uri="{909E8E84-426E-40dd-AFC4-6F175D3DCCD1}">
-                <a14:hiddenFill xmlns="" xmlns:a14="http://schemas.microsoft.com/office/drawing/2010/main">
+                <a14:hiddenFill xmlns:a14="http://schemas.microsoft.com/office/drawing/2010/main" xmlns="">
                   <a:noFill/>
                 </a14:hiddenFill>
               </a:ext>
@@ -14768,7 +15296,7 @@
             </a:ln>
             <a:extLst>
               <a:ext uri="{909E8E84-426E-40dd-AFC4-6F175D3DCCD1}">
-                <a14:hiddenFill xmlns="" xmlns:a14="http://schemas.microsoft.com/office/drawing/2010/main">
+                <a14:hiddenFill xmlns:a14="http://schemas.microsoft.com/office/drawing/2010/main" xmlns="">
                   <a:noFill/>
                 </a14:hiddenFill>
               </a:ext>
@@ -16344,6 +16872,2394 @@
 </file>
 
 <file path=ppt/slides/slide25.xml><?xml version="1.0" encoding="utf-8"?>
+<p:sld xmlns:a="http://schemas.openxmlformats.org/drawingml/2006/main" xmlns:r="http://schemas.openxmlformats.org/officeDocument/2006/relationships" xmlns:p="http://schemas.openxmlformats.org/presentationml/2006/main">
+  <p:cSld>
+    <p:bg>
+      <p:bgPr>
+        <a:solidFill>
+          <a:schemeClr val="tx1"/>
+        </a:solidFill>
+        <a:effectLst/>
+      </p:bgPr>
+    </p:bg>
+    <p:spTree>
+      <p:nvGrpSpPr>
+        <p:cNvPr id="1" name=""/>
+        <p:cNvGrpSpPr/>
+        <p:nvPr/>
+      </p:nvGrpSpPr>
+      <p:grpSpPr>
+        <a:xfrm>
+          <a:off x="0" y="0"/>
+          <a:ext cx="0" cy="0"/>
+          <a:chOff x="0" y="0"/>
+          <a:chExt cx="0" cy="0"/>
+        </a:xfrm>
+      </p:grpSpPr>
+      <p:sp>
+        <p:nvSpPr>
+          <p:cNvPr id="2" name="Title 1">
+            <a:extLst>
+              <a:ext uri="{FF2B5EF4-FFF2-40B4-BE49-F238E27FC236}">
+                <a16:creationId xmlns:a16="http://schemas.microsoft.com/office/drawing/2014/main" id="{FA98DF2D-4C21-45B7-8CEE-41E2C22A3166}"/>
+              </a:ext>
+            </a:extLst>
+          </p:cNvPr>
+          <p:cNvSpPr>
+            <a:spLocks noGrp="1"/>
+          </p:cNvSpPr>
+          <p:nvPr>
+            <p:ph type="title"/>
+          </p:nvPr>
+        </p:nvSpPr>
+        <p:spPr/>
+        <p:txBody>
+          <a:bodyPr>
+            <a:normAutofit/>
+          </a:bodyPr>
+          <a:lstStyle/>
+          <a:p>
+            <a:r>
+              <a:rPr lang="en-US" sz="3600" dirty="0">
+                <a:solidFill>
+                  <a:schemeClr val="bg1"/>
+                </a:solidFill>
+                <a:latin typeface="Gotham Bold" pitchFamily="50" charset="0"/>
+              </a:rPr>
+              <a:t>Mini Review – Coding questions</a:t>
+            </a:r>
+          </a:p>
+        </p:txBody>
+      </p:sp>
+      <p:sp>
+        <p:nvSpPr>
+          <p:cNvPr id="5" name="Content Placeholder 1">
+            <a:extLst>
+              <a:ext uri="{FF2B5EF4-FFF2-40B4-BE49-F238E27FC236}">
+                <a16:creationId xmlns:a16="http://schemas.microsoft.com/office/drawing/2014/main" id="{9069B1C4-5084-4E0D-9FA0-9C8B794FA1FE}"/>
+              </a:ext>
+            </a:extLst>
+          </p:cNvPr>
+          <p:cNvSpPr txBox="1">
+            <a:spLocks/>
+          </p:cNvSpPr>
+          <p:nvPr/>
+        </p:nvSpPr>
+        <p:spPr>
+          <a:xfrm>
+            <a:off x="940881" y="1690688"/>
+            <a:ext cx="10978592" cy="5057971"/>
+          </a:xfrm>
+          <a:prstGeom prst="rect">
+            <a:avLst/>
+          </a:prstGeom>
+        </p:spPr>
+        <p:txBody>
+          <a:bodyPr vert="horz" lIns="91440" tIns="45720" rIns="91440" bIns="45720" rtlCol="0" anchor="t"/>
+          <a:lstStyle>
+            <a:defPPr>
+              <a:defRPr lang="en-US"/>
+            </a:defPPr>
+            <a:lvl1pPr marL="0" algn="l" defTabSz="914400" rtl="0" eaLnBrk="1" latinLnBrk="0" hangingPunct="1">
+              <a:defRPr sz="1200" kern="1200">
+                <a:solidFill>
+                  <a:schemeClr val="tx1">
+                    <a:tint val="75000"/>
+                  </a:schemeClr>
+                </a:solidFill>
+                <a:latin typeface="+mn-lt"/>
+                <a:ea typeface="+mn-ea"/>
+                <a:cs typeface="+mn-cs"/>
+              </a:defRPr>
+            </a:lvl1pPr>
+            <a:lvl2pPr marL="457200" algn="l" defTabSz="914400" rtl="0" eaLnBrk="1" latinLnBrk="0" hangingPunct="1">
+              <a:defRPr sz="1800" kern="1200">
+                <a:solidFill>
+                  <a:schemeClr val="tx1"/>
+                </a:solidFill>
+                <a:latin typeface="+mn-lt"/>
+                <a:ea typeface="+mn-ea"/>
+                <a:cs typeface="+mn-cs"/>
+              </a:defRPr>
+            </a:lvl2pPr>
+            <a:lvl3pPr marL="914400" algn="l" defTabSz="914400" rtl="0" eaLnBrk="1" latinLnBrk="0" hangingPunct="1">
+              <a:defRPr sz="1800" kern="1200">
+                <a:solidFill>
+                  <a:schemeClr val="tx1"/>
+                </a:solidFill>
+                <a:latin typeface="+mn-lt"/>
+                <a:ea typeface="+mn-ea"/>
+                <a:cs typeface="+mn-cs"/>
+              </a:defRPr>
+            </a:lvl3pPr>
+            <a:lvl4pPr marL="1371600" algn="l" defTabSz="914400" rtl="0" eaLnBrk="1" latinLnBrk="0" hangingPunct="1">
+              <a:defRPr sz="1800" kern="1200">
+                <a:solidFill>
+                  <a:schemeClr val="tx1"/>
+                </a:solidFill>
+                <a:latin typeface="+mn-lt"/>
+                <a:ea typeface="+mn-ea"/>
+                <a:cs typeface="+mn-cs"/>
+              </a:defRPr>
+            </a:lvl4pPr>
+            <a:lvl5pPr marL="1828800" algn="l" defTabSz="914400" rtl="0" eaLnBrk="1" latinLnBrk="0" hangingPunct="1">
+              <a:defRPr sz="1800" kern="1200">
+                <a:solidFill>
+                  <a:schemeClr val="tx1"/>
+                </a:solidFill>
+                <a:latin typeface="+mn-lt"/>
+                <a:ea typeface="+mn-ea"/>
+                <a:cs typeface="+mn-cs"/>
+              </a:defRPr>
+            </a:lvl5pPr>
+            <a:lvl6pPr marL="2286000" algn="l" defTabSz="914400" rtl="0" eaLnBrk="1" latinLnBrk="0" hangingPunct="1">
+              <a:defRPr sz="1800" kern="1200">
+                <a:solidFill>
+                  <a:schemeClr val="tx1"/>
+                </a:solidFill>
+                <a:latin typeface="+mn-lt"/>
+                <a:ea typeface="+mn-ea"/>
+                <a:cs typeface="+mn-cs"/>
+              </a:defRPr>
+            </a:lvl6pPr>
+            <a:lvl7pPr marL="2743200" algn="l" defTabSz="914400" rtl="0" eaLnBrk="1" latinLnBrk="0" hangingPunct="1">
+              <a:defRPr sz="1800" kern="1200">
+                <a:solidFill>
+                  <a:schemeClr val="tx1"/>
+                </a:solidFill>
+                <a:latin typeface="+mn-lt"/>
+                <a:ea typeface="+mn-ea"/>
+                <a:cs typeface="+mn-cs"/>
+              </a:defRPr>
+            </a:lvl7pPr>
+            <a:lvl8pPr marL="3200400" algn="l" defTabSz="914400" rtl="0" eaLnBrk="1" latinLnBrk="0" hangingPunct="1">
+              <a:defRPr sz="1800" kern="1200">
+                <a:solidFill>
+                  <a:schemeClr val="tx1"/>
+                </a:solidFill>
+                <a:latin typeface="+mn-lt"/>
+                <a:ea typeface="+mn-ea"/>
+                <a:cs typeface="+mn-cs"/>
+              </a:defRPr>
+            </a:lvl8pPr>
+            <a:lvl9pPr marL="3657600" algn="l" defTabSz="914400" rtl="0" eaLnBrk="1" latinLnBrk="0" hangingPunct="1">
+              <a:defRPr sz="1800" kern="1200">
+                <a:solidFill>
+                  <a:schemeClr val="tx1"/>
+                </a:solidFill>
+                <a:latin typeface="+mn-lt"/>
+                <a:ea typeface="+mn-ea"/>
+                <a:cs typeface="+mn-cs"/>
+              </a:defRPr>
+            </a:lvl9pPr>
+          </a:lstStyle>
+          <a:p>
+            <a:pPr marL="285750" indent="-285750">
+              <a:buFont typeface="Arial" panose="020B0604020202020204" pitchFamily="34" charset="0"/>
+              <a:buChar char="•"/>
+            </a:pPr>
+            <a:r>
+              <a:rPr lang="en-US" sz="1600" dirty="0">
+                <a:solidFill>
+                  <a:srgbClr val="0081E2"/>
+                </a:solidFill>
+                <a:latin typeface="Consolas" panose="020B0609020204030204" pitchFamily="49" charset="0"/>
+              </a:rPr>
+              <a:t>Check whether a string is a Palindrome using a Stack.</a:t>
+            </a:r>
+          </a:p>
+          <a:p>
+            <a:pPr marL="285750" indent="-285750">
+              <a:buFont typeface="Arial" panose="020B0604020202020204" pitchFamily="34" charset="0"/>
+              <a:buChar char="•"/>
+            </a:pPr>
+            <a:endParaRPr lang="en-US" sz="1600" dirty="0">
+              <a:solidFill>
+                <a:srgbClr val="0081E2"/>
+              </a:solidFill>
+              <a:latin typeface="Consolas" panose="020B0609020204030204" pitchFamily="49" charset="0"/>
+            </a:endParaRPr>
+          </a:p>
+          <a:p>
+            <a:pPr marL="285750" indent="-285750">
+              <a:buFont typeface="Arial" panose="020B0604020202020204" pitchFamily="34" charset="0"/>
+              <a:buChar char="•"/>
+            </a:pPr>
+            <a:r>
+              <a:rPr lang="en-US" sz="1600" dirty="0">
+                <a:solidFill>
+                  <a:srgbClr val="0081E2"/>
+                </a:solidFill>
+                <a:latin typeface="Consolas" panose="020B0609020204030204" pitchFamily="49" charset="0"/>
+              </a:rPr>
+              <a:t>Write C++ code for adding an element in the rear in a doubly linked list consisting of a head and tail.</a:t>
+            </a:r>
+          </a:p>
+          <a:p>
+            <a:pPr marL="285750" indent="-285750">
+              <a:buFont typeface="Arial" panose="020B0604020202020204" pitchFamily="34" charset="0"/>
+              <a:buChar char="•"/>
+            </a:pPr>
+            <a:endParaRPr lang="en-US" sz="1600" dirty="0">
+              <a:solidFill>
+                <a:srgbClr val="0081E2"/>
+              </a:solidFill>
+              <a:latin typeface="Consolas" panose="020B0609020204030204" pitchFamily="49" charset="0"/>
+            </a:endParaRPr>
+          </a:p>
+          <a:p>
+            <a:pPr marL="285750" indent="-285750">
+              <a:buFont typeface="Arial" panose="020B0604020202020204" pitchFamily="34" charset="0"/>
+              <a:buChar char="•"/>
+            </a:pPr>
+            <a:r>
+              <a:rPr lang="en-US" sz="1600" dirty="0">
+                <a:solidFill>
+                  <a:srgbClr val="0081E2"/>
+                </a:solidFill>
+                <a:latin typeface="Consolas" panose="020B0609020204030204" pitchFamily="49" charset="0"/>
+              </a:rPr>
+              <a:t>Write C++ code to find the median in a single linked using slow and fast pointer technique. – </a:t>
+            </a:r>
+            <a:r>
+              <a:rPr lang="en-US" sz="1600" dirty="0" err="1">
+                <a:solidFill>
+                  <a:srgbClr val="EB6E19"/>
+                </a:solidFill>
+                <a:latin typeface="Consolas" panose="020B0609020204030204" pitchFamily="49" charset="0"/>
+              </a:rPr>
+              <a:t>Edugator</a:t>
+            </a:r>
+            <a:r>
+              <a:rPr lang="en-US" sz="1600" dirty="0">
+                <a:solidFill>
+                  <a:srgbClr val="EB6E19"/>
+                </a:solidFill>
+                <a:latin typeface="Consolas" panose="020B0609020204030204" pitchFamily="49" charset="0"/>
+              </a:rPr>
+              <a:t> 4.5</a:t>
+            </a:r>
+          </a:p>
+          <a:p>
+            <a:pPr marL="285750" indent="-285750">
+              <a:buFont typeface="Arial" panose="020B0604020202020204" pitchFamily="34" charset="0"/>
+              <a:buChar char="•"/>
+            </a:pPr>
+            <a:endParaRPr lang="en-US" sz="1600" dirty="0">
+              <a:solidFill>
+                <a:srgbClr val="0081E2"/>
+              </a:solidFill>
+              <a:latin typeface="Consolas" panose="020B0609020204030204" pitchFamily="49" charset="0"/>
+            </a:endParaRPr>
+          </a:p>
+          <a:p>
+            <a:endParaRPr lang="en-US" sz="1600" dirty="0">
+              <a:solidFill>
+                <a:srgbClr val="0081E2"/>
+              </a:solidFill>
+              <a:latin typeface="Consolas" panose="020B0609020204030204" pitchFamily="49" charset="0"/>
+            </a:endParaRPr>
+          </a:p>
+        </p:txBody>
+      </p:sp>
+    </p:spTree>
+    <p:extLst>
+      <p:ext uri="{BB962C8B-B14F-4D97-AF65-F5344CB8AC3E}">
+        <p14:creationId xmlns:p14="http://schemas.microsoft.com/office/powerpoint/2010/main" val="615151376"/>
+      </p:ext>
+    </p:extLst>
+  </p:cSld>
+  <p:clrMapOvr>
+    <a:masterClrMapping/>
+  </p:clrMapOvr>
+</p:sld>
+</file>
+
+<file path=ppt/slides/slide26.xml><?xml version="1.0" encoding="utf-8"?>
+<p:sld xmlns:a="http://schemas.openxmlformats.org/drawingml/2006/main" xmlns:r="http://schemas.openxmlformats.org/officeDocument/2006/relationships" xmlns:p="http://schemas.openxmlformats.org/presentationml/2006/main">
+  <p:cSld>
+    <p:bg>
+      <p:bgPr>
+        <a:solidFill>
+          <a:schemeClr val="tx1"/>
+        </a:solidFill>
+        <a:effectLst/>
+      </p:bgPr>
+    </p:bg>
+    <p:spTree>
+      <p:nvGrpSpPr>
+        <p:cNvPr id="1" name="">
+          <a:extLst>
+            <a:ext uri="{FF2B5EF4-FFF2-40B4-BE49-F238E27FC236}">
+              <a16:creationId xmlns:a16="http://schemas.microsoft.com/office/drawing/2014/main" id="{3423AF71-80B0-BFD6-53C1-46703DA47B4A}"/>
+            </a:ext>
+          </a:extLst>
+        </p:cNvPr>
+        <p:cNvGrpSpPr/>
+        <p:nvPr/>
+      </p:nvGrpSpPr>
+      <p:grpSpPr>
+        <a:xfrm>
+          <a:off x="0" y="0"/>
+          <a:ext cx="0" cy="0"/>
+          <a:chOff x="0" y="0"/>
+          <a:chExt cx="0" cy="0"/>
+        </a:xfrm>
+      </p:grpSpPr>
+      <p:sp>
+        <p:nvSpPr>
+          <p:cNvPr id="2" name="Title 1">
+            <a:extLst>
+              <a:ext uri="{FF2B5EF4-FFF2-40B4-BE49-F238E27FC236}">
+                <a16:creationId xmlns:a16="http://schemas.microsoft.com/office/drawing/2014/main" id="{4782AAD8-AAAA-1CAA-383C-D8248A350489}"/>
+              </a:ext>
+            </a:extLst>
+          </p:cNvPr>
+          <p:cNvSpPr>
+            <a:spLocks noGrp="1"/>
+          </p:cNvSpPr>
+          <p:nvPr>
+            <p:ph type="title"/>
+          </p:nvPr>
+        </p:nvSpPr>
+        <p:spPr/>
+        <p:txBody>
+          <a:bodyPr>
+            <a:normAutofit/>
+          </a:bodyPr>
+          <a:lstStyle/>
+          <a:p>
+            <a:r>
+              <a:rPr lang="en-US" sz="3600" dirty="0">
+                <a:solidFill>
+                  <a:schemeClr val="bg1"/>
+                </a:solidFill>
+                <a:latin typeface="Gotham Bold" pitchFamily="50" charset="0"/>
+              </a:rPr>
+              <a:t>Mini Review – Coding questions</a:t>
+            </a:r>
+          </a:p>
+        </p:txBody>
+      </p:sp>
+      <p:sp>
+        <p:nvSpPr>
+          <p:cNvPr id="5" name="Content Placeholder 1">
+            <a:extLst>
+              <a:ext uri="{FF2B5EF4-FFF2-40B4-BE49-F238E27FC236}">
+                <a16:creationId xmlns:a16="http://schemas.microsoft.com/office/drawing/2014/main" id="{85FA25D5-0E5F-6DAA-FACA-88A6EE2758BB}"/>
+              </a:ext>
+            </a:extLst>
+          </p:cNvPr>
+          <p:cNvSpPr txBox="1">
+            <a:spLocks/>
+          </p:cNvSpPr>
+          <p:nvPr/>
+        </p:nvSpPr>
+        <p:spPr>
+          <a:xfrm>
+            <a:off x="940881" y="1690688"/>
+            <a:ext cx="10978592" cy="5057971"/>
+          </a:xfrm>
+          <a:prstGeom prst="rect">
+            <a:avLst/>
+          </a:prstGeom>
+        </p:spPr>
+        <p:txBody>
+          <a:bodyPr vert="horz" lIns="91440" tIns="45720" rIns="91440" bIns="45720" rtlCol="0" anchor="t"/>
+          <a:lstStyle>
+            <a:defPPr>
+              <a:defRPr lang="en-US"/>
+            </a:defPPr>
+            <a:lvl1pPr marL="0" algn="l" defTabSz="914400" rtl="0" eaLnBrk="1" latinLnBrk="0" hangingPunct="1">
+              <a:defRPr sz="1200" kern="1200">
+                <a:solidFill>
+                  <a:schemeClr val="tx1">
+                    <a:tint val="75000"/>
+                  </a:schemeClr>
+                </a:solidFill>
+                <a:latin typeface="+mn-lt"/>
+                <a:ea typeface="+mn-ea"/>
+                <a:cs typeface="+mn-cs"/>
+              </a:defRPr>
+            </a:lvl1pPr>
+            <a:lvl2pPr marL="457200" algn="l" defTabSz="914400" rtl="0" eaLnBrk="1" latinLnBrk="0" hangingPunct="1">
+              <a:defRPr sz="1800" kern="1200">
+                <a:solidFill>
+                  <a:schemeClr val="tx1"/>
+                </a:solidFill>
+                <a:latin typeface="+mn-lt"/>
+                <a:ea typeface="+mn-ea"/>
+                <a:cs typeface="+mn-cs"/>
+              </a:defRPr>
+            </a:lvl2pPr>
+            <a:lvl3pPr marL="914400" algn="l" defTabSz="914400" rtl="0" eaLnBrk="1" latinLnBrk="0" hangingPunct="1">
+              <a:defRPr sz="1800" kern="1200">
+                <a:solidFill>
+                  <a:schemeClr val="tx1"/>
+                </a:solidFill>
+                <a:latin typeface="+mn-lt"/>
+                <a:ea typeface="+mn-ea"/>
+                <a:cs typeface="+mn-cs"/>
+              </a:defRPr>
+            </a:lvl3pPr>
+            <a:lvl4pPr marL="1371600" algn="l" defTabSz="914400" rtl="0" eaLnBrk="1" latinLnBrk="0" hangingPunct="1">
+              <a:defRPr sz="1800" kern="1200">
+                <a:solidFill>
+                  <a:schemeClr val="tx1"/>
+                </a:solidFill>
+                <a:latin typeface="+mn-lt"/>
+                <a:ea typeface="+mn-ea"/>
+                <a:cs typeface="+mn-cs"/>
+              </a:defRPr>
+            </a:lvl4pPr>
+            <a:lvl5pPr marL="1828800" algn="l" defTabSz="914400" rtl="0" eaLnBrk="1" latinLnBrk="0" hangingPunct="1">
+              <a:defRPr sz="1800" kern="1200">
+                <a:solidFill>
+                  <a:schemeClr val="tx1"/>
+                </a:solidFill>
+                <a:latin typeface="+mn-lt"/>
+                <a:ea typeface="+mn-ea"/>
+                <a:cs typeface="+mn-cs"/>
+              </a:defRPr>
+            </a:lvl5pPr>
+            <a:lvl6pPr marL="2286000" algn="l" defTabSz="914400" rtl="0" eaLnBrk="1" latinLnBrk="0" hangingPunct="1">
+              <a:defRPr sz="1800" kern="1200">
+                <a:solidFill>
+                  <a:schemeClr val="tx1"/>
+                </a:solidFill>
+                <a:latin typeface="+mn-lt"/>
+                <a:ea typeface="+mn-ea"/>
+                <a:cs typeface="+mn-cs"/>
+              </a:defRPr>
+            </a:lvl6pPr>
+            <a:lvl7pPr marL="2743200" algn="l" defTabSz="914400" rtl="0" eaLnBrk="1" latinLnBrk="0" hangingPunct="1">
+              <a:defRPr sz="1800" kern="1200">
+                <a:solidFill>
+                  <a:schemeClr val="tx1"/>
+                </a:solidFill>
+                <a:latin typeface="+mn-lt"/>
+                <a:ea typeface="+mn-ea"/>
+                <a:cs typeface="+mn-cs"/>
+              </a:defRPr>
+            </a:lvl7pPr>
+            <a:lvl8pPr marL="3200400" algn="l" defTabSz="914400" rtl="0" eaLnBrk="1" latinLnBrk="0" hangingPunct="1">
+              <a:defRPr sz="1800" kern="1200">
+                <a:solidFill>
+                  <a:schemeClr val="tx1"/>
+                </a:solidFill>
+                <a:latin typeface="+mn-lt"/>
+                <a:ea typeface="+mn-ea"/>
+                <a:cs typeface="+mn-cs"/>
+              </a:defRPr>
+            </a:lvl8pPr>
+            <a:lvl9pPr marL="3657600" algn="l" defTabSz="914400" rtl="0" eaLnBrk="1" latinLnBrk="0" hangingPunct="1">
+              <a:defRPr sz="1800" kern="1200">
+                <a:solidFill>
+                  <a:schemeClr val="tx1"/>
+                </a:solidFill>
+                <a:latin typeface="+mn-lt"/>
+                <a:ea typeface="+mn-ea"/>
+                <a:cs typeface="+mn-cs"/>
+              </a:defRPr>
+            </a:lvl9pPr>
+          </a:lstStyle>
+          <a:p>
+            <a:pPr marL="285750" indent="-285750">
+              <a:buFont typeface="Arial" panose="020B0604020202020204" pitchFamily="34" charset="0"/>
+              <a:buChar char="•"/>
+            </a:pPr>
+            <a:r>
+              <a:rPr lang="en-US" sz="1600" dirty="0">
+                <a:solidFill>
+                  <a:srgbClr val="0081E2"/>
+                </a:solidFill>
+                <a:latin typeface="Consolas" panose="020B0609020204030204" pitchFamily="49" charset="0"/>
+              </a:rPr>
+              <a:t>Design a Stack data structure in C++ that supports push, pop and min operations in O(1) time. You can use an STL Tack if needed.</a:t>
+            </a:r>
+          </a:p>
+          <a:p>
+            <a:endParaRPr lang="en-US" sz="1600" dirty="0">
+              <a:solidFill>
+                <a:srgbClr val="0081E2"/>
+              </a:solidFill>
+              <a:latin typeface="Consolas" panose="020B0609020204030204" pitchFamily="49" charset="0"/>
+            </a:endParaRPr>
+          </a:p>
+          <a:p>
+            <a:endParaRPr lang="en-US" sz="1600" dirty="0">
+              <a:solidFill>
+                <a:srgbClr val="0081E2"/>
+              </a:solidFill>
+              <a:latin typeface="Consolas" panose="020B0609020204030204" pitchFamily="49" charset="0"/>
+            </a:endParaRPr>
+          </a:p>
+        </p:txBody>
+      </p:sp>
+    </p:spTree>
+    <p:extLst>
+      <p:ext uri="{BB962C8B-B14F-4D97-AF65-F5344CB8AC3E}">
+        <p14:creationId xmlns:p14="http://schemas.microsoft.com/office/powerpoint/2010/main" val="3520026846"/>
+      </p:ext>
+    </p:extLst>
+  </p:cSld>
+  <p:clrMapOvr>
+    <a:masterClrMapping/>
+  </p:clrMapOvr>
+</p:sld>
+</file>
+
+<file path=ppt/slides/slide27.xml><?xml version="1.0" encoding="utf-8"?>
+<p:sld xmlns:a="http://schemas.openxmlformats.org/drawingml/2006/main" xmlns:r="http://schemas.openxmlformats.org/officeDocument/2006/relationships" xmlns:p="http://schemas.openxmlformats.org/presentationml/2006/main">
+  <p:cSld>
+    <p:bg>
+      <p:bgPr>
+        <a:solidFill>
+          <a:schemeClr val="tx1"/>
+        </a:solidFill>
+        <a:effectLst/>
+      </p:bgPr>
+    </p:bg>
+    <p:spTree>
+      <p:nvGrpSpPr>
+        <p:cNvPr id="1" name="">
+          <a:extLst>
+            <a:ext uri="{FF2B5EF4-FFF2-40B4-BE49-F238E27FC236}">
+              <a16:creationId xmlns:a16="http://schemas.microsoft.com/office/drawing/2014/main" id="{2FD8DB82-FD2C-CB4E-EA1D-F8AA41B479A3}"/>
+            </a:ext>
+          </a:extLst>
+        </p:cNvPr>
+        <p:cNvGrpSpPr/>
+        <p:nvPr/>
+      </p:nvGrpSpPr>
+      <p:grpSpPr>
+        <a:xfrm>
+          <a:off x="0" y="0"/>
+          <a:ext cx="0" cy="0"/>
+          <a:chOff x="0" y="0"/>
+          <a:chExt cx="0" cy="0"/>
+        </a:xfrm>
+      </p:grpSpPr>
+      <p:sp>
+        <p:nvSpPr>
+          <p:cNvPr id="2" name="Title 1">
+            <a:extLst>
+              <a:ext uri="{FF2B5EF4-FFF2-40B4-BE49-F238E27FC236}">
+                <a16:creationId xmlns:a16="http://schemas.microsoft.com/office/drawing/2014/main" id="{FA62D1D0-3765-A726-5B35-8A2A679E7131}"/>
+              </a:ext>
+            </a:extLst>
+          </p:cNvPr>
+          <p:cNvSpPr>
+            <a:spLocks noGrp="1"/>
+          </p:cNvSpPr>
+          <p:nvPr>
+            <p:ph type="title"/>
+          </p:nvPr>
+        </p:nvSpPr>
+        <p:spPr/>
+        <p:txBody>
+          <a:bodyPr>
+            <a:normAutofit/>
+          </a:bodyPr>
+          <a:lstStyle/>
+          <a:p>
+            <a:r>
+              <a:rPr lang="en-US" sz="3600" dirty="0">
+                <a:solidFill>
+                  <a:schemeClr val="bg1"/>
+                </a:solidFill>
+                <a:latin typeface="Gotham Bold" pitchFamily="50" charset="0"/>
+              </a:rPr>
+              <a:t>Mini Review – Coding questions</a:t>
+            </a:r>
+          </a:p>
+        </p:txBody>
+      </p:sp>
+      <p:sp>
+        <p:nvSpPr>
+          <p:cNvPr id="5" name="Content Placeholder 1">
+            <a:extLst>
+              <a:ext uri="{FF2B5EF4-FFF2-40B4-BE49-F238E27FC236}">
+                <a16:creationId xmlns:a16="http://schemas.microsoft.com/office/drawing/2014/main" id="{582CEE2F-3E04-2EB1-21D1-2C9829DFD984}"/>
+              </a:ext>
+            </a:extLst>
+          </p:cNvPr>
+          <p:cNvSpPr txBox="1">
+            <a:spLocks/>
+          </p:cNvSpPr>
+          <p:nvPr/>
+        </p:nvSpPr>
+        <p:spPr>
+          <a:xfrm>
+            <a:off x="940881" y="1690688"/>
+            <a:ext cx="10978592" cy="5057971"/>
+          </a:xfrm>
+          <a:prstGeom prst="rect">
+            <a:avLst/>
+          </a:prstGeom>
+        </p:spPr>
+        <p:txBody>
+          <a:bodyPr vert="horz" lIns="91440" tIns="45720" rIns="91440" bIns="45720" rtlCol="0" anchor="t"/>
+          <a:lstStyle>
+            <a:defPPr>
+              <a:defRPr lang="en-US"/>
+            </a:defPPr>
+            <a:lvl1pPr marL="0" algn="l" defTabSz="914400" rtl="0" eaLnBrk="1" latinLnBrk="0" hangingPunct="1">
+              <a:defRPr sz="1200" kern="1200">
+                <a:solidFill>
+                  <a:schemeClr val="tx1">
+                    <a:tint val="75000"/>
+                  </a:schemeClr>
+                </a:solidFill>
+                <a:latin typeface="+mn-lt"/>
+                <a:ea typeface="+mn-ea"/>
+                <a:cs typeface="+mn-cs"/>
+              </a:defRPr>
+            </a:lvl1pPr>
+            <a:lvl2pPr marL="457200" algn="l" defTabSz="914400" rtl="0" eaLnBrk="1" latinLnBrk="0" hangingPunct="1">
+              <a:defRPr sz="1800" kern="1200">
+                <a:solidFill>
+                  <a:schemeClr val="tx1"/>
+                </a:solidFill>
+                <a:latin typeface="+mn-lt"/>
+                <a:ea typeface="+mn-ea"/>
+                <a:cs typeface="+mn-cs"/>
+              </a:defRPr>
+            </a:lvl2pPr>
+            <a:lvl3pPr marL="914400" algn="l" defTabSz="914400" rtl="0" eaLnBrk="1" latinLnBrk="0" hangingPunct="1">
+              <a:defRPr sz="1800" kern="1200">
+                <a:solidFill>
+                  <a:schemeClr val="tx1"/>
+                </a:solidFill>
+                <a:latin typeface="+mn-lt"/>
+                <a:ea typeface="+mn-ea"/>
+                <a:cs typeface="+mn-cs"/>
+              </a:defRPr>
+            </a:lvl3pPr>
+            <a:lvl4pPr marL="1371600" algn="l" defTabSz="914400" rtl="0" eaLnBrk="1" latinLnBrk="0" hangingPunct="1">
+              <a:defRPr sz="1800" kern="1200">
+                <a:solidFill>
+                  <a:schemeClr val="tx1"/>
+                </a:solidFill>
+                <a:latin typeface="+mn-lt"/>
+                <a:ea typeface="+mn-ea"/>
+                <a:cs typeface="+mn-cs"/>
+              </a:defRPr>
+            </a:lvl4pPr>
+            <a:lvl5pPr marL="1828800" algn="l" defTabSz="914400" rtl="0" eaLnBrk="1" latinLnBrk="0" hangingPunct="1">
+              <a:defRPr sz="1800" kern="1200">
+                <a:solidFill>
+                  <a:schemeClr val="tx1"/>
+                </a:solidFill>
+                <a:latin typeface="+mn-lt"/>
+                <a:ea typeface="+mn-ea"/>
+                <a:cs typeface="+mn-cs"/>
+              </a:defRPr>
+            </a:lvl5pPr>
+            <a:lvl6pPr marL="2286000" algn="l" defTabSz="914400" rtl="0" eaLnBrk="1" latinLnBrk="0" hangingPunct="1">
+              <a:defRPr sz="1800" kern="1200">
+                <a:solidFill>
+                  <a:schemeClr val="tx1"/>
+                </a:solidFill>
+                <a:latin typeface="+mn-lt"/>
+                <a:ea typeface="+mn-ea"/>
+                <a:cs typeface="+mn-cs"/>
+              </a:defRPr>
+            </a:lvl6pPr>
+            <a:lvl7pPr marL="2743200" algn="l" defTabSz="914400" rtl="0" eaLnBrk="1" latinLnBrk="0" hangingPunct="1">
+              <a:defRPr sz="1800" kern="1200">
+                <a:solidFill>
+                  <a:schemeClr val="tx1"/>
+                </a:solidFill>
+                <a:latin typeface="+mn-lt"/>
+                <a:ea typeface="+mn-ea"/>
+                <a:cs typeface="+mn-cs"/>
+              </a:defRPr>
+            </a:lvl7pPr>
+            <a:lvl8pPr marL="3200400" algn="l" defTabSz="914400" rtl="0" eaLnBrk="1" latinLnBrk="0" hangingPunct="1">
+              <a:defRPr sz="1800" kern="1200">
+                <a:solidFill>
+                  <a:schemeClr val="tx1"/>
+                </a:solidFill>
+                <a:latin typeface="+mn-lt"/>
+                <a:ea typeface="+mn-ea"/>
+                <a:cs typeface="+mn-cs"/>
+              </a:defRPr>
+            </a:lvl8pPr>
+            <a:lvl9pPr marL="3657600" algn="l" defTabSz="914400" rtl="0" eaLnBrk="1" latinLnBrk="0" hangingPunct="1">
+              <a:defRPr sz="1800" kern="1200">
+                <a:solidFill>
+                  <a:schemeClr val="tx1"/>
+                </a:solidFill>
+                <a:latin typeface="+mn-lt"/>
+                <a:ea typeface="+mn-ea"/>
+                <a:cs typeface="+mn-cs"/>
+              </a:defRPr>
+            </a:lvl9pPr>
+          </a:lstStyle>
+          <a:p>
+            <a:pPr marL="285750" indent="-285750">
+              <a:buFont typeface="Arial" panose="020B0604020202020204" pitchFamily="34" charset="0"/>
+              <a:buChar char="•"/>
+            </a:pPr>
+            <a:r>
+              <a:rPr lang="en-US" sz="1600" dirty="0">
+                <a:solidFill>
+                  <a:srgbClr val="0081E2"/>
+                </a:solidFill>
+                <a:latin typeface="Consolas" panose="020B0609020204030204" pitchFamily="49" charset="0"/>
+              </a:rPr>
+              <a:t>Design a Stack data structure in C++ that supports push, pop and min operations in O(1) time. You can use an STL Tack if needed.</a:t>
+            </a:r>
+          </a:p>
+          <a:p>
+            <a:endParaRPr lang="en-US" sz="1600" dirty="0">
+              <a:solidFill>
+                <a:srgbClr val="0081E2"/>
+              </a:solidFill>
+              <a:latin typeface="Consolas" panose="020B0609020204030204" pitchFamily="49" charset="0"/>
+            </a:endParaRPr>
+          </a:p>
+          <a:p>
+            <a:endParaRPr lang="en-US" sz="1600" dirty="0">
+              <a:solidFill>
+                <a:srgbClr val="0081E2"/>
+              </a:solidFill>
+              <a:latin typeface="Consolas" panose="020B0609020204030204" pitchFamily="49" charset="0"/>
+            </a:endParaRPr>
+          </a:p>
+        </p:txBody>
+      </p:sp>
+      <p:sp>
+        <p:nvSpPr>
+          <p:cNvPr id="9" name="TextBox 8">
+            <a:extLst>
+              <a:ext uri="{FF2B5EF4-FFF2-40B4-BE49-F238E27FC236}">
+                <a16:creationId xmlns:a16="http://schemas.microsoft.com/office/drawing/2014/main" id="{1E127AB7-19EE-8ABC-B042-A5E8858F0AA7}"/>
+              </a:ext>
+            </a:extLst>
+          </p:cNvPr>
+          <p:cNvSpPr txBox="1"/>
+          <p:nvPr/>
+        </p:nvSpPr>
+        <p:spPr>
+          <a:xfrm>
+            <a:off x="1451985" y="2390351"/>
+            <a:ext cx="9799134" cy="4427943"/>
+          </a:xfrm>
+          <a:prstGeom prst="rect">
+            <a:avLst/>
+          </a:prstGeom>
+          <a:noFill/>
+        </p:spPr>
+        <p:txBody>
+          <a:bodyPr wrap="square">
+            <a:spAutoFit/>
+          </a:bodyPr>
+          <a:lstStyle/>
+          <a:p>
+            <a:pPr>
+              <a:lnSpc>
+                <a:spcPts val="2025"/>
+              </a:lnSpc>
+              <a:buNone/>
+            </a:pPr>
+            <a:r>
+              <a:rPr lang="en-US" sz="1200" b="0" dirty="0">
+                <a:solidFill>
+                  <a:srgbClr val="569CD6"/>
+                </a:solidFill>
+                <a:effectLst/>
+                <a:latin typeface="Consolas" panose="020B0609020204030204" pitchFamily="49" charset="0"/>
+              </a:rPr>
+              <a:t>class</a:t>
+            </a:r>
+            <a:r>
+              <a:rPr lang="en-US" sz="1200" b="0" dirty="0">
+                <a:solidFill>
+                  <a:srgbClr val="D4D4D4"/>
+                </a:solidFill>
+                <a:effectLst/>
+                <a:latin typeface="Consolas" panose="020B0609020204030204" pitchFamily="49" charset="0"/>
+              </a:rPr>
+              <a:t> </a:t>
+            </a:r>
+            <a:r>
+              <a:rPr lang="en-US" sz="1200" b="0" dirty="0" err="1">
+                <a:solidFill>
+                  <a:srgbClr val="D4D4D4"/>
+                </a:solidFill>
+                <a:effectLst/>
+                <a:latin typeface="Consolas" panose="020B0609020204030204" pitchFamily="49" charset="0"/>
+              </a:rPr>
+              <a:t>MinStack</a:t>
+            </a:r>
+            <a:r>
+              <a:rPr lang="en-US" sz="1200" b="0" dirty="0">
+                <a:solidFill>
+                  <a:srgbClr val="D4D4D4"/>
+                </a:solidFill>
+                <a:effectLst/>
+                <a:latin typeface="Consolas" panose="020B0609020204030204" pitchFamily="49" charset="0"/>
+              </a:rPr>
+              <a:t> {</a:t>
+            </a:r>
+          </a:p>
+          <a:p>
+            <a:pPr>
+              <a:lnSpc>
+                <a:spcPts val="2025"/>
+              </a:lnSpc>
+              <a:buNone/>
+            </a:pPr>
+            <a:r>
+              <a:rPr lang="en-US" sz="1200" b="0" dirty="0">
+                <a:solidFill>
+                  <a:srgbClr val="D4D4D4"/>
+                </a:solidFill>
+                <a:effectLst/>
+                <a:latin typeface="Consolas" panose="020B0609020204030204" pitchFamily="49" charset="0"/>
+              </a:rPr>
+              <a:t>    </a:t>
+            </a:r>
+            <a:r>
+              <a:rPr lang="en-US" sz="1200" b="0" dirty="0">
+                <a:solidFill>
+                  <a:srgbClr val="569CD6"/>
+                </a:solidFill>
+                <a:effectLst/>
+                <a:latin typeface="Consolas" panose="020B0609020204030204" pitchFamily="49" charset="0"/>
+              </a:rPr>
+              <a:t>private:</a:t>
+            </a:r>
+            <a:endParaRPr lang="en-US" sz="1200" b="0" dirty="0">
+              <a:solidFill>
+                <a:srgbClr val="D4D4D4"/>
+              </a:solidFill>
+              <a:effectLst/>
+              <a:latin typeface="Consolas" panose="020B0609020204030204" pitchFamily="49" charset="0"/>
+            </a:endParaRPr>
+          </a:p>
+          <a:p>
+            <a:pPr>
+              <a:lnSpc>
+                <a:spcPts val="2025"/>
+              </a:lnSpc>
+              <a:buNone/>
+            </a:pPr>
+            <a:r>
+              <a:rPr lang="en-US" sz="1200" b="0" dirty="0">
+                <a:solidFill>
+                  <a:srgbClr val="D4D4D4"/>
+                </a:solidFill>
+                <a:effectLst/>
+                <a:latin typeface="Consolas" panose="020B0609020204030204" pitchFamily="49" charset="0"/>
+              </a:rPr>
+              <a:t>        stack&lt;</a:t>
+            </a:r>
+            <a:r>
+              <a:rPr lang="en-US" sz="1200" b="0" dirty="0">
+                <a:solidFill>
+                  <a:srgbClr val="569CD6"/>
+                </a:solidFill>
+                <a:effectLst/>
+                <a:latin typeface="Consolas" panose="020B0609020204030204" pitchFamily="49" charset="0"/>
+              </a:rPr>
+              <a:t>int</a:t>
+            </a:r>
+            <a:r>
+              <a:rPr lang="en-US" sz="1200" b="0" dirty="0">
+                <a:solidFill>
+                  <a:srgbClr val="D4D4D4"/>
+                </a:solidFill>
+                <a:effectLst/>
+                <a:latin typeface="Consolas" panose="020B0609020204030204" pitchFamily="49" charset="0"/>
+              </a:rPr>
+              <a:t>&gt; s;</a:t>
+            </a:r>
+            <a:r>
+              <a:rPr lang="en-US" sz="1200" b="0" dirty="0">
+                <a:solidFill>
+                  <a:srgbClr val="6A9955"/>
+                </a:solidFill>
+                <a:effectLst/>
+                <a:latin typeface="Consolas" panose="020B0609020204030204" pitchFamily="49" charset="0"/>
+              </a:rPr>
+              <a:t>        // main stack</a:t>
+            </a:r>
+            <a:endParaRPr lang="en-US" sz="1200" b="0" dirty="0">
+              <a:solidFill>
+                <a:srgbClr val="D4D4D4"/>
+              </a:solidFill>
+              <a:effectLst/>
+              <a:latin typeface="Consolas" panose="020B0609020204030204" pitchFamily="49" charset="0"/>
+            </a:endParaRPr>
+          </a:p>
+          <a:p>
+            <a:pPr>
+              <a:lnSpc>
+                <a:spcPts val="2025"/>
+              </a:lnSpc>
+              <a:buNone/>
+            </a:pPr>
+            <a:r>
+              <a:rPr lang="en-US" sz="1200" b="0" dirty="0">
+                <a:solidFill>
+                  <a:srgbClr val="D4D4D4"/>
+                </a:solidFill>
+                <a:effectLst/>
+                <a:latin typeface="Consolas" panose="020B0609020204030204" pitchFamily="49" charset="0"/>
+              </a:rPr>
+              <a:t>        stack&lt;</a:t>
+            </a:r>
+            <a:r>
+              <a:rPr lang="en-US" sz="1200" b="0" dirty="0">
+                <a:solidFill>
+                  <a:srgbClr val="569CD6"/>
+                </a:solidFill>
+                <a:effectLst/>
+                <a:latin typeface="Consolas" panose="020B0609020204030204" pitchFamily="49" charset="0"/>
+              </a:rPr>
+              <a:t>int</a:t>
+            </a:r>
+            <a:r>
+              <a:rPr lang="en-US" sz="1200" b="0" dirty="0">
+                <a:solidFill>
+                  <a:srgbClr val="D4D4D4"/>
+                </a:solidFill>
+                <a:effectLst/>
+                <a:latin typeface="Consolas" panose="020B0609020204030204" pitchFamily="49" charset="0"/>
+              </a:rPr>
+              <a:t>&gt; </a:t>
+            </a:r>
+            <a:r>
+              <a:rPr lang="en-US" sz="1200" b="0" dirty="0" err="1">
+                <a:solidFill>
+                  <a:srgbClr val="D4D4D4"/>
+                </a:solidFill>
+                <a:effectLst/>
+                <a:latin typeface="Consolas" panose="020B0609020204030204" pitchFamily="49" charset="0"/>
+              </a:rPr>
+              <a:t>minStack</a:t>
+            </a:r>
+            <a:r>
+              <a:rPr lang="en-US" sz="1200" b="0" dirty="0">
+                <a:solidFill>
+                  <a:srgbClr val="D4D4D4"/>
+                </a:solidFill>
+                <a:effectLst/>
+                <a:latin typeface="Consolas" panose="020B0609020204030204" pitchFamily="49" charset="0"/>
+              </a:rPr>
+              <a:t>;</a:t>
+            </a:r>
+            <a:r>
+              <a:rPr lang="en-US" sz="1200" b="0" dirty="0">
+                <a:solidFill>
+                  <a:srgbClr val="6A9955"/>
+                </a:solidFill>
+                <a:effectLst/>
+                <a:latin typeface="Consolas" panose="020B0609020204030204" pitchFamily="49" charset="0"/>
+              </a:rPr>
+              <a:t> // keeps track of current minimums</a:t>
+            </a:r>
+            <a:endParaRPr lang="en-US" sz="1200" b="0" dirty="0">
+              <a:solidFill>
+                <a:srgbClr val="D4D4D4"/>
+              </a:solidFill>
+              <a:effectLst/>
+              <a:latin typeface="Consolas" panose="020B0609020204030204" pitchFamily="49" charset="0"/>
+            </a:endParaRPr>
+          </a:p>
+          <a:p>
+            <a:pPr>
+              <a:lnSpc>
+                <a:spcPts val="2025"/>
+              </a:lnSpc>
+              <a:buNone/>
+            </a:pPr>
+            <a:endParaRPr lang="en-US" sz="1200" b="0" dirty="0">
+              <a:solidFill>
+                <a:srgbClr val="D4D4D4"/>
+              </a:solidFill>
+              <a:effectLst/>
+              <a:latin typeface="Consolas" panose="020B0609020204030204" pitchFamily="49" charset="0"/>
+            </a:endParaRPr>
+          </a:p>
+          <a:p>
+            <a:pPr>
+              <a:lnSpc>
+                <a:spcPts val="2025"/>
+              </a:lnSpc>
+              <a:buNone/>
+            </a:pPr>
+            <a:r>
+              <a:rPr lang="en-US" sz="1200" b="0" dirty="0">
+                <a:solidFill>
+                  <a:srgbClr val="D4D4D4"/>
+                </a:solidFill>
+                <a:effectLst/>
+                <a:latin typeface="Consolas" panose="020B0609020204030204" pitchFamily="49" charset="0"/>
+              </a:rPr>
+              <a:t>    </a:t>
+            </a:r>
+            <a:r>
+              <a:rPr lang="en-US" sz="1200" b="0" dirty="0">
+                <a:solidFill>
+                  <a:srgbClr val="569CD6"/>
+                </a:solidFill>
+                <a:effectLst/>
+                <a:latin typeface="Consolas" panose="020B0609020204030204" pitchFamily="49" charset="0"/>
+              </a:rPr>
+              <a:t>public:</a:t>
+            </a:r>
+            <a:endParaRPr lang="en-US" sz="1200" b="0" dirty="0">
+              <a:solidFill>
+                <a:srgbClr val="D4D4D4"/>
+              </a:solidFill>
+              <a:effectLst/>
+              <a:latin typeface="Consolas" panose="020B0609020204030204" pitchFamily="49" charset="0"/>
+            </a:endParaRPr>
+          </a:p>
+          <a:p>
+            <a:pPr>
+              <a:lnSpc>
+                <a:spcPts val="2025"/>
+              </a:lnSpc>
+              <a:buNone/>
+            </a:pPr>
+            <a:r>
+              <a:rPr lang="en-US" sz="1200" b="0" dirty="0">
+                <a:solidFill>
+                  <a:srgbClr val="6A9955"/>
+                </a:solidFill>
+                <a:effectLst/>
+                <a:latin typeface="Consolas" panose="020B0609020204030204" pitchFamily="49" charset="0"/>
+              </a:rPr>
+              <a:t>        // Push an element onto the stack</a:t>
+            </a:r>
+            <a:endParaRPr lang="en-US" sz="1200" b="0" dirty="0">
+              <a:solidFill>
+                <a:srgbClr val="D4D4D4"/>
+              </a:solidFill>
+              <a:effectLst/>
+              <a:latin typeface="Consolas" panose="020B0609020204030204" pitchFamily="49" charset="0"/>
+            </a:endParaRPr>
+          </a:p>
+          <a:p>
+            <a:pPr>
+              <a:lnSpc>
+                <a:spcPts val="2025"/>
+              </a:lnSpc>
+              <a:buNone/>
+            </a:pPr>
+            <a:r>
+              <a:rPr lang="en-US" sz="1200" b="0" dirty="0">
+                <a:solidFill>
+                  <a:srgbClr val="D4D4D4"/>
+                </a:solidFill>
+                <a:effectLst/>
+                <a:latin typeface="Consolas" panose="020B0609020204030204" pitchFamily="49" charset="0"/>
+              </a:rPr>
+              <a:t>        </a:t>
+            </a:r>
+            <a:r>
+              <a:rPr lang="en-US" sz="1200" b="0" dirty="0">
+                <a:solidFill>
+                  <a:srgbClr val="569CD6"/>
+                </a:solidFill>
+                <a:effectLst/>
+                <a:latin typeface="Consolas" panose="020B0609020204030204" pitchFamily="49" charset="0"/>
+              </a:rPr>
+              <a:t>void</a:t>
+            </a:r>
+            <a:r>
+              <a:rPr lang="en-US" sz="1200" b="0" dirty="0">
+                <a:solidFill>
+                  <a:srgbClr val="D4D4D4"/>
+                </a:solidFill>
+                <a:effectLst/>
+                <a:latin typeface="Consolas" panose="020B0609020204030204" pitchFamily="49" charset="0"/>
+              </a:rPr>
+              <a:t> push(</a:t>
+            </a:r>
+            <a:r>
+              <a:rPr lang="en-US" sz="1200" b="0" dirty="0">
+                <a:solidFill>
+                  <a:srgbClr val="569CD6"/>
+                </a:solidFill>
+                <a:effectLst/>
+                <a:latin typeface="Consolas" panose="020B0609020204030204" pitchFamily="49" charset="0"/>
+              </a:rPr>
+              <a:t>int</a:t>
+            </a:r>
+            <a:r>
+              <a:rPr lang="en-US" sz="1200" b="0" dirty="0">
+                <a:solidFill>
+                  <a:srgbClr val="D4D4D4"/>
+                </a:solidFill>
+                <a:effectLst/>
+                <a:latin typeface="Consolas" panose="020B0609020204030204" pitchFamily="49" charset="0"/>
+              </a:rPr>
+              <a:t> x) {</a:t>
+            </a:r>
+          </a:p>
+          <a:p>
+            <a:pPr>
+              <a:lnSpc>
+                <a:spcPts val="2025"/>
+              </a:lnSpc>
+              <a:buNone/>
+            </a:pPr>
+            <a:r>
+              <a:rPr lang="en-US" sz="1200" b="0" dirty="0">
+                <a:solidFill>
+                  <a:srgbClr val="D4D4D4"/>
+                </a:solidFill>
+                <a:effectLst/>
+                <a:latin typeface="Consolas" panose="020B0609020204030204" pitchFamily="49" charset="0"/>
+              </a:rPr>
+              <a:t>            </a:t>
+            </a:r>
+            <a:r>
+              <a:rPr lang="en-US" sz="1200" b="0" dirty="0" err="1">
+                <a:solidFill>
+                  <a:srgbClr val="D4D4D4"/>
+                </a:solidFill>
+                <a:effectLst/>
+                <a:latin typeface="Consolas" panose="020B0609020204030204" pitchFamily="49" charset="0"/>
+              </a:rPr>
+              <a:t>s.push</a:t>
+            </a:r>
+            <a:r>
+              <a:rPr lang="en-US" sz="1200" b="0" dirty="0">
+                <a:solidFill>
+                  <a:srgbClr val="D4D4D4"/>
+                </a:solidFill>
+                <a:effectLst/>
+                <a:latin typeface="Consolas" panose="020B0609020204030204" pitchFamily="49" charset="0"/>
+              </a:rPr>
+              <a:t>(x);</a:t>
+            </a:r>
+          </a:p>
+          <a:p>
+            <a:pPr>
+              <a:lnSpc>
+                <a:spcPts val="2025"/>
+              </a:lnSpc>
+              <a:buNone/>
+            </a:pPr>
+            <a:endParaRPr lang="en-US" sz="1200" b="0" dirty="0">
+              <a:solidFill>
+                <a:srgbClr val="D4D4D4"/>
+              </a:solidFill>
+              <a:effectLst/>
+              <a:latin typeface="Consolas" panose="020B0609020204030204" pitchFamily="49" charset="0"/>
+            </a:endParaRPr>
+          </a:p>
+          <a:p>
+            <a:pPr>
+              <a:lnSpc>
+                <a:spcPts val="2025"/>
+              </a:lnSpc>
+              <a:buNone/>
+            </a:pPr>
+            <a:r>
+              <a:rPr lang="en-US" sz="1200" b="0" dirty="0">
+                <a:solidFill>
+                  <a:srgbClr val="6A9955"/>
+                </a:solidFill>
+                <a:effectLst/>
+                <a:latin typeface="Consolas" panose="020B0609020204030204" pitchFamily="49" charset="0"/>
+              </a:rPr>
+              <a:t>            // If </a:t>
+            </a:r>
+            <a:r>
+              <a:rPr lang="en-US" sz="1200" b="0" dirty="0" err="1">
+                <a:solidFill>
+                  <a:srgbClr val="6A9955"/>
+                </a:solidFill>
+                <a:effectLst/>
+                <a:latin typeface="Consolas" panose="020B0609020204030204" pitchFamily="49" charset="0"/>
+              </a:rPr>
+              <a:t>minStack</a:t>
+            </a:r>
+            <a:r>
+              <a:rPr lang="en-US" sz="1200" b="0" dirty="0">
+                <a:solidFill>
+                  <a:srgbClr val="6A9955"/>
+                </a:solidFill>
+                <a:effectLst/>
+                <a:latin typeface="Consolas" panose="020B0609020204030204" pitchFamily="49" charset="0"/>
+              </a:rPr>
+              <a:t> is empty or x &lt;= current min, push to </a:t>
+            </a:r>
+            <a:r>
+              <a:rPr lang="en-US" sz="1200" b="0" dirty="0" err="1">
+                <a:solidFill>
+                  <a:srgbClr val="6A9955"/>
+                </a:solidFill>
+                <a:effectLst/>
+                <a:latin typeface="Consolas" panose="020B0609020204030204" pitchFamily="49" charset="0"/>
+              </a:rPr>
+              <a:t>minStack</a:t>
+            </a:r>
+            <a:endParaRPr lang="en-US" sz="1200" b="0" dirty="0">
+              <a:solidFill>
+                <a:srgbClr val="D4D4D4"/>
+              </a:solidFill>
+              <a:effectLst/>
+              <a:latin typeface="Consolas" panose="020B0609020204030204" pitchFamily="49" charset="0"/>
+            </a:endParaRPr>
+          </a:p>
+          <a:p>
+            <a:pPr>
+              <a:lnSpc>
+                <a:spcPts val="2025"/>
+              </a:lnSpc>
+              <a:buNone/>
+            </a:pPr>
+            <a:r>
+              <a:rPr lang="en-US" sz="1200" b="0" dirty="0">
+                <a:solidFill>
+                  <a:srgbClr val="D4D4D4"/>
+                </a:solidFill>
+                <a:effectLst/>
+                <a:latin typeface="Consolas" panose="020B0609020204030204" pitchFamily="49" charset="0"/>
+              </a:rPr>
+              <a:t>            </a:t>
+            </a:r>
+            <a:r>
+              <a:rPr lang="en-US" sz="1200" b="0" dirty="0">
+                <a:solidFill>
+                  <a:srgbClr val="569CD6"/>
+                </a:solidFill>
+                <a:effectLst/>
+                <a:latin typeface="Consolas" panose="020B0609020204030204" pitchFamily="49" charset="0"/>
+              </a:rPr>
+              <a:t>if</a:t>
+            </a:r>
+            <a:r>
+              <a:rPr lang="en-US" sz="1200" b="0" dirty="0">
+                <a:solidFill>
+                  <a:srgbClr val="D4D4D4"/>
+                </a:solidFill>
+                <a:effectLst/>
+                <a:latin typeface="Consolas" panose="020B0609020204030204" pitchFamily="49" charset="0"/>
+              </a:rPr>
+              <a:t> (</a:t>
+            </a:r>
+            <a:r>
+              <a:rPr lang="en-US" sz="1200" b="0" dirty="0" err="1">
+                <a:solidFill>
+                  <a:srgbClr val="D4D4D4"/>
+                </a:solidFill>
+                <a:effectLst/>
+                <a:latin typeface="Consolas" panose="020B0609020204030204" pitchFamily="49" charset="0"/>
+              </a:rPr>
+              <a:t>minStack.empty</a:t>
+            </a:r>
+            <a:r>
+              <a:rPr lang="en-US" sz="1200" b="0" dirty="0">
+                <a:solidFill>
+                  <a:srgbClr val="D4D4D4"/>
+                </a:solidFill>
+                <a:effectLst/>
+                <a:latin typeface="Consolas" panose="020B0609020204030204" pitchFamily="49" charset="0"/>
+              </a:rPr>
+              <a:t>() || x &lt;= </a:t>
+            </a:r>
+            <a:r>
+              <a:rPr lang="en-US" sz="1200" b="0" dirty="0" err="1">
+                <a:solidFill>
+                  <a:srgbClr val="D4D4D4"/>
+                </a:solidFill>
+                <a:effectLst/>
+                <a:latin typeface="Consolas" panose="020B0609020204030204" pitchFamily="49" charset="0"/>
+              </a:rPr>
+              <a:t>minStack.top</a:t>
+            </a:r>
+            <a:r>
+              <a:rPr lang="en-US" sz="1200" b="0" dirty="0">
+                <a:solidFill>
+                  <a:srgbClr val="D4D4D4"/>
+                </a:solidFill>
+                <a:effectLst/>
+                <a:latin typeface="Consolas" panose="020B0609020204030204" pitchFamily="49" charset="0"/>
+              </a:rPr>
+              <a:t>())</a:t>
+            </a:r>
+          </a:p>
+          <a:p>
+            <a:pPr>
+              <a:lnSpc>
+                <a:spcPts val="2025"/>
+              </a:lnSpc>
+              <a:buNone/>
+            </a:pPr>
+            <a:r>
+              <a:rPr lang="en-US" sz="1200" b="0" dirty="0">
+                <a:solidFill>
+                  <a:srgbClr val="D4D4D4"/>
+                </a:solidFill>
+                <a:effectLst/>
+                <a:latin typeface="Consolas" panose="020B0609020204030204" pitchFamily="49" charset="0"/>
+              </a:rPr>
+              <a:t>                </a:t>
+            </a:r>
+            <a:r>
+              <a:rPr lang="en-US" sz="1200" b="0" dirty="0" err="1">
+                <a:solidFill>
+                  <a:srgbClr val="D4D4D4"/>
+                </a:solidFill>
+                <a:effectLst/>
+                <a:latin typeface="Consolas" panose="020B0609020204030204" pitchFamily="49" charset="0"/>
+              </a:rPr>
+              <a:t>minStack.push</a:t>
+            </a:r>
+            <a:r>
+              <a:rPr lang="en-US" sz="1200" b="0" dirty="0">
+                <a:solidFill>
+                  <a:srgbClr val="D4D4D4"/>
+                </a:solidFill>
+                <a:effectLst/>
+                <a:latin typeface="Consolas" panose="020B0609020204030204" pitchFamily="49" charset="0"/>
+              </a:rPr>
+              <a:t>(x);</a:t>
+            </a:r>
+          </a:p>
+          <a:p>
+            <a:pPr>
+              <a:lnSpc>
+                <a:spcPts val="2025"/>
+              </a:lnSpc>
+              <a:buNone/>
+            </a:pPr>
+            <a:r>
+              <a:rPr lang="en-US" sz="1200" b="0" dirty="0">
+                <a:solidFill>
+                  <a:srgbClr val="D4D4D4"/>
+                </a:solidFill>
+                <a:effectLst/>
+                <a:latin typeface="Consolas" panose="020B0609020204030204" pitchFamily="49" charset="0"/>
+              </a:rPr>
+              <a:t>            </a:t>
+            </a:r>
+            <a:r>
+              <a:rPr lang="en-US" sz="1200" b="0" dirty="0">
+                <a:solidFill>
+                  <a:srgbClr val="569CD6"/>
+                </a:solidFill>
+                <a:effectLst/>
+                <a:latin typeface="Consolas" panose="020B0609020204030204" pitchFamily="49" charset="0"/>
+              </a:rPr>
+              <a:t>else</a:t>
+            </a:r>
+            <a:endParaRPr lang="en-US" sz="1200" b="0" dirty="0">
+              <a:solidFill>
+                <a:srgbClr val="D4D4D4"/>
+              </a:solidFill>
+              <a:effectLst/>
+              <a:latin typeface="Consolas" panose="020B0609020204030204" pitchFamily="49" charset="0"/>
+            </a:endParaRPr>
+          </a:p>
+          <a:p>
+            <a:pPr>
+              <a:lnSpc>
+                <a:spcPts val="2025"/>
+              </a:lnSpc>
+              <a:buNone/>
+            </a:pPr>
+            <a:r>
+              <a:rPr lang="en-US" sz="1200" b="0" dirty="0">
+                <a:solidFill>
+                  <a:srgbClr val="D4D4D4"/>
+                </a:solidFill>
+                <a:effectLst/>
+                <a:latin typeface="Consolas" panose="020B0609020204030204" pitchFamily="49" charset="0"/>
+              </a:rPr>
+              <a:t>                </a:t>
+            </a:r>
+            <a:r>
+              <a:rPr lang="en-US" sz="1200" b="0" dirty="0" err="1">
+                <a:solidFill>
+                  <a:srgbClr val="D4D4D4"/>
+                </a:solidFill>
+                <a:effectLst/>
+                <a:latin typeface="Consolas" panose="020B0609020204030204" pitchFamily="49" charset="0"/>
+              </a:rPr>
+              <a:t>minStack.push</a:t>
+            </a:r>
+            <a:r>
+              <a:rPr lang="en-US" sz="1200" b="0" dirty="0">
+                <a:solidFill>
+                  <a:srgbClr val="D4D4D4"/>
+                </a:solidFill>
+                <a:effectLst/>
+                <a:latin typeface="Consolas" panose="020B0609020204030204" pitchFamily="49" charset="0"/>
+              </a:rPr>
+              <a:t>(</a:t>
+            </a:r>
+            <a:r>
+              <a:rPr lang="en-US" sz="1200" b="0" dirty="0" err="1">
+                <a:solidFill>
+                  <a:srgbClr val="D4D4D4"/>
+                </a:solidFill>
+                <a:effectLst/>
+                <a:latin typeface="Consolas" panose="020B0609020204030204" pitchFamily="49" charset="0"/>
+              </a:rPr>
+              <a:t>minStack.top</a:t>
+            </a:r>
+            <a:r>
+              <a:rPr lang="en-US" sz="1200" b="0" dirty="0">
+                <a:solidFill>
+                  <a:srgbClr val="D4D4D4"/>
+                </a:solidFill>
+                <a:effectLst/>
+                <a:latin typeface="Consolas" panose="020B0609020204030204" pitchFamily="49" charset="0"/>
+              </a:rPr>
+              <a:t>());</a:t>
+            </a:r>
+          </a:p>
+          <a:p>
+            <a:pPr>
+              <a:lnSpc>
+                <a:spcPts val="2025"/>
+              </a:lnSpc>
+              <a:buNone/>
+            </a:pPr>
+            <a:r>
+              <a:rPr lang="en-US" sz="1200" b="0" dirty="0">
+                <a:solidFill>
+                  <a:srgbClr val="D4D4D4"/>
+                </a:solidFill>
+                <a:effectLst/>
+                <a:latin typeface="Consolas" panose="020B0609020204030204" pitchFamily="49" charset="0"/>
+              </a:rPr>
+              <a:t>        }</a:t>
+            </a:r>
+          </a:p>
+          <a:p>
+            <a:pPr>
+              <a:lnSpc>
+                <a:spcPts val="2025"/>
+              </a:lnSpc>
+              <a:buNone/>
+            </a:pPr>
+            <a:endParaRPr lang="en-US" sz="1200" b="0" dirty="0">
+              <a:solidFill>
+                <a:srgbClr val="D4D4D4"/>
+              </a:solidFill>
+              <a:effectLst/>
+              <a:latin typeface="Consolas" panose="020B0609020204030204" pitchFamily="49" charset="0"/>
+            </a:endParaRPr>
+          </a:p>
+        </p:txBody>
+      </p:sp>
+    </p:spTree>
+    <p:extLst>
+      <p:ext uri="{BB962C8B-B14F-4D97-AF65-F5344CB8AC3E}">
+        <p14:creationId xmlns:p14="http://schemas.microsoft.com/office/powerpoint/2010/main" val="111881337"/>
+      </p:ext>
+    </p:extLst>
+  </p:cSld>
+  <p:clrMapOvr>
+    <a:masterClrMapping/>
+  </p:clrMapOvr>
+</p:sld>
+</file>
+
+<file path=ppt/slides/slide28.xml><?xml version="1.0" encoding="utf-8"?>
+<p:sld xmlns:a="http://schemas.openxmlformats.org/drawingml/2006/main" xmlns:r="http://schemas.openxmlformats.org/officeDocument/2006/relationships" xmlns:p="http://schemas.openxmlformats.org/presentationml/2006/main">
+  <p:cSld>
+    <p:bg>
+      <p:bgPr>
+        <a:solidFill>
+          <a:schemeClr val="tx1"/>
+        </a:solidFill>
+        <a:effectLst/>
+      </p:bgPr>
+    </p:bg>
+    <p:spTree>
+      <p:nvGrpSpPr>
+        <p:cNvPr id="1" name="">
+          <a:extLst>
+            <a:ext uri="{FF2B5EF4-FFF2-40B4-BE49-F238E27FC236}">
+              <a16:creationId xmlns:a16="http://schemas.microsoft.com/office/drawing/2014/main" id="{C1DE2C84-A1D5-709B-4D66-6BCAE9E8653B}"/>
+            </a:ext>
+          </a:extLst>
+        </p:cNvPr>
+        <p:cNvGrpSpPr/>
+        <p:nvPr/>
+      </p:nvGrpSpPr>
+      <p:grpSpPr>
+        <a:xfrm>
+          <a:off x="0" y="0"/>
+          <a:ext cx="0" cy="0"/>
+          <a:chOff x="0" y="0"/>
+          <a:chExt cx="0" cy="0"/>
+        </a:xfrm>
+      </p:grpSpPr>
+      <p:sp>
+        <p:nvSpPr>
+          <p:cNvPr id="2" name="Title 1">
+            <a:extLst>
+              <a:ext uri="{FF2B5EF4-FFF2-40B4-BE49-F238E27FC236}">
+                <a16:creationId xmlns:a16="http://schemas.microsoft.com/office/drawing/2014/main" id="{2B0A3E86-86C8-0A14-0E8B-65FC90F38AB5}"/>
+              </a:ext>
+            </a:extLst>
+          </p:cNvPr>
+          <p:cNvSpPr>
+            <a:spLocks noGrp="1"/>
+          </p:cNvSpPr>
+          <p:nvPr>
+            <p:ph type="title"/>
+          </p:nvPr>
+        </p:nvSpPr>
+        <p:spPr/>
+        <p:txBody>
+          <a:bodyPr>
+            <a:normAutofit/>
+          </a:bodyPr>
+          <a:lstStyle/>
+          <a:p>
+            <a:r>
+              <a:rPr lang="en-US" sz="3600" dirty="0">
+                <a:solidFill>
+                  <a:schemeClr val="bg1"/>
+                </a:solidFill>
+                <a:latin typeface="Gotham Bold" pitchFamily="50" charset="0"/>
+              </a:rPr>
+              <a:t>Mini Review – Coding questions</a:t>
+            </a:r>
+          </a:p>
+        </p:txBody>
+      </p:sp>
+      <p:sp>
+        <p:nvSpPr>
+          <p:cNvPr id="5" name="Content Placeholder 1">
+            <a:extLst>
+              <a:ext uri="{FF2B5EF4-FFF2-40B4-BE49-F238E27FC236}">
+                <a16:creationId xmlns:a16="http://schemas.microsoft.com/office/drawing/2014/main" id="{A086F6AA-CEAB-A12B-8E9A-C4159899F0E0}"/>
+              </a:ext>
+            </a:extLst>
+          </p:cNvPr>
+          <p:cNvSpPr txBox="1">
+            <a:spLocks/>
+          </p:cNvSpPr>
+          <p:nvPr/>
+        </p:nvSpPr>
+        <p:spPr>
+          <a:xfrm>
+            <a:off x="940881" y="1690688"/>
+            <a:ext cx="10978592" cy="5057971"/>
+          </a:xfrm>
+          <a:prstGeom prst="rect">
+            <a:avLst/>
+          </a:prstGeom>
+        </p:spPr>
+        <p:txBody>
+          <a:bodyPr vert="horz" lIns="91440" tIns="45720" rIns="91440" bIns="45720" rtlCol="0" anchor="t"/>
+          <a:lstStyle>
+            <a:defPPr>
+              <a:defRPr lang="en-US"/>
+            </a:defPPr>
+            <a:lvl1pPr marL="0" algn="l" defTabSz="914400" rtl="0" eaLnBrk="1" latinLnBrk="0" hangingPunct="1">
+              <a:defRPr sz="1200" kern="1200">
+                <a:solidFill>
+                  <a:schemeClr val="tx1">
+                    <a:tint val="75000"/>
+                  </a:schemeClr>
+                </a:solidFill>
+                <a:latin typeface="+mn-lt"/>
+                <a:ea typeface="+mn-ea"/>
+                <a:cs typeface="+mn-cs"/>
+              </a:defRPr>
+            </a:lvl1pPr>
+            <a:lvl2pPr marL="457200" algn="l" defTabSz="914400" rtl="0" eaLnBrk="1" latinLnBrk="0" hangingPunct="1">
+              <a:defRPr sz="1800" kern="1200">
+                <a:solidFill>
+                  <a:schemeClr val="tx1"/>
+                </a:solidFill>
+                <a:latin typeface="+mn-lt"/>
+                <a:ea typeface="+mn-ea"/>
+                <a:cs typeface="+mn-cs"/>
+              </a:defRPr>
+            </a:lvl2pPr>
+            <a:lvl3pPr marL="914400" algn="l" defTabSz="914400" rtl="0" eaLnBrk="1" latinLnBrk="0" hangingPunct="1">
+              <a:defRPr sz="1800" kern="1200">
+                <a:solidFill>
+                  <a:schemeClr val="tx1"/>
+                </a:solidFill>
+                <a:latin typeface="+mn-lt"/>
+                <a:ea typeface="+mn-ea"/>
+                <a:cs typeface="+mn-cs"/>
+              </a:defRPr>
+            </a:lvl3pPr>
+            <a:lvl4pPr marL="1371600" algn="l" defTabSz="914400" rtl="0" eaLnBrk="1" latinLnBrk="0" hangingPunct="1">
+              <a:defRPr sz="1800" kern="1200">
+                <a:solidFill>
+                  <a:schemeClr val="tx1"/>
+                </a:solidFill>
+                <a:latin typeface="+mn-lt"/>
+                <a:ea typeface="+mn-ea"/>
+                <a:cs typeface="+mn-cs"/>
+              </a:defRPr>
+            </a:lvl4pPr>
+            <a:lvl5pPr marL="1828800" algn="l" defTabSz="914400" rtl="0" eaLnBrk="1" latinLnBrk="0" hangingPunct="1">
+              <a:defRPr sz="1800" kern="1200">
+                <a:solidFill>
+                  <a:schemeClr val="tx1"/>
+                </a:solidFill>
+                <a:latin typeface="+mn-lt"/>
+                <a:ea typeface="+mn-ea"/>
+                <a:cs typeface="+mn-cs"/>
+              </a:defRPr>
+            </a:lvl5pPr>
+            <a:lvl6pPr marL="2286000" algn="l" defTabSz="914400" rtl="0" eaLnBrk="1" latinLnBrk="0" hangingPunct="1">
+              <a:defRPr sz="1800" kern="1200">
+                <a:solidFill>
+                  <a:schemeClr val="tx1"/>
+                </a:solidFill>
+                <a:latin typeface="+mn-lt"/>
+                <a:ea typeface="+mn-ea"/>
+                <a:cs typeface="+mn-cs"/>
+              </a:defRPr>
+            </a:lvl6pPr>
+            <a:lvl7pPr marL="2743200" algn="l" defTabSz="914400" rtl="0" eaLnBrk="1" latinLnBrk="0" hangingPunct="1">
+              <a:defRPr sz="1800" kern="1200">
+                <a:solidFill>
+                  <a:schemeClr val="tx1"/>
+                </a:solidFill>
+                <a:latin typeface="+mn-lt"/>
+                <a:ea typeface="+mn-ea"/>
+                <a:cs typeface="+mn-cs"/>
+              </a:defRPr>
+            </a:lvl7pPr>
+            <a:lvl8pPr marL="3200400" algn="l" defTabSz="914400" rtl="0" eaLnBrk="1" latinLnBrk="0" hangingPunct="1">
+              <a:defRPr sz="1800" kern="1200">
+                <a:solidFill>
+                  <a:schemeClr val="tx1"/>
+                </a:solidFill>
+                <a:latin typeface="+mn-lt"/>
+                <a:ea typeface="+mn-ea"/>
+                <a:cs typeface="+mn-cs"/>
+              </a:defRPr>
+            </a:lvl8pPr>
+            <a:lvl9pPr marL="3657600" algn="l" defTabSz="914400" rtl="0" eaLnBrk="1" latinLnBrk="0" hangingPunct="1">
+              <a:defRPr sz="1800" kern="1200">
+                <a:solidFill>
+                  <a:schemeClr val="tx1"/>
+                </a:solidFill>
+                <a:latin typeface="+mn-lt"/>
+                <a:ea typeface="+mn-ea"/>
+                <a:cs typeface="+mn-cs"/>
+              </a:defRPr>
+            </a:lvl9pPr>
+          </a:lstStyle>
+          <a:p>
+            <a:pPr marL="285750" indent="-285750">
+              <a:buFont typeface="Arial" panose="020B0604020202020204" pitchFamily="34" charset="0"/>
+              <a:buChar char="•"/>
+            </a:pPr>
+            <a:r>
+              <a:rPr lang="en-US" sz="1600" dirty="0">
+                <a:solidFill>
+                  <a:srgbClr val="0081E2"/>
+                </a:solidFill>
+                <a:latin typeface="Consolas" panose="020B0609020204030204" pitchFamily="49" charset="0"/>
+              </a:rPr>
+              <a:t>Design a Stack data structure in C++ that supports push, pop and min operations in O(1) time. You can use an STL Tack if needed.</a:t>
+            </a:r>
+          </a:p>
+          <a:p>
+            <a:endParaRPr lang="en-US" sz="1600" dirty="0">
+              <a:solidFill>
+                <a:srgbClr val="0081E2"/>
+              </a:solidFill>
+              <a:latin typeface="Consolas" panose="020B0609020204030204" pitchFamily="49" charset="0"/>
+            </a:endParaRPr>
+          </a:p>
+          <a:p>
+            <a:endParaRPr lang="en-US" sz="1600" dirty="0">
+              <a:solidFill>
+                <a:srgbClr val="0081E2"/>
+              </a:solidFill>
+              <a:latin typeface="Consolas" panose="020B0609020204030204" pitchFamily="49" charset="0"/>
+            </a:endParaRPr>
+          </a:p>
+        </p:txBody>
+      </p:sp>
+      <p:sp>
+        <p:nvSpPr>
+          <p:cNvPr id="4" name="TextBox 3">
+            <a:extLst>
+              <a:ext uri="{FF2B5EF4-FFF2-40B4-BE49-F238E27FC236}">
+                <a16:creationId xmlns:a16="http://schemas.microsoft.com/office/drawing/2014/main" id="{C2D200A8-E81F-D90C-0AB8-E551C55CFD0A}"/>
+              </a:ext>
+            </a:extLst>
+          </p:cNvPr>
+          <p:cNvSpPr txBox="1"/>
+          <p:nvPr/>
+        </p:nvSpPr>
+        <p:spPr>
+          <a:xfrm>
+            <a:off x="1095607" y="2314112"/>
+            <a:ext cx="7513134" cy="4434547"/>
+          </a:xfrm>
+          <a:prstGeom prst="rect">
+            <a:avLst/>
+          </a:prstGeom>
+          <a:noFill/>
+        </p:spPr>
+        <p:txBody>
+          <a:bodyPr wrap="square">
+            <a:spAutoFit/>
+          </a:bodyPr>
+          <a:lstStyle/>
+          <a:p>
+            <a:pPr>
+              <a:lnSpc>
+                <a:spcPts val="2025"/>
+              </a:lnSpc>
+              <a:buNone/>
+            </a:pPr>
+            <a:r>
+              <a:rPr lang="en-US" sz="1200" b="0" dirty="0">
+                <a:solidFill>
+                  <a:srgbClr val="6A9955"/>
+                </a:solidFill>
+                <a:effectLst/>
+                <a:latin typeface="Consolas" panose="020B0609020204030204" pitchFamily="49" charset="0"/>
+              </a:rPr>
+              <a:t>        // Pop the top element</a:t>
+            </a:r>
+            <a:endParaRPr lang="en-US" sz="1200" b="0" dirty="0">
+              <a:solidFill>
+                <a:srgbClr val="D4D4D4"/>
+              </a:solidFill>
+              <a:effectLst/>
+              <a:latin typeface="Consolas" panose="020B0609020204030204" pitchFamily="49" charset="0"/>
+            </a:endParaRPr>
+          </a:p>
+          <a:p>
+            <a:pPr>
+              <a:lnSpc>
+                <a:spcPts val="2025"/>
+              </a:lnSpc>
+              <a:buNone/>
+            </a:pPr>
+            <a:r>
+              <a:rPr lang="en-US" sz="1200" b="0" dirty="0">
+                <a:solidFill>
+                  <a:srgbClr val="D4D4D4"/>
+                </a:solidFill>
+                <a:effectLst/>
+                <a:latin typeface="Consolas" panose="020B0609020204030204" pitchFamily="49" charset="0"/>
+              </a:rPr>
+              <a:t>        </a:t>
+            </a:r>
+            <a:r>
+              <a:rPr lang="en-US" sz="1200" b="0" dirty="0">
+                <a:solidFill>
+                  <a:srgbClr val="569CD6"/>
+                </a:solidFill>
+                <a:effectLst/>
+                <a:latin typeface="Consolas" panose="020B0609020204030204" pitchFamily="49" charset="0"/>
+              </a:rPr>
+              <a:t>void</a:t>
+            </a:r>
+            <a:r>
+              <a:rPr lang="en-US" sz="1200" b="0" dirty="0">
+                <a:solidFill>
+                  <a:srgbClr val="D4D4D4"/>
+                </a:solidFill>
+                <a:effectLst/>
+                <a:latin typeface="Consolas" panose="020B0609020204030204" pitchFamily="49" charset="0"/>
+              </a:rPr>
+              <a:t> pop() {</a:t>
+            </a:r>
+          </a:p>
+          <a:p>
+            <a:pPr>
+              <a:lnSpc>
+                <a:spcPts val="2025"/>
+              </a:lnSpc>
+              <a:buNone/>
+            </a:pPr>
+            <a:r>
+              <a:rPr lang="en-US" sz="1200" b="0" dirty="0">
+                <a:solidFill>
+                  <a:srgbClr val="D4D4D4"/>
+                </a:solidFill>
+                <a:effectLst/>
+                <a:latin typeface="Consolas" panose="020B0609020204030204" pitchFamily="49" charset="0"/>
+              </a:rPr>
+              <a:t>            </a:t>
+            </a:r>
+            <a:r>
+              <a:rPr lang="en-US" sz="1200" b="0" dirty="0">
+                <a:solidFill>
+                  <a:srgbClr val="569CD6"/>
+                </a:solidFill>
+                <a:effectLst/>
+                <a:latin typeface="Consolas" panose="020B0609020204030204" pitchFamily="49" charset="0"/>
+              </a:rPr>
+              <a:t>if</a:t>
+            </a:r>
+            <a:r>
+              <a:rPr lang="en-US" sz="1200" b="0" dirty="0">
+                <a:solidFill>
+                  <a:srgbClr val="D4D4D4"/>
+                </a:solidFill>
+                <a:effectLst/>
+                <a:latin typeface="Consolas" panose="020B0609020204030204" pitchFamily="49" charset="0"/>
+              </a:rPr>
+              <a:t> (</a:t>
+            </a:r>
+            <a:r>
+              <a:rPr lang="en-US" sz="1200" b="0" dirty="0" err="1">
+                <a:solidFill>
+                  <a:srgbClr val="D4D4D4"/>
+                </a:solidFill>
+                <a:effectLst/>
+                <a:latin typeface="Consolas" panose="020B0609020204030204" pitchFamily="49" charset="0"/>
+              </a:rPr>
+              <a:t>s.empty</a:t>
+            </a:r>
+            <a:r>
+              <a:rPr lang="en-US" sz="1200" b="0" dirty="0">
+                <a:solidFill>
+                  <a:srgbClr val="D4D4D4"/>
+                </a:solidFill>
+                <a:effectLst/>
+                <a:latin typeface="Consolas" panose="020B0609020204030204" pitchFamily="49" charset="0"/>
+              </a:rPr>
+              <a:t>())</a:t>
+            </a:r>
+          </a:p>
+          <a:p>
+            <a:pPr>
+              <a:lnSpc>
+                <a:spcPts val="2025"/>
+              </a:lnSpc>
+              <a:buNone/>
+            </a:pPr>
+            <a:r>
+              <a:rPr lang="en-US" sz="1200" b="0" dirty="0">
+                <a:solidFill>
+                  <a:srgbClr val="D4D4D4"/>
+                </a:solidFill>
+                <a:effectLst/>
+                <a:latin typeface="Consolas" panose="020B0609020204030204" pitchFamily="49" charset="0"/>
+              </a:rPr>
+              <a:t>                </a:t>
+            </a:r>
+            <a:r>
+              <a:rPr lang="en-US" sz="1200" b="0" dirty="0">
+                <a:solidFill>
+                  <a:srgbClr val="569CD6"/>
+                </a:solidFill>
+                <a:effectLst/>
+                <a:latin typeface="Consolas" panose="020B0609020204030204" pitchFamily="49" charset="0"/>
+              </a:rPr>
+              <a:t>throw</a:t>
+            </a:r>
+            <a:r>
+              <a:rPr lang="en-US" sz="1200" b="0" dirty="0">
+                <a:solidFill>
+                  <a:srgbClr val="D4D4D4"/>
+                </a:solidFill>
+                <a:effectLst/>
+                <a:latin typeface="Consolas" panose="020B0609020204030204" pitchFamily="49" charset="0"/>
+              </a:rPr>
+              <a:t> </a:t>
+            </a:r>
+            <a:r>
+              <a:rPr lang="en-US" sz="1200" b="0" dirty="0" err="1">
+                <a:solidFill>
+                  <a:srgbClr val="D4D4D4"/>
+                </a:solidFill>
+                <a:effectLst/>
+                <a:latin typeface="Consolas" panose="020B0609020204030204" pitchFamily="49" charset="0"/>
+              </a:rPr>
+              <a:t>underflow_error</a:t>
+            </a:r>
+            <a:r>
+              <a:rPr lang="en-US" sz="1200" b="0" dirty="0">
+                <a:solidFill>
+                  <a:srgbClr val="D4D4D4"/>
+                </a:solidFill>
+                <a:effectLst/>
+                <a:latin typeface="Consolas" panose="020B0609020204030204" pitchFamily="49" charset="0"/>
+              </a:rPr>
+              <a:t>(</a:t>
+            </a:r>
+            <a:r>
+              <a:rPr lang="en-US" sz="1200" b="0" dirty="0">
+                <a:solidFill>
+                  <a:srgbClr val="CE9178"/>
+                </a:solidFill>
+                <a:effectLst/>
+                <a:latin typeface="Consolas" panose="020B0609020204030204" pitchFamily="49" charset="0"/>
+              </a:rPr>
+              <a:t>"Stack is empty"</a:t>
+            </a:r>
+            <a:r>
+              <a:rPr lang="en-US" sz="1200" b="0" dirty="0">
+                <a:solidFill>
+                  <a:srgbClr val="D4D4D4"/>
+                </a:solidFill>
+                <a:effectLst/>
+                <a:latin typeface="Consolas" panose="020B0609020204030204" pitchFamily="49" charset="0"/>
+              </a:rPr>
+              <a:t>);</a:t>
+            </a:r>
+          </a:p>
+          <a:p>
+            <a:pPr>
+              <a:lnSpc>
+                <a:spcPts val="2025"/>
+              </a:lnSpc>
+              <a:buNone/>
+            </a:pPr>
+            <a:r>
+              <a:rPr lang="en-US" sz="1200" b="0" dirty="0">
+                <a:solidFill>
+                  <a:srgbClr val="D4D4D4"/>
+                </a:solidFill>
+                <a:effectLst/>
+                <a:latin typeface="Consolas" panose="020B0609020204030204" pitchFamily="49" charset="0"/>
+              </a:rPr>
+              <a:t>            </a:t>
+            </a:r>
+            <a:r>
+              <a:rPr lang="en-US" sz="1200" b="0" dirty="0" err="1">
+                <a:solidFill>
+                  <a:srgbClr val="D4D4D4"/>
+                </a:solidFill>
+                <a:effectLst/>
+                <a:latin typeface="Consolas" panose="020B0609020204030204" pitchFamily="49" charset="0"/>
+              </a:rPr>
+              <a:t>s.pop</a:t>
+            </a:r>
+            <a:r>
+              <a:rPr lang="en-US" sz="1200" b="0" dirty="0">
+                <a:solidFill>
+                  <a:srgbClr val="D4D4D4"/>
+                </a:solidFill>
+                <a:effectLst/>
+                <a:latin typeface="Consolas" panose="020B0609020204030204" pitchFamily="49" charset="0"/>
+              </a:rPr>
+              <a:t>();</a:t>
+            </a:r>
+          </a:p>
+          <a:p>
+            <a:pPr>
+              <a:lnSpc>
+                <a:spcPts val="2025"/>
+              </a:lnSpc>
+              <a:buNone/>
+            </a:pPr>
+            <a:r>
+              <a:rPr lang="en-US" sz="1200" b="0" dirty="0">
+                <a:solidFill>
+                  <a:srgbClr val="D4D4D4"/>
+                </a:solidFill>
+                <a:effectLst/>
+                <a:latin typeface="Consolas" panose="020B0609020204030204" pitchFamily="49" charset="0"/>
+              </a:rPr>
+              <a:t>            </a:t>
+            </a:r>
+            <a:r>
+              <a:rPr lang="en-US" sz="1200" b="0" dirty="0" err="1">
+                <a:solidFill>
+                  <a:srgbClr val="D4D4D4"/>
+                </a:solidFill>
+                <a:effectLst/>
+                <a:latin typeface="Consolas" panose="020B0609020204030204" pitchFamily="49" charset="0"/>
+              </a:rPr>
+              <a:t>minStack.pop</a:t>
+            </a:r>
+            <a:r>
+              <a:rPr lang="en-US" sz="1200" b="0" dirty="0">
+                <a:solidFill>
+                  <a:srgbClr val="D4D4D4"/>
+                </a:solidFill>
+                <a:effectLst/>
+                <a:latin typeface="Consolas" panose="020B0609020204030204" pitchFamily="49" charset="0"/>
+              </a:rPr>
+              <a:t>();</a:t>
+            </a:r>
+          </a:p>
+          <a:p>
+            <a:pPr>
+              <a:lnSpc>
+                <a:spcPts val="2025"/>
+              </a:lnSpc>
+              <a:buNone/>
+            </a:pPr>
+            <a:r>
+              <a:rPr lang="en-US" sz="1200" b="0" dirty="0">
+                <a:solidFill>
+                  <a:srgbClr val="D4D4D4"/>
+                </a:solidFill>
+                <a:effectLst/>
+                <a:latin typeface="Consolas" panose="020B0609020204030204" pitchFamily="49" charset="0"/>
+              </a:rPr>
+              <a:t>        }</a:t>
+            </a:r>
+          </a:p>
+          <a:p>
+            <a:pPr>
+              <a:lnSpc>
+                <a:spcPts val="2025"/>
+              </a:lnSpc>
+              <a:buNone/>
+            </a:pPr>
+            <a:br>
+              <a:rPr lang="en-US" sz="1200" b="0" dirty="0">
+                <a:solidFill>
+                  <a:srgbClr val="D4D4D4"/>
+                </a:solidFill>
+                <a:effectLst/>
+                <a:latin typeface="Consolas" panose="020B0609020204030204" pitchFamily="49" charset="0"/>
+              </a:rPr>
+            </a:br>
+            <a:endParaRPr lang="en-US" sz="1200" b="0" dirty="0">
+              <a:solidFill>
+                <a:srgbClr val="D4D4D4"/>
+              </a:solidFill>
+              <a:effectLst/>
+              <a:latin typeface="Consolas" panose="020B0609020204030204" pitchFamily="49" charset="0"/>
+            </a:endParaRPr>
+          </a:p>
+          <a:p>
+            <a:pPr>
+              <a:lnSpc>
+                <a:spcPts val="2025"/>
+              </a:lnSpc>
+              <a:buNone/>
+            </a:pPr>
+            <a:r>
+              <a:rPr lang="en-US" sz="1200" b="0" dirty="0">
+                <a:solidFill>
+                  <a:srgbClr val="6A9955"/>
+                </a:solidFill>
+                <a:effectLst/>
+                <a:latin typeface="Consolas" panose="020B0609020204030204" pitchFamily="49" charset="0"/>
+              </a:rPr>
+              <a:t>        // Get the current minimum in O(1)</a:t>
+            </a:r>
+            <a:endParaRPr lang="en-US" sz="1200" b="0" dirty="0">
+              <a:solidFill>
+                <a:srgbClr val="D4D4D4"/>
+              </a:solidFill>
+              <a:effectLst/>
+              <a:latin typeface="Consolas" panose="020B0609020204030204" pitchFamily="49" charset="0"/>
+            </a:endParaRPr>
+          </a:p>
+          <a:p>
+            <a:pPr>
+              <a:lnSpc>
+                <a:spcPts val="2025"/>
+              </a:lnSpc>
+              <a:buNone/>
+            </a:pPr>
+            <a:r>
+              <a:rPr lang="en-US" sz="1200" b="0" dirty="0">
+                <a:solidFill>
+                  <a:srgbClr val="D4D4D4"/>
+                </a:solidFill>
+                <a:effectLst/>
+                <a:latin typeface="Consolas" panose="020B0609020204030204" pitchFamily="49" charset="0"/>
+              </a:rPr>
+              <a:t>        </a:t>
+            </a:r>
+            <a:r>
+              <a:rPr lang="en-US" sz="1200" b="0" dirty="0">
+                <a:solidFill>
+                  <a:srgbClr val="569CD6"/>
+                </a:solidFill>
+                <a:effectLst/>
+                <a:latin typeface="Consolas" panose="020B0609020204030204" pitchFamily="49" charset="0"/>
+              </a:rPr>
+              <a:t>int</a:t>
+            </a:r>
+            <a:r>
+              <a:rPr lang="en-US" sz="1200" b="0" dirty="0">
+                <a:solidFill>
+                  <a:srgbClr val="D4D4D4"/>
+                </a:solidFill>
+                <a:effectLst/>
+                <a:latin typeface="Consolas" panose="020B0609020204030204" pitchFamily="49" charset="0"/>
+              </a:rPr>
+              <a:t> min() {</a:t>
+            </a:r>
+          </a:p>
+          <a:p>
+            <a:pPr>
+              <a:lnSpc>
+                <a:spcPts val="2025"/>
+              </a:lnSpc>
+              <a:buNone/>
+            </a:pPr>
+            <a:r>
+              <a:rPr lang="en-US" sz="1200" b="0" dirty="0">
+                <a:solidFill>
+                  <a:srgbClr val="D4D4D4"/>
+                </a:solidFill>
+                <a:effectLst/>
+                <a:latin typeface="Consolas" panose="020B0609020204030204" pitchFamily="49" charset="0"/>
+              </a:rPr>
+              <a:t>            </a:t>
+            </a:r>
+            <a:r>
+              <a:rPr lang="en-US" sz="1200" b="0" dirty="0">
+                <a:solidFill>
+                  <a:srgbClr val="569CD6"/>
+                </a:solidFill>
+                <a:effectLst/>
+                <a:latin typeface="Consolas" panose="020B0609020204030204" pitchFamily="49" charset="0"/>
+              </a:rPr>
+              <a:t>if</a:t>
+            </a:r>
+            <a:r>
+              <a:rPr lang="en-US" sz="1200" b="0" dirty="0">
+                <a:solidFill>
+                  <a:srgbClr val="D4D4D4"/>
+                </a:solidFill>
+                <a:effectLst/>
+                <a:latin typeface="Consolas" panose="020B0609020204030204" pitchFamily="49" charset="0"/>
+              </a:rPr>
+              <a:t> (</a:t>
+            </a:r>
+            <a:r>
+              <a:rPr lang="en-US" sz="1200" b="0" dirty="0" err="1">
+                <a:solidFill>
+                  <a:srgbClr val="D4D4D4"/>
+                </a:solidFill>
+                <a:effectLst/>
+                <a:latin typeface="Consolas" panose="020B0609020204030204" pitchFamily="49" charset="0"/>
+              </a:rPr>
+              <a:t>minStack.empty</a:t>
+            </a:r>
+            <a:r>
+              <a:rPr lang="en-US" sz="1200" b="0" dirty="0">
+                <a:solidFill>
+                  <a:srgbClr val="D4D4D4"/>
+                </a:solidFill>
+                <a:effectLst/>
+                <a:latin typeface="Consolas" panose="020B0609020204030204" pitchFamily="49" charset="0"/>
+              </a:rPr>
+              <a:t>()) {</a:t>
+            </a:r>
+          </a:p>
+          <a:p>
+            <a:pPr>
+              <a:lnSpc>
+                <a:spcPts val="2025"/>
+              </a:lnSpc>
+              <a:buNone/>
+            </a:pPr>
+            <a:r>
+              <a:rPr lang="en-US" sz="1200" b="0" dirty="0">
+                <a:solidFill>
+                  <a:srgbClr val="D4D4D4"/>
+                </a:solidFill>
+                <a:effectLst/>
+                <a:latin typeface="Consolas" panose="020B0609020204030204" pitchFamily="49" charset="0"/>
+              </a:rPr>
+              <a:t>                </a:t>
+            </a:r>
+            <a:r>
+              <a:rPr lang="en-US" sz="1200" b="0" dirty="0">
+                <a:solidFill>
+                  <a:srgbClr val="569CD6"/>
+                </a:solidFill>
+                <a:effectLst/>
+                <a:latin typeface="Consolas" panose="020B0609020204030204" pitchFamily="49" charset="0"/>
+              </a:rPr>
+              <a:t>throw</a:t>
+            </a:r>
+            <a:r>
+              <a:rPr lang="en-US" sz="1200" b="0" dirty="0">
+                <a:solidFill>
+                  <a:srgbClr val="D4D4D4"/>
+                </a:solidFill>
+                <a:effectLst/>
+                <a:latin typeface="Consolas" panose="020B0609020204030204" pitchFamily="49" charset="0"/>
+              </a:rPr>
+              <a:t> </a:t>
+            </a:r>
+            <a:r>
+              <a:rPr lang="en-US" sz="1200" b="0" dirty="0" err="1">
+                <a:solidFill>
+                  <a:srgbClr val="D4D4D4"/>
+                </a:solidFill>
+                <a:effectLst/>
+                <a:latin typeface="Consolas" panose="020B0609020204030204" pitchFamily="49" charset="0"/>
+              </a:rPr>
+              <a:t>underflow_error</a:t>
+            </a:r>
+            <a:r>
+              <a:rPr lang="en-US" sz="1200" b="0" dirty="0">
+                <a:solidFill>
+                  <a:srgbClr val="D4D4D4"/>
+                </a:solidFill>
+                <a:effectLst/>
+                <a:latin typeface="Consolas" panose="020B0609020204030204" pitchFamily="49" charset="0"/>
+              </a:rPr>
+              <a:t>(</a:t>
+            </a:r>
+            <a:r>
+              <a:rPr lang="en-US" sz="1200" b="0" dirty="0">
+                <a:solidFill>
+                  <a:srgbClr val="CE9178"/>
+                </a:solidFill>
+                <a:effectLst/>
+                <a:latin typeface="Consolas" panose="020B0609020204030204" pitchFamily="49" charset="0"/>
+              </a:rPr>
+              <a:t>"Stack is empty"</a:t>
+            </a:r>
+            <a:r>
+              <a:rPr lang="en-US" sz="1200" b="0" dirty="0">
+                <a:solidFill>
+                  <a:srgbClr val="D4D4D4"/>
+                </a:solidFill>
+                <a:effectLst/>
+                <a:latin typeface="Consolas" panose="020B0609020204030204" pitchFamily="49" charset="0"/>
+              </a:rPr>
+              <a:t>);</a:t>
+            </a:r>
+          </a:p>
+          <a:p>
+            <a:pPr>
+              <a:lnSpc>
+                <a:spcPts val="2025"/>
+              </a:lnSpc>
+              <a:buNone/>
+            </a:pPr>
+            <a:r>
+              <a:rPr lang="en-US" sz="1200" b="0" dirty="0">
+                <a:solidFill>
+                  <a:srgbClr val="D4D4D4"/>
+                </a:solidFill>
+                <a:effectLst/>
+                <a:latin typeface="Consolas" panose="020B0609020204030204" pitchFamily="49" charset="0"/>
+              </a:rPr>
+              <a:t>            }</a:t>
+            </a:r>
+          </a:p>
+          <a:p>
+            <a:pPr>
+              <a:lnSpc>
+                <a:spcPts val="2025"/>
+              </a:lnSpc>
+              <a:buNone/>
+            </a:pPr>
+            <a:r>
+              <a:rPr lang="en-US" sz="1200" b="0" dirty="0">
+                <a:solidFill>
+                  <a:srgbClr val="D4D4D4"/>
+                </a:solidFill>
+                <a:effectLst/>
+                <a:latin typeface="Consolas" panose="020B0609020204030204" pitchFamily="49" charset="0"/>
+              </a:rPr>
+              <a:t>            </a:t>
+            </a:r>
+            <a:r>
+              <a:rPr lang="en-US" sz="1200" b="0" dirty="0">
+                <a:solidFill>
+                  <a:srgbClr val="569CD6"/>
+                </a:solidFill>
+                <a:effectLst/>
+                <a:latin typeface="Consolas" panose="020B0609020204030204" pitchFamily="49" charset="0"/>
+              </a:rPr>
+              <a:t>return</a:t>
+            </a:r>
+            <a:r>
+              <a:rPr lang="en-US" sz="1200" b="0" dirty="0">
+                <a:solidFill>
+                  <a:srgbClr val="D4D4D4"/>
+                </a:solidFill>
+                <a:effectLst/>
+                <a:latin typeface="Consolas" panose="020B0609020204030204" pitchFamily="49" charset="0"/>
+              </a:rPr>
+              <a:t> </a:t>
+            </a:r>
+            <a:r>
+              <a:rPr lang="en-US" sz="1200" b="0" dirty="0" err="1">
+                <a:solidFill>
+                  <a:srgbClr val="D4D4D4"/>
+                </a:solidFill>
+                <a:effectLst/>
+                <a:latin typeface="Consolas" panose="020B0609020204030204" pitchFamily="49" charset="0"/>
+              </a:rPr>
+              <a:t>minStack.top</a:t>
+            </a:r>
+            <a:r>
+              <a:rPr lang="en-US" sz="1200" b="0" dirty="0">
+                <a:solidFill>
+                  <a:srgbClr val="D4D4D4"/>
+                </a:solidFill>
+                <a:effectLst/>
+                <a:latin typeface="Consolas" panose="020B0609020204030204" pitchFamily="49" charset="0"/>
+              </a:rPr>
+              <a:t>();</a:t>
+            </a:r>
+          </a:p>
+          <a:p>
+            <a:pPr>
+              <a:lnSpc>
+                <a:spcPts val="2025"/>
+              </a:lnSpc>
+              <a:buNone/>
+            </a:pPr>
+            <a:r>
+              <a:rPr lang="en-US" sz="1200" b="0" dirty="0">
+                <a:solidFill>
+                  <a:srgbClr val="D4D4D4"/>
+                </a:solidFill>
+                <a:effectLst/>
+                <a:latin typeface="Consolas" panose="020B0609020204030204" pitchFamily="49" charset="0"/>
+              </a:rPr>
+              <a:t>        }</a:t>
+            </a:r>
+          </a:p>
+          <a:p>
+            <a:pPr>
+              <a:lnSpc>
+                <a:spcPts val="2025"/>
+              </a:lnSpc>
+              <a:buNone/>
+            </a:pPr>
+            <a:r>
+              <a:rPr lang="en-US" sz="1200" b="0" dirty="0">
+                <a:solidFill>
+                  <a:srgbClr val="D4D4D4"/>
+                </a:solidFill>
+                <a:effectLst/>
+                <a:latin typeface="Consolas" panose="020B0609020204030204" pitchFamily="49" charset="0"/>
+              </a:rPr>
+              <a:t>};</a:t>
+            </a:r>
+          </a:p>
+        </p:txBody>
+      </p:sp>
+    </p:spTree>
+    <p:extLst>
+      <p:ext uri="{BB962C8B-B14F-4D97-AF65-F5344CB8AC3E}">
+        <p14:creationId xmlns:p14="http://schemas.microsoft.com/office/powerpoint/2010/main" val="3655248238"/>
+      </p:ext>
+    </p:extLst>
+  </p:cSld>
+  <p:clrMapOvr>
+    <a:masterClrMapping/>
+  </p:clrMapOvr>
+</p:sld>
+</file>
+
+<file path=ppt/slides/slide29.xml><?xml version="1.0" encoding="utf-8"?>
 <p:sld xmlns:a="http://schemas.openxmlformats.org/drawingml/2006/main" xmlns:r="http://schemas.openxmlformats.org/officeDocument/2006/relationships" xmlns:p="http://schemas.openxmlformats.org/presentationml/2006/main" show="0">
   <p:cSld>
     <p:bg>
@@ -16513,7 +19429,263 @@
 </p:sld>
 </file>
 
-<file path=ppt/slides/slide26.xml><?xml version="1.0" encoding="utf-8"?>
+<file path=ppt/slides/slide3.xml><?xml version="1.0" encoding="utf-8"?>
+<p:sld xmlns:a="http://schemas.openxmlformats.org/drawingml/2006/main" xmlns:r="http://schemas.openxmlformats.org/officeDocument/2006/relationships" xmlns:p="http://schemas.openxmlformats.org/presentationml/2006/main">
+  <p:cSld>
+    <p:bg>
+      <p:bgPr>
+        <a:solidFill>
+          <a:schemeClr val="tx1"/>
+        </a:solidFill>
+        <a:effectLst/>
+      </p:bgPr>
+    </p:bg>
+    <p:spTree>
+      <p:nvGrpSpPr>
+        <p:cNvPr id="1" name=""/>
+        <p:cNvGrpSpPr/>
+        <p:nvPr/>
+      </p:nvGrpSpPr>
+      <p:grpSpPr>
+        <a:xfrm>
+          <a:off x="0" y="0"/>
+          <a:ext cx="0" cy="0"/>
+          <a:chOff x="0" y="0"/>
+          <a:chExt cx="0" cy="0"/>
+        </a:xfrm>
+      </p:grpSpPr>
+      <p:sp>
+        <p:nvSpPr>
+          <p:cNvPr id="2" name="Title 1">
+            <a:extLst>
+              <a:ext uri="{FF2B5EF4-FFF2-40B4-BE49-F238E27FC236}">
+                <a16:creationId xmlns:a16="http://schemas.microsoft.com/office/drawing/2014/main" id="{FA98DF2D-4C21-45B7-8CEE-41E2C22A3166}"/>
+              </a:ext>
+            </a:extLst>
+          </p:cNvPr>
+          <p:cNvSpPr>
+            <a:spLocks noGrp="1"/>
+          </p:cNvSpPr>
+          <p:nvPr>
+            <p:ph type="title"/>
+          </p:nvPr>
+        </p:nvSpPr>
+        <p:spPr/>
+        <p:txBody>
+          <a:bodyPr>
+            <a:normAutofit fontScale="90000"/>
+          </a:bodyPr>
+          <a:lstStyle/>
+          <a:p>
+            <a:br>
+              <a:rPr lang="en-US" dirty="0">
+                <a:solidFill>
+                  <a:schemeClr val="bg1"/>
+                </a:solidFill>
+                <a:latin typeface="Gotham Bold" pitchFamily="50" charset="0"/>
+              </a:rPr>
+            </a:br>
+            <a:br>
+              <a:rPr lang="en-US" dirty="0">
+                <a:solidFill>
+                  <a:schemeClr val="bg1"/>
+                </a:solidFill>
+                <a:latin typeface="Gotham Bold" pitchFamily="50" charset="0"/>
+              </a:rPr>
+            </a:br>
+            <a:br>
+              <a:rPr lang="en-US" dirty="0">
+                <a:solidFill>
+                  <a:schemeClr val="bg1"/>
+                </a:solidFill>
+                <a:latin typeface="Gotham Bold" pitchFamily="50" charset="0"/>
+              </a:rPr>
+            </a:br>
+            <a:r>
+              <a:rPr lang="en-US" dirty="0">
+                <a:solidFill>
+                  <a:schemeClr val="bg1"/>
+                </a:solidFill>
+                <a:latin typeface="Gotham Bold" pitchFamily="50" charset="0"/>
+              </a:rPr>
+              <a:t>Agenda</a:t>
+            </a:r>
+            <a:br>
+              <a:rPr lang="en-US" dirty="0">
+                <a:solidFill>
+                  <a:schemeClr val="bg1"/>
+                </a:solidFill>
+                <a:latin typeface="Gotham Bold" pitchFamily="50" charset="0"/>
+              </a:rPr>
+            </a:br>
+            <a:br>
+              <a:rPr lang="en-US" dirty="0">
+                <a:solidFill>
+                  <a:schemeClr val="bg1"/>
+                </a:solidFill>
+                <a:latin typeface="Gotham Bold" pitchFamily="50" charset="0"/>
+              </a:rPr>
+            </a:br>
+            <a:br>
+              <a:rPr lang="en-US" dirty="0">
+                <a:solidFill>
+                  <a:schemeClr val="bg1"/>
+                </a:solidFill>
+                <a:latin typeface="Gotham Bold" pitchFamily="50" charset="0"/>
+              </a:rPr>
+            </a:br>
+            <a:endParaRPr lang="en-US" dirty="0">
+              <a:solidFill>
+                <a:schemeClr val="bg1"/>
+              </a:solidFill>
+              <a:latin typeface="Gotham Bold" pitchFamily="50" charset="0"/>
+            </a:endParaRPr>
+          </a:p>
+        </p:txBody>
+      </p:sp>
+      <p:sp>
+        <p:nvSpPr>
+          <p:cNvPr id="4" name="Title 1">
+            <a:extLst>
+              <a:ext uri="{FF2B5EF4-FFF2-40B4-BE49-F238E27FC236}">
+                <a16:creationId xmlns:a16="http://schemas.microsoft.com/office/drawing/2014/main" id="{4A681ECE-2602-4BFB-B297-488969F24B6C}"/>
+              </a:ext>
+            </a:extLst>
+          </p:cNvPr>
+          <p:cNvSpPr txBox="1">
+            <a:spLocks/>
+          </p:cNvSpPr>
+          <p:nvPr/>
+        </p:nvSpPr>
+        <p:spPr>
+          <a:xfrm>
+            <a:off x="1279490" y="1553282"/>
+            <a:ext cx="9904324" cy="4755667"/>
+          </a:xfrm>
+          <a:prstGeom prst="rect">
+            <a:avLst/>
+          </a:prstGeom>
+        </p:spPr>
+        <p:txBody>
+          <a:bodyPr vert="horz" lIns="91440" tIns="45720" rIns="91440" bIns="45720" rtlCol="0" anchor="t">
+            <a:noAutofit/>
+          </a:bodyPr>
+          <a:lstStyle>
+            <a:lvl1pPr algn="l" defTabSz="914400" rtl="0" eaLnBrk="1" latinLnBrk="0" hangingPunct="1">
+              <a:lnSpc>
+                <a:spcPct val="90000"/>
+              </a:lnSpc>
+              <a:spcBef>
+                <a:spcPct val="0"/>
+              </a:spcBef>
+              <a:buNone/>
+              <a:defRPr sz="4400" kern="1200">
+                <a:solidFill>
+                  <a:schemeClr val="tx1"/>
+                </a:solidFill>
+                <a:latin typeface="+mj-lt"/>
+                <a:ea typeface="+mj-ea"/>
+                <a:cs typeface="+mj-cs"/>
+              </a:defRPr>
+            </a:lvl1pPr>
+          </a:lstStyle>
+          <a:p>
+            <a:pPr marL="342900" indent="-342900">
+              <a:lnSpc>
+                <a:spcPct val="150000"/>
+              </a:lnSpc>
+              <a:buFont typeface="Wingdings" panose="05000000000000000000" pitchFamily="2" charset="2"/>
+              <a:buChar char="§"/>
+            </a:pPr>
+            <a:r>
+              <a:rPr lang="en-US" sz="3200" dirty="0">
+                <a:solidFill>
+                  <a:srgbClr val="0081E2"/>
+                </a:solidFill>
+                <a:latin typeface="Gotham Bold" pitchFamily="50" charset="0"/>
+              </a:rPr>
+              <a:t>Record this Lecture</a:t>
+            </a:r>
+          </a:p>
+          <a:p>
+            <a:pPr marL="342900" indent="-342900">
+              <a:lnSpc>
+                <a:spcPct val="150000"/>
+              </a:lnSpc>
+              <a:buFont typeface="Wingdings" panose="05000000000000000000" pitchFamily="2" charset="2"/>
+              <a:buChar char="§"/>
+            </a:pPr>
+            <a:r>
+              <a:rPr lang="en-US" sz="3200" dirty="0">
+                <a:solidFill>
+                  <a:srgbClr val="0081E2"/>
+                </a:solidFill>
+                <a:latin typeface="Gotham Bold" pitchFamily="50" charset="0"/>
+              </a:rPr>
+              <a:t>Announcements </a:t>
+            </a:r>
+          </a:p>
+          <a:p>
+            <a:pPr marL="342900" indent="-342900">
+              <a:lnSpc>
+                <a:spcPct val="150000"/>
+              </a:lnSpc>
+              <a:buFont typeface="Wingdings" panose="05000000000000000000" pitchFamily="2" charset="2"/>
+              <a:buChar char="§"/>
+            </a:pPr>
+            <a:r>
+              <a:rPr lang="en-US" sz="3200" dirty="0">
+                <a:solidFill>
+                  <a:srgbClr val="EB6E19"/>
+                </a:solidFill>
+                <a:latin typeface="Gotham Bold" pitchFamily="50" charset="0"/>
+              </a:rPr>
+              <a:t>Exam 1 Logistics</a:t>
+            </a:r>
+          </a:p>
+          <a:p>
+            <a:pPr marL="342900" indent="-342900">
+              <a:lnSpc>
+                <a:spcPct val="150000"/>
+              </a:lnSpc>
+              <a:buFont typeface="Wingdings" panose="05000000000000000000" pitchFamily="2" charset="2"/>
+              <a:buChar char="§"/>
+            </a:pPr>
+            <a:r>
+              <a:rPr lang="en-US" sz="3200" dirty="0">
+                <a:solidFill>
+                  <a:srgbClr val="EB6E19"/>
+                </a:solidFill>
+                <a:latin typeface="Gotham Bold" pitchFamily="50" charset="0"/>
+              </a:rPr>
+              <a:t>Exam Review A: </a:t>
+            </a:r>
+            <a:r>
+              <a:rPr lang="en-US" sz="3200" dirty="0">
+                <a:solidFill>
+                  <a:srgbClr val="0081E2"/>
+                </a:solidFill>
+                <a:latin typeface="Gotham Bold" pitchFamily="50" charset="0"/>
+              </a:rPr>
+              <a:t>Module 2 and 3</a:t>
+            </a:r>
+          </a:p>
+        </p:txBody>
+      </p:sp>
+    </p:spTree>
+    <p:extLst>
+      <p:ext uri="{BB962C8B-B14F-4D97-AF65-F5344CB8AC3E}">
+        <p14:creationId xmlns:p14="http://schemas.microsoft.com/office/powerpoint/2010/main" val="2120893203"/>
+      </p:ext>
+    </p:extLst>
+  </p:cSld>
+  <p:clrMapOvr>
+    <a:masterClrMapping/>
+  </p:clrMapOvr>
+</p:sld>
+</file>
+
+<file path=ppt/slides/slide30.xml><?xml version="1.0" encoding="utf-8"?>
 <p:sld xmlns:a="http://schemas.openxmlformats.org/drawingml/2006/main" xmlns:r="http://schemas.openxmlformats.org/officeDocument/2006/relationships" xmlns:p="http://schemas.openxmlformats.org/presentationml/2006/main" show="0">
   <p:cSld>
     <p:bg>
@@ -16712,7 +19884,7 @@
 </p:sld>
 </file>
 
-<file path=ppt/slides/slide27.xml><?xml version="1.0" encoding="utf-8"?>
+<file path=ppt/slides/slide31.xml><?xml version="1.0" encoding="utf-8"?>
 <p:sld xmlns:a="http://schemas.openxmlformats.org/drawingml/2006/main" xmlns:r="http://schemas.openxmlformats.org/officeDocument/2006/relationships" xmlns:p="http://schemas.openxmlformats.org/presentationml/2006/main" show="0">
   <p:cSld>
     <p:bg>
@@ -17901,7 +21073,7 @@
 </p:sld>
 </file>
 
-<file path=ppt/slides/slide28.xml><?xml version="1.0" encoding="utf-8"?>
+<file path=ppt/slides/slide32.xml><?xml version="1.0" encoding="utf-8"?>
 <p:sld xmlns:a="http://schemas.openxmlformats.org/drawingml/2006/main" xmlns:r="http://schemas.openxmlformats.org/officeDocument/2006/relationships" xmlns:p="http://schemas.openxmlformats.org/presentationml/2006/main" show="0">
   <p:cSld>
     <p:bg>
@@ -19096,572 +22268,7 @@
 </p:sld>
 </file>
 
-<file path=ppt/slides/slide29.xml><?xml version="1.0" encoding="utf-8"?>
-<p:sld xmlns:a="http://schemas.openxmlformats.org/drawingml/2006/main" xmlns:r="http://schemas.openxmlformats.org/officeDocument/2006/relationships" xmlns:p="http://schemas.openxmlformats.org/presentationml/2006/main">
-  <p:cSld>
-    <p:bg>
-      <p:bgPr>
-        <a:solidFill>
-          <a:schemeClr val="tx1"/>
-        </a:solidFill>
-        <a:effectLst/>
-      </p:bgPr>
-    </p:bg>
-    <p:spTree>
-      <p:nvGrpSpPr>
-        <p:cNvPr id="1" name=""/>
-        <p:cNvGrpSpPr/>
-        <p:nvPr/>
-      </p:nvGrpSpPr>
-      <p:grpSpPr>
-        <a:xfrm>
-          <a:off x="0" y="0"/>
-          <a:ext cx="0" cy="0"/>
-          <a:chOff x="0" y="0"/>
-          <a:chExt cx="0" cy="0"/>
-        </a:xfrm>
-      </p:grpSpPr>
-      <p:sp>
-        <p:nvSpPr>
-          <p:cNvPr id="2" name="Title 1">
-            <a:extLst>
-              <a:ext uri="{FF2B5EF4-FFF2-40B4-BE49-F238E27FC236}">
-                <a16:creationId xmlns:a16="http://schemas.microsoft.com/office/drawing/2014/main" id="{FA98DF2D-4C21-45B7-8CEE-41E2C22A3166}"/>
-              </a:ext>
-            </a:extLst>
-          </p:cNvPr>
-          <p:cNvSpPr>
-            <a:spLocks noGrp="1"/>
-          </p:cNvSpPr>
-          <p:nvPr>
-            <p:ph type="title"/>
-          </p:nvPr>
-        </p:nvSpPr>
-        <p:spPr/>
-        <p:txBody>
-          <a:bodyPr>
-            <a:normAutofit/>
-          </a:bodyPr>
-          <a:lstStyle/>
-          <a:p>
-            <a:r>
-              <a:rPr lang="en-US" sz="3600" dirty="0">
-                <a:solidFill>
-                  <a:schemeClr val="bg1"/>
-                </a:solidFill>
-                <a:latin typeface="Gotham Bold" pitchFamily="50" charset="0"/>
-              </a:rPr>
-              <a:t>Mini Review – Coding questions</a:t>
-            </a:r>
-          </a:p>
-        </p:txBody>
-      </p:sp>
-      <p:sp>
-        <p:nvSpPr>
-          <p:cNvPr id="5" name="Content Placeholder 1">
-            <a:extLst>
-              <a:ext uri="{FF2B5EF4-FFF2-40B4-BE49-F238E27FC236}">
-                <a16:creationId xmlns:a16="http://schemas.microsoft.com/office/drawing/2014/main" id="{9069B1C4-5084-4E0D-9FA0-9C8B794FA1FE}"/>
-              </a:ext>
-            </a:extLst>
-          </p:cNvPr>
-          <p:cNvSpPr txBox="1">
-            <a:spLocks/>
-          </p:cNvSpPr>
-          <p:nvPr/>
-        </p:nvSpPr>
-        <p:spPr>
-          <a:xfrm>
-            <a:off x="940881" y="1690688"/>
-            <a:ext cx="10978592" cy="5057971"/>
-          </a:xfrm>
-          <a:prstGeom prst="rect">
-            <a:avLst/>
-          </a:prstGeom>
-        </p:spPr>
-        <p:txBody>
-          <a:bodyPr vert="horz" lIns="91440" tIns="45720" rIns="91440" bIns="45720" rtlCol="0" anchor="t"/>
-          <a:lstStyle>
-            <a:defPPr>
-              <a:defRPr lang="en-US"/>
-            </a:defPPr>
-            <a:lvl1pPr marL="0" algn="l" defTabSz="914400" rtl="0" eaLnBrk="1" latinLnBrk="0" hangingPunct="1">
-              <a:defRPr sz="1200" kern="1200">
-                <a:solidFill>
-                  <a:schemeClr val="tx1">
-                    <a:tint val="75000"/>
-                  </a:schemeClr>
-                </a:solidFill>
-                <a:latin typeface="+mn-lt"/>
-                <a:ea typeface="+mn-ea"/>
-                <a:cs typeface="+mn-cs"/>
-              </a:defRPr>
-            </a:lvl1pPr>
-            <a:lvl2pPr marL="457200" algn="l" defTabSz="914400" rtl="0" eaLnBrk="1" latinLnBrk="0" hangingPunct="1">
-              <a:defRPr sz="1800" kern="1200">
-                <a:solidFill>
-                  <a:schemeClr val="tx1"/>
-                </a:solidFill>
-                <a:latin typeface="+mn-lt"/>
-                <a:ea typeface="+mn-ea"/>
-                <a:cs typeface="+mn-cs"/>
-              </a:defRPr>
-            </a:lvl2pPr>
-            <a:lvl3pPr marL="914400" algn="l" defTabSz="914400" rtl="0" eaLnBrk="1" latinLnBrk="0" hangingPunct="1">
-              <a:defRPr sz="1800" kern="1200">
-                <a:solidFill>
-                  <a:schemeClr val="tx1"/>
-                </a:solidFill>
-                <a:latin typeface="+mn-lt"/>
-                <a:ea typeface="+mn-ea"/>
-                <a:cs typeface="+mn-cs"/>
-              </a:defRPr>
-            </a:lvl3pPr>
-            <a:lvl4pPr marL="1371600" algn="l" defTabSz="914400" rtl="0" eaLnBrk="1" latinLnBrk="0" hangingPunct="1">
-              <a:defRPr sz="1800" kern="1200">
-                <a:solidFill>
-                  <a:schemeClr val="tx1"/>
-                </a:solidFill>
-                <a:latin typeface="+mn-lt"/>
-                <a:ea typeface="+mn-ea"/>
-                <a:cs typeface="+mn-cs"/>
-              </a:defRPr>
-            </a:lvl4pPr>
-            <a:lvl5pPr marL="1828800" algn="l" defTabSz="914400" rtl="0" eaLnBrk="1" latinLnBrk="0" hangingPunct="1">
-              <a:defRPr sz="1800" kern="1200">
-                <a:solidFill>
-                  <a:schemeClr val="tx1"/>
-                </a:solidFill>
-                <a:latin typeface="+mn-lt"/>
-                <a:ea typeface="+mn-ea"/>
-                <a:cs typeface="+mn-cs"/>
-              </a:defRPr>
-            </a:lvl5pPr>
-            <a:lvl6pPr marL="2286000" algn="l" defTabSz="914400" rtl="0" eaLnBrk="1" latinLnBrk="0" hangingPunct="1">
-              <a:defRPr sz="1800" kern="1200">
-                <a:solidFill>
-                  <a:schemeClr val="tx1"/>
-                </a:solidFill>
-                <a:latin typeface="+mn-lt"/>
-                <a:ea typeface="+mn-ea"/>
-                <a:cs typeface="+mn-cs"/>
-              </a:defRPr>
-            </a:lvl6pPr>
-            <a:lvl7pPr marL="2743200" algn="l" defTabSz="914400" rtl="0" eaLnBrk="1" latinLnBrk="0" hangingPunct="1">
-              <a:defRPr sz="1800" kern="1200">
-                <a:solidFill>
-                  <a:schemeClr val="tx1"/>
-                </a:solidFill>
-                <a:latin typeface="+mn-lt"/>
-                <a:ea typeface="+mn-ea"/>
-                <a:cs typeface="+mn-cs"/>
-              </a:defRPr>
-            </a:lvl7pPr>
-            <a:lvl8pPr marL="3200400" algn="l" defTabSz="914400" rtl="0" eaLnBrk="1" latinLnBrk="0" hangingPunct="1">
-              <a:defRPr sz="1800" kern="1200">
-                <a:solidFill>
-                  <a:schemeClr val="tx1"/>
-                </a:solidFill>
-                <a:latin typeface="+mn-lt"/>
-                <a:ea typeface="+mn-ea"/>
-                <a:cs typeface="+mn-cs"/>
-              </a:defRPr>
-            </a:lvl8pPr>
-            <a:lvl9pPr marL="3657600" algn="l" defTabSz="914400" rtl="0" eaLnBrk="1" latinLnBrk="0" hangingPunct="1">
-              <a:defRPr sz="1800" kern="1200">
-                <a:solidFill>
-                  <a:schemeClr val="tx1"/>
-                </a:solidFill>
-                <a:latin typeface="+mn-lt"/>
-                <a:ea typeface="+mn-ea"/>
-                <a:cs typeface="+mn-cs"/>
-              </a:defRPr>
-            </a:lvl9pPr>
-          </a:lstStyle>
-          <a:p>
-            <a:pPr marL="285750" indent="-285750">
-              <a:buFont typeface="Arial" panose="020B0604020202020204" pitchFamily="34" charset="0"/>
-              <a:buChar char="•"/>
-            </a:pPr>
-            <a:r>
-              <a:rPr lang="en-US" sz="1600" dirty="0">
-                <a:solidFill>
-                  <a:srgbClr val="0081E2"/>
-                </a:solidFill>
-                <a:latin typeface="Consolas" panose="020B0609020204030204" pitchFamily="49" charset="0"/>
-              </a:rPr>
-              <a:t>Check whether a string is a Palindrome using a Stack.</a:t>
-            </a:r>
-          </a:p>
-          <a:p>
-            <a:pPr marL="285750" indent="-285750">
-              <a:buFont typeface="Arial" panose="020B0604020202020204" pitchFamily="34" charset="0"/>
-              <a:buChar char="•"/>
-            </a:pPr>
-            <a:endParaRPr lang="en-US" sz="1600" dirty="0">
-              <a:solidFill>
-                <a:srgbClr val="0081E2"/>
-              </a:solidFill>
-              <a:latin typeface="Consolas" panose="020B0609020204030204" pitchFamily="49" charset="0"/>
-            </a:endParaRPr>
-          </a:p>
-          <a:p>
-            <a:pPr marL="285750" indent="-285750">
-              <a:buFont typeface="Arial" panose="020B0604020202020204" pitchFamily="34" charset="0"/>
-              <a:buChar char="•"/>
-            </a:pPr>
-            <a:r>
-              <a:rPr lang="en-US" sz="1600" dirty="0">
-                <a:solidFill>
-                  <a:srgbClr val="0081E2"/>
-                </a:solidFill>
-                <a:latin typeface="Consolas" panose="020B0609020204030204" pitchFamily="49" charset="0"/>
-              </a:rPr>
-              <a:t>Write pseudocode for adding an element in the rear in a doubly linked list consisting of a head and tail.</a:t>
-            </a:r>
-          </a:p>
-          <a:p>
-            <a:pPr marL="285750" indent="-285750">
-              <a:buFont typeface="Arial" panose="020B0604020202020204" pitchFamily="34" charset="0"/>
-              <a:buChar char="•"/>
-            </a:pPr>
-            <a:endParaRPr lang="en-US" sz="1600" dirty="0">
-              <a:solidFill>
-                <a:srgbClr val="0081E2"/>
-              </a:solidFill>
-              <a:latin typeface="Consolas" panose="020B0609020204030204" pitchFamily="49" charset="0"/>
-            </a:endParaRPr>
-          </a:p>
-          <a:p>
-            <a:pPr marL="285750" indent="-285750">
-              <a:buFont typeface="Arial" panose="020B0604020202020204" pitchFamily="34" charset="0"/>
-              <a:buChar char="•"/>
-            </a:pPr>
-            <a:r>
-              <a:rPr lang="en-US" sz="1600" dirty="0">
-                <a:solidFill>
-                  <a:srgbClr val="0081E2"/>
-                </a:solidFill>
-                <a:latin typeface="Consolas" panose="020B0609020204030204" pitchFamily="49" charset="0"/>
-              </a:rPr>
-              <a:t>Write pseudocode or C++ code to pop an element from a Circular Queue implemented as an array.</a:t>
-            </a:r>
-          </a:p>
-          <a:p>
-            <a:pPr marL="285750" indent="-285750">
-              <a:buFont typeface="Arial" panose="020B0604020202020204" pitchFamily="34" charset="0"/>
-              <a:buChar char="•"/>
-            </a:pPr>
-            <a:endParaRPr lang="en-US" sz="1600" dirty="0">
-              <a:solidFill>
-                <a:srgbClr val="0081E2"/>
-              </a:solidFill>
-              <a:latin typeface="Consolas" panose="020B0609020204030204" pitchFamily="49" charset="0"/>
-            </a:endParaRPr>
-          </a:p>
-          <a:p>
-            <a:pPr marL="285750" indent="-285750">
-              <a:buFont typeface="Arial" panose="020B0604020202020204" pitchFamily="34" charset="0"/>
-              <a:buChar char="•"/>
-            </a:pPr>
-            <a:r>
-              <a:rPr lang="en-US" sz="1600" dirty="0">
-                <a:solidFill>
-                  <a:srgbClr val="0081E2"/>
-                </a:solidFill>
-                <a:latin typeface="Consolas" panose="020B0609020204030204" pitchFamily="49" charset="0"/>
-              </a:rPr>
-              <a:t>Design a Stack data structure that supports push, pop and min operations in O(1) time.</a:t>
-            </a:r>
-          </a:p>
-          <a:p>
-            <a:endParaRPr lang="en-US" sz="1600" dirty="0">
-              <a:solidFill>
-                <a:srgbClr val="0081E2"/>
-              </a:solidFill>
-              <a:latin typeface="Consolas" panose="020B0609020204030204" pitchFamily="49" charset="0"/>
-            </a:endParaRPr>
-          </a:p>
-          <a:p>
-            <a:endParaRPr lang="en-US" sz="1600" dirty="0">
-              <a:solidFill>
-                <a:srgbClr val="0081E2"/>
-              </a:solidFill>
-              <a:latin typeface="Consolas" panose="020B0609020204030204" pitchFamily="49" charset="0"/>
-            </a:endParaRPr>
-          </a:p>
-        </p:txBody>
-      </p:sp>
-    </p:spTree>
-    <p:extLst>
-      <p:ext uri="{BB962C8B-B14F-4D97-AF65-F5344CB8AC3E}">
-        <p14:creationId xmlns:p14="http://schemas.microsoft.com/office/powerpoint/2010/main" val="615151376"/>
-      </p:ext>
-    </p:extLst>
-  </p:cSld>
-  <p:clrMapOvr>
-    <a:masterClrMapping/>
-  </p:clrMapOvr>
-</p:sld>
-</file>
-
-<file path=ppt/slides/slide3.xml><?xml version="1.0" encoding="utf-8"?>
-<p:sld xmlns:a="http://schemas.openxmlformats.org/drawingml/2006/main" xmlns:r="http://schemas.openxmlformats.org/officeDocument/2006/relationships" xmlns:p="http://schemas.openxmlformats.org/presentationml/2006/main">
-  <p:cSld>
-    <p:bg>
-      <p:bgPr>
-        <a:solidFill>
-          <a:schemeClr val="tx1"/>
-        </a:solidFill>
-        <a:effectLst/>
-      </p:bgPr>
-    </p:bg>
-    <p:spTree>
-      <p:nvGrpSpPr>
-        <p:cNvPr id="1" name=""/>
-        <p:cNvGrpSpPr/>
-        <p:nvPr/>
-      </p:nvGrpSpPr>
-      <p:grpSpPr>
-        <a:xfrm>
-          <a:off x="0" y="0"/>
-          <a:ext cx="0" cy="0"/>
-          <a:chOff x="0" y="0"/>
-          <a:chExt cx="0" cy="0"/>
-        </a:xfrm>
-      </p:grpSpPr>
-      <p:sp>
-        <p:nvSpPr>
-          <p:cNvPr id="2" name="Title 1">
-            <a:extLst>
-              <a:ext uri="{FF2B5EF4-FFF2-40B4-BE49-F238E27FC236}">
-                <a16:creationId xmlns:a16="http://schemas.microsoft.com/office/drawing/2014/main" id="{FA98DF2D-4C21-45B7-8CEE-41E2C22A3166}"/>
-              </a:ext>
-            </a:extLst>
-          </p:cNvPr>
-          <p:cNvSpPr>
-            <a:spLocks noGrp="1"/>
-          </p:cNvSpPr>
-          <p:nvPr>
-            <p:ph type="title"/>
-          </p:nvPr>
-        </p:nvSpPr>
-        <p:spPr/>
-        <p:txBody>
-          <a:bodyPr>
-            <a:normAutofit fontScale="90000"/>
-          </a:bodyPr>
-          <a:lstStyle/>
-          <a:p>
-            <a:br>
-              <a:rPr lang="en-US" dirty="0">
-                <a:solidFill>
-                  <a:schemeClr val="bg1"/>
-                </a:solidFill>
-                <a:latin typeface="Gotham Bold" pitchFamily="50" charset="0"/>
-              </a:rPr>
-            </a:br>
-            <a:br>
-              <a:rPr lang="en-US" dirty="0">
-                <a:solidFill>
-                  <a:schemeClr val="bg1"/>
-                </a:solidFill>
-                <a:latin typeface="Gotham Bold" pitchFamily="50" charset="0"/>
-              </a:rPr>
-            </a:br>
-            <a:br>
-              <a:rPr lang="en-US" dirty="0">
-                <a:solidFill>
-                  <a:schemeClr val="bg1"/>
-                </a:solidFill>
-                <a:latin typeface="Gotham Bold" pitchFamily="50" charset="0"/>
-              </a:rPr>
-            </a:br>
-            <a:r>
-              <a:rPr lang="en-US" dirty="0">
-                <a:solidFill>
-                  <a:schemeClr val="bg1"/>
-                </a:solidFill>
-                <a:latin typeface="Gotham Bold" pitchFamily="50" charset="0"/>
-              </a:rPr>
-              <a:t>Agenda</a:t>
-            </a:r>
-            <a:br>
-              <a:rPr lang="en-US" dirty="0">
-                <a:solidFill>
-                  <a:schemeClr val="bg1"/>
-                </a:solidFill>
-                <a:latin typeface="Gotham Bold" pitchFamily="50" charset="0"/>
-              </a:rPr>
-            </a:br>
-            <a:br>
-              <a:rPr lang="en-US" dirty="0">
-                <a:solidFill>
-                  <a:schemeClr val="bg1"/>
-                </a:solidFill>
-                <a:latin typeface="Gotham Bold" pitchFamily="50" charset="0"/>
-              </a:rPr>
-            </a:br>
-            <a:br>
-              <a:rPr lang="en-US" dirty="0">
-                <a:solidFill>
-                  <a:schemeClr val="bg1"/>
-                </a:solidFill>
-                <a:latin typeface="Gotham Bold" pitchFamily="50" charset="0"/>
-              </a:rPr>
-            </a:br>
-            <a:endParaRPr lang="en-US" dirty="0">
-              <a:solidFill>
-                <a:schemeClr val="bg1"/>
-              </a:solidFill>
-              <a:latin typeface="Gotham Bold" pitchFamily="50" charset="0"/>
-            </a:endParaRPr>
-          </a:p>
-        </p:txBody>
-      </p:sp>
-      <p:sp>
-        <p:nvSpPr>
-          <p:cNvPr id="4" name="Title 1">
-            <a:extLst>
-              <a:ext uri="{FF2B5EF4-FFF2-40B4-BE49-F238E27FC236}">
-                <a16:creationId xmlns:a16="http://schemas.microsoft.com/office/drawing/2014/main" id="{4A681ECE-2602-4BFB-B297-488969F24B6C}"/>
-              </a:ext>
-            </a:extLst>
-          </p:cNvPr>
-          <p:cNvSpPr txBox="1">
-            <a:spLocks/>
-          </p:cNvSpPr>
-          <p:nvPr/>
-        </p:nvSpPr>
-        <p:spPr>
-          <a:xfrm>
-            <a:off x="1279490" y="1553282"/>
-            <a:ext cx="9904324" cy="4755667"/>
-          </a:xfrm>
-          <a:prstGeom prst="rect">
-            <a:avLst/>
-          </a:prstGeom>
-        </p:spPr>
-        <p:txBody>
-          <a:bodyPr vert="horz" lIns="91440" tIns="45720" rIns="91440" bIns="45720" rtlCol="0" anchor="t">
-            <a:noAutofit/>
-          </a:bodyPr>
-          <a:lstStyle>
-            <a:lvl1pPr algn="l" defTabSz="914400" rtl="0" eaLnBrk="1" latinLnBrk="0" hangingPunct="1">
-              <a:lnSpc>
-                <a:spcPct val="90000"/>
-              </a:lnSpc>
-              <a:spcBef>
-                <a:spcPct val="0"/>
-              </a:spcBef>
-              <a:buNone/>
-              <a:defRPr sz="4400" kern="1200">
-                <a:solidFill>
-                  <a:schemeClr val="tx1"/>
-                </a:solidFill>
-                <a:latin typeface="+mj-lt"/>
-                <a:ea typeface="+mj-ea"/>
-                <a:cs typeface="+mj-cs"/>
-              </a:defRPr>
-            </a:lvl1pPr>
-          </a:lstStyle>
-          <a:p>
-            <a:pPr marL="342900" indent="-342900">
-              <a:lnSpc>
-                <a:spcPct val="150000"/>
-              </a:lnSpc>
-              <a:buFont typeface="Wingdings" panose="05000000000000000000" pitchFamily="2" charset="2"/>
-              <a:buChar char="§"/>
-            </a:pPr>
-            <a:r>
-              <a:rPr lang="en-US" sz="3200" dirty="0">
-                <a:solidFill>
-                  <a:srgbClr val="0081E2"/>
-                </a:solidFill>
-                <a:latin typeface="Gotham Bold" pitchFamily="50" charset="0"/>
-              </a:rPr>
-              <a:t>Record this Lecture</a:t>
-            </a:r>
-          </a:p>
-          <a:p>
-            <a:pPr marL="342900" indent="-342900">
-              <a:lnSpc>
-                <a:spcPct val="150000"/>
-              </a:lnSpc>
-              <a:buFont typeface="Wingdings" panose="05000000000000000000" pitchFamily="2" charset="2"/>
-              <a:buChar char="§"/>
-            </a:pPr>
-            <a:r>
-              <a:rPr lang="en-US" sz="3200" dirty="0">
-                <a:solidFill>
-                  <a:srgbClr val="0081E2"/>
-                </a:solidFill>
-                <a:latin typeface="Gotham Bold" pitchFamily="50" charset="0"/>
-              </a:rPr>
-              <a:t>Announcements </a:t>
-            </a:r>
-          </a:p>
-          <a:p>
-            <a:pPr marL="342900" indent="-342900">
-              <a:lnSpc>
-                <a:spcPct val="150000"/>
-              </a:lnSpc>
-              <a:buFont typeface="Wingdings" panose="05000000000000000000" pitchFamily="2" charset="2"/>
-              <a:buChar char="§"/>
-            </a:pPr>
-            <a:r>
-              <a:rPr lang="en-US" sz="3200" dirty="0">
-                <a:solidFill>
-                  <a:srgbClr val="EB6E19"/>
-                </a:solidFill>
-                <a:latin typeface="Gotham Bold" pitchFamily="50" charset="0"/>
-              </a:rPr>
-              <a:t>Exam 1 Logistics</a:t>
-            </a:r>
-          </a:p>
-          <a:p>
-            <a:pPr marL="342900" indent="-342900">
-              <a:lnSpc>
-                <a:spcPct val="150000"/>
-              </a:lnSpc>
-              <a:buFont typeface="Wingdings" panose="05000000000000000000" pitchFamily="2" charset="2"/>
-              <a:buChar char="§"/>
-            </a:pPr>
-            <a:r>
-              <a:rPr lang="en-US" sz="3200" dirty="0">
-                <a:solidFill>
-                  <a:srgbClr val="EB6E19"/>
-                </a:solidFill>
-                <a:latin typeface="Gotham Bold" pitchFamily="50" charset="0"/>
-              </a:rPr>
-              <a:t>Exam Review A: </a:t>
-            </a:r>
-            <a:r>
-              <a:rPr lang="en-US" sz="3200" dirty="0">
-                <a:solidFill>
-                  <a:srgbClr val="0081E2"/>
-                </a:solidFill>
-                <a:latin typeface="Gotham Bold" pitchFamily="50" charset="0"/>
-              </a:rPr>
-              <a:t>Module 2 and 3</a:t>
-            </a:r>
-          </a:p>
-        </p:txBody>
-      </p:sp>
-    </p:spTree>
-    <p:extLst>
-      <p:ext uri="{BB962C8B-B14F-4D97-AF65-F5344CB8AC3E}">
-        <p14:creationId xmlns:p14="http://schemas.microsoft.com/office/powerpoint/2010/main" val="2120893203"/>
-      </p:ext>
-    </p:extLst>
-  </p:cSld>
-  <p:clrMapOvr>
-    <a:masterClrMapping/>
-  </p:clrMapOvr>
-</p:sld>
-</file>
-
-<file path=ppt/slides/slide30.xml><?xml version="1.0" encoding="utf-8"?>
+<file path=ppt/slides/slide33.xml><?xml version="1.0" encoding="utf-8"?>
 <p:sld xmlns:a="http://schemas.openxmlformats.org/drawingml/2006/main" xmlns:r="http://schemas.openxmlformats.org/officeDocument/2006/relationships" xmlns:p="http://schemas.openxmlformats.org/presentationml/2006/main">
   <p:cSld>
     <p:bg>
@@ -19923,7 +22530,7 @@
                 <a:ea typeface="+mn-ea"/>
                 <a:cs typeface="+mn-cs"/>
               </a:rPr>
-              <a:t>Date and timings for all students except UFOL/UDER:</a:t>
+              <a:t>Date and timings :</a:t>
             </a:r>
           </a:p>
           <a:p>
@@ -19948,32 +22555,7 @@
                 <a:uFillTx/>
                 <a:latin typeface="Consolas" panose="020B0609020204030204" pitchFamily="49" charset="0"/>
               </a:rPr>
-              <a:t>The exam will be via Honorlock on Friday, June 20, 10 am to 2 pm. </a:t>
-            </a:r>
-          </a:p>
-          <a:p>
-            <a:pPr marL="742950" lvl="1" indent="-285750">
-              <a:lnSpc>
-                <a:spcPct val="150000"/>
-              </a:lnSpc>
-              <a:buFont typeface="Wingdings" panose="05000000000000000000" pitchFamily="2" charset="2"/>
-              <a:buChar char="§"/>
-              <a:defRPr/>
-            </a:pPr>
-            <a:r>
-              <a:rPr kumimoji="0" lang="en-US" sz="1600" b="0" i="0" u="none" strike="noStrike" kern="1200" cap="none" spc="0" normalizeH="0" baseline="0" noProof="0" dirty="0">
-                <a:ln>
-                  <a:noFill/>
-                </a:ln>
-                <a:solidFill>
-                  <a:srgbClr val="EB6E19"/>
-                </a:solidFill>
-                <a:effectLst/>
-                <a:uLnTx/>
-                <a:uFillTx/>
-                <a:latin typeface="Consolas" panose="020B0609020204030204" pitchFamily="49" charset="0"/>
-              </a:rPr>
-              <a:t>You must start the exam by noon EST on June 20 as Canvas will throw you out at 2 pm EST.</a:t>
+              <a:t>The exam will be in class via Honorlock on Thursday, October 2, 1:55-3:50 pm. </a:t>
             </a:r>
           </a:p>
           <a:p>
@@ -20000,111 +22582,7 @@
                 <a:ea typeface="+mn-ea"/>
                 <a:cs typeface="+mn-cs"/>
               </a:rPr>
-              <a:t>Date and timings for UFOL/UDER students:</a:t>
-            </a:r>
-          </a:p>
-          <a:p>
-            <a:pPr marL="742950" lvl="1" indent="-285750">
-              <a:lnSpc>
-                <a:spcPct val="150000"/>
-              </a:lnSpc>
-              <a:buFont typeface="Wingdings" panose="05000000000000000000" pitchFamily="2" charset="2"/>
-              <a:buChar char="§"/>
-              <a:defRPr/>
-            </a:pPr>
-            <a:r>
-              <a:rPr kumimoji="0" lang="en-US" sz="1600" b="0" i="0" u="none" strike="noStrike" kern="1200" cap="none" spc="0" normalizeH="0" baseline="0" noProof="0" dirty="0">
-                <a:ln>
-                  <a:noFill/>
-                </a:ln>
-                <a:solidFill>
-                  <a:srgbClr val="EB6E19"/>
-                </a:solidFill>
-                <a:effectLst/>
-                <a:uLnTx/>
-                <a:uFillTx/>
-                <a:latin typeface="Consolas" panose="020B0609020204030204" pitchFamily="49" charset="0"/>
-              </a:rPr>
-              <a:t>The exam will be via Honorlock on between June 20, 10 am to June 21 midnight.</a:t>
-            </a:r>
-          </a:p>
-          <a:p>
-            <a:pPr marL="742950" lvl="1" indent="-285750">
-              <a:lnSpc>
-                <a:spcPct val="150000"/>
-              </a:lnSpc>
-              <a:buFont typeface="Wingdings" panose="05000000000000000000" pitchFamily="2" charset="2"/>
-              <a:buChar char="§"/>
-              <a:defRPr/>
-            </a:pPr>
-            <a:r>
-              <a:rPr kumimoji="0" lang="en-US" sz="1600" b="0" i="0" u="none" strike="noStrike" kern="1200" cap="none" spc="0" normalizeH="0" baseline="0" noProof="0" dirty="0">
-                <a:ln>
-                  <a:noFill/>
-                </a:ln>
-                <a:solidFill>
-                  <a:srgbClr val="EB6E19"/>
-                </a:solidFill>
-                <a:effectLst/>
-                <a:uLnTx/>
-                <a:uFillTx/>
-                <a:latin typeface="Consolas" panose="020B0609020204030204" pitchFamily="49" charset="0"/>
-              </a:rPr>
-              <a:t>You must start the exam by 10:00 pm EST on June 21 as Canvas will throw you out at midnight.</a:t>
-            </a:r>
-          </a:p>
-          <a:p>
-            <a:pPr marL="285750" indent="-285750">
-              <a:lnSpc>
-                <a:spcPct val="150000"/>
-              </a:lnSpc>
-              <a:buFont typeface="Wingdings" panose="05000000000000000000" pitchFamily="2" charset="2"/>
-              <a:buChar char="§"/>
-              <a:defRPr/>
-            </a:pPr>
-            <a:r>
-              <a:rPr kumimoji="0" lang="en-US" sz="1600" b="0" i="0" u="none" strike="noStrike" kern="1200" cap="none" spc="0" normalizeH="0" baseline="0" noProof="0" dirty="0">
-                <a:ln>
-                  <a:noFill/>
-                </a:ln>
-                <a:solidFill>
-                  <a:srgbClr val="0081E2"/>
-                </a:solidFill>
-                <a:effectLst/>
-                <a:uLnTx/>
-                <a:uFillTx/>
-                <a:latin typeface="Consolas" panose="020B0609020204030204" pitchFamily="49" charset="0"/>
-                <a:ea typeface="+mn-ea"/>
-                <a:cs typeface="+mn-cs"/>
-              </a:rPr>
-              <a:t>The exam will be over Honorlock. </a:t>
-            </a:r>
-          </a:p>
-          <a:p>
-            <a:pPr marL="285750" indent="-285750">
-              <a:lnSpc>
-                <a:spcPct val="150000"/>
-              </a:lnSpc>
-              <a:buFont typeface="Wingdings" panose="05000000000000000000" pitchFamily="2" charset="2"/>
-              <a:buChar char="§"/>
-              <a:defRPr/>
-            </a:pPr>
-            <a:r>
-              <a:rPr kumimoji="0" lang="en-US" sz="1600" b="0" i="0" u="none" strike="noStrike" kern="1200" cap="none" spc="0" normalizeH="0" baseline="0" noProof="0" dirty="0">
-                <a:ln>
-                  <a:noFill/>
-                </a:ln>
-                <a:solidFill>
-                  <a:srgbClr val="0081E2"/>
-                </a:solidFill>
-                <a:effectLst/>
-                <a:uLnTx/>
-                <a:uFillTx/>
-                <a:latin typeface="Consolas" panose="020B0609020204030204" pitchFamily="49" charset="0"/>
-                <a:ea typeface="+mn-ea"/>
-                <a:cs typeface="+mn-cs"/>
-              </a:rPr>
-              <a:t>The exam duration is 2 hours. </a:t>
+              <a:t>The exam duration is 1 hr 50 minutes hours. </a:t>
             </a:r>
           </a:p>
           <a:p>
@@ -20261,10 +22739,10 @@
       </p:sp>
       <p:sp>
         <p:nvSpPr>
-          <p:cNvPr id="3" name="TextBox 2">
+          <p:cNvPr id="5" name="TextBox 4">
             <a:extLst>
               <a:ext uri="{FF2B5EF4-FFF2-40B4-BE49-F238E27FC236}">
-                <a16:creationId xmlns:a16="http://schemas.microsoft.com/office/drawing/2014/main" id="{B5234676-5716-4491-96D9-87EEE8E8C7E6}"/>
+                <a16:creationId xmlns:a16="http://schemas.microsoft.com/office/drawing/2014/main" id="{B9F3F2B3-9659-875A-AE5F-17F90640C5E8}"/>
               </a:ext>
             </a:extLst>
           </p:cNvPr>
@@ -20273,8 +22751,8 @@
         </p:nvSpPr>
         <p:spPr>
           <a:xfrm>
-            <a:off x="1020846" y="1690688"/>
-            <a:ext cx="10686823" cy="5324535"/>
+            <a:off x="1083527" y="1823445"/>
+            <a:ext cx="10870580" cy="369332"/>
           </a:xfrm>
           <a:prstGeom prst="rect">
             <a:avLst/>
@@ -20282,264 +22760,21 @@
           <a:noFill/>
         </p:spPr>
         <p:txBody>
-          <a:bodyPr wrap="square" rtlCol="0">
+          <a:bodyPr wrap="square">
             <a:spAutoFit/>
           </a:bodyPr>
           <a:lstStyle/>
           <a:p>
-            <a:pPr lvl="0"/>
-            <a:r>
-              <a:rPr lang="en-US" sz="1600" dirty="0">
-                <a:solidFill>
-                  <a:srgbClr val="EB6E19"/>
-                </a:solidFill>
-                <a:latin typeface="Consolas" panose="020B0609020204030204" pitchFamily="49" charset="0"/>
-              </a:rPr>
-              <a:t>Algorithm Analysis</a:t>
-            </a:r>
-          </a:p>
-          <a:p>
-            <a:pPr marL="285750" lvl="0" indent="-285750">
-              <a:buFont typeface="Arial" panose="020B0604020202020204" pitchFamily="34" charset="0"/>
-              <a:buChar char="•"/>
-            </a:pPr>
-            <a:r>
-              <a:rPr lang="en-US" sz="1600" dirty="0">
-                <a:solidFill>
-                  <a:srgbClr val="0081E2"/>
-                </a:solidFill>
-                <a:latin typeface="Consolas" panose="020B0609020204030204" pitchFamily="49" charset="0"/>
-              </a:rPr>
-              <a:t>Analyze the Computational Complexity of a given code snippet</a:t>
-            </a:r>
-          </a:p>
-          <a:p>
-            <a:pPr marL="285750" lvl="0" indent="-285750">
-              <a:buFont typeface="Arial" panose="020B0604020202020204" pitchFamily="34" charset="0"/>
-              <a:buChar char="•"/>
-            </a:pPr>
-            <a:r>
-              <a:rPr lang="en-US" sz="1600" dirty="0">
-                <a:solidFill>
-                  <a:srgbClr val="0081E2"/>
-                </a:solidFill>
-                <a:latin typeface="Consolas" panose="020B0609020204030204" pitchFamily="49" charset="0"/>
-              </a:rPr>
-              <a:t>Understand what is Big O notation and order of growth</a:t>
-            </a:r>
-          </a:p>
-          <a:p>
-            <a:pPr marL="285750" lvl="0" indent="-285750">
-              <a:buFont typeface="Arial" panose="020B0604020202020204" pitchFamily="34" charset="0"/>
-              <a:buChar char="•"/>
-            </a:pPr>
-            <a:r>
-              <a:rPr lang="en-US" sz="1600" dirty="0">
-                <a:solidFill>
-                  <a:srgbClr val="0081E2"/>
-                </a:solidFill>
-                <a:latin typeface="Consolas" panose="020B0609020204030204" pitchFamily="49" charset="0"/>
-              </a:rPr>
-              <a:t>Identify functions that belong to the family of functions in Big O (we will not ask Big Theta, Big Omega or other notations in the exam)</a:t>
-            </a:r>
-          </a:p>
-          <a:p>
-            <a:pPr marL="285750" lvl="0" indent="-285750">
-              <a:buFont typeface="Arial" panose="020B0604020202020204" pitchFamily="34" charset="0"/>
-              <a:buChar char="•"/>
-            </a:pPr>
-            <a:r>
-              <a:rPr lang="en-US" sz="1600" dirty="0">
-                <a:solidFill>
-                  <a:srgbClr val="0081E2"/>
-                </a:solidFill>
-                <a:latin typeface="Consolas" panose="020B0609020204030204" pitchFamily="49" charset="0"/>
-              </a:rPr>
-              <a:t>Know or infer the runtime in terms of Big O of algorithms and scenarios covered in Weeks 2-6 for best, average, and worst case</a:t>
-            </a:r>
-          </a:p>
-          <a:p>
-            <a:pPr marL="285750" lvl="0" indent="-285750">
-              <a:buFont typeface="Arial" panose="020B0604020202020204" pitchFamily="34" charset="0"/>
-              <a:buChar char="•"/>
-            </a:pPr>
-            <a:r>
-              <a:rPr lang="en-US" sz="1600" dirty="0">
-                <a:solidFill>
-                  <a:srgbClr val="0081E2"/>
-                </a:solidFill>
-                <a:latin typeface="Consolas" panose="020B0609020204030204" pitchFamily="49" charset="0"/>
-              </a:rPr>
-              <a:t>Know how Linear and Binary Search Algorithms work</a:t>
-            </a:r>
-          </a:p>
-          <a:p>
-            <a:pPr marL="285750" lvl="0" indent="-285750">
-              <a:buFont typeface="Arial" panose="020B0604020202020204" pitchFamily="34" charset="0"/>
-              <a:buChar char="•"/>
-            </a:pPr>
-            <a:r>
-              <a:rPr lang="en-US" sz="1600" dirty="0">
-                <a:solidFill>
-                  <a:srgbClr val="0081E2"/>
-                </a:solidFill>
-                <a:latin typeface="Consolas" panose="020B0609020204030204" pitchFamily="49" charset="0"/>
-              </a:rPr>
-              <a:t>Know the three methods of evaluating the time execution of an algorithm</a:t>
-            </a:r>
-          </a:p>
-          <a:p>
-            <a:pPr marL="285750" lvl="0" indent="-285750">
-              <a:buFont typeface="Arial" panose="020B0604020202020204" pitchFamily="34" charset="0"/>
-              <a:buChar char="•"/>
-            </a:pPr>
-            <a:r>
-              <a:rPr lang="en-US" sz="1600">
-                <a:solidFill>
-                  <a:srgbClr val="0081E2"/>
-                </a:solidFill>
-                <a:latin typeface="Consolas" panose="020B0609020204030204" pitchFamily="49" charset="0"/>
-              </a:rPr>
-              <a:t>Comprehend and contrast the order of growth of a two or more functions</a:t>
-            </a:r>
-          </a:p>
-          <a:p>
-            <a:pPr lvl="0"/>
-            <a:endParaRPr lang="en-US" sz="1600" dirty="0">
-              <a:solidFill>
-                <a:srgbClr val="EB6E19"/>
-              </a:solidFill>
-              <a:latin typeface="Consolas" panose="020B0609020204030204" pitchFamily="49" charset="0"/>
-            </a:endParaRPr>
-          </a:p>
-          <a:p>
-            <a:pPr lvl="0"/>
-            <a:r>
-              <a:rPr lang="en-US" sz="1600" dirty="0">
-                <a:solidFill>
-                  <a:srgbClr val="EB6E19"/>
-                </a:solidFill>
-                <a:latin typeface="Consolas" panose="020B0609020204030204" pitchFamily="49" charset="0"/>
-              </a:rPr>
-              <a:t>List, Stacks, and Queues</a:t>
-            </a:r>
-          </a:p>
-          <a:p>
-            <a:pPr marL="285750" lvl="0" indent="-285750">
-              <a:buFont typeface="Arial" panose="020B0604020202020204" pitchFamily="34" charset="0"/>
-              <a:buChar char="•"/>
-            </a:pPr>
-            <a:r>
-              <a:rPr lang="en-US" sz="1600" dirty="0">
-                <a:solidFill>
-                  <a:srgbClr val="0081E2"/>
-                </a:solidFill>
-                <a:latin typeface="Consolas" panose="020B0609020204030204" pitchFamily="49" charset="0"/>
-              </a:rPr>
-              <a:t>Properties</a:t>
-            </a:r>
-          </a:p>
-          <a:p>
-            <a:pPr marL="285750" lvl="0" indent="-285750">
-              <a:buFont typeface="Arial" panose="020B0604020202020204" pitchFamily="34" charset="0"/>
-              <a:buChar char="•"/>
-            </a:pPr>
-            <a:r>
-              <a:rPr lang="en-US" sz="1600" dirty="0">
-                <a:solidFill>
-                  <a:srgbClr val="0081E2"/>
-                </a:solidFill>
-                <a:latin typeface="Consolas" panose="020B0609020204030204" pitchFamily="49" charset="0"/>
-              </a:rPr>
-              <a:t>Insertion, Deletion, Traversal, Search for all types of List, Stacks, and Queues</a:t>
-            </a:r>
-          </a:p>
-          <a:p>
-            <a:pPr marL="285750" lvl="0" indent="-285750">
-              <a:buFont typeface="Arial" panose="020B0604020202020204" pitchFamily="34" charset="0"/>
-              <a:buChar char="•"/>
-            </a:pPr>
-            <a:r>
-              <a:rPr lang="en-US" sz="1600" dirty="0">
-                <a:solidFill>
-                  <a:srgbClr val="0081E2"/>
-                </a:solidFill>
-                <a:latin typeface="Consolas" panose="020B0609020204030204" pitchFamily="49" charset="0"/>
-              </a:rPr>
-              <a:t>Ways of implementation</a:t>
-            </a:r>
-          </a:p>
-          <a:p>
-            <a:pPr marL="285750" lvl="0" indent="-285750">
-              <a:buFont typeface="Arial" panose="020B0604020202020204" pitchFamily="34" charset="0"/>
-              <a:buChar char="•"/>
-            </a:pPr>
-            <a:r>
-              <a:rPr lang="en-US" sz="1600" dirty="0">
-                <a:solidFill>
-                  <a:srgbClr val="0081E2"/>
-                </a:solidFill>
-                <a:latin typeface="Consolas" panose="020B0609020204030204" pitchFamily="49" charset="0"/>
-              </a:rPr>
-              <a:t>Critically think when a certain type is better in terms of performance</a:t>
-            </a:r>
-          </a:p>
-          <a:p>
-            <a:pPr marL="285750" lvl="0" indent="-285750">
-              <a:buFont typeface="Arial" panose="020B0604020202020204" pitchFamily="34" charset="0"/>
-              <a:buChar char="•"/>
-            </a:pPr>
-            <a:r>
-              <a:rPr lang="en-US" sz="1600" dirty="0">
-                <a:solidFill>
-                  <a:srgbClr val="0081E2"/>
-                </a:solidFill>
-                <a:latin typeface="Consolas" panose="020B0609020204030204" pitchFamily="49" charset="0"/>
-              </a:rPr>
-              <a:t>Pseudocodes on Operations/ADT/Problem Solving</a:t>
-            </a:r>
-          </a:p>
-          <a:p>
-            <a:pPr marL="285750" lvl="0" indent="-285750">
-              <a:buFont typeface="Arial" panose="020B0604020202020204" pitchFamily="34" charset="0"/>
-              <a:buChar char="•"/>
-            </a:pPr>
-            <a:r>
-              <a:rPr lang="en-US" sz="1600" dirty="0">
-                <a:solidFill>
-                  <a:srgbClr val="0081E2"/>
-                </a:solidFill>
-                <a:latin typeface="Consolas" panose="020B0609020204030204" pitchFamily="49" charset="0"/>
-              </a:rPr>
-              <a:t>Use cases of Stacks to evaluate expressions, call stacks, balancing parentheses, and finding palindromes</a:t>
-            </a:r>
-          </a:p>
-          <a:p>
-            <a:pPr marL="285750" lvl="0" indent="-285750">
-              <a:buFont typeface="Arial" panose="020B0604020202020204" pitchFamily="34" charset="0"/>
-              <a:buChar char="•"/>
-            </a:pPr>
-            <a:r>
-              <a:rPr lang="en-US" sz="1600" dirty="0">
-                <a:solidFill>
-                  <a:srgbClr val="0081E2"/>
-                </a:solidFill>
-                <a:latin typeface="Consolas" panose="020B0609020204030204" pitchFamily="49" charset="0"/>
-              </a:rPr>
-              <a:t>Performance (in terms of time and space)</a:t>
-            </a:r>
-          </a:p>
-          <a:p>
-            <a:pPr marL="742950" lvl="1" indent="-285750">
-              <a:buFont typeface="Arial"/>
-              <a:buChar char="•"/>
-            </a:pPr>
-            <a:endParaRPr lang="en-US" sz="2000" dirty="0">
-              <a:solidFill>
-                <a:srgbClr val="EB6E19"/>
-              </a:solidFill>
-              <a:latin typeface="Consolas" panose="020B0609020204030204" pitchFamily="49" charset="0"/>
-            </a:endParaRPr>
+            <a:r>
+              <a:rPr lang="en-US" dirty="0">
+                <a:hlinkClick r:id="rId3"/>
+              </a:rPr>
+              <a:t>https://docs.google.com/document/d/1XAUGHQE4JWmOsDkkbfTnLFoVi_QXySxC-J4XZnK4VTQ/edit?tab=t.0</a:t>
+            </a:r>
+            <a:r>
+              <a:rPr lang="en-US" dirty="0"/>
+              <a:t> </a:t>
+            </a:r>
           </a:p>
         </p:txBody>
       </p:sp>
